--- a/session6/presentation/Internet Of Things.pptx
+++ b/session6/presentation/Internet Of Things.pptx
@@ -30,7 +30,19 @@
     <p:sldId id="416" r:id="rId24"/>
     <p:sldId id="417" r:id="rId25"/>
     <p:sldId id="418" r:id="rId26"/>
-    <p:sldId id="267" r:id="rId27"/>
+    <p:sldId id="421" r:id="rId27"/>
+    <p:sldId id="422" r:id="rId28"/>
+    <p:sldId id="423" r:id="rId29"/>
+    <p:sldId id="424" r:id="rId30"/>
+    <p:sldId id="426" r:id="rId31"/>
+    <p:sldId id="425" r:id="rId32"/>
+    <p:sldId id="427" r:id="rId33"/>
+    <p:sldId id="428" r:id="rId34"/>
+    <p:sldId id="429" r:id="rId35"/>
+    <p:sldId id="430" r:id="rId36"/>
+    <p:sldId id="431" r:id="rId37"/>
+    <p:sldId id="432" r:id="rId38"/>
+    <p:sldId id="267" r:id="rId39"/>
   </p:sldIdLst>
   <p:sldSz cx="12192000" cy="6858000"/>
   <p:notesSz cx="6858000" cy="9144000"/>
@@ -270,7 +282,7 @@
           <a:p>
             <a:fld id="{1139FA4A-C808-4981-8BA9-64217A6CCEA7}" type="datetimeFigureOut">
               <a:rPr lang="en-US" smtClean="0"/>
-              <a:t>10/4/2017</a:t>
+              <a:t>12/6/2017</a:t>
             </a:fld>
             <a:endParaRPr lang="en-US"/>
           </a:p>
@@ -438,7 +450,7 @@
           <a:p>
             <a:fld id="{1139FA4A-C808-4981-8BA9-64217A6CCEA7}" type="datetimeFigureOut">
               <a:rPr lang="en-US" smtClean="0"/>
-              <a:t>10/4/2017</a:t>
+              <a:t>12/6/2017</a:t>
             </a:fld>
             <a:endParaRPr lang="en-US"/>
           </a:p>
@@ -616,7 +628,7 @@
           <a:p>
             <a:fld id="{1139FA4A-C808-4981-8BA9-64217A6CCEA7}" type="datetimeFigureOut">
               <a:rPr lang="en-US" smtClean="0"/>
-              <a:t>10/4/2017</a:t>
+              <a:t>12/6/2017</a:t>
             </a:fld>
             <a:endParaRPr lang="en-US"/>
           </a:p>
@@ -784,7 +796,7 @@
           <a:p>
             <a:fld id="{1139FA4A-C808-4981-8BA9-64217A6CCEA7}" type="datetimeFigureOut">
               <a:rPr lang="en-US" smtClean="0"/>
-              <a:t>10/4/2017</a:t>
+              <a:t>12/6/2017</a:t>
             </a:fld>
             <a:endParaRPr lang="en-US"/>
           </a:p>
@@ -1029,7 +1041,7 @@
           <a:p>
             <a:fld id="{1139FA4A-C808-4981-8BA9-64217A6CCEA7}" type="datetimeFigureOut">
               <a:rPr lang="en-US" smtClean="0"/>
-              <a:t>10/4/2017</a:t>
+              <a:t>12/6/2017</a:t>
             </a:fld>
             <a:endParaRPr lang="en-US"/>
           </a:p>
@@ -1258,7 +1270,7 @@
           <a:p>
             <a:fld id="{1139FA4A-C808-4981-8BA9-64217A6CCEA7}" type="datetimeFigureOut">
               <a:rPr lang="en-US" smtClean="0"/>
-              <a:t>10/4/2017</a:t>
+              <a:t>12/6/2017</a:t>
             </a:fld>
             <a:endParaRPr lang="en-US"/>
           </a:p>
@@ -1622,7 +1634,7 @@
           <a:p>
             <a:fld id="{1139FA4A-C808-4981-8BA9-64217A6CCEA7}" type="datetimeFigureOut">
               <a:rPr lang="en-US" smtClean="0"/>
-              <a:t>10/4/2017</a:t>
+              <a:t>12/6/2017</a:t>
             </a:fld>
             <a:endParaRPr lang="en-US"/>
           </a:p>
@@ -1739,7 +1751,7 @@
           <a:p>
             <a:fld id="{1139FA4A-C808-4981-8BA9-64217A6CCEA7}" type="datetimeFigureOut">
               <a:rPr lang="en-US" smtClean="0"/>
-              <a:t>10/4/2017</a:t>
+              <a:t>12/6/2017</a:t>
             </a:fld>
             <a:endParaRPr lang="en-US"/>
           </a:p>
@@ -1834,7 +1846,7 @@
           <a:p>
             <a:fld id="{1139FA4A-C808-4981-8BA9-64217A6CCEA7}" type="datetimeFigureOut">
               <a:rPr lang="en-US" smtClean="0"/>
-              <a:t>10/4/2017</a:t>
+              <a:t>12/6/2017</a:t>
             </a:fld>
             <a:endParaRPr lang="en-US"/>
           </a:p>
@@ -2109,7 +2121,7 @@
           <a:p>
             <a:fld id="{1139FA4A-C808-4981-8BA9-64217A6CCEA7}" type="datetimeFigureOut">
               <a:rPr lang="en-US" smtClean="0"/>
-              <a:t>10/4/2017</a:t>
+              <a:t>12/6/2017</a:t>
             </a:fld>
             <a:endParaRPr lang="en-US"/>
           </a:p>
@@ -2361,7 +2373,7 @@
           <a:p>
             <a:fld id="{1139FA4A-C808-4981-8BA9-64217A6CCEA7}" type="datetimeFigureOut">
               <a:rPr lang="en-US" smtClean="0"/>
-              <a:t>10/4/2017</a:t>
+              <a:t>12/6/2017</a:t>
             </a:fld>
             <a:endParaRPr lang="en-US"/>
           </a:p>
@@ -2572,7 +2584,7 @@
           <a:p>
             <a:fld id="{1139FA4A-C808-4981-8BA9-64217A6CCEA7}" type="datetimeFigureOut">
               <a:rPr lang="en-US" smtClean="0"/>
-              <a:t>10/4/2017</a:t>
+              <a:t>12/6/2017</a:t>
             </a:fld>
             <a:endParaRPr lang="en-US"/>
           </a:p>
@@ -10108,6 +10120,5039 @@
       </p:grpSpPr>
       <p:sp>
         <p:nvSpPr>
+          <p:cNvPr id="4" name="Title 1"/>
+          <p:cNvSpPr txBox="1">
+            <a:spLocks/>
+          </p:cNvSpPr>
+          <p:nvPr/>
+        </p:nvSpPr>
+        <p:spPr>
+          <a:xfrm>
+            <a:off x="0" y="1"/>
+            <a:ext cx="12192000" cy="721216"/>
+          </a:xfrm>
+          <a:prstGeom prst="rect">
+            <a:avLst/>
+          </a:prstGeom>
+        </p:spPr>
+        <p:style>
+          <a:lnRef idx="0">
+            <a:schemeClr val="accent1"/>
+          </a:lnRef>
+          <a:fillRef idx="3">
+            <a:schemeClr val="accent1"/>
+          </a:fillRef>
+          <a:effectRef idx="3">
+            <a:schemeClr val="accent1"/>
+          </a:effectRef>
+          <a:fontRef idx="minor">
+            <a:schemeClr val="lt1"/>
+          </a:fontRef>
+        </p:style>
+        <p:txBody>
+          <a:bodyPr vert="horz" lIns="91440" tIns="45720" rIns="91440" bIns="45720" rtlCol="0" anchor="ctr">
+            <a:normAutofit/>
+          </a:bodyPr>
+          <a:lstStyle>
+            <a:lvl1pPr algn="l" defTabSz="914400" rtl="0" eaLnBrk="1" latinLnBrk="0" hangingPunct="1">
+              <a:lnSpc>
+                <a:spcPct val="90000"/>
+              </a:lnSpc>
+              <a:spcBef>
+                <a:spcPct val="0"/>
+              </a:spcBef>
+              <a:buNone/>
+              <a:defRPr sz="4400" kern="1200">
+                <a:solidFill>
+                  <a:schemeClr val="lt1"/>
+                </a:solidFill>
+                <a:latin typeface="+mn-lt"/>
+                <a:ea typeface="+mn-ea"/>
+                <a:cs typeface="+mn-cs"/>
+              </a:defRPr>
+            </a:lvl1pPr>
+            <a:lvl2pPr>
+              <a:defRPr>
+                <a:solidFill>
+                  <a:schemeClr val="lt1"/>
+                </a:solidFill>
+                <a:latin typeface="+mn-lt"/>
+                <a:ea typeface="+mn-ea"/>
+                <a:cs typeface="+mn-cs"/>
+              </a:defRPr>
+            </a:lvl2pPr>
+            <a:lvl3pPr>
+              <a:defRPr>
+                <a:solidFill>
+                  <a:schemeClr val="lt1"/>
+                </a:solidFill>
+                <a:latin typeface="+mn-lt"/>
+                <a:ea typeface="+mn-ea"/>
+                <a:cs typeface="+mn-cs"/>
+              </a:defRPr>
+            </a:lvl3pPr>
+            <a:lvl4pPr>
+              <a:defRPr>
+                <a:solidFill>
+                  <a:schemeClr val="lt1"/>
+                </a:solidFill>
+                <a:latin typeface="+mn-lt"/>
+                <a:ea typeface="+mn-ea"/>
+                <a:cs typeface="+mn-cs"/>
+              </a:defRPr>
+            </a:lvl4pPr>
+            <a:lvl5pPr>
+              <a:defRPr>
+                <a:solidFill>
+                  <a:schemeClr val="lt1"/>
+                </a:solidFill>
+                <a:latin typeface="+mn-lt"/>
+                <a:ea typeface="+mn-ea"/>
+                <a:cs typeface="+mn-cs"/>
+              </a:defRPr>
+            </a:lvl5pPr>
+            <a:lvl6pPr>
+              <a:defRPr>
+                <a:solidFill>
+                  <a:schemeClr val="lt1"/>
+                </a:solidFill>
+                <a:latin typeface="+mn-lt"/>
+                <a:ea typeface="+mn-ea"/>
+                <a:cs typeface="+mn-cs"/>
+              </a:defRPr>
+            </a:lvl6pPr>
+            <a:lvl7pPr>
+              <a:defRPr>
+                <a:solidFill>
+                  <a:schemeClr val="lt1"/>
+                </a:solidFill>
+                <a:latin typeface="+mn-lt"/>
+                <a:ea typeface="+mn-ea"/>
+                <a:cs typeface="+mn-cs"/>
+              </a:defRPr>
+            </a:lvl7pPr>
+            <a:lvl8pPr>
+              <a:defRPr>
+                <a:solidFill>
+                  <a:schemeClr val="lt1"/>
+                </a:solidFill>
+                <a:latin typeface="+mn-lt"/>
+                <a:ea typeface="+mn-ea"/>
+                <a:cs typeface="+mn-cs"/>
+              </a:defRPr>
+            </a:lvl8pPr>
+            <a:lvl9pPr>
+              <a:defRPr>
+                <a:solidFill>
+                  <a:schemeClr val="lt1"/>
+                </a:solidFill>
+                <a:latin typeface="+mn-lt"/>
+                <a:ea typeface="+mn-ea"/>
+                <a:cs typeface="+mn-cs"/>
+              </a:defRPr>
+            </a:lvl9pPr>
+          </a:lstStyle>
+          <a:p>
+            <a:r>
+              <a:rPr lang="en-US" dirty="0"/>
+              <a:t>Sending Tweets Using </a:t>
+            </a:r>
+            <a:r>
+              <a:rPr lang="en-US" dirty="0" err="1"/>
+              <a:t>ThingSpeak</a:t>
+            </a:r>
+            <a:r>
+              <a:rPr lang="en-US" dirty="0"/>
+              <a:t> </a:t>
+            </a:r>
+          </a:p>
+        </p:txBody>
+      </p:sp>
+      <p:sp>
+        <p:nvSpPr>
+          <p:cNvPr id="5" name="AutoShape 2" descr="http://raspberry.piaustralia.com.au/product-images/piwithbox.jpg"/>
+          <p:cNvSpPr>
+            <a:spLocks noChangeAspect="1" noChangeArrowheads="1"/>
+          </p:cNvSpPr>
+          <p:nvPr/>
+        </p:nvSpPr>
+        <p:spPr bwMode="auto">
+          <a:xfrm>
+            <a:off x="63500" y="-136525"/>
+            <a:ext cx="9772650" cy="6343650"/>
+          </a:xfrm>
+          <a:prstGeom prst="rect">
+            <a:avLst/>
+          </a:prstGeom>
+          <a:noFill/>
+          <a:extLst>
+            <a:ext uri="{909E8E84-426E-40DD-AFC4-6F175D3DCCD1}">
+              <a14:hiddenFill xmlns:a14="http://schemas.microsoft.com/office/drawing/2010/main">
+                <a:solidFill>
+                  <a:srgbClr val="FFFFFF"/>
+                </a:solidFill>
+              </a14:hiddenFill>
+            </a:ext>
+          </a:extLst>
+        </p:spPr>
+        <p:txBody>
+          <a:bodyPr vert="horz" wrap="square" lIns="91440" tIns="45720" rIns="91440" bIns="45720" numCol="1" anchor="t" anchorCtr="0" compatLnSpc="1">
+            <a:prstTxWarp prst="textNoShape">
+              <a:avLst/>
+            </a:prstTxWarp>
+          </a:bodyPr>
+          <a:lstStyle/>
+          <a:p>
+            <a:endParaRPr lang="en-US"/>
+          </a:p>
+        </p:txBody>
+      </p:sp>
+      <p:sp>
+        <p:nvSpPr>
+          <p:cNvPr id="7" name="TextBox 6"/>
+          <p:cNvSpPr txBox="1"/>
+          <p:nvPr/>
+        </p:nvSpPr>
+        <p:spPr>
+          <a:xfrm>
+            <a:off x="417443" y="745199"/>
+            <a:ext cx="11357113" cy="3293209"/>
+          </a:xfrm>
+          <a:prstGeom prst="rect">
+            <a:avLst/>
+          </a:prstGeom>
+          <a:noFill/>
+        </p:spPr>
+        <p:txBody>
+          <a:bodyPr wrap="square" rtlCol="0">
+            <a:spAutoFit/>
+          </a:bodyPr>
+          <a:lstStyle/>
+          <a:p>
+            <a:pPr lvl="1"/>
+            <a:r>
+              <a:rPr lang="en-US" sz="2000" dirty="0"/>
+              <a:t>You want to automatically send tweets from your Raspberry Pi; for example, to irritate people by telling them the temperature of your CPU.</a:t>
+            </a:r>
+          </a:p>
+          <a:p>
+            <a:pPr lvl="1"/>
+            <a:endParaRPr lang="en-US" sz="2000" dirty="0"/>
+          </a:p>
+          <a:p>
+            <a:pPr lvl="1"/>
+            <a:r>
+              <a:rPr lang="en-US" sz="2000" dirty="0"/>
+              <a:t>You could just use </a:t>
+            </a:r>
+            <a:r>
+              <a:rPr lang="en-US" sz="2400" b="1" dirty="0"/>
+              <a:t>IFTTT </a:t>
+            </a:r>
+            <a:r>
+              <a:rPr lang="en-US" sz="2000" dirty="0"/>
+              <a:t>and change the Action Channel to be Twitter. However, the </a:t>
+            </a:r>
+            <a:r>
+              <a:rPr lang="en-US" sz="2000" dirty="0" err="1"/>
+              <a:t>ThingSpeak</a:t>
+            </a:r>
+            <a:r>
+              <a:rPr lang="en-US" sz="2000" dirty="0"/>
+              <a:t> service is an alternative way of doing this. </a:t>
+            </a:r>
+          </a:p>
+          <a:p>
+            <a:pPr lvl="1"/>
+            <a:endParaRPr lang="en-US" sz="2000" dirty="0"/>
+          </a:p>
+          <a:p>
+            <a:pPr lvl="1"/>
+            <a:r>
+              <a:rPr lang="en-US" sz="2000" dirty="0"/>
+              <a:t>Start by visiting </a:t>
+            </a:r>
+            <a:r>
+              <a:rPr lang="en-US" sz="2400" b="1" dirty="0">
+                <a:solidFill>
+                  <a:schemeClr val="accent1">
+                    <a:lumMod val="75000"/>
+                  </a:schemeClr>
+                </a:solidFill>
+              </a:rPr>
+              <a:t>https://thingspeak.com </a:t>
+            </a:r>
+            <a:r>
+              <a:rPr lang="en-US" sz="2000" dirty="0"/>
+              <a:t>and signing up. Then select the </a:t>
+            </a:r>
+            <a:r>
+              <a:rPr lang="en-US" sz="2000" dirty="0" err="1"/>
+              <a:t>ThingTweet</a:t>
+            </a:r>
+            <a:r>
+              <a:rPr lang="en-US" sz="2000" dirty="0"/>
+              <a:t> action (Following figure). You will be prompted to log in to Twitter.</a:t>
+            </a:r>
+          </a:p>
+          <a:p>
+            <a:pPr lvl="1"/>
+            <a:endParaRPr lang="en-US" sz="2000" dirty="0"/>
+          </a:p>
+          <a:p>
+            <a:pPr lvl="1"/>
+            <a:endParaRPr lang="en-US" sz="2000" dirty="0"/>
+          </a:p>
+        </p:txBody>
+      </p:sp>
+    </p:spTree>
+    <p:extLst>
+      <p:ext uri="{BB962C8B-B14F-4D97-AF65-F5344CB8AC3E}">
+        <p14:creationId xmlns:p14="http://schemas.microsoft.com/office/powerpoint/2010/main" val="3177764302"/>
+      </p:ext>
+    </p:extLst>
+  </p:cSld>
+  <p:clrMapOvr>
+    <a:masterClrMapping/>
+  </p:clrMapOvr>
+</p:sld>
+</file>
+
+<file path=ppt/slides/slide27.xml><?xml version="1.0" encoding="utf-8"?>
+<p:sld xmlns:a="http://schemas.openxmlformats.org/drawingml/2006/main" xmlns:r="http://schemas.openxmlformats.org/officeDocument/2006/relationships" xmlns:p="http://schemas.openxmlformats.org/presentationml/2006/main">
+  <p:cSld>
+    <p:spTree>
+      <p:nvGrpSpPr>
+        <p:cNvPr id="1" name=""/>
+        <p:cNvGrpSpPr/>
+        <p:nvPr/>
+      </p:nvGrpSpPr>
+      <p:grpSpPr>
+        <a:xfrm>
+          <a:off x="0" y="0"/>
+          <a:ext cx="0" cy="0"/>
+          <a:chOff x="0" y="0"/>
+          <a:chExt cx="0" cy="0"/>
+        </a:xfrm>
+      </p:grpSpPr>
+      <p:sp>
+        <p:nvSpPr>
+          <p:cNvPr id="4" name="Title 1"/>
+          <p:cNvSpPr txBox="1">
+            <a:spLocks/>
+          </p:cNvSpPr>
+          <p:nvPr/>
+        </p:nvSpPr>
+        <p:spPr>
+          <a:xfrm>
+            <a:off x="0" y="1"/>
+            <a:ext cx="12192000" cy="721216"/>
+          </a:xfrm>
+          <a:prstGeom prst="rect">
+            <a:avLst/>
+          </a:prstGeom>
+        </p:spPr>
+        <p:style>
+          <a:lnRef idx="0">
+            <a:schemeClr val="accent1"/>
+          </a:lnRef>
+          <a:fillRef idx="3">
+            <a:schemeClr val="accent1"/>
+          </a:fillRef>
+          <a:effectRef idx="3">
+            <a:schemeClr val="accent1"/>
+          </a:effectRef>
+          <a:fontRef idx="minor">
+            <a:schemeClr val="lt1"/>
+          </a:fontRef>
+        </p:style>
+        <p:txBody>
+          <a:bodyPr vert="horz" lIns="91440" tIns="45720" rIns="91440" bIns="45720" rtlCol="0" anchor="ctr">
+            <a:normAutofit/>
+          </a:bodyPr>
+          <a:lstStyle>
+            <a:lvl1pPr algn="l" defTabSz="914400" rtl="0" eaLnBrk="1" latinLnBrk="0" hangingPunct="1">
+              <a:lnSpc>
+                <a:spcPct val="90000"/>
+              </a:lnSpc>
+              <a:spcBef>
+                <a:spcPct val="0"/>
+              </a:spcBef>
+              <a:buNone/>
+              <a:defRPr sz="4400" kern="1200">
+                <a:solidFill>
+                  <a:schemeClr val="lt1"/>
+                </a:solidFill>
+                <a:latin typeface="+mn-lt"/>
+                <a:ea typeface="+mn-ea"/>
+                <a:cs typeface="+mn-cs"/>
+              </a:defRPr>
+            </a:lvl1pPr>
+            <a:lvl2pPr>
+              <a:defRPr>
+                <a:solidFill>
+                  <a:schemeClr val="lt1"/>
+                </a:solidFill>
+                <a:latin typeface="+mn-lt"/>
+                <a:ea typeface="+mn-ea"/>
+                <a:cs typeface="+mn-cs"/>
+              </a:defRPr>
+            </a:lvl2pPr>
+            <a:lvl3pPr>
+              <a:defRPr>
+                <a:solidFill>
+                  <a:schemeClr val="lt1"/>
+                </a:solidFill>
+                <a:latin typeface="+mn-lt"/>
+                <a:ea typeface="+mn-ea"/>
+                <a:cs typeface="+mn-cs"/>
+              </a:defRPr>
+            </a:lvl3pPr>
+            <a:lvl4pPr>
+              <a:defRPr>
+                <a:solidFill>
+                  <a:schemeClr val="lt1"/>
+                </a:solidFill>
+                <a:latin typeface="+mn-lt"/>
+                <a:ea typeface="+mn-ea"/>
+                <a:cs typeface="+mn-cs"/>
+              </a:defRPr>
+            </a:lvl4pPr>
+            <a:lvl5pPr>
+              <a:defRPr>
+                <a:solidFill>
+                  <a:schemeClr val="lt1"/>
+                </a:solidFill>
+                <a:latin typeface="+mn-lt"/>
+                <a:ea typeface="+mn-ea"/>
+                <a:cs typeface="+mn-cs"/>
+              </a:defRPr>
+            </a:lvl5pPr>
+            <a:lvl6pPr>
+              <a:defRPr>
+                <a:solidFill>
+                  <a:schemeClr val="lt1"/>
+                </a:solidFill>
+                <a:latin typeface="+mn-lt"/>
+                <a:ea typeface="+mn-ea"/>
+                <a:cs typeface="+mn-cs"/>
+              </a:defRPr>
+            </a:lvl6pPr>
+            <a:lvl7pPr>
+              <a:defRPr>
+                <a:solidFill>
+                  <a:schemeClr val="lt1"/>
+                </a:solidFill>
+                <a:latin typeface="+mn-lt"/>
+                <a:ea typeface="+mn-ea"/>
+                <a:cs typeface="+mn-cs"/>
+              </a:defRPr>
+            </a:lvl7pPr>
+            <a:lvl8pPr>
+              <a:defRPr>
+                <a:solidFill>
+                  <a:schemeClr val="lt1"/>
+                </a:solidFill>
+                <a:latin typeface="+mn-lt"/>
+                <a:ea typeface="+mn-ea"/>
+                <a:cs typeface="+mn-cs"/>
+              </a:defRPr>
+            </a:lvl8pPr>
+            <a:lvl9pPr>
+              <a:defRPr>
+                <a:solidFill>
+                  <a:schemeClr val="lt1"/>
+                </a:solidFill>
+                <a:latin typeface="+mn-lt"/>
+                <a:ea typeface="+mn-ea"/>
+                <a:cs typeface="+mn-cs"/>
+              </a:defRPr>
+            </a:lvl9pPr>
+          </a:lstStyle>
+          <a:p>
+            <a:r>
+              <a:rPr lang="en-US" dirty="0"/>
+              <a:t>Sending Tweets Using </a:t>
+            </a:r>
+            <a:r>
+              <a:rPr lang="en-US" dirty="0" err="1"/>
+              <a:t>ThingSpeak</a:t>
+            </a:r>
+            <a:r>
+              <a:rPr lang="en-US" dirty="0"/>
+              <a:t> </a:t>
+            </a:r>
+          </a:p>
+        </p:txBody>
+      </p:sp>
+      <p:sp>
+        <p:nvSpPr>
+          <p:cNvPr id="5" name="AutoShape 2" descr="http://raspberry.piaustralia.com.au/product-images/piwithbox.jpg"/>
+          <p:cNvSpPr>
+            <a:spLocks noChangeAspect="1" noChangeArrowheads="1"/>
+          </p:cNvSpPr>
+          <p:nvPr/>
+        </p:nvSpPr>
+        <p:spPr bwMode="auto">
+          <a:xfrm>
+            <a:off x="63500" y="-136525"/>
+            <a:ext cx="9772650" cy="6343650"/>
+          </a:xfrm>
+          <a:prstGeom prst="rect">
+            <a:avLst/>
+          </a:prstGeom>
+          <a:noFill/>
+          <a:extLst>
+            <a:ext uri="{909E8E84-426E-40DD-AFC4-6F175D3DCCD1}">
+              <a14:hiddenFill xmlns:a14="http://schemas.microsoft.com/office/drawing/2010/main">
+                <a:solidFill>
+                  <a:srgbClr val="FFFFFF"/>
+                </a:solidFill>
+              </a14:hiddenFill>
+            </a:ext>
+          </a:extLst>
+        </p:spPr>
+        <p:txBody>
+          <a:bodyPr vert="horz" wrap="square" lIns="91440" tIns="45720" rIns="91440" bIns="45720" numCol="1" anchor="t" anchorCtr="0" compatLnSpc="1">
+            <a:prstTxWarp prst="textNoShape">
+              <a:avLst/>
+            </a:prstTxWarp>
+          </a:bodyPr>
+          <a:lstStyle/>
+          <a:p>
+            <a:endParaRPr lang="en-US"/>
+          </a:p>
+        </p:txBody>
+      </p:sp>
+      <p:pic>
+        <p:nvPicPr>
+          <p:cNvPr id="2" name="Picture 1">
+            <a:extLst>
+              <a:ext uri="{FF2B5EF4-FFF2-40B4-BE49-F238E27FC236}">
+                <a16:creationId xmlns:a16="http://schemas.microsoft.com/office/drawing/2014/main" id="{362278BA-8274-44F9-B0AF-5BFD2FE028D1}"/>
+              </a:ext>
+            </a:extLst>
+          </p:cNvPr>
+          <p:cNvPicPr>
+            <a:picLocks noChangeAspect="1"/>
+          </p:cNvPicPr>
+          <p:nvPr/>
+        </p:nvPicPr>
+        <p:blipFill>
+          <a:blip r:embed="rId2"/>
+          <a:stretch>
+            <a:fillRect/>
+          </a:stretch>
+        </p:blipFill>
+        <p:spPr>
+          <a:xfrm>
+            <a:off x="233362" y="1637969"/>
+            <a:ext cx="11725275" cy="4400550"/>
+          </a:xfrm>
+          <a:prstGeom prst="rect">
+            <a:avLst/>
+          </a:prstGeom>
+        </p:spPr>
+      </p:pic>
+    </p:spTree>
+    <p:extLst>
+      <p:ext uri="{BB962C8B-B14F-4D97-AF65-F5344CB8AC3E}">
+        <p14:creationId xmlns:p14="http://schemas.microsoft.com/office/powerpoint/2010/main" val="705724565"/>
+      </p:ext>
+    </p:extLst>
+  </p:cSld>
+  <p:clrMapOvr>
+    <a:masterClrMapping/>
+  </p:clrMapOvr>
+</p:sld>
+</file>
+
+<file path=ppt/slides/slide28.xml><?xml version="1.0" encoding="utf-8"?>
+<p:sld xmlns:a="http://schemas.openxmlformats.org/drawingml/2006/main" xmlns:r="http://schemas.openxmlformats.org/officeDocument/2006/relationships" xmlns:p="http://schemas.openxmlformats.org/presentationml/2006/main">
+  <p:cSld>
+    <p:spTree>
+      <p:nvGrpSpPr>
+        <p:cNvPr id="1" name=""/>
+        <p:cNvGrpSpPr/>
+        <p:nvPr/>
+      </p:nvGrpSpPr>
+      <p:grpSpPr>
+        <a:xfrm>
+          <a:off x="0" y="0"/>
+          <a:ext cx="0" cy="0"/>
+          <a:chOff x="0" y="0"/>
+          <a:chExt cx="0" cy="0"/>
+        </a:xfrm>
+      </p:grpSpPr>
+      <p:sp>
+        <p:nvSpPr>
+          <p:cNvPr id="4" name="Title 1"/>
+          <p:cNvSpPr txBox="1">
+            <a:spLocks/>
+          </p:cNvSpPr>
+          <p:nvPr/>
+        </p:nvSpPr>
+        <p:spPr>
+          <a:xfrm>
+            <a:off x="0" y="1"/>
+            <a:ext cx="12192000" cy="721216"/>
+          </a:xfrm>
+          <a:prstGeom prst="rect">
+            <a:avLst/>
+          </a:prstGeom>
+        </p:spPr>
+        <p:style>
+          <a:lnRef idx="0">
+            <a:schemeClr val="accent1"/>
+          </a:lnRef>
+          <a:fillRef idx="3">
+            <a:schemeClr val="accent1"/>
+          </a:fillRef>
+          <a:effectRef idx="3">
+            <a:schemeClr val="accent1"/>
+          </a:effectRef>
+          <a:fontRef idx="minor">
+            <a:schemeClr val="lt1"/>
+          </a:fontRef>
+        </p:style>
+        <p:txBody>
+          <a:bodyPr vert="horz" lIns="91440" tIns="45720" rIns="91440" bIns="45720" rtlCol="0" anchor="ctr">
+            <a:normAutofit/>
+          </a:bodyPr>
+          <a:lstStyle>
+            <a:lvl1pPr algn="l" defTabSz="914400" rtl="0" eaLnBrk="1" latinLnBrk="0" hangingPunct="1">
+              <a:lnSpc>
+                <a:spcPct val="90000"/>
+              </a:lnSpc>
+              <a:spcBef>
+                <a:spcPct val="0"/>
+              </a:spcBef>
+              <a:buNone/>
+              <a:defRPr sz="4400" kern="1200">
+                <a:solidFill>
+                  <a:schemeClr val="lt1"/>
+                </a:solidFill>
+                <a:latin typeface="+mn-lt"/>
+                <a:ea typeface="+mn-ea"/>
+                <a:cs typeface="+mn-cs"/>
+              </a:defRPr>
+            </a:lvl1pPr>
+            <a:lvl2pPr>
+              <a:defRPr>
+                <a:solidFill>
+                  <a:schemeClr val="lt1"/>
+                </a:solidFill>
+                <a:latin typeface="+mn-lt"/>
+                <a:ea typeface="+mn-ea"/>
+                <a:cs typeface="+mn-cs"/>
+              </a:defRPr>
+            </a:lvl2pPr>
+            <a:lvl3pPr>
+              <a:defRPr>
+                <a:solidFill>
+                  <a:schemeClr val="lt1"/>
+                </a:solidFill>
+                <a:latin typeface="+mn-lt"/>
+                <a:ea typeface="+mn-ea"/>
+                <a:cs typeface="+mn-cs"/>
+              </a:defRPr>
+            </a:lvl3pPr>
+            <a:lvl4pPr>
+              <a:defRPr>
+                <a:solidFill>
+                  <a:schemeClr val="lt1"/>
+                </a:solidFill>
+                <a:latin typeface="+mn-lt"/>
+                <a:ea typeface="+mn-ea"/>
+                <a:cs typeface="+mn-cs"/>
+              </a:defRPr>
+            </a:lvl4pPr>
+            <a:lvl5pPr>
+              <a:defRPr>
+                <a:solidFill>
+                  <a:schemeClr val="lt1"/>
+                </a:solidFill>
+                <a:latin typeface="+mn-lt"/>
+                <a:ea typeface="+mn-ea"/>
+                <a:cs typeface="+mn-cs"/>
+              </a:defRPr>
+            </a:lvl5pPr>
+            <a:lvl6pPr>
+              <a:defRPr>
+                <a:solidFill>
+                  <a:schemeClr val="lt1"/>
+                </a:solidFill>
+                <a:latin typeface="+mn-lt"/>
+                <a:ea typeface="+mn-ea"/>
+                <a:cs typeface="+mn-cs"/>
+              </a:defRPr>
+            </a:lvl6pPr>
+            <a:lvl7pPr>
+              <a:defRPr>
+                <a:solidFill>
+                  <a:schemeClr val="lt1"/>
+                </a:solidFill>
+                <a:latin typeface="+mn-lt"/>
+                <a:ea typeface="+mn-ea"/>
+                <a:cs typeface="+mn-cs"/>
+              </a:defRPr>
+            </a:lvl7pPr>
+            <a:lvl8pPr>
+              <a:defRPr>
+                <a:solidFill>
+                  <a:schemeClr val="lt1"/>
+                </a:solidFill>
+                <a:latin typeface="+mn-lt"/>
+                <a:ea typeface="+mn-ea"/>
+                <a:cs typeface="+mn-cs"/>
+              </a:defRPr>
+            </a:lvl8pPr>
+            <a:lvl9pPr>
+              <a:defRPr>
+                <a:solidFill>
+                  <a:schemeClr val="lt1"/>
+                </a:solidFill>
+                <a:latin typeface="+mn-lt"/>
+                <a:ea typeface="+mn-ea"/>
+                <a:cs typeface="+mn-cs"/>
+              </a:defRPr>
+            </a:lvl9pPr>
+          </a:lstStyle>
+          <a:p>
+            <a:r>
+              <a:rPr lang="en-US" dirty="0"/>
+              <a:t>SendTweet.py project </a:t>
+            </a:r>
+          </a:p>
+        </p:txBody>
+      </p:sp>
+      <p:sp>
+        <p:nvSpPr>
+          <p:cNvPr id="5" name="AutoShape 2" descr="http://raspberry.piaustralia.com.au/product-images/piwithbox.jpg"/>
+          <p:cNvSpPr>
+            <a:spLocks noChangeAspect="1" noChangeArrowheads="1"/>
+          </p:cNvSpPr>
+          <p:nvPr/>
+        </p:nvSpPr>
+        <p:spPr bwMode="auto">
+          <a:xfrm>
+            <a:off x="63500" y="-136525"/>
+            <a:ext cx="9772650" cy="6343650"/>
+          </a:xfrm>
+          <a:prstGeom prst="rect">
+            <a:avLst/>
+          </a:prstGeom>
+          <a:noFill/>
+          <a:extLst>
+            <a:ext uri="{909E8E84-426E-40DD-AFC4-6F175D3DCCD1}">
+              <a14:hiddenFill xmlns:a14="http://schemas.microsoft.com/office/drawing/2010/main">
+                <a:solidFill>
+                  <a:srgbClr val="FFFFFF"/>
+                </a:solidFill>
+              </a14:hiddenFill>
+            </a:ext>
+          </a:extLst>
+        </p:spPr>
+        <p:txBody>
+          <a:bodyPr vert="horz" wrap="square" lIns="91440" tIns="45720" rIns="91440" bIns="45720" numCol="1" anchor="t" anchorCtr="0" compatLnSpc="1">
+            <a:prstTxWarp prst="textNoShape">
+              <a:avLst/>
+            </a:prstTxWarp>
+          </a:bodyPr>
+          <a:lstStyle/>
+          <a:p>
+            <a:endParaRPr lang="en-US"/>
+          </a:p>
+        </p:txBody>
+      </p:sp>
+      <p:sp>
+        <p:nvSpPr>
+          <p:cNvPr id="7" name="TextBox 6"/>
+          <p:cNvSpPr txBox="1"/>
+          <p:nvPr/>
+        </p:nvSpPr>
+        <p:spPr>
+          <a:xfrm>
+            <a:off x="417443" y="745199"/>
+            <a:ext cx="11357113" cy="4093428"/>
+          </a:xfrm>
+          <a:prstGeom prst="rect">
+            <a:avLst/>
+          </a:prstGeom>
+          <a:noFill/>
+        </p:spPr>
+        <p:txBody>
+          <a:bodyPr wrap="square" rtlCol="0">
+            <a:spAutoFit/>
+          </a:bodyPr>
+          <a:lstStyle/>
+          <a:p>
+            <a:pPr lvl="1"/>
+            <a:r>
+              <a:rPr lang="en-US" sz="2000" b="1" i="1" dirty="0">
+                <a:solidFill>
+                  <a:srgbClr val="0070C0"/>
+                </a:solidFill>
+                <a:latin typeface="Consolas" panose="020B0609020204030204" pitchFamily="49" charset="0"/>
+              </a:rPr>
+              <a:t>import time, </a:t>
+            </a:r>
+            <a:r>
+              <a:rPr lang="en-US" sz="2000" b="1" i="1" dirty="0" err="1">
+                <a:solidFill>
+                  <a:srgbClr val="0070C0"/>
+                </a:solidFill>
+                <a:latin typeface="Consolas" panose="020B0609020204030204" pitchFamily="49" charset="0"/>
+              </a:rPr>
+              <a:t>os</a:t>
+            </a:r>
+            <a:r>
+              <a:rPr lang="en-US" sz="2000" b="1" i="1" dirty="0">
+                <a:solidFill>
+                  <a:srgbClr val="0070C0"/>
+                </a:solidFill>
+                <a:latin typeface="Consolas" panose="020B0609020204030204" pitchFamily="49" charset="0"/>
+              </a:rPr>
+              <a:t>, </a:t>
+            </a:r>
+            <a:r>
+              <a:rPr lang="en-US" sz="2000" b="1" i="1" dirty="0" err="1">
+                <a:solidFill>
+                  <a:srgbClr val="0070C0"/>
+                </a:solidFill>
+                <a:latin typeface="Consolas" panose="020B0609020204030204" pitchFamily="49" charset="0"/>
+              </a:rPr>
+              <a:t>urllib</a:t>
+            </a:r>
+            <a:r>
+              <a:rPr lang="en-US" sz="2000" b="1" i="1" dirty="0">
+                <a:solidFill>
+                  <a:srgbClr val="0070C0"/>
+                </a:solidFill>
+                <a:latin typeface="Consolas" panose="020B0609020204030204" pitchFamily="49" charset="0"/>
+              </a:rPr>
+              <a:t>, urllib2</a:t>
+            </a:r>
+          </a:p>
+          <a:p>
+            <a:pPr lvl="1"/>
+            <a:endParaRPr lang="en-US" sz="2000" b="1" i="1" dirty="0">
+              <a:solidFill>
+                <a:srgbClr val="0070C0"/>
+              </a:solidFill>
+              <a:latin typeface="Consolas" panose="020B0609020204030204" pitchFamily="49" charset="0"/>
+            </a:endParaRPr>
+          </a:p>
+          <a:p>
+            <a:pPr lvl="1"/>
+            <a:r>
+              <a:rPr lang="en-US" sz="2000" b="1" i="1" dirty="0">
+                <a:solidFill>
+                  <a:srgbClr val="0070C0"/>
+                </a:solidFill>
+                <a:latin typeface="Consolas" panose="020B0609020204030204" pitchFamily="49" charset="0"/>
+              </a:rPr>
+              <a:t>MAX_TEMP = 37.0 </a:t>
+            </a:r>
+          </a:p>
+          <a:p>
+            <a:pPr lvl="1"/>
+            <a:r>
+              <a:rPr lang="en-US" sz="2000" b="1" i="1" dirty="0">
+                <a:solidFill>
+                  <a:srgbClr val="0070C0"/>
+                </a:solidFill>
+                <a:latin typeface="Consolas" panose="020B0609020204030204" pitchFamily="49" charset="0"/>
+              </a:rPr>
+              <a:t>MIN_T_BETWEEN_WARNINGS = 60 # Minutes</a:t>
+            </a:r>
+          </a:p>
+          <a:p>
+            <a:pPr lvl="1"/>
+            <a:r>
+              <a:rPr lang="en-US" sz="2000" b="1" i="1" dirty="0">
+                <a:solidFill>
+                  <a:srgbClr val="0070C0"/>
+                </a:solidFill>
+                <a:latin typeface="Consolas" panose="020B0609020204030204" pitchFamily="49" charset="0"/>
+              </a:rPr>
+              <a:t>BASE_URL = 'https://api.thingspeak.com/apps/</a:t>
+            </a:r>
+            <a:r>
+              <a:rPr lang="en-US" sz="2000" b="1" i="1" dirty="0" err="1">
+                <a:solidFill>
+                  <a:srgbClr val="0070C0"/>
+                </a:solidFill>
+                <a:latin typeface="Consolas" panose="020B0609020204030204" pitchFamily="49" charset="0"/>
+              </a:rPr>
+              <a:t>thingtweet</a:t>
+            </a:r>
+            <a:r>
+              <a:rPr lang="en-US" sz="2000" b="1" i="1" dirty="0">
+                <a:solidFill>
+                  <a:srgbClr val="0070C0"/>
+                </a:solidFill>
+                <a:latin typeface="Consolas" panose="020B0609020204030204" pitchFamily="49" charset="0"/>
+              </a:rPr>
+              <a:t>/1/statuses/update/' KEY = '68LZC4LBMXLO6YDY’</a:t>
+            </a:r>
+          </a:p>
+          <a:p>
+            <a:pPr lvl="1"/>
+            <a:endParaRPr lang="en-US" sz="2000" b="1" i="1" dirty="0">
+              <a:solidFill>
+                <a:srgbClr val="0070C0"/>
+              </a:solidFill>
+              <a:latin typeface="Consolas" panose="020B0609020204030204" pitchFamily="49" charset="0"/>
+            </a:endParaRPr>
+          </a:p>
+          <a:p>
+            <a:pPr lvl="1"/>
+            <a:r>
+              <a:rPr lang="en-US" sz="2000" b="1" i="1" dirty="0">
+                <a:solidFill>
+                  <a:srgbClr val="0070C0"/>
+                </a:solidFill>
+                <a:latin typeface="Consolas" panose="020B0609020204030204" pitchFamily="49" charset="0"/>
+              </a:rPr>
+              <a:t>def </a:t>
+            </a:r>
+            <a:r>
+              <a:rPr lang="en-US" sz="2000" b="1" i="1" dirty="0" err="1">
+                <a:solidFill>
+                  <a:srgbClr val="0070C0"/>
+                </a:solidFill>
+                <a:latin typeface="Consolas" panose="020B0609020204030204" pitchFamily="49" charset="0"/>
+              </a:rPr>
+              <a:t>send_notification</a:t>
+            </a:r>
+            <a:r>
+              <a:rPr lang="en-US" sz="2000" b="1" i="1" dirty="0">
+                <a:solidFill>
+                  <a:srgbClr val="0070C0"/>
+                </a:solidFill>
+                <a:latin typeface="Consolas" panose="020B0609020204030204" pitchFamily="49" charset="0"/>
+              </a:rPr>
+              <a:t>(temp):    </a:t>
+            </a:r>
+          </a:p>
+          <a:p>
+            <a:pPr lvl="1"/>
+            <a:r>
+              <a:rPr lang="en-US" sz="2000" b="1" i="1" dirty="0">
+                <a:solidFill>
+                  <a:srgbClr val="0070C0"/>
+                </a:solidFill>
+                <a:latin typeface="Consolas" panose="020B0609020204030204" pitchFamily="49" charset="0"/>
+              </a:rPr>
+              <a:t>	status = 'Raspberry Pi getting hot. </a:t>
+            </a:r>
+          </a:p>
+          <a:p>
+            <a:pPr lvl="1"/>
+            <a:r>
+              <a:rPr lang="en-US" sz="2000" b="1" i="1" dirty="0">
+                <a:solidFill>
+                  <a:srgbClr val="0070C0"/>
+                </a:solidFill>
+                <a:latin typeface="Consolas" panose="020B0609020204030204" pitchFamily="49" charset="0"/>
+              </a:rPr>
+              <a:t>	CPU temp=' + temp    </a:t>
+            </a:r>
+          </a:p>
+          <a:p>
+            <a:pPr lvl="1"/>
+            <a:r>
+              <a:rPr lang="en-US" sz="2000" b="1" i="1" dirty="0">
+                <a:solidFill>
+                  <a:srgbClr val="0070C0"/>
+                </a:solidFill>
+                <a:latin typeface="Consolas" panose="020B0609020204030204" pitchFamily="49" charset="0"/>
+              </a:rPr>
+              <a:t>	data = </a:t>
+            </a:r>
+            <a:r>
+              <a:rPr lang="en-US" sz="2000" b="1" i="1" dirty="0" err="1">
+                <a:solidFill>
+                  <a:srgbClr val="0070C0"/>
+                </a:solidFill>
+                <a:latin typeface="Consolas" panose="020B0609020204030204" pitchFamily="49" charset="0"/>
+              </a:rPr>
+              <a:t>urllib.urlencode</a:t>
+            </a:r>
+            <a:r>
+              <a:rPr lang="en-US" sz="2000" b="1" i="1" dirty="0">
+                <a:solidFill>
+                  <a:srgbClr val="0070C0"/>
+                </a:solidFill>
+                <a:latin typeface="Consolas" panose="020B0609020204030204" pitchFamily="49" charset="0"/>
+              </a:rPr>
+              <a:t>({'</a:t>
+            </a:r>
+            <a:r>
+              <a:rPr lang="en-US" sz="2000" b="1" i="1" dirty="0" err="1">
+                <a:solidFill>
+                  <a:srgbClr val="0070C0"/>
+                </a:solidFill>
+                <a:latin typeface="Consolas" panose="020B0609020204030204" pitchFamily="49" charset="0"/>
+              </a:rPr>
+              <a:t>api_key</a:t>
+            </a:r>
+            <a:r>
+              <a:rPr lang="en-US" sz="2000" b="1" i="1" dirty="0">
+                <a:solidFill>
+                  <a:srgbClr val="0070C0"/>
+                </a:solidFill>
+                <a:latin typeface="Consolas" panose="020B0609020204030204" pitchFamily="49" charset="0"/>
+              </a:rPr>
+              <a:t>' : KEY, 'status': status})    </a:t>
+            </a:r>
+          </a:p>
+          <a:p>
+            <a:pPr lvl="1"/>
+            <a:r>
+              <a:rPr lang="en-US" sz="2000" b="1" i="1" dirty="0">
+                <a:solidFill>
+                  <a:srgbClr val="0070C0"/>
+                </a:solidFill>
+                <a:latin typeface="Consolas" panose="020B0609020204030204" pitchFamily="49" charset="0"/>
+              </a:rPr>
+              <a:t>	response = urllib2.urlopen(</a:t>
+            </a:r>
+            <a:r>
+              <a:rPr lang="en-US" sz="2000" b="1" i="1" dirty="0" err="1">
+                <a:solidFill>
+                  <a:srgbClr val="0070C0"/>
+                </a:solidFill>
+                <a:latin typeface="Consolas" panose="020B0609020204030204" pitchFamily="49" charset="0"/>
+              </a:rPr>
+              <a:t>url</a:t>
+            </a:r>
+            <a:r>
+              <a:rPr lang="en-US" sz="2000" b="1" i="1" dirty="0">
+                <a:solidFill>
+                  <a:srgbClr val="0070C0"/>
+                </a:solidFill>
+                <a:latin typeface="Consolas" panose="020B0609020204030204" pitchFamily="49" charset="0"/>
+              </a:rPr>
+              <a:t>=BASE_URL, data=data)    </a:t>
+            </a:r>
+          </a:p>
+          <a:p>
+            <a:pPr lvl="1"/>
+            <a:r>
+              <a:rPr lang="en-US" sz="2000" b="1" i="1" dirty="0">
+                <a:solidFill>
+                  <a:srgbClr val="0070C0"/>
+                </a:solidFill>
+                <a:latin typeface="Consolas" panose="020B0609020204030204" pitchFamily="49" charset="0"/>
+              </a:rPr>
+              <a:t>	print(</a:t>
+            </a:r>
+            <a:r>
+              <a:rPr lang="en-US" sz="2000" b="1" i="1" dirty="0" err="1">
+                <a:solidFill>
+                  <a:srgbClr val="0070C0"/>
+                </a:solidFill>
+                <a:latin typeface="Consolas" panose="020B0609020204030204" pitchFamily="49" charset="0"/>
+              </a:rPr>
+              <a:t>response.read</a:t>
+            </a:r>
+            <a:r>
+              <a:rPr lang="en-US" sz="2000" b="1" i="1" dirty="0">
+                <a:solidFill>
+                  <a:srgbClr val="0070C0"/>
+                </a:solidFill>
+                <a:latin typeface="Consolas" panose="020B0609020204030204" pitchFamily="49" charset="0"/>
+              </a:rPr>
+              <a:t>())</a:t>
+            </a:r>
+          </a:p>
+        </p:txBody>
+      </p:sp>
+    </p:spTree>
+    <p:extLst>
+      <p:ext uri="{BB962C8B-B14F-4D97-AF65-F5344CB8AC3E}">
+        <p14:creationId xmlns:p14="http://schemas.microsoft.com/office/powerpoint/2010/main" val="1438346809"/>
+      </p:ext>
+    </p:extLst>
+  </p:cSld>
+  <p:clrMapOvr>
+    <a:masterClrMapping/>
+  </p:clrMapOvr>
+</p:sld>
+</file>
+
+<file path=ppt/slides/slide29.xml><?xml version="1.0" encoding="utf-8"?>
+<p:sld xmlns:a="http://schemas.openxmlformats.org/drawingml/2006/main" xmlns:r="http://schemas.openxmlformats.org/officeDocument/2006/relationships" xmlns:p="http://schemas.openxmlformats.org/presentationml/2006/main">
+  <p:cSld>
+    <p:spTree>
+      <p:nvGrpSpPr>
+        <p:cNvPr id="1" name=""/>
+        <p:cNvGrpSpPr/>
+        <p:nvPr/>
+      </p:nvGrpSpPr>
+      <p:grpSpPr>
+        <a:xfrm>
+          <a:off x="0" y="0"/>
+          <a:ext cx="0" cy="0"/>
+          <a:chOff x="0" y="0"/>
+          <a:chExt cx="0" cy="0"/>
+        </a:xfrm>
+      </p:grpSpPr>
+      <p:sp>
+        <p:nvSpPr>
+          <p:cNvPr id="4" name="Title 1"/>
+          <p:cNvSpPr txBox="1">
+            <a:spLocks/>
+          </p:cNvSpPr>
+          <p:nvPr/>
+        </p:nvSpPr>
+        <p:spPr>
+          <a:xfrm>
+            <a:off x="0" y="1"/>
+            <a:ext cx="12192000" cy="721216"/>
+          </a:xfrm>
+          <a:prstGeom prst="rect">
+            <a:avLst/>
+          </a:prstGeom>
+        </p:spPr>
+        <p:style>
+          <a:lnRef idx="0">
+            <a:schemeClr val="accent1"/>
+          </a:lnRef>
+          <a:fillRef idx="3">
+            <a:schemeClr val="accent1"/>
+          </a:fillRef>
+          <a:effectRef idx="3">
+            <a:schemeClr val="accent1"/>
+          </a:effectRef>
+          <a:fontRef idx="minor">
+            <a:schemeClr val="lt1"/>
+          </a:fontRef>
+        </p:style>
+        <p:txBody>
+          <a:bodyPr vert="horz" lIns="91440" tIns="45720" rIns="91440" bIns="45720" rtlCol="0" anchor="ctr">
+            <a:normAutofit/>
+          </a:bodyPr>
+          <a:lstStyle>
+            <a:lvl1pPr algn="l" defTabSz="914400" rtl="0" eaLnBrk="1" latinLnBrk="0" hangingPunct="1">
+              <a:lnSpc>
+                <a:spcPct val="90000"/>
+              </a:lnSpc>
+              <a:spcBef>
+                <a:spcPct val="0"/>
+              </a:spcBef>
+              <a:buNone/>
+              <a:defRPr sz="4400" kern="1200">
+                <a:solidFill>
+                  <a:schemeClr val="lt1"/>
+                </a:solidFill>
+                <a:latin typeface="+mn-lt"/>
+                <a:ea typeface="+mn-ea"/>
+                <a:cs typeface="+mn-cs"/>
+              </a:defRPr>
+            </a:lvl1pPr>
+            <a:lvl2pPr>
+              <a:defRPr>
+                <a:solidFill>
+                  <a:schemeClr val="lt1"/>
+                </a:solidFill>
+                <a:latin typeface="+mn-lt"/>
+                <a:ea typeface="+mn-ea"/>
+                <a:cs typeface="+mn-cs"/>
+              </a:defRPr>
+            </a:lvl2pPr>
+            <a:lvl3pPr>
+              <a:defRPr>
+                <a:solidFill>
+                  <a:schemeClr val="lt1"/>
+                </a:solidFill>
+                <a:latin typeface="+mn-lt"/>
+                <a:ea typeface="+mn-ea"/>
+                <a:cs typeface="+mn-cs"/>
+              </a:defRPr>
+            </a:lvl3pPr>
+            <a:lvl4pPr>
+              <a:defRPr>
+                <a:solidFill>
+                  <a:schemeClr val="lt1"/>
+                </a:solidFill>
+                <a:latin typeface="+mn-lt"/>
+                <a:ea typeface="+mn-ea"/>
+                <a:cs typeface="+mn-cs"/>
+              </a:defRPr>
+            </a:lvl4pPr>
+            <a:lvl5pPr>
+              <a:defRPr>
+                <a:solidFill>
+                  <a:schemeClr val="lt1"/>
+                </a:solidFill>
+                <a:latin typeface="+mn-lt"/>
+                <a:ea typeface="+mn-ea"/>
+                <a:cs typeface="+mn-cs"/>
+              </a:defRPr>
+            </a:lvl5pPr>
+            <a:lvl6pPr>
+              <a:defRPr>
+                <a:solidFill>
+                  <a:schemeClr val="lt1"/>
+                </a:solidFill>
+                <a:latin typeface="+mn-lt"/>
+                <a:ea typeface="+mn-ea"/>
+                <a:cs typeface="+mn-cs"/>
+              </a:defRPr>
+            </a:lvl6pPr>
+            <a:lvl7pPr>
+              <a:defRPr>
+                <a:solidFill>
+                  <a:schemeClr val="lt1"/>
+                </a:solidFill>
+                <a:latin typeface="+mn-lt"/>
+                <a:ea typeface="+mn-ea"/>
+                <a:cs typeface="+mn-cs"/>
+              </a:defRPr>
+            </a:lvl7pPr>
+            <a:lvl8pPr>
+              <a:defRPr>
+                <a:solidFill>
+                  <a:schemeClr val="lt1"/>
+                </a:solidFill>
+                <a:latin typeface="+mn-lt"/>
+                <a:ea typeface="+mn-ea"/>
+                <a:cs typeface="+mn-cs"/>
+              </a:defRPr>
+            </a:lvl8pPr>
+            <a:lvl9pPr>
+              <a:defRPr>
+                <a:solidFill>
+                  <a:schemeClr val="lt1"/>
+                </a:solidFill>
+                <a:latin typeface="+mn-lt"/>
+                <a:ea typeface="+mn-ea"/>
+                <a:cs typeface="+mn-cs"/>
+              </a:defRPr>
+            </a:lvl9pPr>
+          </a:lstStyle>
+          <a:p>
+            <a:r>
+              <a:rPr lang="en-US" dirty="0"/>
+              <a:t>SendTweet.py project </a:t>
+            </a:r>
+          </a:p>
+        </p:txBody>
+      </p:sp>
+      <p:sp>
+        <p:nvSpPr>
+          <p:cNvPr id="5" name="AutoShape 2" descr="http://raspberry.piaustralia.com.au/product-images/piwithbox.jpg"/>
+          <p:cNvSpPr>
+            <a:spLocks noChangeAspect="1" noChangeArrowheads="1"/>
+          </p:cNvSpPr>
+          <p:nvPr/>
+        </p:nvSpPr>
+        <p:spPr bwMode="auto">
+          <a:xfrm>
+            <a:off x="63500" y="-136525"/>
+            <a:ext cx="9772650" cy="6343650"/>
+          </a:xfrm>
+          <a:prstGeom prst="rect">
+            <a:avLst/>
+          </a:prstGeom>
+          <a:noFill/>
+          <a:extLst>
+            <a:ext uri="{909E8E84-426E-40DD-AFC4-6F175D3DCCD1}">
+              <a14:hiddenFill xmlns:a14="http://schemas.microsoft.com/office/drawing/2010/main">
+                <a:solidFill>
+                  <a:srgbClr val="FFFFFF"/>
+                </a:solidFill>
+              </a14:hiddenFill>
+            </a:ext>
+          </a:extLst>
+        </p:spPr>
+        <p:txBody>
+          <a:bodyPr vert="horz" wrap="square" lIns="91440" tIns="45720" rIns="91440" bIns="45720" numCol="1" anchor="t" anchorCtr="0" compatLnSpc="1">
+            <a:prstTxWarp prst="textNoShape">
+              <a:avLst/>
+            </a:prstTxWarp>
+          </a:bodyPr>
+          <a:lstStyle/>
+          <a:p>
+            <a:endParaRPr lang="en-US"/>
+          </a:p>
+        </p:txBody>
+      </p:sp>
+      <p:sp>
+        <p:nvSpPr>
+          <p:cNvPr id="7" name="TextBox 6"/>
+          <p:cNvSpPr txBox="1"/>
+          <p:nvPr/>
+        </p:nvSpPr>
+        <p:spPr>
+          <a:xfrm>
+            <a:off x="-457200" y="745199"/>
+            <a:ext cx="12649200" cy="3785652"/>
+          </a:xfrm>
+          <a:prstGeom prst="rect">
+            <a:avLst/>
+          </a:prstGeom>
+          <a:noFill/>
+        </p:spPr>
+        <p:txBody>
+          <a:bodyPr wrap="square" rtlCol="0">
+            <a:spAutoFit/>
+          </a:bodyPr>
+          <a:lstStyle/>
+          <a:p>
+            <a:pPr lvl="1"/>
+            <a:endParaRPr lang="en-US" sz="2000" b="1" i="1" dirty="0">
+              <a:solidFill>
+                <a:srgbClr val="0070C0"/>
+              </a:solidFill>
+              <a:latin typeface="Consolas" panose="020B0609020204030204" pitchFamily="49" charset="0"/>
+            </a:endParaRPr>
+          </a:p>
+          <a:p>
+            <a:pPr lvl="1"/>
+            <a:r>
+              <a:rPr lang="en-US" sz="2000" b="1" i="1" dirty="0">
+                <a:solidFill>
+                  <a:srgbClr val="0070C0"/>
+                </a:solidFill>
+                <a:latin typeface="Consolas" panose="020B0609020204030204" pitchFamily="49" charset="0"/>
+              </a:rPr>
+              <a:t>while True:    </a:t>
+            </a:r>
+          </a:p>
+          <a:p>
+            <a:pPr lvl="1"/>
+            <a:r>
+              <a:rPr lang="en-US" sz="2000" b="1" i="1" dirty="0">
+                <a:solidFill>
+                  <a:srgbClr val="0070C0"/>
+                </a:solidFill>
+                <a:latin typeface="Consolas" panose="020B0609020204030204" pitchFamily="49" charset="0"/>
+              </a:rPr>
+              <a:t>	temp = </a:t>
+            </a:r>
+            <a:r>
+              <a:rPr lang="en-US" sz="2000" b="1" i="1" dirty="0" err="1">
+                <a:solidFill>
+                  <a:srgbClr val="0070C0"/>
+                </a:solidFill>
+                <a:latin typeface="Consolas" panose="020B0609020204030204" pitchFamily="49" charset="0"/>
+              </a:rPr>
+              <a:t>cpu_temp</a:t>
+            </a:r>
+            <a:r>
+              <a:rPr lang="en-US" sz="2000" b="1" i="1" dirty="0">
+                <a:solidFill>
+                  <a:srgbClr val="0070C0"/>
+                </a:solidFill>
+                <a:latin typeface="Consolas" panose="020B0609020204030204" pitchFamily="49" charset="0"/>
+              </a:rPr>
+              <a:t>()    </a:t>
+            </a:r>
+          </a:p>
+          <a:p>
+            <a:pPr lvl="1"/>
+            <a:r>
+              <a:rPr lang="en-US" sz="2000" b="1" i="1" dirty="0">
+                <a:solidFill>
+                  <a:srgbClr val="0070C0"/>
+                </a:solidFill>
+                <a:latin typeface="Consolas" panose="020B0609020204030204" pitchFamily="49" charset="0"/>
+              </a:rPr>
+              <a:t>	print("CPU Temp (C): " + </a:t>
+            </a:r>
+            <a:r>
+              <a:rPr lang="en-US" sz="2000" b="1" i="1" dirty="0" err="1">
+                <a:solidFill>
+                  <a:srgbClr val="0070C0"/>
+                </a:solidFill>
+                <a:latin typeface="Consolas" panose="020B0609020204030204" pitchFamily="49" charset="0"/>
+              </a:rPr>
+              <a:t>str</a:t>
+            </a:r>
+            <a:r>
+              <a:rPr lang="en-US" sz="2000" b="1" i="1" dirty="0">
+                <a:solidFill>
+                  <a:srgbClr val="0070C0"/>
+                </a:solidFill>
+                <a:latin typeface="Consolas" panose="020B0609020204030204" pitchFamily="49" charset="0"/>
+              </a:rPr>
+              <a:t>(temp))    </a:t>
+            </a:r>
+          </a:p>
+          <a:p>
+            <a:pPr lvl="1"/>
+            <a:r>
+              <a:rPr lang="en-US" sz="2000" b="1" i="1" dirty="0">
+                <a:solidFill>
+                  <a:srgbClr val="0070C0"/>
+                </a:solidFill>
+                <a:latin typeface="Consolas" panose="020B0609020204030204" pitchFamily="49" charset="0"/>
+              </a:rPr>
+              <a:t>	</a:t>
+            </a:r>
+          </a:p>
+          <a:p>
+            <a:pPr lvl="1"/>
+            <a:r>
+              <a:rPr lang="en-US" sz="2000" b="1" i="1" dirty="0">
+                <a:solidFill>
+                  <a:srgbClr val="0070C0"/>
+                </a:solidFill>
+                <a:latin typeface="Consolas" panose="020B0609020204030204" pitchFamily="49" charset="0"/>
+              </a:rPr>
+              <a:t>	if temp &gt; MAX_TEMP:        </a:t>
+            </a:r>
+          </a:p>
+          <a:p>
+            <a:pPr lvl="1"/>
+            <a:r>
+              <a:rPr lang="en-US" sz="2000" b="1" i="1" dirty="0">
+                <a:solidFill>
+                  <a:srgbClr val="0070C0"/>
+                </a:solidFill>
+                <a:latin typeface="Consolas" panose="020B0609020204030204" pitchFamily="49" charset="0"/>
+              </a:rPr>
+              <a:t>		print("CPU TOO HOT!")        </a:t>
+            </a:r>
+          </a:p>
+          <a:p>
+            <a:pPr lvl="1"/>
+            <a:r>
+              <a:rPr lang="en-US" sz="2000" b="1" i="1" dirty="0">
+                <a:solidFill>
+                  <a:srgbClr val="0070C0"/>
+                </a:solidFill>
+                <a:latin typeface="Consolas" panose="020B0609020204030204" pitchFamily="49" charset="0"/>
+              </a:rPr>
+              <a:t>		</a:t>
+            </a:r>
+            <a:r>
+              <a:rPr lang="en-US" sz="2000" b="1" i="1" dirty="0" err="1">
+                <a:solidFill>
+                  <a:srgbClr val="0070C0"/>
+                </a:solidFill>
+                <a:latin typeface="Consolas" panose="020B0609020204030204" pitchFamily="49" charset="0"/>
+              </a:rPr>
+              <a:t>send_notification</a:t>
+            </a:r>
+            <a:r>
+              <a:rPr lang="en-US" sz="2000" b="1" i="1" dirty="0">
+                <a:solidFill>
+                  <a:srgbClr val="0070C0"/>
+                </a:solidFill>
+                <a:latin typeface="Consolas" panose="020B0609020204030204" pitchFamily="49" charset="0"/>
+              </a:rPr>
+              <a:t>(temp)        </a:t>
+            </a:r>
+          </a:p>
+          <a:p>
+            <a:pPr lvl="1"/>
+            <a:r>
+              <a:rPr lang="en-US" sz="2000" b="1" i="1" dirty="0">
+                <a:solidFill>
+                  <a:srgbClr val="0070C0"/>
+                </a:solidFill>
+                <a:latin typeface="Consolas" panose="020B0609020204030204" pitchFamily="49" charset="0"/>
+              </a:rPr>
+              <a:t>		print("No more notifications for: " + </a:t>
+            </a:r>
+            <a:r>
+              <a:rPr lang="en-US" sz="2000" b="1" i="1" dirty="0" err="1">
+                <a:solidFill>
+                  <a:srgbClr val="0070C0"/>
+                </a:solidFill>
+                <a:latin typeface="Consolas" panose="020B0609020204030204" pitchFamily="49" charset="0"/>
+              </a:rPr>
+              <a:t>str</a:t>
+            </a:r>
+            <a:r>
+              <a:rPr lang="en-US" sz="2000" b="1" i="1" dirty="0">
+                <a:solidFill>
+                  <a:srgbClr val="0070C0"/>
+                </a:solidFill>
+                <a:latin typeface="Consolas" panose="020B0609020204030204" pitchFamily="49" charset="0"/>
+              </a:rPr>
+              <a:t>(MIN_T_BETWEEN_WARNINGS) + " mins")     </a:t>
+            </a:r>
+          </a:p>
+          <a:p>
+            <a:pPr lvl="1"/>
+            <a:r>
+              <a:rPr lang="en-US" sz="2000" b="1" i="1" dirty="0">
+                <a:solidFill>
+                  <a:srgbClr val="0070C0"/>
+                </a:solidFill>
+                <a:latin typeface="Consolas" panose="020B0609020204030204" pitchFamily="49" charset="0"/>
+              </a:rPr>
+              <a:t>		</a:t>
+            </a:r>
+            <a:r>
+              <a:rPr lang="en-US" sz="2000" b="1" i="1" dirty="0" err="1">
+                <a:solidFill>
+                  <a:srgbClr val="0070C0"/>
+                </a:solidFill>
+                <a:latin typeface="Consolas" panose="020B0609020204030204" pitchFamily="49" charset="0"/>
+              </a:rPr>
+              <a:t>time.sleep</a:t>
+            </a:r>
+            <a:r>
+              <a:rPr lang="en-US" sz="2000" b="1" i="1" dirty="0">
+                <a:solidFill>
+                  <a:srgbClr val="0070C0"/>
+                </a:solidFill>
+                <a:latin typeface="Consolas" panose="020B0609020204030204" pitchFamily="49" charset="0"/>
+              </a:rPr>
+              <a:t>(MIN_T_BETWEEN_WARNINGS * 60)    </a:t>
+            </a:r>
+          </a:p>
+          <a:p>
+            <a:pPr lvl="1"/>
+            <a:r>
+              <a:rPr lang="en-US" sz="2000" b="1" i="1" dirty="0">
+                <a:solidFill>
+                  <a:srgbClr val="0070C0"/>
+                </a:solidFill>
+                <a:latin typeface="Consolas" panose="020B0609020204030204" pitchFamily="49" charset="0"/>
+              </a:rPr>
+              <a:t>	</a:t>
+            </a:r>
+          </a:p>
+          <a:p>
+            <a:pPr lvl="1"/>
+            <a:r>
+              <a:rPr lang="en-US" sz="2000" b="1" i="1" dirty="0">
+                <a:solidFill>
+                  <a:srgbClr val="0070C0"/>
+                </a:solidFill>
+                <a:latin typeface="Consolas" panose="020B0609020204030204" pitchFamily="49" charset="0"/>
+              </a:rPr>
+              <a:t>	</a:t>
+            </a:r>
+            <a:r>
+              <a:rPr lang="en-US" sz="2000" b="1" i="1" dirty="0" err="1">
+                <a:solidFill>
+                  <a:srgbClr val="0070C0"/>
+                </a:solidFill>
+                <a:latin typeface="Consolas" panose="020B0609020204030204" pitchFamily="49" charset="0"/>
+              </a:rPr>
+              <a:t>time.sleep</a:t>
+            </a:r>
+            <a:r>
+              <a:rPr lang="en-US" sz="2000" b="1" i="1" dirty="0">
+                <a:solidFill>
+                  <a:srgbClr val="0070C0"/>
+                </a:solidFill>
+                <a:latin typeface="Consolas" panose="020B0609020204030204" pitchFamily="49" charset="0"/>
+              </a:rPr>
+              <a:t>(1)</a:t>
+            </a:r>
+          </a:p>
+        </p:txBody>
+      </p:sp>
+    </p:spTree>
+    <p:extLst>
+      <p:ext uri="{BB962C8B-B14F-4D97-AF65-F5344CB8AC3E}">
+        <p14:creationId xmlns:p14="http://schemas.microsoft.com/office/powerpoint/2010/main" val="673597566"/>
+      </p:ext>
+    </p:extLst>
+  </p:cSld>
+  <p:clrMapOvr>
+    <a:masterClrMapping/>
+  </p:clrMapOvr>
+</p:sld>
+</file>
+
+<file path=ppt/slides/slide3.xml><?xml version="1.0" encoding="utf-8"?>
+<p:sld xmlns:a="http://schemas.openxmlformats.org/drawingml/2006/main" xmlns:r="http://schemas.openxmlformats.org/officeDocument/2006/relationships" xmlns:p="http://schemas.openxmlformats.org/presentationml/2006/main">
+  <p:cSld>
+    <p:spTree>
+      <p:nvGrpSpPr>
+        <p:cNvPr id="1" name=""/>
+        <p:cNvGrpSpPr/>
+        <p:nvPr/>
+      </p:nvGrpSpPr>
+      <p:grpSpPr>
+        <a:xfrm>
+          <a:off x="0" y="0"/>
+          <a:ext cx="0" cy="0"/>
+          <a:chOff x="0" y="0"/>
+          <a:chExt cx="0" cy="0"/>
+        </a:xfrm>
+      </p:grpSpPr>
+      <p:sp>
+        <p:nvSpPr>
+          <p:cNvPr id="4" name="Title 1"/>
+          <p:cNvSpPr txBox="1">
+            <a:spLocks/>
+          </p:cNvSpPr>
+          <p:nvPr/>
+        </p:nvSpPr>
+        <p:spPr>
+          <a:xfrm>
+            <a:off x="0" y="1"/>
+            <a:ext cx="12192000" cy="721216"/>
+          </a:xfrm>
+          <a:prstGeom prst="rect">
+            <a:avLst/>
+          </a:prstGeom>
+        </p:spPr>
+        <p:style>
+          <a:lnRef idx="0">
+            <a:schemeClr val="accent1"/>
+          </a:lnRef>
+          <a:fillRef idx="3">
+            <a:schemeClr val="accent1"/>
+          </a:fillRef>
+          <a:effectRef idx="3">
+            <a:schemeClr val="accent1"/>
+          </a:effectRef>
+          <a:fontRef idx="minor">
+            <a:schemeClr val="lt1"/>
+          </a:fontRef>
+        </p:style>
+        <p:txBody>
+          <a:bodyPr vert="horz" lIns="91440" tIns="45720" rIns="91440" bIns="45720" rtlCol="0" anchor="ctr">
+            <a:normAutofit/>
+          </a:bodyPr>
+          <a:lstStyle>
+            <a:lvl1pPr algn="l" defTabSz="914400" rtl="0" eaLnBrk="1" latinLnBrk="0" hangingPunct="1">
+              <a:lnSpc>
+                <a:spcPct val="90000"/>
+              </a:lnSpc>
+              <a:spcBef>
+                <a:spcPct val="0"/>
+              </a:spcBef>
+              <a:buNone/>
+              <a:defRPr sz="4400" kern="1200">
+                <a:solidFill>
+                  <a:schemeClr val="lt1"/>
+                </a:solidFill>
+                <a:latin typeface="+mn-lt"/>
+                <a:ea typeface="+mn-ea"/>
+                <a:cs typeface="+mn-cs"/>
+              </a:defRPr>
+            </a:lvl1pPr>
+            <a:lvl2pPr>
+              <a:defRPr>
+                <a:solidFill>
+                  <a:schemeClr val="lt1"/>
+                </a:solidFill>
+                <a:latin typeface="+mn-lt"/>
+                <a:ea typeface="+mn-ea"/>
+                <a:cs typeface="+mn-cs"/>
+              </a:defRPr>
+            </a:lvl2pPr>
+            <a:lvl3pPr>
+              <a:defRPr>
+                <a:solidFill>
+                  <a:schemeClr val="lt1"/>
+                </a:solidFill>
+                <a:latin typeface="+mn-lt"/>
+                <a:ea typeface="+mn-ea"/>
+                <a:cs typeface="+mn-cs"/>
+              </a:defRPr>
+            </a:lvl3pPr>
+            <a:lvl4pPr>
+              <a:defRPr>
+                <a:solidFill>
+                  <a:schemeClr val="lt1"/>
+                </a:solidFill>
+                <a:latin typeface="+mn-lt"/>
+                <a:ea typeface="+mn-ea"/>
+                <a:cs typeface="+mn-cs"/>
+              </a:defRPr>
+            </a:lvl4pPr>
+            <a:lvl5pPr>
+              <a:defRPr>
+                <a:solidFill>
+                  <a:schemeClr val="lt1"/>
+                </a:solidFill>
+                <a:latin typeface="+mn-lt"/>
+                <a:ea typeface="+mn-ea"/>
+                <a:cs typeface="+mn-cs"/>
+              </a:defRPr>
+            </a:lvl5pPr>
+            <a:lvl6pPr>
+              <a:defRPr>
+                <a:solidFill>
+                  <a:schemeClr val="lt1"/>
+                </a:solidFill>
+                <a:latin typeface="+mn-lt"/>
+                <a:ea typeface="+mn-ea"/>
+                <a:cs typeface="+mn-cs"/>
+              </a:defRPr>
+            </a:lvl6pPr>
+            <a:lvl7pPr>
+              <a:defRPr>
+                <a:solidFill>
+                  <a:schemeClr val="lt1"/>
+                </a:solidFill>
+                <a:latin typeface="+mn-lt"/>
+                <a:ea typeface="+mn-ea"/>
+                <a:cs typeface="+mn-cs"/>
+              </a:defRPr>
+            </a:lvl7pPr>
+            <a:lvl8pPr>
+              <a:defRPr>
+                <a:solidFill>
+                  <a:schemeClr val="lt1"/>
+                </a:solidFill>
+                <a:latin typeface="+mn-lt"/>
+                <a:ea typeface="+mn-ea"/>
+                <a:cs typeface="+mn-cs"/>
+              </a:defRPr>
+            </a:lvl8pPr>
+            <a:lvl9pPr>
+              <a:defRPr>
+                <a:solidFill>
+                  <a:schemeClr val="lt1"/>
+                </a:solidFill>
+                <a:latin typeface="+mn-lt"/>
+                <a:ea typeface="+mn-ea"/>
+                <a:cs typeface="+mn-cs"/>
+              </a:defRPr>
+            </a:lvl9pPr>
+          </a:lstStyle>
+          <a:p>
+            <a:r>
+              <a:rPr lang="en-US" dirty="0"/>
+              <a:t>Measuring the Raspberry Pi CPU Temperature</a:t>
+            </a:r>
+          </a:p>
+        </p:txBody>
+      </p:sp>
+      <p:sp>
+        <p:nvSpPr>
+          <p:cNvPr id="2" name="TextBox 1"/>
+          <p:cNvSpPr txBox="1"/>
+          <p:nvPr/>
+        </p:nvSpPr>
+        <p:spPr>
+          <a:xfrm>
+            <a:off x="417443" y="745199"/>
+            <a:ext cx="11357113" cy="3785652"/>
+          </a:xfrm>
+          <a:prstGeom prst="rect">
+            <a:avLst/>
+          </a:prstGeom>
+          <a:noFill/>
+        </p:spPr>
+        <p:txBody>
+          <a:bodyPr wrap="square" rtlCol="0">
+            <a:spAutoFit/>
+          </a:bodyPr>
+          <a:lstStyle/>
+          <a:p>
+            <a:pPr marL="342900" indent="-342900">
+              <a:buFont typeface="Arial" panose="020B0604020202020204" pitchFamily="34" charset="0"/>
+              <a:buChar char="•"/>
+            </a:pPr>
+            <a:r>
+              <a:rPr lang="en-US" sz="2000" dirty="0"/>
+              <a:t>If you want the temperature as a number rather than a string, you need to chop off the extra text and then convert the number to a float. </a:t>
+            </a:r>
+          </a:p>
+          <a:p>
+            <a:pPr marL="342900" indent="-342900">
+              <a:buFont typeface="Arial" panose="020B0604020202020204" pitchFamily="34" charset="0"/>
+              <a:buChar char="•"/>
+            </a:pPr>
+            <a:endParaRPr lang="en-US" sz="2000" b="1" i="1" dirty="0">
+              <a:solidFill>
+                <a:srgbClr val="0070C0"/>
+              </a:solidFill>
+              <a:latin typeface="Consolas" panose="020B0609020204030204" pitchFamily="49" charset="0"/>
+              <a:cs typeface="Consolas" panose="020B0609020204030204" pitchFamily="49" charset="0"/>
+            </a:endParaRPr>
+          </a:p>
+          <a:p>
+            <a:r>
+              <a:rPr lang="en-US" sz="2000" b="1" i="1" dirty="0">
+                <a:solidFill>
+                  <a:srgbClr val="0070C0"/>
+                </a:solidFill>
+                <a:latin typeface="Consolas" panose="020B0609020204030204" pitchFamily="49" charset="0"/>
+                <a:cs typeface="Consolas" panose="020B0609020204030204" pitchFamily="49" charset="0"/>
+              </a:rPr>
+              <a:t>import </a:t>
+            </a:r>
+            <a:r>
+              <a:rPr lang="en-US" sz="2000" b="1" i="1" dirty="0" err="1">
+                <a:solidFill>
+                  <a:srgbClr val="0070C0"/>
+                </a:solidFill>
+                <a:latin typeface="Consolas" panose="020B0609020204030204" pitchFamily="49" charset="0"/>
+                <a:cs typeface="Consolas" panose="020B0609020204030204" pitchFamily="49" charset="0"/>
+              </a:rPr>
+              <a:t>os</a:t>
+            </a:r>
+            <a:r>
+              <a:rPr lang="en-US" sz="2000" b="1" i="1" dirty="0">
+                <a:solidFill>
+                  <a:srgbClr val="0070C0"/>
+                </a:solidFill>
+                <a:latin typeface="Consolas" panose="020B0609020204030204" pitchFamily="49" charset="0"/>
+                <a:cs typeface="Consolas" panose="020B0609020204030204" pitchFamily="49" charset="0"/>
+              </a:rPr>
+              <a:t>, time</a:t>
+            </a:r>
+          </a:p>
+          <a:p>
+            <a:r>
+              <a:rPr lang="en-US" sz="2000" b="1" i="1" dirty="0">
+                <a:solidFill>
+                  <a:srgbClr val="0070C0"/>
+                </a:solidFill>
+                <a:latin typeface="Consolas" panose="020B0609020204030204" pitchFamily="49" charset="0"/>
+                <a:cs typeface="Consolas" panose="020B0609020204030204" pitchFamily="49" charset="0"/>
+              </a:rPr>
+              <a:t>while True:    </a:t>
+            </a:r>
+          </a:p>
+          <a:p>
+            <a:pPr lvl="1"/>
+            <a:r>
+              <a:rPr lang="en-US" sz="2000" b="1" i="1" dirty="0">
+                <a:solidFill>
+                  <a:srgbClr val="0070C0"/>
+                </a:solidFill>
+                <a:latin typeface="Consolas" panose="020B0609020204030204" pitchFamily="49" charset="0"/>
+                <a:cs typeface="Consolas" panose="020B0609020204030204" pitchFamily="49" charset="0"/>
+              </a:rPr>
+              <a:t>dev = </a:t>
+            </a:r>
+            <a:r>
+              <a:rPr lang="en-US" sz="2000" b="1" i="1" dirty="0" err="1">
+                <a:solidFill>
+                  <a:srgbClr val="0070C0"/>
+                </a:solidFill>
+                <a:latin typeface="Consolas" panose="020B0609020204030204" pitchFamily="49" charset="0"/>
+                <a:cs typeface="Consolas" panose="020B0609020204030204" pitchFamily="49" charset="0"/>
+              </a:rPr>
+              <a:t>os.popen</a:t>
+            </a:r>
+            <a:r>
+              <a:rPr lang="en-US" sz="2000" b="1" i="1" dirty="0">
+                <a:solidFill>
+                  <a:srgbClr val="0070C0"/>
+                </a:solidFill>
+                <a:latin typeface="Consolas" panose="020B0609020204030204" pitchFamily="49" charset="0"/>
+                <a:cs typeface="Consolas" panose="020B0609020204030204" pitchFamily="49" charset="0"/>
+              </a:rPr>
+              <a:t>('/opt/</a:t>
+            </a:r>
+            <a:r>
+              <a:rPr lang="en-US" sz="2000" b="1" i="1" dirty="0" err="1">
+                <a:solidFill>
+                  <a:srgbClr val="0070C0"/>
+                </a:solidFill>
+                <a:latin typeface="Consolas" panose="020B0609020204030204" pitchFamily="49" charset="0"/>
+                <a:cs typeface="Consolas" panose="020B0609020204030204" pitchFamily="49" charset="0"/>
+              </a:rPr>
+              <a:t>vc</a:t>
+            </a:r>
+            <a:r>
+              <a:rPr lang="en-US" sz="2000" b="1" i="1" dirty="0">
+                <a:solidFill>
+                  <a:srgbClr val="0070C0"/>
+                </a:solidFill>
+                <a:latin typeface="Consolas" panose="020B0609020204030204" pitchFamily="49" charset="0"/>
+                <a:cs typeface="Consolas" panose="020B0609020204030204" pitchFamily="49" charset="0"/>
+              </a:rPr>
+              <a:t>/bin/</a:t>
+            </a:r>
+            <a:r>
+              <a:rPr lang="en-US" sz="2000" b="1" i="1" dirty="0" err="1">
+                <a:solidFill>
+                  <a:srgbClr val="0070C0"/>
+                </a:solidFill>
+                <a:latin typeface="Consolas" panose="020B0609020204030204" pitchFamily="49" charset="0"/>
+                <a:cs typeface="Consolas" panose="020B0609020204030204" pitchFamily="49" charset="0"/>
+              </a:rPr>
+              <a:t>vcgencmd</a:t>
+            </a:r>
+            <a:r>
+              <a:rPr lang="en-US" sz="2000" b="1" i="1" dirty="0">
+                <a:solidFill>
+                  <a:srgbClr val="0070C0"/>
+                </a:solidFill>
+                <a:latin typeface="Consolas" panose="020B0609020204030204" pitchFamily="49" charset="0"/>
+                <a:cs typeface="Consolas" panose="020B0609020204030204" pitchFamily="49" charset="0"/>
+              </a:rPr>
+              <a:t> </a:t>
+            </a:r>
+            <a:r>
+              <a:rPr lang="en-US" sz="2000" b="1" i="1" dirty="0" err="1">
+                <a:solidFill>
+                  <a:srgbClr val="0070C0"/>
+                </a:solidFill>
+                <a:latin typeface="Consolas" panose="020B0609020204030204" pitchFamily="49" charset="0"/>
+                <a:cs typeface="Consolas" panose="020B0609020204030204" pitchFamily="49" charset="0"/>
+              </a:rPr>
+              <a:t>measure_temp</a:t>
+            </a:r>
+            <a:r>
+              <a:rPr lang="en-US" sz="2000" b="1" i="1" dirty="0">
+                <a:solidFill>
+                  <a:srgbClr val="0070C0"/>
+                </a:solidFill>
+                <a:latin typeface="Consolas" panose="020B0609020204030204" pitchFamily="49" charset="0"/>
+                <a:cs typeface="Consolas" panose="020B0609020204030204" pitchFamily="49" charset="0"/>
+              </a:rPr>
+              <a:t>')    </a:t>
+            </a:r>
+          </a:p>
+          <a:p>
+            <a:pPr lvl="1"/>
+            <a:r>
+              <a:rPr lang="en-US" sz="2000" b="1" i="1" dirty="0" err="1">
+                <a:solidFill>
+                  <a:srgbClr val="0070C0"/>
+                </a:solidFill>
+                <a:latin typeface="Consolas" panose="020B0609020204030204" pitchFamily="49" charset="0"/>
+                <a:cs typeface="Consolas" panose="020B0609020204030204" pitchFamily="49" charset="0"/>
+              </a:rPr>
+              <a:t>cpu_temp_s</a:t>
+            </a:r>
+            <a:r>
+              <a:rPr lang="en-US" sz="2000" b="1" i="1" dirty="0">
+                <a:solidFill>
+                  <a:srgbClr val="0070C0"/>
+                </a:solidFill>
+                <a:latin typeface="Consolas" panose="020B0609020204030204" pitchFamily="49" charset="0"/>
+                <a:cs typeface="Consolas" panose="020B0609020204030204" pitchFamily="49" charset="0"/>
+              </a:rPr>
+              <a:t> = </a:t>
+            </a:r>
+            <a:r>
+              <a:rPr lang="en-US" sz="2000" b="1" i="1" dirty="0" err="1">
+                <a:solidFill>
+                  <a:srgbClr val="0070C0"/>
+                </a:solidFill>
+                <a:latin typeface="Consolas" panose="020B0609020204030204" pitchFamily="49" charset="0"/>
+                <a:cs typeface="Consolas" panose="020B0609020204030204" pitchFamily="49" charset="0"/>
+              </a:rPr>
+              <a:t>dev.read</a:t>
+            </a:r>
+            <a:r>
+              <a:rPr lang="en-US" sz="2000" b="1" i="1" dirty="0">
+                <a:solidFill>
+                  <a:srgbClr val="0070C0"/>
+                </a:solidFill>
+                <a:latin typeface="Consolas" panose="020B0609020204030204" pitchFamily="49" charset="0"/>
+                <a:cs typeface="Consolas" panose="020B0609020204030204" pitchFamily="49" charset="0"/>
+              </a:rPr>
+              <a:t>()[5:-3] # top and tail string    </a:t>
+            </a:r>
+          </a:p>
+          <a:p>
+            <a:pPr lvl="1"/>
+            <a:r>
+              <a:rPr lang="en-US" sz="2000" b="1" i="1" dirty="0" err="1">
+                <a:solidFill>
+                  <a:srgbClr val="0070C0"/>
+                </a:solidFill>
+                <a:latin typeface="Consolas" panose="020B0609020204030204" pitchFamily="49" charset="0"/>
+                <a:cs typeface="Consolas" panose="020B0609020204030204" pitchFamily="49" charset="0"/>
+              </a:rPr>
+              <a:t>cpu_temp</a:t>
+            </a:r>
+            <a:r>
+              <a:rPr lang="en-US" sz="2000" b="1" i="1" dirty="0">
+                <a:solidFill>
+                  <a:srgbClr val="0070C0"/>
+                </a:solidFill>
+                <a:latin typeface="Consolas" panose="020B0609020204030204" pitchFamily="49" charset="0"/>
+                <a:cs typeface="Consolas" panose="020B0609020204030204" pitchFamily="49" charset="0"/>
+              </a:rPr>
+              <a:t> = float(</a:t>
+            </a:r>
+            <a:r>
+              <a:rPr lang="en-US" sz="2000" b="1" i="1" dirty="0" err="1">
+                <a:solidFill>
+                  <a:srgbClr val="0070C0"/>
+                </a:solidFill>
+                <a:latin typeface="Consolas" panose="020B0609020204030204" pitchFamily="49" charset="0"/>
+                <a:cs typeface="Consolas" panose="020B0609020204030204" pitchFamily="49" charset="0"/>
+              </a:rPr>
+              <a:t>cpu_temp_s</a:t>
+            </a:r>
+            <a:r>
+              <a:rPr lang="en-US" sz="2000" b="1" i="1" dirty="0">
+                <a:solidFill>
+                  <a:srgbClr val="0070C0"/>
+                </a:solidFill>
+                <a:latin typeface="Consolas" panose="020B0609020204030204" pitchFamily="49" charset="0"/>
+                <a:cs typeface="Consolas" panose="020B0609020204030204" pitchFamily="49" charset="0"/>
+              </a:rPr>
+              <a:t>)    </a:t>
+            </a:r>
+          </a:p>
+          <a:p>
+            <a:pPr lvl="1"/>
+            <a:r>
+              <a:rPr lang="en-US" sz="2000" b="1" i="1" dirty="0">
+                <a:solidFill>
+                  <a:srgbClr val="0070C0"/>
+                </a:solidFill>
+                <a:latin typeface="Consolas" panose="020B0609020204030204" pitchFamily="49" charset="0"/>
+                <a:cs typeface="Consolas" panose="020B0609020204030204" pitchFamily="49" charset="0"/>
+              </a:rPr>
+              <a:t>print(</a:t>
+            </a:r>
+            <a:r>
+              <a:rPr lang="en-US" sz="2000" b="1" i="1" dirty="0" err="1">
+                <a:solidFill>
+                  <a:srgbClr val="0070C0"/>
+                </a:solidFill>
+                <a:latin typeface="Consolas" panose="020B0609020204030204" pitchFamily="49" charset="0"/>
+                <a:cs typeface="Consolas" panose="020B0609020204030204" pitchFamily="49" charset="0"/>
+              </a:rPr>
+              <a:t>cpu_temp</a:t>
+            </a:r>
+            <a:r>
+              <a:rPr lang="en-US" sz="2000" b="1" i="1" dirty="0">
+                <a:solidFill>
+                  <a:srgbClr val="0070C0"/>
+                </a:solidFill>
+                <a:latin typeface="Consolas" panose="020B0609020204030204" pitchFamily="49" charset="0"/>
+                <a:cs typeface="Consolas" panose="020B0609020204030204" pitchFamily="49" charset="0"/>
+              </a:rPr>
+              <a:t>)    </a:t>
+            </a:r>
+          </a:p>
+          <a:p>
+            <a:pPr lvl="1"/>
+            <a:r>
+              <a:rPr lang="en-US" sz="2000" b="1" i="1" dirty="0" err="1">
+                <a:solidFill>
+                  <a:srgbClr val="0070C0"/>
+                </a:solidFill>
+                <a:latin typeface="Consolas" panose="020B0609020204030204" pitchFamily="49" charset="0"/>
+                <a:cs typeface="Consolas" panose="020B0609020204030204" pitchFamily="49" charset="0"/>
+              </a:rPr>
+              <a:t>time.sleep</a:t>
+            </a:r>
+            <a:r>
+              <a:rPr lang="en-US" sz="2000" b="1" i="1" dirty="0">
+                <a:solidFill>
+                  <a:srgbClr val="0070C0"/>
+                </a:solidFill>
+                <a:latin typeface="Consolas" panose="020B0609020204030204" pitchFamily="49" charset="0"/>
+                <a:cs typeface="Consolas" panose="020B0609020204030204" pitchFamily="49" charset="0"/>
+              </a:rPr>
+              <a:t>(1) </a:t>
+            </a:r>
+          </a:p>
+          <a:p>
+            <a:pPr lvl="1"/>
+            <a:endParaRPr lang="en-US" sz="2000" b="1" i="1" dirty="0">
+              <a:solidFill>
+                <a:srgbClr val="0070C0"/>
+              </a:solidFill>
+              <a:latin typeface="Consolas" panose="020B0609020204030204" pitchFamily="49" charset="0"/>
+              <a:cs typeface="Consolas" panose="020B0609020204030204" pitchFamily="49" charset="0"/>
+            </a:endParaRPr>
+          </a:p>
+          <a:p>
+            <a:pPr lvl="1"/>
+            <a:endParaRPr lang="en-US" sz="2000" b="1" i="1" dirty="0">
+              <a:solidFill>
+                <a:srgbClr val="0070C0"/>
+              </a:solidFill>
+              <a:latin typeface="Consolas" panose="020B0609020204030204" pitchFamily="49" charset="0"/>
+              <a:cs typeface="Consolas" panose="020B0609020204030204" pitchFamily="49" charset="0"/>
+            </a:endParaRPr>
+          </a:p>
+        </p:txBody>
+      </p:sp>
+      <p:sp>
+        <p:nvSpPr>
+          <p:cNvPr id="5" name="AutoShape 2" descr="http://raspberry.piaustralia.com.au/product-images/piwithbox.jpg"/>
+          <p:cNvSpPr>
+            <a:spLocks noChangeAspect="1" noChangeArrowheads="1"/>
+          </p:cNvSpPr>
+          <p:nvPr/>
+        </p:nvSpPr>
+        <p:spPr bwMode="auto">
+          <a:xfrm>
+            <a:off x="63500" y="-136525"/>
+            <a:ext cx="9772650" cy="6343650"/>
+          </a:xfrm>
+          <a:prstGeom prst="rect">
+            <a:avLst/>
+          </a:prstGeom>
+          <a:noFill/>
+          <a:extLst>
+            <a:ext uri="{909E8E84-426E-40DD-AFC4-6F175D3DCCD1}">
+              <a14:hiddenFill xmlns:a14="http://schemas.microsoft.com/office/drawing/2010/main">
+                <a:solidFill>
+                  <a:srgbClr val="FFFFFF"/>
+                </a:solidFill>
+              </a14:hiddenFill>
+            </a:ext>
+          </a:extLst>
+        </p:spPr>
+        <p:txBody>
+          <a:bodyPr vert="horz" wrap="square" lIns="91440" tIns="45720" rIns="91440" bIns="45720" numCol="1" anchor="t" anchorCtr="0" compatLnSpc="1">
+            <a:prstTxWarp prst="textNoShape">
+              <a:avLst/>
+            </a:prstTxWarp>
+          </a:bodyPr>
+          <a:lstStyle/>
+          <a:p>
+            <a:endParaRPr lang="en-US"/>
+          </a:p>
+        </p:txBody>
+      </p:sp>
+    </p:spTree>
+    <p:extLst>
+      <p:ext uri="{BB962C8B-B14F-4D97-AF65-F5344CB8AC3E}">
+        <p14:creationId xmlns:p14="http://schemas.microsoft.com/office/powerpoint/2010/main" val="2340378809"/>
+      </p:ext>
+    </p:extLst>
+  </p:cSld>
+  <p:clrMapOvr>
+    <a:masterClrMapping/>
+  </p:clrMapOvr>
+</p:sld>
+</file>
+
+<file path=ppt/slides/slide30.xml><?xml version="1.0" encoding="utf-8"?>
+<p:sld xmlns:a="http://schemas.openxmlformats.org/drawingml/2006/main" xmlns:r="http://schemas.openxmlformats.org/officeDocument/2006/relationships" xmlns:p="http://schemas.openxmlformats.org/presentationml/2006/main">
+  <p:cSld>
+    <p:spTree>
+      <p:nvGrpSpPr>
+        <p:cNvPr id="1" name=""/>
+        <p:cNvGrpSpPr/>
+        <p:nvPr/>
+      </p:nvGrpSpPr>
+      <p:grpSpPr>
+        <a:xfrm>
+          <a:off x="0" y="0"/>
+          <a:ext cx="0" cy="0"/>
+          <a:chOff x="0" y="0"/>
+          <a:chExt cx="0" cy="0"/>
+        </a:xfrm>
+      </p:grpSpPr>
+      <p:sp>
+        <p:nvSpPr>
+          <p:cNvPr id="4" name="Title 1"/>
+          <p:cNvSpPr txBox="1">
+            <a:spLocks/>
+          </p:cNvSpPr>
+          <p:nvPr/>
+        </p:nvSpPr>
+        <p:spPr>
+          <a:xfrm>
+            <a:off x="0" y="1"/>
+            <a:ext cx="12192000" cy="721216"/>
+          </a:xfrm>
+          <a:prstGeom prst="rect">
+            <a:avLst/>
+          </a:prstGeom>
+        </p:spPr>
+        <p:style>
+          <a:lnRef idx="0">
+            <a:schemeClr val="accent1"/>
+          </a:lnRef>
+          <a:fillRef idx="3">
+            <a:schemeClr val="accent1"/>
+          </a:fillRef>
+          <a:effectRef idx="3">
+            <a:schemeClr val="accent1"/>
+          </a:effectRef>
+          <a:fontRef idx="minor">
+            <a:schemeClr val="lt1"/>
+          </a:fontRef>
+        </p:style>
+        <p:txBody>
+          <a:bodyPr vert="horz" lIns="91440" tIns="45720" rIns="91440" bIns="45720" rtlCol="0" anchor="ctr">
+            <a:normAutofit/>
+          </a:bodyPr>
+          <a:lstStyle>
+            <a:lvl1pPr algn="l" defTabSz="914400" rtl="0" eaLnBrk="1" latinLnBrk="0" hangingPunct="1">
+              <a:lnSpc>
+                <a:spcPct val="90000"/>
+              </a:lnSpc>
+              <a:spcBef>
+                <a:spcPct val="0"/>
+              </a:spcBef>
+              <a:buNone/>
+              <a:defRPr sz="4400" kern="1200">
+                <a:solidFill>
+                  <a:schemeClr val="lt1"/>
+                </a:solidFill>
+                <a:latin typeface="+mn-lt"/>
+                <a:ea typeface="+mn-ea"/>
+                <a:cs typeface="+mn-cs"/>
+              </a:defRPr>
+            </a:lvl1pPr>
+            <a:lvl2pPr>
+              <a:defRPr>
+                <a:solidFill>
+                  <a:schemeClr val="lt1"/>
+                </a:solidFill>
+                <a:latin typeface="+mn-lt"/>
+                <a:ea typeface="+mn-ea"/>
+                <a:cs typeface="+mn-cs"/>
+              </a:defRPr>
+            </a:lvl2pPr>
+            <a:lvl3pPr>
+              <a:defRPr>
+                <a:solidFill>
+                  <a:schemeClr val="lt1"/>
+                </a:solidFill>
+                <a:latin typeface="+mn-lt"/>
+                <a:ea typeface="+mn-ea"/>
+                <a:cs typeface="+mn-cs"/>
+              </a:defRPr>
+            </a:lvl3pPr>
+            <a:lvl4pPr>
+              <a:defRPr>
+                <a:solidFill>
+                  <a:schemeClr val="lt1"/>
+                </a:solidFill>
+                <a:latin typeface="+mn-lt"/>
+                <a:ea typeface="+mn-ea"/>
+                <a:cs typeface="+mn-cs"/>
+              </a:defRPr>
+            </a:lvl4pPr>
+            <a:lvl5pPr>
+              <a:defRPr>
+                <a:solidFill>
+                  <a:schemeClr val="lt1"/>
+                </a:solidFill>
+                <a:latin typeface="+mn-lt"/>
+                <a:ea typeface="+mn-ea"/>
+                <a:cs typeface="+mn-cs"/>
+              </a:defRPr>
+            </a:lvl5pPr>
+            <a:lvl6pPr>
+              <a:defRPr>
+                <a:solidFill>
+                  <a:schemeClr val="lt1"/>
+                </a:solidFill>
+                <a:latin typeface="+mn-lt"/>
+                <a:ea typeface="+mn-ea"/>
+                <a:cs typeface="+mn-cs"/>
+              </a:defRPr>
+            </a:lvl6pPr>
+            <a:lvl7pPr>
+              <a:defRPr>
+                <a:solidFill>
+                  <a:schemeClr val="lt1"/>
+                </a:solidFill>
+                <a:latin typeface="+mn-lt"/>
+                <a:ea typeface="+mn-ea"/>
+                <a:cs typeface="+mn-cs"/>
+              </a:defRPr>
+            </a:lvl7pPr>
+            <a:lvl8pPr>
+              <a:defRPr>
+                <a:solidFill>
+                  <a:schemeClr val="lt1"/>
+                </a:solidFill>
+                <a:latin typeface="+mn-lt"/>
+                <a:ea typeface="+mn-ea"/>
+                <a:cs typeface="+mn-cs"/>
+              </a:defRPr>
+            </a:lvl8pPr>
+            <a:lvl9pPr>
+              <a:defRPr>
+                <a:solidFill>
+                  <a:schemeClr val="lt1"/>
+                </a:solidFill>
+                <a:latin typeface="+mn-lt"/>
+                <a:ea typeface="+mn-ea"/>
+                <a:cs typeface="+mn-cs"/>
+              </a:defRPr>
+            </a:lvl9pPr>
+          </a:lstStyle>
+          <a:p>
+            <a:r>
+              <a:rPr lang="en-US" dirty="0"/>
+              <a:t>Sending Tweets Using </a:t>
+            </a:r>
+            <a:r>
+              <a:rPr lang="en-US" dirty="0" err="1"/>
+              <a:t>ThingSpeak</a:t>
+            </a:r>
+            <a:r>
+              <a:rPr lang="en-US" dirty="0"/>
+              <a:t> </a:t>
+            </a:r>
+          </a:p>
+        </p:txBody>
+      </p:sp>
+      <p:sp>
+        <p:nvSpPr>
+          <p:cNvPr id="5" name="AutoShape 2" descr="http://raspberry.piaustralia.com.au/product-images/piwithbox.jpg"/>
+          <p:cNvSpPr>
+            <a:spLocks noChangeAspect="1" noChangeArrowheads="1"/>
+          </p:cNvSpPr>
+          <p:nvPr/>
+        </p:nvSpPr>
+        <p:spPr bwMode="auto">
+          <a:xfrm>
+            <a:off x="63500" y="-136525"/>
+            <a:ext cx="9772650" cy="6343650"/>
+          </a:xfrm>
+          <a:prstGeom prst="rect">
+            <a:avLst/>
+          </a:prstGeom>
+          <a:noFill/>
+          <a:extLst>
+            <a:ext uri="{909E8E84-426E-40DD-AFC4-6F175D3DCCD1}">
+              <a14:hiddenFill xmlns:a14="http://schemas.microsoft.com/office/drawing/2010/main">
+                <a:solidFill>
+                  <a:srgbClr val="FFFFFF"/>
+                </a:solidFill>
+              </a14:hiddenFill>
+            </a:ext>
+          </a:extLst>
+        </p:spPr>
+        <p:txBody>
+          <a:bodyPr vert="horz" wrap="square" lIns="91440" tIns="45720" rIns="91440" bIns="45720" numCol="1" anchor="t" anchorCtr="0" compatLnSpc="1">
+            <a:prstTxWarp prst="textNoShape">
+              <a:avLst/>
+            </a:prstTxWarp>
+          </a:bodyPr>
+          <a:lstStyle/>
+          <a:p>
+            <a:endParaRPr lang="en-US"/>
+          </a:p>
+        </p:txBody>
+      </p:sp>
+      <p:sp>
+        <p:nvSpPr>
+          <p:cNvPr id="7" name="TextBox 6"/>
+          <p:cNvSpPr txBox="1"/>
+          <p:nvPr/>
+        </p:nvSpPr>
+        <p:spPr>
+          <a:xfrm>
+            <a:off x="0" y="745199"/>
+            <a:ext cx="12191999" cy="3046988"/>
+          </a:xfrm>
+          <a:prstGeom prst="rect">
+            <a:avLst/>
+          </a:prstGeom>
+          <a:noFill/>
+        </p:spPr>
+        <p:txBody>
+          <a:bodyPr wrap="square" rtlCol="0">
+            <a:spAutoFit/>
+          </a:bodyPr>
+          <a:lstStyle/>
+          <a:p>
+            <a:pPr lvl="1"/>
+            <a:r>
+              <a:rPr lang="en-US" sz="2000" dirty="0"/>
+              <a:t>For full documentation of the </a:t>
+            </a:r>
+            <a:r>
+              <a:rPr lang="en-US" sz="2000" dirty="0" err="1"/>
+              <a:t>ThingSpeak</a:t>
+            </a:r>
+            <a:r>
+              <a:rPr lang="en-US" sz="2000" dirty="0"/>
+              <a:t> service, see </a:t>
+            </a:r>
+            <a:r>
+              <a:rPr lang="en-US" sz="2400" b="1" dirty="0">
+                <a:solidFill>
+                  <a:schemeClr val="accent1">
+                    <a:lumMod val="75000"/>
+                  </a:schemeClr>
+                </a:solidFill>
+              </a:rPr>
+              <a:t>https://uk.mathworks.com/help/ </a:t>
+            </a:r>
+            <a:r>
+              <a:rPr lang="en-US" sz="2400" b="1" dirty="0" err="1">
+                <a:solidFill>
+                  <a:schemeClr val="accent1">
+                    <a:lumMod val="75000"/>
+                  </a:schemeClr>
+                </a:solidFill>
+              </a:rPr>
+              <a:t>thingspeak</a:t>
+            </a:r>
+            <a:r>
+              <a:rPr lang="en-US" sz="2400" b="1" dirty="0">
+                <a:solidFill>
+                  <a:schemeClr val="accent1">
+                    <a:lumMod val="75000"/>
+                  </a:schemeClr>
+                </a:solidFill>
+              </a:rPr>
+              <a:t>/.</a:t>
+            </a:r>
+          </a:p>
+          <a:p>
+            <a:pPr lvl="1"/>
+            <a:endParaRPr lang="en-US" sz="2000" dirty="0"/>
+          </a:p>
+          <a:p>
+            <a:pPr lvl="1"/>
+            <a:r>
+              <a:rPr lang="en-US" sz="2000" dirty="0"/>
+              <a:t>You could just use </a:t>
+            </a:r>
+            <a:r>
+              <a:rPr lang="en-US" sz="2400" b="1" dirty="0"/>
+              <a:t>IFTTT </a:t>
+            </a:r>
+            <a:r>
+              <a:rPr lang="en-US" sz="2000" dirty="0"/>
+              <a:t>and change the Action Channel to be Twitter. However, the </a:t>
+            </a:r>
+            <a:r>
+              <a:rPr lang="en-US" sz="2000" dirty="0" err="1"/>
+              <a:t>ThingSpeak</a:t>
+            </a:r>
+            <a:r>
+              <a:rPr lang="en-US" sz="2000" dirty="0"/>
+              <a:t> service is an alternative way of doing this. </a:t>
+            </a:r>
+          </a:p>
+          <a:p>
+            <a:pPr lvl="1"/>
+            <a:endParaRPr lang="en-US" sz="2000" dirty="0"/>
+          </a:p>
+          <a:p>
+            <a:pPr lvl="1"/>
+            <a:r>
+              <a:rPr lang="en-US" sz="2000" dirty="0"/>
+              <a:t>Start by visiting </a:t>
+            </a:r>
+            <a:r>
+              <a:rPr lang="en-US" sz="2400" b="1" dirty="0">
+                <a:solidFill>
+                  <a:schemeClr val="accent1">
+                    <a:lumMod val="75000"/>
+                  </a:schemeClr>
+                </a:solidFill>
+              </a:rPr>
+              <a:t>https://thingspeak.com </a:t>
+            </a:r>
+            <a:r>
+              <a:rPr lang="en-US" sz="2000" dirty="0"/>
+              <a:t>and signing up. Then select the </a:t>
+            </a:r>
+            <a:r>
+              <a:rPr lang="en-US" sz="2000" dirty="0" err="1"/>
+              <a:t>ThingTweet</a:t>
+            </a:r>
+            <a:r>
+              <a:rPr lang="en-US" sz="2000" dirty="0"/>
+              <a:t> action (Following figure). You will be prompted to log in to Twitter.</a:t>
+            </a:r>
+          </a:p>
+          <a:p>
+            <a:pPr lvl="1"/>
+            <a:endParaRPr lang="en-US" sz="2000" dirty="0"/>
+          </a:p>
+          <a:p>
+            <a:pPr lvl="1"/>
+            <a:endParaRPr lang="en-US" sz="2000" dirty="0"/>
+          </a:p>
+        </p:txBody>
+      </p:sp>
+    </p:spTree>
+    <p:extLst>
+      <p:ext uri="{BB962C8B-B14F-4D97-AF65-F5344CB8AC3E}">
+        <p14:creationId xmlns:p14="http://schemas.microsoft.com/office/powerpoint/2010/main" val="2883567732"/>
+      </p:ext>
+    </p:extLst>
+  </p:cSld>
+  <p:clrMapOvr>
+    <a:masterClrMapping/>
+  </p:clrMapOvr>
+</p:sld>
+</file>
+
+<file path=ppt/slides/slide31.xml><?xml version="1.0" encoding="utf-8"?>
+<p:sld xmlns:a="http://schemas.openxmlformats.org/drawingml/2006/main" xmlns:r="http://schemas.openxmlformats.org/officeDocument/2006/relationships" xmlns:p="http://schemas.openxmlformats.org/presentationml/2006/main">
+  <p:cSld>
+    <p:spTree>
+      <p:nvGrpSpPr>
+        <p:cNvPr id="1" name=""/>
+        <p:cNvGrpSpPr/>
+        <p:nvPr/>
+      </p:nvGrpSpPr>
+      <p:grpSpPr>
+        <a:xfrm>
+          <a:off x="0" y="0"/>
+          <a:ext cx="0" cy="0"/>
+          <a:chOff x="0" y="0"/>
+          <a:chExt cx="0" cy="0"/>
+        </a:xfrm>
+      </p:grpSpPr>
+      <p:sp>
+        <p:nvSpPr>
+          <p:cNvPr id="4" name="Title 1"/>
+          <p:cNvSpPr txBox="1">
+            <a:spLocks/>
+          </p:cNvSpPr>
+          <p:nvPr/>
+        </p:nvSpPr>
+        <p:spPr>
+          <a:xfrm>
+            <a:off x="0" y="1"/>
+            <a:ext cx="12192000" cy="721216"/>
+          </a:xfrm>
+          <a:prstGeom prst="rect">
+            <a:avLst/>
+          </a:prstGeom>
+        </p:spPr>
+        <p:style>
+          <a:lnRef idx="0">
+            <a:schemeClr val="accent1"/>
+          </a:lnRef>
+          <a:fillRef idx="3">
+            <a:schemeClr val="accent1"/>
+          </a:fillRef>
+          <a:effectRef idx="3">
+            <a:schemeClr val="accent1"/>
+          </a:effectRef>
+          <a:fontRef idx="minor">
+            <a:schemeClr val="lt1"/>
+          </a:fontRef>
+        </p:style>
+        <p:txBody>
+          <a:bodyPr vert="horz" lIns="91440" tIns="45720" rIns="91440" bIns="45720" rtlCol="0" anchor="ctr">
+            <a:normAutofit/>
+          </a:bodyPr>
+          <a:lstStyle>
+            <a:lvl1pPr algn="l" defTabSz="914400" rtl="0" eaLnBrk="1" latinLnBrk="0" hangingPunct="1">
+              <a:lnSpc>
+                <a:spcPct val="90000"/>
+              </a:lnSpc>
+              <a:spcBef>
+                <a:spcPct val="0"/>
+              </a:spcBef>
+              <a:buNone/>
+              <a:defRPr sz="4400" kern="1200">
+                <a:solidFill>
+                  <a:schemeClr val="lt1"/>
+                </a:solidFill>
+                <a:latin typeface="+mn-lt"/>
+                <a:ea typeface="+mn-ea"/>
+                <a:cs typeface="+mn-cs"/>
+              </a:defRPr>
+            </a:lvl1pPr>
+            <a:lvl2pPr>
+              <a:defRPr>
+                <a:solidFill>
+                  <a:schemeClr val="lt1"/>
+                </a:solidFill>
+                <a:latin typeface="+mn-lt"/>
+                <a:ea typeface="+mn-ea"/>
+                <a:cs typeface="+mn-cs"/>
+              </a:defRPr>
+            </a:lvl2pPr>
+            <a:lvl3pPr>
+              <a:defRPr>
+                <a:solidFill>
+                  <a:schemeClr val="lt1"/>
+                </a:solidFill>
+                <a:latin typeface="+mn-lt"/>
+                <a:ea typeface="+mn-ea"/>
+                <a:cs typeface="+mn-cs"/>
+              </a:defRPr>
+            </a:lvl3pPr>
+            <a:lvl4pPr>
+              <a:defRPr>
+                <a:solidFill>
+                  <a:schemeClr val="lt1"/>
+                </a:solidFill>
+                <a:latin typeface="+mn-lt"/>
+                <a:ea typeface="+mn-ea"/>
+                <a:cs typeface="+mn-cs"/>
+              </a:defRPr>
+            </a:lvl4pPr>
+            <a:lvl5pPr>
+              <a:defRPr>
+                <a:solidFill>
+                  <a:schemeClr val="lt1"/>
+                </a:solidFill>
+                <a:latin typeface="+mn-lt"/>
+                <a:ea typeface="+mn-ea"/>
+                <a:cs typeface="+mn-cs"/>
+              </a:defRPr>
+            </a:lvl5pPr>
+            <a:lvl6pPr>
+              <a:defRPr>
+                <a:solidFill>
+                  <a:schemeClr val="lt1"/>
+                </a:solidFill>
+                <a:latin typeface="+mn-lt"/>
+                <a:ea typeface="+mn-ea"/>
+                <a:cs typeface="+mn-cs"/>
+              </a:defRPr>
+            </a:lvl6pPr>
+            <a:lvl7pPr>
+              <a:defRPr>
+                <a:solidFill>
+                  <a:schemeClr val="lt1"/>
+                </a:solidFill>
+                <a:latin typeface="+mn-lt"/>
+                <a:ea typeface="+mn-ea"/>
+                <a:cs typeface="+mn-cs"/>
+              </a:defRPr>
+            </a:lvl7pPr>
+            <a:lvl8pPr>
+              <a:defRPr>
+                <a:solidFill>
+                  <a:schemeClr val="lt1"/>
+                </a:solidFill>
+                <a:latin typeface="+mn-lt"/>
+                <a:ea typeface="+mn-ea"/>
+                <a:cs typeface="+mn-cs"/>
+              </a:defRPr>
+            </a:lvl8pPr>
+            <a:lvl9pPr>
+              <a:defRPr>
+                <a:solidFill>
+                  <a:schemeClr val="lt1"/>
+                </a:solidFill>
+                <a:latin typeface="+mn-lt"/>
+                <a:ea typeface="+mn-ea"/>
+                <a:cs typeface="+mn-cs"/>
+              </a:defRPr>
+            </a:lvl9pPr>
+          </a:lstStyle>
+          <a:p>
+            <a:r>
+              <a:rPr lang="en-US" dirty="0"/>
+              <a:t>Responding to Tweets Using </a:t>
+            </a:r>
+            <a:r>
+              <a:rPr lang="en-US" dirty="0" err="1"/>
+              <a:t>Dweet</a:t>
+            </a:r>
+            <a:r>
+              <a:rPr lang="en-US" dirty="0"/>
+              <a:t> and IFTTT</a:t>
+            </a:r>
+          </a:p>
+        </p:txBody>
+      </p:sp>
+      <p:sp>
+        <p:nvSpPr>
+          <p:cNvPr id="5" name="AutoShape 2" descr="http://raspberry.piaustralia.com.au/product-images/piwithbox.jpg"/>
+          <p:cNvSpPr>
+            <a:spLocks noChangeAspect="1" noChangeArrowheads="1"/>
+          </p:cNvSpPr>
+          <p:nvPr/>
+        </p:nvSpPr>
+        <p:spPr bwMode="auto">
+          <a:xfrm>
+            <a:off x="63500" y="-136525"/>
+            <a:ext cx="9772650" cy="6343650"/>
+          </a:xfrm>
+          <a:prstGeom prst="rect">
+            <a:avLst/>
+          </a:prstGeom>
+          <a:noFill/>
+          <a:extLst>
+            <a:ext uri="{909E8E84-426E-40DD-AFC4-6F175D3DCCD1}">
+              <a14:hiddenFill xmlns:a14="http://schemas.microsoft.com/office/drawing/2010/main">
+                <a:solidFill>
+                  <a:srgbClr val="FFFFFF"/>
+                </a:solidFill>
+              </a14:hiddenFill>
+            </a:ext>
+          </a:extLst>
+        </p:spPr>
+        <p:txBody>
+          <a:bodyPr vert="horz" wrap="square" lIns="91440" tIns="45720" rIns="91440" bIns="45720" numCol="1" anchor="t" anchorCtr="0" compatLnSpc="1">
+            <a:prstTxWarp prst="textNoShape">
+              <a:avLst/>
+            </a:prstTxWarp>
+          </a:bodyPr>
+          <a:lstStyle/>
+          <a:p>
+            <a:endParaRPr lang="en-US"/>
+          </a:p>
+        </p:txBody>
+      </p:sp>
+      <p:sp>
+        <p:nvSpPr>
+          <p:cNvPr id="6" name="TextBox 5">
+            <a:extLst>
+              <a:ext uri="{FF2B5EF4-FFF2-40B4-BE49-F238E27FC236}">
+                <a16:creationId xmlns:a16="http://schemas.microsoft.com/office/drawing/2014/main" id="{D1953563-F34A-4247-A4E2-C376FD1A1AA5}"/>
+              </a:ext>
+            </a:extLst>
+          </p:cNvPr>
+          <p:cNvSpPr txBox="1"/>
+          <p:nvPr/>
+        </p:nvSpPr>
+        <p:spPr>
+          <a:xfrm>
+            <a:off x="417443" y="745199"/>
+            <a:ext cx="11357113" cy="3477875"/>
+          </a:xfrm>
+          <a:prstGeom prst="rect">
+            <a:avLst/>
+          </a:prstGeom>
+          <a:noFill/>
+        </p:spPr>
+        <p:txBody>
+          <a:bodyPr wrap="square" rtlCol="0">
+            <a:spAutoFit/>
+          </a:bodyPr>
+          <a:lstStyle/>
+          <a:p>
+            <a:pPr lvl="1"/>
+            <a:r>
+              <a:rPr lang="en-US" sz="2000" dirty="0"/>
+              <a:t>You want your Raspberry Pi to perform some action in response to a certain hashtag or mention in a tweet.</a:t>
+            </a:r>
+          </a:p>
+          <a:p>
+            <a:pPr lvl="1"/>
+            <a:endParaRPr lang="en-US" sz="2000" dirty="0"/>
+          </a:p>
+          <a:p>
+            <a:pPr lvl="1"/>
+            <a:r>
+              <a:rPr lang="en-US" sz="2000" dirty="0"/>
+              <a:t>An efficient mechanism for monitoring tweets that does not rely on polling is to use IFTTT to spot tweets of interest and then send a web request to a service called </a:t>
+            </a:r>
+            <a:r>
+              <a:rPr lang="en-US" sz="2000" dirty="0" err="1"/>
+              <a:t>Dweet</a:t>
+            </a:r>
+            <a:r>
+              <a:rPr lang="en-US" sz="2000" dirty="0"/>
+              <a:t> that can push notifications to a Python program running on your Raspberry Pi (Following figure). </a:t>
+            </a:r>
+          </a:p>
+          <a:p>
+            <a:pPr lvl="1"/>
+            <a:endParaRPr lang="en-US" sz="2000" dirty="0"/>
+          </a:p>
+          <a:p>
+            <a:pPr lvl="1"/>
+            <a:r>
+              <a:rPr lang="en-US" sz="2000" dirty="0"/>
+              <a:t>For example, you could flash an LED for 10 seconds every time there is a mention of your username on Twitter by using a Raspberry Squid or an LED attached to a breadboard.</a:t>
+            </a:r>
+          </a:p>
+          <a:p>
+            <a:pPr lvl="1"/>
+            <a:endParaRPr lang="en-US" sz="2000" dirty="0"/>
+          </a:p>
+          <a:p>
+            <a:pPr lvl="1"/>
+            <a:endParaRPr lang="en-US" sz="2000" dirty="0"/>
+          </a:p>
+        </p:txBody>
+      </p:sp>
+    </p:spTree>
+    <p:extLst>
+      <p:ext uri="{BB962C8B-B14F-4D97-AF65-F5344CB8AC3E}">
+        <p14:creationId xmlns:p14="http://schemas.microsoft.com/office/powerpoint/2010/main" val="564792624"/>
+      </p:ext>
+    </p:extLst>
+  </p:cSld>
+  <p:clrMapOvr>
+    <a:masterClrMapping/>
+  </p:clrMapOvr>
+</p:sld>
+</file>
+
+<file path=ppt/slides/slide32.xml><?xml version="1.0" encoding="utf-8"?>
+<p:sld xmlns:a="http://schemas.openxmlformats.org/drawingml/2006/main" xmlns:r="http://schemas.openxmlformats.org/officeDocument/2006/relationships" xmlns:p="http://schemas.openxmlformats.org/presentationml/2006/main">
+  <p:cSld>
+    <p:spTree>
+      <p:nvGrpSpPr>
+        <p:cNvPr id="1" name=""/>
+        <p:cNvGrpSpPr/>
+        <p:nvPr/>
+      </p:nvGrpSpPr>
+      <p:grpSpPr>
+        <a:xfrm>
+          <a:off x="0" y="0"/>
+          <a:ext cx="0" cy="0"/>
+          <a:chOff x="0" y="0"/>
+          <a:chExt cx="0" cy="0"/>
+        </a:xfrm>
+      </p:grpSpPr>
+      <p:sp>
+        <p:nvSpPr>
+          <p:cNvPr id="4" name="Title 1"/>
+          <p:cNvSpPr txBox="1">
+            <a:spLocks/>
+          </p:cNvSpPr>
+          <p:nvPr/>
+        </p:nvSpPr>
+        <p:spPr>
+          <a:xfrm>
+            <a:off x="0" y="1"/>
+            <a:ext cx="12192000" cy="721216"/>
+          </a:xfrm>
+          <a:prstGeom prst="rect">
+            <a:avLst/>
+          </a:prstGeom>
+        </p:spPr>
+        <p:style>
+          <a:lnRef idx="0">
+            <a:schemeClr val="accent1"/>
+          </a:lnRef>
+          <a:fillRef idx="3">
+            <a:schemeClr val="accent1"/>
+          </a:fillRef>
+          <a:effectRef idx="3">
+            <a:schemeClr val="accent1"/>
+          </a:effectRef>
+          <a:fontRef idx="minor">
+            <a:schemeClr val="lt1"/>
+          </a:fontRef>
+        </p:style>
+        <p:txBody>
+          <a:bodyPr vert="horz" lIns="91440" tIns="45720" rIns="91440" bIns="45720" rtlCol="0" anchor="ctr">
+            <a:normAutofit/>
+          </a:bodyPr>
+          <a:lstStyle>
+            <a:lvl1pPr algn="l" defTabSz="914400" rtl="0" eaLnBrk="1" latinLnBrk="0" hangingPunct="1">
+              <a:lnSpc>
+                <a:spcPct val="90000"/>
+              </a:lnSpc>
+              <a:spcBef>
+                <a:spcPct val="0"/>
+              </a:spcBef>
+              <a:buNone/>
+              <a:defRPr sz="4400" kern="1200">
+                <a:solidFill>
+                  <a:schemeClr val="lt1"/>
+                </a:solidFill>
+                <a:latin typeface="+mn-lt"/>
+                <a:ea typeface="+mn-ea"/>
+                <a:cs typeface="+mn-cs"/>
+              </a:defRPr>
+            </a:lvl1pPr>
+            <a:lvl2pPr>
+              <a:defRPr>
+                <a:solidFill>
+                  <a:schemeClr val="lt1"/>
+                </a:solidFill>
+                <a:latin typeface="+mn-lt"/>
+                <a:ea typeface="+mn-ea"/>
+                <a:cs typeface="+mn-cs"/>
+              </a:defRPr>
+            </a:lvl2pPr>
+            <a:lvl3pPr>
+              <a:defRPr>
+                <a:solidFill>
+                  <a:schemeClr val="lt1"/>
+                </a:solidFill>
+                <a:latin typeface="+mn-lt"/>
+                <a:ea typeface="+mn-ea"/>
+                <a:cs typeface="+mn-cs"/>
+              </a:defRPr>
+            </a:lvl3pPr>
+            <a:lvl4pPr>
+              <a:defRPr>
+                <a:solidFill>
+                  <a:schemeClr val="lt1"/>
+                </a:solidFill>
+                <a:latin typeface="+mn-lt"/>
+                <a:ea typeface="+mn-ea"/>
+                <a:cs typeface="+mn-cs"/>
+              </a:defRPr>
+            </a:lvl4pPr>
+            <a:lvl5pPr>
+              <a:defRPr>
+                <a:solidFill>
+                  <a:schemeClr val="lt1"/>
+                </a:solidFill>
+                <a:latin typeface="+mn-lt"/>
+                <a:ea typeface="+mn-ea"/>
+                <a:cs typeface="+mn-cs"/>
+              </a:defRPr>
+            </a:lvl5pPr>
+            <a:lvl6pPr>
+              <a:defRPr>
+                <a:solidFill>
+                  <a:schemeClr val="lt1"/>
+                </a:solidFill>
+                <a:latin typeface="+mn-lt"/>
+                <a:ea typeface="+mn-ea"/>
+                <a:cs typeface="+mn-cs"/>
+              </a:defRPr>
+            </a:lvl6pPr>
+            <a:lvl7pPr>
+              <a:defRPr>
+                <a:solidFill>
+                  <a:schemeClr val="lt1"/>
+                </a:solidFill>
+                <a:latin typeface="+mn-lt"/>
+                <a:ea typeface="+mn-ea"/>
+                <a:cs typeface="+mn-cs"/>
+              </a:defRPr>
+            </a:lvl7pPr>
+            <a:lvl8pPr>
+              <a:defRPr>
+                <a:solidFill>
+                  <a:schemeClr val="lt1"/>
+                </a:solidFill>
+                <a:latin typeface="+mn-lt"/>
+                <a:ea typeface="+mn-ea"/>
+                <a:cs typeface="+mn-cs"/>
+              </a:defRPr>
+            </a:lvl8pPr>
+            <a:lvl9pPr>
+              <a:defRPr>
+                <a:solidFill>
+                  <a:schemeClr val="lt1"/>
+                </a:solidFill>
+                <a:latin typeface="+mn-lt"/>
+                <a:ea typeface="+mn-ea"/>
+                <a:cs typeface="+mn-cs"/>
+              </a:defRPr>
+            </a:lvl9pPr>
+          </a:lstStyle>
+          <a:p>
+            <a:r>
+              <a:rPr lang="en-US" dirty="0"/>
+              <a:t>Responding to Tweets Using </a:t>
+            </a:r>
+            <a:r>
+              <a:rPr lang="en-US" dirty="0" err="1"/>
+              <a:t>Dweet</a:t>
+            </a:r>
+            <a:r>
+              <a:rPr lang="en-US" dirty="0"/>
+              <a:t> and IFTTT</a:t>
+            </a:r>
+          </a:p>
+        </p:txBody>
+      </p:sp>
+      <p:sp>
+        <p:nvSpPr>
+          <p:cNvPr id="5" name="AutoShape 2" descr="http://raspberry.piaustralia.com.au/product-images/piwithbox.jpg"/>
+          <p:cNvSpPr>
+            <a:spLocks noChangeAspect="1" noChangeArrowheads="1"/>
+          </p:cNvSpPr>
+          <p:nvPr/>
+        </p:nvSpPr>
+        <p:spPr bwMode="auto">
+          <a:xfrm>
+            <a:off x="63500" y="-136525"/>
+            <a:ext cx="9772650" cy="6343650"/>
+          </a:xfrm>
+          <a:prstGeom prst="rect">
+            <a:avLst/>
+          </a:prstGeom>
+          <a:noFill/>
+          <a:extLst>
+            <a:ext uri="{909E8E84-426E-40DD-AFC4-6F175D3DCCD1}">
+              <a14:hiddenFill xmlns:a14="http://schemas.microsoft.com/office/drawing/2010/main">
+                <a:solidFill>
+                  <a:srgbClr val="FFFFFF"/>
+                </a:solidFill>
+              </a14:hiddenFill>
+            </a:ext>
+          </a:extLst>
+        </p:spPr>
+        <p:txBody>
+          <a:bodyPr vert="horz" wrap="square" lIns="91440" tIns="45720" rIns="91440" bIns="45720" numCol="1" anchor="t" anchorCtr="0" compatLnSpc="1">
+            <a:prstTxWarp prst="textNoShape">
+              <a:avLst/>
+            </a:prstTxWarp>
+          </a:bodyPr>
+          <a:lstStyle/>
+          <a:p>
+            <a:endParaRPr lang="en-US"/>
+          </a:p>
+        </p:txBody>
+      </p:sp>
+      <p:pic>
+        <p:nvPicPr>
+          <p:cNvPr id="3" name="Picture 2">
+            <a:extLst>
+              <a:ext uri="{FF2B5EF4-FFF2-40B4-BE49-F238E27FC236}">
+                <a16:creationId xmlns:a16="http://schemas.microsoft.com/office/drawing/2014/main" id="{F242D012-7610-4C1C-A85C-72295DDDAC90}"/>
+              </a:ext>
+            </a:extLst>
+          </p:cNvPr>
+          <p:cNvPicPr>
+            <a:picLocks noChangeAspect="1"/>
+          </p:cNvPicPr>
+          <p:nvPr/>
+        </p:nvPicPr>
+        <p:blipFill>
+          <a:blip r:embed="rId2"/>
+          <a:stretch>
+            <a:fillRect/>
+          </a:stretch>
+        </p:blipFill>
+        <p:spPr>
+          <a:xfrm>
+            <a:off x="2767012" y="1004887"/>
+            <a:ext cx="6657975" cy="5457825"/>
+          </a:xfrm>
+          <a:prstGeom prst="rect">
+            <a:avLst/>
+          </a:prstGeom>
+        </p:spPr>
+      </p:pic>
+    </p:spTree>
+    <p:extLst>
+      <p:ext uri="{BB962C8B-B14F-4D97-AF65-F5344CB8AC3E}">
+        <p14:creationId xmlns:p14="http://schemas.microsoft.com/office/powerpoint/2010/main" val="2400171534"/>
+      </p:ext>
+    </p:extLst>
+  </p:cSld>
+  <p:clrMapOvr>
+    <a:masterClrMapping/>
+  </p:clrMapOvr>
+</p:sld>
+</file>
+
+<file path=ppt/slides/slide33.xml><?xml version="1.0" encoding="utf-8"?>
+<p:sld xmlns:a="http://schemas.openxmlformats.org/drawingml/2006/main" xmlns:r="http://schemas.openxmlformats.org/officeDocument/2006/relationships" xmlns:p="http://schemas.openxmlformats.org/presentationml/2006/main">
+  <p:cSld>
+    <p:spTree>
+      <p:nvGrpSpPr>
+        <p:cNvPr id="1" name=""/>
+        <p:cNvGrpSpPr/>
+        <p:nvPr/>
+      </p:nvGrpSpPr>
+      <p:grpSpPr>
+        <a:xfrm>
+          <a:off x="0" y="0"/>
+          <a:ext cx="0" cy="0"/>
+          <a:chOff x="0" y="0"/>
+          <a:chExt cx="0" cy="0"/>
+        </a:xfrm>
+      </p:grpSpPr>
+      <p:sp>
+        <p:nvSpPr>
+          <p:cNvPr id="4" name="Title 1"/>
+          <p:cNvSpPr txBox="1">
+            <a:spLocks/>
+          </p:cNvSpPr>
+          <p:nvPr/>
+        </p:nvSpPr>
+        <p:spPr>
+          <a:xfrm>
+            <a:off x="0" y="1"/>
+            <a:ext cx="12192000" cy="721216"/>
+          </a:xfrm>
+          <a:prstGeom prst="rect">
+            <a:avLst/>
+          </a:prstGeom>
+        </p:spPr>
+        <p:style>
+          <a:lnRef idx="0">
+            <a:schemeClr val="accent1"/>
+          </a:lnRef>
+          <a:fillRef idx="3">
+            <a:schemeClr val="accent1"/>
+          </a:fillRef>
+          <a:effectRef idx="3">
+            <a:schemeClr val="accent1"/>
+          </a:effectRef>
+          <a:fontRef idx="minor">
+            <a:schemeClr val="lt1"/>
+          </a:fontRef>
+        </p:style>
+        <p:txBody>
+          <a:bodyPr vert="horz" lIns="91440" tIns="45720" rIns="91440" bIns="45720" rtlCol="0" anchor="ctr">
+            <a:normAutofit/>
+          </a:bodyPr>
+          <a:lstStyle>
+            <a:lvl1pPr algn="l" defTabSz="914400" rtl="0" eaLnBrk="1" latinLnBrk="0" hangingPunct="1">
+              <a:lnSpc>
+                <a:spcPct val="90000"/>
+              </a:lnSpc>
+              <a:spcBef>
+                <a:spcPct val="0"/>
+              </a:spcBef>
+              <a:buNone/>
+              <a:defRPr sz="4400" kern="1200">
+                <a:solidFill>
+                  <a:schemeClr val="lt1"/>
+                </a:solidFill>
+                <a:latin typeface="+mn-lt"/>
+                <a:ea typeface="+mn-ea"/>
+                <a:cs typeface="+mn-cs"/>
+              </a:defRPr>
+            </a:lvl1pPr>
+            <a:lvl2pPr>
+              <a:defRPr>
+                <a:solidFill>
+                  <a:schemeClr val="lt1"/>
+                </a:solidFill>
+                <a:latin typeface="+mn-lt"/>
+                <a:ea typeface="+mn-ea"/>
+                <a:cs typeface="+mn-cs"/>
+              </a:defRPr>
+            </a:lvl2pPr>
+            <a:lvl3pPr>
+              <a:defRPr>
+                <a:solidFill>
+                  <a:schemeClr val="lt1"/>
+                </a:solidFill>
+                <a:latin typeface="+mn-lt"/>
+                <a:ea typeface="+mn-ea"/>
+                <a:cs typeface="+mn-cs"/>
+              </a:defRPr>
+            </a:lvl3pPr>
+            <a:lvl4pPr>
+              <a:defRPr>
+                <a:solidFill>
+                  <a:schemeClr val="lt1"/>
+                </a:solidFill>
+                <a:latin typeface="+mn-lt"/>
+                <a:ea typeface="+mn-ea"/>
+                <a:cs typeface="+mn-cs"/>
+              </a:defRPr>
+            </a:lvl4pPr>
+            <a:lvl5pPr>
+              <a:defRPr>
+                <a:solidFill>
+                  <a:schemeClr val="lt1"/>
+                </a:solidFill>
+                <a:latin typeface="+mn-lt"/>
+                <a:ea typeface="+mn-ea"/>
+                <a:cs typeface="+mn-cs"/>
+              </a:defRPr>
+            </a:lvl5pPr>
+            <a:lvl6pPr>
+              <a:defRPr>
+                <a:solidFill>
+                  <a:schemeClr val="lt1"/>
+                </a:solidFill>
+                <a:latin typeface="+mn-lt"/>
+                <a:ea typeface="+mn-ea"/>
+                <a:cs typeface="+mn-cs"/>
+              </a:defRPr>
+            </a:lvl6pPr>
+            <a:lvl7pPr>
+              <a:defRPr>
+                <a:solidFill>
+                  <a:schemeClr val="lt1"/>
+                </a:solidFill>
+                <a:latin typeface="+mn-lt"/>
+                <a:ea typeface="+mn-ea"/>
+                <a:cs typeface="+mn-cs"/>
+              </a:defRPr>
+            </a:lvl7pPr>
+            <a:lvl8pPr>
+              <a:defRPr>
+                <a:solidFill>
+                  <a:schemeClr val="lt1"/>
+                </a:solidFill>
+                <a:latin typeface="+mn-lt"/>
+                <a:ea typeface="+mn-ea"/>
+                <a:cs typeface="+mn-cs"/>
+              </a:defRPr>
+            </a:lvl8pPr>
+            <a:lvl9pPr>
+              <a:defRPr>
+                <a:solidFill>
+                  <a:schemeClr val="lt1"/>
+                </a:solidFill>
+                <a:latin typeface="+mn-lt"/>
+                <a:ea typeface="+mn-ea"/>
+                <a:cs typeface="+mn-cs"/>
+              </a:defRPr>
+            </a:lvl9pPr>
+          </a:lstStyle>
+          <a:p>
+            <a:r>
+              <a:rPr lang="en-US" dirty="0"/>
+              <a:t>Responding to Tweets Using </a:t>
+            </a:r>
+            <a:r>
+              <a:rPr lang="en-US" dirty="0" err="1"/>
+              <a:t>Dweet</a:t>
+            </a:r>
+            <a:r>
+              <a:rPr lang="en-US" dirty="0"/>
+              <a:t> and IFTTT</a:t>
+            </a:r>
+          </a:p>
+        </p:txBody>
+      </p:sp>
+      <p:sp>
+        <p:nvSpPr>
+          <p:cNvPr id="5" name="AutoShape 2" descr="http://raspberry.piaustralia.com.au/product-images/piwithbox.jpg"/>
+          <p:cNvSpPr>
+            <a:spLocks noChangeAspect="1" noChangeArrowheads="1"/>
+          </p:cNvSpPr>
+          <p:nvPr/>
+        </p:nvSpPr>
+        <p:spPr bwMode="auto">
+          <a:xfrm>
+            <a:off x="63500" y="-136525"/>
+            <a:ext cx="9772650" cy="6343650"/>
+          </a:xfrm>
+          <a:prstGeom prst="rect">
+            <a:avLst/>
+          </a:prstGeom>
+          <a:noFill/>
+          <a:extLst>
+            <a:ext uri="{909E8E84-426E-40DD-AFC4-6F175D3DCCD1}">
+              <a14:hiddenFill xmlns:a14="http://schemas.microsoft.com/office/drawing/2010/main">
+                <a:solidFill>
+                  <a:srgbClr val="FFFFFF"/>
+                </a:solidFill>
+              </a14:hiddenFill>
+            </a:ext>
+          </a:extLst>
+        </p:spPr>
+        <p:txBody>
+          <a:bodyPr vert="horz" wrap="square" lIns="91440" tIns="45720" rIns="91440" bIns="45720" numCol="1" anchor="t" anchorCtr="0" compatLnSpc="1">
+            <a:prstTxWarp prst="textNoShape">
+              <a:avLst/>
+            </a:prstTxWarp>
+          </a:bodyPr>
+          <a:lstStyle/>
+          <a:p>
+            <a:endParaRPr lang="en-US"/>
+          </a:p>
+        </p:txBody>
+      </p:sp>
+      <p:sp>
+        <p:nvSpPr>
+          <p:cNvPr id="6" name="TextBox 5">
+            <a:extLst>
+              <a:ext uri="{FF2B5EF4-FFF2-40B4-BE49-F238E27FC236}">
+                <a16:creationId xmlns:a16="http://schemas.microsoft.com/office/drawing/2014/main" id="{D1953563-F34A-4247-A4E2-C376FD1A1AA5}"/>
+              </a:ext>
+            </a:extLst>
+          </p:cNvPr>
+          <p:cNvSpPr txBox="1"/>
+          <p:nvPr/>
+        </p:nvSpPr>
+        <p:spPr>
+          <a:xfrm>
+            <a:off x="417443" y="857743"/>
+            <a:ext cx="11357113" cy="4955203"/>
+          </a:xfrm>
+          <a:prstGeom prst="rect">
+            <a:avLst/>
+          </a:prstGeom>
+          <a:noFill/>
+        </p:spPr>
+        <p:txBody>
+          <a:bodyPr wrap="square" rtlCol="0">
+            <a:spAutoFit/>
+          </a:bodyPr>
+          <a:lstStyle/>
+          <a:p>
+            <a:pPr lvl="1"/>
+            <a:r>
+              <a:rPr lang="en-US" sz="2000" dirty="0"/>
+              <a:t>The first step is to log in to IFTTT and then create a new recipe. Choose an action channel of New Mention of You and then click Create Trigger. For the recipe’s action channel, select </a:t>
+            </a:r>
+            <a:r>
+              <a:rPr lang="en-US" sz="2000" dirty="0" err="1"/>
+              <a:t>Webhooks</a:t>
+            </a:r>
+            <a:r>
+              <a:rPr lang="en-US" sz="2000" dirty="0"/>
+              <a:t> and then select the action “Make a Web Request” and complete the fields as shown in Following figure.</a:t>
+            </a:r>
+          </a:p>
+          <a:p>
+            <a:pPr lvl="1"/>
+            <a:endParaRPr lang="en-US" sz="2000" dirty="0"/>
+          </a:p>
+          <a:p>
+            <a:pPr lvl="1"/>
+            <a:r>
+              <a:rPr lang="en-US" sz="2000" dirty="0"/>
+              <a:t>The URL includes a request parameter with the ingredient of text. This will contain the body of the tweet. Although this will not be used other than to print it in the console, you might have the message displayed on an LCD screen for a more sophisticated project, so it is useful to know how to pass data from tweet to the Python program.</a:t>
+            </a:r>
+          </a:p>
+          <a:p>
+            <a:pPr lvl="1"/>
+            <a:endParaRPr lang="en-US" sz="2000" dirty="0"/>
+          </a:p>
+          <a:p>
+            <a:pPr lvl="1"/>
+            <a:r>
+              <a:rPr lang="en-US" sz="2000" dirty="0"/>
+              <a:t>Then click Create Recipe to take the IFTTT recipe live. </a:t>
+            </a:r>
+          </a:p>
+          <a:p>
+            <a:pPr lvl="1"/>
+            <a:endParaRPr lang="en-US" sz="2000" dirty="0"/>
+          </a:p>
+          <a:p>
+            <a:pPr lvl="1"/>
+            <a:r>
+              <a:rPr lang="en-US" sz="2400" b="1" dirty="0"/>
+              <a:t>The </a:t>
+            </a:r>
+            <a:r>
+              <a:rPr lang="en-US" sz="2400" b="1" dirty="0">
+                <a:solidFill>
+                  <a:schemeClr val="accent1">
+                    <a:lumMod val="75000"/>
+                  </a:schemeClr>
+                </a:solidFill>
+              </a:rPr>
+              <a:t>dweet.io </a:t>
+            </a:r>
+            <a:r>
+              <a:rPr lang="en-US" sz="2400" b="1" dirty="0"/>
+              <a:t>web service operates rather like </a:t>
+            </a:r>
+            <a:r>
+              <a:rPr lang="en-US" sz="2400" b="1" dirty="0">
+                <a:solidFill>
+                  <a:schemeClr val="accent1">
+                    <a:lumMod val="75000"/>
+                  </a:schemeClr>
+                </a:solidFill>
+              </a:rPr>
+              <a:t>Twitter</a:t>
+            </a:r>
+            <a:r>
+              <a:rPr lang="en-US" sz="2400" b="1" dirty="0"/>
+              <a:t> for </a:t>
+            </a:r>
+            <a:r>
+              <a:rPr lang="en-US" sz="2400" b="1" dirty="0">
+                <a:solidFill>
+                  <a:schemeClr val="accent1">
+                    <a:lumMod val="75000"/>
+                  </a:schemeClr>
+                </a:solidFill>
+              </a:rPr>
+              <a:t>IoT things</a:t>
+            </a:r>
+            <a:r>
+              <a:rPr lang="en-US" sz="2400" b="1" dirty="0"/>
+              <a:t>. It has a web interface that allows you to both post and listen for </a:t>
+            </a:r>
+            <a:r>
+              <a:rPr lang="en-US" sz="2400" b="1" dirty="0" err="1">
+                <a:solidFill>
+                  <a:schemeClr val="accent1">
+                    <a:lumMod val="75000"/>
+                  </a:schemeClr>
+                </a:solidFill>
+              </a:rPr>
+              <a:t>dweets</a:t>
+            </a:r>
+            <a:r>
+              <a:rPr lang="en-US" sz="2400" b="1" dirty="0"/>
+              <a:t>.</a:t>
+            </a:r>
+          </a:p>
+          <a:p>
+            <a:pPr lvl="1"/>
+            <a:endParaRPr lang="en-US" sz="2400" b="1" dirty="0"/>
+          </a:p>
+          <a:p>
+            <a:pPr lvl="1"/>
+            <a:endParaRPr lang="en-US" sz="2400" b="1" dirty="0"/>
+          </a:p>
+        </p:txBody>
+      </p:sp>
+    </p:spTree>
+    <p:extLst>
+      <p:ext uri="{BB962C8B-B14F-4D97-AF65-F5344CB8AC3E}">
+        <p14:creationId xmlns:p14="http://schemas.microsoft.com/office/powerpoint/2010/main" val="3646354055"/>
+      </p:ext>
+    </p:extLst>
+  </p:cSld>
+  <p:clrMapOvr>
+    <a:masterClrMapping/>
+  </p:clrMapOvr>
+</p:sld>
+</file>
+
+<file path=ppt/slides/slide34.xml><?xml version="1.0" encoding="utf-8"?>
+<p:sld xmlns:a="http://schemas.openxmlformats.org/drawingml/2006/main" xmlns:r="http://schemas.openxmlformats.org/officeDocument/2006/relationships" xmlns:p="http://schemas.openxmlformats.org/presentationml/2006/main">
+  <p:cSld>
+    <p:spTree>
+      <p:nvGrpSpPr>
+        <p:cNvPr id="1" name=""/>
+        <p:cNvGrpSpPr/>
+        <p:nvPr/>
+      </p:nvGrpSpPr>
+      <p:grpSpPr>
+        <a:xfrm>
+          <a:off x="0" y="0"/>
+          <a:ext cx="0" cy="0"/>
+          <a:chOff x="0" y="0"/>
+          <a:chExt cx="0" cy="0"/>
+        </a:xfrm>
+      </p:grpSpPr>
+      <p:pic>
+        <p:nvPicPr>
+          <p:cNvPr id="2" name="Picture 1">
+            <a:extLst>
+              <a:ext uri="{FF2B5EF4-FFF2-40B4-BE49-F238E27FC236}">
+                <a16:creationId xmlns:a16="http://schemas.microsoft.com/office/drawing/2014/main" id="{917278AD-3568-49FC-A848-363D784208E6}"/>
+              </a:ext>
+            </a:extLst>
+          </p:cNvPr>
+          <p:cNvPicPr>
+            <a:picLocks noChangeAspect="1"/>
+          </p:cNvPicPr>
+          <p:nvPr/>
+        </p:nvPicPr>
+        <p:blipFill rotWithShape="1">
+          <a:blip r:embed="rId2"/>
+          <a:srcRect t="4042" b="3994"/>
+          <a:stretch/>
+        </p:blipFill>
+        <p:spPr>
+          <a:xfrm>
+            <a:off x="0" y="721217"/>
+            <a:ext cx="12192000" cy="6136782"/>
+          </a:xfrm>
+          <a:prstGeom prst="rect">
+            <a:avLst/>
+          </a:prstGeom>
+        </p:spPr>
+      </p:pic>
+      <p:sp>
+        <p:nvSpPr>
+          <p:cNvPr id="4" name="Title 1"/>
+          <p:cNvSpPr txBox="1">
+            <a:spLocks/>
+          </p:cNvSpPr>
+          <p:nvPr/>
+        </p:nvSpPr>
+        <p:spPr>
+          <a:xfrm>
+            <a:off x="0" y="1"/>
+            <a:ext cx="12192000" cy="721216"/>
+          </a:xfrm>
+          <a:prstGeom prst="rect">
+            <a:avLst/>
+          </a:prstGeom>
+        </p:spPr>
+        <p:style>
+          <a:lnRef idx="0">
+            <a:schemeClr val="accent1"/>
+          </a:lnRef>
+          <a:fillRef idx="3">
+            <a:schemeClr val="accent1"/>
+          </a:fillRef>
+          <a:effectRef idx="3">
+            <a:schemeClr val="accent1"/>
+          </a:effectRef>
+          <a:fontRef idx="minor">
+            <a:schemeClr val="lt1"/>
+          </a:fontRef>
+        </p:style>
+        <p:txBody>
+          <a:bodyPr vert="horz" lIns="91440" tIns="45720" rIns="91440" bIns="45720" rtlCol="0" anchor="ctr">
+            <a:normAutofit/>
+          </a:bodyPr>
+          <a:lstStyle>
+            <a:lvl1pPr algn="l" defTabSz="914400" rtl="0" eaLnBrk="1" latinLnBrk="0" hangingPunct="1">
+              <a:lnSpc>
+                <a:spcPct val="90000"/>
+              </a:lnSpc>
+              <a:spcBef>
+                <a:spcPct val="0"/>
+              </a:spcBef>
+              <a:buNone/>
+              <a:defRPr sz="4400" kern="1200">
+                <a:solidFill>
+                  <a:schemeClr val="lt1"/>
+                </a:solidFill>
+                <a:latin typeface="+mn-lt"/>
+                <a:ea typeface="+mn-ea"/>
+                <a:cs typeface="+mn-cs"/>
+              </a:defRPr>
+            </a:lvl1pPr>
+            <a:lvl2pPr>
+              <a:defRPr>
+                <a:solidFill>
+                  <a:schemeClr val="lt1"/>
+                </a:solidFill>
+                <a:latin typeface="+mn-lt"/>
+                <a:ea typeface="+mn-ea"/>
+                <a:cs typeface="+mn-cs"/>
+              </a:defRPr>
+            </a:lvl2pPr>
+            <a:lvl3pPr>
+              <a:defRPr>
+                <a:solidFill>
+                  <a:schemeClr val="lt1"/>
+                </a:solidFill>
+                <a:latin typeface="+mn-lt"/>
+                <a:ea typeface="+mn-ea"/>
+                <a:cs typeface="+mn-cs"/>
+              </a:defRPr>
+            </a:lvl3pPr>
+            <a:lvl4pPr>
+              <a:defRPr>
+                <a:solidFill>
+                  <a:schemeClr val="lt1"/>
+                </a:solidFill>
+                <a:latin typeface="+mn-lt"/>
+                <a:ea typeface="+mn-ea"/>
+                <a:cs typeface="+mn-cs"/>
+              </a:defRPr>
+            </a:lvl4pPr>
+            <a:lvl5pPr>
+              <a:defRPr>
+                <a:solidFill>
+                  <a:schemeClr val="lt1"/>
+                </a:solidFill>
+                <a:latin typeface="+mn-lt"/>
+                <a:ea typeface="+mn-ea"/>
+                <a:cs typeface="+mn-cs"/>
+              </a:defRPr>
+            </a:lvl5pPr>
+            <a:lvl6pPr>
+              <a:defRPr>
+                <a:solidFill>
+                  <a:schemeClr val="lt1"/>
+                </a:solidFill>
+                <a:latin typeface="+mn-lt"/>
+                <a:ea typeface="+mn-ea"/>
+                <a:cs typeface="+mn-cs"/>
+              </a:defRPr>
+            </a:lvl6pPr>
+            <a:lvl7pPr>
+              <a:defRPr>
+                <a:solidFill>
+                  <a:schemeClr val="lt1"/>
+                </a:solidFill>
+                <a:latin typeface="+mn-lt"/>
+                <a:ea typeface="+mn-ea"/>
+                <a:cs typeface="+mn-cs"/>
+              </a:defRPr>
+            </a:lvl7pPr>
+            <a:lvl8pPr>
+              <a:defRPr>
+                <a:solidFill>
+                  <a:schemeClr val="lt1"/>
+                </a:solidFill>
+                <a:latin typeface="+mn-lt"/>
+                <a:ea typeface="+mn-ea"/>
+                <a:cs typeface="+mn-cs"/>
+              </a:defRPr>
+            </a:lvl8pPr>
+            <a:lvl9pPr>
+              <a:defRPr>
+                <a:solidFill>
+                  <a:schemeClr val="lt1"/>
+                </a:solidFill>
+                <a:latin typeface="+mn-lt"/>
+                <a:ea typeface="+mn-ea"/>
+                <a:cs typeface="+mn-cs"/>
+              </a:defRPr>
+            </a:lvl9pPr>
+          </a:lstStyle>
+          <a:p>
+            <a:r>
+              <a:rPr lang="en-US" dirty="0"/>
+              <a:t>Responding to Tweets Using </a:t>
+            </a:r>
+            <a:r>
+              <a:rPr lang="en-US" dirty="0" err="1"/>
+              <a:t>Dweet</a:t>
+            </a:r>
+            <a:r>
+              <a:rPr lang="en-US" dirty="0"/>
+              <a:t> and IFTTT</a:t>
+            </a:r>
+          </a:p>
+        </p:txBody>
+      </p:sp>
+      <p:sp>
+        <p:nvSpPr>
+          <p:cNvPr id="5" name="AutoShape 2" descr="http://raspberry.piaustralia.com.au/product-images/piwithbox.jpg"/>
+          <p:cNvSpPr>
+            <a:spLocks noChangeAspect="1" noChangeArrowheads="1"/>
+          </p:cNvSpPr>
+          <p:nvPr/>
+        </p:nvSpPr>
+        <p:spPr bwMode="auto">
+          <a:xfrm>
+            <a:off x="63500" y="-136525"/>
+            <a:ext cx="9772650" cy="6343650"/>
+          </a:xfrm>
+          <a:prstGeom prst="rect">
+            <a:avLst/>
+          </a:prstGeom>
+          <a:noFill/>
+          <a:extLst>
+            <a:ext uri="{909E8E84-426E-40DD-AFC4-6F175D3DCCD1}">
+              <a14:hiddenFill xmlns:a14="http://schemas.microsoft.com/office/drawing/2010/main">
+                <a:solidFill>
+                  <a:srgbClr val="FFFFFF"/>
+                </a:solidFill>
+              </a14:hiddenFill>
+            </a:ext>
+          </a:extLst>
+        </p:spPr>
+        <p:txBody>
+          <a:bodyPr vert="horz" wrap="square" lIns="91440" tIns="45720" rIns="91440" bIns="45720" numCol="1" anchor="t" anchorCtr="0" compatLnSpc="1">
+            <a:prstTxWarp prst="textNoShape">
+              <a:avLst/>
+            </a:prstTxWarp>
+          </a:bodyPr>
+          <a:lstStyle/>
+          <a:p>
+            <a:endParaRPr lang="en-US"/>
+          </a:p>
+        </p:txBody>
+      </p:sp>
+    </p:spTree>
+    <p:extLst>
+      <p:ext uri="{BB962C8B-B14F-4D97-AF65-F5344CB8AC3E}">
+        <p14:creationId xmlns:p14="http://schemas.microsoft.com/office/powerpoint/2010/main" val="1068999572"/>
+      </p:ext>
+    </p:extLst>
+  </p:cSld>
+  <p:clrMapOvr>
+    <a:masterClrMapping/>
+  </p:clrMapOvr>
+</p:sld>
+</file>
+
+<file path=ppt/slides/slide35.xml><?xml version="1.0" encoding="utf-8"?>
+<p:sld xmlns:a="http://schemas.openxmlformats.org/drawingml/2006/main" xmlns:r="http://schemas.openxmlformats.org/officeDocument/2006/relationships" xmlns:p="http://schemas.openxmlformats.org/presentationml/2006/main">
+  <p:cSld>
+    <p:spTree>
+      <p:nvGrpSpPr>
+        <p:cNvPr id="1" name=""/>
+        <p:cNvGrpSpPr/>
+        <p:nvPr/>
+      </p:nvGrpSpPr>
+      <p:grpSpPr>
+        <a:xfrm>
+          <a:off x="0" y="0"/>
+          <a:ext cx="0" cy="0"/>
+          <a:chOff x="0" y="0"/>
+          <a:chExt cx="0" cy="0"/>
+        </a:xfrm>
+      </p:grpSpPr>
+      <p:sp>
+        <p:nvSpPr>
+          <p:cNvPr id="4" name="Title 1"/>
+          <p:cNvSpPr txBox="1">
+            <a:spLocks/>
+          </p:cNvSpPr>
+          <p:nvPr/>
+        </p:nvSpPr>
+        <p:spPr>
+          <a:xfrm>
+            <a:off x="0" y="1"/>
+            <a:ext cx="12192000" cy="721216"/>
+          </a:xfrm>
+          <a:prstGeom prst="rect">
+            <a:avLst/>
+          </a:prstGeom>
+        </p:spPr>
+        <p:style>
+          <a:lnRef idx="0">
+            <a:schemeClr val="accent1"/>
+          </a:lnRef>
+          <a:fillRef idx="3">
+            <a:schemeClr val="accent1"/>
+          </a:fillRef>
+          <a:effectRef idx="3">
+            <a:schemeClr val="accent1"/>
+          </a:effectRef>
+          <a:fontRef idx="minor">
+            <a:schemeClr val="lt1"/>
+          </a:fontRef>
+        </p:style>
+        <p:txBody>
+          <a:bodyPr vert="horz" lIns="91440" tIns="45720" rIns="91440" bIns="45720" rtlCol="0" anchor="ctr">
+            <a:normAutofit/>
+          </a:bodyPr>
+          <a:lstStyle>
+            <a:lvl1pPr algn="l" defTabSz="914400" rtl="0" eaLnBrk="1" latinLnBrk="0" hangingPunct="1">
+              <a:lnSpc>
+                <a:spcPct val="90000"/>
+              </a:lnSpc>
+              <a:spcBef>
+                <a:spcPct val="0"/>
+              </a:spcBef>
+              <a:buNone/>
+              <a:defRPr sz="4400" kern="1200">
+                <a:solidFill>
+                  <a:schemeClr val="lt1"/>
+                </a:solidFill>
+                <a:latin typeface="+mn-lt"/>
+                <a:ea typeface="+mn-ea"/>
+                <a:cs typeface="+mn-cs"/>
+              </a:defRPr>
+            </a:lvl1pPr>
+            <a:lvl2pPr>
+              <a:defRPr>
+                <a:solidFill>
+                  <a:schemeClr val="lt1"/>
+                </a:solidFill>
+                <a:latin typeface="+mn-lt"/>
+                <a:ea typeface="+mn-ea"/>
+                <a:cs typeface="+mn-cs"/>
+              </a:defRPr>
+            </a:lvl2pPr>
+            <a:lvl3pPr>
+              <a:defRPr>
+                <a:solidFill>
+                  <a:schemeClr val="lt1"/>
+                </a:solidFill>
+                <a:latin typeface="+mn-lt"/>
+                <a:ea typeface="+mn-ea"/>
+                <a:cs typeface="+mn-cs"/>
+              </a:defRPr>
+            </a:lvl3pPr>
+            <a:lvl4pPr>
+              <a:defRPr>
+                <a:solidFill>
+                  <a:schemeClr val="lt1"/>
+                </a:solidFill>
+                <a:latin typeface="+mn-lt"/>
+                <a:ea typeface="+mn-ea"/>
+                <a:cs typeface="+mn-cs"/>
+              </a:defRPr>
+            </a:lvl4pPr>
+            <a:lvl5pPr>
+              <a:defRPr>
+                <a:solidFill>
+                  <a:schemeClr val="lt1"/>
+                </a:solidFill>
+                <a:latin typeface="+mn-lt"/>
+                <a:ea typeface="+mn-ea"/>
+                <a:cs typeface="+mn-cs"/>
+              </a:defRPr>
+            </a:lvl5pPr>
+            <a:lvl6pPr>
+              <a:defRPr>
+                <a:solidFill>
+                  <a:schemeClr val="lt1"/>
+                </a:solidFill>
+                <a:latin typeface="+mn-lt"/>
+                <a:ea typeface="+mn-ea"/>
+                <a:cs typeface="+mn-cs"/>
+              </a:defRPr>
+            </a:lvl6pPr>
+            <a:lvl7pPr>
+              <a:defRPr>
+                <a:solidFill>
+                  <a:schemeClr val="lt1"/>
+                </a:solidFill>
+                <a:latin typeface="+mn-lt"/>
+                <a:ea typeface="+mn-ea"/>
+                <a:cs typeface="+mn-cs"/>
+              </a:defRPr>
+            </a:lvl7pPr>
+            <a:lvl8pPr>
+              <a:defRPr>
+                <a:solidFill>
+                  <a:schemeClr val="lt1"/>
+                </a:solidFill>
+                <a:latin typeface="+mn-lt"/>
+                <a:ea typeface="+mn-ea"/>
+                <a:cs typeface="+mn-cs"/>
+              </a:defRPr>
+            </a:lvl8pPr>
+            <a:lvl9pPr>
+              <a:defRPr>
+                <a:solidFill>
+                  <a:schemeClr val="lt1"/>
+                </a:solidFill>
+                <a:latin typeface="+mn-lt"/>
+                <a:ea typeface="+mn-ea"/>
+                <a:cs typeface="+mn-cs"/>
+              </a:defRPr>
+            </a:lvl9pPr>
+          </a:lstStyle>
+          <a:p>
+            <a:r>
+              <a:rPr lang="en-US" dirty="0"/>
+              <a:t>Responding to Tweets Using </a:t>
+            </a:r>
+            <a:r>
+              <a:rPr lang="en-US" dirty="0" err="1"/>
+              <a:t>Dweet</a:t>
+            </a:r>
+            <a:r>
+              <a:rPr lang="en-US" dirty="0"/>
+              <a:t> and IFTTT</a:t>
+            </a:r>
+          </a:p>
+        </p:txBody>
+      </p:sp>
+      <p:sp>
+        <p:nvSpPr>
+          <p:cNvPr id="5" name="AutoShape 2" descr="http://raspberry.piaustralia.com.au/product-images/piwithbox.jpg"/>
+          <p:cNvSpPr>
+            <a:spLocks noChangeAspect="1" noChangeArrowheads="1"/>
+          </p:cNvSpPr>
+          <p:nvPr/>
+        </p:nvSpPr>
+        <p:spPr bwMode="auto">
+          <a:xfrm>
+            <a:off x="63500" y="-136525"/>
+            <a:ext cx="9772650" cy="6343650"/>
+          </a:xfrm>
+          <a:prstGeom prst="rect">
+            <a:avLst/>
+          </a:prstGeom>
+          <a:noFill/>
+          <a:extLst>
+            <a:ext uri="{909E8E84-426E-40DD-AFC4-6F175D3DCCD1}">
+              <a14:hiddenFill xmlns:a14="http://schemas.microsoft.com/office/drawing/2010/main">
+                <a:solidFill>
+                  <a:srgbClr val="FFFFFF"/>
+                </a:solidFill>
+              </a14:hiddenFill>
+            </a:ext>
+          </a:extLst>
+        </p:spPr>
+        <p:txBody>
+          <a:bodyPr vert="horz" wrap="square" lIns="91440" tIns="45720" rIns="91440" bIns="45720" numCol="1" anchor="t" anchorCtr="0" compatLnSpc="1">
+            <a:prstTxWarp prst="textNoShape">
+              <a:avLst/>
+            </a:prstTxWarp>
+          </a:bodyPr>
+          <a:lstStyle/>
+          <a:p>
+            <a:endParaRPr lang="en-US"/>
+          </a:p>
+        </p:txBody>
+      </p:sp>
+      <p:sp>
+        <p:nvSpPr>
+          <p:cNvPr id="6" name="TextBox 5">
+            <a:extLst>
+              <a:ext uri="{FF2B5EF4-FFF2-40B4-BE49-F238E27FC236}">
+                <a16:creationId xmlns:a16="http://schemas.microsoft.com/office/drawing/2014/main" id="{D1953563-F34A-4247-A4E2-C376FD1A1AA5}"/>
+              </a:ext>
+            </a:extLst>
+          </p:cNvPr>
+          <p:cNvSpPr txBox="1"/>
+          <p:nvPr/>
+        </p:nvSpPr>
+        <p:spPr>
+          <a:xfrm>
+            <a:off x="417443" y="857743"/>
+            <a:ext cx="11357113" cy="4708981"/>
+          </a:xfrm>
+          <a:prstGeom prst="rect">
+            <a:avLst/>
+          </a:prstGeom>
+          <a:noFill/>
+        </p:spPr>
+        <p:txBody>
+          <a:bodyPr wrap="square" rtlCol="0">
+            <a:spAutoFit/>
+          </a:bodyPr>
+          <a:lstStyle/>
+          <a:p>
+            <a:pPr lvl="1"/>
+            <a:r>
+              <a:rPr lang="en-US" sz="2000" dirty="0" err="1"/>
+              <a:t>Dweet</a:t>
+            </a:r>
+            <a:r>
+              <a:rPr lang="en-US" sz="2000" dirty="0"/>
+              <a:t> does not require an account or any login details to make use of it; you can just have one thing (</a:t>
+            </a:r>
+            <a:r>
+              <a:rPr lang="en-US" sz="2000" b="1" dirty="0">
+                <a:solidFill>
+                  <a:schemeClr val="accent1">
+                    <a:lumMod val="75000"/>
+                  </a:schemeClr>
+                </a:solidFill>
+              </a:rPr>
+              <a:t>IFTTT</a:t>
+            </a:r>
+            <a:r>
+              <a:rPr lang="en-US" sz="2000" dirty="0"/>
+              <a:t> in this case) send a message to it and have another thing (your Raspberry Pi Python program) wait for notifications from it that something you are interested in has happened. In this case, the token that links the two is </a:t>
+            </a:r>
+            <a:r>
+              <a:rPr lang="en-US" sz="2000" b="1" dirty="0" err="1"/>
+              <a:t>tweet_about_me</a:t>
+            </a:r>
+            <a:r>
+              <a:rPr lang="en-US" sz="2000" dirty="0"/>
+              <a:t>. This is not very unique, and if several people are trying out this example from the book at the same time, then they will get each other’s messages. To avoid this, use a more unique token (say, by adding a random string of letters and numbers to the message).</a:t>
+            </a:r>
+          </a:p>
+          <a:p>
+            <a:pPr lvl="1"/>
+            <a:endParaRPr lang="en-US" sz="2000" dirty="0"/>
+          </a:p>
+          <a:p>
+            <a:pPr lvl="1"/>
+            <a:r>
+              <a:rPr lang="en-US" sz="2000" dirty="0"/>
+              <a:t>To access </a:t>
+            </a:r>
+            <a:r>
+              <a:rPr lang="en-US" sz="2000" b="1" dirty="0" err="1">
+                <a:solidFill>
+                  <a:schemeClr val="accent1">
+                    <a:lumMod val="75000"/>
+                  </a:schemeClr>
+                </a:solidFill>
+              </a:rPr>
+              <a:t>Dweet</a:t>
+            </a:r>
+            <a:r>
+              <a:rPr lang="en-US" sz="2000" dirty="0"/>
+              <a:t> from your Python program, the </a:t>
+            </a:r>
+            <a:r>
+              <a:rPr lang="en-US" sz="2000" b="1" dirty="0" err="1">
+                <a:solidFill>
+                  <a:schemeClr val="accent1">
+                    <a:lumMod val="75000"/>
+                  </a:schemeClr>
+                </a:solidFill>
+              </a:rPr>
+              <a:t>dweepy</a:t>
+            </a:r>
+            <a:r>
+              <a:rPr lang="en-US" sz="2000" b="1" dirty="0">
+                <a:solidFill>
+                  <a:schemeClr val="accent1">
+                    <a:lumMod val="75000"/>
+                  </a:schemeClr>
+                </a:solidFill>
+              </a:rPr>
+              <a:t> library </a:t>
+            </a:r>
+            <a:r>
+              <a:rPr lang="en-US" sz="2000" dirty="0"/>
+              <a:t>needs to be installed, using the following commands:</a:t>
+            </a:r>
+          </a:p>
+          <a:p>
+            <a:pPr lvl="1"/>
+            <a:endParaRPr lang="en-US" sz="2000" dirty="0"/>
+          </a:p>
+          <a:p>
+            <a:pPr lvl="1"/>
+            <a:r>
+              <a:rPr lang="en-US" sz="2000" b="1" i="1" dirty="0">
+                <a:solidFill>
+                  <a:srgbClr val="0070C0"/>
+                </a:solidFill>
+                <a:latin typeface="Consolas" panose="020B0609020204030204" pitchFamily="49" charset="0"/>
+              </a:rPr>
+              <a:t>git clone git://github.com/paddycarey/dweepy.git </a:t>
+            </a:r>
+          </a:p>
+          <a:p>
+            <a:pPr lvl="1"/>
+            <a:endParaRPr lang="en-US" sz="2000" b="1" i="1" dirty="0">
+              <a:solidFill>
+                <a:srgbClr val="0070C0"/>
+              </a:solidFill>
+              <a:latin typeface="Consolas" panose="020B0609020204030204" pitchFamily="49" charset="0"/>
+            </a:endParaRPr>
+          </a:p>
+          <a:p>
+            <a:pPr lvl="1"/>
+            <a:r>
+              <a:rPr lang="en-US" sz="2000" b="1" i="1" dirty="0">
+                <a:solidFill>
+                  <a:srgbClr val="0070C0"/>
+                </a:solidFill>
+                <a:latin typeface="Consolas" panose="020B0609020204030204" pitchFamily="49" charset="0"/>
+              </a:rPr>
+              <a:t>cd </a:t>
+            </a:r>
+            <a:r>
+              <a:rPr lang="en-US" sz="2000" b="1" i="1" dirty="0" err="1">
+                <a:solidFill>
+                  <a:srgbClr val="0070C0"/>
+                </a:solidFill>
+                <a:latin typeface="Consolas" panose="020B0609020204030204" pitchFamily="49" charset="0"/>
+              </a:rPr>
+              <a:t>dweepy</a:t>
+            </a:r>
+            <a:r>
+              <a:rPr lang="en-US" sz="2000" b="1" i="1" dirty="0">
+                <a:solidFill>
+                  <a:srgbClr val="0070C0"/>
+                </a:solidFill>
+                <a:latin typeface="Consolas" panose="020B0609020204030204" pitchFamily="49" charset="0"/>
+              </a:rPr>
+              <a:t> </a:t>
+            </a:r>
+          </a:p>
+          <a:p>
+            <a:pPr lvl="1"/>
+            <a:endParaRPr lang="en-US" sz="2000" b="1" i="1" dirty="0">
+              <a:solidFill>
+                <a:srgbClr val="0070C0"/>
+              </a:solidFill>
+              <a:latin typeface="Consolas" panose="020B0609020204030204" pitchFamily="49" charset="0"/>
+            </a:endParaRPr>
+          </a:p>
+          <a:p>
+            <a:pPr lvl="1"/>
+            <a:r>
+              <a:rPr lang="en-US" sz="2000" b="1" i="1" dirty="0" err="1">
+                <a:solidFill>
+                  <a:srgbClr val="0070C0"/>
+                </a:solidFill>
+                <a:latin typeface="Consolas" panose="020B0609020204030204" pitchFamily="49" charset="0"/>
+              </a:rPr>
+              <a:t>sudo</a:t>
+            </a:r>
+            <a:r>
+              <a:rPr lang="en-US" sz="2000" b="1" i="1" dirty="0">
+                <a:solidFill>
+                  <a:srgbClr val="0070C0"/>
+                </a:solidFill>
+                <a:latin typeface="Consolas" panose="020B0609020204030204" pitchFamily="49" charset="0"/>
+              </a:rPr>
+              <a:t> python setup.py install</a:t>
+            </a:r>
+          </a:p>
+        </p:txBody>
+      </p:sp>
+    </p:spTree>
+    <p:extLst>
+      <p:ext uri="{BB962C8B-B14F-4D97-AF65-F5344CB8AC3E}">
+        <p14:creationId xmlns:p14="http://schemas.microsoft.com/office/powerpoint/2010/main" val="3557949053"/>
+      </p:ext>
+    </p:extLst>
+  </p:cSld>
+  <p:clrMapOvr>
+    <a:masterClrMapping/>
+  </p:clrMapOvr>
+</p:sld>
+</file>
+
+<file path=ppt/slides/slide36.xml><?xml version="1.0" encoding="utf-8"?>
+<p:sld xmlns:a="http://schemas.openxmlformats.org/drawingml/2006/main" xmlns:r="http://schemas.openxmlformats.org/officeDocument/2006/relationships" xmlns:p="http://schemas.openxmlformats.org/presentationml/2006/main">
+  <p:cSld>
+    <p:spTree>
+      <p:nvGrpSpPr>
+        <p:cNvPr id="1" name=""/>
+        <p:cNvGrpSpPr/>
+        <p:nvPr/>
+      </p:nvGrpSpPr>
+      <p:grpSpPr>
+        <a:xfrm>
+          <a:off x="0" y="0"/>
+          <a:ext cx="0" cy="0"/>
+          <a:chOff x="0" y="0"/>
+          <a:chExt cx="0" cy="0"/>
+        </a:xfrm>
+      </p:grpSpPr>
+      <p:sp>
+        <p:nvSpPr>
+          <p:cNvPr id="4" name="Title 1"/>
+          <p:cNvSpPr txBox="1">
+            <a:spLocks/>
+          </p:cNvSpPr>
+          <p:nvPr/>
+        </p:nvSpPr>
+        <p:spPr>
+          <a:xfrm>
+            <a:off x="0" y="1"/>
+            <a:ext cx="12192000" cy="721216"/>
+          </a:xfrm>
+          <a:prstGeom prst="rect">
+            <a:avLst/>
+          </a:prstGeom>
+        </p:spPr>
+        <p:style>
+          <a:lnRef idx="0">
+            <a:schemeClr val="accent1"/>
+          </a:lnRef>
+          <a:fillRef idx="3">
+            <a:schemeClr val="accent1"/>
+          </a:fillRef>
+          <a:effectRef idx="3">
+            <a:schemeClr val="accent1"/>
+          </a:effectRef>
+          <a:fontRef idx="minor">
+            <a:schemeClr val="lt1"/>
+          </a:fontRef>
+        </p:style>
+        <p:txBody>
+          <a:bodyPr vert="horz" lIns="91440" tIns="45720" rIns="91440" bIns="45720" rtlCol="0" anchor="ctr">
+            <a:normAutofit/>
+          </a:bodyPr>
+          <a:lstStyle>
+            <a:lvl1pPr algn="l" defTabSz="914400" rtl="0" eaLnBrk="1" latinLnBrk="0" hangingPunct="1">
+              <a:lnSpc>
+                <a:spcPct val="90000"/>
+              </a:lnSpc>
+              <a:spcBef>
+                <a:spcPct val="0"/>
+              </a:spcBef>
+              <a:buNone/>
+              <a:defRPr sz="4400" kern="1200">
+                <a:solidFill>
+                  <a:schemeClr val="lt1"/>
+                </a:solidFill>
+                <a:latin typeface="+mn-lt"/>
+                <a:ea typeface="+mn-ea"/>
+                <a:cs typeface="+mn-cs"/>
+              </a:defRPr>
+            </a:lvl1pPr>
+            <a:lvl2pPr>
+              <a:defRPr>
+                <a:solidFill>
+                  <a:schemeClr val="lt1"/>
+                </a:solidFill>
+                <a:latin typeface="+mn-lt"/>
+                <a:ea typeface="+mn-ea"/>
+                <a:cs typeface="+mn-cs"/>
+              </a:defRPr>
+            </a:lvl2pPr>
+            <a:lvl3pPr>
+              <a:defRPr>
+                <a:solidFill>
+                  <a:schemeClr val="lt1"/>
+                </a:solidFill>
+                <a:latin typeface="+mn-lt"/>
+                <a:ea typeface="+mn-ea"/>
+                <a:cs typeface="+mn-cs"/>
+              </a:defRPr>
+            </a:lvl3pPr>
+            <a:lvl4pPr>
+              <a:defRPr>
+                <a:solidFill>
+                  <a:schemeClr val="lt1"/>
+                </a:solidFill>
+                <a:latin typeface="+mn-lt"/>
+                <a:ea typeface="+mn-ea"/>
+                <a:cs typeface="+mn-cs"/>
+              </a:defRPr>
+            </a:lvl4pPr>
+            <a:lvl5pPr>
+              <a:defRPr>
+                <a:solidFill>
+                  <a:schemeClr val="lt1"/>
+                </a:solidFill>
+                <a:latin typeface="+mn-lt"/>
+                <a:ea typeface="+mn-ea"/>
+                <a:cs typeface="+mn-cs"/>
+              </a:defRPr>
+            </a:lvl5pPr>
+            <a:lvl6pPr>
+              <a:defRPr>
+                <a:solidFill>
+                  <a:schemeClr val="lt1"/>
+                </a:solidFill>
+                <a:latin typeface="+mn-lt"/>
+                <a:ea typeface="+mn-ea"/>
+                <a:cs typeface="+mn-cs"/>
+              </a:defRPr>
+            </a:lvl6pPr>
+            <a:lvl7pPr>
+              <a:defRPr>
+                <a:solidFill>
+                  <a:schemeClr val="lt1"/>
+                </a:solidFill>
+                <a:latin typeface="+mn-lt"/>
+                <a:ea typeface="+mn-ea"/>
+                <a:cs typeface="+mn-cs"/>
+              </a:defRPr>
+            </a:lvl7pPr>
+            <a:lvl8pPr>
+              <a:defRPr>
+                <a:solidFill>
+                  <a:schemeClr val="lt1"/>
+                </a:solidFill>
+                <a:latin typeface="+mn-lt"/>
+                <a:ea typeface="+mn-ea"/>
+                <a:cs typeface="+mn-cs"/>
+              </a:defRPr>
+            </a:lvl8pPr>
+            <a:lvl9pPr>
+              <a:defRPr>
+                <a:solidFill>
+                  <a:schemeClr val="lt1"/>
+                </a:solidFill>
+                <a:latin typeface="+mn-lt"/>
+                <a:ea typeface="+mn-ea"/>
+                <a:cs typeface="+mn-cs"/>
+              </a:defRPr>
+            </a:lvl9pPr>
+          </a:lstStyle>
+          <a:p>
+            <a:r>
+              <a:rPr lang="en-US" dirty="0"/>
+              <a:t>TwitterTrigger.py Project</a:t>
+            </a:r>
+          </a:p>
+        </p:txBody>
+      </p:sp>
+      <p:sp>
+        <p:nvSpPr>
+          <p:cNvPr id="5" name="AutoShape 2" descr="http://raspberry.piaustralia.com.au/product-images/piwithbox.jpg"/>
+          <p:cNvSpPr>
+            <a:spLocks noChangeAspect="1" noChangeArrowheads="1"/>
+          </p:cNvSpPr>
+          <p:nvPr/>
+        </p:nvSpPr>
+        <p:spPr bwMode="auto">
+          <a:xfrm>
+            <a:off x="63500" y="-136525"/>
+            <a:ext cx="9772650" cy="6343650"/>
+          </a:xfrm>
+          <a:prstGeom prst="rect">
+            <a:avLst/>
+          </a:prstGeom>
+          <a:noFill/>
+          <a:extLst>
+            <a:ext uri="{909E8E84-426E-40DD-AFC4-6F175D3DCCD1}">
+              <a14:hiddenFill xmlns:a14="http://schemas.microsoft.com/office/drawing/2010/main">
+                <a:solidFill>
+                  <a:srgbClr val="FFFFFF"/>
+                </a:solidFill>
+              </a14:hiddenFill>
+            </a:ext>
+          </a:extLst>
+        </p:spPr>
+        <p:txBody>
+          <a:bodyPr vert="horz" wrap="square" lIns="91440" tIns="45720" rIns="91440" bIns="45720" numCol="1" anchor="t" anchorCtr="0" compatLnSpc="1">
+            <a:prstTxWarp prst="textNoShape">
+              <a:avLst/>
+            </a:prstTxWarp>
+          </a:bodyPr>
+          <a:lstStyle/>
+          <a:p>
+            <a:endParaRPr lang="en-US"/>
+          </a:p>
+        </p:txBody>
+      </p:sp>
+      <p:sp>
+        <p:nvSpPr>
+          <p:cNvPr id="6" name="TextBox 5">
+            <a:extLst>
+              <a:ext uri="{FF2B5EF4-FFF2-40B4-BE49-F238E27FC236}">
+                <a16:creationId xmlns:a16="http://schemas.microsoft.com/office/drawing/2014/main" id="{D1953563-F34A-4247-A4E2-C376FD1A1AA5}"/>
+              </a:ext>
+            </a:extLst>
+          </p:cNvPr>
+          <p:cNvSpPr txBox="1"/>
+          <p:nvPr/>
+        </p:nvSpPr>
+        <p:spPr>
+          <a:xfrm>
+            <a:off x="417443" y="721217"/>
+            <a:ext cx="11357113" cy="6247864"/>
+          </a:xfrm>
+          <a:prstGeom prst="rect">
+            <a:avLst/>
+          </a:prstGeom>
+          <a:noFill/>
+        </p:spPr>
+        <p:txBody>
+          <a:bodyPr wrap="square" rtlCol="0">
+            <a:spAutoFit/>
+          </a:bodyPr>
+          <a:lstStyle/>
+          <a:p>
+            <a:pPr lvl="1"/>
+            <a:r>
+              <a:rPr lang="en-US" sz="2000" b="1" i="1" dirty="0">
+                <a:solidFill>
+                  <a:srgbClr val="0070C0"/>
+                </a:solidFill>
+                <a:latin typeface="Consolas" panose="020B0609020204030204" pitchFamily="49" charset="0"/>
+              </a:rPr>
+              <a:t>import time </a:t>
+            </a:r>
+          </a:p>
+          <a:p>
+            <a:pPr lvl="1"/>
+            <a:r>
+              <a:rPr lang="en-US" sz="2000" b="1" i="1" dirty="0">
+                <a:solidFill>
+                  <a:srgbClr val="0070C0"/>
+                </a:solidFill>
+                <a:latin typeface="Consolas" panose="020B0609020204030204" pitchFamily="49" charset="0"/>
+              </a:rPr>
+              <a:t>import </a:t>
+            </a:r>
+            <a:r>
+              <a:rPr lang="en-US" sz="2000" b="1" i="1" dirty="0" err="1">
+                <a:solidFill>
+                  <a:srgbClr val="0070C0"/>
+                </a:solidFill>
+                <a:latin typeface="Consolas" panose="020B0609020204030204" pitchFamily="49" charset="0"/>
+              </a:rPr>
+              <a:t>dweepy</a:t>
+            </a:r>
+            <a:r>
+              <a:rPr lang="en-US" sz="2000" b="1" i="1" dirty="0">
+                <a:solidFill>
+                  <a:srgbClr val="0070C0"/>
+                </a:solidFill>
+                <a:latin typeface="Consolas" panose="020B0609020204030204" pitchFamily="49" charset="0"/>
+              </a:rPr>
+              <a:t> </a:t>
+            </a:r>
+          </a:p>
+          <a:p>
+            <a:pPr lvl="1"/>
+            <a:r>
+              <a:rPr lang="en-US" sz="2000" b="1" i="1" dirty="0">
+                <a:solidFill>
+                  <a:srgbClr val="0070C0"/>
+                </a:solidFill>
+                <a:latin typeface="Consolas" panose="020B0609020204030204" pitchFamily="49" charset="0"/>
+              </a:rPr>
+              <a:t>import </a:t>
+            </a:r>
+            <a:r>
+              <a:rPr lang="en-US" sz="2000" b="1" i="1" dirty="0" err="1">
+                <a:solidFill>
+                  <a:srgbClr val="0070C0"/>
+                </a:solidFill>
+                <a:latin typeface="Consolas" panose="020B0609020204030204" pitchFamily="49" charset="0"/>
+              </a:rPr>
+              <a:t>RPi.GPIO</a:t>
+            </a:r>
+            <a:r>
+              <a:rPr lang="en-US" sz="2000" b="1" i="1" dirty="0">
+                <a:solidFill>
+                  <a:srgbClr val="0070C0"/>
+                </a:solidFill>
+                <a:latin typeface="Consolas" panose="020B0609020204030204" pitchFamily="49" charset="0"/>
+              </a:rPr>
+              <a:t> as GPIO</a:t>
+            </a:r>
+          </a:p>
+          <a:p>
+            <a:pPr lvl="1"/>
+            <a:endParaRPr lang="en-US" sz="2000" b="1" i="1" dirty="0">
+              <a:solidFill>
+                <a:srgbClr val="0070C0"/>
+              </a:solidFill>
+              <a:latin typeface="Consolas" panose="020B0609020204030204" pitchFamily="49" charset="0"/>
+            </a:endParaRPr>
+          </a:p>
+          <a:p>
+            <a:pPr lvl="1"/>
+            <a:r>
+              <a:rPr lang="en-US" sz="2000" b="1" i="1" dirty="0">
+                <a:solidFill>
+                  <a:srgbClr val="0070C0"/>
+                </a:solidFill>
+                <a:latin typeface="Consolas" panose="020B0609020204030204" pitchFamily="49" charset="0"/>
+              </a:rPr>
+              <a:t>KEY = '</a:t>
+            </a:r>
+            <a:r>
+              <a:rPr lang="en-US" sz="2000" b="1" i="1" dirty="0" err="1">
+                <a:solidFill>
+                  <a:srgbClr val="0070C0"/>
+                </a:solidFill>
+                <a:latin typeface="Consolas" panose="020B0609020204030204" pitchFamily="49" charset="0"/>
+              </a:rPr>
+              <a:t>tweet_about_me</a:t>
+            </a:r>
+            <a:r>
+              <a:rPr lang="en-US" sz="2000" b="1" i="1" dirty="0">
+                <a:solidFill>
+                  <a:srgbClr val="0070C0"/>
+                </a:solidFill>
+                <a:latin typeface="Consolas" panose="020B0609020204030204" pitchFamily="49" charset="0"/>
+              </a:rPr>
+              <a:t>’ </a:t>
+            </a:r>
+          </a:p>
+          <a:p>
+            <a:pPr lvl="1"/>
+            <a:r>
+              <a:rPr lang="en-US" sz="2000" b="1" i="1" dirty="0">
+                <a:solidFill>
+                  <a:srgbClr val="0070C0"/>
+                </a:solidFill>
+                <a:latin typeface="Consolas" panose="020B0609020204030204" pitchFamily="49" charset="0"/>
+              </a:rPr>
+              <a:t>OUTPUT_PIN = 18 </a:t>
+            </a:r>
+          </a:p>
+          <a:p>
+            <a:pPr lvl="1"/>
+            <a:r>
+              <a:rPr lang="en-US" sz="2000" b="1" i="1" dirty="0">
+                <a:solidFill>
+                  <a:srgbClr val="0070C0"/>
+                </a:solidFill>
+                <a:latin typeface="Consolas" panose="020B0609020204030204" pitchFamily="49" charset="0"/>
+              </a:rPr>
+              <a:t>OUTPUT_DURATION = 10</a:t>
+            </a:r>
+          </a:p>
+          <a:p>
+            <a:pPr lvl="1"/>
+            <a:endParaRPr lang="en-US" sz="2000" b="1" i="1" dirty="0">
+              <a:solidFill>
+                <a:srgbClr val="0070C0"/>
+              </a:solidFill>
+              <a:latin typeface="Consolas" panose="020B0609020204030204" pitchFamily="49" charset="0"/>
+            </a:endParaRPr>
+          </a:p>
+          <a:p>
+            <a:pPr lvl="1"/>
+            <a:r>
+              <a:rPr lang="en-US" sz="2000" b="1" i="1" dirty="0" err="1">
+                <a:solidFill>
+                  <a:srgbClr val="0070C0"/>
+                </a:solidFill>
+                <a:latin typeface="Consolas" panose="020B0609020204030204" pitchFamily="49" charset="0"/>
+              </a:rPr>
+              <a:t>GPIO.setmode</a:t>
+            </a:r>
+            <a:r>
+              <a:rPr lang="en-US" sz="2000" b="1" i="1" dirty="0">
+                <a:solidFill>
+                  <a:srgbClr val="0070C0"/>
+                </a:solidFill>
+                <a:latin typeface="Consolas" panose="020B0609020204030204" pitchFamily="49" charset="0"/>
+              </a:rPr>
+              <a:t>(GPIO.BCM) </a:t>
+            </a:r>
+          </a:p>
+          <a:p>
+            <a:pPr lvl="1"/>
+            <a:r>
+              <a:rPr lang="en-US" sz="2000" b="1" i="1" dirty="0" err="1">
+                <a:solidFill>
+                  <a:srgbClr val="0070C0"/>
+                </a:solidFill>
+                <a:latin typeface="Consolas" panose="020B0609020204030204" pitchFamily="49" charset="0"/>
+              </a:rPr>
+              <a:t>GPIO.setup</a:t>
+            </a:r>
+            <a:r>
+              <a:rPr lang="en-US" sz="2000" b="1" i="1" dirty="0">
+                <a:solidFill>
+                  <a:srgbClr val="0070C0"/>
+                </a:solidFill>
+                <a:latin typeface="Consolas" panose="020B0609020204030204" pitchFamily="49" charset="0"/>
+              </a:rPr>
+              <a:t>(OUTPUT_PIN, GPIO.OUT)</a:t>
+            </a:r>
+          </a:p>
+          <a:p>
+            <a:pPr lvl="1"/>
+            <a:endParaRPr lang="en-US" sz="2000" b="1" i="1" dirty="0">
+              <a:solidFill>
+                <a:srgbClr val="0070C0"/>
+              </a:solidFill>
+              <a:latin typeface="Consolas" panose="020B0609020204030204" pitchFamily="49" charset="0"/>
+            </a:endParaRPr>
+          </a:p>
+          <a:p>
+            <a:pPr lvl="1"/>
+            <a:r>
+              <a:rPr lang="en-US" sz="2000" b="1" i="1" dirty="0">
+                <a:solidFill>
+                  <a:srgbClr val="0070C0"/>
+                </a:solidFill>
+                <a:latin typeface="Consolas" panose="020B0609020204030204" pitchFamily="49" charset="0"/>
+              </a:rPr>
+              <a:t>while True:    </a:t>
+            </a:r>
+          </a:p>
+          <a:p>
+            <a:pPr lvl="1"/>
+            <a:r>
+              <a:rPr lang="en-US" sz="2000" b="1" i="1" dirty="0">
+                <a:solidFill>
+                  <a:srgbClr val="0070C0"/>
+                </a:solidFill>
+                <a:latin typeface="Consolas" panose="020B0609020204030204" pitchFamily="49" charset="0"/>
+              </a:rPr>
+              <a:t>	try:        </a:t>
+            </a:r>
+          </a:p>
+          <a:p>
+            <a:pPr lvl="1"/>
+            <a:r>
+              <a:rPr lang="en-US" sz="2000" b="1" i="1" dirty="0">
+                <a:solidFill>
+                  <a:srgbClr val="0070C0"/>
+                </a:solidFill>
+                <a:latin typeface="Consolas" panose="020B0609020204030204" pitchFamily="49" charset="0"/>
+              </a:rPr>
+              <a:t>		for </a:t>
+            </a:r>
+            <a:r>
+              <a:rPr lang="en-US" sz="2000" b="1" i="1" dirty="0" err="1">
+                <a:solidFill>
+                  <a:srgbClr val="0070C0"/>
+                </a:solidFill>
+                <a:latin typeface="Consolas" panose="020B0609020204030204" pitchFamily="49" charset="0"/>
+              </a:rPr>
+              <a:t>dweet</a:t>
+            </a:r>
+            <a:r>
+              <a:rPr lang="en-US" sz="2000" b="1" i="1" dirty="0">
+                <a:solidFill>
+                  <a:srgbClr val="0070C0"/>
+                </a:solidFill>
+                <a:latin typeface="Consolas" panose="020B0609020204030204" pitchFamily="49" charset="0"/>
+              </a:rPr>
+              <a:t> in </a:t>
+            </a:r>
+            <a:r>
+              <a:rPr lang="en-US" sz="2000" b="1" i="1" dirty="0" err="1">
+                <a:solidFill>
+                  <a:srgbClr val="0070C0"/>
+                </a:solidFill>
+                <a:latin typeface="Consolas" panose="020B0609020204030204" pitchFamily="49" charset="0"/>
+              </a:rPr>
+              <a:t>dweepy.listen_for_dweets_from</a:t>
+            </a:r>
+            <a:r>
+              <a:rPr lang="en-US" sz="2000" b="1" i="1" dirty="0">
+                <a:solidFill>
+                  <a:srgbClr val="0070C0"/>
+                </a:solidFill>
+                <a:latin typeface="Consolas" panose="020B0609020204030204" pitchFamily="49" charset="0"/>
+              </a:rPr>
+              <a:t>(KEY):        </a:t>
+            </a:r>
+          </a:p>
+          <a:p>
+            <a:pPr lvl="1"/>
+            <a:r>
+              <a:rPr lang="en-US" sz="2000" b="1" i="1" dirty="0">
+                <a:solidFill>
+                  <a:srgbClr val="0070C0"/>
+                </a:solidFill>
+                <a:latin typeface="Consolas" panose="020B0609020204030204" pitchFamily="49" charset="0"/>
+              </a:rPr>
+              <a:t>			print('Tweet: ' + </a:t>
+            </a:r>
+            <a:r>
+              <a:rPr lang="en-US" sz="2000" b="1" i="1" dirty="0" err="1">
+                <a:solidFill>
+                  <a:srgbClr val="0070C0"/>
+                </a:solidFill>
+                <a:latin typeface="Consolas" panose="020B0609020204030204" pitchFamily="49" charset="0"/>
+              </a:rPr>
+              <a:t>dweet</a:t>
+            </a:r>
+            <a:r>
+              <a:rPr lang="en-US" sz="2000" b="1" i="1" dirty="0">
+                <a:solidFill>
+                  <a:srgbClr val="0070C0"/>
+                </a:solidFill>
+                <a:latin typeface="Consolas" panose="020B0609020204030204" pitchFamily="49" charset="0"/>
+              </a:rPr>
+              <a:t>['content']['text'])           </a:t>
+            </a:r>
+          </a:p>
+          <a:p>
+            <a:pPr lvl="1"/>
+            <a:r>
+              <a:rPr lang="en-US" sz="2000" b="1" i="1" dirty="0">
+                <a:solidFill>
+                  <a:srgbClr val="0070C0"/>
+                </a:solidFill>
+                <a:latin typeface="Consolas" panose="020B0609020204030204" pitchFamily="49" charset="0"/>
+              </a:rPr>
+              <a:t>			</a:t>
+            </a:r>
+            <a:r>
+              <a:rPr lang="en-US" sz="2000" b="1" i="1" dirty="0" err="1">
+                <a:solidFill>
+                  <a:srgbClr val="0070C0"/>
+                </a:solidFill>
+                <a:latin typeface="Consolas" panose="020B0609020204030204" pitchFamily="49" charset="0"/>
+              </a:rPr>
+              <a:t>GPIO.output</a:t>
+            </a:r>
+            <a:r>
+              <a:rPr lang="en-US" sz="2000" b="1" i="1" dirty="0">
+                <a:solidFill>
+                  <a:srgbClr val="0070C0"/>
+                </a:solidFill>
+                <a:latin typeface="Consolas" panose="020B0609020204030204" pitchFamily="49" charset="0"/>
+              </a:rPr>
+              <a:t>(OUTPUT_PIN, True)            </a:t>
+            </a:r>
+          </a:p>
+          <a:p>
+            <a:pPr lvl="1"/>
+            <a:r>
+              <a:rPr lang="en-US" sz="2000" b="1" i="1" dirty="0">
+                <a:solidFill>
+                  <a:srgbClr val="0070C0"/>
+                </a:solidFill>
+                <a:latin typeface="Consolas" panose="020B0609020204030204" pitchFamily="49" charset="0"/>
+              </a:rPr>
+              <a:t>			</a:t>
+            </a:r>
+            <a:r>
+              <a:rPr lang="en-US" sz="2000" b="1" i="1" dirty="0" err="1">
+                <a:solidFill>
+                  <a:srgbClr val="0070C0"/>
+                </a:solidFill>
+                <a:latin typeface="Consolas" panose="020B0609020204030204" pitchFamily="49" charset="0"/>
+              </a:rPr>
+              <a:t>time.sleep</a:t>
+            </a:r>
+            <a:r>
+              <a:rPr lang="en-US" sz="2000" b="1" i="1" dirty="0">
+                <a:solidFill>
+                  <a:srgbClr val="0070C0"/>
+                </a:solidFill>
+                <a:latin typeface="Consolas" panose="020B0609020204030204" pitchFamily="49" charset="0"/>
+              </a:rPr>
+              <a:t>(OUTPUT_DURATION)            </a:t>
+            </a:r>
+          </a:p>
+          <a:p>
+            <a:pPr lvl="1"/>
+            <a:r>
+              <a:rPr lang="en-US" sz="2000" b="1" i="1" dirty="0">
+                <a:solidFill>
+                  <a:srgbClr val="0070C0"/>
+                </a:solidFill>
+                <a:latin typeface="Consolas" panose="020B0609020204030204" pitchFamily="49" charset="0"/>
+              </a:rPr>
+              <a:t>			</a:t>
+            </a:r>
+            <a:r>
+              <a:rPr lang="en-US" sz="2000" b="1" i="1" dirty="0" err="1">
+                <a:solidFill>
+                  <a:srgbClr val="0070C0"/>
+                </a:solidFill>
+                <a:latin typeface="Consolas" panose="020B0609020204030204" pitchFamily="49" charset="0"/>
+              </a:rPr>
+              <a:t>GPIO.output</a:t>
+            </a:r>
+            <a:r>
+              <a:rPr lang="en-US" sz="2000" b="1" i="1" dirty="0">
+                <a:solidFill>
+                  <a:srgbClr val="0070C0"/>
+                </a:solidFill>
+                <a:latin typeface="Consolas" panose="020B0609020204030204" pitchFamily="49" charset="0"/>
+              </a:rPr>
+              <a:t>(OUTPUT_PIN, False)    </a:t>
+            </a:r>
+          </a:p>
+          <a:p>
+            <a:pPr lvl="1"/>
+            <a:r>
+              <a:rPr lang="en-US" sz="2000" b="1" i="1" dirty="0">
+                <a:solidFill>
+                  <a:srgbClr val="0070C0"/>
+                </a:solidFill>
+                <a:latin typeface="Consolas" panose="020B0609020204030204" pitchFamily="49" charset="0"/>
+              </a:rPr>
+              <a:t>	except Exception:        </a:t>
+            </a:r>
+          </a:p>
+          <a:p>
+            <a:pPr lvl="1"/>
+            <a:r>
+              <a:rPr lang="en-US" sz="2000" b="1" i="1" dirty="0">
+                <a:solidFill>
+                  <a:srgbClr val="0070C0"/>
+                </a:solidFill>
+                <a:latin typeface="Consolas" panose="020B0609020204030204" pitchFamily="49" charset="0"/>
+              </a:rPr>
+              <a:t>		pass</a:t>
+            </a:r>
+          </a:p>
+        </p:txBody>
+      </p:sp>
+    </p:spTree>
+    <p:extLst>
+      <p:ext uri="{BB962C8B-B14F-4D97-AF65-F5344CB8AC3E}">
+        <p14:creationId xmlns:p14="http://schemas.microsoft.com/office/powerpoint/2010/main" val="3024061482"/>
+      </p:ext>
+    </p:extLst>
+  </p:cSld>
+  <p:clrMapOvr>
+    <a:masterClrMapping/>
+  </p:clrMapOvr>
+</p:sld>
+</file>
+
+<file path=ppt/slides/slide37.xml><?xml version="1.0" encoding="utf-8"?>
+<p:sld xmlns:a="http://schemas.openxmlformats.org/drawingml/2006/main" xmlns:r="http://schemas.openxmlformats.org/officeDocument/2006/relationships" xmlns:p="http://schemas.openxmlformats.org/presentationml/2006/main">
+  <p:cSld>
+    <p:spTree>
+      <p:nvGrpSpPr>
+        <p:cNvPr id="1" name=""/>
+        <p:cNvGrpSpPr/>
+        <p:nvPr/>
+      </p:nvGrpSpPr>
+      <p:grpSpPr>
+        <a:xfrm>
+          <a:off x="0" y="0"/>
+          <a:ext cx="0" cy="0"/>
+          <a:chOff x="0" y="0"/>
+          <a:chExt cx="0" cy="0"/>
+        </a:xfrm>
+      </p:grpSpPr>
+      <p:sp>
+        <p:nvSpPr>
+          <p:cNvPr id="4" name="Title 1"/>
+          <p:cNvSpPr txBox="1">
+            <a:spLocks/>
+          </p:cNvSpPr>
+          <p:nvPr/>
+        </p:nvSpPr>
+        <p:spPr>
+          <a:xfrm>
+            <a:off x="0" y="1"/>
+            <a:ext cx="12192000" cy="721216"/>
+          </a:xfrm>
+          <a:prstGeom prst="rect">
+            <a:avLst/>
+          </a:prstGeom>
+        </p:spPr>
+        <p:style>
+          <a:lnRef idx="0">
+            <a:schemeClr val="accent1"/>
+          </a:lnRef>
+          <a:fillRef idx="3">
+            <a:schemeClr val="accent1"/>
+          </a:fillRef>
+          <a:effectRef idx="3">
+            <a:schemeClr val="accent1"/>
+          </a:effectRef>
+          <a:fontRef idx="minor">
+            <a:schemeClr val="lt1"/>
+          </a:fontRef>
+        </p:style>
+        <p:txBody>
+          <a:bodyPr vert="horz" lIns="91440" tIns="45720" rIns="91440" bIns="45720" rtlCol="0" anchor="ctr">
+            <a:normAutofit/>
+          </a:bodyPr>
+          <a:lstStyle>
+            <a:lvl1pPr algn="l" defTabSz="914400" rtl="0" eaLnBrk="1" latinLnBrk="0" hangingPunct="1">
+              <a:lnSpc>
+                <a:spcPct val="90000"/>
+              </a:lnSpc>
+              <a:spcBef>
+                <a:spcPct val="0"/>
+              </a:spcBef>
+              <a:buNone/>
+              <a:defRPr sz="4400" kern="1200">
+                <a:solidFill>
+                  <a:schemeClr val="lt1"/>
+                </a:solidFill>
+                <a:latin typeface="+mn-lt"/>
+                <a:ea typeface="+mn-ea"/>
+                <a:cs typeface="+mn-cs"/>
+              </a:defRPr>
+            </a:lvl1pPr>
+            <a:lvl2pPr>
+              <a:defRPr>
+                <a:solidFill>
+                  <a:schemeClr val="lt1"/>
+                </a:solidFill>
+                <a:latin typeface="+mn-lt"/>
+                <a:ea typeface="+mn-ea"/>
+                <a:cs typeface="+mn-cs"/>
+              </a:defRPr>
+            </a:lvl2pPr>
+            <a:lvl3pPr>
+              <a:defRPr>
+                <a:solidFill>
+                  <a:schemeClr val="lt1"/>
+                </a:solidFill>
+                <a:latin typeface="+mn-lt"/>
+                <a:ea typeface="+mn-ea"/>
+                <a:cs typeface="+mn-cs"/>
+              </a:defRPr>
+            </a:lvl3pPr>
+            <a:lvl4pPr>
+              <a:defRPr>
+                <a:solidFill>
+                  <a:schemeClr val="lt1"/>
+                </a:solidFill>
+                <a:latin typeface="+mn-lt"/>
+                <a:ea typeface="+mn-ea"/>
+                <a:cs typeface="+mn-cs"/>
+              </a:defRPr>
+            </a:lvl4pPr>
+            <a:lvl5pPr>
+              <a:defRPr>
+                <a:solidFill>
+                  <a:schemeClr val="lt1"/>
+                </a:solidFill>
+                <a:latin typeface="+mn-lt"/>
+                <a:ea typeface="+mn-ea"/>
+                <a:cs typeface="+mn-cs"/>
+              </a:defRPr>
+            </a:lvl5pPr>
+            <a:lvl6pPr>
+              <a:defRPr>
+                <a:solidFill>
+                  <a:schemeClr val="lt1"/>
+                </a:solidFill>
+                <a:latin typeface="+mn-lt"/>
+                <a:ea typeface="+mn-ea"/>
+                <a:cs typeface="+mn-cs"/>
+              </a:defRPr>
+            </a:lvl6pPr>
+            <a:lvl7pPr>
+              <a:defRPr>
+                <a:solidFill>
+                  <a:schemeClr val="lt1"/>
+                </a:solidFill>
+                <a:latin typeface="+mn-lt"/>
+                <a:ea typeface="+mn-ea"/>
+                <a:cs typeface="+mn-cs"/>
+              </a:defRPr>
+            </a:lvl7pPr>
+            <a:lvl8pPr>
+              <a:defRPr>
+                <a:solidFill>
+                  <a:schemeClr val="lt1"/>
+                </a:solidFill>
+                <a:latin typeface="+mn-lt"/>
+                <a:ea typeface="+mn-ea"/>
+                <a:cs typeface="+mn-cs"/>
+              </a:defRPr>
+            </a:lvl8pPr>
+            <a:lvl9pPr>
+              <a:defRPr>
+                <a:solidFill>
+                  <a:schemeClr val="lt1"/>
+                </a:solidFill>
+                <a:latin typeface="+mn-lt"/>
+                <a:ea typeface="+mn-ea"/>
+                <a:cs typeface="+mn-cs"/>
+              </a:defRPr>
+            </a:lvl9pPr>
+          </a:lstStyle>
+          <a:p>
+            <a:r>
+              <a:rPr lang="en-US" dirty="0"/>
+              <a:t>Responding to Tweets Using </a:t>
+            </a:r>
+            <a:r>
+              <a:rPr lang="en-US" dirty="0" err="1"/>
+              <a:t>Dweet</a:t>
+            </a:r>
+            <a:r>
+              <a:rPr lang="en-US" dirty="0"/>
+              <a:t> and IFTTT</a:t>
+            </a:r>
+          </a:p>
+        </p:txBody>
+      </p:sp>
+      <p:sp>
+        <p:nvSpPr>
+          <p:cNvPr id="5" name="AutoShape 2" descr="http://raspberry.piaustralia.com.au/product-images/piwithbox.jpg"/>
+          <p:cNvSpPr>
+            <a:spLocks noChangeAspect="1" noChangeArrowheads="1"/>
+          </p:cNvSpPr>
+          <p:nvPr/>
+        </p:nvSpPr>
+        <p:spPr bwMode="auto">
+          <a:xfrm>
+            <a:off x="63500" y="-136525"/>
+            <a:ext cx="9772650" cy="6343650"/>
+          </a:xfrm>
+          <a:prstGeom prst="rect">
+            <a:avLst/>
+          </a:prstGeom>
+          <a:noFill/>
+          <a:extLst>
+            <a:ext uri="{909E8E84-426E-40DD-AFC4-6F175D3DCCD1}">
+              <a14:hiddenFill xmlns:a14="http://schemas.microsoft.com/office/drawing/2010/main">
+                <a:solidFill>
+                  <a:srgbClr val="FFFFFF"/>
+                </a:solidFill>
+              </a14:hiddenFill>
+            </a:ext>
+          </a:extLst>
+        </p:spPr>
+        <p:txBody>
+          <a:bodyPr vert="horz" wrap="square" lIns="91440" tIns="45720" rIns="91440" bIns="45720" numCol="1" anchor="t" anchorCtr="0" compatLnSpc="1">
+            <a:prstTxWarp prst="textNoShape">
+              <a:avLst/>
+            </a:prstTxWarp>
+          </a:bodyPr>
+          <a:lstStyle/>
+          <a:p>
+            <a:endParaRPr lang="en-US"/>
+          </a:p>
+        </p:txBody>
+      </p:sp>
+      <p:sp>
+        <p:nvSpPr>
+          <p:cNvPr id="6" name="TextBox 5">
+            <a:extLst>
+              <a:ext uri="{FF2B5EF4-FFF2-40B4-BE49-F238E27FC236}">
+                <a16:creationId xmlns:a16="http://schemas.microsoft.com/office/drawing/2014/main" id="{D1953563-F34A-4247-A4E2-C376FD1A1AA5}"/>
+              </a:ext>
+            </a:extLst>
+          </p:cNvPr>
+          <p:cNvSpPr txBox="1"/>
+          <p:nvPr/>
+        </p:nvSpPr>
+        <p:spPr>
+          <a:xfrm>
+            <a:off x="417443" y="857743"/>
+            <a:ext cx="11357113" cy="1631216"/>
+          </a:xfrm>
+          <a:prstGeom prst="rect">
+            <a:avLst/>
+          </a:prstGeom>
+          <a:noFill/>
+        </p:spPr>
+        <p:txBody>
+          <a:bodyPr wrap="square" rtlCol="0">
+            <a:spAutoFit/>
+          </a:bodyPr>
+          <a:lstStyle/>
+          <a:p>
+            <a:pPr lvl="1"/>
+            <a:r>
+              <a:rPr lang="en-US" sz="2000" dirty="0"/>
+              <a:t>The program uses the </a:t>
+            </a:r>
+            <a:r>
+              <a:rPr lang="en-US" sz="2000" b="1" i="1" dirty="0" err="1">
+                <a:solidFill>
+                  <a:srgbClr val="0070C0"/>
+                </a:solidFill>
+                <a:latin typeface="Consolas" panose="020B0609020204030204" pitchFamily="49" charset="0"/>
+              </a:rPr>
+              <a:t>listen_for_dweets</a:t>
+            </a:r>
+            <a:r>
+              <a:rPr lang="en-US" sz="2000" dirty="0" err="1"/>
+              <a:t>_from</a:t>
+            </a:r>
+            <a:r>
+              <a:rPr lang="en-US" sz="2000" dirty="0"/>
+              <a:t> method to leave an open connection to the </a:t>
+            </a:r>
+            <a:r>
+              <a:rPr lang="en-US" sz="2000" b="1" i="1" dirty="0">
+                <a:solidFill>
+                  <a:srgbClr val="0070C0"/>
+                </a:solidFill>
+                <a:latin typeface="Consolas" panose="020B0609020204030204" pitchFamily="49" charset="0"/>
+              </a:rPr>
+              <a:t>dweet.io </a:t>
+            </a:r>
+            <a:r>
+              <a:rPr lang="en-US" sz="2000" dirty="0"/>
+              <a:t>server, listening for any push messages from the server as a result of a </a:t>
+            </a:r>
+            <a:r>
+              <a:rPr lang="en-US" sz="2000" b="1" i="1" dirty="0" err="1">
+                <a:solidFill>
+                  <a:srgbClr val="0070C0"/>
+                </a:solidFill>
+                <a:latin typeface="Consolas" panose="020B0609020204030204" pitchFamily="49" charset="0"/>
+              </a:rPr>
+              <a:t>dweet</a:t>
+            </a:r>
+            <a:r>
+              <a:rPr lang="en-US" sz="2000" dirty="0"/>
+              <a:t> arriving from </a:t>
+            </a:r>
+            <a:r>
+              <a:rPr lang="en-US" sz="2000" b="1" i="1" dirty="0">
+                <a:solidFill>
+                  <a:srgbClr val="0070C0"/>
+                </a:solidFill>
+                <a:latin typeface="Consolas" panose="020B0609020204030204" pitchFamily="49" charset="0"/>
+              </a:rPr>
+              <a:t>IFTTT</a:t>
+            </a:r>
+            <a:r>
+              <a:rPr lang="en-US" sz="2000" dirty="0"/>
+              <a:t> in response to a tweet. The </a:t>
+            </a:r>
+            <a:r>
+              <a:rPr lang="en-US" sz="2000" b="1" i="1" dirty="0">
+                <a:solidFill>
+                  <a:srgbClr val="0070C0"/>
+                </a:solidFill>
+                <a:latin typeface="Consolas" panose="020B0609020204030204" pitchFamily="49" charset="0"/>
+              </a:rPr>
+              <a:t>try/except </a:t>
+            </a:r>
+            <a:r>
+              <a:rPr lang="en-US" sz="2000" dirty="0"/>
+              <a:t>block ensure that if there is any communication outage, the program will just start the </a:t>
+            </a:r>
+            <a:r>
+              <a:rPr lang="en-US" sz="2000" dirty="0" err="1"/>
+              <a:t>listenning</a:t>
+            </a:r>
+            <a:r>
+              <a:rPr lang="en-US" sz="2000" dirty="0"/>
+              <a:t> process again.</a:t>
+            </a:r>
+          </a:p>
+          <a:p>
+            <a:pPr lvl="1"/>
+            <a:endParaRPr lang="en-US" sz="2000" b="1" i="1" dirty="0">
+              <a:solidFill>
+                <a:srgbClr val="0070C0"/>
+              </a:solidFill>
+              <a:latin typeface="Consolas" panose="020B0609020204030204" pitchFamily="49" charset="0"/>
+            </a:endParaRPr>
+          </a:p>
+        </p:txBody>
+      </p:sp>
+    </p:spTree>
+    <p:extLst>
+      <p:ext uri="{BB962C8B-B14F-4D97-AF65-F5344CB8AC3E}">
+        <p14:creationId xmlns:p14="http://schemas.microsoft.com/office/powerpoint/2010/main" val="2349675282"/>
+      </p:ext>
+    </p:extLst>
+  </p:cSld>
+  <p:clrMapOvr>
+    <a:masterClrMapping/>
+  </p:clrMapOvr>
+</p:sld>
+</file>
+
+<file path=ppt/slides/slide38.xml><?xml version="1.0" encoding="utf-8"?>
+<p:sld xmlns:a="http://schemas.openxmlformats.org/drawingml/2006/main" xmlns:r="http://schemas.openxmlformats.org/officeDocument/2006/relationships" xmlns:p="http://schemas.openxmlformats.org/presentationml/2006/main">
+  <p:cSld>
+    <p:spTree>
+      <p:nvGrpSpPr>
+        <p:cNvPr id="1" name=""/>
+        <p:cNvGrpSpPr/>
+        <p:nvPr/>
+      </p:nvGrpSpPr>
+      <p:grpSpPr>
+        <a:xfrm>
+          <a:off x="0" y="0"/>
+          <a:ext cx="0" cy="0"/>
+          <a:chOff x="0" y="0"/>
+          <a:chExt cx="0" cy="0"/>
+        </a:xfrm>
+      </p:grpSpPr>
+      <p:sp>
+        <p:nvSpPr>
           <p:cNvPr id="12" name="Flowchart: Alternate Process 11"/>
           <p:cNvSpPr/>
           <p:nvPr/>
@@ -10511,562 +15556,6 @@
     <p:extLst>
       <p:ext uri="{BB962C8B-B14F-4D97-AF65-F5344CB8AC3E}">
         <p14:creationId xmlns:p14="http://schemas.microsoft.com/office/powerpoint/2010/main" val="2759255345"/>
-      </p:ext>
-    </p:extLst>
-  </p:cSld>
-  <p:clrMapOvr>
-    <a:masterClrMapping/>
-  </p:clrMapOvr>
-</p:sld>
-</file>
-
-<file path=ppt/slides/slide3.xml><?xml version="1.0" encoding="utf-8"?>
-<p:sld xmlns:a="http://schemas.openxmlformats.org/drawingml/2006/main" xmlns:r="http://schemas.openxmlformats.org/officeDocument/2006/relationships" xmlns:p="http://schemas.openxmlformats.org/presentationml/2006/main">
-  <p:cSld>
-    <p:spTree>
-      <p:nvGrpSpPr>
-        <p:cNvPr id="1" name=""/>
-        <p:cNvGrpSpPr/>
-        <p:nvPr/>
-      </p:nvGrpSpPr>
-      <p:grpSpPr>
-        <a:xfrm>
-          <a:off x="0" y="0"/>
-          <a:ext cx="0" cy="0"/>
-          <a:chOff x="0" y="0"/>
-          <a:chExt cx="0" cy="0"/>
-        </a:xfrm>
-      </p:grpSpPr>
-      <p:sp>
-        <p:nvSpPr>
-          <p:cNvPr id="4" name="Title 1"/>
-          <p:cNvSpPr txBox="1">
-            <a:spLocks/>
-          </p:cNvSpPr>
-          <p:nvPr/>
-        </p:nvSpPr>
-        <p:spPr>
-          <a:xfrm>
-            <a:off x="0" y="1"/>
-            <a:ext cx="12192000" cy="721216"/>
-          </a:xfrm>
-          <a:prstGeom prst="rect">
-            <a:avLst/>
-          </a:prstGeom>
-        </p:spPr>
-        <p:style>
-          <a:lnRef idx="0">
-            <a:schemeClr val="accent1"/>
-          </a:lnRef>
-          <a:fillRef idx="3">
-            <a:schemeClr val="accent1"/>
-          </a:fillRef>
-          <a:effectRef idx="3">
-            <a:schemeClr val="accent1"/>
-          </a:effectRef>
-          <a:fontRef idx="minor">
-            <a:schemeClr val="lt1"/>
-          </a:fontRef>
-        </p:style>
-        <p:txBody>
-          <a:bodyPr vert="horz" lIns="91440" tIns="45720" rIns="91440" bIns="45720" rtlCol="0" anchor="ctr">
-            <a:normAutofit/>
-          </a:bodyPr>
-          <a:lstStyle>
-            <a:lvl1pPr algn="l" defTabSz="914400" rtl="0" eaLnBrk="1" latinLnBrk="0" hangingPunct="1">
-              <a:lnSpc>
-                <a:spcPct val="90000"/>
-              </a:lnSpc>
-              <a:spcBef>
-                <a:spcPct val="0"/>
-              </a:spcBef>
-              <a:buNone/>
-              <a:defRPr sz="4400" kern="1200">
-                <a:solidFill>
-                  <a:schemeClr val="lt1"/>
-                </a:solidFill>
-                <a:latin typeface="+mn-lt"/>
-                <a:ea typeface="+mn-ea"/>
-                <a:cs typeface="+mn-cs"/>
-              </a:defRPr>
-            </a:lvl1pPr>
-            <a:lvl2pPr>
-              <a:defRPr>
-                <a:solidFill>
-                  <a:schemeClr val="lt1"/>
-                </a:solidFill>
-                <a:latin typeface="+mn-lt"/>
-                <a:ea typeface="+mn-ea"/>
-                <a:cs typeface="+mn-cs"/>
-              </a:defRPr>
-            </a:lvl2pPr>
-            <a:lvl3pPr>
-              <a:defRPr>
-                <a:solidFill>
-                  <a:schemeClr val="lt1"/>
-                </a:solidFill>
-                <a:latin typeface="+mn-lt"/>
-                <a:ea typeface="+mn-ea"/>
-                <a:cs typeface="+mn-cs"/>
-              </a:defRPr>
-            </a:lvl3pPr>
-            <a:lvl4pPr>
-              <a:defRPr>
-                <a:solidFill>
-                  <a:schemeClr val="lt1"/>
-                </a:solidFill>
-                <a:latin typeface="+mn-lt"/>
-                <a:ea typeface="+mn-ea"/>
-                <a:cs typeface="+mn-cs"/>
-              </a:defRPr>
-            </a:lvl4pPr>
-            <a:lvl5pPr>
-              <a:defRPr>
-                <a:solidFill>
-                  <a:schemeClr val="lt1"/>
-                </a:solidFill>
-                <a:latin typeface="+mn-lt"/>
-                <a:ea typeface="+mn-ea"/>
-                <a:cs typeface="+mn-cs"/>
-              </a:defRPr>
-            </a:lvl5pPr>
-            <a:lvl6pPr>
-              <a:defRPr>
-                <a:solidFill>
-                  <a:schemeClr val="lt1"/>
-                </a:solidFill>
-                <a:latin typeface="+mn-lt"/>
-                <a:ea typeface="+mn-ea"/>
-                <a:cs typeface="+mn-cs"/>
-              </a:defRPr>
-            </a:lvl6pPr>
-            <a:lvl7pPr>
-              <a:defRPr>
-                <a:solidFill>
-                  <a:schemeClr val="lt1"/>
-                </a:solidFill>
-                <a:latin typeface="+mn-lt"/>
-                <a:ea typeface="+mn-ea"/>
-                <a:cs typeface="+mn-cs"/>
-              </a:defRPr>
-            </a:lvl7pPr>
-            <a:lvl8pPr>
-              <a:defRPr>
-                <a:solidFill>
-                  <a:schemeClr val="lt1"/>
-                </a:solidFill>
-                <a:latin typeface="+mn-lt"/>
-                <a:ea typeface="+mn-ea"/>
-                <a:cs typeface="+mn-cs"/>
-              </a:defRPr>
-            </a:lvl8pPr>
-            <a:lvl9pPr>
-              <a:defRPr>
-                <a:solidFill>
-                  <a:schemeClr val="lt1"/>
-                </a:solidFill>
-                <a:latin typeface="+mn-lt"/>
-                <a:ea typeface="+mn-ea"/>
-                <a:cs typeface="+mn-cs"/>
-              </a:defRPr>
-            </a:lvl9pPr>
-          </a:lstStyle>
-          <a:p>
-            <a:r>
-              <a:rPr lang="en-US" dirty="0"/>
-              <a:t>Measuring the Raspberry Pi CPU Temperature</a:t>
-            </a:r>
-          </a:p>
-        </p:txBody>
-      </p:sp>
-      <p:sp>
-        <p:nvSpPr>
-          <p:cNvPr id="2" name="TextBox 1"/>
-          <p:cNvSpPr txBox="1"/>
-          <p:nvPr/>
-        </p:nvSpPr>
-        <p:spPr>
-          <a:xfrm>
-            <a:off x="417443" y="745199"/>
-            <a:ext cx="11357113" cy="3785652"/>
-          </a:xfrm>
-          <a:prstGeom prst="rect">
-            <a:avLst/>
-          </a:prstGeom>
-          <a:noFill/>
-        </p:spPr>
-        <p:txBody>
-          <a:bodyPr wrap="square" rtlCol="0">
-            <a:spAutoFit/>
-          </a:bodyPr>
-          <a:lstStyle/>
-          <a:p>
-            <a:pPr marL="342900" indent="-342900">
-              <a:buFont typeface="Arial" panose="020B0604020202020204" pitchFamily="34" charset="0"/>
-              <a:buChar char="•"/>
-            </a:pPr>
-            <a:r>
-              <a:rPr lang="en-US" sz="2000" dirty="0"/>
-              <a:t>If you want the temperature as a number rather than a string, you need to chop off the extra text and then convert the number to a float. </a:t>
-            </a:r>
-          </a:p>
-          <a:p>
-            <a:pPr marL="342900" indent="-342900">
-              <a:buFont typeface="Arial" panose="020B0604020202020204" pitchFamily="34" charset="0"/>
-              <a:buChar char="•"/>
-            </a:pPr>
-            <a:endParaRPr lang="en-US" sz="2000" b="1" i="1" dirty="0">
-              <a:solidFill>
-                <a:srgbClr val="0070C0"/>
-              </a:solidFill>
-              <a:latin typeface="Consolas" panose="020B0609020204030204" pitchFamily="49" charset="0"/>
-              <a:cs typeface="Consolas" panose="020B0609020204030204" pitchFamily="49" charset="0"/>
-            </a:endParaRPr>
-          </a:p>
-          <a:p>
-            <a:r>
-              <a:rPr lang="en-US" sz="2000" b="1" i="1" dirty="0">
-                <a:solidFill>
-                  <a:srgbClr val="0070C0"/>
-                </a:solidFill>
-                <a:latin typeface="Consolas" panose="020B0609020204030204" pitchFamily="49" charset="0"/>
-                <a:cs typeface="Consolas" panose="020B0609020204030204" pitchFamily="49" charset="0"/>
-              </a:rPr>
-              <a:t>import </a:t>
-            </a:r>
-            <a:r>
-              <a:rPr lang="en-US" sz="2000" b="1" i="1" dirty="0" err="1">
-                <a:solidFill>
-                  <a:srgbClr val="0070C0"/>
-                </a:solidFill>
-                <a:latin typeface="Consolas" panose="020B0609020204030204" pitchFamily="49" charset="0"/>
-                <a:cs typeface="Consolas" panose="020B0609020204030204" pitchFamily="49" charset="0"/>
-              </a:rPr>
-              <a:t>os</a:t>
-            </a:r>
-            <a:r>
-              <a:rPr lang="en-US" sz="2000" b="1" i="1" dirty="0">
-                <a:solidFill>
-                  <a:srgbClr val="0070C0"/>
-                </a:solidFill>
-                <a:latin typeface="Consolas" panose="020B0609020204030204" pitchFamily="49" charset="0"/>
-                <a:cs typeface="Consolas" panose="020B0609020204030204" pitchFamily="49" charset="0"/>
-              </a:rPr>
-              <a:t>, time</a:t>
-            </a:r>
-          </a:p>
-          <a:p>
-            <a:r>
-              <a:rPr lang="en-US" sz="2000" b="1" i="1" dirty="0">
-                <a:solidFill>
-                  <a:srgbClr val="0070C0"/>
-                </a:solidFill>
-                <a:latin typeface="Consolas" panose="020B0609020204030204" pitchFamily="49" charset="0"/>
-                <a:cs typeface="Consolas" panose="020B0609020204030204" pitchFamily="49" charset="0"/>
-              </a:rPr>
-              <a:t>while True:    </a:t>
-            </a:r>
-          </a:p>
-          <a:p>
-            <a:pPr lvl="1"/>
-            <a:r>
-              <a:rPr lang="en-US" sz="2000" b="1" i="1" dirty="0">
-                <a:solidFill>
-                  <a:srgbClr val="0070C0"/>
-                </a:solidFill>
-                <a:latin typeface="Consolas" panose="020B0609020204030204" pitchFamily="49" charset="0"/>
-                <a:cs typeface="Consolas" panose="020B0609020204030204" pitchFamily="49" charset="0"/>
-              </a:rPr>
-              <a:t>dev = </a:t>
-            </a:r>
-            <a:r>
-              <a:rPr lang="en-US" sz="2000" b="1" i="1" dirty="0" err="1">
-                <a:solidFill>
-                  <a:srgbClr val="0070C0"/>
-                </a:solidFill>
-                <a:latin typeface="Consolas" panose="020B0609020204030204" pitchFamily="49" charset="0"/>
-                <a:cs typeface="Consolas" panose="020B0609020204030204" pitchFamily="49" charset="0"/>
-              </a:rPr>
-              <a:t>os.popen</a:t>
-            </a:r>
-            <a:r>
-              <a:rPr lang="en-US" sz="2000" b="1" i="1" dirty="0">
-                <a:solidFill>
-                  <a:srgbClr val="0070C0"/>
-                </a:solidFill>
-                <a:latin typeface="Consolas" panose="020B0609020204030204" pitchFamily="49" charset="0"/>
-                <a:cs typeface="Consolas" panose="020B0609020204030204" pitchFamily="49" charset="0"/>
-              </a:rPr>
-              <a:t>('/opt/</a:t>
-            </a:r>
-            <a:r>
-              <a:rPr lang="en-US" sz="2000" b="1" i="1" dirty="0" err="1">
-                <a:solidFill>
-                  <a:srgbClr val="0070C0"/>
-                </a:solidFill>
-                <a:latin typeface="Consolas" panose="020B0609020204030204" pitchFamily="49" charset="0"/>
-                <a:cs typeface="Consolas" panose="020B0609020204030204" pitchFamily="49" charset="0"/>
-              </a:rPr>
-              <a:t>vc</a:t>
-            </a:r>
-            <a:r>
-              <a:rPr lang="en-US" sz="2000" b="1" i="1" dirty="0">
-                <a:solidFill>
-                  <a:srgbClr val="0070C0"/>
-                </a:solidFill>
-                <a:latin typeface="Consolas" panose="020B0609020204030204" pitchFamily="49" charset="0"/>
-                <a:cs typeface="Consolas" panose="020B0609020204030204" pitchFamily="49" charset="0"/>
-              </a:rPr>
-              <a:t>/bin/</a:t>
-            </a:r>
-            <a:r>
-              <a:rPr lang="en-US" sz="2000" b="1" i="1" dirty="0" err="1">
-                <a:solidFill>
-                  <a:srgbClr val="0070C0"/>
-                </a:solidFill>
-                <a:latin typeface="Consolas" panose="020B0609020204030204" pitchFamily="49" charset="0"/>
-                <a:cs typeface="Consolas" panose="020B0609020204030204" pitchFamily="49" charset="0"/>
-              </a:rPr>
-              <a:t>vcgencmd</a:t>
-            </a:r>
-            <a:r>
-              <a:rPr lang="en-US" sz="2000" b="1" i="1" dirty="0">
-                <a:solidFill>
-                  <a:srgbClr val="0070C0"/>
-                </a:solidFill>
-                <a:latin typeface="Consolas" panose="020B0609020204030204" pitchFamily="49" charset="0"/>
-                <a:cs typeface="Consolas" panose="020B0609020204030204" pitchFamily="49" charset="0"/>
-              </a:rPr>
-              <a:t> </a:t>
-            </a:r>
-            <a:r>
-              <a:rPr lang="en-US" sz="2000" b="1" i="1" dirty="0" err="1">
-                <a:solidFill>
-                  <a:srgbClr val="0070C0"/>
-                </a:solidFill>
-                <a:latin typeface="Consolas" panose="020B0609020204030204" pitchFamily="49" charset="0"/>
-                <a:cs typeface="Consolas" panose="020B0609020204030204" pitchFamily="49" charset="0"/>
-              </a:rPr>
-              <a:t>measure_temp</a:t>
-            </a:r>
-            <a:r>
-              <a:rPr lang="en-US" sz="2000" b="1" i="1" dirty="0">
-                <a:solidFill>
-                  <a:srgbClr val="0070C0"/>
-                </a:solidFill>
-                <a:latin typeface="Consolas" panose="020B0609020204030204" pitchFamily="49" charset="0"/>
-                <a:cs typeface="Consolas" panose="020B0609020204030204" pitchFamily="49" charset="0"/>
-              </a:rPr>
-              <a:t>')    </a:t>
-            </a:r>
-          </a:p>
-          <a:p>
-            <a:pPr lvl="1"/>
-            <a:r>
-              <a:rPr lang="en-US" sz="2000" b="1" i="1" dirty="0" err="1">
-                <a:solidFill>
-                  <a:srgbClr val="0070C0"/>
-                </a:solidFill>
-                <a:latin typeface="Consolas" panose="020B0609020204030204" pitchFamily="49" charset="0"/>
-                <a:cs typeface="Consolas" panose="020B0609020204030204" pitchFamily="49" charset="0"/>
-              </a:rPr>
-              <a:t>cpu_temp_s</a:t>
-            </a:r>
-            <a:r>
-              <a:rPr lang="en-US" sz="2000" b="1" i="1" dirty="0">
-                <a:solidFill>
-                  <a:srgbClr val="0070C0"/>
-                </a:solidFill>
-                <a:latin typeface="Consolas" panose="020B0609020204030204" pitchFamily="49" charset="0"/>
-                <a:cs typeface="Consolas" panose="020B0609020204030204" pitchFamily="49" charset="0"/>
-              </a:rPr>
-              <a:t> = </a:t>
-            </a:r>
-            <a:r>
-              <a:rPr lang="en-US" sz="2000" b="1" i="1" dirty="0" err="1">
-                <a:solidFill>
-                  <a:srgbClr val="0070C0"/>
-                </a:solidFill>
-                <a:latin typeface="Consolas" panose="020B0609020204030204" pitchFamily="49" charset="0"/>
-                <a:cs typeface="Consolas" panose="020B0609020204030204" pitchFamily="49" charset="0"/>
-              </a:rPr>
-              <a:t>dev.read</a:t>
-            </a:r>
-            <a:r>
-              <a:rPr lang="en-US" sz="2000" b="1" i="1" dirty="0">
-                <a:solidFill>
-                  <a:srgbClr val="0070C0"/>
-                </a:solidFill>
-                <a:latin typeface="Consolas" panose="020B0609020204030204" pitchFamily="49" charset="0"/>
-                <a:cs typeface="Consolas" panose="020B0609020204030204" pitchFamily="49" charset="0"/>
-              </a:rPr>
-              <a:t>()[5:-3] # top and tail string    </a:t>
-            </a:r>
-          </a:p>
-          <a:p>
-            <a:pPr lvl="1"/>
-            <a:r>
-              <a:rPr lang="en-US" sz="2000" b="1" i="1" dirty="0" err="1">
-                <a:solidFill>
-                  <a:srgbClr val="0070C0"/>
-                </a:solidFill>
-                <a:latin typeface="Consolas" panose="020B0609020204030204" pitchFamily="49" charset="0"/>
-                <a:cs typeface="Consolas" panose="020B0609020204030204" pitchFamily="49" charset="0"/>
-              </a:rPr>
-              <a:t>cpu_temp</a:t>
-            </a:r>
-            <a:r>
-              <a:rPr lang="en-US" sz="2000" b="1" i="1" dirty="0">
-                <a:solidFill>
-                  <a:srgbClr val="0070C0"/>
-                </a:solidFill>
-                <a:latin typeface="Consolas" panose="020B0609020204030204" pitchFamily="49" charset="0"/>
-                <a:cs typeface="Consolas" panose="020B0609020204030204" pitchFamily="49" charset="0"/>
-              </a:rPr>
-              <a:t> = float(</a:t>
-            </a:r>
-            <a:r>
-              <a:rPr lang="en-US" sz="2000" b="1" i="1" dirty="0" err="1">
-                <a:solidFill>
-                  <a:srgbClr val="0070C0"/>
-                </a:solidFill>
-                <a:latin typeface="Consolas" panose="020B0609020204030204" pitchFamily="49" charset="0"/>
-                <a:cs typeface="Consolas" panose="020B0609020204030204" pitchFamily="49" charset="0"/>
-              </a:rPr>
-              <a:t>cpu_temp_s</a:t>
-            </a:r>
-            <a:r>
-              <a:rPr lang="en-US" sz="2000" b="1" i="1" dirty="0">
-                <a:solidFill>
-                  <a:srgbClr val="0070C0"/>
-                </a:solidFill>
-                <a:latin typeface="Consolas" panose="020B0609020204030204" pitchFamily="49" charset="0"/>
-                <a:cs typeface="Consolas" panose="020B0609020204030204" pitchFamily="49" charset="0"/>
-              </a:rPr>
-              <a:t>)    </a:t>
-            </a:r>
-          </a:p>
-          <a:p>
-            <a:pPr lvl="1"/>
-            <a:r>
-              <a:rPr lang="en-US" sz="2000" b="1" i="1" dirty="0">
-                <a:solidFill>
-                  <a:srgbClr val="0070C0"/>
-                </a:solidFill>
-                <a:latin typeface="Consolas" panose="020B0609020204030204" pitchFamily="49" charset="0"/>
-                <a:cs typeface="Consolas" panose="020B0609020204030204" pitchFamily="49" charset="0"/>
-              </a:rPr>
-              <a:t>print(</a:t>
-            </a:r>
-            <a:r>
-              <a:rPr lang="en-US" sz="2000" b="1" i="1" dirty="0" err="1">
-                <a:solidFill>
-                  <a:srgbClr val="0070C0"/>
-                </a:solidFill>
-                <a:latin typeface="Consolas" panose="020B0609020204030204" pitchFamily="49" charset="0"/>
-                <a:cs typeface="Consolas" panose="020B0609020204030204" pitchFamily="49" charset="0"/>
-              </a:rPr>
-              <a:t>cpu_temp</a:t>
-            </a:r>
-            <a:r>
-              <a:rPr lang="en-US" sz="2000" b="1" i="1" dirty="0">
-                <a:solidFill>
-                  <a:srgbClr val="0070C0"/>
-                </a:solidFill>
-                <a:latin typeface="Consolas" panose="020B0609020204030204" pitchFamily="49" charset="0"/>
-                <a:cs typeface="Consolas" panose="020B0609020204030204" pitchFamily="49" charset="0"/>
-              </a:rPr>
-              <a:t>)    </a:t>
-            </a:r>
-          </a:p>
-          <a:p>
-            <a:pPr lvl="1"/>
-            <a:r>
-              <a:rPr lang="en-US" sz="2000" b="1" i="1" dirty="0" err="1">
-                <a:solidFill>
-                  <a:srgbClr val="0070C0"/>
-                </a:solidFill>
-                <a:latin typeface="Consolas" panose="020B0609020204030204" pitchFamily="49" charset="0"/>
-                <a:cs typeface="Consolas" panose="020B0609020204030204" pitchFamily="49" charset="0"/>
-              </a:rPr>
-              <a:t>time.sleep</a:t>
-            </a:r>
-            <a:r>
-              <a:rPr lang="en-US" sz="2000" b="1" i="1" dirty="0">
-                <a:solidFill>
-                  <a:srgbClr val="0070C0"/>
-                </a:solidFill>
-                <a:latin typeface="Consolas" panose="020B0609020204030204" pitchFamily="49" charset="0"/>
-                <a:cs typeface="Consolas" panose="020B0609020204030204" pitchFamily="49" charset="0"/>
-              </a:rPr>
-              <a:t>(1) </a:t>
-            </a:r>
-          </a:p>
-          <a:p>
-            <a:pPr lvl="1"/>
-            <a:endParaRPr lang="en-US" sz="2000" b="1" i="1" dirty="0">
-              <a:solidFill>
-                <a:srgbClr val="0070C0"/>
-              </a:solidFill>
-              <a:latin typeface="Consolas" panose="020B0609020204030204" pitchFamily="49" charset="0"/>
-              <a:cs typeface="Consolas" panose="020B0609020204030204" pitchFamily="49" charset="0"/>
-            </a:endParaRPr>
-          </a:p>
-          <a:p>
-            <a:pPr lvl="1"/>
-            <a:endParaRPr lang="en-US" sz="2000" b="1" i="1" dirty="0">
-              <a:solidFill>
-                <a:srgbClr val="0070C0"/>
-              </a:solidFill>
-              <a:latin typeface="Consolas" panose="020B0609020204030204" pitchFamily="49" charset="0"/>
-              <a:cs typeface="Consolas" panose="020B0609020204030204" pitchFamily="49" charset="0"/>
-            </a:endParaRPr>
-          </a:p>
-        </p:txBody>
-      </p:sp>
-      <p:sp>
-        <p:nvSpPr>
-          <p:cNvPr id="5" name="AutoShape 2" descr="http://raspberry.piaustralia.com.au/product-images/piwithbox.jpg"/>
-          <p:cNvSpPr>
-            <a:spLocks noChangeAspect="1" noChangeArrowheads="1"/>
-          </p:cNvSpPr>
-          <p:nvPr/>
-        </p:nvSpPr>
-        <p:spPr bwMode="auto">
-          <a:xfrm>
-            <a:off x="63500" y="-136525"/>
-            <a:ext cx="9772650" cy="6343650"/>
-          </a:xfrm>
-          <a:prstGeom prst="rect">
-            <a:avLst/>
-          </a:prstGeom>
-          <a:noFill/>
-          <a:extLst>
-            <a:ext uri="{909E8E84-426E-40DD-AFC4-6F175D3DCCD1}">
-              <a14:hiddenFill xmlns:a14="http://schemas.microsoft.com/office/drawing/2010/main">
-                <a:solidFill>
-                  <a:srgbClr val="FFFFFF"/>
-                </a:solidFill>
-              </a14:hiddenFill>
-            </a:ext>
-          </a:extLst>
-        </p:spPr>
-        <p:txBody>
-          <a:bodyPr vert="horz" wrap="square" lIns="91440" tIns="45720" rIns="91440" bIns="45720" numCol="1" anchor="t" anchorCtr="0" compatLnSpc="1">
-            <a:prstTxWarp prst="textNoShape">
-              <a:avLst/>
-            </a:prstTxWarp>
-          </a:bodyPr>
-          <a:lstStyle/>
-          <a:p>
-            <a:endParaRPr lang="en-US"/>
-          </a:p>
-        </p:txBody>
-      </p:sp>
-    </p:spTree>
-    <p:extLst>
-      <p:ext uri="{BB962C8B-B14F-4D97-AF65-F5344CB8AC3E}">
-        <p14:creationId xmlns:p14="http://schemas.microsoft.com/office/powerpoint/2010/main" val="2340378809"/>
       </p:ext>
     </p:extLst>
   </p:cSld>

--- a/session6/presentation/Internet Of Things.pptx
+++ b/session6/presentation/Internet Of Things.pptx
@@ -15,34 +15,37 @@
     <p:sldId id="403" r:id="rId9"/>
     <p:sldId id="404" r:id="rId10"/>
     <p:sldId id="405" r:id="rId11"/>
-    <p:sldId id="406" r:id="rId12"/>
-    <p:sldId id="407" r:id="rId13"/>
-    <p:sldId id="408" r:id="rId14"/>
-    <p:sldId id="409" r:id="rId15"/>
-    <p:sldId id="410" r:id="rId16"/>
-    <p:sldId id="419" r:id="rId17"/>
-    <p:sldId id="420" r:id="rId18"/>
-    <p:sldId id="411" r:id="rId19"/>
-    <p:sldId id="412" r:id="rId20"/>
-    <p:sldId id="413" r:id="rId21"/>
-    <p:sldId id="414" r:id="rId22"/>
-    <p:sldId id="415" r:id="rId23"/>
-    <p:sldId id="416" r:id="rId24"/>
-    <p:sldId id="417" r:id="rId25"/>
-    <p:sldId id="418" r:id="rId26"/>
-    <p:sldId id="421" r:id="rId27"/>
-    <p:sldId id="422" r:id="rId28"/>
-    <p:sldId id="423" r:id="rId29"/>
-    <p:sldId id="424" r:id="rId30"/>
-    <p:sldId id="426" r:id="rId31"/>
-    <p:sldId id="425" r:id="rId32"/>
-    <p:sldId id="427" r:id="rId33"/>
-    <p:sldId id="428" r:id="rId34"/>
-    <p:sldId id="429" r:id="rId35"/>
-    <p:sldId id="430" r:id="rId36"/>
-    <p:sldId id="431" r:id="rId37"/>
-    <p:sldId id="432" r:id="rId38"/>
-    <p:sldId id="267" r:id="rId39"/>
+    <p:sldId id="433" r:id="rId12"/>
+    <p:sldId id="435" r:id="rId13"/>
+    <p:sldId id="436" r:id="rId14"/>
+    <p:sldId id="437" r:id="rId15"/>
+    <p:sldId id="406" r:id="rId16"/>
+    <p:sldId id="407" r:id="rId17"/>
+    <p:sldId id="408" r:id="rId18"/>
+    <p:sldId id="409" r:id="rId19"/>
+    <p:sldId id="410" r:id="rId20"/>
+    <p:sldId id="419" r:id="rId21"/>
+    <p:sldId id="411" r:id="rId22"/>
+    <p:sldId id="412" r:id="rId23"/>
+    <p:sldId id="413" r:id="rId24"/>
+    <p:sldId id="414" r:id="rId25"/>
+    <p:sldId id="415" r:id="rId26"/>
+    <p:sldId id="416" r:id="rId27"/>
+    <p:sldId id="417" r:id="rId28"/>
+    <p:sldId id="418" r:id="rId29"/>
+    <p:sldId id="421" r:id="rId30"/>
+    <p:sldId id="422" r:id="rId31"/>
+    <p:sldId id="423" r:id="rId32"/>
+    <p:sldId id="424" r:id="rId33"/>
+    <p:sldId id="426" r:id="rId34"/>
+    <p:sldId id="425" r:id="rId35"/>
+    <p:sldId id="427" r:id="rId36"/>
+    <p:sldId id="428" r:id="rId37"/>
+    <p:sldId id="429" r:id="rId38"/>
+    <p:sldId id="430" r:id="rId39"/>
+    <p:sldId id="431" r:id="rId40"/>
+    <p:sldId id="432" r:id="rId41"/>
+    <p:sldId id="267" r:id="rId42"/>
   </p:sldIdLst>
   <p:sldSz cx="12192000" cy="6858000"/>
   <p:notesSz cx="6858000" cy="9144000"/>
@@ -282,7 +285,7 @@
           <a:p>
             <a:fld id="{1139FA4A-C808-4981-8BA9-64217A6CCEA7}" type="datetimeFigureOut">
               <a:rPr lang="en-US" smtClean="0"/>
-              <a:t>12/6/2017</a:t>
+              <a:t>1/2/2018</a:t>
             </a:fld>
             <a:endParaRPr lang="en-US"/>
           </a:p>
@@ -450,7 +453,7 @@
           <a:p>
             <a:fld id="{1139FA4A-C808-4981-8BA9-64217A6CCEA7}" type="datetimeFigureOut">
               <a:rPr lang="en-US" smtClean="0"/>
-              <a:t>12/6/2017</a:t>
+              <a:t>1/2/2018</a:t>
             </a:fld>
             <a:endParaRPr lang="en-US"/>
           </a:p>
@@ -628,7 +631,7 @@
           <a:p>
             <a:fld id="{1139FA4A-C808-4981-8BA9-64217A6CCEA7}" type="datetimeFigureOut">
               <a:rPr lang="en-US" smtClean="0"/>
-              <a:t>12/6/2017</a:t>
+              <a:t>1/2/2018</a:t>
             </a:fld>
             <a:endParaRPr lang="en-US"/>
           </a:p>
@@ -796,7 +799,7 @@
           <a:p>
             <a:fld id="{1139FA4A-C808-4981-8BA9-64217A6CCEA7}" type="datetimeFigureOut">
               <a:rPr lang="en-US" smtClean="0"/>
-              <a:t>12/6/2017</a:t>
+              <a:t>1/2/2018</a:t>
             </a:fld>
             <a:endParaRPr lang="en-US"/>
           </a:p>
@@ -1041,7 +1044,7 @@
           <a:p>
             <a:fld id="{1139FA4A-C808-4981-8BA9-64217A6CCEA7}" type="datetimeFigureOut">
               <a:rPr lang="en-US" smtClean="0"/>
-              <a:t>12/6/2017</a:t>
+              <a:t>1/2/2018</a:t>
             </a:fld>
             <a:endParaRPr lang="en-US"/>
           </a:p>
@@ -1270,7 +1273,7 @@
           <a:p>
             <a:fld id="{1139FA4A-C808-4981-8BA9-64217A6CCEA7}" type="datetimeFigureOut">
               <a:rPr lang="en-US" smtClean="0"/>
-              <a:t>12/6/2017</a:t>
+              <a:t>1/2/2018</a:t>
             </a:fld>
             <a:endParaRPr lang="en-US"/>
           </a:p>
@@ -1634,7 +1637,7 @@
           <a:p>
             <a:fld id="{1139FA4A-C808-4981-8BA9-64217A6CCEA7}" type="datetimeFigureOut">
               <a:rPr lang="en-US" smtClean="0"/>
-              <a:t>12/6/2017</a:t>
+              <a:t>1/2/2018</a:t>
             </a:fld>
             <a:endParaRPr lang="en-US"/>
           </a:p>
@@ -1751,7 +1754,7 @@
           <a:p>
             <a:fld id="{1139FA4A-C808-4981-8BA9-64217A6CCEA7}" type="datetimeFigureOut">
               <a:rPr lang="en-US" smtClean="0"/>
-              <a:t>12/6/2017</a:t>
+              <a:t>1/2/2018</a:t>
             </a:fld>
             <a:endParaRPr lang="en-US"/>
           </a:p>
@@ -1846,7 +1849,7 @@
           <a:p>
             <a:fld id="{1139FA4A-C808-4981-8BA9-64217A6CCEA7}" type="datetimeFigureOut">
               <a:rPr lang="en-US" smtClean="0"/>
-              <a:t>12/6/2017</a:t>
+              <a:t>1/2/2018</a:t>
             </a:fld>
             <a:endParaRPr lang="en-US"/>
           </a:p>
@@ -2121,7 +2124,7 @@
           <a:p>
             <a:fld id="{1139FA4A-C808-4981-8BA9-64217A6CCEA7}" type="datetimeFigureOut">
               <a:rPr lang="en-US" smtClean="0"/>
-              <a:t>12/6/2017</a:t>
+              <a:t>1/2/2018</a:t>
             </a:fld>
             <a:endParaRPr lang="en-US"/>
           </a:p>
@@ -2373,7 +2376,7 @@
           <a:p>
             <a:fld id="{1139FA4A-C808-4981-8BA9-64217A6CCEA7}" type="datetimeFigureOut">
               <a:rPr lang="en-US" smtClean="0"/>
-              <a:t>12/6/2017</a:t>
+              <a:t>1/2/2018</a:t>
             </a:fld>
             <a:endParaRPr lang="en-US"/>
           </a:p>
@@ -2584,7 +2587,7 @@
           <a:p>
             <a:fld id="{1139FA4A-C808-4981-8BA9-64217A6CCEA7}" type="datetimeFigureOut">
               <a:rPr lang="en-US" smtClean="0"/>
-              <a:t>12/6/2017</a:t>
+              <a:t>1/2/2018</a:t>
             </a:fld>
             <a:endParaRPr lang="en-US"/>
           </a:p>
@@ -3725,9 +3728,235 @@
           </a:lstStyle>
           <a:p>
             <a:r>
+              <a:rPr lang="en-US" dirty="0" smtClean="0"/>
+              <a:t>InternetSensor.py</a:t>
+            </a:r>
+            <a:r>
+              <a:rPr lang="fa-IR" dirty="0" smtClean="0"/>
+              <a:t> </a:t>
+            </a:r>
+            <a:r>
               <a:rPr lang="en-US" dirty="0"/>
-              <a:t>Sending Email and Other Notifications with IFTTT </a:t>
-            </a:r>
+              <a:t>Project</a:t>
+            </a:r>
+          </a:p>
+        </p:txBody>
+      </p:sp>
+      <p:sp>
+        <p:nvSpPr>
+          <p:cNvPr id="2" name="TextBox 1"/>
+          <p:cNvSpPr txBox="1"/>
+          <p:nvPr/>
+        </p:nvSpPr>
+        <p:spPr>
+          <a:xfrm>
+            <a:off x="417443" y="745199"/>
+            <a:ext cx="11357113" cy="4278094"/>
+          </a:xfrm>
+          <a:prstGeom prst="rect">
+            <a:avLst/>
+          </a:prstGeom>
+          <a:noFill/>
+        </p:spPr>
+        <p:txBody>
+          <a:bodyPr wrap="square" rtlCol="0">
+            <a:spAutoFit/>
+          </a:bodyPr>
+          <a:lstStyle/>
+          <a:p>
+            <a:pPr lvl="1"/>
+            <a:r>
+              <a:rPr lang="en-US" sz="2000" dirty="0"/>
+              <a:t>The main program </a:t>
+            </a:r>
+            <a:r>
+              <a:rPr lang="en-US" sz="2000" dirty="0" smtClean="0"/>
+              <a:t>(InternetSensor.py</a:t>
+            </a:r>
+            <a:r>
+              <a:rPr lang="en-US" sz="2000" dirty="0"/>
+              <a:t>) is actually quite concise:</a:t>
+            </a:r>
+          </a:p>
+          <a:p>
+            <a:pPr lvl="1"/>
+            <a:endParaRPr lang="en-US" b="1" i="1" dirty="0">
+              <a:solidFill>
+                <a:srgbClr val="0070C0"/>
+              </a:solidFill>
+              <a:latin typeface="Consolas" panose="020B0609020204030204" pitchFamily="49" charset="0"/>
+              <a:cs typeface="Consolas" panose="020B0609020204030204" pitchFamily="49" charset="0"/>
+            </a:endParaRPr>
+          </a:p>
+          <a:p>
+            <a:pPr lvl="1"/>
+            <a:r>
+              <a:rPr lang="en-US" b="1" i="1" dirty="0">
+                <a:solidFill>
+                  <a:srgbClr val="0070C0"/>
+                </a:solidFill>
+                <a:latin typeface="Consolas" panose="020B0609020204030204" pitchFamily="49" charset="0"/>
+                <a:cs typeface="Consolas" panose="020B0609020204030204" pitchFamily="49" charset="0"/>
+              </a:rPr>
+              <a:t>import os, time</a:t>
+            </a:r>
+          </a:p>
+          <a:p>
+            <a:pPr lvl="1"/>
+            <a:r>
+              <a:rPr lang="en-US" b="1" i="1" dirty="0">
+                <a:solidFill>
+                  <a:srgbClr val="0070C0"/>
+                </a:solidFill>
+                <a:latin typeface="Consolas" panose="020B0609020204030204" pitchFamily="49" charset="0"/>
+                <a:cs typeface="Consolas" panose="020B0609020204030204" pitchFamily="49" charset="0"/>
+              </a:rPr>
+              <a:t>import urllib2</a:t>
+            </a:r>
+          </a:p>
+          <a:p>
+            <a:pPr lvl="1"/>
+            <a:endParaRPr lang="en-US" b="1" i="1" dirty="0">
+              <a:solidFill>
+                <a:srgbClr val="0070C0"/>
+              </a:solidFill>
+              <a:latin typeface="Consolas" panose="020B0609020204030204" pitchFamily="49" charset="0"/>
+              <a:cs typeface="Consolas" panose="020B0609020204030204" pitchFamily="49" charset="0"/>
+            </a:endParaRPr>
+          </a:p>
+          <a:p>
+            <a:pPr lvl="1"/>
+            <a:r>
+              <a:rPr lang="en-US" b="1" i="1" dirty="0">
+                <a:solidFill>
+                  <a:srgbClr val="0070C0"/>
+                </a:solidFill>
+                <a:latin typeface="Consolas" panose="020B0609020204030204" pitchFamily="49" charset="0"/>
+                <a:cs typeface="Consolas" panose="020B0609020204030204" pitchFamily="49" charset="0"/>
+              </a:rPr>
+              <a:t>def CpuTemp():</a:t>
+            </a:r>
+          </a:p>
+          <a:p>
+            <a:pPr lvl="1"/>
+            <a:r>
+              <a:rPr lang="en-US" b="1" i="1" dirty="0">
+                <a:solidFill>
+                  <a:srgbClr val="0070C0"/>
+                </a:solidFill>
+                <a:latin typeface="Consolas" panose="020B0609020204030204" pitchFamily="49" charset="0"/>
+                <a:cs typeface="Consolas" panose="020B0609020204030204" pitchFamily="49" charset="0"/>
+              </a:rPr>
+              <a:t>    dev = os.popen('/opt/vc/bin/vcgencmd measure_temp')</a:t>
+            </a:r>
+          </a:p>
+          <a:p>
+            <a:pPr lvl="1"/>
+            <a:r>
+              <a:rPr lang="en-US" b="1" i="1" dirty="0">
+                <a:solidFill>
+                  <a:srgbClr val="0070C0"/>
+                </a:solidFill>
+                <a:latin typeface="Consolas" panose="020B0609020204030204" pitchFamily="49" charset="0"/>
+                <a:cs typeface="Consolas" panose="020B0609020204030204" pitchFamily="49" charset="0"/>
+              </a:rPr>
+              <a:t>    temp = dev.read()[5:-3]</a:t>
+            </a:r>
+          </a:p>
+          <a:p>
+            <a:pPr lvl="1"/>
+            <a:r>
+              <a:rPr lang="en-US" b="1" i="1" dirty="0">
+                <a:solidFill>
+                  <a:srgbClr val="0070C0"/>
+                </a:solidFill>
+                <a:latin typeface="Consolas" panose="020B0609020204030204" pitchFamily="49" charset="0"/>
+                <a:cs typeface="Consolas" panose="020B0609020204030204" pitchFamily="49" charset="0"/>
+              </a:rPr>
+              <a:t>    return temp</a:t>
+            </a:r>
+          </a:p>
+          <a:p>
+            <a:pPr lvl="1"/>
+            <a:endParaRPr lang="en-US" b="1" i="1" dirty="0">
+              <a:solidFill>
+                <a:srgbClr val="0070C0"/>
+              </a:solidFill>
+              <a:latin typeface="Consolas" panose="020B0609020204030204" pitchFamily="49" charset="0"/>
+              <a:cs typeface="Consolas" panose="020B0609020204030204" pitchFamily="49" charset="0"/>
+            </a:endParaRPr>
+          </a:p>
+          <a:p>
+            <a:pPr lvl="1"/>
+            <a:r>
+              <a:rPr lang="en-US" b="1" i="1" dirty="0">
+                <a:solidFill>
+                  <a:srgbClr val="0070C0"/>
+                </a:solidFill>
+                <a:latin typeface="Consolas" panose="020B0609020204030204" pitchFamily="49" charset="0"/>
+                <a:cs typeface="Consolas" panose="020B0609020204030204" pitchFamily="49" charset="0"/>
+              </a:rPr>
+              <a:t>while True:</a:t>
+            </a:r>
+          </a:p>
+          <a:p>
+            <a:pPr lvl="1"/>
+            <a:r>
+              <a:rPr lang="en-US" b="1" i="1" dirty="0">
+                <a:solidFill>
+                  <a:srgbClr val="0070C0"/>
+                </a:solidFill>
+                <a:latin typeface="Consolas" panose="020B0609020204030204" pitchFamily="49" charset="0"/>
+                <a:cs typeface="Consolas" panose="020B0609020204030204" pitchFamily="49" charset="0"/>
+              </a:rPr>
+              <a:t>    temp = CpuTemp()</a:t>
+            </a:r>
+          </a:p>
+          <a:p>
+            <a:pPr lvl="1"/>
+            <a:r>
+              <a:rPr lang="en-US" b="1" i="1" dirty="0">
+                <a:solidFill>
+                  <a:srgbClr val="0070C0"/>
+                </a:solidFill>
+                <a:latin typeface="Consolas" panose="020B0609020204030204" pitchFamily="49" charset="0"/>
+                <a:cs typeface="Consolas" panose="020B0609020204030204" pitchFamily="49" charset="0"/>
+              </a:rPr>
+              <a:t>    print("Raspberry Pi Temp: {}".format(temp))</a:t>
+            </a:r>
+          </a:p>
+          <a:p>
+            <a:pPr lvl="1"/>
+            <a:r>
+              <a:rPr lang="en-US" b="1" i="1" dirty="0">
+                <a:solidFill>
+                  <a:srgbClr val="0070C0"/>
+                </a:solidFill>
+                <a:latin typeface="Consolas" panose="020B0609020204030204" pitchFamily="49" charset="0"/>
+                <a:cs typeface="Consolas" panose="020B0609020204030204" pitchFamily="49" charset="0"/>
+              </a:rPr>
+              <a:t>    urllib2.urlopen("https://dweet.io/dweet/for/RpiCourseDweet?temp={}".format(temp))</a:t>
+            </a:r>
+          </a:p>
+          <a:p>
+            <a:pPr lvl="1"/>
+            <a:r>
+              <a:rPr lang="en-US" b="1" i="1" dirty="0">
+                <a:solidFill>
+                  <a:srgbClr val="0070C0"/>
+                </a:solidFill>
+                <a:latin typeface="Consolas" panose="020B0609020204030204" pitchFamily="49" charset="0"/>
+                <a:cs typeface="Consolas" panose="020B0609020204030204" pitchFamily="49" charset="0"/>
+              </a:rPr>
+              <a:t>    time.sleep(1)</a:t>
+            </a:r>
+            <a:endParaRPr lang="en-US" b="1" i="1" dirty="0">
+              <a:solidFill>
+                <a:srgbClr val="0070C0"/>
+              </a:solidFill>
+              <a:latin typeface="Consolas" panose="020B0609020204030204" pitchFamily="49" charset="0"/>
+              <a:cs typeface="Consolas" panose="020B0609020204030204" pitchFamily="49" charset="0"/>
+            </a:endParaRPr>
           </a:p>
         </p:txBody>
       </p:sp>
@@ -3770,135 +3999,10 @@
           </a:p>
         </p:txBody>
       </p:sp>
-      <p:sp>
-        <p:nvSpPr>
-          <p:cNvPr id="7" name="TextBox 6"/>
-          <p:cNvSpPr txBox="1"/>
-          <p:nvPr/>
-        </p:nvSpPr>
-        <p:spPr>
-          <a:xfrm>
-            <a:off x="417443" y="745199"/>
-            <a:ext cx="11357113" cy="5324535"/>
-          </a:xfrm>
-          <a:prstGeom prst="rect">
-            <a:avLst/>
-          </a:prstGeom>
-          <a:noFill/>
-        </p:spPr>
-        <p:txBody>
-          <a:bodyPr wrap="square" rtlCol="0">
-            <a:spAutoFit/>
-          </a:bodyPr>
-          <a:lstStyle/>
-          <a:p>
-            <a:pPr lvl="1"/>
-            <a:r>
-              <a:rPr lang="en-US" sz="2000" dirty="0"/>
-              <a:t>You want a flexible way for your </a:t>
-            </a:r>
-            <a:r>
-              <a:rPr lang="en-US" sz="2000" dirty="0" err="1"/>
-              <a:t>Raspberrry</a:t>
-            </a:r>
-            <a:r>
-              <a:rPr lang="en-US" sz="2000" dirty="0"/>
-              <a:t> Pi to send notifications by email, Facebook status, Twitter, or Slack. </a:t>
-            </a:r>
-            <a:endParaRPr lang="fa-IR" sz="2000" dirty="0"/>
-          </a:p>
-          <a:p>
-            <a:pPr lvl="1"/>
-            <a:endParaRPr lang="fa-IR" sz="2000" dirty="0"/>
-          </a:p>
-          <a:p>
-            <a:pPr lvl="1"/>
-            <a:r>
-              <a:rPr lang="en-US" sz="2000" dirty="0"/>
-              <a:t>This recipe is illustrated with an example that sends you an email when the CPU temperature of your Raspberry Pi exceeds a threshold. </a:t>
-            </a:r>
-          </a:p>
-          <a:p>
-            <a:pPr lvl="1"/>
-            <a:endParaRPr lang="en-US" sz="2000" dirty="0"/>
-          </a:p>
-          <a:p>
-            <a:pPr lvl="1"/>
-            <a:r>
-              <a:rPr lang="en-US" sz="2000" dirty="0"/>
-              <a:t>You need to create an account with IFTTT before you can start using it, so visit </a:t>
-            </a:r>
-            <a:r>
-              <a:rPr lang="en-US" b="1" i="1" dirty="0">
-                <a:solidFill>
-                  <a:srgbClr val="0070C0"/>
-                </a:solidFill>
-                <a:latin typeface="Consolas" panose="020B0609020204030204" pitchFamily="49" charset="0"/>
-                <a:cs typeface="Consolas" panose="020B0609020204030204" pitchFamily="49" charset="0"/>
-              </a:rPr>
-              <a:t>www.ifttt.com</a:t>
-            </a:r>
-            <a:r>
-              <a:rPr lang="en-US" sz="2000" dirty="0"/>
-              <a:t> and sign up.</a:t>
-            </a:r>
-          </a:p>
-          <a:p>
-            <a:pPr lvl="1"/>
-            <a:endParaRPr lang="en-US" sz="2000" dirty="0"/>
-          </a:p>
-          <a:p>
-            <a:pPr lvl="1"/>
-            <a:r>
-              <a:rPr lang="en-US" sz="2000" dirty="0"/>
-              <a:t> Click on the Create a Recipe button. This will prompt you to first enter the </a:t>
-            </a:r>
-            <a:r>
-              <a:rPr lang="en-US" sz="2000" b="1" dirty="0">
-                <a:solidFill>
-                  <a:srgbClr val="FF0000"/>
-                </a:solidFill>
-              </a:rPr>
-              <a:t>IF</a:t>
-            </a:r>
-            <a:r>
-              <a:rPr lang="en-US" sz="2000" dirty="0"/>
-              <a:t> part of the recipe and later the </a:t>
-            </a:r>
-            <a:r>
-              <a:rPr lang="en-US" sz="2000" b="1" dirty="0">
-                <a:solidFill>
-                  <a:srgbClr val="FF0000"/>
-                </a:solidFill>
-              </a:rPr>
-              <a:t>THAT</a:t>
-            </a:r>
-            <a:r>
-              <a:rPr lang="en-US" sz="2000" dirty="0"/>
-              <a:t> part. </a:t>
-            </a:r>
-          </a:p>
-          <a:p>
-            <a:pPr lvl="1"/>
-            <a:endParaRPr lang="en-US" sz="2000" dirty="0"/>
-          </a:p>
-          <a:p>
-            <a:pPr lvl="1"/>
-            <a:r>
-              <a:rPr lang="en-US" sz="2000" dirty="0"/>
-              <a:t>In this case, the IF THIS part (the trigger) is going to be the receipt of a web request from your Raspberry Pi, so click on THIS and then enter Maker into the search field to find the Maker channel. Select the Maker channel and when prompted to Choose a Trigger, select the option (Receive a Web Request). This will open the form shown in following figure.</a:t>
-            </a:r>
-          </a:p>
-          <a:p>
-            <a:pPr lvl="1"/>
-            <a:endParaRPr lang="en-US" sz="2000" dirty="0"/>
-          </a:p>
-        </p:txBody>
-      </p:sp>
     </p:spTree>
     <p:extLst>
       <p:ext uri="{BB962C8B-B14F-4D97-AF65-F5344CB8AC3E}">
-        <p14:creationId xmlns:p14="http://schemas.microsoft.com/office/powerpoint/2010/main" val="4144068161"/>
+        <p14:creationId xmlns:p14="http://schemas.microsoft.com/office/powerpoint/2010/main" val="1350594078"/>
       </p:ext>
     </p:extLst>
   </p:cSld>
@@ -4061,8 +4165,337 @@
           </a:lstStyle>
           <a:p>
             <a:r>
+              <a:rPr lang="en-US" dirty="0" smtClean="0"/>
+              <a:t>index.html </a:t>
+            </a:r>
+            <a:r>
               <a:rPr lang="en-US" dirty="0"/>
-              <a:t>Sending Email and Other Notifications with IFTTT </a:t>
+              <a:t>File</a:t>
+            </a:r>
+          </a:p>
+        </p:txBody>
+      </p:sp>
+      <p:sp>
+        <p:nvSpPr>
+          <p:cNvPr id="2" name="TextBox 1"/>
+          <p:cNvSpPr txBox="1"/>
+          <p:nvPr/>
+        </p:nvSpPr>
+        <p:spPr>
+          <a:xfrm>
+            <a:off x="417443" y="745199"/>
+            <a:ext cx="11357113" cy="5940088"/>
+          </a:xfrm>
+          <a:prstGeom prst="rect">
+            <a:avLst/>
+          </a:prstGeom>
+          <a:noFill/>
+        </p:spPr>
+        <p:txBody>
+          <a:bodyPr wrap="square" rtlCol="0">
+            <a:spAutoFit/>
+          </a:bodyPr>
+          <a:lstStyle/>
+          <a:p>
+            <a:pPr lvl="1"/>
+            <a:r>
+              <a:rPr lang="en-US" sz="2000" dirty="0"/>
+              <a:t>The file main.html mostly contains the JavaScript to render the user interface.</a:t>
+            </a:r>
+          </a:p>
+          <a:p>
+            <a:pPr lvl="1"/>
+            <a:endParaRPr lang="en-US" b="1" i="1" dirty="0">
+              <a:solidFill>
+                <a:srgbClr val="0070C0"/>
+              </a:solidFill>
+              <a:latin typeface="Consolas" panose="020B0609020204030204" pitchFamily="49" charset="0"/>
+              <a:cs typeface="Consolas" panose="020B0609020204030204" pitchFamily="49" charset="0"/>
+            </a:endParaRPr>
+          </a:p>
+          <a:p>
+            <a:pPr lvl="1"/>
+            <a:r>
+              <a:rPr lang="en-US" b="1" i="1" dirty="0">
+                <a:solidFill>
+                  <a:srgbClr val="0070C0"/>
+                </a:solidFill>
+                <a:latin typeface="Consolas" panose="020B0609020204030204" pitchFamily="49" charset="0"/>
+                <a:cs typeface="Consolas" panose="020B0609020204030204" pitchFamily="49" charset="0"/>
+              </a:rPr>
+              <a:t>&lt;html&gt;</a:t>
+            </a:r>
+          </a:p>
+          <a:p>
+            <a:pPr lvl="1"/>
+            <a:r>
+              <a:rPr lang="en-US" b="1" i="1" dirty="0">
+                <a:solidFill>
+                  <a:srgbClr val="0070C0"/>
+                </a:solidFill>
+                <a:latin typeface="Consolas" panose="020B0609020204030204" pitchFamily="49" charset="0"/>
+                <a:cs typeface="Consolas" panose="020B0609020204030204" pitchFamily="49" charset="0"/>
+              </a:rPr>
+              <a:t>&lt;head&gt;</a:t>
+            </a:r>
+          </a:p>
+          <a:p>
+            <a:pPr lvl="1"/>
+            <a:endParaRPr lang="en-US" b="1" i="1" dirty="0">
+              <a:solidFill>
+                <a:srgbClr val="0070C0"/>
+              </a:solidFill>
+              <a:latin typeface="Consolas" panose="020B0609020204030204" pitchFamily="49" charset="0"/>
+              <a:cs typeface="Consolas" panose="020B0609020204030204" pitchFamily="49" charset="0"/>
+            </a:endParaRPr>
+          </a:p>
+          <a:p>
+            <a:pPr lvl="1"/>
+            <a:r>
+              <a:rPr lang="en-US" b="1" i="1" dirty="0">
+                <a:solidFill>
+                  <a:srgbClr val="0070C0"/>
+                </a:solidFill>
+                <a:latin typeface="Consolas" panose="020B0609020204030204" pitchFamily="49" charset="0"/>
+                <a:cs typeface="Consolas" panose="020B0609020204030204" pitchFamily="49" charset="0"/>
+              </a:rPr>
+              <a:t>&lt;script src="jquery.min.js" type="text/javascript" charset="utf-8"&gt;&lt;/script&gt;</a:t>
+            </a:r>
+          </a:p>
+          <a:p>
+            <a:pPr lvl="1"/>
+            <a:r>
+              <a:rPr lang="en-US" b="1" i="1" dirty="0">
+                <a:solidFill>
+                  <a:srgbClr val="0070C0"/>
+                </a:solidFill>
+                <a:latin typeface="Consolas" panose="020B0609020204030204" pitchFamily="49" charset="0"/>
+                <a:cs typeface="Consolas" panose="020B0609020204030204" pitchFamily="49" charset="0"/>
+              </a:rPr>
+              <a:t>&lt;script src="raphael.2.1.0.min.js"&gt;&lt;/script&gt;</a:t>
+            </a:r>
+          </a:p>
+          <a:p>
+            <a:pPr lvl="1"/>
+            <a:r>
+              <a:rPr lang="en-US" b="1" i="1" dirty="0">
+                <a:solidFill>
+                  <a:srgbClr val="0070C0"/>
+                </a:solidFill>
+                <a:latin typeface="Consolas" panose="020B0609020204030204" pitchFamily="49" charset="0"/>
+                <a:cs typeface="Consolas" panose="020B0609020204030204" pitchFamily="49" charset="0"/>
+              </a:rPr>
+              <a:t>&lt;script src="justgage.1.0.1.min.js"&gt;&lt;/script&gt;</a:t>
+            </a:r>
+          </a:p>
+          <a:p>
+            <a:pPr lvl="1"/>
+            <a:endParaRPr lang="en-US" b="1" i="1" dirty="0">
+              <a:solidFill>
+                <a:srgbClr val="0070C0"/>
+              </a:solidFill>
+              <a:latin typeface="Consolas" panose="020B0609020204030204" pitchFamily="49" charset="0"/>
+              <a:cs typeface="Consolas" panose="020B0609020204030204" pitchFamily="49" charset="0"/>
+            </a:endParaRPr>
+          </a:p>
+          <a:p>
+            <a:pPr lvl="1"/>
+            <a:r>
+              <a:rPr lang="en-US" b="1" i="1" dirty="0">
+                <a:solidFill>
+                  <a:srgbClr val="0070C0"/>
+                </a:solidFill>
+                <a:latin typeface="Consolas" panose="020B0609020204030204" pitchFamily="49" charset="0"/>
+                <a:cs typeface="Consolas" panose="020B0609020204030204" pitchFamily="49" charset="0"/>
+              </a:rPr>
+              <a:t>&lt;script&gt;</a:t>
+            </a:r>
+          </a:p>
+          <a:p>
+            <a:pPr lvl="1"/>
+            <a:r>
+              <a:rPr lang="en-US" b="1" i="1" dirty="0">
+                <a:solidFill>
+                  <a:srgbClr val="0070C0"/>
+                </a:solidFill>
+                <a:latin typeface="Consolas" panose="020B0609020204030204" pitchFamily="49" charset="0"/>
+                <a:cs typeface="Consolas" panose="020B0609020204030204" pitchFamily="49" charset="0"/>
+              </a:rPr>
+              <a:t>function callback(response, status){</a:t>
+            </a:r>
+          </a:p>
+          <a:p>
+            <a:pPr lvl="1"/>
+            <a:r>
+              <a:rPr lang="en-US" b="1" i="1" dirty="0">
+                <a:solidFill>
+                  <a:srgbClr val="0070C0"/>
+                </a:solidFill>
+                <a:latin typeface="Consolas" panose="020B0609020204030204" pitchFamily="49" charset="0"/>
+                <a:cs typeface="Consolas" panose="020B0609020204030204" pitchFamily="49" charset="0"/>
+              </a:rPr>
+              <a:t>	if (status == "success") {</a:t>
+            </a:r>
+          </a:p>
+          <a:p>
+            <a:pPr lvl="1"/>
+            <a:r>
+              <a:rPr lang="en-US" b="1" i="1" dirty="0">
+                <a:solidFill>
+                  <a:srgbClr val="0070C0"/>
+                </a:solidFill>
+                <a:latin typeface="Consolas" panose="020B0609020204030204" pitchFamily="49" charset="0"/>
+                <a:cs typeface="Consolas" panose="020B0609020204030204" pitchFamily="49" charset="0"/>
+              </a:rPr>
+              <a:t>		temp = parseFloat(response["with"]["0"]["content"]["temp"]).toFixed(2);</a:t>
+            </a:r>
+          </a:p>
+          <a:p>
+            <a:pPr lvl="1"/>
+            <a:r>
+              <a:rPr lang="en-US" b="1" i="1" dirty="0">
+                <a:solidFill>
+                  <a:srgbClr val="0070C0"/>
+                </a:solidFill>
+                <a:latin typeface="Consolas" panose="020B0609020204030204" pitchFamily="49" charset="0"/>
+                <a:cs typeface="Consolas" panose="020B0609020204030204" pitchFamily="49" charset="0"/>
+              </a:rPr>
+              <a:t>		g.refresh(temp);</a:t>
+            </a:r>
+          </a:p>
+          <a:p>
+            <a:pPr lvl="1"/>
+            <a:r>
+              <a:rPr lang="en-US" b="1" i="1" dirty="0">
+                <a:solidFill>
+                  <a:srgbClr val="0070C0"/>
+                </a:solidFill>
+                <a:latin typeface="Consolas" panose="020B0609020204030204" pitchFamily="49" charset="0"/>
+                <a:cs typeface="Consolas" panose="020B0609020204030204" pitchFamily="49" charset="0"/>
+              </a:rPr>
+              <a:t>		setTimeout(getReading, 1000);</a:t>
+            </a:r>
+          </a:p>
+          <a:p>
+            <a:pPr lvl="1"/>
+            <a:r>
+              <a:rPr lang="en-US" b="1" i="1" dirty="0">
+                <a:solidFill>
+                  <a:srgbClr val="0070C0"/>
+                </a:solidFill>
+                <a:latin typeface="Consolas" panose="020B0609020204030204" pitchFamily="49" charset="0"/>
+                <a:cs typeface="Consolas" panose="020B0609020204030204" pitchFamily="49" charset="0"/>
+              </a:rPr>
+              <a:t>	</a:t>
+            </a:r>
+            <a:r>
+              <a:rPr lang="en-US" b="1" i="1" dirty="0" smtClean="0">
+                <a:solidFill>
+                  <a:srgbClr val="0070C0"/>
+                </a:solidFill>
+                <a:latin typeface="Consolas" panose="020B0609020204030204" pitchFamily="49" charset="0"/>
+                <a:cs typeface="Consolas" panose="020B0609020204030204" pitchFamily="49" charset="0"/>
+              </a:rPr>
+              <a:t>}</a:t>
+            </a:r>
+          </a:p>
+          <a:p>
+            <a:pPr lvl="1"/>
+            <a:r>
+              <a:rPr lang="en-US" b="1" i="1" dirty="0">
+                <a:solidFill>
+                  <a:srgbClr val="0070C0"/>
+                </a:solidFill>
+                <a:latin typeface="Consolas" panose="020B0609020204030204" pitchFamily="49" charset="0"/>
+                <a:cs typeface="Consolas" panose="020B0609020204030204" pitchFamily="49" charset="0"/>
+              </a:rPr>
+              <a:t>	else </a:t>
+            </a:r>
+            <a:endParaRPr lang="en-US" b="1" i="1" dirty="0" smtClean="0">
+              <a:solidFill>
+                <a:srgbClr val="0070C0"/>
+              </a:solidFill>
+              <a:latin typeface="Consolas" panose="020B0609020204030204" pitchFamily="49" charset="0"/>
+              <a:cs typeface="Consolas" panose="020B0609020204030204" pitchFamily="49" charset="0"/>
+            </a:endParaRPr>
+          </a:p>
+          <a:p>
+            <a:pPr lvl="1"/>
+            <a:r>
+              <a:rPr lang="en-US" b="1" i="1" dirty="0">
+                <a:solidFill>
+                  <a:srgbClr val="0070C0"/>
+                </a:solidFill>
+                <a:latin typeface="Consolas" panose="020B0609020204030204" pitchFamily="49" charset="0"/>
+                <a:cs typeface="Consolas" panose="020B0609020204030204" pitchFamily="49" charset="0"/>
+              </a:rPr>
+              <a:t>	</a:t>
+            </a:r>
+            <a:r>
+              <a:rPr lang="en-US" b="1" i="1" dirty="0" smtClean="0">
+                <a:solidFill>
+                  <a:srgbClr val="0070C0"/>
+                </a:solidFill>
+                <a:latin typeface="Consolas" panose="020B0609020204030204" pitchFamily="49" charset="0"/>
+                <a:cs typeface="Consolas" panose="020B0609020204030204" pitchFamily="49" charset="0"/>
+              </a:rPr>
+              <a:t>{</a:t>
+            </a:r>
+            <a:endParaRPr lang="en-US" b="1" i="1" dirty="0">
+              <a:solidFill>
+                <a:srgbClr val="0070C0"/>
+              </a:solidFill>
+              <a:latin typeface="Consolas" panose="020B0609020204030204" pitchFamily="49" charset="0"/>
+              <a:cs typeface="Consolas" panose="020B0609020204030204" pitchFamily="49" charset="0"/>
+            </a:endParaRPr>
+          </a:p>
+          <a:p>
+            <a:pPr lvl="1"/>
+            <a:r>
+              <a:rPr lang="en-US" b="1" i="1" dirty="0">
+                <a:solidFill>
+                  <a:srgbClr val="0070C0"/>
+                </a:solidFill>
+                <a:latin typeface="Consolas" panose="020B0609020204030204" pitchFamily="49" charset="0"/>
+                <a:cs typeface="Consolas" panose="020B0609020204030204" pitchFamily="49" charset="0"/>
+              </a:rPr>
+              <a:t>		alert("There was a problem");</a:t>
+            </a:r>
+          </a:p>
+          <a:p>
+            <a:pPr lvl="1"/>
+            <a:r>
+              <a:rPr lang="en-US" b="1" i="1" dirty="0">
+                <a:solidFill>
+                  <a:srgbClr val="0070C0"/>
+                </a:solidFill>
+                <a:latin typeface="Consolas" panose="020B0609020204030204" pitchFamily="49" charset="0"/>
+                <a:cs typeface="Consolas" panose="020B0609020204030204" pitchFamily="49" charset="0"/>
+              </a:rPr>
+              <a:t>	}</a:t>
+            </a:r>
+          </a:p>
+          <a:p>
+            <a:pPr lvl="1"/>
+            <a:r>
+              <a:rPr lang="en-US" b="1" i="1" dirty="0">
+                <a:solidFill>
+                  <a:srgbClr val="0070C0"/>
+                </a:solidFill>
+                <a:latin typeface="Consolas" panose="020B0609020204030204" pitchFamily="49" charset="0"/>
+                <a:cs typeface="Consolas" panose="020B0609020204030204" pitchFamily="49" charset="0"/>
+              </a:rPr>
+              <a:t>}</a:t>
+            </a:r>
+            <a:r>
+              <a:rPr lang="en-US" b="1" i="1" dirty="0">
+                <a:solidFill>
+                  <a:srgbClr val="0070C0"/>
+                </a:solidFill>
+                <a:latin typeface="Consolas" panose="020B0609020204030204" pitchFamily="49" charset="0"/>
+                <a:cs typeface="Consolas" panose="020B0609020204030204" pitchFamily="49" charset="0"/>
+              </a:rPr>
+              <a:t>	</a:t>
             </a:r>
           </a:p>
         </p:txBody>
@@ -4106,34 +4539,10 @@
           </a:p>
         </p:txBody>
       </p:sp>
-      <p:pic>
-        <p:nvPicPr>
-          <p:cNvPr id="6" name="Picture 5"/>
-          <p:cNvPicPr>
-            <a:picLocks noChangeAspect="1"/>
-          </p:cNvPicPr>
-          <p:nvPr/>
-        </p:nvPicPr>
-        <p:blipFill>
-          <a:blip r:embed="rId2"/>
-          <a:stretch>
-            <a:fillRect/>
-          </a:stretch>
-        </p:blipFill>
-        <p:spPr>
-          <a:xfrm>
-            <a:off x="928048" y="857743"/>
-            <a:ext cx="10495128" cy="5900628"/>
-          </a:xfrm>
-          <a:prstGeom prst="rect">
-            <a:avLst/>
-          </a:prstGeom>
-        </p:spPr>
-      </p:pic>
     </p:spTree>
     <p:extLst>
       <p:ext uri="{BB962C8B-B14F-4D97-AF65-F5344CB8AC3E}">
-        <p14:creationId xmlns:p14="http://schemas.microsoft.com/office/powerpoint/2010/main" val="17046276"/>
+        <p14:creationId xmlns:p14="http://schemas.microsoft.com/office/powerpoint/2010/main" val="1102646873"/>
       </p:ext>
     </p:extLst>
   </p:cSld>
@@ -4297,8 +4706,315 @@
           <a:p>
             <a:r>
               <a:rPr lang="en-US" dirty="0"/>
-              <a:t>Sending Email and Other Notifications with IFTTT </a:t>
-            </a:r>
+              <a:t>main.html File</a:t>
+            </a:r>
+          </a:p>
+        </p:txBody>
+      </p:sp>
+      <p:sp>
+        <p:nvSpPr>
+          <p:cNvPr id="2" name="TextBox 1"/>
+          <p:cNvSpPr txBox="1"/>
+          <p:nvPr/>
+        </p:nvSpPr>
+        <p:spPr>
+          <a:xfrm>
+            <a:off x="417443" y="745199"/>
+            <a:ext cx="11357113" cy="6186309"/>
+          </a:xfrm>
+          <a:prstGeom prst="rect">
+            <a:avLst/>
+          </a:prstGeom>
+          <a:noFill/>
+        </p:spPr>
+        <p:txBody>
+          <a:bodyPr wrap="square" rtlCol="0">
+            <a:spAutoFit/>
+          </a:bodyPr>
+          <a:lstStyle/>
+          <a:p>
+            <a:pPr lvl="1"/>
+            <a:r>
+              <a:rPr lang="en-US" b="1" i="1" dirty="0">
+                <a:solidFill>
+                  <a:srgbClr val="0070C0"/>
+                </a:solidFill>
+                <a:latin typeface="Consolas" panose="020B0609020204030204" pitchFamily="49" charset="0"/>
+                <a:cs typeface="Consolas" panose="020B0609020204030204" pitchFamily="49" charset="0"/>
+              </a:rPr>
+              <a:t>function getReading(){</a:t>
+            </a:r>
+          </a:p>
+          <a:p>
+            <a:pPr lvl="1"/>
+            <a:r>
+              <a:rPr lang="en-US" b="1" i="1" dirty="0">
+                <a:solidFill>
+                  <a:srgbClr val="0070C0"/>
+                </a:solidFill>
+                <a:latin typeface="Consolas" panose="020B0609020204030204" pitchFamily="49" charset="0"/>
+                <a:cs typeface="Consolas" panose="020B0609020204030204" pitchFamily="49" charset="0"/>
+              </a:rPr>
+              <a:t>   	$.get('https://dweet.io/get/dweets/for/RpiCourseDweet', callback);</a:t>
+            </a:r>
+          </a:p>
+          <a:p>
+            <a:pPr lvl="1"/>
+            <a:r>
+              <a:rPr lang="en-US" b="1" i="1" dirty="0">
+                <a:solidFill>
+                  <a:srgbClr val="0070C0"/>
+                </a:solidFill>
+                <a:latin typeface="Consolas" panose="020B0609020204030204" pitchFamily="49" charset="0"/>
+                <a:cs typeface="Consolas" panose="020B0609020204030204" pitchFamily="49" charset="0"/>
+              </a:rPr>
+              <a:t>}</a:t>
+            </a:r>
+          </a:p>
+          <a:p>
+            <a:pPr lvl="1"/>
+            <a:r>
+              <a:rPr lang="en-US" b="1" i="1" dirty="0">
+                <a:solidFill>
+                  <a:srgbClr val="0070C0"/>
+                </a:solidFill>
+                <a:latin typeface="Consolas" panose="020B0609020204030204" pitchFamily="49" charset="0"/>
+                <a:cs typeface="Consolas" panose="020B0609020204030204" pitchFamily="49" charset="0"/>
+              </a:rPr>
+              <a:t>&lt;/script&gt;</a:t>
+            </a:r>
+          </a:p>
+          <a:p>
+            <a:pPr lvl="1"/>
+            <a:r>
+              <a:rPr lang="en-US" b="1" i="1" dirty="0">
+                <a:solidFill>
+                  <a:srgbClr val="0070C0"/>
+                </a:solidFill>
+                <a:latin typeface="Consolas" panose="020B0609020204030204" pitchFamily="49" charset="0"/>
+                <a:cs typeface="Consolas" panose="020B0609020204030204" pitchFamily="49" charset="0"/>
+              </a:rPr>
+              <a:t>&lt;/head&gt;	</a:t>
+            </a:r>
+          </a:p>
+          <a:p>
+            <a:pPr lvl="1"/>
+            <a:endParaRPr lang="en-US" b="1" i="1" dirty="0">
+              <a:solidFill>
+                <a:srgbClr val="0070C0"/>
+              </a:solidFill>
+              <a:latin typeface="Consolas" panose="020B0609020204030204" pitchFamily="49" charset="0"/>
+              <a:cs typeface="Consolas" panose="020B0609020204030204" pitchFamily="49" charset="0"/>
+            </a:endParaRPr>
+          </a:p>
+          <a:p>
+            <a:pPr lvl="1"/>
+            <a:r>
+              <a:rPr lang="en-US" b="1" i="1" dirty="0">
+                <a:solidFill>
+                  <a:srgbClr val="0070C0"/>
+                </a:solidFill>
+                <a:latin typeface="Consolas" panose="020B0609020204030204" pitchFamily="49" charset="0"/>
+                <a:cs typeface="Consolas" panose="020B0609020204030204" pitchFamily="49" charset="0"/>
+              </a:rPr>
+              <a:t>&lt;body&gt;</a:t>
+            </a:r>
+          </a:p>
+          <a:p>
+            <a:pPr lvl="1"/>
+            <a:r>
+              <a:rPr lang="en-US" b="1" i="1" dirty="0">
+                <a:solidFill>
+                  <a:srgbClr val="0070C0"/>
+                </a:solidFill>
+                <a:latin typeface="Consolas" panose="020B0609020204030204" pitchFamily="49" charset="0"/>
+                <a:cs typeface="Consolas" panose="020B0609020204030204" pitchFamily="49" charset="0"/>
+              </a:rPr>
+              <a:t>&lt;div id="gauge" class="200x160px"&gt;&lt;/div&gt;</a:t>
+            </a:r>
+          </a:p>
+          <a:p>
+            <a:pPr lvl="1"/>
+            <a:endParaRPr lang="en-US" b="1" i="1" dirty="0">
+              <a:solidFill>
+                <a:srgbClr val="0070C0"/>
+              </a:solidFill>
+              <a:latin typeface="Consolas" panose="020B0609020204030204" pitchFamily="49" charset="0"/>
+              <a:cs typeface="Consolas" panose="020B0609020204030204" pitchFamily="49" charset="0"/>
+            </a:endParaRPr>
+          </a:p>
+          <a:p>
+            <a:pPr lvl="1"/>
+            <a:r>
+              <a:rPr lang="en-US" b="1" i="1" dirty="0">
+                <a:solidFill>
+                  <a:srgbClr val="0070C0"/>
+                </a:solidFill>
+                <a:latin typeface="Consolas" panose="020B0609020204030204" pitchFamily="49" charset="0"/>
+                <a:cs typeface="Consolas" panose="020B0609020204030204" pitchFamily="49" charset="0"/>
+              </a:rPr>
+              <a:t>&lt;script&gt;</a:t>
+            </a:r>
+          </a:p>
+          <a:p>
+            <a:pPr lvl="1"/>
+            <a:r>
+              <a:rPr lang="en-US" b="1" i="1" dirty="0">
+                <a:solidFill>
+                  <a:srgbClr val="0070C0"/>
+                </a:solidFill>
+                <a:latin typeface="Consolas" panose="020B0609020204030204" pitchFamily="49" charset="0"/>
+                <a:cs typeface="Consolas" panose="020B0609020204030204" pitchFamily="49" charset="0"/>
+              </a:rPr>
+              <a:t>var g = new JustGage({</a:t>
+            </a:r>
+          </a:p>
+          <a:p>
+            <a:pPr lvl="1"/>
+            <a:r>
+              <a:rPr lang="en-US" b="1" i="1" dirty="0">
+                <a:solidFill>
+                  <a:srgbClr val="0070C0"/>
+                </a:solidFill>
+                <a:latin typeface="Consolas" panose="020B0609020204030204" pitchFamily="49" charset="0"/>
+                <a:cs typeface="Consolas" panose="020B0609020204030204" pitchFamily="49" charset="0"/>
+              </a:rPr>
+              <a:t>    id: "gauge",</a:t>
+            </a:r>
+          </a:p>
+          <a:p>
+            <a:pPr lvl="1"/>
+            <a:r>
+              <a:rPr lang="en-US" b="1" i="1" dirty="0">
+                <a:solidFill>
+                  <a:srgbClr val="0070C0"/>
+                </a:solidFill>
+                <a:latin typeface="Consolas" panose="020B0609020204030204" pitchFamily="49" charset="0"/>
+                <a:cs typeface="Consolas" panose="020B0609020204030204" pitchFamily="49" charset="0"/>
+              </a:rPr>
+              <a:t>    value: 0,</a:t>
+            </a:r>
+          </a:p>
+          <a:p>
+            <a:pPr lvl="1"/>
+            <a:r>
+              <a:rPr lang="en-US" b="1" i="1" dirty="0">
+                <a:solidFill>
+                  <a:srgbClr val="0070C0"/>
+                </a:solidFill>
+                <a:latin typeface="Consolas" panose="020B0609020204030204" pitchFamily="49" charset="0"/>
+                <a:cs typeface="Consolas" panose="020B0609020204030204" pitchFamily="49" charset="0"/>
+              </a:rPr>
+              <a:t>    min: 10,</a:t>
+            </a:r>
+          </a:p>
+          <a:p>
+            <a:pPr lvl="1"/>
+            <a:r>
+              <a:rPr lang="en-US" b="1" i="1" dirty="0">
+                <a:solidFill>
+                  <a:srgbClr val="0070C0"/>
+                </a:solidFill>
+                <a:latin typeface="Consolas" panose="020B0609020204030204" pitchFamily="49" charset="0"/>
+                <a:cs typeface="Consolas" panose="020B0609020204030204" pitchFamily="49" charset="0"/>
+              </a:rPr>
+              <a:t>    max: 60,</a:t>
+            </a:r>
+          </a:p>
+          <a:p>
+            <a:pPr lvl="1"/>
+            <a:r>
+              <a:rPr lang="en-US" b="1" i="1" dirty="0">
+                <a:solidFill>
+                  <a:srgbClr val="0070C0"/>
+                </a:solidFill>
+                <a:latin typeface="Consolas" panose="020B0609020204030204" pitchFamily="49" charset="0"/>
+                <a:cs typeface="Consolas" panose="020B0609020204030204" pitchFamily="49" charset="0"/>
+              </a:rPr>
+              <a:t>    title: "Raspberry Pi Temp 'C"</a:t>
+            </a:r>
+          </a:p>
+          <a:p>
+            <a:pPr lvl="1"/>
+            <a:r>
+              <a:rPr lang="en-US" b="1" i="1" dirty="0">
+                <a:solidFill>
+                  <a:srgbClr val="0070C0"/>
+                </a:solidFill>
+                <a:latin typeface="Consolas" panose="020B0609020204030204" pitchFamily="49" charset="0"/>
+                <a:cs typeface="Consolas" panose="020B0609020204030204" pitchFamily="49" charset="0"/>
+              </a:rPr>
+              <a:t>});</a:t>
+            </a:r>
+          </a:p>
+          <a:p>
+            <a:pPr lvl="1"/>
+            <a:r>
+              <a:rPr lang="en-US" b="1" i="1" dirty="0">
+                <a:solidFill>
+                  <a:srgbClr val="0070C0"/>
+                </a:solidFill>
+                <a:latin typeface="Consolas" panose="020B0609020204030204" pitchFamily="49" charset="0"/>
+                <a:cs typeface="Consolas" panose="020B0609020204030204" pitchFamily="49" charset="0"/>
+              </a:rPr>
+              <a:t>getReading();</a:t>
+            </a:r>
+          </a:p>
+          <a:p>
+            <a:pPr lvl="1"/>
+            <a:r>
+              <a:rPr lang="en-US" b="1" i="1" dirty="0">
+                <a:solidFill>
+                  <a:srgbClr val="0070C0"/>
+                </a:solidFill>
+                <a:latin typeface="Consolas" panose="020B0609020204030204" pitchFamily="49" charset="0"/>
+                <a:cs typeface="Consolas" panose="020B0609020204030204" pitchFamily="49" charset="0"/>
+              </a:rPr>
+              <a:t>&lt;/script&gt;</a:t>
+            </a:r>
+          </a:p>
+          <a:p>
+            <a:pPr lvl="1"/>
+            <a:endParaRPr lang="en-US" b="1" i="1" dirty="0">
+              <a:solidFill>
+                <a:srgbClr val="0070C0"/>
+              </a:solidFill>
+              <a:latin typeface="Consolas" panose="020B0609020204030204" pitchFamily="49" charset="0"/>
+              <a:cs typeface="Consolas" panose="020B0609020204030204" pitchFamily="49" charset="0"/>
+            </a:endParaRPr>
+          </a:p>
+          <a:p>
+            <a:pPr lvl="1"/>
+            <a:r>
+              <a:rPr lang="en-US" b="1" i="1" dirty="0">
+                <a:solidFill>
+                  <a:srgbClr val="0070C0"/>
+                </a:solidFill>
+                <a:latin typeface="Consolas" panose="020B0609020204030204" pitchFamily="49" charset="0"/>
+                <a:cs typeface="Consolas" panose="020B0609020204030204" pitchFamily="49" charset="0"/>
+              </a:rPr>
+              <a:t>&lt;/body&gt;</a:t>
+            </a:r>
+          </a:p>
+          <a:p>
+            <a:pPr lvl="1"/>
+            <a:r>
+              <a:rPr lang="en-US" b="1" i="1" dirty="0">
+                <a:solidFill>
+                  <a:srgbClr val="0070C0"/>
+                </a:solidFill>
+                <a:latin typeface="Consolas" panose="020B0609020204030204" pitchFamily="49" charset="0"/>
+                <a:cs typeface="Consolas" panose="020B0609020204030204" pitchFamily="49" charset="0"/>
+              </a:rPr>
+              <a:t>&lt;/html&gt;</a:t>
+            </a:r>
+            <a:endParaRPr lang="en-US" b="1" i="1" dirty="0">
+              <a:solidFill>
+                <a:srgbClr val="0070C0"/>
+              </a:solidFill>
+              <a:latin typeface="Consolas" panose="020B0609020204030204" pitchFamily="49" charset="0"/>
+              <a:cs typeface="Consolas" panose="020B0609020204030204" pitchFamily="49" charset="0"/>
+            </a:endParaRPr>
           </a:p>
         </p:txBody>
       </p:sp>
@@ -4341,91 +5057,10 @@
           </a:p>
         </p:txBody>
       </p:sp>
-      <p:sp>
-        <p:nvSpPr>
-          <p:cNvPr id="7" name="TextBox 6"/>
-          <p:cNvSpPr txBox="1"/>
-          <p:nvPr/>
-        </p:nvSpPr>
-        <p:spPr>
-          <a:xfrm>
-            <a:off x="417443" y="745199"/>
-            <a:ext cx="11357113" cy="3170099"/>
-          </a:xfrm>
-          <a:prstGeom prst="rect">
-            <a:avLst/>
-          </a:prstGeom>
-          <a:noFill/>
-        </p:spPr>
-        <p:txBody>
-          <a:bodyPr wrap="square" rtlCol="0">
-            <a:spAutoFit/>
-          </a:bodyPr>
-          <a:lstStyle/>
-          <a:p>
-            <a:pPr lvl="1"/>
-            <a:r>
-              <a:rPr lang="en-US" sz="2000" dirty="0"/>
-              <a:t>Enter the text </a:t>
-            </a:r>
-            <a:r>
-              <a:rPr lang="en-US" sz="2000" b="1" dirty="0" err="1">
-                <a:effectLst>
-                  <a:outerShdw blurRad="38100" dist="38100" dir="2700000" algn="tl">
-                    <a:srgbClr val="000000">
-                      <a:alpha val="43137"/>
-                    </a:srgbClr>
-                  </a:outerShdw>
-                </a:effectLst>
-              </a:rPr>
-              <a:t>cpu_too_hot</a:t>
-            </a:r>
-            <a:r>
-              <a:rPr lang="en-US" sz="2000" dirty="0"/>
-              <a:t> into the Event Name field and click Create Trigger. </a:t>
-            </a:r>
-            <a:endParaRPr lang="fa-IR" sz="2000" dirty="0"/>
-          </a:p>
-          <a:p>
-            <a:pPr lvl="1"/>
-            <a:endParaRPr lang="fa-IR" sz="2000" dirty="0"/>
-          </a:p>
-          <a:p>
-            <a:pPr lvl="1"/>
-            <a:endParaRPr lang="fa-IR" sz="2000" dirty="0"/>
-          </a:p>
-          <a:p>
-            <a:pPr lvl="1"/>
-            <a:r>
-              <a:rPr lang="en-US" sz="2000" dirty="0"/>
-              <a:t>This will now move you to the </a:t>
-            </a:r>
-            <a:r>
-              <a:rPr lang="en-US" sz="2000" b="1" dirty="0"/>
-              <a:t>THAT </a:t>
-            </a:r>
-            <a:r>
-              <a:rPr lang="en-US" sz="2000" dirty="0"/>
-              <a:t>portion of the recipe, the action , and you will need to select an action channel. Here there are many options, but for this example you will use the Email channel, so type Email into the search field and then select the Email channel. You will see several email-related channels, including Gmail. Use the email channel, even if you are sending from a Gmail account. </a:t>
-            </a:r>
-          </a:p>
-          <a:p>
-            <a:pPr lvl="1"/>
-            <a:endParaRPr lang="en-US" sz="2000" dirty="0"/>
-          </a:p>
-          <a:p>
-            <a:pPr lvl="1"/>
-            <a:r>
-              <a:rPr lang="en-US" sz="2000" dirty="0"/>
-              <a:t>Having selected the Email channel, select the action Send Me an Email, and the form shown in following figure will be displayed</a:t>
-            </a:r>
-          </a:p>
-        </p:txBody>
-      </p:sp>
     </p:spTree>
     <p:extLst>
       <p:ext uri="{BB962C8B-B14F-4D97-AF65-F5344CB8AC3E}">
-        <p14:creationId xmlns:p14="http://schemas.microsoft.com/office/powerpoint/2010/main" val="1345741784"/>
+        <p14:creationId xmlns:p14="http://schemas.microsoft.com/office/powerpoint/2010/main" val="4170520511"/>
       </p:ext>
     </p:extLst>
   </p:cSld>
@@ -4588,9 +5223,10 @@
           </a:lstStyle>
           <a:p>
             <a:r>
-              <a:rPr lang="en-US" dirty="0"/>
-              <a:t>Sending Email and Other Notifications with IFTTT </a:t>
-            </a:r>
+              <a:rPr lang="en-US" dirty="0" smtClean="0"/>
+              <a:t>freeboard.io</a:t>
+            </a:r>
+            <a:endParaRPr lang="en-US" dirty="0"/>
           </a:p>
         </p:txBody>
       </p:sp>
@@ -4641,16 +5277,15 @@
           </p:cNvPicPr>
           <p:nvPr/>
         </p:nvPicPr>
-        <p:blipFill>
+        <p:blipFill rotWithShape="1">
           <a:blip r:embed="rId2"/>
-          <a:stretch>
-            <a:fillRect/>
-          </a:stretch>
+          <a:srcRect t="10486" b="5303"/>
+          <a:stretch/>
         </p:blipFill>
         <p:spPr>
           <a:xfrm>
-            <a:off x="823951" y="857743"/>
-            <a:ext cx="10378061" cy="5834810"/>
+            <a:off x="0" y="721217"/>
+            <a:ext cx="12192000" cy="6136782"/>
           </a:xfrm>
           <a:prstGeom prst="rect">
             <a:avLst/>
@@ -4660,7 +5295,7 @@
     </p:spTree>
     <p:extLst>
       <p:ext uri="{BB962C8B-B14F-4D97-AF65-F5344CB8AC3E}">
-        <p14:creationId xmlns:p14="http://schemas.microsoft.com/office/powerpoint/2010/main" val="4019075106"/>
+        <p14:creationId xmlns:p14="http://schemas.microsoft.com/office/powerpoint/2010/main" val="3117771657"/>
       </p:ext>
     </p:extLst>
   </p:cSld>
@@ -4824,7 +5459,7 @@
           <a:p>
             <a:r>
               <a:rPr lang="en-US" dirty="0"/>
-              <a:t>Tor </a:t>
+              <a:t>Sending Email and Other Notifications with IFTTT </a:t>
             </a:r>
           </a:p>
         </p:txBody>
@@ -4868,51 +5503,135 @@
           </a:p>
         </p:txBody>
       </p:sp>
-      <p:pic>
-        <p:nvPicPr>
-          <p:cNvPr id="1026" name="Picture 2" descr="https://upload.wikimedia.org/wikipedia/commons/thumb/1/15/Tor-logo-2011-flat.svg/1200px-Tor-logo-2011-flat.svg.png"/>
-          <p:cNvPicPr>
-            <a:picLocks noChangeAspect="1" noChangeArrowheads="1"/>
-          </p:cNvPicPr>
+      <p:sp>
+        <p:nvSpPr>
+          <p:cNvPr id="7" name="TextBox 6"/>
+          <p:cNvSpPr txBox="1"/>
           <p:nvPr/>
-        </p:nvPicPr>
-        <p:blipFill>
-          <a:blip r:embed="rId2">
-            <a:extLst>
-              <a:ext uri="{28A0092B-C50C-407E-A947-70E740481C1C}">
-                <a14:useLocalDpi xmlns:a14="http://schemas.microsoft.com/office/drawing/2010/main" val="0"/>
-              </a:ext>
-            </a:extLst>
-          </a:blip>
-          <a:srcRect/>
-          <a:stretch>
-            <a:fillRect/>
-          </a:stretch>
-        </p:blipFill>
-        <p:spPr bwMode="auto">
+        </p:nvSpPr>
+        <p:spPr>
           <a:xfrm>
-            <a:off x="1483377" y="857743"/>
-            <a:ext cx="9225244" cy="5573854"/>
+            <a:off x="417443" y="745199"/>
+            <a:ext cx="11357113" cy="5324535"/>
           </a:xfrm>
           <a:prstGeom prst="rect">
             <a:avLst/>
           </a:prstGeom>
           <a:noFill/>
-          <a:extLst>
-            <a:ext uri="{909E8E84-426E-40DD-AFC4-6F175D3DCCD1}">
-              <a14:hiddenFill xmlns:a14="http://schemas.microsoft.com/office/drawing/2010/main">
-                <a:solidFill>
-                  <a:srgbClr val="FFFFFF"/>
-                </a:solidFill>
-              </a14:hiddenFill>
-            </a:ext>
-          </a:extLst>
         </p:spPr>
-      </p:pic>
+        <p:txBody>
+          <a:bodyPr wrap="square" rtlCol="0">
+            <a:spAutoFit/>
+          </a:bodyPr>
+          <a:lstStyle/>
+          <a:p>
+            <a:pPr lvl="1"/>
+            <a:r>
+              <a:rPr lang="en-US" sz="2000" dirty="0"/>
+              <a:t>You want a flexible way for your </a:t>
+            </a:r>
+            <a:r>
+              <a:rPr lang="en-US" sz="2000" dirty="0" err="1"/>
+              <a:t>Raspberrry</a:t>
+            </a:r>
+            <a:r>
+              <a:rPr lang="en-US" sz="2000" dirty="0"/>
+              <a:t> Pi to send notifications by email, Facebook status, Twitter, or Slack. </a:t>
+            </a:r>
+            <a:endParaRPr lang="fa-IR" sz="2000" dirty="0"/>
+          </a:p>
+          <a:p>
+            <a:pPr lvl="1"/>
+            <a:endParaRPr lang="fa-IR" sz="2000" dirty="0"/>
+          </a:p>
+          <a:p>
+            <a:pPr lvl="1"/>
+            <a:r>
+              <a:rPr lang="en-US" sz="2000" dirty="0"/>
+              <a:t>This recipe is illustrated with an example that sends you an email when the CPU temperature of your Raspberry Pi exceeds a threshold. </a:t>
+            </a:r>
+          </a:p>
+          <a:p>
+            <a:pPr lvl="1"/>
+            <a:endParaRPr lang="en-US" sz="2000" dirty="0"/>
+          </a:p>
+          <a:p>
+            <a:pPr lvl="1"/>
+            <a:r>
+              <a:rPr lang="en-US" sz="2000" dirty="0"/>
+              <a:t>You need to create an account with IFTTT before you can start using it, so visit </a:t>
+            </a:r>
+            <a:r>
+              <a:rPr lang="en-US" b="1" i="1" dirty="0">
+                <a:solidFill>
+                  <a:srgbClr val="0070C0"/>
+                </a:solidFill>
+                <a:latin typeface="Consolas" panose="020B0609020204030204" pitchFamily="49" charset="0"/>
+                <a:cs typeface="Consolas" panose="020B0609020204030204" pitchFamily="49" charset="0"/>
+              </a:rPr>
+              <a:t>www.ifttt.com</a:t>
+            </a:r>
+            <a:r>
+              <a:rPr lang="en-US" sz="2000" dirty="0"/>
+              <a:t> and sign up.</a:t>
+            </a:r>
+          </a:p>
+          <a:p>
+            <a:pPr lvl="1"/>
+            <a:endParaRPr lang="en-US" sz="2000" dirty="0"/>
+          </a:p>
+          <a:p>
+            <a:pPr lvl="1"/>
+            <a:r>
+              <a:rPr lang="en-US" sz="2000" dirty="0"/>
+              <a:t> Click on the Create a Recipe button. This will prompt you to first enter the </a:t>
+            </a:r>
+            <a:r>
+              <a:rPr lang="en-US" sz="2000" b="1" dirty="0">
+                <a:solidFill>
+                  <a:srgbClr val="FF0000"/>
+                </a:solidFill>
+              </a:rPr>
+              <a:t>IF</a:t>
+            </a:r>
+            <a:r>
+              <a:rPr lang="en-US" sz="2000" dirty="0"/>
+              <a:t> part of the recipe and later the </a:t>
+            </a:r>
+            <a:r>
+              <a:rPr lang="en-US" sz="2000" b="1" dirty="0">
+                <a:solidFill>
+                  <a:srgbClr val="FF0000"/>
+                </a:solidFill>
+              </a:rPr>
+              <a:t>THAT</a:t>
+            </a:r>
+            <a:r>
+              <a:rPr lang="en-US" sz="2000" dirty="0"/>
+              <a:t> part. </a:t>
+            </a:r>
+          </a:p>
+          <a:p>
+            <a:pPr lvl="1"/>
+            <a:endParaRPr lang="en-US" sz="2000" dirty="0"/>
+          </a:p>
+          <a:p>
+            <a:pPr lvl="1"/>
+            <a:r>
+              <a:rPr lang="en-US" sz="2000" dirty="0"/>
+              <a:t>In this case, the IF THIS part (the trigger) is going to be the receipt of a web request from your Raspberry Pi, so click on THIS and then enter Maker into the search field to find the Maker channel. Select the Maker channel and when prompted to Choose a Trigger, select the option (Receive a Web Request). This will open the form shown in following figure.</a:t>
+            </a:r>
+          </a:p>
+          <a:p>
+            <a:pPr lvl="1"/>
+            <a:endParaRPr lang="en-US" sz="2000" dirty="0"/>
+          </a:p>
+        </p:txBody>
+      </p:sp>
     </p:spTree>
     <p:extLst>
       <p:ext uri="{BB962C8B-B14F-4D97-AF65-F5344CB8AC3E}">
-        <p14:creationId xmlns:p14="http://schemas.microsoft.com/office/powerpoint/2010/main" val="1048630372"/>
+        <p14:creationId xmlns:p14="http://schemas.microsoft.com/office/powerpoint/2010/main" val="4144068161"/>
       </p:ext>
     </p:extLst>
   </p:cSld>
@@ -5076,7 +5795,7 @@
           <a:p>
             <a:r>
               <a:rPr lang="en-US" dirty="0"/>
-              <a:t>Tor</a:t>
+              <a:t>Sending Email and Other Notifications with IFTTT </a:t>
             </a:r>
           </a:p>
         </p:txBody>
@@ -5120,183 +5839,34 @@
           </a:p>
         </p:txBody>
       </p:sp>
-      <p:sp>
-        <p:nvSpPr>
-          <p:cNvPr id="6" name="TextBox 5"/>
-          <p:cNvSpPr txBox="1"/>
+      <p:pic>
+        <p:nvPicPr>
+          <p:cNvPr id="6" name="Picture 5"/>
+          <p:cNvPicPr>
+            <a:picLocks noChangeAspect="1"/>
+          </p:cNvPicPr>
           <p:nvPr/>
-        </p:nvSpPr>
+        </p:nvPicPr>
+        <p:blipFill>
+          <a:blip r:embed="rId2"/>
+          <a:stretch>
+            <a:fillRect/>
+          </a:stretch>
+        </p:blipFill>
         <p:spPr>
           <a:xfrm>
-            <a:off x="63500" y="977211"/>
-            <a:ext cx="11357113" cy="4493538"/>
+            <a:off x="928048" y="857743"/>
+            <a:ext cx="10495128" cy="5900628"/>
           </a:xfrm>
           <a:prstGeom prst="rect">
             <a:avLst/>
           </a:prstGeom>
-          <a:noFill/>
         </p:spPr>
-        <p:txBody>
-          <a:bodyPr wrap="square" rtlCol="0">
-            <a:spAutoFit/>
-          </a:bodyPr>
-          <a:lstStyle/>
-          <a:p>
-            <a:pPr lvl="1"/>
-            <a:r>
-              <a:rPr lang="en-US" b="1" dirty="0"/>
-              <a:t>Tor</a:t>
-            </a:r>
-            <a:r>
-              <a:rPr lang="en-US" dirty="0"/>
-              <a:t> is </a:t>
-            </a:r>
-            <a:r>
-              <a:rPr lang="en-US" dirty="0">
-                <a:hlinkClick r:id="rId2" tooltip="Free software"/>
-              </a:rPr>
-              <a:t>free software</a:t>
-            </a:r>
-            <a:r>
-              <a:rPr lang="en-US" dirty="0"/>
-              <a:t> for enabling </a:t>
-            </a:r>
-            <a:r>
-              <a:rPr lang="en-US" dirty="0">
-                <a:hlinkClick r:id="rId3" tooltip="Internet anonymity"/>
-              </a:rPr>
-              <a:t>anonymous communication</a:t>
-            </a:r>
-            <a:r>
-              <a:rPr lang="en-US" dirty="0"/>
-              <a:t>. The name is derived from an acronym for the original software project name "The Onion Router".</a:t>
-            </a:r>
-            <a:r>
-              <a:rPr lang="en-US" baseline="30000" dirty="0"/>
-              <a:t> </a:t>
-            </a:r>
-            <a:r>
-              <a:rPr lang="en-US" dirty="0"/>
-              <a:t> Tor directs Internet traffic through a free, worldwide, volunteer network consisting of more than seven thousand relays to conceal a user's location and usage from anyone conducting </a:t>
-            </a:r>
-            <a:r>
-              <a:rPr lang="en-US" dirty="0">
-                <a:hlinkClick r:id="rId4" tooltip="Computer surveillance"/>
-              </a:rPr>
-              <a:t>network surveillance</a:t>
-            </a:r>
-            <a:r>
-              <a:rPr lang="en-US" dirty="0"/>
-              <a:t> or </a:t>
-            </a:r>
-            <a:r>
-              <a:rPr lang="en-US" dirty="0">
-                <a:hlinkClick r:id="rId5" tooltip="Traffic analysis"/>
-              </a:rPr>
-              <a:t>traffic analysis</a:t>
-            </a:r>
-            <a:r>
-              <a:rPr lang="en-US" dirty="0"/>
-              <a:t>. Using Tor makes it more difficult for Internet activity to be traced back to the user: this includes "visits to Web sites, online posts, instant messages, and other communication forms". Tor's use is intended to protect the personal privacy of users, as well as their freedom and ability to conduct confidential communication by keeping their Internet activities from being monitored.</a:t>
-            </a:r>
-          </a:p>
-          <a:p>
-            <a:pPr lvl="1"/>
-            <a:endParaRPr lang="en-US" sz="2000" dirty="0"/>
-          </a:p>
-          <a:p>
-            <a:pPr lvl="1"/>
-            <a:r>
-              <a:rPr lang="en-US" sz="2000" dirty="0"/>
-              <a:t>Install tor:</a:t>
-            </a:r>
-          </a:p>
-          <a:p>
-            <a:pPr lvl="1"/>
-            <a:endParaRPr lang="fa-IR" sz="2000" dirty="0"/>
-          </a:p>
-          <a:p>
-            <a:pPr lvl="1"/>
-            <a:r>
-              <a:rPr lang="en-US" sz="2000" b="1" i="1" dirty="0" err="1">
-                <a:solidFill>
-                  <a:srgbClr val="0070C0"/>
-                </a:solidFill>
-                <a:latin typeface="Consolas" panose="020B0609020204030204" pitchFamily="49" charset="0"/>
-                <a:cs typeface="Consolas" panose="020B0609020204030204" pitchFamily="49" charset="0"/>
-              </a:rPr>
-              <a:t>sudo</a:t>
-            </a:r>
-            <a:r>
-              <a:rPr lang="en-US" sz="2000" b="1" i="1" dirty="0">
-                <a:solidFill>
-                  <a:srgbClr val="0070C0"/>
-                </a:solidFill>
-                <a:latin typeface="Consolas" panose="020B0609020204030204" pitchFamily="49" charset="0"/>
-                <a:cs typeface="Consolas" panose="020B0609020204030204" pitchFamily="49" charset="0"/>
-              </a:rPr>
-              <a:t> apt-get install update</a:t>
-            </a:r>
-          </a:p>
-          <a:p>
-            <a:pPr lvl="1"/>
-            <a:endParaRPr lang="en-US" sz="2000" b="1" i="1" dirty="0">
-              <a:solidFill>
-                <a:srgbClr val="0070C0"/>
-              </a:solidFill>
-              <a:latin typeface="Consolas" panose="020B0609020204030204" pitchFamily="49" charset="0"/>
-              <a:cs typeface="Consolas" panose="020B0609020204030204" pitchFamily="49" charset="0"/>
-            </a:endParaRPr>
-          </a:p>
-          <a:p>
-            <a:pPr lvl="1"/>
-            <a:r>
-              <a:rPr lang="en-US" sz="2000" b="1" i="1" dirty="0" err="1">
-                <a:solidFill>
-                  <a:srgbClr val="0070C0"/>
-                </a:solidFill>
-                <a:latin typeface="Consolas" panose="020B0609020204030204" pitchFamily="49" charset="0"/>
-                <a:cs typeface="Consolas" panose="020B0609020204030204" pitchFamily="49" charset="0"/>
-              </a:rPr>
-              <a:t>sudo</a:t>
-            </a:r>
-            <a:r>
-              <a:rPr lang="en-US" sz="2000" b="1" i="1" dirty="0">
-                <a:solidFill>
-                  <a:srgbClr val="0070C0"/>
-                </a:solidFill>
-                <a:latin typeface="Consolas" panose="020B0609020204030204" pitchFamily="49" charset="0"/>
-                <a:cs typeface="Consolas" panose="020B0609020204030204" pitchFamily="49" charset="0"/>
-              </a:rPr>
-              <a:t> apt-get install tor</a:t>
-            </a:r>
-          </a:p>
-          <a:p>
-            <a:pPr lvl="1"/>
-            <a:endParaRPr lang="en-US" sz="2000" b="1" i="1" dirty="0">
-              <a:solidFill>
-                <a:srgbClr val="0070C0"/>
-              </a:solidFill>
-              <a:latin typeface="Consolas" panose="020B0609020204030204" pitchFamily="49" charset="0"/>
-              <a:cs typeface="Consolas" panose="020B0609020204030204" pitchFamily="49" charset="0"/>
-            </a:endParaRPr>
-          </a:p>
-          <a:p>
-            <a:pPr lvl="1"/>
-            <a:endParaRPr lang="en-US" sz="2000" b="1" i="1" dirty="0">
-              <a:solidFill>
-                <a:srgbClr val="0070C0"/>
-              </a:solidFill>
-              <a:latin typeface="Consolas" panose="020B0609020204030204" pitchFamily="49" charset="0"/>
-              <a:cs typeface="Consolas" panose="020B0609020204030204" pitchFamily="49" charset="0"/>
-            </a:endParaRPr>
-          </a:p>
-        </p:txBody>
-      </p:sp>
+      </p:pic>
     </p:spTree>
     <p:extLst>
       <p:ext uri="{BB962C8B-B14F-4D97-AF65-F5344CB8AC3E}">
-        <p14:creationId xmlns:p14="http://schemas.microsoft.com/office/powerpoint/2010/main" val="3539928351"/>
+        <p14:creationId xmlns:p14="http://schemas.microsoft.com/office/powerpoint/2010/main" val="17046276"/>
       </p:ext>
     </p:extLst>
   </p:cSld>
@@ -5459,10 +6029,9 @@
           </a:lstStyle>
           <a:p>
             <a:r>
-              <a:rPr lang="en-US" dirty="0" err="1"/>
-              <a:t>PySocks</a:t>
-            </a:r>
-            <a:endParaRPr lang="en-US" dirty="0"/>
+              <a:rPr lang="en-US" dirty="0"/>
+              <a:t>Sending Email and Other Notifications with IFTTT </a:t>
+            </a:r>
           </a:p>
         </p:txBody>
       </p:sp>
@@ -5507,86 +6076,14 @@
       </p:sp>
       <p:sp>
         <p:nvSpPr>
-          <p:cNvPr id="2" name="Rectangle 1"/>
-          <p:cNvSpPr/>
-          <p:nvPr/>
-        </p:nvSpPr>
-        <p:spPr>
-          <a:xfrm>
-            <a:off x="0" y="2907250"/>
-            <a:ext cx="4031873" cy="400110"/>
-          </a:xfrm>
-          <a:prstGeom prst="rect">
-            <a:avLst/>
-          </a:prstGeom>
-        </p:spPr>
-        <p:txBody>
-          <a:bodyPr wrap="none">
-            <a:spAutoFit/>
-          </a:bodyPr>
-          <a:lstStyle/>
-          <a:p>
-            <a:pPr lvl="1"/>
-            <a:r>
-              <a:rPr lang="en-US" sz="2000" b="1" i="1" dirty="0" err="1">
-                <a:solidFill>
-                  <a:srgbClr val="0070C0"/>
-                </a:solidFill>
-                <a:latin typeface="Consolas" panose="020B0609020204030204" pitchFamily="49" charset="0"/>
-                <a:cs typeface="Consolas" panose="020B0609020204030204" pitchFamily="49" charset="0"/>
-              </a:rPr>
-              <a:t>sudo</a:t>
-            </a:r>
-            <a:r>
-              <a:rPr lang="en-US" sz="2000" b="1" i="1">
-                <a:solidFill>
-                  <a:srgbClr val="0070C0"/>
-                </a:solidFill>
-                <a:latin typeface="Consolas" panose="020B0609020204030204" pitchFamily="49" charset="0"/>
-                <a:cs typeface="Consolas" panose="020B0609020204030204" pitchFamily="49" charset="0"/>
-              </a:rPr>
-              <a:t> pip </a:t>
-            </a:r>
-            <a:r>
-              <a:rPr lang="en-US" sz="2000" b="1" i="1" dirty="0">
-                <a:solidFill>
-                  <a:srgbClr val="0070C0"/>
-                </a:solidFill>
-                <a:latin typeface="Consolas" panose="020B0609020204030204" pitchFamily="49" charset="0"/>
-                <a:cs typeface="Consolas" panose="020B0609020204030204" pitchFamily="49" charset="0"/>
-              </a:rPr>
-              <a:t>install </a:t>
-            </a:r>
-            <a:r>
-              <a:rPr lang="en-US" sz="2000" b="1" i="1" dirty="0" err="1">
-                <a:solidFill>
-                  <a:srgbClr val="0070C0"/>
-                </a:solidFill>
-                <a:latin typeface="Consolas" panose="020B0609020204030204" pitchFamily="49" charset="0"/>
-                <a:cs typeface="Consolas" panose="020B0609020204030204" pitchFamily="49" charset="0"/>
-              </a:rPr>
-              <a:t>PySocks</a:t>
-            </a:r>
-            <a:endParaRPr lang="en-US" sz="2000" b="1" i="1" dirty="0">
-              <a:solidFill>
-                <a:srgbClr val="0070C0"/>
-              </a:solidFill>
-              <a:latin typeface="Consolas" panose="020B0609020204030204" pitchFamily="49" charset="0"/>
-              <a:cs typeface="Consolas" panose="020B0609020204030204" pitchFamily="49" charset="0"/>
-            </a:endParaRPr>
-          </a:p>
-        </p:txBody>
-      </p:sp>
-      <p:sp>
-        <p:nvSpPr>
-          <p:cNvPr id="6" name="TextBox 5"/>
+          <p:cNvPr id="7" name="TextBox 6"/>
           <p:cNvSpPr txBox="1"/>
           <p:nvPr/>
         </p:nvSpPr>
         <p:spPr>
           <a:xfrm>
-            <a:off x="254568" y="798981"/>
-            <a:ext cx="11357113" cy="2308324"/>
+            <a:off x="417443" y="745199"/>
+            <a:ext cx="11357113" cy="3170099"/>
           </a:xfrm>
           <a:prstGeom prst="rect">
             <a:avLst/>
@@ -5599,83 +6096,69 @@
           </a:bodyPr>
           <a:lstStyle/>
           <a:p>
-            <a:pPr marL="285750" indent="-285750">
-              <a:buFont typeface="Arial" panose="020B0604020202020204" pitchFamily="34" charset="0"/>
-              <a:buChar char="•"/>
-            </a:pPr>
-            <a:r>
-              <a:rPr lang="en-US" b="1" dirty="0"/>
-              <a:t>SOCKS proxy client for Python 2.6 - 3.x</a:t>
-            </a:r>
-          </a:p>
-          <a:p>
-            <a:pPr marL="285750" indent="-285750">
-              <a:buFont typeface="Arial" panose="020B0604020202020204" pitchFamily="34" charset="0"/>
-              <a:buChar char="•"/>
-            </a:pPr>
-            <a:r>
-              <a:rPr lang="en-US" b="1" dirty="0"/>
-              <a:t>TCP and UDP both supported</a:t>
-            </a:r>
-          </a:p>
-          <a:p>
-            <a:pPr marL="285750" indent="-285750">
-              <a:buFont typeface="Arial" panose="020B0604020202020204" pitchFamily="34" charset="0"/>
-              <a:buChar char="•"/>
-            </a:pPr>
-            <a:r>
-              <a:rPr lang="en-US" b="1" dirty="0"/>
-              <a:t>HTTP proxy client included but not supported or recommended (you should use urllib2's or requests' own HTTP proxy interface)</a:t>
-            </a:r>
-          </a:p>
-          <a:p>
-            <a:pPr marL="285750" indent="-285750">
-              <a:buFont typeface="Arial" panose="020B0604020202020204" pitchFamily="34" charset="0"/>
-              <a:buChar char="•"/>
-            </a:pPr>
-            <a:r>
-              <a:rPr lang="en-US" b="1" dirty="0"/>
-              <a:t>urllib2 handler included</a:t>
-            </a:r>
-          </a:p>
-          <a:p>
-            <a:pPr marL="285750" indent="-285750">
-              <a:buFont typeface="Arial" panose="020B0604020202020204" pitchFamily="34" charset="0"/>
-              <a:buChar char="•"/>
-            </a:pPr>
-            <a:endParaRPr lang="en-US" b="1" dirty="0"/>
-          </a:p>
-          <a:p>
-            <a:pPr marL="285750" indent="-285750">
-              <a:buFont typeface="Arial" panose="020B0604020202020204" pitchFamily="34" charset="0"/>
-              <a:buChar char="•"/>
-            </a:pPr>
-            <a:r>
-              <a:rPr lang="en-US" b="1" dirty="0"/>
-              <a:t>Install </a:t>
-            </a:r>
-            <a:r>
-              <a:rPr lang="en-US" b="1" dirty="0" err="1"/>
-              <a:t>PySocks</a:t>
-            </a:r>
-            <a:r>
-              <a:rPr lang="en-US" b="1" dirty="0"/>
-              <a:t>:</a:t>
-            </a:r>
-          </a:p>
-          <a:p>
-            <a:pPr marL="285750" indent="-285750">
-              <a:buFont typeface="Arial" panose="020B0604020202020204" pitchFamily="34" charset="0"/>
-              <a:buChar char="•"/>
-            </a:pPr>
-            <a:endParaRPr lang="en-US" b="1" dirty="0"/>
+            <a:pPr lvl="1"/>
+            <a:r>
+              <a:rPr lang="en-US" sz="2000" dirty="0"/>
+              <a:t>Enter the text </a:t>
+            </a:r>
+            <a:r>
+              <a:rPr lang="en-US" sz="2000" b="1" dirty="0" err="1">
+                <a:effectLst>
+                  <a:outerShdw blurRad="38100" dist="38100" dir="2700000" algn="tl">
+                    <a:srgbClr val="000000">
+                      <a:alpha val="43137"/>
+                    </a:srgbClr>
+                  </a:outerShdw>
+                </a:effectLst>
+              </a:rPr>
+              <a:t>cpu_too_hot</a:t>
+            </a:r>
+            <a:r>
+              <a:rPr lang="en-US" sz="2000" dirty="0"/>
+              <a:t> into the Event Name field and click Create Trigger. </a:t>
+            </a:r>
+            <a:endParaRPr lang="fa-IR" sz="2000" dirty="0"/>
+          </a:p>
+          <a:p>
+            <a:pPr lvl="1"/>
+            <a:endParaRPr lang="fa-IR" sz="2000" dirty="0"/>
+          </a:p>
+          <a:p>
+            <a:pPr lvl="1"/>
+            <a:endParaRPr lang="fa-IR" sz="2000" dirty="0"/>
+          </a:p>
+          <a:p>
+            <a:pPr lvl="1"/>
+            <a:r>
+              <a:rPr lang="en-US" sz="2000" dirty="0"/>
+              <a:t>This will now move you to the </a:t>
+            </a:r>
+            <a:r>
+              <a:rPr lang="en-US" sz="2000" b="1" dirty="0"/>
+              <a:t>THAT </a:t>
+            </a:r>
+            <a:r>
+              <a:rPr lang="en-US" sz="2000" dirty="0"/>
+              <a:t>portion of the recipe, the action , and you will need to select an action channel. Here there are many options, but for this example you will use the Email channel, so type Email into the search field and then select the Email channel. You will see several email-related channels, including Gmail. Use the email channel, even if you are sending from a Gmail account. </a:t>
+            </a:r>
+          </a:p>
+          <a:p>
+            <a:pPr lvl="1"/>
+            <a:endParaRPr lang="en-US" sz="2000" dirty="0"/>
+          </a:p>
+          <a:p>
+            <a:pPr lvl="1"/>
+            <a:r>
+              <a:rPr lang="en-US" sz="2000" dirty="0"/>
+              <a:t>Having selected the Email channel, select the action Send Me an Email, and the form shown in following figure will be displayed</a:t>
+            </a:r>
           </a:p>
         </p:txBody>
       </p:sp>
     </p:spTree>
     <p:extLst>
       <p:ext uri="{BB962C8B-B14F-4D97-AF65-F5344CB8AC3E}">
-        <p14:creationId xmlns:p14="http://schemas.microsoft.com/office/powerpoint/2010/main" val="2678454530"/>
+        <p14:creationId xmlns:p14="http://schemas.microsoft.com/office/powerpoint/2010/main" val="1345741784"/>
       </p:ext>
     </p:extLst>
   </p:cSld>
@@ -5839,7 +6322,7 @@
           <a:p>
             <a:r>
               <a:rPr lang="en-US" dirty="0"/>
-              <a:t>EmailIfttt.py Project</a:t>
+              <a:t>Sending Email and Other Notifications with IFTTT </a:t>
             </a:r>
           </a:p>
         </p:txBody>
@@ -5883,696 +6366,34 @@
           </a:p>
         </p:txBody>
       </p:sp>
-      <p:sp>
-        <p:nvSpPr>
-          <p:cNvPr id="7" name="TextBox 6"/>
-          <p:cNvSpPr txBox="1"/>
+      <p:pic>
+        <p:nvPicPr>
+          <p:cNvPr id="3" name="Picture 2"/>
+          <p:cNvPicPr>
+            <a:picLocks noChangeAspect="1"/>
+          </p:cNvPicPr>
           <p:nvPr/>
-        </p:nvSpPr>
+        </p:nvPicPr>
+        <p:blipFill>
+          <a:blip r:embed="rId2"/>
+          <a:stretch>
+            <a:fillRect/>
+          </a:stretch>
+        </p:blipFill>
         <p:spPr>
           <a:xfrm>
-            <a:off x="-1" y="745199"/>
-            <a:ext cx="12192001" cy="6247864"/>
+            <a:off x="823951" y="857743"/>
+            <a:ext cx="10378061" cy="5834810"/>
           </a:xfrm>
           <a:prstGeom prst="rect">
             <a:avLst/>
           </a:prstGeom>
-          <a:noFill/>
         </p:spPr>
-        <p:txBody>
-          <a:bodyPr wrap="square" rtlCol="0">
-            <a:spAutoFit/>
-          </a:bodyPr>
-          <a:lstStyle/>
-          <a:p>
-            <a:pPr lvl="1"/>
-            <a:r>
-              <a:rPr lang="en-US" sz="2000" dirty="0"/>
-              <a:t>The Python program to send the web request:</a:t>
-            </a:r>
-          </a:p>
-          <a:p>
-            <a:pPr lvl="1"/>
-            <a:endParaRPr lang="fa-IR" sz="2000" dirty="0"/>
-          </a:p>
-          <a:p>
-            <a:pPr lvl="1"/>
-            <a:r>
-              <a:rPr lang="en-US" sz="2000" b="1" i="1" dirty="0">
-                <a:solidFill>
-                  <a:srgbClr val="0070C0"/>
-                </a:solidFill>
-                <a:latin typeface="Consolas" panose="020B0609020204030204" pitchFamily="49" charset="0"/>
-                <a:cs typeface="Consolas" panose="020B0609020204030204" pitchFamily="49" charset="0"/>
-              </a:rPr>
-              <a:t>import </a:t>
-            </a:r>
-            <a:r>
-              <a:rPr lang="en-US" sz="2000" b="1" i="1" dirty="0" err="1">
-                <a:solidFill>
-                  <a:srgbClr val="0070C0"/>
-                </a:solidFill>
-                <a:latin typeface="Consolas" panose="020B0609020204030204" pitchFamily="49" charset="0"/>
-                <a:cs typeface="Consolas" panose="020B0609020204030204" pitchFamily="49" charset="0"/>
-              </a:rPr>
-              <a:t>time,os</a:t>
-            </a:r>
-            <a:endParaRPr lang="en-US" sz="2000" b="1" i="1" dirty="0">
-              <a:solidFill>
-                <a:srgbClr val="0070C0"/>
-              </a:solidFill>
-              <a:latin typeface="Consolas" panose="020B0609020204030204" pitchFamily="49" charset="0"/>
-              <a:cs typeface="Consolas" panose="020B0609020204030204" pitchFamily="49" charset="0"/>
-            </a:endParaRPr>
-          </a:p>
-          <a:p>
-            <a:pPr lvl="1"/>
-            <a:endParaRPr lang="en-US" sz="2000" b="1" i="1" dirty="0">
-              <a:solidFill>
-                <a:srgbClr val="0070C0"/>
-              </a:solidFill>
-              <a:latin typeface="Consolas" panose="020B0609020204030204" pitchFamily="49" charset="0"/>
-              <a:cs typeface="Consolas" panose="020B0609020204030204" pitchFamily="49" charset="0"/>
-            </a:endParaRPr>
-          </a:p>
-          <a:p>
-            <a:pPr lvl="1"/>
-            <a:r>
-              <a:rPr lang="en-US" sz="2000" b="1" i="1" dirty="0" err="1">
-                <a:solidFill>
-                  <a:srgbClr val="0070C0"/>
-                </a:solidFill>
-                <a:latin typeface="Consolas" panose="020B0609020204030204" pitchFamily="49" charset="0"/>
-                <a:cs typeface="Consolas" panose="020B0609020204030204" pitchFamily="49" charset="0"/>
-              </a:rPr>
-              <a:t>MaxTemp</a:t>
-            </a:r>
-            <a:r>
-              <a:rPr lang="en-US" sz="2000" b="1" i="1" dirty="0">
-                <a:solidFill>
-                  <a:srgbClr val="0070C0"/>
-                </a:solidFill>
-                <a:latin typeface="Consolas" panose="020B0609020204030204" pitchFamily="49" charset="0"/>
-                <a:cs typeface="Consolas" panose="020B0609020204030204" pitchFamily="49" charset="0"/>
-              </a:rPr>
-              <a:t> = 37.0</a:t>
-            </a:r>
-          </a:p>
-          <a:p>
-            <a:pPr lvl="1"/>
-            <a:r>
-              <a:rPr lang="en-US" sz="2000" b="1" i="1" dirty="0" err="1">
-                <a:solidFill>
-                  <a:srgbClr val="0070C0"/>
-                </a:solidFill>
-                <a:latin typeface="Consolas" panose="020B0609020204030204" pitchFamily="49" charset="0"/>
-                <a:cs typeface="Consolas" panose="020B0609020204030204" pitchFamily="49" charset="0"/>
-              </a:rPr>
-              <a:t>EventName</a:t>
-            </a:r>
-            <a:r>
-              <a:rPr lang="en-US" sz="2000" b="1" i="1" dirty="0">
-                <a:solidFill>
-                  <a:srgbClr val="0070C0"/>
-                </a:solidFill>
-                <a:latin typeface="Consolas" panose="020B0609020204030204" pitchFamily="49" charset="0"/>
-                <a:cs typeface="Consolas" panose="020B0609020204030204" pitchFamily="49" charset="0"/>
-              </a:rPr>
-              <a:t> = '</a:t>
-            </a:r>
-            <a:r>
-              <a:rPr lang="en-US" sz="2000" b="1" i="1" dirty="0" err="1">
-                <a:solidFill>
-                  <a:srgbClr val="0070C0"/>
-                </a:solidFill>
-                <a:latin typeface="Consolas" panose="020B0609020204030204" pitchFamily="49" charset="0"/>
-                <a:cs typeface="Consolas" panose="020B0609020204030204" pitchFamily="49" charset="0"/>
-              </a:rPr>
-              <a:t>cpu_hot</a:t>
-            </a:r>
-            <a:r>
-              <a:rPr lang="en-US" sz="2000" b="1" i="1" dirty="0">
-                <a:solidFill>
-                  <a:srgbClr val="0070C0"/>
-                </a:solidFill>
-                <a:latin typeface="Consolas" panose="020B0609020204030204" pitchFamily="49" charset="0"/>
-                <a:cs typeface="Consolas" panose="020B0609020204030204" pitchFamily="49" charset="0"/>
-              </a:rPr>
-              <a:t>'</a:t>
-            </a:r>
-          </a:p>
-          <a:p>
-            <a:pPr lvl="1"/>
-            <a:r>
-              <a:rPr lang="en-US" sz="2000" b="1" i="1" dirty="0" err="1">
-                <a:solidFill>
-                  <a:srgbClr val="0070C0"/>
-                </a:solidFill>
-                <a:latin typeface="Consolas" panose="020B0609020204030204" pitchFamily="49" charset="0"/>
-                <a:cs typeface="Consolas" panose="020B0609020204030204" pitchFamily="49" charset="0"/>
-              </a:rPr>
-              <a:t>BaseUrl</a:t>
-            </a:r>
-            <a:r>
-              <a:rPr lang="en-US" sz="2000" b="1" i="1" dirty="0">
-                <a:solidFill>
-                  <a:srgbClr val="0070C0"/>
-                </a:solidFill>
-                <a:latin typeface="Consolas" panose="020B0609020204030204" pitchFamily="49" charset="0"/>
-                <a:cs typeface="Consolas" panose="020B0609020204030204" pitchFamily="49" charset="0"/>
-              </a:rPr>
-              <a:t> = 'https://maker.ifttt.com/trigger/{}/with/key/{}'</a:t>
-            </a:r>
-          </a:p>
-          <a:p>
-            <a:pPr lvl="1"/>
-            <a:r>
-              <a:rPr lang="en-US" sz="2000" b="1" i="1" dirty="0">
-                <a:solidFill>
-                  <a:srgbClr val="0070C0"/>
-                </a:solidFill>
-                <a:latin typeface="Consolas" panose="020B0609020204030204" pitchFamily="49" charset="0"/>
-                <a:cs typeface="Consolas" panose="020B0609020204030204" pitchFamily="49" charset="0"/>
-              </a:rPr>
-              <a:t>Key = 'cxotxZpzCKtUnd3m7tkIk4'</a:t>
-            </a:r>
-          </a:p>
-          <a:p>
-            <a:pPr lvl="1"/>
-            <a:endParaRPr lang="en-US" sz="2000" b="1" i="1" dirty="0">
-              <a:solidFill>
-                <a:srgbClr val="0070C0"/>
-              </a:solidFill>
-              <a:latin typeface="Consolas" panose="020B0609020204030204" pitchFamily="49" charset="0"/>
-              <a:cs typeface="Consolas" panose="020B0609020204030204" pitchFamily="49" charset="0"/>
-            </a:endParaRPr>
-          </a:p>
-          <a:p>
-            <a:pPr lvl="1"/>
-            <a:r>
-              <a:rPr lang="en-US" sz="2000" b="1" i="1" dirty="0">
-                <a:solidFill>
-                  <a:srgbClr val="0070C0"/>
-                </a:solidFill>
-                <a:latin typeface="Consolas" panose="020B0609020204030204" pitchFamily="49" charset="0"/>
-                <a:cs typeface="Consolas" panose="020B0609020204030204" pitchFamily="49" charset="0"/>
-              </a:rPr>
-              <a:t>def </a:t>
-            </a:r>
-            <a:r>
-              <a:rPr lang="en-US" sz="2000" b="1" i="1" dirty="0" err="1">
-                <a:solidFill>
-                  <a:srgbClr val="0070C0"/>
-                </a:solidFill>
-                <a:latin typeface="Consolas" panose="020B0609020204030204" pitchFamily="49" charset="0"/>
-                <a:cs typeface="Consolas" panose="020B0609020204030204" pitchFamily="49" charset="0"/>
-              </a:rPr>
-              <a:t>SendNotification</a:t>
-            </a:r>
-            <a:r>
-              <a:rPr lang="en-US" sz="2000" b="1" i="1" dirty="0">
-                <a:solidFill>
-                  <a:srgbClr val="0070C0"/>
-                </a:solidFill>
-                <a:latin typeface="Consolas" panose="020B0609020204030204" pitchFamily="49" charset="0"/>
-                <a:cs typeface="Consolas" panose="020B0609020204030204" pitchFamily="49" charset="0"/>
-              </a:rPr>
-              <a:t>(temp):</a:t>
-            </a:r>
-          </a:p>
-          <a:p>
-            <a:pPr lvl="1"/>
-            <a:r>
-              <a:rPr lang="en-US" sz="2000" b="1" i="1" dirty="0">
-                <a:solidFill>
-                  <a:srgbClr val="0070C0"/>
-                </a:solidFill>
-                <a:latin typeface="Consolas" panose="020B0609020204030204" pitchFamily="49" charset="0"/>
-                <a:cs typeface="Consolas" panose="020B0609020204030204" pitchFamily="49" charset="0"/>
-              </a:rPr>
-              <a:t>    </a:t>
-            </a:r>
-            <a:r>
-              <a:rPr lang="en-US" sz="2000" b="1" i="1" dirty="0" err="1">
-                <a:solidFill>
-                  <a:srgbClr val="0070C0"/>
-                </a:solidFill>
-                <a:latin typeface="Consolas" panose="020B0609020204030204" pitchFamily="49" charset="0"/>
-                <a:cs typeface="Consolas" panose="020B0609020204030204" pitchFamily="49" charset="0"/>
-              </a:rPr>
-              <a:t>json</a:t>
-            </a:r>
-            <a:r>
-              <a:rPr lang="en-US" sz="2000" b="1" i="1" dirty="0">
-                <a:solidFill>
-                  <a:srgbClr val="0070C0"/>
-                </a:solidFill>
-                <a:latin typeface="Consolas" panose="020B0609020204030204" pitchFamily="49" charset="0"/>
-                <a:cs typeface="Consolas" panose="020B0609020204030204" pitchFamily="49" charset="0"/>
-              </a:rPr>
-              <a:t> = "'" + '{"value1" : "' + </a:t>
-            </a:r>
-            <a:r>
-              <a:rPr lang="en-US" sz="2000" b="1" i="1" dirty="0" err="1">
-                <a:solidFill>
-                  <a:srgbClr val="0070C0"/>
-                </a:solidFill>
-                <a:latin typeface="Consolas" panose="020B0609020204030204" pitchFamily="49" charset="0"/>
-                <a:cs typeface="Consolas" panose="020B0609020204030204" pitchFamily="49" charset="0"/>
-              </a:rPr>
-              <a:t>str</a:t>
-            </a:r>
-            <a:r>
-              <a:rPr lang="en-US" sz="2000" b="1" i="1" dirty="0">
-                <a:solidFill>
-                  <a:srgbClr val="0070C0"/>
-                </a:solidFill>
-                <a:latin typeface="Consolas" panose="020B0609020204030204" pitchFamily="49" charset="0"/>
-                <a:cs typeface="Consolas" panose="020B0609020204030204" pitchFamily="49" charset="0"/>
-              </a:rPr>
-              <a:t>(temp) + '"}' + "'"</a:t>
-            </a:r>
-          </a:p>
-          <a:p>
-            <a:pPr lvl="1"/>
-            <a:r>
-              <a:rPr lang="en-US" sz="2000" b="1" i="1" dirty="0">
-                <a:solidFill>
-                  <a:srgbClr val="0070C0"/>
-                </a:solidFill>
-                <a:latin typeface="Consolas" panose="020B0609020204030204" pitchFamily="49" charset="0"/>
-                <a:cs typeface="Consolas" panose="020B0609020204030204" pitchFamily="49" charset="0"/>
-              </a:rPr>
-              <a:t>    </a:t>
-            </a:r>
-            <a:r>
-              <a:rPr lang="en-US" sz="2000" b="1" i="1" dirty="0" err="1">
-                <a:solidFill>
-                  <a:srgbClr val="0070C0"/>
-                </a:solidFill>
-                <a:latin typeface="Consolas" panose="020B0609020204030204" pitchFamily="49" charset="0"/>
-                <a:cs typeface="Consolas" panose="020B0609020204030204" pitchFamily="49" charset="0"/>
-              </a:rPr>
-              <a:t>completeUrl</a:t>
-            </a:r>
-            <a:r>
-              <a:rPr lang="en-US" sz="2000" b="1" i="1" dirty="0">
-                <a:solidFill>
-                  <a:srgbClr val="0070C0"/>
-                </a:solidFill>
-                <a:latin typeface="Consolas" panose="020B0609020204030204" pitchFamily="49" charset="0"/>
-                <a:cs typeface="Consolas" panose="020B0609020204030204" pitchFamily="49" charset="0"/>
-              </a:rPr>
-              <a:t> = </a:t>
-            </a:r>
-            <a:r>
-              <a:rPr lang="en-US" sz="2000" b="1" i="1" dirty="0" err="1">
-                <a:solidFill>
-                  <a:srgbClr val="0070C0"/>
-                </a:solidFill>
-                <a:latin typeface="Consolas" panose="020B0609020204030204" pitchFamily="49" charset="0"/>
-                <a:cs typeface="Consolas" panose="020B0609020204030204" pitchFamily="49" charset="0"/>
-              </a:rPr>
-              <a:t>BaseUrl.format</a:t>
-            </a:r>
-            <a:r>
-              <a:rPr lang="en-US" sz="2000" b="1" i="1" dirty="0">
-                <a:solidFill>
-                  <a:srgbClr val="0070C0"/>
-                </a:solidFill>
-                <a:latin typeface="Consolas" panose="020B0609020204030204" pitchFamily="49" charset="0"/>
-                <a:cs typeface="Consolas" panose="020B0609020204030204" pitchFamily="49" charset="0"/>
-              </a:rPr>
-              <a:t>(</a:t>
-            </a:r>
-            <a:r>
-              <a:rPr lang="en-US" sz="2000" b="1" i="1" dirty="0" err="1">
-                <a:solidFill>
-                  <a:srgbClr val="0070C0"/>
-                </a:solidFill>
-                <a:latin typeface="Consolas" panose="020B0609020204030204" pitchFamily="49" charset="0"/>
-                <a:cs typeface="Consolas" panose="020B0609020204030204" pitchFamily="49" charset="0"/>
-              </a:rPr>
-              <a:t>EventName</a:t>
-            </a:r>
-            <a:r>
-              <a:rPr lang="en-US" sz="2000" b="1" i="1" dirty="0">
-                <a:solidFill>
-                  <a:srgbClr val="0070C0"/>
-                </a:solidFill>
-                <a:latin typeface="Consolas" panose="020B0609020204030204" pitchFamily="49" charset="0"/>
-                <a:cs typeface="Consolas" panose="020B0609020204030204" pitchFamily="49" charset="0"/>
-              </a:rPr>
-              <a:t>, Key)</a:t>
-            </a:r>
-          </a:p>
-          <a:p>
-            <a:pPr lvl="1"/>
-            <a:r>
-              <a:rPr lang="en-US" sz="2000" b="1" i="1" dirty="0">
-                <a:solidFill>
-                  <a:srgbClr val="0070C0"/>
-                </a:solidFill>
-                <a:latin typeface="Consolas" panose="020B0609020204030204" pitchFamily="49" charset="0"/>
-                <a:cs typeface="Consolas" panose="020B0609020204030204" pitchFamily="49" charset="0"/>
-              </a:rPr>
-              <a:t>    </a:t>
-            </a:r>
-            <a:r>
-              <a:rPr lang="en-US" sz="2000" b="1" i="1" dirty="0" err="1">
-                <a:solidFill>
-                  <a:srgbClr val="0070C0"/>
-                </a:solidFill>
-                <a:latin typeface="Consolas" panose="020B0609020204030204" pitchFamily="49" charset="0"/>
-                <a:cs typeface="Consolas" panose="020B0609020204030204" pitchFamily="49" charset="0"/>
-              </a:rPr>
-              <a:t>cmd</a:t>
-            </a:r>
-            <a:r>
-              <a:rPr lang="en-US" sz="2000" b="1" i="1" dirty="0">
-                <a:solidFill>
-                  <a:srgbClr val="0070C0"/>
-                </a:solidFill>
-                <a:latin typeface="Consolas" panose="020B0609020204030204" pitchFamily="49" charset="0"/>
-                <a:cs typeface="Consolas" panose="020B0609020204030204" pitchFamily="49" charset="0"/>
-              </a:rPr>
-              <a:t> = 'curl --socks5-hostname localhost:9050 -H "Content-Type: 			 </a:t>
-            </a:r>
-          </a:p>
-          <a:p>
-            <a:pPr lvl="1"/>
-            <a:r>
-              <a:rPr lang="en-US" sz="2000" b="1" i="1" dirty="0">
-                <a:solidFill>
-                  <a:srgbClr val="0070C0"/>
-                </a:solidFill>
-                <a:latin typeface="Consolas" panose="020B0609020204030204" pitchFamily="49" charset="0"/>
-                <a:cs typeface="Consolas" panose="020B0609020204030204" pitchFamily="49" charset="0"/>
-              </a:rPr>
-              <a:t>           application/</a:t>
-            </a:r>
-            <a:r>
-              <a:rPr lang="en-US" sz="2000" b="1" i="1" dirty="0" err="1">
-                <a:solidFill>
-                  <a:srgbClr val="0070C0"/>
-                </a:solidFill>
-                <a:latin typeface="Consolas" panose="020B0609020204030204" pitchFamily="49" charset="0"/>
-                <a:cs typeface="Consolas" panose="020B0609020204030204" pitchFamily="49" charset="0"/>
-              </a:rPr>
-              <a:t>json</a:t>
-            </a:r>
-            <a:r>
-              <a:rPr lang="en-US" sz="2000" b="1" i="1" dirty="0">
-                <a:solidFill>
-                  <a:srgbClr val="0070C0"/>
-                </a:solidFill>
-                <a:latin typeface="Consolas" panose="020B0609020204030204" pitchFamily="49" charset="0"/>
-                <a:cs typeface="Consolas" panose="020B0609020204030204" pitchFamily="49" charset="0"/>
-              </a:rPr>
-              <a:t>" -X POST -d {} {}'.format(</a:t>
-            </a:r>
-            <a:r>
-              <a:rPr lang="en-US" sz="2000" b="1" i="1" dirty="0" err="1">
-                <a:solidFill>
-                  <a:srgbClr val="0070C0"/>
-                </a:solidFill>
-                <a:latin typeface="Consolas" panose="020B0609020204030204" pitchFamily="49" charset="0"/>
-                <a:cs typeface="Consolas" panose="020B0609020204030204" pitchFamily="49" charset="0"/>
-              </a:rPr>
-              <a:t>json</a:t>
-            </a:r>
-            <a:r>
-              <a:rPr lang="en-US" sz="2000" b="1" i="1" dirty="0">
-                <a:solidFill>
-                  <a:srgbClr val="0070C0"/>
-                </a:solidFill>
-                <a:latin typeface="Consolas" panose="020B0609020204030204" pitchFamily="49" charset="0"/>
-                <a:cs typeface="Consolas" panose="020B0609020204030204" pitchFamily="49" charset="0"/>
-              </a:rPr>
-              <a:t>, </a:t>
-            </a:r>
-            <a:r>
-              <a:rPr lang="en-US" sz="2000" b="1" i="1" dirty="0" err="1">
-                <a:solidFill>
-                  <a:srgbClr val="0070C0"/>
-                </a:solidFill>
-                <a:latin typeface="Consolas" panose="020B0609020204030204" pitchFamily="49" charset="0"/>
-                <a:cs typeface="Consolas" panose="020B0609020204030204" pitchFamily="49" charset="0"/>
-              </a:rPr>
-              <a:t>completeUrl</a:t>
-            </a:r>
-            <a:r>
-              <a:rPr lang="en-US" sz="2000" b="1" i="1" dirty="0">
-                <a:solidFill>
-                  <a:srgbClr val="0070C0"/>
-                </a:solidFill>
-                <a:latin typeface="Consolas" panose="020B0609020204030204" pitchFamily="49" charset="0"/>
-                <a:cs typeface="Consolas" panose="020B0609020204030204" pitchFamily="49" charset="0"/>
-              </a:rPr>
-              <a:t>)</a:t>
-            </a:r>
-          </a:p>
-          <a:p>
-            <a:pPr lvl="1"/>
-            <a:r>
-              <a:rPr lang="en-US" sz="2000" b="1" i="1" dirty="0">
-                <a:solidFill>
-                  <a:srgbClr val="0070C0"/>
-                </a:solidFill>
-                <a:latin typeface="Consolas" panose="020B0609020204030204" pitchFamily="49" charset="0"/>
-                <a:cs typeface="Consolas" panose="020B0609020204030204" pitchFamily="49" charset="0"/>
-              </a:rPr>
-              <a:t>    </a:t>
-            </a:r>
-            <a:r>
-              <a:rPr lang="en-US" sz="2000" b="1" i="1" dirty="0" err="1">
-                <a:solidFill>
-                  <a:srgbClr val="0070C0"/>
-                </a:solidFill>
-                <a:latin typeface="Consolas" panose="020B0609020204030204" pitchFamily="49" charset="0"/>
-                <a:cs typeface="Consolas" panose="020B0609020204030204" pitchFamily="49" charset="0"/>
-              </a:rPr>
-              <a:t>os.popen</a:t>
-            </a:r>
-            <a:r>
-              <a:rPr lang="en-US" sz="2000" b="1" i="1" dirty="0">
-                <a:solidFill>
-                  <a:srgbClr val="0070C0"/>
-                </a:solidFill>
-                <a:latin typeface="Consolas" panose="020B0609020204030204" pitchFamily="49" charset="0"/>
-                <a:cs typeface="Consolas" panose="020B0609020204030204" pitchFamily="49" charset="0"/>
-              </a:rPr>
-              <a:t>(</a:t>
-            </a:r>
-            <a:r>
-              <a:rPr lang="en-US" sz="2000" b="1" i="1" dirty="0" err="1">
-                <a:solidFill>
-                  <a:srgbClr val="0070C0"/>
-                </a:solidFill>
-                <a:latin typeface="Consolas" panose="020B0609020204030204" pitchFamily="49" charset="0"/>
-                <a:cs typeface="Consolas" panose="020B0609020204030204" pitchFamily="49" charset="0"/>
-              </a:rPr>
-              <a:t>cmd</a:t>
-            </a:r>
-            <a:r>
-              <a:rPr lang="en-US" sz="2000" b="1" i="1" dirty="0">
-                <a:solidFill>
-                  <a:srgbClr val="0070C0"/>
-                </a:solidFill>
-                <a:latin typeface="Consolas" panose="020B0609020204030204" pitchFamily="49" charset="0"/>
-                <a:cs typeface="Consolas" panose="020B0609020204030204" pitchFamily="49" charset="0"/>
-              </a:rPr>
-              <a:t>)</a:t>
-            </a:r>
-          </a:p>
-          <a:p>
-            <a:pPr lvl="1"/>
-            <a:endParaRPr lang="en-US" sz="2000" b="1" i="1" dirty="0">
-              <a:solidFill>
-                <a:srgbClr val="0070C0"/>
-              </a:solidFill>
-              <a:latin typeface="Consolas" panose="020B0609020204030204" pitchFamily="49" charset="0"/>
-              <a:cs typeface="Consolas" panose="020B0609020204030204" pitchFamily="49" charset="0"/>
-            </a:endParaRPr>
-          </a:p>
-          <a:p>
-            <a:pPr lvl="1"/>
-            <a:r>
-              <a:rPr lang="en-US" sz="2000" b="1" i="1" dirty="0">
-                <a:solidFill>
-                  <a:srgbClr val="0070C0"/>
-                </a:solidFill>
-                <a:latin typeface="Consolas" panose="020B0609020204030204" pitchFamily="49" charset="0"/>
-                <a:cs typeface="Consolas" panose="020B0609020204030204" pitchFamily="49" charset="0"/>
-              </a:rPr>
-              <a:t>def </a:t>
-            </a:r>
-            <a:r>
-              <a:rPr lang="en-US" sz="2000" b="1" i="1" dirty="0" err="1">
-                <a:solidFill>
-                  <a:srgbClr val="0070C0"/>
-                </a:solidFill>
-                <a:latin typeface="Consolas" panose="020B0609020204030204" pitchFamily="49" charset="0"/>
-                <a:cs typeface="Consolas" panose="020B0609020204030204" pitchFamily="49" charset="0"/>
-              </a:rPr>
-              <a:t>CpuTemp</a:t>
-            </a:r>
-            <a:r>
-              <a:rPr lang="en-US" sz="2000" b="1" i="1" dirty="0">
-                <a:solidFill>
-                  <a:srgbClr val="0070C0"/>
-                </a:solidFill>
-                <a:latin typeface="Consolas" panose="020B0609020204030204" pitchFamily="49" charset="0"/>
-                <a:cs typeface="Consolas" panose="020B0609020204030204" pitchFamily="49" charset="0"/>
-              </a:rPr>
-              <a:t>():</a:t>
-            </a:r>
-          </a:p>
-          <a:p>
-            <a:pPr lvl="1"/>
-            <a:r>
-              <a:rPr lang="en-US" sz="2000" b="1" i="1" dirty="0">
-                <a:solidFill>
-                  <a:srgbClr val="0070C0"/>
-                </a:solidFill>
-                <a:latin typeface="Consolas" panose="020B0609020204030204" pitchFamily="49" charset="0"/>
-                <a:cs typeface="Consolas" panose="020B0609020204030204" pitchFamily="49" charset="0"/>
-              </a:rPr>
-              <a:t>    dev = </a:t>
-            </a:r>
-            <a:r>
-              <a:rPr lang="en-US" sz="2000" b="1" i="1" dirty="0" err="1">
-                <a:solidFill>
-                  <a:srgbClr val="0070C0"/>
-                </a:solidFill>
-                <a:latin typeface="Consolas" panose="020B0609020204030204" pitchFamily="49" charset="0"/>
-                <a:cs typeface="Consolas" panose="020B0609020204030204" pitchFamily="49" charset="0"/>
-              </a:rPr>
-              <a:t>os.popen</a:t>
-            </a:r>
-            <a:r>
-              <a:rPr lang="en-US" sz="2000" b="1" i="1" dirty="0">
-                <a:solidFill>
-                  <a:srgbClr val="0070C0"/>
-                </a:solidFill>
-                <a:latin typeface="Consolas" panose="020B0609020204030204" pitchFamily="49" charset="0"/>
-                <a:cs typeface="Consolas" panose="020B0609020204030204" pitchFamily="49" charset="0"/>
-              </a:rPr>
-              <a:t>('/opt/</a:t>
-            </a:r>
-            <a:r>
-              <a:rPr lang="en-US" sz="2000" b="1" i="1" dirty="0" err="1">
-                <a:solidFill>
-                  <a:srgbClr val="0070C0"/>
-                </a:solidFill>
-                <a:latin typeface="Consolas" panose="020B0609020204030204" pitchFamily="49" charset="0"/>
-                <a:cs typeface="Consolas" panose="020B0609020204030204" pitchFamily="49" charset="0"/>
-              </a:rPr>
-              <a:t>vc</a:t>
-            </a:r>
-            <a:r>
-              <a:rPr lang="en-US" sz="2000" b="1" i="1" dirty="0">
-                <a:solidFill>
-                  <a:srgbClr val="0070C0"/>
-                </a:solidFill>
-                <a:latin typeface="Consolas" panose="020B0609020204030204" pitchFamily="49" charset="0"/>
-                <a:cs typeface="Consolas" panose="020B0609020204030204" pitchFamily="49" charset="0"/>
-              </a:rPr>
-              <a:t>/bin/</a:t>
-            </a:r>
-            <a:r>
-              <a:rPr lang="en-US" sz="2000" b="1" i="1" dirty="0" err="1">
-                <a:solidFill>
-                  <a:srgbClr val="0070C0"/>
-                </a:solidFill>
-                <a:latin typeface="Consolas" panose="020B0609020204030204" pitchFamily="49" charset="0"/>
-                <a:cs typeface="Consolas" panose="020B0609020204030204" pitchFamily="49" charset="0"/>
-              </a:rPr>
-              <a:t>vcgencmd</a:t>
-            </a:r>
-            <a:r>
-              <a:rPr lang="en-US" sz="2000" b="1" i="1" dirty="0">
-                <a:solidFill>
-                  <a:srgbClr val="0070C0"/>
-                </a:solidFill>
-                <a:latin typeface="Consolas" panose="020B0609020204030204" pitchFamily="49" charset="0"/>
-                <a:cs typeface="Consolas" panose="020B0609020204030204" pitchFamily="49" charset="0"/>
-              </a:rPr>
-              <a:t> </a:t>
-            </a:r>
-            <a:r>
-              <a:rPr lang="en-US" sz="2000" b="1" i="1" dirty="0" err="1">
-                <a:solidFill>
-                  <a:srgbClr val="0070C0"/>
-                </a:solidFill>
-                <a:latin typeface="Consolas" panose="020B0609020204030204" pitchFamily="49" charset="0"/>
-                <a:cs typeface="Consolas" panose="020B0609020204030204" pitchFamily="49" charset="0"/>
-              </a:rPr>
-              <a:t>measure_temp</a:t>
-            </a:r>
-            <a:r>
-              <a:rPr lang="en-US" sz="2000" b="1" i="1" dirty="0">
-                <a:solidFill>
-                  <a:srgbClr val="0070C0"/>
-                </a:solidFill>
-                <a:latin typeface="Consolas" panose="020B0609020204030204" pitchFamily="49" charset="0"/>
-                <a:cs typeface="Consolas" panose="020B0609020204030204" pitchFamily="49" charset="0"/>
-              </a:rPr>
-              <a:t>')</a:t>
-            </a:r>
-          </a:p>
-          <a:p>
-            <a:pPr lvl="1"/>
-            <a:r>
-              <a:rPr lang="en-US" sz="2000" b="1" i="1" dirty="0">
-                <a:solidFill>
-                  <a:srgbClr val="0070C0"/>
-                </a:solidFill>
-                <a:latin typeface="Consolas" panose="020B0609020204030204" pitchFamily="49" charset="0"/>
-                <a:cs typeface="Consolas" panose="020B0609020204030204" pitchFamily="49" charset="0"/>
-              </a:rPr>
-              <a:t>    temp = </a:t>
-            </a:r>
-            <a:r>
-              <a:rPr lang="en-US" sz="2000" b="1" i="1" dirty="0" err="1">
-                <a:solidFill>
-                  <a:srgbClr val="0070C0"/>
-                </a:solidFill>
-                <a:latin typeface="Consolas" panose="020B0609020204030204" pitchFamily="49" charset="0"/>
-                <a:cs typeface="Consolas" panose="020B0609020204030204" pitchFamily="49" charset="0"/>
-              </a:rPr>
-              <a:t>dev.read</a:t>
-            </a:r>
-            <a:r>
-              <a:rPr lang="en-US" sz="2000" b="1" i="1" dirty="0">
-                <a:solidFill>
-                  <a:srgbClr val="0070C0"/>
-                </a:solidFill>
-                <a:latin typeface="Consolas" panose="020B0609020204030204" pitchFamily="49" charset="0"/>
-                <a:cs typeface="Consolas" panose="020B0609020204030204" pitchFamily="49" charset="0"/>
-              </a:rPr>
-              <a:t>()[5:-3]</a:t>
-            </a:r>
-          </a:p>
-          <a:p>
-            <a:pPr lvl="1"/>
-            <a:r>
-              <a:rPr lang="en-US" sz="2000" b="1" i="1" dirty="0">
-                <a:solidFill>
-                  <a:srgbClr val="0070C0"/>
-                </a:solidFill>
-                <a:latin typeface="Consolas" panose="020B0609020204030204" pitchFamily="49" charset="0"/>
-                <a:cs typeface="Consolas" panose="020B0609020204030204" pitchFamily="49" charset="0"/>
-              </a:rPr>
-              <a:t>    return float(temp)</a:t>
-            </a:r>
-          </a:p>
-        </p:txBody>
-      </p:sp>
+      </p:pic>
     </p:spTree>
     <p:extLst>
       <p:ext uri="{BB962C8B-B14F-4D97-AF65-F5344CB8AC3E}">
-        <p14:creationId xmlns:p14="http://schemas.microsoft.com/office/powerpoint/2010/main" val="4217753849"/>
+        <p14:creationId xmlns:p14="http://schemas.microsoft.com/office/powerpoint/2010/main" val="4019075106"/>
       </p:ext>
     </p:extLst>
   </p:cSld>
@@ -6736,7 +6557,7 @@
           <a:p>
             <a:r>
               <a:rPr lang="en-US" dirty="0"/>
-              <a:t>EmailIfttt.py Project</a:t>
+              <a:t>Tor </a:t>
             </a:r>
           </a:p>
         </p:txBody>
@@ -6780,217 +6601,51 @@
           </a:p>
         </p:txBody>
       </p:sp>
-      <p:sp>
-        <p:nvSpPr>
-          <p:cNvPr id="7" name="TextBox 6"/>
-          <p:cNvSpPr txBox="1"/>
+      <p:pic>
+        <p:nvPicPr>
+          <p:cNvPr id="1026" name="Picture 2" descr="https://upload.wikimedia.org/wikipedia/commons/thumb/1/15/Tor-logo-2011-flat.svg/1200px-Tor-logo-2011-flat.svg.png"/>
+          <p:cNvPicPr>
+            <a:picLocks noChangeAspect="1" noChangeArrowheads="1"/>
+          </p:cNvPicPr>
           <p:nvPr/>
-        </p:nvSpPr>
-        <p:spPr>
+        </p:nvPicPr>
+        <p:blipFill>
+          <a:blip r:embed="rId2">
+            <a:extLst>
+              <a:ext uri="{28A0092B-C50C-407E-A947-70E740481C1C}">
+                <a14:useLocalDpi xmlns:a14="http://schemas.microsoft.com/office/drawing/2010/main" val="0"/>
+              </a:ext>
+            </a:extLst>
+          </a:blip>
+          <a:srcRect/>
+          <a:stretch>
+            <a:fillRect/>
+          </a:stretch>
+        </p:blipFill>
+        <p:spPr bwMode="auto">
           <a:xfrm>
-            <a:off x="417443" y="745199"/>
-            <a:ext cx="11357113" cy="2554545"/>
+            <a:off x="1483377" y="857743"/>
+            <a:ext cx="9225244" cy="5573854"/>
           </a:xfrm>
           <a:prstGeom prst="rect">
             <a:avLst/>
           </a:prstGeom>
           <a:noFill/>
+          <a:extLst>
+            <a:ext uri="{909E8E84-426E-40DD-AFC4-6F175D3DCCD1}">
+              <a14:hiddenFill xmlns:a14="http://schemas.microsoft.com/office/drawing/2010/main">
+                <a:solidFill>
+                  <a:srgbClr val="FFFFFF"/>
+                </a:solidFill>
+              </a14:hiddenFill>
+            </a:ext>
+          </a:extLst>
         </p:spPr>
-        <p:txBody>
-          <a:bodyPr wrap="square" rtlCol="0">
-            <a:spAutoFit/>
-          </a:bodyPr>
-          <a:lstStyle/>
-          <a:p>
-            <a:pPr lvl="1"/>
-            <a:r>
-              <a:rPr lang="en-US" sz="2000" b="1" i="1" dirty="0">
-                <a:solidFill>
-                  <a:srgbClr val="0070C0"/>
-                </a:solidFill>
-                <a:latin typeface="Consolas" panose="020B0609020204030204" pitchFamily="49" charset="0"/>
-                <a:cs typeface="Consolas" panose="020B0609020204030204" pitchFamily="49" charset="0"/>
-              </a:rPr>
-              <a:t>while True:</a:t>
-            </a:r>
-          </a:p>
-          <a:p>
-            <a:pPr lvl="1"/>
-            <a:r>
-              <a:rPr lang="en-US" sz="2000" b="1" i="1" dirty="0">
-                <a:solidFill>
-                  <a:srgbClr val="0070C0"/>
-                </a:solidFill>
-                <a:latin typeface="Consolas" panose="020B0609020204030204" pitchFamily="49" charset="0"/>
-                <a:cs typeface="Consolas" panose="020B0609020204030204" pitchFamily="49" charset="0"/>
-              </a:rPr>
-              <a:t>    temp = </a:t>
-            </a:r>
-            <a:r>
-              <a:rPr lang="en-US" sz="2000" b="1" i="1" dirty="0" err="1">
-                <a:solidFill>
-                  <a:srgbClr val="0070C0"/>
-                </a:solidFill>
-                <a:latin typeface="Consolas" panose="020B0609020204030204" pitchFamily="49" charset="0"/>
-                <a:cs typeface="Consolas" panose="020B0609020204030204" pitchFamily="49" charset="0"/>
-              </a:rPr>
-              <a:t>CpuTemp</a:t>
-            </a:r>
-            <a:r>
-              <a:rPr lang="en-US" sz="2000" b="1" i="1" dirty="0">
-                <a:solidFill>
-                  <a:srgbClr val="0070C0"/>
-                </a:solidFill>
-                <a:latin typeface="Consolas" panose="020B0609020204030204" pitchFamily="49" charset="0"/>
-                <a:cs typeface="Consolas" panose="020B0609020204030204" pitchFamily="49" charset="0"/>
-              </a:rPr>
-              <a:t>()</a:t>
-            </a:r>
-          </a:p>
-          <a:p>
-            <a:pPr lvl="1"/>
-            <a:r>
-              <a:rPr lang="en-US" sz="2000" b="1" i="1" dirty="0">
-                <a:solidFill>
-                  <a:srgbClr val="0070C0"/>
-                </a:solidFill>
-                <a:latin typeface="Consolas" panose="020B0609020204030204" pitchFamily="49" charset="0"/>
-                <a:cs typeface="Consolas" panose="020B0609020204030204" pitchFamily="49" charset="0"/>
-              </a:rPr>
-              <a:t>    print("CPU Temp(c) : {}".format(temp))</a:t>
-            </a:r>
-          </a:p>
-          <a:p>
-            <a:pPr lvl="1"/>
-            <a:r>
-              <a:rPr lang="en-US" sz="2000" b="1" i="1" dirty="0">
-                <a:solidFill>
-                  <a:srgbClr val="0070C0"/>
-                </a:solidFill>
-                <a:latin typeface="Consolas" panose="020B0609020204030204" pitchFamily="49" charset="0"/>
-                <a:cs typeface="Consolas" panose="020B0609020204030204" pitchFamily="49" charset="0"/>
-              </a:rPr>
-              <a:t>    if temp &gt; </a:t>
-            </a:r>
-            <a:r>
-              <a:rPr lang="en-US" sz="2000" b="1" i="1" dirty="0" err="1">
-                <a:solidFill>
-                  <a:srgbClr val="0070C0"/>
-                </a:solidFill>
-                <a:latin typeface="Consolas" panose="020B0609020204030204" pitchFamily="49" charset="0"/>
-                <a:cs typeface="Consolas" panose="020B0609020204030204" pitchFamily="49" charset="0"/>
-              </a:rPr>
-              <a:t>MaxTemp</a:t>
-            </a:r>
-            <a:r>
-              <a:rPr lang="en-US" sz="2000" b="1" i="1" dirty="0">
-                <a:solidFill>
-                  <a:srgbClr val="0070C0"/>
-                </a:solidFill>
-                <a:latin typeface="Consolas" panose="020B0609020204030204" pitchFamily="49" charset="0"/>
-                <a:cs typeface="Consolas" panose="020B0609020204030204" pitchFamily="49" charset="0"/>
-              </a:rPr>
-              <a:t>:</a:t>
-            </a:r>
-          </a:p>
-          <a:p>
-            <a:pPr lvl="1"/>
-            <a:r>
-              <a:rPr lang="en-US" sz="2000" b="1" i="1" dirty="0">
-                <a:solidFill>
-                  <a:srgbClr val="0070C0"/>
-                </a:solidFill>
-                <a:latin typeface="Consolas" panose="020B0609020204030204" pitchFamily="49" charset="0"/>
-                <a:cs typeface="Consolas" panose="020B0609020204030204" pitchFamily="49" charset="0"/>
-              </a:rPr>
-              <a:t>        print("CPU TOO Hot!")</a:t>
-            </a:r>
-          </a:p>
-          <a:p>
-            <a:pPr lvl="1"/>
-            <a:r>
-              <a:rPr lang="en-US" sz="2000" b="1" i="1" dirty="0">
-                <a:solidFill>
-                  <a:srgbClr val="0070C0"/>
-                </a:solidFill>
-                <a:latin typeface="Consolas" panose="020B0609020204030204" pitchFamily="49" charset="0"/>
-                <a:cs typeface="Consolas" panose="020B0609020204030204" pitchFamily="49" charset="0"/>
-              </a:rPr>
-              <a:t>        </a:t>
-            </a:r>
-            <a:r>
-              <a:rPr lang="en-US" sz="2000" b="1" i="1" dirty="0" err="1">
-                <a:solidFill>
-                  <a:srgbClr val="0070C0"/>
-                </a:solidFill>
-                <a:latin typeface="Consolas" panose="020B0609020204030204" pitchFamily="49" charset="0"/>
-                <a:cs typeface="Consolas" panose="020B0609020204030204" pitchFamily="49" charset="0"/>
-              </a:rPr>
-              <a:t>SendNotification</a:t>
-            </a:r>
-            <a:r>
-              <a:rPr lang="en-US" sz="2000" b="1" i="1" dirty="0">
-                <a:solidFill>
-                  <a:srgbClr val="0070C0"/>
-                </a:solidFill>
-                <a:latin typeface="Consolas" panose="020B0609020204030204" pitchFamily="49" charset="0"/>
-                <a:cs typeface="Consolas" panose="020B0609020204030204" pitchFamily="49" charset="0"/>
-              </a:rPr>
-              <a:t>(temp)</a:t>
-            </a:r>
-          </a:p>
-          <a:p>
-            <a:pPr lvl="1"/>
-            <a:r>
-              <a:rPr lang="en-US" sz="2000" b="1" i="1" dirty="0">
-                <a:solidFill>
-                  <a:srgbClr val="0070C0"/>
-                </a:solidFill>
-                <a:latin typeface="Consolas" panose="020B0609020204030204" pitchFamily="49" charset="0"/>
-                <a:cs typeface="Consolas" panose="020B0609020204030204" pitchFamily="49" charset="0"/>
-              </a:rPr>
-              <a:t>        print("No more notification for : 5")</a:t>
-            </a:r>
-          </a:p>
-          <a:p>
-            <a:pPr lvl="1"/>
-            <a:r>
-              <a:rPr lang="en-US" sz="2000" b="1" i="1" dirty="0">
-                <a:solidFill>
-                  <a:srgbClr val="0070C0"/>
-                </a:solidFill>
-                <a:latin typeface="Consolas" panose="020B0609020204030204" pitchFamily="49" charset="0"/>
-                <a:cs typeface="Consolas" panose="020B0609020204030204" pitchFamily="49" charset="0"/>
-              </a:rPr>
-              <a:t>        </a:t>
-            </a:r>
-            <a:r>
-              <a:rPr lang="en-US" sz="2000" b="1" i="1" dirty="0" err="1">
-                <a:solidFill>
-                  <a:srgbClr val="0070C0"/>
-                </a:solidFill>
-                <a:latin typeface="Consolas" panose="020B0609020204030204" pitchFamily="49" charset="0"/>
-                <a:cs typeface="Consolas" panose="020B0609020204030204" pitchFamily="49" charset="0"/>
-              </a:rPr>
-              <a:t>time.sleep</a:t>
-            </a:r>
-            <a:r>
-              <a:rPr lang="en-US" sz="2000" b="1" i="1" dirty="0">
-                <a:solidFill>
-                  <a:srgbClr val="0070C0"/>
-                </a:solidFill>
-                <a:latin typeface="Consolas" panose="020B0609020204030204" pitchFamily="49" charset="0"/>
-                <a:cs typeface="Consolas" panose="020B0609020204030204" pitchFamily="49" charset="0"/>
-              </a:rPr>
-              <a:t>(5)</a:t>
-            </a:r>
-          </a:p>
-        </p:txBody>
-      </p:sp>
+      </p:pic>
     </p:spTree>
     <p:extLst>
       <p:ext uri="{BB962C8B-B14F-4D97-AF65-F5344CB8AC3E}">
-        <p14:creationId xmlns:p14="http://schemas.microsoft.com/office/powerpoint/2010/main" val="3431775083"/>
+        <p14:creationId xmlns:p14="http://schemas.microsoft.com/office/powerpoint/2010/main" val="1048630372"/>
       </p:ext>
     </p:extLst>
   </p:cSld>
@@ -7593,11 +7248,6 @@
 <file path=ppt/slides/slide20.xml><?xml version="1.0" encoding="utf-8"?>
 <p:sld xmlns:a="http://schemas.openxmlformats.org/drawingml/2006/main" xmlns:r="http://schemas.openxmlformats.org/officeDocument/2006/relationships" xmlns:p="http://schemas.openxmlformats.org/presentationml/2006/main">
   <p:cSld>
-    <p:bg>
-      <p:bgRef idx="1001">
-        <a:schemeClr val="bg1"/>
-      </p:bgRef>
-    </p:bg>
     <p:spTree>
       <p:nvGrpSpPr>
         <p:cNvPr id="1" name=""/>
@@ -7749,7 +7399,7 @@
           <a:p>
             <a:r>
               <a:rPr lang="en-US" dirty="0"/>
-              <a:t>Sending Email and Other Notifications with IFTTT </a:t>
+              <a:t>Tor</a:t>
             </a:r>
           </a:p>
         </p:txBody>
@@ -7795,14 +7445,14 @@
       </p:sp>
       <p:sp>
         <p:nvSpPr>
-          <p:cNvPr id="7" name="TextBox 6"/>
+          <p:cNvPr id="6" name="TextBox 5"/>
           <p:cNvSpPr txBox="1"/>
           <p:nvPr/>
         </p:nvSpPr>
         <p:spPr>
           <a:xfrm>
-            <a:off x="417443" y="745199"/>
-            <a:ext cx="11357113" cy="5016758"/>
+            <a:off x="63500" y="977211"/>
+            <a:ext cx="11357113" cy="4493538"/>
           </a:xfrm>
           <a:prstGeom prst="rect">
             <a:avLst/>
@@ -7817,19 +7467,88 @@
           <a:p>
             <a:pPr lvl="1"/>
             <a:r>
+              <a:rPr lang="en-US" b="1" dirty="0"/>
+              <a:t>Tor</a:t>
+            </a:r>
+            <a:r>
+              <a:rPr lang="en-US" dirty="0"/>
+              <a:t> is </a:t>
+            </a:r>
+            <a:r>
+              <a:rPr lang="en-US" dirty="0">
+                <a:hlinkClick r:id="rId2" tooltip="Free software"/>
+              </a:rPr>
+              <a:t>free software</a:t>
+            </a:r>
+            <a:r>
+              <a:rPr lang="en-US" dirty="0"/>
+              <a:t> for enabling </a:t>
+            </a:r>
+            <a:r>
+              <a:rPr lang="en-US" dirty="0">
+                <a:hlinkClick r:id="rId3" tooltip="Internet anonymity"/>
+              </a:rPr>
+              <a:t>anonymous communication</a:t>
+            </a:r>
+            <a:r>
+              <a:rPr lang="en-US" dirty="0"/>
+              <a:t>. The name is derived from an acronym for the original software project name "The Onion Router".</a:t>
+            </a:r>
+            <a:r>
+              <a:rPr lang="en-US" baseline="30000" dirty="0"/>
+              <a:t> </a:t>
+            </a:r>
+            <a:r>
+              <a:rPr lang="en-US" dirty="0"/>
+              <a:t> Tor directs Internet traffic through a free, worldwide, volunteer network consisting of more than seven thousand relays to conceal a user's location and usage from anyone conducting </a:t>
+            </a:r>
+            <a:r>
+              <a:rPr lang="en-US" dirty="0">
+                <a:hlinkClick r:id="rId4" tooltip="Computer surveillance"/>
+              </a:rPr>
+              <a:t>network surveillance</a:t>
+            </a:r>
+            <a:r>
+              <a:rPr lang="en-US" dirty="0"/>
+              <a:t> or </a:t>
+            </a:r>
+            <a:r>
+              <a:rPr lang="en-US" dirty="0">
+                <a:hlinkClick r:id="rId5" tooltip="Traffic analysis"/>
+              </a:rPr>
+              <a:t>traffic analysis</a:t>
+            </a:r>
+            <a:r>
+              <a:rPr lang="en-US" dirty="0"/>
+              <a:t>. Using Tor makes it more difficult for Internet activity to be traced back to the user: this includes "visits to Web sites, online posts, instant messages, and other communication forms". Tor's use is intended to protect the personal privacy of users, as well as their freedom and ability to conduct confidential communication by keeping their Internet activities from being monitored.</a:t>
+            </a:r>
+          </a:p>
+          <a:p>
+            <a:pPr lvl="1"/>
+            <a:endParaRPr lang="en-US" sz="2000" dirty="0"/>
+          </a:p>
+          <a:p>
+            <a:pPr lvl="1"/>
+            <a:r>
               <a:rPr lang="en-US" sz="2000" dirty="0"/>
-              <a:t>Before running the program, you will need to get an access key for the Maker Action channel by selecting Channels (at the top of the IFTTT web page), and then searching for Maker. Connect to the channel, and then you will see your key displayed near the bottom of the web page </a:t>
-            </a:r>
-          </a:p>
-          <a:p>
-            <a:pPr lvl="1"/>
-            <a:endParaRPr lang="en-US" sz="2000" dirty="0"/>
-          </a:p>
-          <a:p>
-            <a:pPr lvl="1"/>
-            <a:r>
-              <a:rPr lang="en-US" sz="2000" dirty="0"/>
-              <a:t>Paste the key into previous program on the line that starts </a:t>
+              <a:t>Install tor:</a:t>
+            </a:r>
+          </a:p>
+          <a:p>
+            <a:pPr lvl="1"/>
+            <a:endParaRPr lang="fa-IR" sz="2000" dirty="0"/>
+          </a:p>
+          <a:p>
+            <a:pPr lvl="1"/>
+            <a:r>
+              <a:rPr lang="en-US" sz="2000" b="1" i="1" dirty="0" err="1">
+                <a:solidFill>
+                  <a:srgbClr val="0070C0"/>
+                </a:solidFill>
+                <a:latin typeface="Consolas" panose="020B0609020204030204" pitchFamily="49" charset="0"/>
+                <a:cs typeface="Consolas" panose="020B0609020204030204" pitchFamily="49" charset="0"/>
+              </a:rPr>
+              <a:t>sudo</a:t>
             </a:r>
             <a:r>
               <a:rPr lang="en-US" sz="2000" b="1" i="1" dirty="0">
@@ -7839,11 +7558,7 @@
                 <a:latin typeface="Consolas" panose="020B0609020204030204" pitchFamily="49" charset="0"/>
                 <a:cs typeface="Consolas" panose="020B0609020204030204" pitchFamily="49" charset="0"/>
               </a:rPr>
-              <a:t>KEY=</a:t>
-            </a:r>
-            <a:r>
-              <a:rPr lang="en-US" sz="2000" dirty="0"/>
-              <a:t> and then run the program using:</a:t>
+              <a:t> apt-get install update</a:t>
             </a:r>
           </a:p>
           <a:p>
@@ -7859,6 +7574,16 @@
           <a:p>
             <a:pPr lvl="1"/>
             <a:r>
+              <a:rPr lang="en-US" sz="2000" b="1" i="1" dirty="0" err="1">
+                <a:solidFill>
+                  <a:srgbClr val="0070C0"/>
+                </a:solidFill>
+                <a:latin typeface="Consolas" panose="020B0609020204030204" pitchFamily="49" charset="0"/>
+                <a:cs typeface="Consolas" panose="020B0609020204030204" pitchFamily="49" charset="0"/>
+              </a:rPr>
+              <a:t>sudo</a:t>
+            </a:r>
+            <a:r>
               <a:rPr lang="en-US" sz="2000" b="1" i="1" dirty="0">
                 <a:solidFill>
                   <a:srgbClr val="0070C0"/>
@@ -7866,27 +7591,7 @@
                 <a:latin typeface="Consolas" panose="020B0609020204030204" pitchFamily="49" charset="0"/>
                 <a:cs typeface="Consolas" panose="020B0609020204030204" pitchFamily="49" charset="0"/>
               </a:rPr>
-              <a:t>$ </a:t>
-            </a:r>
-            <a:r>
-              <a:rPr lang="en-US" sz="2000" b="1" i="1" dirty="0" err="1">
-                <a:solidFill>
-                  <a:srgbClr val="0070C0"/>
-                </a:solidFill>
-                <a:latin typeface="Consolas" panose="020B0609020204030204" pitchFamily="49" charset="0"/>
-                <a:cs typeface="Consolas" panose="020B0609020204030204" pitchFamily="49" charset="0"/>
-              </a:rPr>
-              <a:t>sudo</a:t>
-            </a:r>
-            <a:r>
-              <a:rPr lang="en-US" sz="2000" b="1" i="1" dirty="0">
-                <a:solidFill>
-                  <a:srgbClr val="0070C0"/>
-                </a:solidFill>
-                <a:latin typeface="Consolas" panose="020B0609020204030204" pitchFamily="49" charset="0"/>
-                <a:cs typeface="Consolas" panose="020B0609020204030204" pitchFamily="49" charset="0"/>
-              </a:rPr>
-              <a:t> python ifttt_cpu_temp.py</a:t>
+              <a:t> apt-get install tor</a:t>
             </a:r>
           </a:p>
           <a:p>
@@ -7901,108 +7606,6 @@
           </a:p>
           <a:p>
             <a:pPr lvl="1"/>
-            <a:r>
-              <a:rPr lang="en-US" sz="2000" dirty="0"/>
-              <a:t>Most of the action for this program takes place in the </a:t>
-            </a:r>
-            <a:r>
-              <a:rPr lang="en-US" sz="2000" b="1" i="1" dirty="0" err="1">
-                <a:solidFill>
-                  <a:srgbClr val="0070C0"/>
-                </a:solidFill>
-                <a:latin typeface="Consolas" panose="020B0609020204030204" pitchFamily="49" charset="0"/>
-                <a:cs typeface="Consolas" panose="020B0609020204030204" pitchFamily="49" charset="0"/>
-              </a:rPr>
-              <a:t>send_notification</a:t>
-            </a:r>
-            <a:r>
-              <a:rPr lang="en-US" sz="2000" dirty="0"/>
-              <a:t> email. This first constructs a URL including the key and request parameter </a:t>
-            </a:r>
-            <a:r>
-              <a:rPr lang="en-US" sz="2000" b="1" i="1" dirty="0">
-                <a:solidFill>
-                  <a:srgbClr val="0070C0"/>
-                </a:solidFill>
-                <a:latin typeface="Consolas" panose="020B0609020204030204" pitchFamily="49" charset="0"/>
-                <a:cs typeface="Consolas" panose="020B0609020204030204" pitchFamily="49" charset="0"/>
-              </a:rPr>
-              <a:t>value1</a:t>
-            </a:r>
-            <a:r>
-              <a:rPr lang="en-US" sz="2000" dirty="0"/>
-              <a:t> (containing the temperature) and then uses the Python </a:t>
-            </a:r>
-            <a:r>
-              <a:rPr lang="en-US" sz="2000" b="1" i="1" dirty="0">
-                <a:solidFill>
-                  <a:srgbClr val="0070C0"/>
-                </a:solidFill>
-                <a:latin typeface="Consolas" panose="020B0609020204030204" pitchFamily="49" charset="0"/>
-                <a:cs typeface="Consolas" panose="020B0609020204030204" pitchFamily="49" charset="0"/>
-              </a:rPr>
-              <a:t>urllib2</a:t>
-            </a:r>
-            <a:r>
-              <a:rPr lang="en-US" sz="2000" dirty="0"/>
-              <a:t> to send the web request to IFTTT. </a:t>
-            </a:r>
-          </a:p>
-          <a:p>
-            <a:pPr lvl="1"/>
-            <a:endParaRPr lang="en-US" sz="2000" dirty="0"/>
-          </a:p>
-          <a:p>
-            <a:pPr lvl="1"/>
-            <a:r>
-              <a:rPr lang="en-US" sz="2000" dirty="0"/>
-              <a:t>The main loop continually checks the temperature against the </a:t>
-            </a:r>
-            <a:r>
-              <a:rPr lang="en-US" sz="2000" b="1" i="1" dirty="0">
-                <a:solidFill>
-                  <a:srgbClr val="0070C0"/>
-                </a:solidFill>
-                <a:latin typeface="Consolas" panose="020B0609020204030204" pitchFamily="49" charset="0"/>
-                <a:cs typeface="Consolas" panose="020B0609020204030204" pitchFamily="49" charset="0"/>
-              </a:rPr>
-              <a:t>MAX_TEMP,</a:t>
-            </a:r>
-            <a:r>
-              <a:rPr lang="en-US" sz="2000" dirty="0"/>
-              <a:t> and if the CPU temperature exceeds </a:t>
-            </a:r>
-            <a:r>
-              <a:rPr lang="en-US" sz="2000" b="1" i="1" dirty="0">
-                <a:solidFill>
-                  <a:srgbClr val="0070C0"/>
-                </a:solidFill>
-                <a:latin typeface="Consolas" panose="020B0609020204030204" pitchFamily="49" charset="0"/>
-                <a:cs typeface="Consolas" panose="020B0609020204030204" pitchFamily="49" charset="0"/>
-              </a:rPr>
-              <a:t>MAX_TEMP</a:t>
-            </a:r>
-            <a:r>
-              <a:rPr lang="en-US" sz="2000" dirty="0"/>
-              <a:t>, the web request is sent and a long sleep is started as specified by </a:t>
-            </a:r>
-            <a:r>
-              <a:rPr lang="en-US" sz="2000" b="1" i="1" dirty="0">
-                <a:solidFill>
-                  <a:srgbClr val="0070C0"/>
-                </a:solidFill>
-                <a:latin typeface="Consolas" panose="020B0609020204030204" pitchFamily="49" charset="0"/>
-                <a:cs typeface="Consolas" panose="020B0609020204030204" pitchFamily="49" charset="0"/>
-              </a:rPr>
-              <a:t>MIN_T_BETWEEN_WARNINGS</a:t>
-            </a:r>
-            <a:r>
-              <a:rPr lang="en-US" sz="2000" dirty="0"/>
-              <a:t> to prevent your inbox from being flooded with notifications.</a:t>
-            </a:r>
-          </a:p>
-          <a:p>
-            <a:pPr lvl="1"/>
             <a:endParaRPr lang="en-US" sz="2000" b="1" i="1" dirty="0">
               <a:solidFill>
                 <a:srgbClr val="0070C0"/>
@@ -8016,12 +7619,12 @@
     </p:spTree>
     <p:extLst>
       <p:ext uri="{BB962C8B-B14F-4D97-AF65-F5344CB8AC3E}">
-        <p14:creationId xmlns:p14="http://schemas.microsoft.com/office/powerpoint/2010/main" val="630465665"/>
+        <p14:creationId xmlns:p14="http://schemas.microsoft.com/office/powerpoint/2010/main" val="3539928351"/>
       </p:ext>
     </p:extLst>
   </p:cSld>
   <p:clrMapOvr>
-    <a:overrideClrMapping bg1="lt1" tx1="dk1" bg2="lt2" tx2="dk2" accent1="accent1" accent2="accent2" accent3="accent3" accent4="accent4" accent5="accent5" accent6="accent6" hlink="hlink" folHlink="folHlink"/>
+    <a:masterClrMapping/>
   </p:clrMapOvr>
 </p:sld>
 </file>
@@ -8180,15 +7783,7 @@
           <a:p>
             <a:r>
               <a:rPr lang="en-US" dirty="0"/>
-              <a:t>Sending Sensor Data to </a:t>
-            </a:r>
-            <a:r>
-              <a:rPr lang="en-US" dirty="0" err="1"/>
-              <a:t>ThingSpeak</a:t>
-            </a:r>
-            <a:r>
-              <a:rPr lang="en-US" dirty="0"/>
-              <a:t> </a:t>
+              <a:t>EmailIfttt.py Project</a:t>
             </a:r>
           </a:p>
         </p:txBody>
@@ -8240,8 +7835,8 @@
         </p:nvSpPr>
         <p:spPr>
           <a:xfrm>
-            <a:off x="417443" y="745199"/>
-            <a:ext cx="11357113" cy="1938992"/>
+            <a:off x="-1" y="745199"/>
+            <a:ext cx="12192001" cy="6247864"/>
           </a:xfrm>
           <a:prstGeom prst="rect">
             <a:avLst/>
@@ -8257,19 +7852,35 @@
             <a:pPr lvl="1"/>
             <a:r>
               <a:rPr lang="en-US" sz="2000" dirty="0"/>
-              <a:t>You want to log sensor data to </a:t>
-            </a:r>
-            <a:r>
-              <a:rPr lang="en-US" sz="2000" dirty="0" err="1"/>
-              <a:t>ThingSpeak</a:t>
-            </a:r>
-            <a:r>
-              <a:rPr lang="en-US" sz="2000" dirty="0"/>
-              <a:t>. </a:t>
-            </a:r>
-          </a:p>
-          <a:p>
-            <a:pPr lvl="1"/>
+              <a:t>The Python program to send the web request:</a:t>
+            </a:r>
+          </a:p>
+          <a:p>
+            <a:pPr lvl="1"/>
+            <a:endParaRPr lang="fa-IR" sz="2000" dirty="0"/>
+          </a:p>
+          <a:p>
+            <a:pPr lvl="1"/>
+            <a:r>
+              <a:rPr lang="en-US" sz="2000" b="1" i="1" dirty="0">
+                <a:solidFill>
+                  <a:srgbClr val="0070C0"/>
+                </a:solidFill>
+                <a:latin typeface="Consolas" panose="020B0609020204030204" pitchFamily="49" charset="0"/>
+                <a:cs typeface="Consolas" panose="020B0609020204030204" pitchFamily="49" charset="0"/>
+              </a:rPr>
+              <a:t>import </a:t>
+            </a:r>
+            <a:r>
+              <a:rPr lang="en-US" sz="2000" b="1" i="1" dirty="0" err="1">
+                <a:solidFill>
+                  <a:srgbClr val="0070C0"/>
+                </a:solidFill>
+                <a:latin typeface="Consolas" panose="020B0609020204030204" pitchFamily="49" charset="0"/>
+                <a:cs typeface="Consolas" panose="020B0609020204030204" pitchFamily="49" charset="0"/>
+              </a:rPr>
+              <a:t>time,os</a:t>
+            </a:r>
             <a:endParaRPr lang="en-US" sz="2000" b="1" i="1" dirty="0">
               <a:solidFill>
                 <a:srgbClr val="0070C0"/>
@@ -8280,57 +7891,632 @@
           </a:p>
           <a:p>
             <a:pPr lvl="1"/>
-            <a:r>
-              <a:rPr lang="en-US" sz="2000" dirty="0"/>
-              <a:t>Log into </a:t>
-            </a:r>
-            <a:r>
-              <a:rPr lang="en-US" sz="2000" dirty="0" err="1"/>
-              <a:t>ThingSpeak</a:t>
-            </a:r>
-            <a:r>
-              <a:rPr lang="en-US" sz="2000" dirty="0"/>
-              <a:t>, and from the Channels drop-down, select My Channels. Now create a new channel by completing the top of the form as shown in following Figure</a:t>
-            </a:r>
-          </a:p>
-          <a:p>
-            <a:pPr lvl="1"/>
-            <a:endParaRPr lang="en-US" sz="2000" dirty="0"/>
-          </a:p>
-          <a:p>
-            <a:pPr lvl="1"/>
-            <a:endParaRPr lang="en-US" sz="2000" dirty="0"/>
+            <a:endParaRPr lang="en-US" sz="2000" b="1" i="1" dirty="0">
+              <a:solidFill>
+                <a:srgbClr val="0070C0"/>
+              </a:solidFill>
+              <a:latin typeface="Consolas" panose="020B0609020204030204" pitchFamily="49" charset="0"/>
+              <a:cs typeface="Consolas" panose="020B0609020204030204" pitchFamily="49" charset="0"/>
+            </a:endParaRPr>
+          </a:p>
+          <a:p>
+            <a:pPr lvl="1"/>
+            <a:r>
+              <a:rPr lang="en-US" sz="2000" b="1" i="1" dirty="0" err="1">
+                <a:solidFill>
+                  <a:srgbClr val="0070C0"/>
+                </a:solidFill>
+                <a:latin typeface="Consolas" panose="020B0609020204030204" pitchFamily="49" charset="0"/>
+                <a:cs typeface="Consolas" panose="020B0609020204030204" pitchFamily="49" charset="0"/>
+              </a:rPr>
+              <a:t>MaxTemp</a:t>
+            </a:r>
+            <a:r>
+              <a:rPr lang="en-US" sz="2000" b="1" i="1" dirty="0">
+                <a:solidFill>
+                  <a:srgbClr val="0070C0"/>
+                </a:solidFill>
+                <a:latin typeface="Consolas" panose="020B0609020204030204" pitchFamily="49" charset="0"/>
+                <a:cs typeface="Consolas" panose="020B0609020204030204" pitchFamily="49" charset="0"/>
+              </a:rPr>
+              <a:t> = 37.0</a:t>
+            </a:r>
+          </a:p>
+          <a:p>
+            <a:pPr lvl="1"/>
+            <a:r>
+              <a:rPr lang="en-US" sz="2000" b="1" i="1" dirty="0" err="1">
+                <a:solidFill>
+                  <a:srgbClr val="0070C0"/>
+                </a:solidFill>
+                <a:latin typeface="Consolas" panose="020B0609020204030204" pitchFamily="49" charset="0"/>
+                <a:cs typeface="Consolas" panose="020B0609020204030204" pitchFamily="49" charset="0"/>
+              </a:rPr>
+              <a:t>EventName</a:t>
+            </a:r>
+            <a:r>
+              <a:rPr lang="en-US" sz="2000" b="1" i="1" dirty="0">
+                <a:solidFill>
+                  <a:srgbClr val="0070C0"/>
+                </a:solidFill>
+                <a:latin typeface="Consolas" panose="020B0609020204030204" pitchFamily="49" charset="0"/>
+                <a:cs typeface="Consolas" panose="020B0609020204030204" pitchFamily="49" charset="0"/>
+              </a:rPr>
+              <a:t> = '</a:t>
+            </a:r>
+            <a:r>
+              <a:rPr lang="en-US" sz="2000" b="1" i="1" dirty="0" err="1">
+                <a:solidFill>
+                  <a:srgbClr val="0070C0"/>
+                </a:solidFill>
+                <a:latin typeface="Consolas" panose="020B0609020204030204" pitchFamily="49" charset="0"/>
+                <a:cs typeface="Consolas" panose="020B0609020204030204" pitchFamily="49" charset="0"/>
+              </a:rPr>
+              <a:t>cpu_hot</a:t>
+            </a:r>
+            <a:r>
+              <a:rPr lang="en-US" sz="2000" b="1" i="1" dirty="0">
+                <a:solidFill>
+                  <a:srgbClr val="0070C0"/>
+                </a:solidFill>
+                <a:latin typeface="Consolas" panose="020B0609020204030204" pitchFamily="49" charset="0"/>
+                <a:cs typeface="Consolas" panose="020B0609020204030204" pitchFamily="49" charset="0"/>
+              </a:rPr>
+              <a:t>'</a:t>
+            </a:r>
+          </a:p>
+          <a:p>
+            <a:pPr lvl="1"/>
+            <a:r>
+              <a:rPr lang="en-US" sz="2000" b="1" i="1" dirty="0" err="1">
+                <a:solidFill>
+                  <a:srgbClr val="0070C0"/>
+                </a:solidFill>
+                <a:latin typeface="Consolas" panose="020B0609020204030204" pitchFamily="49" charset="0"/>
+                <a:cs typeface="Consolas" panose="020B0609020204030204" pitchFamily="49" charset="0"/>
+              </a:rPr>
+              <a:t>BaseUrl</a:t>
+            </a:r>
+            <a:r>
+              <a:rPr lang="en-US" sz="2000" b="1" i="1" dirty="0">
+                <a:solidFill>
+                  <a:srgbClr val="0070C0"/>
+                </a:solidFill>
+                <a:latin typeface="Consolas" panose="020B0609020204030204" pitchFamily="49" charset="0"/>
+                <a:cs typeface="Consolas" panose="020B0609020204030204" pitchFamily="49" charset="0"/>
+              </a:rPr>
+              <a:t> = 'https://maker.ifttt.com/trigger/{}/with/key/{}'</a:t>
+            </a:r>
+          </a:p>
+          <a:p>
+            <a:pPr lvl="1"/>
+            <a:r>
+              <a:rPr lang="en-US" sz="2000" b="1" i="1" dirty="0">
+                <a:solidFill>
+                  <a:srgbClr val="0070C0"/>
+                </a:solidFill>
+                <a:latin typeface="Consolas" panose="020B0609020204030204" pitchFamily="49" charset="0"/>
+                <a:cs typeface="Consolas" panose="020B0609020204030204" pitchFamily="49" charset="0"/>
+              </a:rPr>
+              <a:t>Key = 'cxotxZpzCKtUnd3m7tkIk4'</a:t>
+            </a:r>
+          </a:p>
+          <a:p>
+            <a:pPr lvl="1"/>
+            <a:endParaRPr lang="en-US" sz="2000" b="1" i="1" dirty="0">
+              <a:solidFill>
+                <a:srgbClr val="0070C0"/>
+              </a:solidFill>
+              <a:latin typeface="Consolas" panose="020B0609020204030204" pitchFamily="49" charset="0"/>
+              <a:cs typeface="Consolas" panose="020B0609020204030204" pitchFamily="49" charset="0"/>
+            </a:endParaRPr>
+          </a:p>
+          <a:p>
+            <a:pPr lvl="1"/>
+            <a:r>
+              <a:rPr lang="en-US" sz="2000" b="1" i="1" dirty="0">
+                <a:solidFill>
+                  <a:srgbClr val="0070C0"/>
+                </a:solidFill>
+                <a:latin typeface="Consolas" panose="020B0609020204030204" pitchFamily="49" charset="0"/>
+                <a:cs typeface="Consolas" panose="020B0609020204030204" pitchFamily="49" charset="0"/>
+              </a:rPr>
+              <a:t>def </a:t>
+            </a:r>
+            <a:r>
+              <a:rPr lang="en-US" sz="2000" b="1" i="1" dirty="0" err="1">
+                <a:solidFill>
+                  <a:srgbClr val="0070C0"/>
+                </a:solidFill>
+                <a:latin typeface="Consolas" panose="020B0609020204030204" pitchFamily="49" charset="0"/>
+                <a:cs typeface="Consolas" panose="020B0609020204030204" pitchFamily="49" charset="0"/>
+              </a:rPr>
+              <a:t>SendNotification</a:t>
+            </a:r>
+            <a:r>
+              <a:rPr lang="en-US" sz="2000" b="1" i="1" dirty="0">
+                <a:solidFill>
+                  <a:srgbClr val="0070C0"/>
+                </a:solidFill>
+                <a:latin typeface="Consolas" panose="020B0609020204030204" pitchFamily="49" charset="0"/>
+                <a:cs typeface="Consolas" panose="020B0609020204030204" pitchFamily="49" charset="0"/>
+              </a:rPr>
+              <a:t>(temp):</a:t>
+            </a:r>
+          </a:p>
+          <a:p>
+            <a:pPr lvl="1"/>
+            <a:r>
+              <a:rPr lang="en-US" sz="2000" b="1" i="1" dirty="0">
+                <a:solidFill>
+                  <a:srgbClr val="0070C0"/>
+                </a:solidFill>
+                <a:latin typeface="Consolas" panose="020B0609020204030204" pitchFamily="49" charset="0"/>
+                <a:cs typeface="Consolas" panose="020B0609020204030204" pitchFamily="49" charset="0"/>
+              </a:rPr>
+              <a:t>    </a:t>
+            </a:r>
+            <a:r>
+              <a:rPr lang="en-US" sz="2000" b="1" i="1" dirty="0" err="1">
+                <a:solidFill>
+                  <a:srgbClr val="0070C0"/>
+                </a:solidFill>
+                <a:latin typeface="Consolas" panose="020B0609020204030204" pitchFamily="49" charset="0"/>
+                <a:cs typeface="Consolas" panose="020B0609020204030204" pitchFamily="49" charset="0"/>
+              </a:rPr>
+              <a:t>json</a:t>
+            </a:r>
+            <a:r>
+              <a:rPr lang="en-US" sz="2000" b="1" i="1" dirty="0">
+                <a:solidFill>
+                  <a:srgbClr val="0070C0"/>
+                </a:solidFill>
+                <a:latin typeface="Consolas" panose="020B0609020204030204" pitchFamily="49" charset="0"/>
+                <a:cs typeface="Consolas" panose="020B0609020204030204" pitchFamily="49" charset="0"/>
+              </a:rPr>
+              <a:t> = "'" + '{"value1" : "' + </a:t>
+            </a:r>
+            <a:r>
+              <a:rPr lang="en-US" sz="2000" b="1" i="1" dirty="0" err="1">
+                <a:solidFill>
+                  <a:srgbClr val="0070C0"/>
+                </a:solidFill>
+                <a:latin typeface="Consolas" panose="020B0609020204030204" pitchFamily="49" charset="0"/>
+                <a:cs typeface="Consolas" panose="020B0609020204030204" pitchFamily="49" charset="0"/>
+              </a:rPr>
+              <a:t>str</a:t>
+            </a:r>
+            <a:r>
+              <a:rPr lang="en-US" sz="2000" b="1" i="1" dirty="0">
+                <a:solidFill>
+                  <a:srgbClr val="0070C0"/>
+                </a:solidFill>
+                <a:latin typeface="Consolas" panose="020B0609020204030204" pitchFamily="49" charset="0"/>
+                <a:cs typeface="Consolas" panose="020B0609020204030204" pitchFamily="49" charset="0"/>
+              </a:rPr>
+              <a:t>(temp) + '"}' + "'"</a:t>
+            </a:r>
+          </a:p>
+          <a:p>
+            <a:pPr lvl="1"/>
+            <a:r>
+              <a:rPr lang="en-US" sz="2000" b="1" i="1" dirty="0">
+                <a:solidFill>
+                  <a:srgbClr val="0070C0"/>
+                </a:solidFill>
+                <a:latin typeface="Consolas" panose="020B0609020204030204" pitchFamily="49" charset="0"/>
+                <a:cs typeface="Consolas" panose="020B0609020204030204" pitchFamily="49" charset="0"/>
+              </a:rPr>
+              <a:t>    </a:t>
+            </a:r>
+            <a:r>
+              <a:rPr lang="en-US" sz="2000" b="1" i="1" dirty="0" err="1">
+                <a:solidFill>
+                  <a:srgbClr val="0070C0"/>
+                </a:solidFill>
+                <a:latin typeface="Consolas" panose="020B0609020204030204" pitchFamily="49" charset="0"/>
+                <a:cs typeface="Consolas" panose="020B0609020204030204" pitchFamily="49" charset="0"/>
+              </a:rPr>
+              <a:t>completeUrl</a:t>
+            </a:r>
+            <a:r>
+              <a:rPr lang="en-US" sz="2000" b="1" i="1" dirty="0">
+                <a:solidFill>
+                  <a:srgbClr val="0070C0"/>
+                </a:solidFill>
+                <a:latin typeface="Consolas" panose="020B0609020204030204" pitchFamily="49" charset="0"/>
+                <a:cs typeface="Consolas" panose="020B0609020204030204" pitchFamily="49" charset="0"/>
+              </a:rPr>
+              <a:t> = </a:t>
+            </a:r>
+            <a:r>
+              <a:rPr lang="en-US" sz="2000" b="1" i="1" dirty="0" err="1">
+                <a:solidFill>
+                  <a:srgbClr val="0070C0"/>
+                </a:solidFill>
+                <a:latin typeface="Consolas" panose="020B0609020204030204" pitchFamily="49" charset="0"/>
+                <a:cs typeface="Consolas" panose="020B0609020204030204" pitchFamily="49" charset="0"/>
+              </a:rPr>
+              <a:t>BaseUrl.format</a:t>
+            </a:r>
+            <a:r>
+              <a:rPr lang="en-US" sz="2000" b="1" i="1" dirty="0">
+                <a:solidFill>
+                  <a:srgbClr val="0070C0"/>
+                </a:solidFill>
+                <a:latin typeface="Consolas" panose="020B0609020204030204" pitchFamily="49" charset="0"/>
+                <a:cs typeface="Consolas" panose="020B0609020204030204" pitchFamily="49" charset="0"/>
+              </a:rPr>
+              <a:t>(</a:t>
+            </a:r>
+            <a:r>
+              <a:rPr lang="en-US" sz="2000" b="1" i="1" dirty="0" err="1">
+                <a:solidFill>
+                  <a:srgbClr val="0070C0"/>
+                </a:solidFill>
+                <a:latin typeface="Consolas" panose="020B0609020204030204" pitchFamily="49" charset="0"/>
+                <a:cs typeface="Consolas" panose="020B0609020204030204" pitchFamily="49" charset="0"/>
+              </a:rPr>
+              <a:t>EventName</a:t>
+            </a:r>
+            <a:r>
+              <a:rPr lang="en-US" sz="2000" b="1" i="1" dirty="0">
+                <a:solidFill>
+                  <a:srgbClr val="0070C0"/>
+                </a:solidFill>
+                <a:latin typeface="Consolas" panose="020B0609020204030204" pitchFamily="49" charset="0"/>
+                <a:cs typeface="Consolas" panose="020B0609020204030204" pitchFamily="49" charset="0"/>
+              </a:rPr>
+              <a:t>, Key)</a:t>
+            </a:r>
+          </a:p>
+          <a:p>
+            <a:pPr lvl="1"/>
+            <a:r>
+              <a:rPr lang="en-US" sz="2000" b="1" i="1" dirty="0">
+                <a:solidFill>
+                  <a:srgbClr val="0070C0"/>
+                </a:solidFill>
+                <a:latin typeface="Consolas" panose="020B0609020204030204" pitchFamily="49" charset="0"/>
+                <a:cs typeface="Consolas" panose="020B0609020204030204" pitchFamily="49" charset="0"/>
+              </a:rPr>
+              <a:t>    </a:t>
+            </a:r>
+            <a:r>
+              <a:rPr lang="en-US" sz="2000" b="1" i="1" dirty="0" err="1">
+                <a:solidFill>
+                  <a:srgbClr val="0070C0"/>
+                </a:solidFill>
+                <a:latin typeface="Consolas" panose="020B0609020204030204" pitchFamily="49" charset="0"/>
+                <a:cs typeface="Consolas" panose="020B0609020204030204" pitchFamily="49" charset="0"/>
+              </a:rPr>
+              <a:t>cmd</a:t>
+            </a:r>
+            <a:r>
+              <a:rPr lang="en-US" sz="2000" b="1" i="1" dirty="0">
+                <a:solidFill>
+                  <a:srgbClr val="0070C0"/>
+                </a:solidFill>
+                <a:latin typeface="Consolas" panose="020B0609020204030204" pitchFamily="49" charset="0"/>
+                <a:cs typeface="Consolas" panose="020B0609020204030204" pitchFamily="49" charset="0"/>
+              </a:rPr>
+              <a:t> = 'curl --socks5-hostname localhost:9050 -H "Content-Type: 			 </a:t>
+            </a:r>
+          </a:p>
+          <a:p>
+            <a:pPr lvl="1"/>
+            <a:r>
+              <a:rPr lang="en-US" sz="2000" b="1" i="1" dirty="0">
+                <a:solidFill>
+                  <a:srgbClr val="0070C0"/>
+                </a:solidFill>
+                <a:latin typeface="Consolas" panose="020B0609020204030204" pitchFamily="49" charset="0"/>
+                <a:cs typeface="Consolas" panose="020B0609020204030204" pitchFamily="49" charset="0"/>
+              </a:rPr>
+              <a:t>           application/</a:t>
+            </a:r>
+            <a:r>
+              <a:rPr lang="en-US" sz="2000" b="1" i="1" dirty="0" err="1">
+                <a:solidFill>
+                  <a:srgbClr val="0070C0"/>
+                </a:solidFill>
+                <a:latin typeface="Consolas" panose="020B0609020204030204" pitchFamily="49" charset="0"/>
+                <a:cs typeface="Consolas" panose="020B0609020204030204" pitchFamily="49" charset="0"/>
+              </a:rPr>
+              <a:t>json</a:t>
+            </a:r>
+            <a:r>
+              <a:rPr lang="en-US" sz="2000" b="1" i="1" dirty="0">
+                <a:solidFill>
+                  <a:srgbClr val="0070C0"/>
+                </a:solidFill>
+                <a:latin typeface="Consolas" panose="020B0609020204030204" pitchFamily="49" charset="0"/>
+                <a:cs typeface="Consolas" panose="020B0609020204030204" pitchFamily="49" charset="0"/>
+              </a:rPr>
+              <a:t>" -X POST -d {} {}'.format(</a:t>
+            </a:r>
+            <a:r>
+              <a:rPr lang="en-US" sz="2000" b="1" i="1" dirty="0" err="1">
+                <a:solidFill>
+                  <a:srgbClr val="0070C0"/>
+                </a:solidFill>
+                <a:latin typeface="Consolas" panose="020B0609020204030204" pitchFamily="49" charset="0"/>
+                <a:cs typeface="Consolas" panose="020B0609020204030204" pitchFamily="49" charset="0"/>
+              </a:rPr>
+              <a:t>json</a:t>
+            </a:r>
+            <a:r>
+              <a:rPr lang="en-US" sz="2000" b="1" i="1" dirty="0">
+                <a:solidFill>
+                  <a:srgbClr val="0070C0"/>
+                </a:solidFill>
+                <a:latin typeface="Consolas" panose="020B0609020204030204" pitchFamily="49" charset="0"/>
+                <a:cs typeface="Consolas" panose="020B0609020204030204" pitchFamily="49" charset="0"/>
+              </a:rPr>
+              <a:t>, </a:t>
+            </a:r>
+            <a:r>
+              <a:rPr lang="en-US" sz="2000" b="1" i="1" dirty="0" err="1">
+                <a:solidFill>
+                  <a:srgbClr val="0070C0"/>
+                </a:solidFill>
+                <a:latin typeface="Consolas" panose="020B0609020204030204" pitchFamily="49" charset="0"/>
+                <a:cs typeface="Consolas" panose="020B0609020204030204" pitchFamily="49" charset="0"/>
+              </a:rPr>
+              <a:t>completeUrl</a:t>
+            </a:r>
+            <a:r>
+              <a:rPr lang="en-US" sz="2000" b="1" i="1" dirty="0">
+                <a:solidFill>
+                  <a:srgbClr val="0070C0"/>
+                </a:solidFill>
+                <a:latin typeface="Consolas" panose="020B0609020204030204" pitchFamily="49" charset="0"/>
+                <a:cs typeface="Consolas" panose="020B0609020204030204" pitchFamily="49" charset="0"/>
+              </a:rPr>
+              <a:t>)</a:t>
+            </a:r>
+          </a:p>
+          <a:p>
+            <a:pPr lvl="1"/>
+            <a:r>
+              <a:rPr lang="en-US" sz="2000" b="1" i="1" dirty="0">
+                <a:solidFill>
+                  <a:srgbClr val="0070C0"/>
+                </a:solidFill>
+                <a:latin typeface="Consolas" panose="020B0609020204030204" pitchFamily="49" charset="0"/>
+                <a:cs typeface="Consolas" panose="020B0609020204030204" pitchFamily="49" charset="0"/>
+              </a:rPr>
+              <a:t>    </a:t>
+            </a:r>
+            <a:r>
+              <a:rPr lang="en-US" sz="2000" b="1" i="1" dirty="0" err="1">
+                <a:solidFill>
+                  <a:srgbClr val="0070C0"/>
+                </a:solidFill>
+                <a:latin typeface="Consolas" panose="020B0609020204030204" pitchFamily="49" charset="0"/>
+                <a:cs typeface="Consolas" panose="020B0609020204030204" pitchFamily="49" charset="0"/>
+              </a:rPr>
+              <a:t>os.popen</a:t>
+            </a:r>
+            <a:r>
+              <a:rPr lang="en-US" sz="2000" b="1" i="1" dirty="0">
+                <a:solidFill>
+                  <a:srgbClr val="0070C0"/>
+                </a:solidFill>
+                <a:latin typeface="Consolas" panose="020B0609020204030204" pitchFamily="49" charset="0"/>
+                <a:cs typeface="Consolas" panose="020B0609020204030204" pitchFamily="49" charset="0"/>
+              </a:rPr>
+              <a:t>(</a:t>
+            </a:r>
+            <a:r>
+              <a:rPr lang="en-US" sz="2000" b="1" i="1" dirty="0" err="1">
+                <a:solidFill>
+                  <a:srgbClr val="0070C0"/>
+                </a:solidFill>
+                <a:latin typeface="Consolas" panose="020B0609020204030204" pitchFamily="49" charset="0"/>
+                <a:cs typeface="Consolas" panose="020B0609020204030204" pitchFamily="49" charset="0"/>
+              </a:rPr>
+              <a:t>cmd</a:t>
+            </a:r>
+            <a:r>
+              <a:rPr lang="en-US" sz="2000" b="1" i="1" dirty="0">
+                <a:solidFill>
+                  <a:srgbClr val="0070C0"/>
+                </a:solidFill>
+                <a:latin typeface="Consolas" panose="020B0609020204030204" pitchFamily="49" charset="0"/>
+                <a:cs typeface="Consolas" panose="020B0609020204030204" pitchFamily="49" charset="0"/>
+              </a:rPr>
+              <a:t>)</a:t>
+            </a:r>
+          </a:p>
+          <a:p>
+            <a:pPr lvl="1"/>
+            <a:endParaRPr lang="en-US" sz="2000" b="1" i="1" dirty="0">
+              <a:solidFill>
+                <a:srgbClr val="0070C0"/>
+              </a:solidFill>
+              <a:latin typeface="Consolas" panose="020B0609020204030204" pitchFamily="49" charset="0"/>
+              <a:cs typeface="Consolas" panose="020B0609020204030204" pitchFamily="49" charset="0"/>
+            </a:endParaRPr>
+          </a:p>
+          <a:p>
+            <a:pPr lvl="1"/>
+            <a:r>
+              <a:rPr lang="en-US" sz="2000" b="1" i="1" dirty="0">
+                <a:solidFill>
+                  <a:srgbClr val="0070C0"/>
+                </a:solidFill>
+                <a:latin typeface="Consolas" panose="020B0609020204030204" pitchFamily="49" charset="0"/>
+                <a:cs typeface="Consolas" panose="020B0609020204030204" pitchFamily="49" charset="0"/>
+              </a:rPr>
+              <a:t>def </a:t>
+            </a:r>
+            <a:r>
+              <a:rPr lang="en-US" sz="2000" b="1" i="1" dirty="0" err="1">
+                <a:solidFill>
+                  <a:srgbClr val="0070C0"/>
+                </a:solidFill>
+                <a:latin typeface="Consolas" panose="020B0609020204030204" pitchFamily="49" charset="0"/>
+                <a:cs typeface="Consolas" panose="020B0609020204030204" pitchFamily="49" charset="0"/>
+              </a:rPr>
+              <a:t>CpuTemp</a:t>
+            </a:r>
+            <a:r>
+              <a:rPr lang="en-US" sz="2000" b="1" i="1" dirty="0">
+                <a:solidFill>
+                  <a:srgbClr val="0070C0"/>
+                </a:solidFill>
+                <a:latin typeface="Consolas" panose="020B0609020204030204" pitchFamily="49" charset="0"/>
+                <a:cs typeface="Consolas" panose="020B0609020204030204" pitchFamily="49" charset="0"/>
+              </a:rPr>
+              <a:t>():</a:t>
+            </a:r>
+          </a:p>
+          <a:p>
+            <a:pPr lvl="1"/>
+            <a:r>
+              <a:rPr lang="en-US" sz="2000" b="1" i="1" dirty="0">
+                <a:solidFill>
+                  <a:srgbClr val="0070C0"/>
+                </a:solidFill>
+                <a:latin typeface="Consolas" panose="020B0609020204030204" pitchFamily="49" charset="0"/>
+                <a:cs typeface="Consolas" panose="020B0609020204030204" pitchFamily="49" charset="0"/>
+              </a:rPr>
+              <a:t>    dev = </a:t>
+            </a:r>
+            <a:r>
+              <a:rPr lang="en-US" sz="2000" b="1" i="1" dirty="0" err="1">
+                <a:solidFill>
+                  <a:srgbClr val="0070C0"/>
+                </a:solidFill>
+                <a:latin typeface="Consolas" panose="020B0609020204030204" pitchFamily="49" charset="0"/>
+                <a:cs typeface="Consolas" panose="020B0609020204030204" pitchFamily="49" charset="0"/>
+              </a:rPr>
+              <a:t>os.popen</a:t>
+            </a:r>
+            <a:r>
+              <a:rPr lang="en-US" sz="2000" b="1" i="1" dirty="0">
+                <a:solidFill>
+                  <a:srgbClr val="0070C0"/>
+                </a:solidFill>
+                <a:latin typeface="Consolas" panose="020B0609020204030204" pitchFamily="49" charset="0"/>
+                <a:cs typeface="Consolas" panose="020B0609020204030204" pitchFamily="49" charset="0"/>
+              </a:rPr>
+              <a:t>('/opt/</a:t>
+            </a:r>
+            <a:r>
+              <a:rPr lang="en-US" sz="2000" b="1" i="1" dirty="0" err="1">
+                <a:solidFill>
+                  <a:srgbClr val="0070C0"/>
+                </a:solidFill>
+                <a:latin typeface="Consolas" panose="020B0609020204030204" pitchFamily="49" charset="0"/>
+                <a:cs typeface="Consolas" panose="020B0609020204030204" pitchFamily="49" charset="0"/>
+              </a:rPr>
+              <a:t>vc</a:t>
+            </a:r>
+            <a:r>
+              <a:rPr lang="en-US" sz="2000" b="1" i="1" dirty="0">
+                <a:solidFill>
+                  <a:srgbClr val="0070C0"/>
+                </a:solidFill>
+                <a:latin typeface="Consolas" panose="020B0609020204030204" pitchFamily="49" charset="0"/>
+                <a:cs typeface="Consolas" panose="020B0609020204030204" pitchFamily="49" charset="0"/>
+              </a:rPr>
+              <a:t>/bin/</a:t>
+            </a:r>
+            <a:r>
+              <a:rPr lang="en-US" sz="2000" b="1" i="1" dirty="0" err="1">
+                <a:solidFill>
+                  <a:srgbClr val="0070C0"/>
+                </a:solidFill>
+                <a:latin typeface="Consolas" panose="020B0609020204030204" pitchFamily="49" charset="0"/>
+                <a:cs typeface="Consolas" panose="020B0609020204030204" pitchFamily="49" charset="0"/>
+              </a:rPr>
+              <a:t>vcgencmd</a:t>
+            </a:r>
+            <a:r>
+              <a:rPr lang="en-US" sz="2000" b="1" i="1" dirty="0">
+                <a:solidFill>
+                  <a:srgbClr val="0070C0"/>
+                </a:solidFill>
+                <a:latin typeface="Consolas" panose="020B0609020204030204" pitchFamily="49" charset="0"/>
+                <a:cs typeface="Consolas" panose="020B0609020204030204" pitchFamily="49" charset="0"/>
+              </a:rPr>
+              <a:t> </a:t>
+            </a:r>
+            <a:r>
+              <a:rPr lang="en-US" sz="2000" b="1" i="1" dirty="0" err="1">
+                <a:solidFill>
+                  <a:srgbClr val="0070C0"/>
+                </a:solidFill>
+                <a:latin typeface="Consolas" panose="020B0609020204030204" pitchFamily="49" charset="0"/>
+                <a:cs typeface="Consolas" panose="020B0609020204030204" pitchFamily="49" charset="0"/>
+              </a:rPr>
+              <a:t>measure_temp</a:t>
+            </a:r>
+            <a:r>
+              <a:rPr lang="en-US" sz="2000" b="1" i="1" dirty="0">
+                <a:solidFill>
+                  <a:srgbClr val="0070C0"/>
+                </a:solidFill>
+                <a:latin typeface="Consolas" panose="020B0609020204030204" pitchFamily="49" charset="0"/>
+                <a:cs typeface="Consolas" panose="020B0609020204030204" pitchFamily="49" charset="0"/>
+              </a:rPr>
+              <a:t>')</a:t>
+            </a:r>
+          </a:p>
+          <a:p>
+            <a:pPr lvl="1"/>
+            <a:r>
+              <a:rPr lang="en-US" sz="2000" b="1" i="1" dirty="0">
+                <a:solidFill>
+                  <a:srgbClr val="0070C0"/>
+                </a:solidFill>
+                <a:latin typeface="Consolas" panose="020B0609020204030204" pitchFamily="49" charset="0"/>
+                <a:cs typeface="Consolas" panose="020B0609020204030204" pitchFamily="49" charset="0"/>
+              </a:rPr>
+              <a:t>    temp = </a:t>
+            </a:r>
+            <a:r>
+              <a:rPr lang="en-US" sz="2000" b="1" i="1" dirty="0" err="1">
+                <a:solidFill>
+                  <a:srgbClr val="0070C0"/>
+                </a:solidFill>
+                <a:latin typeface="Consolas" panose="020B0609020204030204" pitchFamily="49" charset="0"/>
+                <a:cs typeface="Consolas" panose="020B0609020204030204" pitchFamily="49" charset="0"/>
+              </a:rPr>
+              <a:t>dev.read</a:t>
+            </a:r>
+            <a:r>
+              <a:rPr lang="en-US" sz="2000" b="1" i="1" dirty="0">
+                <a:solidFill>
+                  <a:srgbClr val="0070C0"/>
+                </a:solidFill>
+                <a:latin typeface="Consolas" panose="020B0609020204030204" pitchFamily="49" charset="0"/>
+                <a:cs typeface="Consolas" panose="020B0609020204030204" pitchFamily="49" charset="0"/>
+              </a:rPr>
+              <a:t>()[5:-3]</a:t>
+            </a:r>
+          </a:p>
+          <a:p>
+            <a:pPr lvl="1"/>
+            <a:r>
+              <a:rPr lang="en-US" sz="2000" b="1" i="1" dirty="0">
+                <a:solidFill>
+                  <a:srgbClr val="0070C0"/>
+                </a:solidFill>
+                <a:latin typeface="Consolas" panose="020B0609020204030204" pitchFamily="49" charset="0"/>
+                <a:cs typeface="Consolas" panose="020B0609020204030204" pitchFamily="49" charset="0"/>
+              </a:rPr>
+              <a:t>    return float(temp)</a:t>
+            </a:r>
           </a:p>
         </p:txBody>
       </p:sp>
-      <p:pic>
-        <p:nvPicPr>
-          <p:cNvPr id="2" name="Picture 1"/>
-          <p:cNvPicPr>
-            <a:picLocks noChangeAspect="1"/>
-          </p:cNvPicPr>
-          <p:nvPr/>
-        </p:nvPicPr>
-        <p:blipFill>
-          <a:blip r:embed="rId2"/>
-          <a:stretch>
-            <a:fillRect/>
-          </a:stretch>
-        </p:blipFill>
-        <p:spPr>
-          <a:xfrm>
-            <a:off x="1170988" y="2131889"/>
-            <a:ext cx="9886218" cy="4605119"/>
-          </a:xfrm>
-          <a:prstGeom prst="rect">
-            <a:avLst/>
-          </a:prstGeom>
-        </p:spPr>
-      </p:pic>
     </p:spTree>
     <p:extLst>
       <p:ext uri="{BB962C8B-B14F-4D97-AF65-F5344CB8AC3E}">
-        <p14:creationId xmlns:p14="http://schemas.microsoft.com/office/powerpoint/2010/main" val="2026775965"/>
+        <p14:creationId xmlns:p14="http://schemas.microsoft.com/office/powerpoint/2010/main" val="4217753849"/>
       </p:ext>
     </p:extLst>
   </p:cSld>
@@ -8494,15 +8680,7 @@
           <a:p>
             <a:r>
               <a:rPr lang="en-US" dirty="0"/>
-              <a:t>Sending Sensor Data to </a:t>
-            </a:r>
-            <a:r>
-              <a:rPr lang="en-US" dirty="0" err="1"/>
-              <a:t>ThingSpeak</a:t>
-            </a:r>
-            <a:r>
-              <a:rPr lang="en-US" dirty="0"/>
-              <a:t> </a:t>
+              <a:t>EmailIfttt.py Project</a:t>
             </a:r>
           </a:p>
         </p:txBody>
@@ -8555,7 +8733,7 @@
         <p:spPr>
           <a:xfrm>
             <a:off x="417443" y="745199"/>
-            <a:ext cx="11357113" cy="1015663"/>
+            <a:ext cx="11357113" cy="2554545"/>
           </a:xfrm>
           <a:prstGeom prst="rect">
             <a:avLst/>
@@ -8570,40 +8748,193 @@
           <a:p>
             <a:pPr lvl="1"/>
             <a:r>
-              <a:rPr lang="en-US" sz="2000" dirty="0"/>
-              <a:t>The rest of the form can be left blank. When you have finished editing, click Save Channel at the bottom of the page. Click on the Data Import/Export tab to find a summary of the web requests that you can use, customized to the channel you just created </a:t>
+              <a:rPr lang="en-US" sz="2000" b="1" i="1" dirty="0">
+                <a:solidFill>
+                  <a:srgbClr val="0070C0"/>
+                </a:solidFill>
+                <a:latin typeface="Consolas" panose="020B0609020204030204" pitchFamily="49" charset="0"/>
+                <a:cs typeface="Consolas" panose="020B0609020204030204" pitchFamily="49" charset="0"/>
+              </a:rPr>
+              <a:t>while True:</a:t>
+            </a:r>
+          </a:p>
+          <a:p>
+            <a:pPr lvl="1"/>
+            <a:r>
+              <a:rPr lang="en-US" sz="2000" b="1" i="1" dirty="0">
+                <a:solidFill>
+                  <a:srgbClr val="0070C0"/>
+                </a:solidFill>
+                <a:latin typeface="Consolas" panose="020B0609020204030204" pitchFamily="49" charset="0"/>
+                <a:cs typeface="Consolas" panose="020B0609020204030204" pitchFamily="49" charset="0"/>
+              </a:rPr>
+              <a:t>    temp = </a:t>
+            </a:r>
+            <a:r>
+              <a:rPr lang="en-US" sz="2000" b="1" i="1" dirty="0" err="1">
+                <a:solidFill>
+                  <a:srgbClr val="0070C0"/>
+                </a:solidFill>
+                <a:latin typeface="Consolas" panose="020B0609020204030204" pitchFamily="49" charset="0"/>
+                <a:cs typeface="Consolas" panose="020B0609020204030204" pitchFamily="49" charset="0"/>
+              </a:rPr>
+              <a:t>CpuTemp</a:t>
+            </a:r>
+            <a:r>
+              <a:rPr lang="en-US" sz="2000" b="1" i="1" dirty="0">
+                <a:solidFill>
+                  <a:srgbClr val="0070C0"/>
+                </a:solidFill>
+                <a:latin typeface="Consolas" panose="020B0609020204030204" pitchFamily="49" charset="0"/>
+                <a:cs typeface="Consolas" panose="020B0609020204030204" pitchFamily="49" charset="0"/>
+              </a:rPr>
+              <a:t>()</a:t>
+            </a:r>
+          </a:p>
+          <a:p>
+            <a:pPr lvl="1"/>
+            <a:r>
+              <a:rPr lang="en-US" sz="2000" b="1" i="1" dirty="0">
+                <a:solidFill>
+                  <a:srgbClr val="0070C0"/>
+                </a:solidFill>
+                <a:latin typeface="Consolas" panose="020B0609020204030204" pitchFamily="49" charset="0"/>
+                <a:cs typeface="Consolas" panose="020B0609020204030204" pitchFamily="49" charset="0"/>
+              </a:rPr>
+              <a:t>    print("CPU Temp(c) : {}".format(temp))</a:t>
+            </a:r>
+          </a:p>
+          <a:p>
+            <a:pPr lvl="1"/>
+            <a:r>
+              <a:rPr lang="en-US" sz="2000" b="1" i="1" dirty="0">
+                <a:solidFill>
+                  <a:srgbClr val="0070C0"/>
+                </a:solidFill>
+                <a:latin typeface="Consolas" panose="020B0609020204030204" pitchFamily="49" charset="0"/>
+                <a:cs typeface="Consolas" panose="020B0609020204030204" pitchFamily="49" charset="0"/>
+              </a:rPr>
+              <a:t>    if temp &gt; </a:t>
+            </a:r>
+            <a:r>
+              <a:rPr lang="en-US" sz="2000" b="1" i="1" dirty="0" err="1">
+                <a:solidFill>
+                  <a:srgbClr val="0070C0"/>
+                </a:solidFill>
+                <a:latin typeface="Consolas" panose="020B0609020204030204" pitchFamily="49" charset="0"/>
+                <a:cs typeface="Consolas" panose="020B0609020204030204" pitchFamily="49" charset="0"/>
+              </a:rPr>
+              <a:t>MaxTemp</a:t>
+            </a:r>
+            <a:r>
+              <a:rPr lang="en-US" sz="2000" b="1" i="1" dirty="0">
+                <a:solidFill>
+                  <a:srgbClr val="0070C0"/>
+                </a:solidFill>
+                <a:latin typeface="Consolas" panose="020B0609020204030204" pitchFamily="49" charset="0"/>
+                <a:cs typeface="Consolas" panose="020B0609020204030204" pitchFamily="49" charset="0"/>
+              </a:rPr>
+              <a:t>:</a:t>
+            </a:r>
+          </a:p>
+          <a:p>
+            <a:pPr lvl="1"/>
+            <a:r>
+              <a:rPr lang="en-US" sz="2000" b="1" i="1" dirty="0">
+                <a:solidFill>
+                  <a:srgbClr val="0070C0"/>
+                </a:solidFill>
+                <a:latin typeface="Consolas" panose="020B0609020204030204" pitchFamily="49" charset="0"/>
+                <a:cs typeface="Consolas" panose="020B0609020204030204" pitchFamily="49" charset="0"/>
+              </a:rPr>
+              <a:t>        print("CPU TOO Hot!")</a:t>
+            </a:r>
+          </a:p>
+          <a:p>
+            <a:pPr lvl="1"/>
+            <a:r>
+              <a:rPr lang="en-US" sz="2000" b="1" i="1" dirty="0">
+                <a:solidFill>
+                  <a:srgbClr val="0070C0"/>
+                </a:solidFill>
+                <a:latin typeface="Consolas" panose="020B0609020204030204" pitchFamily="49" charset="0"/>
+                <a:cs typeface="Consolas" panose="020B0609020204030204" pitchFamily="49" charset="0"/>
+              </a:rPr>
+              <a:t>        </a:t>
+            </a:r>
+            <a:r>
+              <a:rPr lang="en-US" sz="2000" b="1" i="1" dirty="0" err="1">
+                <a:solidFill>
+                  <a:srgbClr val="0070C0"/>
+                </a:solidFill>
+                <a:latin typeface="Consolas" panose="020B0609020204030204" pitchFamily="49" charset="0"/>
+                <a:cs typeface="Consolas" panose="020B0609020204030204" pitchFamily="49" charset="0"/>
+              </a:rPr>
+              <a:t>SendNotification</a:t>
+            </a:r>
+            <a:r>
+              <a:rPr lang="en-US" sz="2000" b="1" i="1" dirty="0">
+                <a:solidFill>
+                  <a:srgbClr val="0070C0"/>
+                </a:solidFill>
+                <a:latin typeface="Consolas" panose="020B0609020204030204" pitchFamily="49" charset="0"/>
+                <a:cs typeface="Consolas" panose="020B0609020204030204" pitchFamily="49" charset="0"/>
+              </a:rPr>
+              <a:t>(temp)</a:t>
+            </a:r>
+          </a:p>
+          <a:p>
+            <a:pPr lvl="1"/>
+            <a:r>
+              <a:rPr lang="en-US" sz="2000" b="1" i="1" dirty="0">
+                <a:solidFill>
+                  <a:srgbClr val="0070C0"/>
+                </a:solidFill>
+                <a:latin typeface="Consolas" panose="020B0609020204030204" pitchFamily="49" charset="0"/>
+                <a:cs typeface="Consolas" panose="020B0609020204030204" pitchFamily="49" charset="0"/>
+              </a:rPr>
+              <a:t>        print("No more notification for : 5")</a:t>
+            </a:r>
+          </a:p>
+          <a:p>
+            <a:pPr lvl="1"/>
+            <a:r>
+              <a:rPr lang="en-US" sz="2000" b="1" i="1" dirty="0">
+                <a:solidFill>
+                  <a:srgbClr val="0070C0"/>
+                </a:solidFill>
+                <a:latin typeface="Consolas" panose="020B0609020204030204" pitchFamily="49" charset="0"/>
+                <a:cs typeface="Consolas" panose="020B0609020204030204" pitchFamily="49" charset="0"/>
+              </a:rPr>
+              <a:t>        </a:t>
+            </a:r>
+            <a:r>
+              <a:rPr lang="en-US" sz="2000" b="1" i="1" dirty="0" err="1">
+                <a:solidFill>
+                  <a:srgbClr val="0070C0"/>
+                </a:solidFill>
+                <a:latin typeface="Consolas" panose="020B0609020204030204" pitchFamily="49" charset="0"/>
+                <a:cs typeface="Consolas" panose="020B0609020204030204" pitchFamily="49" charset="0"/>
+              </a:rPr>
+              <a:t>time.sleep</a:t>
+            </a:r>
+            <a:r>
+              <a:rPr lang="en-US" sz="2000" b="1" i="1" dirty="0">
+                <a:solidFill>
+                  <a:srgbClr val="0070C0"/>
+                </a:solidFill>
+                <a:latin typeface="Consolas" panose="020B0609020204030204" pitchFamily="49" charset="0"/>
+                <a:cs typeface="Consolas" panose="020B0609020204030204" pitchFamily="49" charset="0"/>
+              </a:rPr>
+              <a:t>(5)</a:t>
             </a:r>
           </a:p>
         </p:txBody>
       </p:sp>
-      <p:pic>
-        <p:nvPicPr>
-          <p:cNvPr id="3" name="Picture 2"/>
-          <p:cNvPicPr>
-            <a:picLocks noChangeAspect="1"/>
-          </p:cNvPicPr>
-          <p:nvPr/>
-        </p:nvPicPr>
-        <p:blipFill>
-          <a:blip r:embed="rId2"/>
-          <a:stretch>
-            <a:fillRect/>
-          </a:stretch>
-        </p:blipFill>
-        <p:spPr>
-          <a:xfrm>
-            <a:off x="2223829" y="1784844"/>
-            <a:ext cx="7744339" cy="5121112"/>
-          </a:xfrm>
-          <a:prstGeom prst="rect">
-            <a:avLst/>
-          </a:prstGeom>
-        </p:spPr>
-      </p:pic>
     </p:spTree>
     <p:extLst>
       <p:ext uri="{BB962C8B-B14F-4D97-AF65-F5344CB8AC3E}">
-        <p14:creationId xmlns:p14="http://schemas.microsoft.com/office/powerpoint/2010/main" val="1975480813"/>
+        <p14:creationId xmlns:p14="http://schemas.microsoft.com/office/powerpoint/2010/main" val="3431775083"/>
       </p:ext>
     </p:extLst>
   </p:cSld>
@@ -8616,6 +8947,11 @@
 <file path=ppt/slides/slide23.xml><?xml version="1.0" encoding="utf-8"?>
 <p:sld xmlns:a="http://schemas.openxmlformats.org/drawingml/2006/main" xmlns:r="http://schemas.openxmlformats.org/officeDocument/2006/relationships" xmlns:p="http://schemas.openxmlformats.org/presentationml/2006/main">
   <p:cSld>
+    <p:bg>
+      <p:bgRef idx="1001">
+        <a:schemeClr val="bg1"/>
+      </p:bgRef>
+    </p:bg>
     <p:spTree>
       <p:nvGrpSpPr>
         <p:cNvPr id="1" name=""/>
@@ -8767,7 +9103,7 @@
           <a:p>
             <a:r>
               <a:rPr lang="en-US" dirty="0"/>
-              <a:t>ThingspeakData.py Project</a:t>
+              <a:t>Sending Email and Other Notifications with IFTTT </a:t>
             </a:r>
           </a:p>
         </p:txBody>
@@ -8820,7 +9156,7 @@
         <p:spPr>
           <a:xfrm>
             <a:off x="417443" y="745199"/>
-            <a:ext cx="11357113" cy="5940088"/>
+            <a:ext cx="11357113" cy="5016758"/>
           </a:xfrm>
           <a:prstGeom prst="rect">
             <a:avLst/>
@@ -8836,7 +9172,7 @@
             <a:pPr lvl="1"/>
             <a:r>
               <a:rPr lang="en-US" sz="2000" dirty="0"/>
-              <a:t>To send data to the channel, a web request must be sent. The Python program:</a:t>
+              <a:t>Before running the program, you will need to get an access key for the Maker Action channel by selecting Channels (at the top of the IFTTT web page), and then searching for Maker. Connect to the channel, and then you will see your key displayed near the bottom of the web page </a:t>
             </a:r>
           </a:p>
           <a:p>
@@ -8846,6 +9182,10 @@
           <a:p>
             <a:pPr lvl="1"/>
             <a:r>
+              <a:rPr lang="en-US" sz="2000" dirty="0"/>
+              <a:t>Paste the key into previous program on the line that starts </a:t>
+            </a:r>
+            <a:r>
               <a:rPr lang="en-US" sz="2000" b="1" i="1" dirty="0">
                 <a:solidFill>
                   <a:srgbClr val="0070C0"/>
@@ -8853,47 +9193,11 @@
                 <a:latin typeface="Consolas" panose="020B0609020204030204" pitchFamily="49" charset="0"/>
                 <a:cs typeface="Consolas" panose="020B0609020204030204" pitchFamily="49" charset="0"/>
               </a:rPr>
-              <a:t>import time, </a:t>
-            </a:r>
-            <a:r>
-              <a:rPr lang="en-US" sz="2000" b="1" i="1" dirty="0" err="1">
-                <a:solidFill>
-                  <a:srgbClr val="0070C0"/>
-                </a:solidFill>
-                <a:latin typeface="Consolas" panose="020B0609020204030204" pitchFamily="49" charset="0"/>
-                <a:cs typeface="Consolas" panose="020B0609020204030204" pitchFamily="49" charset="0"/>
-              </a:rPr>
-              <a:t>os</a:t>
-            </a:r>
-            <a:r>
-              <a:rPr lang="en-US" sz="2000" b="1" i="1" dirty="0">
-                <a:solidFill>
-                  <a:srgbClr val="0070C0"/>
-                </a:solidFill>
-                <a:latin typeface="Consolas" panose="020B0609020204030204" pitchFamily="49" charset="0"/>
-                <a:cs typeface="Consolas" panose="020B0609020204030204" pitchFamily="49" charset="0"/>
-              </a:rPr>
-              <a:t>, </a:t>
-            </a:r>
-            <a:r>
-              <a:rPr lang="en-US" sz="2000" b="1" i="1" dirty="0" err="1">
-                <a:solidFill>
-                  <a:srgbClr val="0070C0"/>
-                </a:solidFill>
-                <a:latin typeface="Consolas" panose="020B0609020204030204" pitchFamily="49" charset="0"/>
-                <a:cs typeface="Consolas" panose="020B0609020204030204" pitchFamily="49" charset="0"/>
-              </a:rPr>
-              <a:t>urllib</a:t>
-            </a:r>
-            <a:r>
-              <a:rPr lang="en-US" sz="2000" b="1" i="1" dirty="0">
-                <a:solidFill>
-                  <a:srgbClr val="0070C0"/>
-                </a:solidFill>
-                <a:latin typeface="Consolas" panose="020B0609020204030204" pitchFamily="49" charset="0"/>
-                <a:cs typeface="Consolas" panose="020B0609020204030204" pitchFamily="49" charset="0"/>
-              </a:rPr>
-              <a:t>, urllib2</a:t>
+              <a:t>KEY=</a:t>
+            </a:r>
+            <a:r>
+              <a:rPr lang="en-US" sz="2000" dirty="0"/>
+              <a:t> and then run the program using:</a:t>
             </a:r>
           </a:p>
           <a:p>
@@ -8916,11 +9220,18 @@
                 <a:latin typeface="Consolas" panose="020B0609020204030204" pitchFamily="49" charset="0"/>
                 <a:cs typeface="Consolas" panose="020B0609020204030204" pitchFamily="49" charset="0"/>
               </a:rPr>
-              <a:t>DELAY = 15</a:t>
-            </a:r>
-          </a:p>
-          <a:p>
-            <a:pPr lvl="1"/>
+              <a:t>$ </a:t>
+            </a:r>
+            <a:r>
+              <a:rPr lang="en-US" sz="2000" b="1" i="1" dirty="0" err="1">
+                <a:solidFill>
+                  <a:srgbClr val="0070C0"/>
+                </a:solidFill>
+                <a:latin typeface="Consolas" panose="020B0609020204030204" pitchFamily="49" charset="0"/>
+                <a:cs typeface="Consolas" panose="020B0609020204030204" pitchFamily="49" charset="0"/>
+              </a:rPr>
+              <a:t>sudo</a:t>
+            </a:r>
             <a:r>
               <a:rPr lang="en-US" sz="2000" b="1" i="1" dirty="0">
                 <a:solidFill>
@@ -8929,40 +9240,7 @@
                 <a:latin typeface="Consolas" panose="020B0609020204030204" pitchFamily="49" charset="0"/>
                 <a:cs typeface="Consolas" panose="020B0609020204030204" pitchFamily="49" charset="0"/>
               </a:rPr>
-              <a:t>BASEURL = 'https://api.thingspeak.com/</a:t>
-            </a:r>
-            <a:r>
-              <a:rPr lang="en-US" sz="2000" b="1" i="1" dirty="0" err="1">
-                <a:solidFill>
-                  <a:srgbClr val="0070C0"/>
-                </a:solidFill>
-                <a:latin typeface="Consolas" panose="020B0609020204030204" pitchFamily="49" charset="0"/>
-                <a:cs typeface="Consolas" panose="020B0609020204030204" pitchFamily="49" charset="0"/>
-              </a:rPr>
-              <a:t>update?api_key</a:t>
-            </a:r>
-            <a:r>
-              <a:rPr lang="en-US" sz="2000" b="1" i="1" dirty="0">
-                <a:solidFill>
-                  <a:srgbClr val="0070C0"/>
-                </a:solidFill>
-                <a:latin typeface="Consolas" panose="020B0609020204030204" pitchFamily="49" charset="0"/>
-                <a:cs typeface="Consolas" panose="020B0609020204030204" pitchFamily="49" charset="0"/>
-              </a:rPr>
-              <a:t>={}&amp;field1={}'</a:t>
-            </a:r>
-          </a:p>
-          <a:p>
-            <a:pPr lvl="1"/>
-            <a:r>
-              <a:rPr lang="en-US" sz="2000" b="1" i="1" dirty="0">
-                <a:solidFill>
-                  <a:srgbClr val="0070C0"/>
-                </a:solidFill>
-                <a:latin typeface="Consolas" panose="020B0609020204030204" pitchFamily="49" charset="0"/>
-                <a:cs typeface="Consolas" panose="020B0609020204030204" pitchFamily="49" charset="0"/>
-              </a:rPr>
-              <a:t>KEY = 'SNDA3NE8T2I3A5W1'</a:t>
+              <a:t> python ifttt_cpu_temp.py</a:t>
             </a:r>
           </a:p>
           <a:p>
@@ -8978,6 +9256,24 @@
           <a:p>
             <a:pPr lvl="1"/>
             <a:r>
+              <a:rPr lang="en-US" sz="2000" dirty="0"/>
+              <a:t>Most of the action for this program takes place in the </a:t>
+            </a:r>
+            <a:r>
+              <a:rPr lang="en-US" sz="2000" b="1" i="1" dirty="0" err="1">
+                <a:solidFill>
+                  <a:srgbClr val="0070C0"/>
+                </a:solidFill>
+                <a:latin typeface="Consolas" panose="020B0609020204030204" pitchFamily="49" charset="0"/>
+                <a:cs typeface="Consolas" panose="020B0609020204030204" pitchFamily="49" charset="0"/>
+              </a:rPr>
+              <a:t>send_notification</a:t>
+            </a:r>
+            <a:r>
+              <a:rPr lang="en-US" sz="2000" dirty="0"/>
+              <a:t> email. This first constructs a URL including the key and request parameter </a:t>
+            </a:r>
+            <a:r>
               <a:rPr lang="en-US" sz="2000" b="1" i="1" dirty="0">
                 <a:solidFill>
                   <a:srgbClr val="0070C0"/>
@@ -8985,17 +9281,11 @@
                 <a:latin typeface="Consolas" panose="020B0609020204030204" pitchFamily="49" charset="0"/>
                 <a:cs typeface="Consolas" panose="020B0609020204030204" pitchFamily="49" charset="0"/>
               </a:rPr>
-              <a:t>def </a:t>
-            </a:r>
-            <a:r>
-              <a:rPr lang="en-US" sz="2000" b="1" i="1" dirty="0" err="1">
-                <a:solidFill>
-                  <a:srgbClr val="0070C0"/>
-                </a:solidFill>
-                <a:latin typeface="Consolas" panose="020B0609020204030204" pitchFamily="49" charset="0"/>
-                <a:cs typeface="Consolas" panose="020B0609020204030204" pitchFamily="49" charset="0"/>
-              </a:rPr>
-              <a:t>SendData</a:t>
+              <a:t>value1</a:t>
+            </a:r>
+            <a:r>
+              <a:rPr lang="en-US" sz="2000" dirty="0"/>
+              <a:t> (containing the temperature) and then uses the Python </a:t>
             </a:r>
             <a:r>
               <a:rPr lang="en-US" sz="2000" b="1" i="1" dirty="0">
@@ -9005,11 +9295,23 @@
                 <a:latin typeface="Consolas" panose="020B0609020204030204" pitchFamily="49" charset="0"/>
                 <a:cs typeface="Consolas" panose="020B0609020204030204" pitchFamily="49" charset="0"/>
               </a:rPr>
-              <a:t>(temp):</a:t>
-            </a:r>
-          </a:p>
-          <a:p>
-            <a:pPr lvl="1"/>
+              <a:t>urllib2</a:t>
+            </a:r>
+            <a:r>
+              <a:rPr lang="en-US" sz="2000" dirty="0"/>
+              <a:t> to send the web request to IFTTT. </a:t>
+            </a:r>
+          </a:p>
+          <a:p>
+            <a:pPr lvl="1"/>
+            <a:endParaRPr lang="en-US" sz="2000" dirty="0"/>
+          </a:p>
+          <a:p>
+            <a:pPr lvl="1"/>
+            <a:r>
+              <a:rPr lang="en-US" sz="2000" dirty="0"/>
+              <a:t>The main loop continually checks the temperature against the </a:t>
+            </a:r>
             <a:r>
               <a:rPr lang="en-US" sz="2000" b="1" i="1" dirty="0">
                 <a:solidFill>
@@ -9018,17 +9320,11 @@
                 <a:latin typeface="Consolas" panose="020B0609020204030204" pitchFamily="49" charset="0"/>
                 <a:cs typeface="Consolas" panose="020B0609020204030204" pitchFamily="49" charset="0"/>
               </a:rPr>
-              <a:t>	</a:t>
-            </a:r>
-            <a:r>
-              <a:rPr lang="en-US" sz="2000" b="1" i="1" dirty="0" err="1">
-                <a:solidFill>
-                  <a:srgbClr val="0070C0"/>
-                </a:solidFill>
-                <a:latin typeface="Consolas" panose="020B0609020204030204" pitchFamily="49" charset="0"/>
-                <a:cs typeface="Consolas" panose="020B0609020204030204" pitchFamily="49" charset="0"/>
-              </a:rPr>
-              <a:t>completeUrl</a:t>
+              <a:t>MAX_TEMP,</a:t>
+            </a:r>
+            <a:r>
+              <a:rPr lang="en-US" sz="2000" dirty="0"/>
+              <a:t> and if the CPU temperature exceeds </a:t>
             </a:r>
             <a:r>
               <a:rPr lang="en-US" sz="2000" b="1" i="1" dirty="0">
@@ -9038,17 +9334,11 @@
                 <a:latin typeface="Consolas" panose="020B0609020204030204" pitchFamily="49" charset="0"/>
                 <a:cs typeface="Consolas" panose="020B0609020204030204" pitchFamily="49" charset="0"/>
               </a:rPr>
-              <a:t> = </a:t>
-            </a:r>
-            <a:r>
-              <a:rPr lang="en-US" sz="2000" b="1" i="1" dirty="0" err="1">
-                <a:solidFill>
-                  <a:srgbClr val="0070C0"/>
-                </a:solidFill>
-                <a:latin typeface="Consolas" panose="020B0609020204030204" pitchFamily="49" charset="0"/>
-                <a:cs typeface="Consolas" panose="020B0609020204030204" pitchFamily="49" charset="0"/>
-              </a:rPr>
-              <a:t>BASEURL.format</a:t>
+              <a:t>MAX_TEMP</a:t>
+            </a:r>
+            <a:r>
+              <a:rPr lang="en-US" sz="2000" dirty="0"/>
+              <a:t>, the web request is sent and a long sleep is started as specified by </a:t>
             </a:r>
             <a:r>
               <a:rPr lang="en-US" sz="2000" b="1" i="1" dirty="0">
@@ -9058,93 +9348,11 @@
                 <a:latin typeface="Consolas" panose="020B0609020204030204" pitchFamily="49" charset="0"/>
                 <a:cs typeface="Consolas" panose="020B0609020204030204" pitchFamily="49" charset="0"/>
               </a:rPr>
-              <a:t>(KEY, temp)</a:t>
-            </a:r>
-          </a:p>
-          <a:p>
-            <a:pPr lvl="1"/>
-            <a:r>
-              <a:rPr lang="en-US" sz="2000" b="1" i="1" dirty="0">
-                <a:solidFill>
-                  <a:srgbClr val="0070C0"/>
-                </a:solidFill>
-                <a:latin typeface="Consolas" panose="020B0609020204030204" pitchFamily="49" charset="0"/>
-                <a:cs typeface="Consolas" panose="020B0609020204030204" pitchFamily="49" charset="0"/>
-              </a:rPr>
-              <a:t>    	response = urllib2.urlopen(</a:t>
-            </a:r>
-            <a:r>
-              <a:rPr lang="en-US" sz="2000" b="1" i="1" dirty="0" err="1">
-                <a:solidFill>
-                  <a:srgbClr val="0070C0"/>
-                </a:solidFill>
-                <a:latin typeface="Consolas" panose="020B0609020204030204" pitchFamily="49" charset="0"/>
-                <a:cs typeface="Consolas" panose="020B0609020204030204" pitchFamily="49" charset="0"/>
-              </a:rPr>
-              <a:t>url</a:t>
-            </a:r>
-            <a:r>
-              <a:rPr lang="en-US" sz="2000" b="1" i="1" dirty="0">
-                <a:solidFill>
-                  <a:srgbClr val="0070C0"/>
-                </a:solidFill>
-                <a:latin typeface="Consolas" panose="020B0609020204030204" pitchFamily="49" charset="0"/>
-                <a:cs typeface="Consolas" panose="020B0609020204030204" pitchFamily="49" charset="0"/>
-              </a:rPr>
-              <a:t>=</a:t>
-            </a:r>
-            <a:r>
-              <a:rPr lang="en-US" sz="2000" b="1" i="1" dirty="0" err="1">
-                <a:solidFill>
-                  <a:srgbClr val="0070C0"/>
-                </a:solidFill>
-                <a:latin typeface="Consolas" panose="020B0609020204030204" pitchFamily="49" charset="0"/>
-                <a:cs typeface="Consolas" panose="020B0609020204030204" pitchFamily="49" charset="0"/>
-              </a:rPr>
-              <a:t>completeUrl</a:t>
-            </a:r>
-            <a:r>
-              <a:rPr lang="en-US" sz="2000" b="1" i="1" dirty="0">
-                <a:solidFill>
-                  <a:srgbClr val="0070C0"/>
-                </a:solidFill>
-                <a:latin typeface="Consolas" panose="020B0609020204030204" pitchFamily="49" charset="0"/>
-                <a:cs typeface="Consolas" panose="020B0609020204030204" pitchFamily="49" charset="0"/>
-              </a:rPr>
-              <a:t>)</a:t>
-            </a:r>
-          </a:p>
-          <a:p>
-            <a:pPr lvl="1"/>
-            <a:r>
-              <a:rPr lang="en-US" sz="2000" b="1" i="1" dirty="0">
-                <a:solidFill>
-                  <a:srgbClr val="0070C0"/>
-                </a:solidFill>
-                <a:latin typeface="Consolas" panose="020B0609020204030204" pitchFamily="49" charset="0"/>
-                <a:cs typeface="Consolas" panose="020B0609020204030204" pitchFamily="49" charset="0"/>
-              </a:rPr>
-              <a:t>    	print(</a:t>
-            </a:r>
-            <a:r>
-              <a:rPr lang="en-US" sz="2000" b="1" i="1" dirty="0" err="1">
-                <a:solidFill>
-                  <a:srgbClr val="0070C0"/>
-                </a:solidFill>
-                <a:latin typeface="Consolas" panose="020B0609020204030204" pitchFamily="49" charset="0"/>
-                <a:cs typeface="Consolas" panose="020B0609020204030204" pitchFamily="49" charset="0"/>
-              </a:rPr>
-              <a:t>response.read</a:t>
-            </a:r>
-            <a:r>
-              <a:rPr lang="en-US" sz="2000" b="1" i="1" dirty="0">
-                <a:solidFill>
-                  <a:srgbClr val="0070C0"/>
-                </a:solidFill>
-                <a:latin typeface="Consolas" panose="020B0609020204030204" pitchFamily="49" charset="0"/>
-                <a:cs typeface="Consolas" panose="020B0609020204030204" pitchFamily="49" charset="0"/>
-              </a:rPr>
-              <a:t>())</a:t>
+              <a:t>MIN_T_BETWEEN_WARNINGS</a:t>
+            </a:r>
+            <a:r>
+              <a:rPr lang="en-US" sz="2000" dirty="0"/>
+              <a:t> to prevent your inbox from being flooded with notifications.</a:t>
             </a:r>
           </a:p>
           <a:p>
@@ -9157,209 +9365,17 @@
               <a:cs typeface="Consolas" panose="020B0609020204030204" pitchFamily="49" charset="0"/>
             </a:endParaRPr>
           </a:p>
-          <a:p>
-            <a:pPr lvl="1"/>
-            <a:r>
-              <a:rPr lang="en-US" sz="2000" b="1" i="1" dirty="0">
-                <a:solidFill>
-                  <a:srgbClr val="0070C0"/>
-                </a:solidFill>
-                <a:latin typeface="Consolas" panose="020B0609020204030204" pitchFamily="49" charset="0"/>
-                <a:cs typeface="Consolas" panose="020B0609020204030204" pitchFamily="49" charset="0"/>
-              </a:rPr>
-              <a:t>def </a:t>
-            </a:r>
-            <a:r>
-              <a:rPr lang="en-US" sz="2000" b="1" i="1" dirty="0" err="1">
-                <a:solidFill>
-                  <a:srgbClr val="0070C0"/>
-                </a:solidFill>
-                <a:latin typeface="Consolas" panose="020B0609020204030204" pitchFamily="49" charset="0"/>
-                <a:cs typeface="Consolas" panose="020B0609020204030204" pitchFamily="49" charset="0"/>
-              </a:rPr>
-              <a:t>CpuTemp</a:t>
-            </a:r>
-            <a:r>
-              <a:rPr lang="en-US" sz="2000" b="1" i="1" dirty="0">
-                <a:solidFill>
-                  <a:srgbClr val="0070C0"/>
-                </a:solidFill>
-                <a:latin typeface="Consolas" panose="020B0609020204030204" pitchFamily="49" charset="0"/>
-                <a:cs typeface="Consolas" panose="020B0609020204030204" pitchFamily="49" charset="0"/>
-              </a:rPr>
-              <a:t>():</a:t>
-            </a:r>
-          </a:p>
-          <a:p>
-            <a:pPr lvl="1"/>
-            <a:r>
-              <a:rPr lang="en-US" sz="2000" b="1" i="1" dirty="0">
-                <a:solidFill>
-                  <a:srgbClr val="0070C0"/>
-                </a:solidFill>
-                <a:latin typeface="Consolas" panose="020B0609020204030204" pitchFamily="49" charset="0"/>
-                <a:cs typeface="Consolas" panose="020B0609020204030204" pitchFamily="49" charset="0"/>
-              </a:rPr>
-              <a:t>    dev = </a:t>
-            </a:r>
-            <a:r>
-              <a:rPr lang="en-US" sz="2000" b="1" i="1" dirty="0" err="1">
-                <a:solidFill>
-                  <a:srgbClr val="0070C0"/>
-                </a:solidFill>
-                <a:latin typeface="Consolas" panose="020B0609020204030204" pitchFamily="49" charset="0"/>
-                <a:cs typeface="Consolas" panose="020B0609020204030204" pitchFamily="49" charset="0"/>
-              </a:rPr>
-              <a:t>os.popen</a:t>
-            </a:r>
-            <a:r>
-              <a:rPr lang="en-US" sz="2000" b="1" i="1" dirty="0">
-                <a:solidFill>
-                  <a:srgbClr val="0070C0"/>
-                </a:solidFill>
-                <a:latin typeface="Consolas" panose="020B0609020204030204" pitchFamily="49" charset="0"/>
-                <a:cs typeface="Consolas" panose="020B0609020204030204" pitchFamily="49" charset="0"/>
-              </a:rPr>
-              <a:t>('/opt/</a:t>
-            </a:r>
-            <a:r>
-              <a:rPr lang="en-US" sz="2000" b="1" i="1" dirty="0" err="1">
-                <a:solidFill>
-                  <a:srgbClr val="0070C0"/>
-                </a:solidFill>
-                <a:latin typeface="Consolas" panose="020B0609020204030204" pitchFamily="49" charset="0"/>
-                <a:cs typeface="Consolas" panose="020B0609020204030204" pitchFamily="49" charset="0"/>
-              </a:rPr>
-              <a:t>vc</a:t>
-            </a:r>
-            <a:r>
-              <a:rPr lang="en-US" sz="2000" b="1" i="1" dirty="0">
-                <a:solidFill>
-                  <a:srgbClr val="0070C0"/>
-                </a:solidFill>
-                <a:latin typeface="Consolas" panose="020B0609020204030204" pitchFamily="49" charset="0"/>
-                <a:cs typeface="Consolas" panose="020B0609020204030204" pitchFamily="49" charset="0"/>
-              </a:rPr>
-              <a:t>/bin/</a:t>
-            </a:r>
-            <a:r>
-              <a:rPr lang="en-US" sz="2000" b="1" i="1" dirty="0" err="1">
-                <a:solidFill>
-                  <a:srgbClr val="0070C0"/>
-                </a:solidFill>
-                <a:latin typeface="Consolas" panose="020B0609020204030204" pitchFamily="49" charset="0"/>
-                <a:cs typeface="Consolas" panose="020B0609020204030204" pitchFamily="49" charset="0"/>
-              </a:rPr>
-              <a:t>vcgencmd</a:t>
-            </a:r>
-            <a:r>
-              <a:rPr lang="en-US" sz="2000" b="1" i="1" dirty="0">
-                <a:solidFill>
-                  <a:srgbClr val="0070C0"/>
-                </a:solidFill>
-                <a:latin typeface="Consolas" panose="020B0609020204030204" pitchFamily="49" charset="0"/>
-                <a:cs typeface="Consolas" panose="020B0609020204030204" pitchFamily="49" charset="0"/>
-              </a:rPr>
-              <a:t> </a:t>
-            </a:r>
-            <a:r>
-              <a:rPr lang="en-US" sz="2000" b="1" i="1" dirty="0" err="1">
-                <a:solidFill>
-                  <a:srgbClr val="0070C0"/>
-                </a:solidFill>
-                <a:latin typeface="Consolas" panose="020B0609020204030204" pitchFamily="49" charset="0"/>
-                <a:cs typeface="Consolas" panose="020B0609020204030204" pitchFamily="49" charset="0"/>
-              </a:rPr>
-              <a:t>measure_temp</a:t>
-            </a:r>
-            <a:r>
-              <a:rPr lang="en-US" sz="2000" b="1" i="1" dirty="0">
-                <a:solidFill>
-                  <a:srgbClr val="0070C0"/>
-                </a:solidFill>
-                <a:latin typeface="Consolas" panose="020B0609020204030204" pitchFamily="49" charset="0"/>
-                <a:cs typeface="Consolas" panose="020B0609020204030204" pitchFamily="49" charset="0"/>
-              </a:rPr>
-              <a:t>')</a:t>
-            </a:r>
-          </a:p>
-          <a:p>
-            <a:pPr lvl="1"/>
-            <a:r>
-              <a:rPr lang="en-US" sz="2000" b="1" i="1" dirty="0">
-                <a:solidFill>
-                  <a:srgbClr val="0070C0"/>
-                </a:solidFill>
-                <a:latin typeface="Consolas" panose="020B0609020204030204" pitchFamily="49" charset="0"/>
-                <a:cs typeface="Consolas" panose="020B0609020204030204" pitchFamily="49" charset="0"/>
-              </a:rPr>
-              <a:t>    temperature = </a:t>
-            </a:r>
-            <a:r>
-              <a:rPr lang="en-US" sz="2000" b="1" i="1" dirty="0" err="1">
-                <a:solidFill>
-                  <a:srgbClr val="0070C0"/>
-                </a:solidFill>
-                <a:latin typeface="Consolas" panose="020B0609020204030204" pitchFamily="49" charset="0"/>
-                <a:cs typeface="Consolas" panose="020B0609020204030204" pitchFamily="49" charset="0"/>
-              </a:rPr>
-              <a:t>dev.read</a:t>
-            </a:r>
-            <a:r>
-              <a:rPr lang="en-US" sz="2000" b="1" i="1" dirty="0">
-                <a:solidFill>
-                  <a:srgbClr val="0070C0"/>
-                </a:solidFill>
-                <a:latin typeface="Consolas" panose="020B0609020204030204" pitchFamily="49" charset="0"/>
-                <a:cs typeface="Consolas" panose="020B0609020204030204" pitchFamily="49" charset="0"/>
-              </a:rPr>
-              <a:t>()[5:-3]</a:t>
-            </a:r>
-          </a:p>
-          <a:p>
-            <a:pPr lvl="1"/>
-            <a:r>
-              <a:rPr lang="en-US" sz="2000" b="1" i="1" dirty="0">
-                <a:solidFill>
-                  <a:srgbClr val="0070C0"/>
-                </a:solidFill>
-                <a:latin typeface="Consolas" panose="020B0609020204030204" pitchFamily="49" charset="0"/>
-                <a:cs typeface="Consolas" panose="020B0609020204030204" pitchFamily="49" charset="0"/>
-              </a:rPr>
-              <a:t>    return temperature</a:t>
-            </a:r>
-          </a:p>
-          <a:p>
-            <a:pPr lvl="1"/>
-            <a:endParaRPr lang="en-US" sz="2000" b="1" i="1" dirty="0">
-              <a:solidFill>
-                <a:srgbClr val="0070C0"/>
-              </a:solidFill>
-              <a:latin typeface="Consolas" panose="020B0609020204030204" pitchFamily="49" charset="0"/>
-              <a:cs typeface="Consolas" panose="020B0609020204030204" pitchFamily="49" charset="0"/>
-            </a:endParaRPr>
-          </a:p>
-          <a:p>
-            <a:pPr lvl="1"/>
-            <a:endParaRPr lang="en-US" sz="2000" b="1" i="1" dirty="0">
-              <a:solidFill>
-                <a:srgbClr val="0070C0"/>
-              </a:solidFill>
-              <a:latin typeface="Consolas" panose="020B0609020204030204" pitchFamily="49" charset="0"/>
-              <a:cs typeface="Consolas" panose="020B0609020204030204" pitchFamily="49" charset="0"/>
-            </a:endParaRPr>
-          </a:p>
         </p:txBody>
       </p:sp>
     </p:spTree>
     <p:extLst>
       <p:ext uri="{BB962C8B-B14F-4D97-AF65-F5344CB8AC3E}">
-        <p14:creationId xmlns:p14="http://schemas.microsoft.com/office/powerpoint/2010/main" val="855376788"/>
+        <p14:creationId xmlns:p14="http://schemas.microsoft.com/office/powerpoint/2010/main" val="630465665"/>
       </p:ext>
     </p:extLst>
   </p:cSld>
   <p:clrMapOvr>
-    <a:masterClrMapping/>
+    <a:overrideClrMapping bg1="lt1" tx1="dk1" bg2="lt2" tx2="dk2" accent1="accent1" accent2="accent2" accent3="accent3" accent4="accent4" accent5="accent5" accent6="accent6" hlink="hlink" folHlink="folHlink"/>
   </p:clrMapOvr>
 </p:sld>
 </file>
@@ -9579,7 +9595,7 @@
         <p:spPr>
           <a:xfrm>
             <a:off x="417443" y="745199"/>
-            <a:ext cx="11357113" cy="2554545"/>
+            <a:ext cx="11357113" cy="1938992"/>
           </a:xfrm>
           <a:prstGeom prst="rect">
             <a:avLst/>
@@ -9593,6 +9609,21 @@
           <a:lstStyle/>
           <a:p>
             <a:pPr lvl="1"/>
+            <a:r>
+              <a:rPr lang="en-US" sz="2000" dirty="0"/>
+              <a:t>You want to log sensor data to </a:t>
+            </a:r>
+            <a:r>
+              <a:rPr lang="en-US" sz="2000" dirty="0" err="1"/>
+              <a:t>ThingSpeak</a:t>
+            </a:r>
+            <a:r>
+              <a:rPr lang="en-US" sz="2000" dirty="0"/>
+              <a:t>. </a:t>
+            </a:r>
+          </a:p>
+          <a:p>
+            <a:pPr lvl="1"/>
             <a:endParaRPr lang="en-US" sz="2000" b="1" i="1" dirty="0">
               <a:solidFill>
                 <a:srgbClr val="0070C0"/>
@@ -9604,143 +9635,8 @@
           <a:p>
             <a:pPr lvl="1"/>
             <a:r>
-              <a:rPr lang="en-US" sz="2000" b="1" i="1" dirty="0">
-                <a:solidFill>
-                  <a:srgbClr val="0070C0"/>
-                </a:solidFill>
-                <a:latin typeface="Consolas" panose="020B0609020204030204" pitchFamily="49" charset="0"/>
-                <a:cs typeface="Consolas" panose="020B0609020204030204" pitchFamily="49" charset="0"/>
-              </a:rPr>
-              <a:t>while True:</a:t>
-            </a:r>
-          </a:p>
-          <a:p>
-            <a:pPr lvl="1"/>
-            <a:r>
-              <a:rPr lang="en-US" sz="2000" b="1" i="1" dirty="0">
-                <a:solidFill>
-                  <a:srgbClr val="0070C0"/>
-                </a:solidFill>
-                <a:latin typeface="Consolas" panose="020B0609020204030204" pitchFamily="49" charset="0"/>
-                <a:cs typeface="Consolas" panose="020B0609020204030204" pitchFamily="49" charset="0"/>
-              </a:rPr>
-              <a:t>    temp = </a:t>
-            </a:r>
-            <a:r>
-              <a:rPr lang="en-US" sz="2000" b="1" i="1" dirty="0" err="1">
-                <a:solidFill>
-                  <a:srgbClr val="0070C0"/>
-                </a:solidFill>
-                <a:latin typeface="Consolas" panose="020B0609020204030204" pitchFamily="49" charset="0"/>
-                <a:cs typeface="Consolas" panose="020B0609020204030204" pitchFamily="49" charset="0"/>
-              </a:rPr>
-              <a:t>CpuTemp</a:t>
-            </a:r>
-            <a:r>
-              <a:rPr lang="en-US" sz="2000" b="1" i="1" dirty="0">
-                <a:solidFill>
-                  <a:srgbClr val="0070C0"/>
-                </a:solidFill>
-                <a:latin typeface="Consolas" panose="020B0609020204030204" pitchFamily="49" charset="0"/>
-                <a:cs typeface="Consolas" panose="020B0609020204030204" pitchFamily="49" charset="0"/>
-              </a:rPr>
-              <a:t>()</a:t>
-            </a:r>
-          </a:p>
-          <a:p>
-            <a:pPr lvl="1"/>
-            <a:r>
-              <a:rPr lang="en-US" sz="2000" b="1" i="1" dirty="0">
-                <a:solidFill>
-                  <a:srgbClr val="0070C0"/>
-                </a:solidFill>
-                <a:latin typeface="Consolas" panose="020B0609020204030204" pitchFamily="49" charset="0"/>
-                <a:cs typeface="Consolas" panose="020B0609020204030204" pitchFamily="49" charset="0"/>
-              </a:rPr>
-              <a:t>    print("CPU Temp (C): {}".format(temp))</a:t>
-            </a:r>
-          </a:p>
-          <a:p>
-            <a:pPr lvl="1"/>
-            <a:r>
-              <a:rPr lang="en-US" sz="2000" b="1" i="1" dirty="0">
-                <a:solidFill>
-                  <a:srgbClr val="0070C0"/>
-                </a:solidFill>
-                <a:latin typeface="Consolas" panose="020B0609020204030204" pitchFamily="49" charset="0"/>
-                <a:cs typeface="Consolas" panose="020B0609020204030204" pitchFamily="49" charset="0"/>
-              </a:rPr>
-              <a:t>    </a:t>
-            </a:r>
-            <a:r>
-              <a:rPr lang="en-US" sz="2000" b="1" i="1" dirty="0" err="1">
-                <a:solidFill>
-                  <a:srgbClr val="0070C0"/>
-                </a:solidFill>
-                <a:latin typeface="Consolas" panose="020B0609020204030204" pitchFamily="49" charset="0"/>
-                <a:cs typeface="Consolas" panose="020B0609020204030204" pitchFamily="49" charset="0"/>
-              </a:rPr>
-              <a:t>SendData</a:t>
-            </a:r>
-            <a:r>
-              <a:rPr lang="en-US" sz="2000" b="1" i="1" dirty="0">
-                <a:solidFill>
-                  <a:srgbClr val="0070C0"/>
-                </a:solidFill>
-                <a:latin typeface="Consolas" panose="020B0609020204030204" pitchFamily="49" charset="0"/>
-                <a:cs typeface="Consolas" panose="020B0609020204030204" pitchFamily="49" charset="0"/>
-              </a:rPr>
-              <a:t>(temp)</a:t>
-            </a:r>
-          </a:p>
-          <a:p>
-            <a:pPr lvl="1"/>
-            <a:r>
-              <a:rPr lang="en-US" sz="2000" b="1" i="1" dirty="0">
-                <a:solidFill>
-                  <a:srgbClr val="0070C0"/>
-                </a:solidFill>
-                <a:latin typeface="Consolas" panose="020B0609020204030204" pitchFamily="49" charset="0"/>
-                <a:cs typeface="Consolas" panose="020B0609020204030204" pitchFamily="49" charset="0"/>
-              </a:rPr>
-              <a:t>    </a:t>
-            </a:r>
-            <a:r>
-              <a:rPr lang="en-US" sz="2000" b="1" i="1" dirty="0" err="1">
-                <a:solidFill>
-                  <a:srgbClr val="0070C0"/>
-                </a:solidFill>
-                <a:latin typeface="Consolas" panose="020B0609020204030204" pitchFamily="49" charset="0"/>
-                <a:cs typeface="Consolas" panose="020B0609020204030204" pitchFamily="49" charset="0"/>
-              </a:rPr>
-              <a:t>time.sleep</a:t>
-            </a:r>
-            <a:r>
-              <a:rPr lang="en-US" sz="2000" b="1" i="1" dirty="0">
-                <a:solidFill>
-                  <a:srgbClr val="0070C0"/>
-                </a:solidFill>
-                <a:latin typeface="Consolas" panose="020B0609020204030204" pitchFamily="49" charset="0"/>
-                <a:cs typeface="Consolas" panose="020B0609020204030204" pitchFamily="49" charset="0"/>
-              </a:rPr>
-              <a:t>(DELAY)</a:t>
-            </a:r>
-          </a:p>
-          <a:p>
-            <a:pPr lvl="1"/>
-            <a:endParaRPr lang="en-US" sz="2000" b="1" i="1" dirty="0">
-              <a:solidFill>
-                <a:srgbClr val="0070C0"/>
-              </a:solidFill>
-              <a:latin typeface="Consolas" panose="020B0609020204030204" pitchFamily="49" charset="0"/>
-              <a:cs typeface="Consolas" panose="020B0609020204030204" pitchFamily="49" charset="0"/>
-            </a:endParaRPr>
-          </a:p>
-          <a:p>
-            <a:pPr lvl="1"/>
-            <a:r>
               <a:rPr lang="en-US" sz="2000" dirty="0"/>
-              <a:t>Run the program. On the </a:t>
+              <a:t>Log into </a:t>
             </a:r>
             <a:r>
               <a:rPr lang="en-US" sz="2000" dirty="0" err="1"/>
@@ -9748,8 +9644,16 @@
             </a:r>
             <a:r>
               <a:rPr lang="en-US" sz="2000" dirty="0"/>
-              <a:t> channel page on the Private View tab, you should see a graph like:</a:t>
-            </a:r>
+              <a:t>, and from the Channels drop-down, select My Channels. Now create a new channel by completing the top of the form as shown in following Figure</a:t>
+            </a:r>
+          </a:p>
+          <a:p>
+            <a:pPr lvl="1"/>
+            <a:endParaRPr lang="en-US" sz="2000" dirty="0"/>
+          </a:p>
+          <a:p>
+            <a:pPr lvl="1"/>
+            <a:endParaRPr lang="en-US" sz="2000" dirty="0"/>
           </a:p>
         </p:txBody>
       </p:sp>
@@ -9769,8 +9673,8 @@
         </p:blipFill>
         <p:spPr>
           <a:xfrm>
-            <a:off x="3394418" y="3323726"/>
-            <a:ext cx="4764845" cy="3413021"/>
+            <a:off x="1170988" y="2131889"/>
+            <a:ext cx="9886218" cy="4605119"/>
           </a:xfrm>
           <a:prstGeom prst="rect">
             <a:avLst/>
@@ -9780,7 +9684,7 @@
     </p:spTree>
     <p:extLst>
       <p:ext uri="{BB962C8B-B14F-4D97-AF65-F5344CB8AC3E}">
-        <p14:creationId xmlns:p14="http://schemas.microsoft.com/office/powerpoint/2010/main" val="1556363800"/>
+        <p14:creationId xmlns:p14="http://schemas.microsoft.com/office/powerpoint/2010/main" val="2026775965"/>
       </p:ext>
     </p:extLst>
   </p:cSld>
@@ -9944,7 +9848,15 @@
           <a:p>
             <a:r>
               <a:rPr lang="en-US" dirty="0"/>
-              <a:t>Sending Email and Other Notifications with IFTTT </a:t>
+              <a:t>Sending Sensor Data to </a:t>
+            </a:r>
+            <a:r>
+              <a:rPr lang="en-US" dirty="0" err="1"/>
+              <a:t>ThingSpeak</a:t>
+            </a:r>
+            <a:r>
+              <a:rPr lang="en-US" dirty="0"/>
+              <a:t> </a:t>
             </a:r>
           </a:p>
         </p:txBody>
@@ -9997,7 +9909,7 @@
         <p:spPr>
           <a:xfrm>
             <a:off x="417443" y="745199"/>
-            <a:ext cx="11357113" cy="2862322"/>
+            <a:ext cx="11357113" cy="1015663"/>
           </a:xfrm>
           <a:prstGeom prst="rect">
             <a:avLst/>
@@ -10013,85 +9925,39 @@
             <a:pPr lvl="1"/>
             <a:r>
               <a:rPr lang="en-US" sz="2000" dirty="0"/>
-              <a:t>The variable </a:t>
-            </a:r>
-            <a:r>
-              <a:rPr lang="en-US" sz="2000" b="1" i="1" dirty="0">
-                <a:solidFill>
-                  <a:srgbClr val="0070C0"/>
-                </a:solidFill>
-                <a:latin typeface="Consolas" panose="020B0609020204030204" pitchFamily="49" charset="0"/>
-                <a:cs typeface="Consolas" panose="020B0609020204030204" pitchFamily="49" charset="0"/>
-              </a:rPr>
-              <a:t>PERIOD</a:t>
-            </a:r>
-            <a:r>
-              <a:rPr lang="en-US" sz="2000" dirty="0"/>
-              <a:t> is used to determine the time interval between each sending of the temperature. This period is in seconds. </a:t>
-            </a:r>
-          </a:p>
-          <a:p>
-            <a:pPr lvl="1"/>
-            <a:endParaRPr lang="en-US" sz="2000" b="1" i="1" dirty="0">
-              <a:solidFill>
-                <a:srgbClr val="0070C0"/>
-              </a:solidFill>
-              <a:latin typeface="Consolas" panose="020B0609020204030204" pitchFamily="49" charset="0"/>
-              <a:cs typeface="Consolas" panose="020B0609020204030204" pitchFamily="49" charset="0"/>
-            </a:endParaRPr>
-          </a:p>
-          <a:p>
-            <a:pPr lvl="1"/>
-            <a:r>
-              <a:rPr lang="en-US" sz="2000" dirty="0"/>
-              <a:t>The </a:t>
-            </a:r>
-            <a:r>
-              <a:rPr lang="en-US" sz="2000" b="1" i="1" dirty="0" err="1">
-                <a:solidFill>
-                  <a:srgbClr val="0070C0"/>
-                </a:solidFill>
-                <a:latin typeface="Consolas" panose="020B0609020204030204" pitchFamily="49" charset="0"/>
-                <a:cs typeface="Consolas" panose="020B0609020204030204" pitchFamily="49" charset="0"/>
-              </a:rPr>
-              <a:t>send_data</a:t>
-            </a:r>
-            <a:r>
-              <a:rPr lang="en-US" sz="2000" dirty="0"/>
-              <a:t> function constructs the web request, supplying the temperature in a parameter called </a:t>
-            </a:r>
-            <a:r>
-              <a:rPr lang="en-US" sz="2000" b="1" i="1" dirty="0">
-                <a:solidFill>
-                  <a:srgbClr val="0070C0"/>
-                </a:solidFill>
-                <a:latin typeface="Consolas" panose="020B0609020204030204" pitchFamily="49" charset="0"/>
-                <a:cs typeface="Consolas" panose="020B0609020204030204" pitchFamily="49" charset="0"/>
-              </a:rPr>
-              <a:t>field1</a:t>
-            </a:r>
-            <a:r>
-              <a:rPr lang="en-US" sz="2000" dirty="0"/>
-              <a:t>.</a:t>
-            </a:r>
-          </a:p>
-          <a:p>
-            <a:pPr lvl="1"/>
-            <a:endParaRPr lang="en-US" sz="2000" dirty="0"/>
-          </a:p>
-          <a:p>
-            <a:pPr lvl="1"/>
-            <a:r>
-              <a:rPr lang="en-US" sz="2000" dirty="0"/>
-              <a:t>If your data might be of public interest—say, accurate environmental readings—then you might want to make the channel public so that anyone can make use of it. This probably isn’t the case for your Pi’s CPU temperature. </a:t>
+              <a:t>The rest of the form can be left blank. When you have finished editing, click Save Channel at the bottom of the page. Click on the Data Import/Export tab to find a summary of the web requests that you can use, customized to the channel you just created </a:t>
             </a:r>
           </a:p>
         </p:txBody>
       </p:sp>
+      <p:pic>
+        <p:nvPicPr>
+          <p:cNvPr id="3" name="Picture 2"/>
+          <p:cNvPicPr>
+            <a:picLocks noChangeAspect="1"/>
+          </p:cNvPicPr>
+          <p:nvPr/>
+        </p:nvPicPr>
+        <p:blipFill>
+          <a:blip r:embed="rId2"/>
+          <a:stretch>
+            <a:fillRect/>
+          </a:stretch>
+        </p:blipFill>
+        <p:spPr>
+          <a:xfrm>
+            <a:off x="2223829" y="1784844"/>
+            <a:ext cx="7744339" cy="5121112"/>
+          </a:xfrm>
+          <a:prstGeom prst="rect">
+            <a:avLst/>
+          </a:prstGeom>
+        </p:spPr>
+      </p:pic>
     </p:spTree>
     <p:extLst>
       <p:ext uri="{BB962C8B-B14F-4D97-AF65-F5344CB8AC3E}">
-        <p14:creationId xmlns:p14="http://schemas.microsoft.com/office/powerpoint/2010/main" val="3876869903"/>
+        <p14:creationId xmlns:p14="http://schemas.microsoft.com/office/powerpoint/2010/main" val="1975480813"/>
       </p:ext>
     </p:extLst>
   </p:cSld>
@@ -10255,15 +10121,7 @@
           <a:p>
             <a:r>
               <a:rPr lang="en-US" dirty="0"/>
-              <a:t>Sending Tweets Using </a:t>
-            </a:r>
-            <a:r>
-              <a:rPr lang="en-US" dirty="0" err="1"/>
-              <a:t>ThingSpeak</a:t>
-            </a:r>
-            <a:r>
-              <a:rPr lang="en-US" dirty="0"/>
-              <a:t> </a:t>
+              <a:t>ThingspeakData.py Project</a:t>
             </a:r>
           </a:p>
         </p:txBody>
@@ -10316,7 +10174,7 @@
         <p:spPr>
           <a:xfrm>
             <a:off x="417443" y="745199"/>
-            <a:ext cx="11357113" cy="3293209"/>
+            <a:ext cx="11357113" cy="5940088"/>
           </a:xfrm>
           <a:prstGeom prst="rect">
             <a:avLst/>
@@ -10332,7 +10190,7 @@
             <a:pPr lvl="1"/>
             <a:r>
               <a:rPr lang="en-US" sz="2000" dirty="0"/>
-              <a:t>You want to automatically send tweets from your Raspberry Pi; for example, to irritate people by telling them the temperature of your CPU.</a:t>
+              <a:t>To send data to the channel, a web request must be sent. The Python program:</a:t>
             </a:r>
           </a:p>
           <a:p>
@@ -10342,73 +10200,515 @@
           <a:p>
             <a:pPr lvl="1"/>
             <a:r>
-              <a:rPr lang="en-US" sz="2000" dirty="0"/>
-              <a:t>You could just use </a:t>
-            </a:r>
-            <a:r>
-              <a:rPr lang="en-US" sz="2400" b="1" dirty="0"/>
-              <a:t>IFTTT </a:t>
-            </a:r>
-            <a:r>
-              <a:rPr lang="en-US" sz="2000" dirty="0"/>
-              <a:t>and change the Action Channel to be Twitter. However, the </a:t>
-            </a:r>
-            <a:r>
-              <a:rPr lang="en-US" sz="2000" dirty="0" err="1"/>
-              <a:t>ThingSpeak</a:t>
-            </a:r>
-            <a:r>
-              <a:rPr lang="en-US" sz="2000" dirty="0"/>
-              <a:t> service is an alternative way of doing this. </a:t>
-            </a:r>
-          </a:p>
-          <a:p>
-            <a:pPr lvl="1"/>
-            <a:endParaRPr lang="en-US" sz="2000" dirty="0"/>
-          </a:p>
-          <a:p>
-            <a:pPr lvl="1"/>
-            <a:r>
-              <a:rPr lang="en-US" sz="2000" dirty="0"/>
-              <a:t>Start by visiting </a:t>
-            </a:r>
-            <a:r>
-              <a:rPr lang="en-US" sz="2400" b="1" dirty="0">
-                <a:solidFill>
-                  <a:schemeClr val="accent1">
-                    <a:lumMod val="75000"/>
-                  </a:schemeClr>
-                </a:solidFill>
-              </a:rPr>
-              <a:t>https://thingspeak.com </a:t>
-            </a:r>
-            <a:r>
-              <a:rPr lang="en-US" sz="2000" dirty="0"/>
-              <a:t>and signing up. Then select the </a:t>
-            </a:r>
-            <a:r>
-              <a:rPr lang="en-US" sz="2000" dirty="0" err="1"/>
-              <a:t>ThingTweet</a:t>
-            </a:r>
-            <a:r>
-              <a:rPr lang="en-US" sz="2000" dirty="0"/>
-              <a:t> action (Following figure). You will be prompted to log in to Twitter.</a:t>
-            </a:r>
-          </a:p>
-          <a:p>
-            <a:pPr lvl="1"/>
-            <a:endParaRPr lang="en-US" sz="2000" dirty="0"/>
-          </a:p>
-          <a:p>
-            <a:pPr lvl="1"/>
-            <a:endParaRPr lang="en-US" sz="2000" dirty="0"/>
+              <a:rPr lang="en-US" sz="2000" b="1" i="1" dirty="0">
+                <a:solidFill>
+                  <a:srgbClr val="0070C0"/>
+                </a:solidFill>
+                <a:latin typeface="Consolas" panose="020B0609020204030204" pitchFamily="49" charset="0"/>
+                <a:cs typeface="Consolas" panose="020B0609020204030204" pitchFamily="49" charset="0"/>
+              </a:rPr>
+              <a:t>import time, </a:t>
+            </a:r>
+            <a:r>
+              <a:rPr lang="en-US" sz="2000" b="1" i="1" dirty="0" err="1">
+                <a:solidFill>
+                  <a:srgbClr val="0070C0"/>
+                </a:solidFill>
+                <a:latin typeface="Consolas" panose="020B0609020204030204" pitchFamily="49" charset="0"/>
+                <a:cs typeface="Consolas" panose="020B0609020204030204" pitchFamily="49" charset="0"/>
+              </a:rPr>
+              <a:t>os</a:t>
+            </a:r>
+            <a:r>
+              <a:rPr lang="en-US" sz="2000" b="1" i="1" dirty="0">
+                <a:solidFill>
+                  <a:srgbClr val="0070C0"/>
+                </a:solidFill>
+                <a:latin typeface="Consolas" panose="020B0609020204030204" pitchFamily="49" charset="0"/>
+                <a:cs typeface="Consolas" panose="020B0609020204030204" pitchFamily="49" charset="0"/>
+              </a:rPr>
+              <a:t>, </a:t>
+            </a:r>
+            <a:r>
+              <a:rPr lang="en-US" sz="2000" b="1" i="1" dirty="0" err="1">
+                <a:solidFill>
+                  <a:srgbClr val="0070C0"/>
+                </a:solidFill>
+                <a:latin typeface="Consolas" panose="020B0609020204030204" pitchFamily="49" charset="0"/>
+                <a:cs typeface="Consolas" panose="020B0609020204030204" pitchFamily="49" charset="0"/>
+              </a:rPr>
+              <a:t>urllib</a:t>
+            </a:r>
+            <a:r>
+              <a:rPr lang="en-US" sz="2000" b="1" i="1" dirty="0">
+                <a:solidFill>
+                  <a:srgbClr val="0070C0"/>
+                </a:solidFill>
+                <a:latin typeface="Consolas" panose="020B0609020204030204" pitchFamily="49" charset="0"/>
+                <a:cs typeface="Consolas" panose="020B0609020204030204" pitchFamily="49" charset="0"/>
+              </a:rPr>
+              <a:t>, urllib2</a:t>
+            </a:r>
+          </a:p>
+          <a:p>
+            <a:pPr lvl="1"/>
+            <a:endParaRPr lang="en-US" sz="2000" b="1" i="1" dirty="0">
+              <a:solidFill>
+                <a:srgbClr val="0070C0"/>
+              </a:solidFill>
+              <a:latin typeface="Consolas" panose="020B0609020204030204" pitchFamily="49" charset="0"/>
+              <a:cs typeface="Consolas" panose="020B0609020204030204" pitchFamily="49" charset="0"/>
+            </a:endParaRPr>
+          </a:p>
+          <a:p>
+            <a:pPr lvl="1"/>
+            <a:r>
+              <a:rPr lang="en-US" sz="2000" b="1" i="1" dirty="0">
+                <a:solidFill>
+                  <a:srgbClr val="0070C0"/>
+                </a:solidFill>
+                <a:latin typeface="Consolas" panose="020B0609020204030204" pitchFamily="49" charset="0"/>
+                <a:cs typeface="Consolas" panose="020B0609020204030204" pitchFamily="49" charset="0"/>
+              </a:rPr>
+              <a:t>DELAY = 15</a:t>
+            </a:r>
+          </a:p>
+          <a:p>
+            <a:pPr lvl="1"/>
+            <a:r>
+              <a:rPr lang="en-US" sz="2000" b="1" i="1" dirty="0">
+                <a:solidFill>
+                  <a:srgbClr val="0070C0"/>
+                </a:solidFill>
+                <a:latin typeface="Consolas" panose="020B0609020204030204" pitchFamily="49" charset="0"/>
+                <a:cs typeface="Consolas" panose="020B0609020204030204" pitchFamily="49" charset="0"/>
+              </a:rPr>
+              <a:t>BASEURL = 'https://api.thingspeak.com/</a:t>
+            </a:r>
+            <a:r>
+              <a:rPr lang="en-US" sz="2000" b="1" i="1" dirty="0" err="1">
+                <a:solidFill>
+                  <a:srgbClr val="0070C0"/>
+                </a:solidFill>
+                <a:latin typeface="Consolas" panose="020B0609020204030204" pitchFamily="49" charset="0"/>
+                <a:cs typeface="Consolas" panose="020B0609020204030204" pitchFamily="49" charset="0"/>
+              </a:rPr>
+              <a:t>update?api_key</a:t>
+            </a:r>
+            <a:r>
+              <a:rPr lang="en-US" sz="2000" b="1" i="1" dirty="0">
+                <a:solidFill>
+                  <a:srgbClr val="0070C0"/>
+                </a:solidFill>
+                <a:latin typeface="Consolas" panose="020B0609020204030204" pitchFamily="49" charset="0"/>
+                <a:cs typeface="Consolas" panose="020B0609020204030204" pitchFamily="49" charset="0"/>
+              </a:rPr>
+              <a:t>={}&amp;field1={}'</a:t>
+            </a:r>
+          </a:p>
+          <a:p>
+            <a:pPr lvl="1"/>
+            <a:r>
+              <a:rPr lang="en-US" sz="2000" b="1" i="1" dirty="0">
+                <a:solidFill>
+                  <a:srgbClr val="0070C0"/>
+                </a:solidFill>
+                <a:latin typeface="Consolas" panose="020B0609020204030204" pitchFamily="49" charset="0"/>
+                <a:cs typeface="Consolas" panose="020B0609020204030204" pitchFamily="49" charset="0"/>
+              </a:rPr>
+              <a:t>KEY = 'SNDA3NE8T2I3A5W1'</a:t>
+            </a:r>
+          </a:p>
+          <a:p>
+            <a:pPr lvl="1"/>
+            <a:endParaRPr lang="en-US" sz="2000" b="1" i="1" dirty="0">
+              <a:solidFill>
+                <a:srgbClr val="0070C0"/>
+              </a:solidFill>
+              <a:latin typeface="Consolas" panose="020B0609020204030204" pitchFamily="49" charset="0"/>
+              <a:cs typeface="Consolas" panose="020B0609020204030204" pitchFamily="49" charset="0"/>
+            </a:endParaRPr>
+          </a:p>
+          <a:p>
+            <a:pPr lvl="1"/>
+            <a:r>
+              <a:rPr lang="en-US" sz="2000" b="1" i="1" dirty="0">
+                <a:solidFill>
+                  <a:srgbClr val="0070C0"/>
+                </a:solidFill>
+                <a:latin typeface="Consolas" panose="020B0609020204030204" pitchFamily="49" charset="0"/>
+                <a:cs typeface="Consolas" panose="020B0609020204030204" pitchFamily="49" charset="0"/>
+              </a:rPr>
+              <a:t>def </a:t>
+            </a:r>
+            <a:r>
+              <a:rPr lang="en-US" sz="2000" b="1" i="1" dirty="0" err="1">
+                <a:solidFill>
+                  <a:srgbClr val="0070C0"/>
+                </a:solidFill>
+                <a:latin typeface="Consolas" panose="020B0609020204030204" pitchFamily="49" charset="0"/>
+                <a:cs typeface="Consolas" panose="020B0609020204030204" pitchFamily="49" charset="0"/>
+              </a:rPr>
+              <a:t>SendData</a:t>
+            </a:r>
+            <a:r>
+              <a:rPr lang="en-US" sz="2000" b="1" i="1" dirty="0">
+                <a:solidFill>
+                  <a:srgbClr val="0070C0"/>
+                </a:solidFill>
+                <a:latin typeface="Consolas" panose="020B0609020204030204" pitchFamily="49" charset="0"/>
+                <a:cs typeface="Consolas" panose="020B0609020204030204" pitchFamily="49" charset="0"/>
+              </a:rPr>
+              <a:t>(temp):</a:t>
+            </a:r>
+          </a:p>
+          <a:p>
+            <a:pPr lvl="1"/>
+            <a:r>
+              <a:rPr lang="en-US" sz="2000" b="1" i="1" dirty="0">
+                <a:solidFill>
+                  <a:srgbClr val="0070C0"/>
+                </a:solidFill>
+                <a:latin typeface="Consolas" panose="020B0609020204030204" pitchFamily="49" charset="0"/>
+                <a:cs typeface="Consolas" panose="020B0609020204030204" pitchFamily="49" charset="0"/>
+              </a:rPr>
+              <a:t>	</a:t>
+            </a:r>
+            <a:r>
+              <a:rPr lang="en-US" sz="2000" b="1" i="1" dirty="0" err="1">
+                <a:solidFill>
+                  <a:srgbClr val="0070C0"/>
+                </a:solidFill>
+                <a:latin typeface="Consolas" panose="020B0609020204030204" pitchFamily="49" charset="0"/>
+                <a:cs typeface="Consolas" panose="020B0609020204030204" pitchFamily="49" charset="0"/>
+              </a:rPr>
+              <a:t>completeUrl</a:t>
+            </a:r>
+            <a:r>
+              <a:rPr lang="en-US" sz="2000" b="1" i="1" dirty="0">
+                <a:solidFill>
+                  <a:srgbClr val="0070C0"/>
+                </a:solidFill>
+                <a:latin typeface="Consolas" panose="020B0609020204030204" pitchFamily="49" charset="0"/>
+                <a:cs typeface="Consolas" panose="020B0609020204030204" pitchFamily="49" charset="0"/>
+              </a:rPr>
+              <a:t> = </a:t>
+            </a:r>
+            <a:r>
+              <a:rPr lang="en-US" sz="2000" b="1" i="1" dirty="0" err="1">
+                <a:solidFill>
+                  <a:srgbClr val="0070C0"/>
+                </a:solidFill>
+                <a:latin typeface="Consolas" panose="020B0609020204030204" pitchFamily="49" charset="0"/>
+                <a:cs typeface="Consolas" panose="020B0609020204030204" pitchFamily="49" charset="0"/>
+              </a:rPr>
+              <a:t>BASEURL.format</a:t>
+            </a:r>
+            <a:r>
+              <a:rPr lang="en-US" sz="2000" b="1" i="1" dirty="0">
+                <a:solidFill>
+                  <a:srgbClr val="0070C0"/>
+                </a:solidFill>
+                <a:latin typeface="Consolas" panose="020B0609020204030204" pitchFamily="49" charset="0"/>
+                <a:cs typeface="Consolas" panose="020B0609020204030204" pitchFamily="49" charset="0"/>
+              </a:rPr>
+              <a:t>(KEY, temp)</a:t>
+            </a:r>
+          </a:p>
+          <a:p>
+            <a:pPr lvl="1"/>
+            <a:r>
+              <a:rPr lang="en-US" sz="2000" b="1" i="1" dirty="0">
+                <a:solidFill>
+                  <a:srgbClr val="0070C0"/>
+                </a:solidFill>
+                <a:latin typeface="Consolas" panose="020B0609020204030204" pitchFamily="49" charset="0"/>
+                <a:cs typeface="Consolas" panose="020B0609020204030204" pitchFamily="49" charset="0"/>
+              </a:rPr>
+              <a:t>    	response = urllib2.urlopen(</a:t>
+            </a:r>
+            <a:r>
+              <a:rPr lang="en-US" sz="2000" b="1" i="1" dirty="0" err="1">
+                <a:solidFill>
+                  <a:srgbClr val="0070C0"/>
+                </a:solidFill>
+                <a:latin typeface="Consolas" panose="020B0609020204030204" pitchFamily="49" charset="0"/>
+                <a:cs typeface="Consolas" panose="020B0609020204030204" pitchFamily="49" charset="0"/>
+              </a:rPr>
+              <a:t>url</a:t>
+            </a:r>
+            <a:r>
+              <a:rPr lang="en-US" sz="2000" b="1" i="1" dirty="0">
+                <a:solidFill>
+                  <a:srgbClr val="0070C0"/>
+                </a:solidFill>
+                <a:latin typeface="Consolas" panose="020B0609020204030204" pitchFamily="49" charset="0"/>
+                <a:cs typeface="Consolas" panose="020B0609020204030204" pitchFamily="49" charset="0"/>
+              </a:rPr>
+              <a:t>=</a:t>
+            </a:r>
+            <a:r>
+              <a:rPr lang="en-US" sz="2000" b="1" i="1" dirty="0" err="1">
+                <a:solidFill>
+                  <a:srgbClr val="0070C0"/>
+                </a:solidFill>
+                <a:latin typeface="Consolas" panose="020B0609020204030204" pitchFamily="49" charset="0"/>
+                <a:cs typeface="Consolas" panose="020B0609020204030204" pitchFamily="49" charset="0"/>
+              </a:rPr>
+              <a:t>completeUrl</a:t>
+            </a:r>
+            <a:r>
+              <a:rPr lang="en-US" sz="2000" b="1" i="1" dirty="0">
+                <a:solidFill>
+                  <a:srgbClr val="0070C0"/>
+                </a:solidFill>
+                <a:latin typeface="Consolas" panose="020B0609020204030204" pitchFamily="49" charset="0"/>
+                <a:cs typeface="Consolas" panose="020B0609020204030204" pitchFamily="49" charset="0"/>
+              </a:rPr>
+              <a:t>)</a:t>
+            </a:r>
+          </a:p>
+          <a:p>
+            <a:pPr lvl="1"/>
+            <a:r>
+              <a:rPr lang="en-US" sz="2000" b="1" i="1" dirty="0">
+                <a:solidFill>
+                  <a:srgbClr val="0070C0"/>
+                </a:solidFill>
+                <a:latin typeface="Consolas" panose="020B0609020204030204" pitchFamily="49" charset="0"/>
+                <a:cs typeface="Consolas" panose="020B0609020204030204" pitchFamily="49" charset="0"/>
+              </a:rPr>
+              <a:t>    	print(</a:t>
+            </a:r>
+            <a:r>
+              <a:rPr lang="en-US" sz="2000" b="1" i="1" dirty="0" err="1">
+                <a:solidFill>
+                  <a:srgbClr val="0070C0"/>
+                </a:solidFill>
+                <a:latin typeface="Consolas" panose="020B0609020204030204" pitchFamily="49" charset="0"/>
+                <a:cs typeface="Consolas" panose="020B0609020204030204" pitchFamily="49" charset="0"/>
+              </a:rPr>
+              <a:t>response.read</a:t>
+            </a:r>
+            <a:r>
+              <a:rPr lang="en-US" sz="2000" b="1" i="1" dirty="0">
+                <a:solidFill>
+                  <a:srgbClr val="0070C0"/>
+                </a:solidFill>
+                <a:latin typeface="Consolas" panose="020B0609020204030204" pitchFamily="49" charset="0"/>
+                <a:cs typeface="Consolas" panose="020B0609020204030204" pitchFamily="49" charset="0"/>
+              </a:rPr>
+              <a:t>())</a:t>
+            </a:r>
+          </a:p>
+          <a:p>
+            <a:pPr lvl="1"/>
+            <a:endParaRPr lang="en-US" sz="2000" b="1" i="1" dirty="0">
+              <a:solidFill>
+                <a:srgbClr val="0070C0"/>
+              </a:solidFill>
+              <a:latin typeface="Consolas" panose="020B0609020204030204" pitchFamily="49" charset="0"/>
+              <a:cs typeface="Consolas" panose="020B0609020204030204" pitchFamily="49" charset="0"/>
+            </a:endParaRPr>
+          </a:p>
+          <a:p>
+            <a:pPr lvl="1"/>
+            <a:r>
+              <a:rPr lang="en-US" sz="2000" b="1" i="1" dirty="0">
+                <a:solidFill>
+                  <a:srgbClr val="0070C0"/>
+                </a:solidFill>
+                <a:latin typeface="Consolas" panose="020B0609020204030204" pitchFamily="49" charset="0"/>
+                <a:cs typeface="Consolas" panose="020B0609020204030204" pitchFamily="49" charset="0"/>
+              </a:rPr>
+              <a:t>def </a:t>
+            </a:r>
+            <a:r>
+              <a:rPr lang="en-US" sz="2000" b="1" i="1" dirty="0" err="1">
+                <a:solidFill>
+                  <a:srgbClr val="0070C0"/>
+                </a:solidFill>
+                <a:latin typeface="Consolas" panose="020B0609020204030204" pitchFamily="49" charset="0"/>
+                <a:cs typeface="Consolas" panose="020B0609020204030204" pitchFamily="49" charset="0"/>
+              </a:rPr>
+              <a:t>CpuTemp</a:t>
+            </a:r>
+            <a:r>
+              <a:rPr lang="en-US" sz="2000" b="1" i="1" dirty="0">
+                <a:solidFill>
+                  <a:srgbClr val="0070C0"/>
+                </a:solidFill>
+                <a:latin typeface="Consolas" panose="020B0609020204030204" pitchFamily="49" charset="0"/>
+                <a:cs typeface="Consolas" panose="020B0609020204030204" pitchFamily="49" charset="0"/>
+              </a:rPr>
+              <a:t>():</a:t>
+            </a:r>
+          </a:p>
+          <a:p>
+            <a:pPr lvl="1"/>
+            <a:r>
+              <a:rPr lang="en-US" sz="2000" b="1" i="1" dirty="0">
+                <a:solidFill>
+                  <a:srgbClr val="0070C0"/>
+                </a:solidFill>
+                <a:latin typeface="Consolas" panose="020B0609020204030204" pitchFamily="49" charset="0"/>
+                <a:cs typeface="Consolas" panose="020B0609020204030204" pitchFamily="49" charset="0"/>
+              </a:rPr>
+              <a:t>    dev = </a:t>
+            </a:r>
+            <a:r>
+              <a:rPr lang="en-US" sz="2000" b="1" i="1" dirty="0" err="1">
+                <a:solidFill>
+                  <a:srgbClr val="0070C0"/>
+                </a:solidFill>
+                <a:latin typeface="Consolas" panose="020B0609020204030204" pitchFamily="49" charset="0"/>
+                <a:cs typeface="Consolas" panose="020B0609020204030204" pitchFamily="49" charset="0"/>
+              </a:rPr>
+              <a:t>os.popen</a:t>
+            </a:r>
+            <a:r>
+              <a:rPr lang="en-US" sz="2000" b="1" i="1" dirty="0">
+                <a:solidFill>
+                  <a:srgbClr val="0070C0"/>
+                </a:solidFill>
+                <a:latin typeface="Consolas" panose="020B0609020204030204" pitchFamily="49" charset="0"/>
+                <a:cs typeface="Consolas" panose="020B0609020204030204" pitchFamily="49" charset="0"/>
+              </a:rPr>
+              <a:t>('/opt/</a:t>
+            </a:r>
+            <a:r>
+              <a:rPr lang="en-US" sz="2000" b="1" i="1" dirty="0" err="1">
+                <a:solidFill>
+                  <a:srgbClr val="0070C0"/>
+                </a:solidFill>
+                <a:latin typeface="Consolas" panose="020B0609020204030204" pitchFamily="49" charset="0"/>
+                <a:cs typeface="Consolas" panose="020B0609020204030204" pitchFamily="49" charset="0"/>
+              </a:rPr>
+              <a:t>vc</a:t>
+            </a:r>
+            <a:r>
+              <a:rPr lang="en-US" sz="2000" b="1" i="1" dirty="0">
+                <a:solidFill>
+                  <a:srgbClr val="0070C0"/>
+                </a:solidFill>
+                <a:latin typeface="Consolas" panose="020B0609020204030204" pitchFamily="49" charset="0"/>
+                <a:cs typeface="Consolas" panose="020B0609020204030204" pitchFamily="49" charset="0"/>
+              </a:rPr>
+              <a:t>/bin/</a:t>
+            </a:r>
+            <a:r>
+              <a:rPr lang="en-US" sz="2000" b="1" i="1" dirty="0" err="1">
+                <a:solidFill>
+                  <a:srgbClr val="0070C0"/>
+                </a:solidFill>
+                <a:latin typeface="Consolas" panose="020B0609020204030204" pitchFamily="49" charset="0"/>
+                <a:cs typeface="Consolas" panose="020B0609020204030204" pitchFamily="49" charset="0"/>
+              </a:rPr>
+              <a:t>vcgencmd</a:t>
+            </a:r>
+            <a:r>
+              <a:rPr lang="en-US" sz="2000" b="1" i="1" dirty="0">
+                <a:solidFill>
+                  <a:srgbClr val="0070C0"/>
+                </a:solidFill>
+                <a:latin typeface="Consolas" panose="020B0609020204030204" pitchFamily="49" charset="0"/>
+                <a:cs typeface="Consolas" panose="020B0609020204030204" pitchFamily="49" charset="0"/>
+              </a:rPr>
+              <a:t> </a:t>
+            </a:r>
+            <a:r>
+              <a:rPr lang="en-US" sz="2000" b="1" i="1" dirty="0" err="1">
+                <a:solidFill>
+                  <a:srgbClr val="0070C0"/>
+                </a:solidFill>
+                <a:latin typeface="Consolas" panose="020B0609020204030204" pitchFamily="49" charset="0"/>
+                <a:cs typeface="Consolas" panose="020B0609020204030204" pitchFamily="49" charset="0"/>
+              </a:rPr>
+              <a:t>measure_temp</a:t>
+            </a:r>
+            <a:r>
+              <a:rPr lang="en-US" sz="2000" b="1" i="1" dirty="0">
+                <a:solidFill>
+                  <a:srgbClr val="0070C0"/>
+                </a:solidFill>
+                <a:latin typeface="Consolas" panose="020B0609020204030204" pitchFamily="49" charset="0"/>
+                <a:cs typeface="Consolas" panose="020B0609020204030204" pitchFamily="49" charset="0"/>
+              </a:rPr>
+              <a:t>')</a:t>
+            </a:r>
+          </a:p>
+          <a:p>
+            <a:pPr lvl="1"/>
+            <a:r>
+              <a:rPr lang="en-US" sz="2000" b="1" i="1" dirty="0">
+                <a:solidFill>
+                  <a:srgbClr val="0070C0"/>
+                </a:solidFill>
+                <a:latin typeface="Consolas" panose="020B0609020204030204" pitchFamily="49" charset="0"/>
+                <a:cs typeface="Consolas" panose="020B0609020204030204" pitchFamily="49" charset="0"/>
+              </a:rPr>
+              <a:t>    temperature = </a:t>
+            </a:r>
+            <a:r>
+              <a:rPr lang="en-US" sz="2000" b="1" i="1" dirty="0" err="1">
+                <a:solidFill>
+                  <a:srgbClr val="0070C0"/>
+                </a:solidFill>
+                <a:latin typeface="Consolas" panose="020B0609020204030204" pitchFamily="49" charset="0"/>
+                <a:cs typeface="Consolas" panose="020B0609020204030204" pitchFamily="49" charset="0"/>
+              </a:rPr>
+              <a:t>dev.read</a:t>
+            </a:r>
+            <a:r>
+              <a:rPr lang="en-US" sz="2000" b="1" i="1" dirty="0">
+                <a:solidFill>
+                  <a:srgbClr val="0070C0"/>
+                </a:solidFill>
+                <a:latin typeface="Consolas" panose="020B0609020204030204" pitchFamily="49" charset="0"/>
+                <a:cs typeface="Consolas" panose="020B0609020204030204" pitchFamily="49" charset="0"/>
+              </a:rPr>
+              <a:t>()[5:-3]</a:t>
+            </a:r>
+          </a:p>
+          <a:p>
+            <a:pPr lvl="1"/>
+            <a:r>
+              <a:rPr lang="en-US" sz="2000" b="1" i="1" dirty="0">
+                <a:solidFill>
+                  <a:srgbClr val="0070C0"/>
+                </a:solidFill>
+                <a:latin typeface="Consolas" panose="020B0609020204030204" pitchFamily="49" charset="0"/>
+                <a:cs typeface="Consolas" panose="020B0609020204030204" pitchFamily="49" charset="0"/>
+              </a:rPr>
+              <a:t>    return temperature</a:t>
+            </a:r>
+          </a:p>
+          <a:p>
+            <a:pPr lvl="1"/>
+            <a:endParaRPr lang="en-US" sz="2000" b="1" i="1" dirty="0">
+              <a:solidFill>
+                <a:srgbClr val="0070C0"/>
+              </a:solidFill>
+              <a:latin typeface="Consolas" panose="020B0609020204030204" pitchFamily="49" charset="0"/>
+              <a:cs typeface="Consolas" panose="020B0609020204030204" pitchFamily="49" charset="0"/>
+            </a:endParaRPr>
+          </a:p>
+          <a:p>
+            <a:pPr lvl="1"/>
+            <a:endParaRPr lang="en-US" sz="2000" b="1" i="1" dirty="0">
+              <a:solidFill>
+                <a:srgbClr val="0070C0"/>
+              </a:solidFill>
+              <a:latin typeface="Consolas" panose="020B0609020204030204" pitchFamily="49" charset="0"/>
+              <a:cs typeface="Consolas" panose="020B0609020204030204" pitchFamily="49" charset="0"/>
+            </a:endParaRPr>
           </a:p>
         </p:txBody>
       </p:sp>
     </p:spTree>
     <p:extLst>
       <p:ext uri="{BB962C8B-B14F-4D97-AF65-F5344CB8AC3E}">
-        <p14:creationId xmlns:p14="http://schemas.microsoft.com/office/powerpoint/2010/main" val="3177764302"/>
+        <p14:creationId xmlns:p14="http://schemas.microsoft.com/office/powerpoint/2010/main" val="855376788"/>
       </p:ext>
     </p:extLst>
   </p:cSld>
@@ -10572,7 +10872,7 @@
           <a:p>
             <a:r>
               <a:rPr lang="en-US" dirty="0"/>
-              <a:t>Sending Tweets Using </a:t>
+              <a:t>Sending Sensor Data to </a:t>
             </a:r>
             <a:r>
               <a:rPr lang="en-US" dirty="0" err="1"/>
@@ -10624,15 +10924,192 @@
           </a:p>
         </p:txBody>
       </p:sp>
+      <p:sp>
+        <p:nvSpPr>
+          <p:cNvPr id="7" name="TextBox 6"/>
+          <p:cNvSpPr txBox="1"/>
+          <p:nvPr/>
+        </p:nvSpPr>
+        <p:spPr>
+          <a:xfrm>
+            <a:off x="417443" y="745199"/>
+            <a:ext cx="11357113" cy="2554545"/>
+          </a:xfrm>
+          <a:prstGeom prst="rect">
+            <a:avLst/>
+          </a:prstGeom>
+          <a:noFill/>
+        </p:spPr>
+        <p:txBody>
+          <a:bodyPr wrap="square" rtlCol="0">
+            <a:spAutoFit/>
+          </a:bodyPr>
+          <a:lstStyle/>
+          <a:p>
+            <a:pPr lvl="1"/>
+            <a:endParaRPr lang="en-US" sz="2000" b="1" i="1" dirty="0">
+              <a:solidFill>
+                <a:srgbClr val="0070C0"/>
+              </a:solidFill>
+              <a:latin typeface="Consolas" panose="020B0609020204030204" pitchFamily="49" charset="0"/>
+              <a:cs typeface="Consolas" panose="020B0609020204030204" pitchFamily="49" charset="0"/>
+            </a:endParaRPr>
+          </a:p>
+          <a:p>
+            <a:pPr lvl="1"/>
+            <a:r>
+              <a:rPr lang="en-US" sz="2000" b="1" i="1" dirty="0">
+                <a:solidFill>
+                  <a:srgbClr val="0070C0"/>
+                </a:solidFill>
+                <a:latin typeface="Consolas" panose="020B0609020204030204" pitchFamily="49" charset="0"/>
+                <a:cs typeface="Consolas" panose="020B0609020204030204" pitchFamily="49" charset="0"/>
+              </a:rPr>
+              <a:t>while True:</a:t>
+            </a:r>
+          </a:p>
+          <a:p>
+            <a:pPr lvl="1"/>
+            <a:r>
+              <a:rPr lang="en-US" sz="2000" b="1" i="1" dirty="0">
+                <a:solidFill>
+                  <a:srgbClr val="0070C0"/>
+                </a:solidFill>
+                <a:latin typeface="Consolas" panose="020B0609020204030204" pitchFamily="49" charset="0"/>
+                <a:cs typeface="Consolas" panose="020B0609020204030204" pitchFamily="49" charset="0"/>
+              </a:rPr>
+              <a:t>    temp = </a:t>
+            </a:r>
+            <a:r>
+              <a:rPr lang="en-US" sz="2000" b="1" i="1" dirty="0" err="1">
+                <a:solidFill>
+                  <a:srgbClr val="0070C0"/>
+                </a:solidFill>
+                <a:latin typeface="Consolas" panose="020B0609020204030204" pitchFamily="49" charset="0"/>
+                <a:cs typeface="Consolas" panose="020B0609020204030204" pitchFamily="49" charset="0"/>
+              </a:rPr>
+              <a:t>CpuTemp</a:t>
+            </a:r>
+            <a:r>
+              <a:rPr lang="en-US" sz="2000" b="1" i="1" dirty="0">
+                <a:solidFill>
+                  <a:srgbClr val="0070C0"/>
+                </a:solidFill>
+                <a:latin typeface="Consolas" panose="020B0609020204030204" pitchFamily="49" charset="0"/>
+                <a:cs typeface="Consolas" panose="020B0609020204030204" pitchFamily="49" charset="0"/>
+              </a:rPr>
+              <a:t>()</a:t>
+            </a:r>
+          </a:p>
+          <a:p>
+            <a:pPr lvl="1"/>
+            <a:r>
+              <a:rPr lang="en-US" sz="2000" b="1" i="1" dirty="0">
+                <a:solidFill>
+                  <a:srgbClr val="0070C0"/>
+                </a:solidFill>
+                <a:latin typeface="Consolas" panose="020B0609020204030204" pitchFamily="49" charset="0"/>
+                <a:cs typeface="Consolas" panose="020B0609020204030204" pitchFamily="49" charset="0"/>
+              </a:rPr>
+              <a:t>    print("CPU Temp (C): {}".format(temp))</a:t>
+            </a:r>
+          </a:p>
+          <a:p>
+            <a:pPr lvl="1"/>
+            <a:r>
+              <a:rPr lang="en-US" sz="2000" b="1" i="1" dirty="0">
+                <a:solidFill>
+                  <a:srgbClr val="0070C0"/>
+                </a:solidFill>
+                <a:latin typeface="Consolas" panose="020B0609020204030204" pitchFamily="49" charset="0"/>
+                <a:cs typeface="Consolas" panose="020B0609020204030204" pitchFamily="49" charset="0"/>
+              </a:rPr>
+              <a:t>    </a:t>
+            </a:r>
+            <a:r>
+              <a:rPr lang="en-US" sz="2000" b="1" i="1" dirty="0" err="1">
+                <a:solidFill>
+                  <a:srgbClr val="0070C0"/>
+                </a:solidFill>
+                <a:latin typeface="Consolas" panose="020B0609020204030204" pitchFamily="49" charset="0"/>
+                <a:cs typeface="Consolas" panose="020B0609020204030204" pitchFamily="49" charset="0"/>
+              </a:rPr>
+              <a:t>SendData</a:t>
+            </a:r>
+            <a:r>
+              <a:rPr lang="en-US" sz="2000" b="1" i="1" dirty="0">
+                <a:solidFill>
+                  <a:srgbClr val="0070C0"/>
+                </a:solidFill>
+                <a:latin typeface="Consolas" panose="020B0609020204030204" pitchFamily="49" charset="0"/>
+                <a:cs typeface="Consolas" panose="020B0609020204030204" pitchFamily="49" charset="0"/>
+              </a:rPr>
+              <a:t>(temp)</a:t>
+            </a:r>
+          </a:p>
+          <a:p>
+            <a:pPr lvl="1"/>
+            <a:r>
+              <a:rPr lang="en-US" sz="2000" b="1" i="1" dirty="0">
+                <a:solidFill>
+                  <a:srgbClr val="0070C0"/>
+                </a:solidFill>
+                <a:latin typeface="Consolas" panose="020B0609020204030204" pitchFamily="49" charset="0"/>
+                <a:cs typeface="Consolas" panose="020B0609020204030204" pitchFamily="49" charset="0"/>
+              </a:rPr>
+              <a:t>    </a:t>
+            </a:r>
+            <a:r>
+              <a:rPr lang="en-US" sz="2000" b="1" i="1" dirty="0" err="1">
+                <a:solidFill>
+                  <a:srgbClr val="0070C0"/>
+                </a:solidFill>
+                <a:latin typeface="Consolas" panose="020B0609020204030204" pitchFamily="49" charset="0"/>
+                <a:cs typeface="Consolas" panose="020B0609020204030204" pitchFamily="49" charset="0"/>
+              </a:rPr>
+              <a:t>time.sleep</a:t>
+            </a:r>
+            <a:r>
+              <a:rPr lang="en-US" sz="2000" b="1" i="1" dirty="0">
+                <a:solidFill>
+                  <a:srgbClr val="0070C0"/>
+                </a:solidFill>
+                <a:latin typeface="Consolas" panose="020B0609020204030204" pitchFamily="49" charset="0"/>
+                <a:cs typeface="Consolas" panose="020B0609020204030204" pitchFamily="49" charset="0"/>
+              </a:rPr>
+              <a:t>(DELAY)</a:t>
+            </a:r>
+          </a:p>
+          <a:p>
+            <a:pPr lvl="1"/>
+            <a:endParaRPr lang="en-US" sz="2000" b="1" i="1" dirty="0">
+              <a:solidFill>
+                <a:srgbClr val="0070C0"/>
+              </a:solidFill>
+              <a:latin typeface="Consolas" panose="020B0609020204030204" pitchFamily="49" charset="0"/>
+              <a:cs typeface="Consolas" panose="020B0609020204030204" pitchFamily="49" charset="0"/>
+            </a:endParaRPr>
+          </a:p>
+          <a:p>
+            <a:pPr lvl="1"/>
+            <a:r>
+              <a:rPr lang="en-US" sz="2000" dirty="0"/>
+              <a:t>Run the program. On the </a:t>
+            </a:r>
+            <a:r>
+              <a:rPr lang="en-US" sz="2000" dirty="0" err="1"/>
+              <a:t>ThingSpeak</a:t>
+            </a:r>
+            <a:r>
+              <a:rPr lang="en-US" sz="2000" dirty="0"/>
+              <a:t> channel page on the Private View tab, you should see a graph like:</a:t>
+            </a:r>
+          </a:p>
+        </p:txBody>
+      </p:sp>
       <p:pic>
         <p:nvPicPr>
-          <p:cNvPr id="2" name="Picture 1">
-            <a:extLst>
-              <a:ext uri="{FF2B5EF4-FFF2-40B4-BE49-F238E27FC236}">
-                <a16:creationId xmlns:a16="http://schemas.microsoft.com/office/drawing/2014/main" id="{362278BA-8274-44F9-B0AF-5BFD2FE028D1}"/>
-              </a:ext>
-            </a:extLst>
-          </p:cNvPr>
+          <p:cNvPr id="2" name="Picture 1"/>
           <p:cNvPicPr>
             <a:picLocks noChangeAspect="1"/>
           </p:cNvPicPr>
@@ -10646,8 +11123,8 @@
         </p:blipFill>
         <p:spPr>
           <a:xfrm>
-            <a:off x="233362" y="1637969"/>
-            <a:ext cx="11725275" cy="4400550"/>
+            <a:off x="3394418" y="3323726"/>
+            <a:ext cx="4764845" cy="3413021"/>
           </a:xfrm>
           <a:prstGeom prst="rect">
             <a:avLst/>
@@ -10657,7 +11134,7 @@
     </p:spTree>
     <p:extLst>
       <p:ext uri="{BB962C8B-B14F-4D97-AF65-F5344CB8AC3E}">
-        <p14:creationId xmlns:p14="http://schemas.microsoft.com/office/powerpoint/2010/main" val="705724565"/>
+        <p14:creationId xmlns:p14="http://schemas.microsoft.com/office/powerpoint/2010/main" val="1556363800"/>
       </p:ext>
     </p:extLst>
   </p:cSld>
@@ -10821,7 +11298,7 @@
           <a:p>
             <a:r>
               <a:rPr lang="en-US" dirty="0"/>
-              <a:t>SendTweet.py project </a:t>
+              <a:t>Sending Email and Other Notifications with IFTTT </a:t>
             </a:r>
           </a:p>
         </p:txBody>
@@ -10874,7 +11351,7 @@
         <p:spPr>
           <a:xfrm>
             <a:off x="417443" y="745199"/>
-            <a:ext cx="11357113" cy="4093428"/>
+            <a:ext cx="11357113" cy="2862322"/>
           </a:xfrm>
           <a:prstGeom prst="rect">
             <a:avLst/>
@@ -10889,49 +11366,22 @@
           <a:p>
             <a:pPr lvl="1"/>
             <a:r>
+              <a:rPr lang="en-US" sz="2000" dirty="0"/>
+              <a:t>The variable </a:t>
+            </a:r>
+            <a:r>
               <a:rPr lang="en-US" sz="2000" b="1" i="1" dirty="0">
                 <a:solidFill>
                   <a:srgbClr val="0070C0"/>
                 </a:solidFill>
                 <a:latin typeface="Consolas" panose="020B0609020204030204" pitchFamily="49" charset="0"/>
-              </a:rPr>
-              <a:t>import time, </a:t>
-            </a:r>
-            <a:r>
-              <a:rPr lang="en-US" sz="2000" b="1" i="1" dirty="0" err="1">
-                <a:solidFill>
-                  <a:srgbClr val="0070C0"/>
-                </a:solidFill>
-                <a:latin typeface="Consolas" panose="020B0609020204030204" pitchFamily="49" charset="0"/>
-              </a:rPr>
-              <a:t>os</a:t>
-            </a:r>
-            <a:r>
-              <a:rPr lang="en-US" sz="2000" b="1" i="1" dirty="0">
-                <a:solidFill>
-                  <a:srgbClr val="0070C0"/>
-                </a:solidFill>
-                <a:latin typeface="Consolas" panose="020B0609020204030204" pitchFamily="49" charset="0"/>
-              </a:rPr>
-              <a:t>, </a:t>
-            </a:r>
-            <a:r>
-              <a:rPr lang="en-US" sz="2000" b="1" i="1" dirty="0" err="1">
-                <a:solidFill>
-                  <a:srgbClr val="0070C0"/>
-                </a:solidFill>
-                <a:latin typeface="Consolas" panose="020B0609020204030204" pitchFamily="49" charset="0"/>
-              </a:rPr>
-              <a:t>urllib</a:t>
-            </a:r>
-            <a:r>
-              <a:rPr lang="en-US" sz="2000" b="1" i="1" dirty="0">
-                <a:solidFill>
-                  <a:srgbClr val="0070C0"/>
-                </a:solidFill>
-                <a:latin typeface="Consolas" panose="020B0609020204030204" pitchFamily="49" charset="0"/>
-              </a:rPr>
-              <a:t>, urllib2</a:t>
+                <a:cs typeface="Consolas" panose="020B0609020204030204" pitchFamily="49" charset="0"/>
+              </a:rPr>
+              <a:t>PERIOD</a:t>
+            </a:r>
+            <a:r>
+              <a:rPr lang="en-US" sz="2000" dirty="0"/>
+              <a:t> is used to determine the time interval between each sending of the temperature. This period is in seconds. </a:t>
             </a:r>
           </a:p>
           <a:p>
@@ -10941,231 +11391,53 @@
                 <a:srgbClr val="0070C0"/>
               </a:solidFill>
               <a:latin typeface="Consolas" panose="020B0609020204030204" pitchFamily="49" charset="0"/>
+              <a:cs typeface="Consolas" panose="020B0609020204030204" pitchFamily="49" charset="0"/>
             </a:endParaRPr>
           </a:p>
           <a:p>
             <a:pPr lvl="1"/>
             <a:r>
+              <a:rPr lang="en-US" sz="2000" dirty="0"/>
+              <a:t>The </a:t>
+            </a:r>
+            <a:r>
+              <a:rPr lang="en-US" sz="2000" b="1" i="1" dirty="0" err="1">
+                <a:solidFill>
+                  <a:srgbClr val="0070C0"/>
+                </a:solidFill>
+                <a:latin typeface="Consolas" panose="020B0609020204030204" pitchFamily="49" charset="0"/>
+                <a:cs typeface="Consolas" panose="020B0609020204030204" pitchFamily="49" charset="0"/>
+              </a:rPr>
+              <a:t>send_data</a:t>
+            </a:r>
+            <a:r>
+              <a:rPr lang="en-US" sz="2000" dirty="0"/>
+              <a:t> function constructs the web request, supplying the temperature in a parameter called </a:t>
+            </a:r>
+            <a:r>
               <a:rPr lang="en-US" sz="2000" b="1" i="1" dirty="0">
                 <a:solidFill>
                   <a:srgbClr val="0070C0"/>
                 </a:solidFill>
                 <a:latin typeface="Consolas" panose="020B0609020204030204" pitchFamily="49" charset="0"/>
-              </a:rPr>
-              <a:t>MAX_TEMP = 37.0 </a:t>
-            </a:r>
-          </a:p>
-          <a:p>
-            <a:pPr lvl="1"/>
-            <a:r>
-              <a:rPr lang="en-US" sz="2000" b="1" i="1" dirty="0">
-                <a:solidFill>
-                  <a:srgbClr val="0070C0"/>
-                </a:solidFill>
-                <a:latin typeface="Consolas" panose="020B0609020204030204" pitchFamily="49" charset="0"/>
-              </a:rPr>
-              <a:t>MIN_T_BETWEEN_WARNINGS = 60 # Minutes</a:t>
-            </a:r>
-          </a:p>
-          <a:p>
-            <a:pPr lvl="1"/>
-            <a:r>
-              <a:rPr lang="en-US" sz="2000" b="1" i="1" dirty="0">
-                <a:solidFill>
-                  <a:srgbClr val="0070C0"/>
-                </a:solidFill>
-                <a:latin typeface="Consolas" panose="020B0609020204030204" pitchFamily="49" charset="0"/>
-              </a:rPr>
-              <a:t>BASE_URL = 'https://api.thingspeak.com/apps/</a:t>
-            </a:r>
-            <a:r>
-              <a:rPr lang="en-US" sz="2000" b="1" i="1" dirty="0" err="1">
-                <a:solidFill>
-                  <a:srgbClr val="0070C0"/>
-                </a:solidFill>
-                <a:latin typeface="Consolas" panose="020B0609020204030204" pitchFamily="49" charset="0"/>
-              </a:rPr>
-              <a:t>thingtweet</a:t>
-            </a:r>
-            <a:r>
-              <a:rPr lang="en-US" sz="2000" b="1" i="1" dirty="0">
-                <a:solidFill>
-                  <a:srgbClr val="0070C0"/>
-                </a:solidFill>
-                <a:latin typeface="Consolas" panose="020B0609020204030204" pitchFamily="49" charset="0"/>
-              </a:rPr>
-              <a:t>/1/statuses/update/' KEY = '68LZC4LBMXLO6YDY’</a:t>
-            </a:r>
-          </a:p>
-          <a:p>
-            <a:pPr lvl="1"/>
-            <a:endParaRPr lang="en-US" sz="2000" b="1" i="1" dirty="0">
-              <a:solidFill>
-                <a:srgbClr val="0070C0"/>
-              </a:solidFill>
-              <a:latin typeface="Consolas" panose="020B0609020204030204" pitchFamily="49" charset="0"/>
-            </a:endParaRPr>
-          </a:p>
-          <a:p>
-            <a:pPr lvl="1"/>
-            <a:r>
-              <a:rPr lang="en-US" sz="2000" b="1" i="1" dirty="0">
-                <a:solidFill>
-                  <a:srgbClr val="0070C0"/>
-                </a:solidFill>
-                <a:latin typeface="Consolas" panose="020B0609020204030204" pitchFamily="49" charset="0"/>
-              </a:rPr>
-              <a:t>def </a:t>
-            </a:r>
-            <a:r>
-              <a:rPr lang="en-US" sz="2000" b="1" i="1" dirty="0" err="1">
-                <a:solidFill>
-                  <a:srgbClr val="0070C0"/>
-                </a:solidFill>
-                <a:latin typeface="Consolas" panose="020B0609020204030204" pitchFamily="49" charset="0"/>
-              </a:rPr>
-              <a:t>send_notification</a:t>
-            </a:r>
-            <a:r>
-              <a:rPr lang="en-US" sz="2000" b="1" i="1" dirty="0">
-                <a:solidFill>
-                  <a:srgbClr val="0070C0"/>
-                </a:solidFill>
-                <a:latin typeface="Consolas" panose="020B0609020204030204" pitchFamily="49" charset="0"/>
-              </a:rPr>
-              <a:t>(temp):    </a:t>
-            </a:r>
-          </a:p>
-          <a:p>
-            <a:pPr lvl="1"/>
-            <a:r>
-              <a:rPr lang="en-US" sz="2000" b="1" i="1" dirty="0">
-                <a:solidFill>
-                  <a:srgbClr val="0070C0"/>
-                </a:solidFill>
-                <a:latin typeface="Consolas" panose="020B0609020204030204" pitchFamily="49" charset="0"/>
-              </a:rPr>
-              <a:t>	status = 'Raspberry Pi getting hot. </a:t>
-            </a:r>
-          </a:p>
-          <a:p>
-            <a:pPr lvl="1"/>
-            <a:r>
-              <a:rPr lang="en-US" sz="2000" b="1" i="1" dirty="0">
-                <a:solidFill>
-                  <a:srgbClr val="0070C0"/>
-                </a:solidFill>
-                <a:latin typeface="Consolas" panose="020B0609020204030204" pitchFamily="49" charset="0"/>
-              </a:rPr>
-              <a:t>	CPU temp=' + temp    </a:t>
-            </a:r>
-          </a:p>
-          <a:p>
-            <a:pPr lvl="1"/>
-            <a:r>
-              <a:rPr lang="en-US" sz="2000" b="1" i="1" dirty="0">
-                <a:solidFill>
-                  <a:srgbClr val="0070C0"/>
-                </a:solidFill>
-                <a:latin typeface="Consolas" panose="020B0609020204030204" pitchFamily="49" charset="0"/>
-              </a:rPr>
-              <a:t>	data = </a:t>
-            </a:r>
-            <a:r>
-              <a:rPr lang="en-US" sz="2000" b="1" i="1" dirty="0" err="1">
-                <a:solidFill>
-                  <a:srgbClr val="0070C0"/>
-                </a:solidFill>
-                <a:latin typeface="Consolas" panose="020B0609020204030204" pitchFamily="49" charset="0"/>
-              </a:rPr>
-              <a:t>urllib.urlencode</a:t>
-            </a:r>
-            <a:r>
-              <a:rPr lang="en-US" sz="2000" b="1" i="1" dirty="0">
-                <a:solidFill>
-                  <a:srgbClr val="0070C0"/>
-                </a:solidFill>
-                <a:latin typeface="Consolas" panose="020B0609020204030204" pitchFamily="49" charset="0"/>
-              </a:rPr>
-              <a:t>({'</a:t>
-            </a:r>
-            <a:r>
-              <a:rPr lang="en-US" sz="2000" b="1" i="1" dirty="0" err="1">
-                <a:solidFill>
-                  <a:srgbClr val="0070C0"/>
-                </a:solidFill>
-                <a:latin typeface="Consolas" panose="020B0609020204030204" pitchFamily="49" charset="0"/>
-              </a:rPr>
-              <a:t>api_key</a:t>
-            </a:r>
-            <a:r>
-              <a:rPr lang="en-US" sz="2000" b="1" i="1" dirty="0">
-                <a:solidFill>
-                  <a:srgbClr val="0070C0"/>
-                </a:solidFill>
-                <a:latin typeface="Consolas" panose="020B0609020204030204" pitchFamily="49" charset="0"/>
-              </a:rPr>
-              <a:t>' : KEY, 'status': status})    </a:t>
-            </a:r>
-          </a:p>
-          <a:p>
-            <a:pPr lvl="1"/>
-            <a:r>
-              <a:rPr lang="en-US" sz="2000" b="1" i="1" dirty="0">
-                <a:solidFill>
-                  <a:srgbClr val="0070C0"/>
-                </a:solidFill>
-                <a:latin typeface="Consolas" panose="020B0609020204030204" pitchFamily="49" charset="0"/>
-              </a:rPr>
-              <a:t>	response = urllib2.urlopen(</a:t>
-            </a:r>
-            <a:r>
-              <a:rPr lang="en-US" sz="2000" b="1" i="1" dirty="0" err="1">
-                <a:solidFill>
-                  <a:srgbClr val="0070C0"/>
-                </a:solidFill>
-                <a:latin typeface="Consolas" panose="020B0609020204030204" pitchFamily="49" charset="0"/>
-              </a:rPr>
-              <a:t>url</a:t>
-            </a:r>
-            <a:r>
-              <a:rPr lang="en-US" sz="2000" b="1" i="1" dirty="0">
-                <a:solidFill>
-                  <a:srgbClr val="0070C0"/>
-                </a:solidFill>
-                <a:latin typeface="Consolas" panose="020B0609020204030204" pitchFamily="49" charset="0"/>
-              </a:rPr>
-              <a:t>=BASE_URL, data=data)    </a:t>
-            </a:r>
-          </a:p>
-          <a:p>
-            <a:pPr lvl="1"/>
-            <a:r>
-              <a:rPr lang="en-US" sz="2000" b="1" i="1" dirty="0">
-                <a:solidFill>
-                  <a:srgbClr val="0070C0"/>
-                </a:solidFill>
-                <a:latin typeface="Consolas" panose="020B0609020204030204" pitchFamily="49" charset="0"/>
-              </a:rPr>
-              <a:t>	print(</a:t>
-            </a:r>
-            <a:r>
-              <a:rPr lang="en-US" sz="2000" b="1" i="1" dirty="0" err="1">
-                <a:solidFill>
-                  <a:srgbClr val="0070C0"/>
-                </a:solidFill>
-                <a:latin typeface="Consolas" panose="020B0609020204030204" pitchFamily="49" charset="0"/>
-              </a:rPr>
-              <a:t>response.read</a:t>
-            </a:r>
-            <a:r>
-              <a:rPr lang="en-US" sz="2000" b="1" i="1" dirty="0">
-                <a:solidFill>
-                  <a:srgbClr val="0070C0"/>
-                </a:solidFill>
-                <a:latin typeface="Consolas" panose="020B0609020204030204" pitchFamily="49" charset="0"/>
-              </a:rPr>
-              <a:t>())</a:t>
+                <a:cs typeface="Consolas" panose="020B0609020204030204" pitchFamily="49" charset="0"/>
+              </a:rPr>
+              <a:t>field1</a:t>
+            </a:r>
+            <a:r>
+              <a:rPr lang="en-US" sz="2000" dirty="0"/>
+              <a:t>.</a:t>
+            </a:r>
+          </a:p>
+          <a:p>
+            <a:pPr lvl="1"/>
+            <a:endParaRPr lang="en-US" sz="2000" dirty="0"/>
+          </a:p>
+          <a:p>
+            <a:pPr lvl="1"/>
+            <a:r>
+              <a:rPr lang="en-US" sz="2000" dirty="0"/>
+              <a:t>If your data might be of public interest—say, accurate environmental readings—then you might want to make the channel public so that anyone can make use of it. This probably isn’t the case for your Pi’s CPU temperature. </a:t>
             </a:r>
           </a:p>
         </p:txBody>
@@ -11173,7 +11445,7 @@
     </p:spTree>
     <p:extLst>
       <p:ext uri="{BB962C8B-B14F-4D97-AF65-F5344CB8AC3E}">
-        <p14:creationId xmlns:p14="http://schemas.microsoft.com/office/powerpoint/2010/main" val="1438346809"/>
+        <p14:creationId xmlns:p14="http://schemas.microsoft.com/office/powerpoint/2010/main" val="3876869903"/>
       </p:ext>
     </p:extLst>
   </p:cSld>
@@ -11337,7 +11609,15 @@
           <a:p>
             <a:r>
               <a:rPr lang="en-US" dirty="0"/>
-              <a:t>SendTweet.py project </a:t>
+              <a:t>Sending Tweets Using </a:t>
+            </a:r>
+            <a:r>
+              <a:rPr lang="en-US" dirty="0" err="1"/>
+              <a:t>ThingSpeak</a:t>
+            </a:r>
+            <a:r>
+              <a:rPr lang="en-US" dirty="0"/>
+              <a:t> </a:t>
             </a:r>
           </a:p>
         </p:txBody>
@@ -11389,8 +11669,8 @@
         </p:nvSpPr>
         <p:spPr>
           <a:xfrm>
-            <a:off x="-457200" y="745199"/>
-            <a:ext cx="12649200" cy="3785652"/>
+            <a:off x="417443" y="745199"/>
+            <a:ext cx="11357113" cy="3293209"/>
           </a:xfrm>
           <a:prstGeom prst="rect">
             <a:avLst/>
@@ -11404,259 +11684,85 @@
           <a:lstStyle/>
           <a:p>
             <a:pPr lvl="1"/>
-            <a:endParaRPr lang="en-US" sz="2000" b="1" i="1" dirty="0">
-              <a:solidFill>
-                <a:srgbClr val="0070C0"/>
-              </a:solidFill>
-              <a:latin typeface="Consolas" panose="020B0609020204030204" pitchFamily="49" charset="0"/>
-            </a:endParaRPr>
-          </a:p>
-          <a:p>
-            <a:pPr lvl="1"/>
-            <a:r>
-              <a:rPr lang="en-US" sz="2000" b="1" i="1" dirty="0">
-                <a:solidFill>
-                  <a:srgbClr val="0070C0"/>
-                </a:solidFill>
-                <a:latin typeface="Consolas" panose="020B0609020204030204" pitchFamily="49" charset="0"/>
-              </a:rPr>
-              <a:t>while True:    </a:t>
-            </a:r>
-          </a:p>
-          <a:p>
-            <a:pPr lvl="1"/>
-            <a:r>
-              <a:rPr lang="en-US" sz="2000" b="1" i="1" dirty="0">
-                <a:solidFill>
-                  <a:srgbClr val="0070C0"/>
-                </a:solidFill>
-                <a:latin typeface="Consolas" panose="020B0609020204030204" pitchFamily="49" charset="0"/>
-              </a:rPr>
-              <a:t>	temp = </a:t>
-            </a:r>
-            <a:r>
-              <a:rPr lang="en-US" sz="2000" b="1" i="1" dirty="0" err="1">
-                <a:solidFill>
-                  <a:srgbClr val="0070C0"/>
-                </a:solidFill>
-                <a:latin typeface="Consolas" panose="020B0609020204030204" pitchFamily="49" charset="0"/>
-              </a:rPr>
-              <a:t>cpu_temp</a:t>
-            </a:r>
-            <a:r>
-              <a:rPr lang="en-US" sz="2000" b="1" i="1" dirty="0">
-                <a:solidFill>
-                  <a:srgbClr val="0070C0"/>
-                </a:solidFill>
-                <a:latin typeface="Consolas" panose="020B0609020204030204" pitchFamily="49" charset="0"/>
-              </a:rPr>
-              <a:t>()    </a:t>
-            </a:r>
-          </a:p>
-          <a:p>
-            <a:pPr lvl="1"/>
-            <a:r>
-              <a:rPr lang="en-US" sz="2000" b="1" i="1" dirty="0">
-                <a:solidFill>
-                  <a:srgbClr val="0070C0"/>
-                </a:solidFill>
-                <a:latin typeface="Consolas" panose="020B0609020204030204" pitchFamily="49" charset="0"/>
-              </a:rPr>
-              <a:t>	print("CPU Temp (C): " + </a:t>
-            </a:r>
-            <a:r>
-              <a:rPr lang="en-US" sz="2000" b="1" i="1" dirty="0" err="1">
-                <a:solidFill>
-                  <a:srgbClr val="0070C0"/>
-                </a:solidFill>
-                <a:latin typeface="Consolas" panose="020B0609020204030204" pitchFamily="49" charset="0"/>
-              </a:rPr>
-              <a:t>str</a:t>
-            </a:r>
-            <a:r>
-              <a:rPr lang="en-US" sz="2000" b="1" i="1" dirty="0">
-                <a:solidFill>
-                  <a:srgbClr val="0070C0"/>
-                </a:solidFill>
-                <a:latin typeface="Consolas" panose="020B0609020204030204" pitchFamily="49" charset="0"/>
-              </a:rPr>
-              <a:t>(temp))    </a:t>
-            </a:r>
-          </a:p>
-          <a:p>
-            <a:pPr lvl="1"/>
-            <a:r>
-              <a:rPr lang="en-US" sz="2000" b="1" i="1" dirty="0">
-                <a:solidFill>
-                  <a:srgbClr val="0070C0"/>
-                </a:solidFill>
-                <a:latin typeface="Consolas" panose="020B0609020204030204" pitchFamily="49" charset="0"/>
-              </a:rPr>
-              <a:t>	</a:t>
-            </a:r>
-          </a:p>
-          <a:p>
-            <a:pPr lvl="1"/>
-            <a:r>
-              <a:rPr lang="en-US" sz="2000" b="1" i="1" dirty="0">
-                <a:solidFill>
-                  <a:srgbClr val="0070C0"/>
-                </a:solidFill>
-                <a:latin typeface="Consolas" panose="020B0609020204030204" pitchFamily="49" charset="0"/>
-              </a:rPr>
-              <a:t>	if temp &gt; MAX_TEMP:        </a:t>
-            </a:r>
-          </a:p>
-          <a:p>
-            <a:pPr lvl="1"/>
-            <a:r>
-              <a:rPr lang="en-US" sz="2000" b="1" i="1" dirty="0">
-                <a:solidFill>
-                  <a:srgbClr val="0070C0"/>
-                </a:solidFill>
-                <a:latin typeface="Consolas" panose="020B0609020204030204" pitchFamily="49" charset="0"/>
-              </a:rPr>
-              <a:t>		print("CPU TOO HOT!")        </a:t>
-            </a:r>
-          </a:p>
-          <a:p>
-            <a:pPr lvl="1"/>
-            <a:r>
-              <a:rPr lang="en-US" sz="2000" b="1" i="1" dirty="0">
-                <a:solidFill>
-                  <a:srgbClr val="0070C0"/>
-                </a:solidFill>
-                <a:latin typeface="Consolas" panose="020B0609020204030204" pitchFamily="49" charset="0"/>
-              </a:rPr>
-              <a:t>		</a:t>
-            </a:r>
-            <a:r>
-              <a:rPr lang="en-US" sz="2000" b="1" i="1" dirty="0" err="1">
-                <a:solidFill>
-                  <a:srgbClr val="0070C0"/>
-                </a:solidFill>
-                <a:latin typeface="Consolas" panose="020B0609020204030204" pitchFamily="49" charset="0"/>
-              </a:rPr>
-              <a:t>send_notification</a:t>
-            </a:r>
-            <a:r>
-              <a:rPr lang="en-US" sz="2000" b="1" i="1" dirty="0">
-                <a:solidFill>
-                  <a:srgbClr val="0070C0"/>
-                </a:solidFill>
-                <a:latin typeface="Consolas" panose="020B0609020204030204" pitchFamily="49" charset="0"/>
-              </a:rPr>
-              <a:t>(temp)        </a:t>
-            </a:r>
-          </a:p>
-          <a:p>
-            <a:pPr lvl="1"/>
-            <a:r>
-              <a:rPr lang="en-US" sz="2000" b="1" i="1" dirty="0">
-                <a:solidFill>
-                  <a:srgbClr val="0070C0"/>
-                </a:solidFill>
-                <a:latin typeface="Consolas" panose="020B0609020204030204" pitchFamily="49" charset="0"/>
-              </a:rPr>
-              <a:t>		print("No more notifications for: " + </a:t>
-            </a:r>
-            <a:r>
-              <a:rPr lang="en-US" sz="2000" b="1" i="1" dirty="0" err="1">
-                <a:solidFill>
-                  <a:srgbClr val="0070C0"/>
-                </a:solidFill>
-                <a:latin typeface="Consolas" panose="020B0609020204030204" pitchFamily="49" charset="0"/>
-              </a:rPr>
-              <a:t>str</a:t>
-            </a:r>
-            <a:r>
-              <a:rPr lang="en-US" sz="2000" b="1" i="1" dirty="0">
-                <a:solidFill>
-                  <a:srgbClr val="0070C0"/>
-                </a:solidFill>
-                <a:latin typeface="Consolas" panose="020B0609020204030204" pitchFamily="49" charset="0"/>
-              </a:rPr>
-              <a:t>(MIN_T_BETWEEN_WARNINGS) + " mins")     </a:t>
-            </a:r>
-          </a:p>
-          <a:p>
-            <a:pPr lvl="1"/>
-            <a:r>
-              <a:rPr lang="en-US" sz="2000" b="1" i="1" dirty="0">
-                <a:solidFill>
-                  <a:srgbClr val="0070C0"/>
-                </a:solidFill>
-                <a:latin typeface="Consolas" panose="020B0609020204030204" pitchFamily="49" charset="0"/>
-              </a:rPr>
-              <a:t>		</a:t>
-            </a:r>
-            <a:r>
-              <a:rPr lang="en-US" sz="2000" b="1" i="1" dirty="0" err="1">
-                <a:solidFill>
-                  <a:srgbClr val="0070C0"/>
-                </a:solidFill>
-                <a:latin typeface="Consolas" panose="020B0609020204030204" pitchFamily="49" charset="0"/>
-              </a:rPr>
-              <a:t>time.sleep</a:t>
-            </a:r>
-            <a:r>
-              <a:rPr lang="en-US" sz="2000" b="1" i="1" dirty="0">
-                <a:solidFill>
-                  <a:srgbClr val="0070C0"/>
-                </a:solidFill>
-                <a:latin typeface="Consolas" panose="020B0609020204030204" pitchFamily="49" charset="0"/>
-              </a:rPr>
-              <a:t>(MIN_T_BETWEEN_WARNINGS * 60)    </a:t>
-            </a:r>
-          </a:p>
-          <a:p>
-            <a:pPr lvl="1"/>
-            <a:r>
-              <a:rPr lang="en-US" sz="2000" b="1" i="1" dirty="0">
-                <a:solidFill>
-                  <a:srgbClr val="0070C0"/>
-                </a:solidFill>
-                <a:latin typeface="Consolas" panose="020B0609020204030204" pitchFamily="49" charset="0"/>
-              </a:rPr>
-              <a:t>	</a:t>
-            </a:r>
-          </a:p>
-          <a:p>
-            <a:pPr lvl="1"/>
-            <a:r>
-              <a:rPr lang="en-US" sz="2000" b="1" i="1" dirty="0">
-                <a:solidFill>
-                  <a:srgbClr val="0070C0"/>
-                </a:solidFill>
-                <a:latin typeface="Consolas" panose="020B0609020204030204" pitchFamily="49" charset="0"/>
-              </a:rPr>
-              <a:t>	</a:t>
-            </a:r>
-            <a:r>
-              <a:rPr lang="en-US" sz="2000" b="1" i="1" dirty="0" err="1">
-                <a:solidFill>
-                  <a:srgbClr val="0070C0"/>
-                </a:solidFill>
-                <a:latin typeface="Consolas" panose="020B0609020204030204" pitchFamily="49" charset="0"/>
-              </a:rPr>
-              <a:t>time.sleep</a:t>
-            </a:r>
-            <a:r>
-              <a:rPr lang="en-US" sz="2000" b="1" i="1" dirty="0">
-                <a:solidFill>
-                  <a:srgbClr val="0070C0"/>
-                </a:solidFill>
-                <a:latin typeface="Consolas" panose="020B0609020204030204" pitchFamily="49" charset="0"/>
-              </a:rPr>
-              <a:t>(1)</a:t>
-            </a:r>
+            <a:r>
+              <a:rPr lang="en-US" sz="2000" dirty="0"/>
+              <a:t>You want to automatically send tweets from your Raspberry Pi; for example, to irritate people by telling them the temperature of your CPU.</a:t>
+            </a:r>
+          </a:p>
+          <a:p>
+            <a:pPr lvl="1"/>
+            <a:endParaRPr lang="en-US" sz="2000" dirty="0"/>
+          </a:p>
+          <a:p>
+            <a:pPr lvl="1"/>
+            <a:r>
+              <a:rPr lang="en-US" sz="2000" dirty="0"/>
+              <a:t>You could just use </a:t>
+            </a:r>
+            <a:r>
+              <a:rPr lang="en-US" sz="2400" b="1" dirty="0"/>
+              <a:t>IFTTT </a:t>
+            </a:r>
+            <a:r>
+              <a:rPr lang="en-US" sz="2000" dirty="0"/>
+              <a:t>and change the Action Channel to be Twitter. However, the </a:t>
+            </a:r>
+            <a:r>
+              <a:rPr lang="en-US" sz="2000" dirty="0" err="1"/>
+              <a:t>ThingSpeak</a:t>
+            </a:r>
+            <a:r>
+              <a:rPr lang="en-US" sz="2000" dirty="0"/>
+              <a:t> service is an alternative way of doing this. </a:t>
+            </a:r>
+          </a:p>
+          <a:p>
+            <a:pPr lvl="1"/>
+            <a:endParaRPr lang="en-US" sz="2000" dirty="0"/>
+          </a:p>
+          <a:p>
+            <a:pPr lvl="1"/>
+            <a:r>
+              <a:rPr lang="en-US" sz="2000" dirty="0"/>
+              <a:t>Start by visiting </a:t>
+            </a:r>
+            <a:r>
+              <a:rPr lang="en-US" sz="2400" b="1" dirty="0">
+                <a:solidFill>
+                  <a:schemeClr val="accent1">
+                    <a:lumMod val="75000"/>
+                  </a:schemeClr>
+                </a:solidFill>
+              </a:rPr>
+              <a:t>https://thingspeak.com </a:t>
+            </a:r>
+            <a:r>
+              <a:rPr lang="en-US" sz="2000" dirty="0"/>
+              <a:t>and signing up. Then select the </a:t>
+            </a:r>
+            <a:r>
+              <a:rPr lang="en-US" sz="2000" dirty="0" err="1"/>
+              <a:t>ThingTweet</a:t>
+            </a:r>
+            <a:r>
+              <a:rPr lang="en-US" sz="2000" dirty="0"/>
+              <a:t> action (Following figure). You will be prompted to log in to Twitter.</a:t>
+            </a:r>
+          </a:p>
+          <a:p>
+            <a:pPr lvl="1"/>
+            <a:endParaRPr lang="en-US" sz="2000" dirty="0"/>
+          </a:p>
+          <a:p>
+            <a:pPr lvl="1"/>
+            <a:endParaRPr lang="en-US" sz="2000" dirty="0"/>
           </a:p>
         </p:txBody>
       </p:sp>
     </p:spTree>
     <p:extLst>
       <p:ext uri="{BB962C8B-B14F-4D97-AF65-F5344CB8AC3E}">
-        <p14:creationId xmlns:p14="http://schemas.microsoft.com/office/powerpoint/2010/main" val="673597566"/>
+        <p14:creationId xmlns:p14="http://schemas.microsoft.com/office/powerpoint/2010/main" val="3177764302"/>
       </p:ext>
     </p:extLst>
   </p:cSld>
@@ -12428,146 +12534,40 @@
           </a:p>
         </p:txBody>
       </p:sp>
-      <p:sp>
-        <p:nvSpPr>
-          <p:cNvPr id="7" name="TextBox 6"/>
-          <p:cNvSpPr txBox="1"/>
+      <p:pic>
+        <p:nvPicPr>
+          <p:cNvPr id="2" name="Picture 1">
+            <a:extLst>
+              <a:ext uri="{FF2B5EF4-FFF2-40B4-BE49-F238E27FC236}">
+                <a16:creationId xmlns:a16="http://schemas.microsoft.com/office/drawing/2014/main" id="{362278BA-8274-44F9-B0AF-5BFD2FE028D1}"/>
+              </a:ext>
+            </a:extLst>
+          </p:cNvPr>
+          <p:cNvPicPr>
+            <a:picLocks noChangeAspect="1"/>
+          </p:cNvPicPr>
           <p:nvPr/>
-        </p:nvSpPr>
+        </p:nvPicPr>
+        <p:blipFill>
+          <a:blip r:embed="rId2"/>
+          <a:stretch>
+            <a:fillRect/>
+          </a:stretch>
+        </p:blipFill>
         <p:spPr>
           <a:xfrm>
-            <a:off x="0" y="745199"/>
-            <a:ext cx="12191999" cy="3046988"/>
+            <a:off x="233362" y="1637969"/>
+            <a:ext cx="11725275" cy="4400550"/>
           </a:xfrm>
           <a:prstGeom prst="rect">
             <a:avLst/>
           </a:prstGeom>
-          <a:noFill/>
         </p:spPr>
-        <p:txBody>
-          <a:bodyPr wrap="square" rtlCol="0">
-            <a:spAutoFit/>
-          </a:bodyPr>
-          <a:lstStyle/>
-          <a:p>
-            <a:pPr lvl="1"/>
-            <a:r>
-              <a:rPr lang="en-US" sz="2000" dirty="0"/>
-              <a:t>For full documentation of the </a:t>
-            </a:r>
-            <a:r>
-              <a:rPr lang="en-US" sz="2000" dirty="0" err="1"/>
-              <a:t>ThingSpeak</a:t>
-            </a:r>
-            <a:r>
-              <a:rPr lang="en-US" sz="2000" dirty="0"/>
-              <a:t> service, see </a:t>
-            </a:r>
-            <a:r>
-              <a:rPr lang="en-US" sz="2400" b="1" dirty="0">
-                <a:solidFill>
-                  <a:schemeClr val="accent1">
-                    <a:lumMod val="75000"/>
-                  </a:schemeClr>
-                </a:solidFill>
-              </a:rPr>
-              <a:t>https://uk.mathworks.com/help/ </a:t>
-            </a:r>
-            <a:r>
-              <a:rPr lang="en-US" sz="2400" b="1" dirty="0" err="1">
-                <a:solidFill>
-                  <a:schemeClr val="accent1">
-                    <a:lumMod val="75000"/>
-                  </a:schemeClr>
-                </a:solidFill>
-              </a:rPr>
-              <a:t>thingspeak</a:t>
-            </a:r>
-            <a:r>
-              <a:rPr lang="en-US" sz="2400" b="1" dirty="0">
-                <a:solidFill>
-                  <a:schemeClr val="accent1">
-                    <a:lumMod val="75000"/>
-                  </a:schemeClr>
-                </a:solidFill>
-              </a:rPr>
-              <a:t>/.</a:t>
-            </a:r>
-          </a:p>
-          <a:p>
-            <a:pPr lvl="1"/>
-            <a:endParaRPr lang="en-US" sz="2000" dirty="0"/>
-          </a:p>
-          <a:p>
-            <a:pPr lvl="1"/>
-            <a:r>
-              <a:rPr lang="en-US" sz="2000" dirty="0"/>
-              <a:t>You could just use </a:t>
-            </a:r>
-            <a:r>
-              <a:rPr lang="en-US" sz="2400" b="1" dirty="0"/>
-              <a:t>IFTTT </a:t>
-            </a:r>
-            <a:r>
-              <a:rPr lang="en-US" sz="2000" dirty="0"/>
-              <a:t>and change the Action Channel to be Twitter. However, the </a:t>
-            </a:r>
-            <a:r>
-              <a:rPr lang="en-US" sz="2000" dirty="0" err="1"/>
-              <a:t>ThingSpeak</a:t>
-            </a:r>
-            <a:r>
-              <a:rPr lang="en-US" sz="2000" dirty="0"/>
-              <a:t> service is an alternative way of doing this. </a:t>
-            </a:r>
-          </a:p>
-          <a:p>
-            <a:pPr lvl="1"/>
-            <a:endParaRPr lang="en-US" sz="2000" dirty="0"/>
-          </a:p>
-          <a:p>
-            <a:pPr lvl="1"/>
-            <a:r>
-              <a:rPr lang="en-US" sz="2000" dirty="0"/>
-              <a:t>Start by visiting </a:t>
-            </a:r>
-            <a:r>
-              <a:rPr lang="en-US" sz="2400" b="1" dirty="0">
-                <a:solidFill>
-                  <a:schemeClr val="accent1">
-                    <a:lumMod val="75000"/>
-                  </a:schemeClr>
-                </a:solidFill>
-              </a:rPr>
-              <a:t>https://thingspeak.com </a:t>
-            </a:r>
-            <a:r>
-              <a:rPr lang="en-US" sz="2000" dirty="0"/>
-              <a:t>and signing up. Then select the </a:t>
-            </a:r>
-            <a:r>
-              <a:rPr lang="en-US" sz="2000" dirty="0" err="1"/>
-              <a:t>ThingTweet</a:t>
-            </a:r>
-            <a:r>
-              <a:rPr lang="en-US" sz="2000" dirty="0"/>
-              <a:t> action (Following figure). You will be prompted to log in to Twitter.</a:t>
-            </a:r>
-          </a:p>
-          <a:p>
-            <a:pPr lvl="1"/>
-            <a:endParaRPr lang="en-US" sz="2000" dirty="0"/>
-          </a:p>
-          <a:p>
-            <a:pPr lvl="1"/>
-            <a:endParaRPr lang="en-US" sz="2000" dirty="0"/>
-          </a:p>
-        </p:txBody>
-      </p:sp>
+      </p:pic>
     </p:spTree>
     <p:extLst>
       <p:ext uri="{BB962C8B-B14F-4D97-AF65-F5344CB8AC3E}">
-        <p14:creationId xmlns:p14="http://schemas.microsoft.com/office/powerpoint/2010/main" val="2883567732"/>
+        <p14:creationId xmlns:p14="http://schemas.microsoft.com/office/powerpoint/2010/main" val="705724565"/>
       </p:ext>
     </p:extLst>
   </p:cSld>
@@ -12731,15 +12731,7 @@
           <a:p>
             <a:r>
               <a:rPr lang="en-US" dirty="0"/>
-              <a:t>Responding to Tweets Using </a:t>
-            </a:r>
-            <a:r>
-              <a:rPr lang="en-US" dirty="0" err="1"/>
-              <a:t>Dweet</a:t>
-            </a:r>
-            <a:r>
-              <a:rPr lang="en-US" dirty="0"/>
-              <a:t> and IFTTT</a:t>
+              <a:t>SendTweet.py project </a:t>
             </a:r>
           </a:p>
         </p:txBody>
@@ -12785,20 +12777,14 @@
       </p:sp>
       <p:sp>
         <p:nvSpPr>
-          <p:cNvPr id="6" name="TextBox 5">
-            <a:extLst>
-              <a:ext uri="{FF2B5EF4-FFF2-40B4-BE49-F238E27FC236}">
-                <a16:creationId xmlns:a16="http://schemas.microsoft.com/office/drawing/2014/main" id="{D1953563-F34A-4247-A4E2-C376FD1A1AA5}"/>
-              </a:ext>
-            </a:extLst>
-          </p:cNvPr>
+          <p:cNvPr id="7" name="TextBox 6"/>
           <p:cNvSpPr txBox="1"/>
           <p:nvPr/>
         </p:nvSpPr>
         <p:spPr>
           <a:xfrm>
             <a:off x="417443" y="745199"/>
-            <a:ext cx="11357113" cy="3477875"/>
+            <a:ext cx="11357113" cy="4093428"/>
           </a:xfrm>
           <a:prstGeom prst="rect">
             <a:avLst/>
@@ -12813,54 +12799,291 @@
           <a:p>
             <a:pPr lvl="1"/>
             <a:r>
-              <a:rPr lang="en-US" sz="2000" dirty="0"/>
-              <a:t>You want your Raspberry Pi to perform some action in response to a certain hashtag or mention in a tweet.</a:t>
-            </a:r>
-          </a:p>
-          <a:p>
-            <a:pPr lvl="1"/>
-            <a:endParaRPr lang="en-US" sz="2000" dirty="0"/>
-          </a:p>
-          <a:p>
-            <a:pPr lvl="1"/>
-            <a:r>
-              <a:rPr lang="en-US" sz="2000" dirty="0"/>
-              <a:t>An efficient mechanism for monitoring tweets that does not rely on polling is to use IFTTT to spot tweets of interest and then send a web request to a service called </a:t>
-            </a:r>
-            <a:r>
-              <a:rPr lang="en-US" sz="2000" dirty="0" err="1"/>
-              <a:t>Dweet</a:t>
-            </a:r>
-            <a:r>
-              <a:rPr lang="en-US" sz="2000" dirty="0"/>
-              <a:t> that can push notifications to a Python program running on your Raspberry Pi (Following figure). </a:t>
-            </a:r>
-          </a:p>
-          <a:p>
-            <a:pPr lvl="1"/>
-            <a:endParaRPr lang="en-US" sz="2000" dirty="0"/>
-          </a:p>
-          <a:p>
-            <a:pPr lvl="1"/>
-            <a:r>
-              <a:rPr lang="en-US" sz="2000" dirty="0"/>
-              <a:t>For example, you could flash an LED for 10 seconds every time there is a mention of your username on Twitter by using a Raspberry Squid or an LED attached to a breadboard.</a:t>
-            </a:r>
-          </a:p>
-          <a:p>
-            <a:pPr lvl="1"/>
-            <a:endParaRPr lang="en-US" sz="2000" dirty="0"/>
-          </a:p>
-          <a:p>
-            <a:pPr lvl="1"/>
-            <a:endParaRPr lang="en-US" sz="2000" dirty="0"/>
+              <a:rPr lang="en-US" sz="2000" b="1" i="1" dirty="0">
+                <a:solidFill>
+                  <a:srgbClr val="0070C0"/>
+                </a:solidFill>
+                <a:latin typeface="Consolas" panose="020B0609020204030204" pitchFamily="49" charset="0"/>
+              </a:rPr>
+              <a:t>import time, </a:t>
+            </a:r>
+            <a:r>
+              <a:rPr lang="en-US" sz="2000" b="1" i="1" dirty="0" err="1">
+                <a:solidFill>
+                  <a:srgbClr val="0070C0"/>
+                </a:solidFill>
+                <a:latin typeface="Consolas" panose="020B0609020204030204" pitchFamily="49" charset="0"/>
+              </a:rPr>
+              <a:t>os</a:t>
+            </a:r>
+            <a:r>
+              <a:rPr lang="en-US" sz="2000" b="1" i="1" dirty="0">
+                <a:solidFill>
+                  <a:srgbClr val="0070C0"/>
+                </a:solidFill>
+                <a:latin typeface="Consolas" panose="020B0609020204030204" pitchFamily="49" charset="0"/>
+              </a:rPr>
+              <a:t>, </a:t>
+            </a:r>
+            <a:r>
+              <a:rPr lang="en-US" sz="2000" b="1" i="1" dirty="0" err="1">
+                <a:solidFill>
+                  <a:srgbClr val="0070C0"/>
+                </a:solidFill>
+                <a:latin typeface="Consolas" panose="020B0609020204030204" pitchFamily="49" charset="0"/>
+              </a:rPr>
+              <a:t>urllib</a:t>
+            </a:r>
+            <a:r>
+              <a:rPr lang="en-US" sz="2000" b="1" i="1" dirty="0">
+                <a:solidFill>
+                  <a:srgbClr val="0070C0"/>
+                </a:solidFill>
+                <a:latin typeface="Consolas" panose="020B0609020204030204" pitchFamily="49" charset="0"/>
+              </a:rPr>
+              <a:t>, urllib2</a:t>
+            </a:r>
+          </a:p>
+          <a:p>
+            <a:pPr lvl="1"/>
+            <a:endParaRPr lang="en-US" sz="2000" b="1" i="1" dirty="0">
+              <a:solidFill>
+                <a:srgbClr val="0070C0"/>
+              </a:solidFill>
+              <a:latin typeface="Consolas" panose="020B0609020204030204" pitchFamily="49" charset="0"/>
+            </a:endParaRPr>
+          </a:p>
+          <a:p>
+            <a:pPr lvl="1"/>
+            <a:r>
+              <a:rPr lang="en-US" sz="2000" b="1" i="1" dirty="0">
+                <a:solidFill>
+                  <a:srgbClr val="0070C0"/>
+                </a:solidFill>
+                <a:latin typeface="Consolas" panose="020B0609020204030204" pitchFamily="49" charset="0"/>
+              </a:rPr>
+              <a:t>MAX_TEMP = 37.0 </a:t>
+            </a:r>
+          </a:p>
+          <a:p>
+            <a:pPr lvl="1"/>
+            <a:r>
+              <a:rPr lang="en-US" sz="2000" b="1" i="1" dirty="0">
+                <a:solidFill>
+                  <a:srgbClr val="0070C0"/>
+                </a:solidFill>
+                <a:latin typeface="Consolas" panose="020B0609020204030204" pitchFamily="49" charset="0"/>
+              </a:rPr>
+              <a:t>MIN_T_BETWEEN_WARNINGS = 60 # Minutes</a:t>
+            </a:r>
+          </a:p>
+          <a:p>
+            <a:pPr lvl="1"/>
+            <a:r>
+              <a:rPr lang="en-US" sz="2000" b="1" i="1" dirty="0">
+                <a:solidFill>
+                  <a:srgbClr val="0070C0"/>
+                </a:solidFill>
+                <a:latin typeface="Consolas" panose="020B0609020204030204" pitchFamily="49" charset="0"/>
+              </a:rPr>
+              <a:t>BASE_URL = 'https://api.thingspeak.com/apps/</a:t>
+            </a:r>
+            <a:r>
+              <a:rPr lang="en-US" sz="2000" b="1" i="1" dirty="0" err="1">
+                <a:solidFill>
+                  <a:srgbClr val="0070C0"/>
+                </a:solidFill>
+                <a:latin typeface="Consolas" panose="020B0609020204030204" pitchFamily="49" charset="0"/>
+              </a:rPr>
+              <a:t>thingtweet</a:t>
+            </a:r>
+            <a:r>
+              <a:rPr lang="en-US" sz="2000" b="1" i="1" dirty="0">
+                <a:solidFill>
+                  <a:srgbClr val="0070C0"/>
+                </a:solidFill>
+                <a:latin typeface="Consolas" panose="020B0609020204030204" pitchFamily="49" charset="0"/>
+              </a:rPr>
+              <a:t>/1/statuses/update/' KEY = '68LZC4LBMXLO6YDY’</a:t>
+            </a:r>
+          </a:p>
+          <a:p>
+            <a:pPr lvl="1"/>
+            <a:endParaRPr lang="en-US" sz="2000" b="1" i="1" dirty="0">
+              <a:solidFill>
+                <a:srgbClr val="0070C0"/>
+              </a:solidFill>
+              <a:latin typeface="Consolas" panose="020B0609020204030204" pitchFamily="49" charset="0"/>
+            </a:endParaRPr>
+          </a:p>
+          <a:p>
+            <a:pPr lvl="1"/>
+            <a:r>
+              <a:rPr lang="en-US" sz="2000" b="1" i="1" dirty="0">
+                <a:solidFill>
+                  <a:srgbClr val="0070C0"/>
+                </a:solidFill>
+                <a:latin typeface="Consolas" panose="020B0609020204030204" pitchFamily="49" charset="0"/>
+              </a:rPr>
+              <a:t>def </a:t>
+            </a:r>
+            <a:r>
+              <a:rPr lang="en-US" sz="2000" b="1" i="1" dirty="0" err="1">
+                <a:solidFill>
+                  <a:srgbClr val="0070C0"/>
+                </a:solidFill>
+                <a:latin typeface="Consolas" panose="020B0609020204030204" pitchFamily="49" charset="0"/>
+              </a:rPr>
+              <a:t>send_notification</a:t>
+            </a:r>
+            <a:r>
+              <a:rPr lang="en-US" sz="2000" b="1" i="1" dirty="0">
+                <a:solidFill>
+                  <a:srgbClr val="0070C0"/>
+                </a:solidFill>
+                <a:latin typeface="Consolas" panose="020B0609020204030204" pitchFamily="49" charset="0"/>
+              </a:rPr>
+              <a:t>(temp):    </a:t>
+            </a:r>
+          </a:p>
+          <a:p>
+            <a:pPr lvl="1"/>
+            <a:r>
+              <a:rPr lang="en-US" sz="2000" b="1" i="1" dirty="0">
+                <a:solidFill>
+                  <a:srgbClr val="0070C0"/>
+                </a:solidFill>
+                <a:latin typeface="Consolas" panose="020B0609020204030204" pitchFamily="49" charset="0"/>
+              </a:rPr>
+              <a:t>	status = 'Raspberry Pi getting hot. </a:t>
+            </a:r>
+          </a:p>
+          <a:p>
+            <a:pPr lvl="1"/>
+            <a:r>
+              <a:rPr lang="en-US" sz="2000" b="1" i="1" dirty="0">
+                <a:solidFill>
+                  <a:srgbClr val="0070C0"/>
+                </a:solidFill>
+                <a:latin typeface="Consolas" panose="020B0609020204030204" pitchFamily="49" charset="0"/>
+              </a:rPr>
+              <a:t>	CPU temp=' + temp    </a:t>
+            </a:r>
+          </a:p>
+          <a:p>
+            <a:pPr lvl="1"/>
+            <a:r>
+              <a:rPr lang="en-US" sz="2000" b="1" i="1" dirty="0">
+                <a:solidFill>
+                  <a:srgbClr val="0070C0"/>
+                </a:solidFill>
+                <a:latin typeface="Consolas" panose="020B0609020204030204" pitchFamily="49" charset="0"/>
+              </a:rPr>
+              <a:t>	data = </a:t>
+            </a:r>
+            <a:r>
+              <a:rPr lang="en-US" sz="2000" b="1" i="1" dirty="0" err="1">
+                <a:solidFill>
+                  <a:srgbClr val="0070C0"/>
+                </a:solidFill>
+                <a:latin typeface="Consolas" panose="020B0609020204030204" pitchFamily="49" charset="0"/>
+              </a:rPr>
+              <a:t>urllib.urlencode</a:t>
+            </a:r>
+            <a:r>
+              <a:rPr lang="en-US" sz="2000" b="1" i="1" dirty="0">
+                <a:solidFill>
+                  <a:srgbClr val="0070C0"/>
+                </a:solidFill>
+                <a:latin typeface="Consolas" panose="020B0609020204030204" pitchFamily="49" charset="0"/>
+              </a:rPr>
+              <a:t>({'</a:t>
+            </a:r>
+            <a:r>
+              <a:rPr lang="en-US" sz="2000" b="1" i="1" dirty="0" err="1">
+                <a:solidFill>
+                  <a:srgbClr val="0070C0"/>
+                </a:solidFill>
+                <a:latin typeface="Consolas" panose="020B0609020204030204" pitchFamily="49" charset="0"/>
+              </a:rPr>
+              <a:t>api_key</a:t>
+            </a:r>
+            <a:r>
+              <a:rPr lang="en-US" sz="2000" b="1" i="1" dirty="0">
+                <a:solidFill>
+                  <a:srgbClr val="0070C0"/>
+                </a:solidFill>
+                <a:latin typeface="Consolas" panose="020B0609020204030204" pitchFamily="49" charset="0"/>
+              </a:rPr>
+              <a:t>' : KEY, 'status': status})    </a:t>
+            </a:r>
+          </a:p>
+          <a:p>
+            <a:pPr lvl="1"/>
+            <a:r>
+              <a:rPr lang="en-US" sz="2000" b="1" i="1" dirty="0">
+                <a:solidFill>
+                  <a:srgbClr val="0070C0"/>
+                </a:solidFill>
+                <a:latin typeface="Consolas" panose="020B0609020204030204" pitchFamily="49" charset="0"/>
+              </a:rPr>
+              <a:t>	response = urllib2.urlopen(</a:t>
+            </a:r>
+            <a:r>
+              <a:rPr lang="en-US" sz="2000" b="1" i="1" dirty="0" err="1">
+                <a:solidFill>
+                  <a:srgbClr val="0070C0"/>
+                </a:solidFill>
+                <a:latin typeface="Consolas" panose="020B0609020204030204" pitchFamily="49" charset="0"/>
+              </a:rPr>
+              <a:t>url</a:t>
+            </a:r>
+            <a:r>
+              <a:rPr lang="en-US" sz="2000" b="1" i="1" dirty="0">
+                <a:solidFill>
+                  <a:srgbClr val="0070C0"/>
+                </a:solidFill>
+                <a:latin typeface="Consolas" panose="020B0609020204030204" pitchFamily="49" charset="0"/>
+              </a:rPr>
+              <a:t>=BASE_URL, data=data)    </a:t>
+            </a:r>
+          </a:p>
+          <a:p>
+            <a:pPr lvl="1"/>
+            <a:r>
+              <a:rPr lang="en-US" sz="2000" b="1" i="1" dirty="0">
+                <a:solidFill>
+                  <a:srgbClr val="0070C0"/>
+                </a:solidFill>
+                <a:latin typeface="Consolas" panose="020B0609020204030204" pitchFamily="49" charset="0"/>
+              </a:rPr>
+              <a:t>	print(</a:t>
+            </a:r>
+            <a:r>
+              <a:rPr lang="en-US" sz="2000" b="1" i="1" dirty="0" err="1">
+                <a:solidFill>
+                  <a:srgbClr val="0070C0"/>
+                </a:solidFill>
+                <a:latin typeface="Consolas" panose="020B0609020204030204" pitchFamily="49" charset="0"/>
+              </a:rPr>
+              <a:t>response.read</a:t>
+            </a:r>
+            <a:r>
+              <a:rPr lang="en-US" sz="2000" b="1" i="1" dirty="0">
+                <a:solidFill>
+                  <a:srgbClr val="0070C0"/>
+                </a:solidFill>
+                <a:latin typeface="Consolas" panose="020B0609020204030204" pitchFamily="49" charset="0"/>
+              </a:rPr>
+              <a:t>())</a:t>
+            </a:r>
           </a:p>
         </p:txBody>
       </p:sp>
     </p:spTree>
     <p:extLst>
       <p:ext uri="{BB962C8B-B14F-4D97-AF65-F5344CB8AC3E}">
-        <p14:creationId xmlns:p14="http://schemas.microsoft.com/office/powerpoint/2010/main" val="564792624"/>
+        <p14:creationId xmlns:p14="http://schemas.microsoft.com/office/powerpoint/2010/main" val="1438346809"/>
       </p:ext>
     </p:extLst>
   </p:cSld>
@@ -13024,15 +13247,7 @@
           <a:p>
             <a:r>
               <a:rPr lang="en-US" dirty="0"/>
-              <a:t>Responding to Tweets Using </a:t>
-            </a:r>
-            <a:r>
-              <a:rPr lang="en-US" dirty="0" err="1"/>
-              <a:t>Dweet</a:t>
-            </a:r>
-            <a:r>
-              <a:rPr lang="en-US" dirty="0"/>
-              <a:t> and IFTTT</a:t>
+              <a:t>SendTweet.py project </a:t>
             </a:r>
           </a:p>
         </p:txBody>
@@ -13076,40 +13291,282 @@
           </a:p>
         </p:txBody>
       </p:sp>
-      <p:pic>
-        <p:nvPicPr>
-          <p:cNvPr id="3" name="Picture 2">
-            <a:extLst>
-              <a:ext uri="{FF2B5EF4-FFF2-40B4-BE49-F238E27FC236}">
-                <a16:creationId xmlns:a16="http://schemas.microsoft.com/office/drawing/2014/main" id="{F242D012-7610-4C1C-A85C-72295DDDAC90}"/>
-              </a:ext>
-            </a:extLst>
-          </p:cNvPr>
-          <p:cNvPicPr>
-            <a:picLocks noChangeAspect="1"/>
-          </p:cNvPicPr>
+      <p:sp>
+        <p:nvSpPr>
+          <p:cNvPr id="7" name="TextBox 6"/>
+          <p:cNvSpPr txBox="1"/>
           <p:nvPr/>
-        </p:nvPicPr>
-        <p:blipFill>
-          <a:blip r:embed="rId2"/>
-          <a:stretch>
-            <a:fillRect/>
-          </a:stretch>
-        </p:blipFill>
+        </p:nvSpPr>
         <p:spPr>
           <a:xfrm>
-            <a:off x="2767012" y="1004887"/>
-            <a:ext cx="6657975" cy="5457825"/>
+            <a:off x="-457200" y="745199"/>
+            <a:ext cx="12649200" cy="3785652"/>
           </a:xfrm>
           <a:prstGeom prst="rect">
             <a:avLst/>
           </a:prstGeom>
+          <a:noFill/>
         </p:spPr>
-      </p:pic>
+        <p:txBody>
+          <a:bodyPr wrap="square" rtlCol="0">
+            <a:spAutoFit/>
+          </a:bodyPr>
+          <a:lstStyle/>
+          <a:p>
+            <a:pPr lvl="1"/>
+            <a:endParaRPr lang="en-US" sz="2000" b="1" i="1" dirty="0">
+              <a:solidFill>
+                <a:srgbClr val="0070C0"/>
+              </a:solidFill>
+              <a:latin typeface="Consolas" panose="020B0609020204030204" pitchFamily="49" charset="0"/>
+            </a:endParaRPr>
+          </a:p>
+          <a:p>
+            <a:pPr lvl="1"/>
+            <a:r>
+              <a:rPr lang="en-US" sz="2000" b="1" i="1" dirty="0">
+                <a:solidFill>
+                  <a:srgbClr val="0070C0"/>
+                </a:solidFill>
+                <a:latin typeface="Consolas" panose="020B0609020204030204" pitchFamily="49" charset="0"/>
+              </a:rPr>
+              <a:t>while True:    </a:t>
+            </a:r>
+          </a:p>
+          <a:p>
+            <a:pPr lvl="1"/>
+            <a:r>
+              <a:rPr lang="en-US" sz="2000" b="1" i="1" dirty="0">
+                <a:solidFill>
+                  <a:srgbClr val="0070C0"/>
+                </a:solidFill>
+                <a:latin typeface="Consolas" panose="020B0609020204030204" pitchFamily="49" charset="0"/>
+              </a:rPr>
+              <a:t>	temp = </a:t>
+            </a:r>
+            <a:r>
+              <a:rPr lang="en-US" sz="2000" b="1" i="1" dirty="0" err="1">
+                <a:solidFill>
+                  <a:srgbClr val="0070C0"/>
+                </a:solidFill>
+                <a:latin typeface="Consolas" panose="020B0609020204030204" pitchFamily="49" charset="0"/>
+              </a:rPr>
+              <a:t>cpu_temp</a:t>
+            </a:r>
+            <a:r>
+              <a:rPr lang="en-US" sz="2000" b="1" i="1" dirty="0">
+                <a:solidFill>
+                  <a:srgbClr val="0070C0"/>
+                </a:solidFill>
+                <a:latin typeface="Consolas" panose="020B0609020204030204" pitchFamily="49" charset="0"/>
+              </a:rPr>
+              <a:t>()    </a:t>
+            </a:r>
+          </a:p>
+          <a:p>
+            <a:pPr lvl="1"/>
+            <a:r>
+              <a:rPr lang="en-US" sz="2000" b="1" i="1" dirty="0">
+                <a:solidFill>
+                  <a:srgbClr val="0070C0"/>
+                </a:solidFill>
+                <a:latin typeface="Consolas" panose="020B0609020204030204" pitchFamily="49" charset="0"/>
+              </a:rPr>
+              <a:t>	print("CPU Temp (C): " + </a:t>
+            </a:r>
+            <a:r>
+              <a:rPr lang="en-US" sz="2000" b="1" i="1" dirty="0" err="1">
+                <a:solidFill>
+                  <a:srgbClr val="0070C0"/>
+                </a:solidFill>
+                <a:latin typeface="Consolas" panose="020B0609020204030204" pitchFamily="49" charset="0"/>
+              </a:rPr>
+              <a:t>str</a:t>
+            </a:r>
+            <a:r>
+              <a:rPr lang="en-US" sz="2000" b="1" i="1" dirty="0">
+                <a:solidFill>
+                  <a:srgbClr val="0070C0"/>
+                </a:solidFill>
+                <a:latin typeface="Consolas" panose="020B0609020204030204" pitchFamily="49" charset="0"/>
+              </a:rPr>
+              <a:t>(temp))    </a:t>
+            </a:r>
+          </a:p>
+          <a:p>
+            <a:pPr lvl="1"/>
+            <a:r>
+              <a:rPr lang="en-US" sz="2000" b="1" i="1" dirty="0">
+                <a:solidFill>
+                  <a:srgbClr val="0070C0"/>
+                </a:solidFill>
+                <a:latin typeface="Consolas" panose="020B0609020204030204" pitchFamily="49" charset="0"/>
+              </a:rPr>
+              <a:t>	</a:t>
+            </a:r>
+          </a:p>
+          <a:p>
+            <a:pPr lvl="1"/>
+            <a:r>
+              <a:rPr lang="en-US" sz="2000" b="1" i="1" dirty="0">
+                <a:solidFill>
+                  <a:srgbClr val="0070C0"/>
+                </a:solidFill>
+                <a:latin typeface="Consolas" panose="020B0609020204030204" pitchFamily="49" charset="0"/>
+              </a:rPr>
+              <a:t>	if temp &gt; MAX_TEMP:        </a:t>
+            </a:r>
+          </a:p>
+          <a:p>
+            <a:pPr lvl="1"/>
+            <a:r>
+              <a:rPr lang="en-US" sz="2000" b="1" i="1" dirty="0">
+                <a:solidFill>
+                  <a:srgbClr val="0070C0"/>
+                </a:solidFill>
+                <a:latin typeface="Consolas" panose="020B0609020204030204" pitchFamily="49" charset="0"/>
+              </a:rPr>
+              <a:t>		print("CPU TOO HOT!")        </a:t>
+            </a:r>
+          </a:p>
+          <a:p>
+            <a:pPr lvl="1"/>
+            <a:r>
+              <a:rPr lang="en-US" sz="2000" b="1" i="1" dirty="0">
+                <a:solidFill>
+                  <a:srgbClr val="0070C0"/>
+                </a:solidFill>
+                <a:latin typeface="Consolas" panose="020B0609020204030204" pitchFamily="49" charset="0"/>
+              </a:rPr>
+              <a:t>		</a:t>
+            </a:r>
+            <a:r>
+              <a:rPr lang="en-US" sz="2000" b="1" i="1" dirty="0" err="1">
+                <a:solidFill>
+                  <a:srgbClr val="0070C0"/>
+                </a:solidFill>
+                <a:latin typeface="Consolas" panose="020B0609020204030204" pitchFamily="49" charset="0"/>
+              </a:rPr>
+              <a:t>send_notification</a:t>
+            </a:r>
+            <a:r>
+              <a:rPr lang="en-US" sz="2000" b="1" i="1" dirty="0">
+                <a:solidFill>
+                  <a:srgbClr val="0070C0"/>
+                </a:solidFill>
+                <a:latin typeface="Consolas" panose="020B0609020204030204" pitchFamily="49" charset="0"/>
+              </a:rPr>
+              <a:t>(temp)        </a:t>
+            </a:r>
+          </a:p>
+          <a:p>
+            <a:pPr lvl="1"/>
+            <a:r>
+              <a:rPr lang="en-US" sz="2000" b="1" i="1" dirty="0">
+                <a:solidFill>
+                  <a:srgbClr val="0070C0"/>
+                </a:solidFill>
+                <a:latin typeface="Consolas" panose="020B0609020204030204" pitchFamily="49" charset="0"/>
+              </a:rPr>
+              <a:t>		print("No more notifications for: " + </a:t>
+            </a:r>
+            <a:r>
+              <a:rPr lang="en-US" sz="2000" b="1" i="1" dirty="0" err="1">
+                <a:solidFill>
+                  <a:srgbClr val="0070C0"/>
+                </a:solidFill>
+                <a:latin typeface="Consolas" panose="020B0609020204030204" pitchFamily="49" charset="0"/>
+              </a:rPr>
+              <a:t>str</a:t>
+            </a:r>
+            <a:r>
+              <a:rPr lang="en-US" sz="2000" b="1" i="1" dirty="0">
+                <a:solidFill>
+                  <a:srgbClr val="0070C0"/>
+                </a:solidFill>
+                <a:latin typeface="Consolas" panose="020B0609020204030204" pitchFamily="49" charset="0"/>
+              </a:rPr>
+              <a:t>(MIN_T_BETWEEN_WARNINGS) + " mins")     </a:t>
+            </a:r>
+          </a:p>
+          <a:p>
+            <a:pPr lvl="1"/>
+            <a:r>
+              <a:rPr lang="en-US" sz="2000" b="1" i="1" dirty="0">
+                <a:solidFill>
+                  <a:srgbClr val="0070C0"/>
+                </a:solidFill>
+                <a:latin typeface="Consolas" panose="020B0609020204030204" pitchFamily="49" charset="0"/>
+              </a:rPr>
+              <a:t>		</a:t>
+            </a:r>
+            <a:r>
+              <a:rPr lang="en-US" sz="2000" b="1" i="1" dirty="0" err="1">
+                <a:solidFill>
+                  <a:srgbClr val="0070C0"/>
+                </a:solidFill>
+                <a:latin typeface="Consolas" panose="020B0609020204030204" pitchFamily="49" charset="0"/>
+              </a:rPr>
+              <a:t>time.sleep</a:t>
+            </a:r>
+            <a:r>
+              <a:rPr lang="en-US" sz="2000" b="1" i="1" dirty="0">
+                <a:solidFill>
+                  <a:srgbClr val="0070C0"/>
+                </a:solidFill>
+                <a:latin typeface="Consolas" panose="020B0609020204030204" pitchFamily="49" charset="0"/>
+              </a:rPr>
+              <a:t>(MIN_T_BETWEEN_WARNINGS * 60)    </a:t>
+            </a:r>
+          </a:p>
+          <a:p>
+            <a:pPr lvl="1"/>
+            <a:r>
+              <a:rPr lang="en-US" sz="2000" b="1" i="1" dirty="0">
+                <a:solidFill>
+                  <a:srgbClr val="0070C0"/>
+                </a:solidFill>
+                <a:latin typeface="Consolas" panose="020B0609020204030204" pitchFamily="49" charset="0"/>
+              </a:rPr>
+              <a:t>	</a:t>
+            </a:r>
+          </a:p>
+          <a:p>
+            <a:pPr lvl="1"/>
+            <a:r>
+              <a:rPr lang="en-US" sz="2000" b="1" i="1" dirty="0">
+                <a:solidFill>
+                  <a:srgbClr val="0070C0"/>
+                </a:solidFill>
+                <a:latin typeface="Consolas" panose="020B0609020204030204" pitchFamily="49" charset="0"/>
+              </a:rPr>
+              <a:t>	</a:t>
+            </a:r>
+            <a:r>
+              <a:rPr lang="en-US" sz="2000" b="1" i="1" dirty="0" err="1">
+                <a:solidFill>
+                  <a:srgbClr val="0070C0"/>
+                </a:solidFill>
+                <a:latin typeface="Consolas" panose="020B0609020204030204" pitchFamily="49" charset="0"/>
+              </a:rPr>
+              <a:t>time.sleep</a:t>
+            </a:r>
+            <a:r>
+              <a:rPr lang="en-US" sz="2000" b="1" i="1" dirty="0">
+                <a:solidFill>
+                  <a:srgbClr val="0070C0"/>
+                </a:solidFill>
+                <a:latin typeface="Consolas" panose="020B0609020204030204" pitchFamily="49" charset="0"/>
+              </a:rPr>
+              <a:t>(1)</a:t>
+            </a:r>
+          </a:p>
+        </p:txBody>
+      </p:sp>
     </p:spTree>
     <p:extLst>
       <p:ext uri="{BB962C8B-B14F-4D97-AF65-F5344CB8AC3E}">
-        <p14:creationId xmlns:p14="http://schemas.microsoft.com/office/powerpoint/2010/main" val="2400171534"/>
+        <p14:creationId xmlns:p14="http://schemas.microsoft.com/office/powerpoint/2010/main" val="673597566"/>
       </p:ext>
     </p:extLst>
   </p:cSld>
@@ -13273,6 +13730,903 @@
           <a:p>
             <a:r>
               <a:rPr lang="en-US" dirty="0"/>
+              <a:t>Sending Tweets Using </a:t>
+            </a:r>
+            <a:r>
+              <a:rPr lang="en-US" dirty="0" err="1"/>
+              <a:t>ThingSpeak</a:t>
+            </a:r>
+            <a:r>
+              <a:rPr lang="en-US" dirty="0"/>
+              <a:t> </a:t>
+            </a:r>
+          </a:p>
+        </p:txBody>
+      </p:sp>
+      <p:sp>
+        <p:nvSpPr>
+          <p:cNvPr id="5" name="AutoShape 2" descr="http://raspberry.piaustralia.com.au/product-images/piwithbox.jpg"/>
+          <p:cNvSpPr>
+            <a:spLocks noChangeAspect="1" noChangeArrowheads="1"/>
+          </p:cNvSpPr>
+          <p:nvPr/>
+        </p:nvSpPr>
+        <p:spPr bwMode="auto">
+          <a:xfrm>
+            <a:off x="63500" y="-136525"/>
+            <a:ext cx="9772650" cy="6343650"/>
+          </a:xfrm>
+          <a:prstGeom prst="rect">
+            <a:avLst/>
+          </a:prstGeom>
+          <a:noFill/>
+          <a:extLst>
+            <a:ext uri="{909E8E84-426E-40DD-AFC4-6F175D3DCCD1}">
+              <a14:hiddenFill xmlns:a14="http://schemas.microsoft.com/office/drawing/2010/main">
+                <a:solidFill>
+                  <a:srgbClr val="FFFFFF"/>
+                </a:solidFill>
+              </a14:hiddenFill>
+            </a:ext>
+          </a:extLst>
+        </p:spPr>
+        <p:txBody>
+          <a:bodyPr vert="horz" wrap="square" lIns="91440" tIns="45720" rIns="91440" bIns="45720" numCol="1" anchor="t" anchorCtr="0" compatLnSpc="1">
+            <a:prstTxWarp prst="textNoShape">
+              <a:avLst/>
+            </a:prstTxWarp>
+          </a:bodyPr>
+          <a:lstStyle/>
+          <a:p>
+            <a:endParaRPr lang="en-US"/>
+          </a:p>
+        </p:txBody>
+      </p:sp>
+      <p:sp>
+        <p:nvSpPr>
+          <p:cNvPr id="7" name="TextBox 6"/>
+          <p:cNvSpPr txBox="1"/>
+          <p:nvPr/>
+        </p:nvSpPr>
+        <p:spPr>
+          <a:xfrm>
+            <a:off x="0" y="745199"/>
+            <a:ext cx="12191999" cy="3046988"/>
+          </a:xfrm>
+          <a:prstGeom prst="rect">
+            <a:avLst/>
+          </a:prstGeom>
+          <a:noFill/>
+        </p:spPr>
+        <p:txBody>
+          <a:bodyPr wrap="square" rtlCol="0">
+            <a:spAutoFit/>
+          </a:bodyPr>
+          <a:lstStyle/>
+          <a:p>
+            <a:pPr lvl="1"/>
+            <a:r>
+              <a:rPr lang="en-US" sz="2000" dirty="0"/>
+              <a:t>For full documentation of the </a:t>
+            </a:r>
+            <a:r>
+              <a:rPr lang="en-US" sz="2000" dirty="0" err="1"/>
+              <a:t>ThingSpeak</a:t>
+            </a:r>
+            <a:r>
+              <a:rPr lang="en-US" sz="2000" dirty="0"/>
+              <a:t> service, see </a:t>
+            </a:r>
+            <a:r>
+              <a:rPr lang="en-US" sz="2400" b="1" dirty="0">
+                <a:solidFill>
+                  <a:schemeClr val="accent1">
+                    <a:lumMod val="75000"/>
+                  </a:schemeClr>
+                </a:solidFill>
+              </a:rPr>
+              <a:t>https://uk.mathworks.com/help/ </a:t>
+            </a:r>
+            <a:r>
+              <a:rPr lang="en-US" sz="2400" b="1" dirty="0" err="1">
+                <a:solidFill>
+                  <a:schemeClr val="accent1">
+                    <a:lumMod val="75000"/>
+                  </a:schemeClr>
+                </a:solidFill>
+              </a:rPr>
+              <a:t>thingspeak</a:t>
+            </a:r>
+            <a:r>
+              <a:rPr lang="en-US" sz="2400" b="1" dirty="0">
+                <a:solidFill>
+                  <a:schemeClr val="accent1">
+                    <a:lumMod val="75000"/>
+                  </a:schemeClr>
+                </a:solidFill>
+              </a:rPr>
+              <a:t>/.</a:t>
+            </a:r>
+          </a:p>
+          <a:p>
+            <a:pPr lvl="1"/>
+            <a:endParaRPr lang="en-US" sz="2000" dirty="0"/>
+          </a:p>
+          <a:p>
+            <a:pPr lvl="1"/>
+            <a:r>
+              <a:rPr lang="en-US" sz="2000" dirty="0"/>
+              <a:t>You could just use </a:t>
+            </a:r>
+            <a:r>
+              <a:rPr lang="en-US" sz="2400" b="1" dirty="0"/>
+              <a:t>IFTTT </a:t>
+            </a:r>
+            <a:r>
+              <a:rPr lang="en-US" sz="2000" dirty="0"/>
+              <a:t>and change the Action Channel to be Twitter. However, the </a:t>
+            </a:r>
+            <a:r>
+              <a:rPr lang="en-US" sz="2000" dirty="0" err="1"/>
+              <a:t>ThingSpeak</a:t>
+            </a:r>
+            <a:r>
+              <a:rPr lang="en-US" sz="2000" dirty="0"/>
+              <a:t> service is an alternative way of doing this. </a:t>
+            </a:r>
+          </a:p>
+          <a:p>
+            <a:pPr lvl="1"/>
+            <a:endParaRPr lang="en-US" sz="2000" dirty="0"/>
+          </a:p>
+          <a:p>
+            <a:pPr lvl="1"/>
+            <a:r>
+              <a:rPr lang="en-US" sz="2000" dirty="0"/>
+              <a:t>Start by visiting </a:t>
+            </a:r>
+            <a:r>
+              <a:rPr lang="en-US" sz="2400" b="1" dirty="0">
+                <a:solidFill>
+                  <a:schemeClr val="accent1">
+                    <a:lumMod val="75000"/>
+                  </a:schemeClr>
+                </a:solidFill>
+              </a:rPr>
+              <a:t>https://thingspeak.com </a:t>
+            </a:r>
+            <a:r>
+              <a:rPr lang="en-US" sz="2000" dirty="0"/>
+              <a:t>and signing up. Then select the </a:t>
+            </a:r>
+            <a:r>
+              <a:rPr lang="en-US" sz="2000" dirty="0" err="1"/>
+              <a:t>ThingTweet</a:t>
+            </a:r>
+            <a:r>
+              <a:rPr lang="en-US" sz="2000" dirty="0"/>
+              <a:t> action (Following figure). You will be prompted to log in to Twitter.</a:t>
+            </a:r>
+          </a:p>
+          <a:p>
+            <a:pPr lvl="1"/>
+            <a:endParaRPr lang="en-US" sz="2000" dirty="0"/>
+          </a:p>
+          <a:p>
+            <a:pPr lvl="1"/>
+            <a:endParaRPr lang="en-US" sz="2000" dirty="0"/>
+          </a:p>
+        </p:txBody>
+      </p:sp>
+    </p:spTree>
+    <p:extLst>
+      <p:ext uri="{BB962C8B-B14F-4D97-AF65-F5344CB8AC3E}">
+        <p14:creationId xmlns:p14="http://schemas.microsoft.com/office/powerpoint/2010/main" val="2883567732"/>
+      </p:ext>
+    </p:extLst>
+  </p:cSld>
+  <p:clrMapOvr>
+    <a:masterClrMapping/>
+  </p:clrMapOvr>
+</p:sld>
+</file>
+
+<file path=ppt/slides/slide34.xml><?xml version="1.0" encoding="utf-8"?>
+<p:sld xmlns:a="http://schemas.openxmlformats.org/drawingml/2006/main" xmlns:r="http://schemas.openxmlformats.org/officeDocument/2006/relationships" xmlns:p="http://schemas.openxmlformats.org/presentationml/2006/main">
+  <p:cSld>
+    <p:spTree>
+      <p:nvGrpSpPr>
+        <p:cNvPr id="1" name=""/>
+        <p:cNvGrpSpPr/>
+        <p:nvPr/>
+      </p:nvGrpSpPr>
+      <p:grpSpPr>
+        <a:xfrm>
+          <a:off x="0" y="0"/>
+          <a:ext cx="0" cy="0"/>
+          <a:chOff x="0" y="0"/>
+          <a:chExt cx="0" cy="0"/>
+        </a:xfrm>
+      </p:grpSpPr>
+      <p:sp>
+        <p:nvSpPr>
+          <p:cNvPr id="4" name="Title 1"/>
+          <p:cNvSpPr txBox="1">
+            <a:spLocks/>
+          </p:cNvSpPr>
+          <p:nvPr/>
+        </p:nvSpPr>
+        <p:spPr>
+          <a:xfrm>
+            <a:off x="0" y="1"/>
+            <a:ext cx="12192000" cy="721216"/>
+          </a:xfrm>
+          <a:prstGeom prst="rect">
+            <a:avLst/>
+          </a:prstGeom>
+        </p:spPr>
+        <p:style>
+          <a:lnRef idx="0">
+            <a:schemeClr val="accent1"/>
+          </a:lnRef>
+          <a:fillRef idx="3">
+            <a:schemeClr val="accent1"/>
+          </a:fillRef>
+          <a:effectRef idx="3">
+            <a:schemeClr val="accent1"/>
+          </a:effectRef>
+          <a:fontRef idx="minor">
+            <a:schemeClr val="lt1"/>
+          </a:fontRef>
+        </p:style>
+        <p:txBody>
+          <a:bodyPr vert="horz" lIns="91440" tIns="45720" rIns="91440" bIns="45720" rtlCol="0" anchor="ctr">
+            <a:normAutofit/>
+          </a:bodyPr>
+          <a:lstStyle>
+            <a:lvl1pPr algn="l" defTabSz="914400" rtl="0" eaLnBrk="1" latinLnBrk="0" hangingPunct="1">
+              <a:lnSpc>
+                <a:spcPct val="90000"/>
+              </a:lnSpc>
+              <a:spcBef>
+                <a:spcPct val="0"/>
+              </a:spcBef>
+              <a:buNone/>
+              <a:defRPr sz="4400" kern="1200">
+                <a:solidFill>
+                  <a:schemeClr val="lt1"/>
+                </a:solidFill>
+                <a:latin typeface="+mn-lt"/>
+                <a:ea typeface="+mn-ea"/>
+                <a:cs typeface="+mn-cs"/>
+              </a:defRPr>
+            </a:lvl1pPr>
+            <a:lvl2pPr>
+              <a:defRPr>
+                <a:solidFill>
+                  <a:schemeClr val="lt1"/>
+                </a:solidFill>
+                <a:latin typeface="+mn-lt"/>
+                <a:ea typeface="+mn-ea"/>
+                <a:cs typeface="+mn-cs"/>
+              </a:defRPr>
+            </a:lvl2pPr>
+            <a:lvl3pPr>
+              <a:defRPr>
+                <a:solidFill>
+                  <a:schemeClr val="lt1"/>
+                </a:solidFill>
+                <a:latin typeface="+mn-lt"/>
+                <a:ea typeface="+mn-ea"/>
+                <a:cs typeface="+mn-cs"/>
+              </a:defRPr>
+            </a:lvl3pPr>
+            <a:lvl4pPr>
+              <a:defRPr>
+                <a:solidFill>
+                  <a:schemeClr val="lt1"/>
+                </a:solidFill>
+                <a:latin typeface="+mn-lt"/>
+                <a:ea typeface="+mn-ea"/>
+                <a:cs typeface="+mn-cs"/>
+              </a:defRPr>
+            </a:lvl4pPr>
+            <a:lvl5pPr>
+              <a:defRPr>
+                <a:solidFill>
+                  <a:schemeClr val="lt1"/>
+                </a:solidFill>
+                <a:latin typeface="+mn-lt"/>
+                <a:ea typeface="+mn-ea"/>
+                <a:cs typeface="+mn-cs"/>
+              </a:defRPr>
+            </a:lvl5pPr>
+            <a:lvl6pPr>
+              <a:defRPr>
+                <a:solidFill>
+                  <a:schemeClr val="lt1"/>
+                </a:solidFill>
+                <a:latin typeface="+mn-lt"/>
+                <a:ea typeface="+mn-ea"/>
+                <a:cs typeface="+mn-cs"/>
+              </a:defRPr>
+            </a:lvl6pPr>
+            <a:lvl7pPr>
+              <a:defRPr>
+                <a:solidFill>
+                  <a:schemeClr val="lt1"/>
+                </a:solidFill>
+                <a:latin typeface="+mn-lt"/>
+                <a:ea typeface="+mn-ea"/>
+                <a:cs typeface="+mn-cs"/>
+              </a:defRPr>
+            </a:lvl7pPr>
+            <a:lvl8pPr>
+              <a:defRPr>
+                <a:solidFill>
+                  <a:schemeClr val="lt1"/>
+                </a:solidFill>
+                <a:latin typeface="+mn-lt"/>
+                <a:ea typeface="+mn-ea"/>
+                <a:cs typeface="+mn-cs"/>
+              </a:defRPr>
+            </a:lvl8pPr>
+            <a:lvl9pPr>
+              <a:defRPr>
+                <a:solidFill>
+                  <a:schemeClr val="lt1"/>
+                </a:solidFill>
+                <a:latin typeface="+mn-lt"/>
+                <a:ea typeface="+mn-ea"/>
+                <a:cs typeface="+mn-cs"/>
+              </a:defRPr>
+            </a:lvl9pPr>
+          </a:lstStyle>
+          <a:p>
+            <a:r>
+              <a:rPr lang="en-US" dirty="0"/>
+              <a:t>Responding to Tweets Using </a:t>
+            </a:r>
+            <a:r>
+              <a:rPr lang="en-US" dirty="0" err="1"/>
+              <a:t>Dweet</a:t>
+            </a:r>
+            <a:r>
+              <a:rPr lang="en-US" dirty="0"/>
+              <a:t> and IFTTT</a:t>
+            </a:r>
+          </a:p>
+        </p:txBody>
+      </p:sp>
+      <p:sp>
+        <p:nvSpPr>
+          <p:cNvPr id="5" name="AutoShape 2" descr="http://raspberry.piaustralia.com.au/product-images/piwithbox.jpg"/>
+          <p:cNvSpPr>
+            <a:spLocks noChangeAspect="1" noChangeArrowheads="1"/>
+          </p:cNvSpPr>
+          <p:nvPr/>
+        </p:nvSpPr>
+        <p:spPr bwMode="auto">
+          <a:xfrm>
+            <a:off x="63500" y="-136525"/>
+            <a:ext cx="9772650" cy="6343650"/>
+          </a:xfrm>
+          <a:prstGeom prst="rect">
+            <a:avLst/>
+          </a:prstGeom>
+          <a:noFill/>
+          <a:extLst>
+            <a:ext uri="{909E8E84-426E-40DD-AFC4-6F175D3DCCD1}">
+              <a14:hiddenFill xmlns:a14="http://schemas.microsoft.com/office/drawing/2010/main">
+                <a:solidFill>
+                  <a:srgbClr val="FFFFFF"/>
+                </a:solidFill>
+              </a14:hiddenFill>
+            </a:ext>
+          </a:extLst>
+        </p:spPr>
+        <p:txBody>
+          <a:bodyPr vert="horz" wrap="square" lIns="91440" tIns="45720" rIns="91440" bIns="45720" numCol="1" anchor="t" anchorCtr="0" compatLnSpc="1">
+            <a:prstTxWarp prst="textNoShape">
+              <a:avLst/>
+            </a:prstTxWarp>
+          </a:bodyPr>
+          <a:lstStyle/>
+          <a:p>
+            <a:endParaRPr lang="en-US"/>
+          </a:p>
+        </p:txBody>
+      </p:sp>
+      <p:sp>
+        <p:nvSpPr>
+          <p:cNvPr id="6" name="TextBox 5">
+            <a:extLst>
+              <a:ext uri="{FF2B5EF4-FFF2-40B4-BE49-F238E27FC236}">
+                <a16:creationId xmlns:a16="http://schemas.microsoft.com/office/drawing/2014/main" id="{D1953563-F34A-4247-A4E2-C376FD1A1AA5}"/>
+              </a:ext>
+            </a:extLst>
+          </p:cNvPr>
+          <p:cNvSpPr txBox="1"/>
+          <p:nvPr/>
+        </p:nvSpPr>
+        <p:spPr>
+          <a:xfrm>
+            <a:off x="417443" y="745199"/>
+            <a:ext cx="11357113" cy="3477875"/>
+          </a:xfrm>
+          <a:prstGeom prst="rect">
+            <a:avLst/>
+          </a:prstGeom>
+          <a:noFill/>
+        </p:spPr>
+        <p:txBody>
+          <a:bodyPr wrap="square" rtlCol="0">
+            <a:spAutoFit/>
+          </a:bodyPr>
+          <a:lstStyle/>
+          <a:p>
+            <a:pPr lvl="1"/>
+            <a:r>
+              <a:rPr lang="en-US" sz="2000" dirty="0"/>
+              <a:t>You want your Raspberry Pi to perform some action in response to a certain hashtag or mention in a tweet.</a:t>
+            </a:r>
+          </a:p>
+          <a:p>
+            <a:pPr lvl="1"/>
+            <a:endParaRPr lang="en-US" sz="2000" dirty="0"/>
+          </a:p>
+          <a:p>
+            <a:pPr lvl="1"/>
+            <a:r>
+              <a:rPr lang="en-US" sz="2000" dirty="0"/>
+              <a:t>An efficient mechanism for monitoring tweets that does not rely on polling is to use IFTTT to spot tweets of interest and then send a web request to a service called </a:t>
+            </a:r>
+            <a:r>
+              <a:rPr lang="en-US" sz="2000" dirty="0" err="1"/>
+              <a:t>Dweet</a:t>
+            </a:r>
+            <a:r>
+              <a:rPr lang="en-US" sz="2000" dirty="0"/>
+              <a:t> that can push notifications to a Python program running on your Raspberry Pi (Following figure). </a:t>
+            </a:r>
+          </a:p>
+          <a:p>
+            <a:pPr lvl="1"/>
+            <a:endParaRPr lang="en-US" sz="2000" dirty="0"/>
+          </a:p>
+          <a:p>
+            <a:pPr lvl="1"/>
+            <a:r>
+              <a:rPr lang="en-US" sz="2000" dirty="0"/>
+              <a:t>For example, you could flash an LED for 10 seconds every time there is a mention of your username on Twitter by using a Raspberry Squid or an LED attached to a breadboard.</a:t>
+            </a:r>
+          </a:p>
+          <a:p>
+            <a:pPr lvl="1"/>
+            <a:endParaRPr lang="en-US" sz="2000" dirty="0"/>
+          </a:p>
+          <a:p>
+            <a:pPr lvl="1"/>
+            <a:endParaRPr lang="en-US" sz="2000" dirty="0"/>
+          </a:p>
+        </p:txBody>
+      </p:sp>
+    </p:spTree>
+    <p:extLst>
+      <p:ext uri="{BB962C8B-B14F-4D97-AF65-F5344CB8AC3E}">
+        <p14:creationId xmlns:p14="http://schemas.microsoft.com/office/powerpoint/2010/main" val="564792624"/>
+      </p:ext>
+    </p:extLst>
+  </p:cSld>
+  <p:clrMapOvr>
+    <a:masterClrMapping/>
+  </p:clrMapOvr>
+</p:sld>
+</file>
+
+<file path=ppt/slides/slide35.xml><?xml version="1.0" encoding="utf-8"?>
+<p:sld xmlns:a="http://schemas.openxmlformats.org/drawingml/2006/main" xmlns:r="http://schemas.openxmlformats.org/officeDocument/2006/relationships" xmlns:p="http://schemas.openxmlformats.org/presentationml/2006/main">
+  <p:cSld>
+    <p:spTree>
+      <p:nvGrpSpPr>
+        <p:cNvPr id="1" name=""/>
+        <p:cNvGrpSpPr/>
+        <p:nvPr/>
+      </p:nvGrpSpPr>
+      <p:grpSpPr>
+        <a:xfrm>
+          <a:off x="0" y="0"/>
+          <a:ext cx="0" cy="0"/>
+          <a:chOff x="0" y="0"/>
+          <a:chExt cx="0" cy="0"/>
+        </a:xfrm>
+      </p:grpSpPr>
+      <p:sp>
+        <p:nvSpPr>
+          <p:cNvPr id="4" name="Title 1"/>
+          <p:cNvSpPr txBox="1">
+            <a:spLocks/>
+          </p:cNvSpPr>
+          <p:nvPr/>
+        </p:nvSpPr>
+        <p:spPr>
+          <a:xfrm>
+            <a:off x="0" y="1"/>
+            <a:ext cx="12192000" cy="721216"/>
+          </a:xfrm>
+          <a:prstGeom prst="rect">
+            <a:avLst/>
+          </a:prstGeom>
+        </p:spPr>
+        <p:style>
+          <a:lnRef idx="0">
+            <a:schemeClr val="accent1"/>
+          </a:lnRef>
+          <a:fillRef idx="3">
+            <a:schemeClr val="accent1"/>
+          </a:fillRef>
+          <a:effectRef idx="3">
+            <a:schemeClr val="accent1"/>
+          </a:effectRef>
+          <a:fontRef idx="minor">
+            <a:schemeClr val="lt1"/>
+          </a:fontRef>
+        </p:style>
+        <p:txBody>
+          <a:bodyPr vert="horz" lIns="91440" tIns="45720" rIns="91440" bIns="45720" rtlCol="0" anchor="ctr">
+            <a:normAutofit/>
+          </a:bodyPr>
+          <a:lstStyle>
+            <a:lvl1pPr algn="l" defTabSz="914400" rtl="0" eaLnBrk="1" latinLnBrk="0" hangingPunct="1">
+              <a:lnSpc>
+                <a:spcPct val="90000"/>
+              </a:lnSpc>
+              <a:spcBef>
+                <a:spcPct val="0"/>
+              </a:spcBef>
+              <a:buNone/>
+              <a:defRPr sz="4400" kern="1200">
+                <a:solidFill>
+                  <a:schemeClr val="lt1"/>
+                </a:solidFill>
+                <a:latin typeface="+mn-lt"/>
+                <a:ea typeface="+mn-ea"/>
+                <a:cs typeface="+mn-cs"/>
+              </a:defRPr>
+            </a:lvl1pPr>
+            <a:lvl2pPr>
+              <a:defRPr>
+                <a:solidFill>
+                  <a:schemeClr val="lt1"/>
+                </a:solidFill>
+                <a:latin typeface="+mn-lt"/>
+                <a:ea typeface="+mn-ea"/>
+                <a:cs typeface="+mn-cs"/>
+              </a:defRPr>
+            </a:lvl2pPr>
+            <a:lvl3pPr>
+              <a:defRPr>
+                <a:solidFill>
+                  <a:schemeClr val="lt1"/>
+                </a:solidFill>
+                <a:latin typeface="+mn-lt"/>
+                <a:ea typeface="+mn-ea"/>
+                <a:cs typeface="+mn-cs"/>
+              </a:defRPr>
+            </a:lvl3pPr>
+            <a:lvl4pPr>
+              <a:defRPr>
+                <a:solidFill>
+                  <a:schemeClr val="lt1"/>
+                </a:solidFill>
+                <a:latin typeface="+mn-lt"/>
+                <a:ea typeface="+mn-ea"/>
+                <a:cs typeface="+mn-cs"/>
+              </a:defRPr>
+            </a:lvl4pPr>
+            <a:lvl5pPr>
+              <a:defRPr>
+                <a:solidFill>
+                  <a:schemeClr val="lt1"/>
+                </a:solidFill>
+                <a:latin typeface="+mn-lt"/>
+                <a:ea typeface="+mn-ea"/>
+                <a:cs typeface="+mn-cs"/>
+              </a:defRPr>
+            </a:lvl5pPr>
+            <a:lvl6pPr>
+              <a:defRPr>
+                <a:solidFill>
+                  <a:schemeClr val="lt1"/>
+                </a:solidFill>
+                <a:latin typeface="+mn-lt"/>
+                <a:ea typeface="+mn-ea"/>
+                <a:cs typeface="+mn-cs"/>
+              </a:defRPr>
+            </a:lvl6pPr>
+            <a:lvl7pPr>
+              <a:defRPr>
+                <a:solidFill>
+                  <a:schemeClr val="lt1"/>
+                </a:solidFill>
+                <a:latin typeface="+mn-lt"/>
+                <a:ea typeface="+mn-ea"/>
+                <a:cs typeface="+mn-cs"/>
+              </a:defRPr>
+            </a:lvl7pPr>
+            <a:lvl8pPr>
+              <a:defRPr>
+                <a:solidFill>
+                  <a:schemeClr val="lt1"/>
+                </a:solidFill>
+                <a:latin typeface="+mn-lt"/>
+                <a:ea typeface="+mn-ea"/>
+                <a:cs typeface="+mn-cs"/>
+              </a:defRPr>
+            </a:lvl8pPr>
+            <a:lvl9pPr>
+              <a:defRPr>
+                <a:solidFill>
+                  <a:schemeClr val="lt1"/>
+                </a:solidFill>
+                <a:latin typeface="+mn-lt"/>
+                <a:ea typeface="+mn-ea"/>
+                <a:cs typeface="+mn-cs"/>
+              </a:defRPr>
+            </a:lvl9pPr>
+          </a:lstStyle>
+          <a:p>
+            <a:r>
+              <a:rPr lang="en-US" dirty="0"/>
+              <a:t>Responding to Tweets Using </a:t>
+            </a:r>
+            <a:r>
+              <a:rPr lang="en-US" dirty="0" err="1"/>
+              <a:t>Dweet</a:t>
+            </a:r>
+            <a:r>
+              <a:rPr lang="en-US" dirty="0"/>
+              <a:t> and IFTTT</a:t>
+            </a:r>
+          </a:p>
+        </p:txBody>
+      </p:sp>
+      <p:sp>
+        <p:nvSpPr>
+          <p:cNvPr id="5" name="AutoShape 2" descr="http://raspberry.piaustralia.com.au/product-images/piwithbox.jpg"/>
+          <p:cNvSpPr>
+            <a:spLocks noChangeAspect="1" noChangeArrowheads="1"/>
+          </p:cNvSpPr>
+          <p:nvPr/>
+        </p:nvSpPr>
+        <p:spPr bwMode="auto">
+          <a:xfrm>
+            <a:off x="63500" y="-136525"/>
+            <a:ext cx="9772650" cy="6343650"/>
+          </a:xfrm>
+          <a:prstGeom prst="rect">
+            <a:avLst/>
+          </a:prstGeom>
+          <a:noFill/>
+          <a:extLst>
+            <a:ext uri="{909E8E84-426E-40DD-AFC4-6F175D3DCCD1}">
+              <a14:hiddenFill xmlns:a14="http://schemas.microsoft.com/office/drawing/2010/main">
+                <a:solidFill>
+                  <a:srgbClr val="FFFFFF"/>
+                </a:solidFill>
+              </a14:hiddenFill>
+            </a:ext>
+          </a:extLst>
+        </p:spPr>
+        <p:txBody>
+          <a:bodyPr vert="horz" wrap="square" lIns="91440" tIns="45720" rIns="91440" bIns="45720" numCol="1" anchor="t" anchorCtr="0" compatLnSpc="1">
+            <a:prstTxWarp prst="textNoShape">
+              <a:avLst/>
+            </a:prstTxWarp>
+          </a:bodyPr>
+          <a:lstStyle/>
+          <a:p>
+            <a:endParaRPr lang="en-US"/>
+          </a:p>
+        </p:txBody>
+      </p:sp>
+      <p:pic>
+        <p:nvPicPr>
+          <p:cNvPr id="3" name="Picture 2">
+            <a:extLst>
+              <a:ext uri="{FF2B5EF4-FFF2-40B4-BE49-F238E27FC236}">
+                <a16:creationId xmlns:a16="http://schemas.microsoft.com/office/drawing/2014/main" id="{F242D012-7610-4C1C-A85C-72295DDDAC90}"/>
+              </a:ext>
+            </a:extLst>
+          </p:cNvPr>
+          <p:cNvPicPr>
+            <a:picLocks noChangeAspect="1"/>
+          </p:cNvPicPr>
+          <p:nvPr/>
+        </p:nvPicPr>
+        <p:blipFill>
+          <a:blip r:embed="rId2"/>
+          <a:stretch>
+            <a:fillRect/>
+          </a:stretch>
+        </p:blipFill>
+        <p:spPr>
+          <a:xfrm>
+            <a:off x="2767012" y="1004887"/>
+            <a:ext cx="6657975" cy="5457825"/>
+          </a:xfrm>
+          <a:prstGeom prst="rect">
+            <a:avLst/>
+          </a:prstGeom>
+        </p:spPr>
+      </p:pic>
+    </p:spTree>
+    <p:extLst>
+      <p:ext uri="{BB962C8B-B14F-4D97-AF65-F5344CB8AC3E}">
+        <p14:creationId xmlns:p14="http://schemas.microsoft.com/office/powerpoint/2010/main" val="2400171534"/>
+      </p:ext>
+    </p:extLst>
+  </p:cSld>
+  <p:clrMapOvr>
+    <a:masterClrMapping/>
+  </p:clrMapOvr>
+</p:sld>
+</file>
+
+<file path=ppt/slides/slide36.xml><?xml version="1.0" encoding="utf-8"?>
+<p:sld xmlns:a="http://schemas.openxmlformats.org/drawingml/2006/main" xmlns:r="http://schemas.openxmlformats.org/officeDocument/2006/relationships" xmlns:p="http://schemas.openxmlformats.org/presentationml/2006/main">
+  <p:cSld>
+    <p:spTree>
+      <p:nvGrpSpPr>
+        <p:cNvPr id="1" name=""/>
+        <p:cNvGrpSpPr/>
+        <p:nvPr/>
+      </p:nvGrpSpPr>
+      <p:grpSpPr>
+        <a:xfrm>
+          <a:off x="0" y="0"/>
+          <a:ext cx="0" cy="0"/>
+          <a:chOff x="0" y="0"/>
+          <a:chExt cx="0" cy="0"/>
+        </a:xfrm>
+      </p:grpSpPr>
+      <p:sp>
+        <p:nvSpPr>
+          <p:cNvPr id="4" name="Title 1"/>
+          <p:cNvSpPr txBox="1">
+            <a:spLocks/>
+          </p:cNvSpPr>
+          <p:nvPr/>
+        </p:nvSpPr>
+        <p:spPr>
+          <a:xfrm>
+            <a:off x="0" y="1"/>
+            <a:ext cx="12192000" cy="721216"/>
+          </a:xfrm>
+          <a:prstGeom prst="rect">
+            <a:avLst/>
+          </a:prstGeom>
+        </p:spPr>
+        <p:style>
+          <a:lnRef idx="0">
+            <a:schemeClr val="accent1"/>
+          </a:lnRef>
+          <a:fillRef idx="3">
+            <a:schemeClr val="accent1"/>
+          </a:fillRef>
+          <a:effectRef idx="3">
+            <a:schemeClr val="accent1"/>
+          </a:effectRef>
+          <a:fontRef idx="minor">
+            <a:schemeClr val="lt1"/>
+          </a:fontRef>
+        </p:style>
+        <p:txBody>
+          <a:bodyPr vert="horz" lIns="91440" tIns="45720" rIns="91440" bIns="45720" rtlCol="0" anchor="ctr">
+            <a:normAutofit/>
+          </a:bodyPr>
+          <a:lstStyle>
+            <a:lvl1pPr algn="l" defTabSz="914400" rtl="0" eaLnBrk="1" latinLnBrk="0" hangingPunct="1">
+              <a:lnSpc>
+                <a:spcPct val="90000"/>
+              </a:lnSpc>
+              <a:spcBef>
+                <a:spcPct val="0"/>
+              </a:spcBef>
+              <a:buNone/>
+              <a:defRPr sz="4400" kern="1200">
+                <a:solidFill>
+                  <a:schemeClr val="lt1"/>
+                </a:solidFill>
+                <a:latin typeface="+mn-lt"/>
+                <a:ea typeface="+mn-ea"/>
+                <a:cs typeface="+mn-cs"/>
+              </a:defRPr>
+            </a:lvl1pPr>
+            <a:lvl2pPr>
+              <a:defRPr>
+                <a:solidFill>
+                  <a:schemeClr val="lt1"/>
+                </a:solidFill>
+                <a:latin typeface="+mn-lt"/>
+                <a:ea typeface="+mn-ea"/>
+                <a:cs typeface="+mn-cs"/>
+              </a:defRPr>
+            </a:lvl2pPr>
+            <a:lvl3pPr>
+              <a:defRPr>
+                <a:solidFill>
+                  <a:schemeClr val="lt1"/>
+                </a:solidFill>
+                <a:latin typeface="+mn-lt"/>
+                <a:ea typeface="+mn-ea"/>
+                <a:cs typeface="+mn-cs"/>
+              </a:defRPr>
+            </a:lvl3pPr>
+            <a:lvl4pPr>
+              <a:defRPr>
+                <a:solidFill>
+                  <a:schemeClr val="lt1"/>
+                </a:solidFill>
+                <a:latin typeface="+mn-lt"/>
+                <a:ea typeface="+mn-ea"/>
+                <a:cs typeface="+mn-cs"/>
+              </a:defRPr>
+            </a:lvl4pPr>
+            <a:lvl5pPr>
+              <a:defRPr>
+                <a:solidFill>
+                  <a:schemeClr val="lt1"/>
+                </a:solidFill>
+                <a:latin typeface="+mn-lt"/>
+                <a:ea typeface="+mn-ea"/>
+                <a:cs typeface="+mn-cs"/>
+              </a:defRPr>
+            </a:lvl5pPr>
+            <a:lvl6pPr>
+              <a:defRPr>
+                <a:solidFill>
+                  <a:schemeClr val="lt1"/>
+                </a:solidFill>
+                <a:latin typeface="+mn-lt"/>
+                <a:ea typeface="+mn-ea"/>
+                <a:cs typeface="+mn-cs"/>
+              </a:defRPr>
+            </a:lvl6pPr>
+            <a:lvl7pPr>
+              <a:defRPr>
+                <a:solidFill>
+                  <a:schemeClr val="lt1"/>
+                </a:solidFill>
+                <a:latin typeface="+mn-lt"/>
+                <a:ea typeface="+mn-ea"/>
+                <a:cs typeface="+mn-cs"/>
+              </a:defRPr>
+            </a:lvl7pPr>
+            <a:lvl8pPr>
+              <a:defRPr>
+                <a:solidFill>
+                  <a:schemeClr val="lt1"/>
+                </a:solidFill>
+                <a:latin typeface="+mn-lt"/>
+                <a:ea typeface="+mn-ea"/>
+                <a:cs typeface="+mn-cs"/>
+              </a:defRPr>
+            </a:lvl8pPr>
+            <a:lvl9pPr>
+              <a:defRPr>
+                <a:solidFill>
+                  <a:schemeClr val="lt1"/>
+                </a:solidFill>
+                <a:latin typeface="+mn-lt"/>
+                <a:ea typeface="+mn-ea"/>
+                <a:cs typeface="+mn-cs"/>
+              </a:defRPr>
+            </a:lvl9pPr>
+          </a:lstStyle>
+          <a:p>
+            <a:r>
+              <a:rPr lang="en-US" dirty="0"/>
               <a:t>Responding to Tweets Using </a:t>
             </a:r>
             <a:r>
@@ -13479,7 +14833,7 @@
 </p:sld>
 </file>
 
-<file path=ppt/slides/slide34.xml><?xml version="1.0" encoding="utf-8"?>
+<file path=ppt/slides/slide37.xml><?xml version="1.0" encoding="utf-8"?>
 <p:sld xmlns:a="http://schemas.openxmlformats.org/drawingml/2006/main" xmlns:r="http://schemas.openxmlformats.org/officeDocument/2006/relationships" xmlns:p="http://schemas.openxmlformats.org/presentationml/2006/main">
   <p:cSld>
     <p:spTree>
@@ -13727,7 +15081,7 @@
 </p:sld>
 </file>
 
-<file path=ppt/slides/slide35.xml><?xml version="1.0" encoding="utf-8"?>
+<file path=ppt/slides/slide38.xml><?xml version="1.0" encoding="utf-8"?>
 <p:sld xmlns:a="http://schemas.openxmlformats.org/drawingml/2006/main" xmlns:r="http://schemas.openxmlformats.org/officeDocument/2006/relationships" xmlns:p="http://schemas.openxmlformats.org/presentationml/2006/main">
   <p:cSld>
     <p:spTree>
@@ -14142,7 +15496,7 @@
 </p:sld>
 </file>
 
-<file path=ppt/slides/slide36.xml><?xml version="1.0" encoding="utf-8"?>
+<file path=ppt/slides/slide39.xml><?xml version="1.0" encoding="utf-8"?>
 <p:sld xmlns:a="http://schemas.openxmlformats.org/drawingml/2006/main" xmlns:r="http://schemas.openxmlformats.org/officeDocument/2006/relationships" xmlns:p="http://schemas.openxmlformats.org/presentationml/2006/main">
   <p:cSld>
     <p:spTree>
@@ -14793,7 +16147,7 @@
 </p:sld>
 </file>
 
-<file path=ppt/slides/slide37.xml><?xml version="1.0" encoding="utf-8"?>
+<file path=ppt/slides/slide4.xml><?xml version="1.0" encoding="utf-8"?>
 <p:sld xmlns:a="http://schemas.openxmlformats.org/drawingml/2006/main" xmlns:r="http://schemas.openxmlformats.org/officeDocument/2006/relationships" xmlns:p="http://schemas.openxmlformats.org/presentationml/2006/main">
   <p:cSld>
     <p:spTree>
@@ -14947,6 +16301,311 @@
           <a:p>
             <a:r>
               <a:rPr lang="en-US" dirty="0"/>
+              <a:t>Displaying Sensor Readings on a Web Page </a:t>
+            </a:r>
+          </a:p>
+        </p:txBody>
+      </p:sp>
+      <p:sp>
+        <p:nvSpPr>
+          <p:cNvPr id="5" name="AutoShape 2" descr="http://raspberry.piaustralia.com.au/product-images/piwithbox.jpg"/>
+          <p:cNvSpPr>
+            <a:spLocks noChangeAspect="1" noChangeArrowheads="1"/>
+          </p:cNvSpPr>
+          <p:nvPr/>
+        </p:nvSpPr>
+        <p:spPr bwMode="auto">
+          <a:xfrm>
+            <a:off x="63500" y="-136525"/>
+            <a:ext cx="9772650" cy="6343650"/>
+          </a:xfrm>
+          <a:prstGeom prst="rect">
+            <a:avLst/>
+          </a:prstGeom>
+          <a:noFill/>
+          <a:extLst>
+            <a:ext uri="{909E8E84-426E-40DD-AFC4-6F175D3DCCD1}">
+              <a14:hiddenFill xmlns:a14="http://schemas.microsoft.com/office/drawing/2010/main">
+                <a:solidFill>
+                  <a:srgbClr val="FFFFFF"/>
+                </a:solidFill>
+              </a14:hiddenFill>
+            </a:ext>
+          </a:extLst>
+        </p:spPr>
+        <p:txBody>
+          <a:bodyPr vert="horz" wrap="square" lIns="91440" tIns="45720" rIns="91440" bIns="45720" numCol="1" anchor="t" anchorCtr="0" compatLnSpc="1">
+            <a:prstTxWarp prst="textNoShape">
+              <a:avLst/>
+            </a:prstTxWarp>
+          </a:bodyPr>
+          <a:lstStyle/>
+          <a:p>
+            <a:endParaRPr lang="en-US"/>
+          </a:p>
+        </p:txBody>
+      </p:sp>
+      <p:sp>
+        <p:nvSpPr>
+          <p:cNvPr id="7" name="TextBox 6"/>
+          <p:cNvSpPr txBox="1"/>
+          <p:nvPr/>
+        </p:nvSpPr>
+        <p:spPr>
+          <a:xfrm>
+            <a:off x="417443" y="777489"/>
+            <a:ext cx="11357113" cy="1631216"/>
+          </a:xfrm>
+          <a:prstGeom prst="rect">
+            <a:avLst/>
+          </a:prstGeom>
+          <a:noFill/>
+        </p:spPr>
+        <p:txBody>
+          <a:bodyPr wrap="square" rtlCol="0">
+            <a:spAutoFit/>
+          </a:bodyPr>
+          <a:lstStyle/>
+          <a:p>
+            <a:pPr marL="342900" indent="-342900">
+              <a:buFont typeface="Arial" panose="020B0604020202020204" pitchFamily="34" charset="0"/>
+              <a:buChar char="•"/>
+            </a:pPr>
+            <a:r>
+              <a:rPr lang="en-US" sz="2000" dirty="0"/>
+              <a:t>You want to display sensor readings from your Raspberry Pi on a web page that automatically updates.</a:t>
+            </a:r>
+          </a:p>
+          <a:p>
+            <a:pPr marL="342900" indent="-342900">
+              <a:buFont typeface="Arial" panose="020B0604020202020204" pitchFamily="34" charset="0"/>
+              <a:buChar char="•"/>
+            </a:pPr>
+            <a:endParaRPr lang="en-US" sz="2000" b="1" i="1" dirty="0">
+              <a:solidFill>
+                <a:srgbClr val="0070C0"/>
+              </a:solidFill>
+              <a:latin typeface="Consolas" panose="020B0609020204030204" pitchFamily="49" charset="0"/>
+              <a:cs typeface="Consolas" panose="020B0609020204030204" pitchFamily="49" charset="0"/>
+            </a:endParaRPr>
+          </a:p>
+          <a:p>
+            <a:pPr marL="342900" indent="-342900">
+              <a:buFont typeface="Arial" panose="020B0604020202020204" pitchFamily="34" charset="0"/>
+              <a:buChar char="•"/>
+            </a:pPr>
+            <a:r>
+              <a:rPr lang="en-US" sz="2000" dirty="0"/>
+              <a:t>Use the bottle web server and some fancy JavaScript to automatically update your display. </a:t>
+            </a:r>
+          </a:p>
+          <a:p>
+            <a:pPr marL="342900" indent="-342900">
+              <a:buFont typeface="Arial" panose="020B0604020202020204" pitchFamily="34" charset="0"/>
+              <a:buChar char="•"/>
+            </a:pPr>
+            <a:endParaRPr lang="en-US" sz="2000" dirty="0"/>
+          </a:p>
+          <a:p>
+            <a:pPr marL="342900" indent="-342900">
+              <a:buFont typeface="Arial" panose="020B0604020202020204" pitchFamily="34" charset="0"/>
+              <a:buChar char="•"/>
+            </a:pPr>
+            <a:endParaRPr lang="en-US" sz="2000" dirty="0"/>
+          </a:p>
+        </p:txBody>
+      </p:sp>
+      <p:pic>
+        <p:nvPicPr>
+          <p:cNvPr id="2" name="Picture 1"/>
+          <p:cNvPicPr>
+            <a:picLocks noChangeAspect="1"/>
+          </p:cNvPicPr>
+          <p:nvPr/>
+        </p:nvPicPr>
+        <p:blipFill>
+          <a:blip r:embed="rId2"/>
+          <a:stretch>
+            <a:fillRect/>
+          </a:stretch>
+        </p:blipFill>
+        <p:spPr>
+          <a:xfrm>
+            <a:off x="1446297" y="1870742"/>
+            <a:ext cx="9299404" cy="4874346"/>
+          </a:xfrm>
+          <a:prstGeom prst="rect">
+            <a:avLst/>
+          </a:prstGeom>
+        </p:spPr>
+      </p:pic>
+    </p:spTree>
+    <p:extLst>
+      <p:ext uri="{BB962C8B-B14F-4D97-AF65-F5344CB8AC3E}">
+        <p14:creationId xmlns:p14="http://schemas.microsoft.com/office/powerpoint/2010/main" val="2999380582"/>
+      </p:ext>
+    </p:extLst>
+  </p:cSld>
+  <p:clrMapOvr>
+    <a:masterClrMapping/>
+  </p:clrMapOvr>
+</p:sld>
+</file>
+
+<file path=ppt/slides/slide40.xml><?xml version="1.0" encoding="utf-8"?>
+<p:sld xmlns:a="http://schemas.openxmlformats.org/drawingml/2006/main" xmlns:r="http://schemas.openxmlformats.org/officeDocument/2006/relationships" xmlns:p="http://schemas.openxmlformats.org/presentationml/2006/main">
+  <p:cSld>
+    <p:spTree>
+      <p:nvGrpSpPr>
+        <p:cNvPr id="1" name=""/>
+        <p:cNvGrpSpPr/>
+        <p:nvPr/>
+      </p:nvGrpSpPr>
+      <p:grpSpPr>
+        <a:xfrm>
+          <a:off x="0" y="0"/>
+          <a:ext cx="0" cy="0"/>
+          <a:chOff x="0" y="0"/>
+          <a:chExt cx="0" cy="0"/>
+        </a:xfrm>
+      </p:grpSpPr>
+      <p:sp>
+        <p:nvSpPr>
+          <p:cNvPr id="4" name="Title 1"/>
+          <p:cNvSpPr txBox="1">
+            <a:spLocks/>
+          </p:cNvSpPr>
+          <p:nvPr/>
+        </p:nvSpPr>
+        <p:spPr>
+          <a:xfrm>
+            <a:off x="0" y="1"/>
+            <a:ext cx="12192000" cy="721216"/>
+          </a:xfrm>
+          <a:prstGeom prst="rect">
+            <a:avLst/>
+          </a:prstGeom>
+        </p:spPr>
+        <p:style>
+          <a:lnRef idx="0">
+            <a:schemeClr val="accent1"/>
+          </a:lnRef>
+          <a:fillRef idx="3">
+            <a:schemeClr val="accent1"/>
+          </a:fillRef>
+          <a:effectRef idx="3">
+            <a:schemeClr val="accent1"/>
+          </a:effectRef>
+          <a:fontRef idx="minor">
+            <a:schemeClr val="lt1"/>
+          </a:fontRef>
+        </p:style>
+        <p:txBody>
+          <a:bodyPr vert="horz" lIns="91440" tIns="45720" rIns="91440" bIns="45720" rtlCol="0" anchor="ctr">
+            <a:normAutofit/>
+          </a:bodyPr>
+          <a:lstStyle>
+            <a:lvl1pPr algn="l" defTabSz="914400" rtl="0" eaLnBrk="1" latinLnBrk="0" hangingPunct="1">
+              <a:lnSpc>
+                <a:spcPct val="90000"/>
+              </a:lnSpc>
+              <a:spcBef>
+                <a:spcPct val="0"/>
+              </a:spcBef>
+              <a:buNone/>
+              <a:defRPr sz="4400" kern="1200">
+                <a:solidFill>
+                  <a:schemeClr val="lt1"/>
+                </a:solidFill>
+                <a:latin typeface="+mn-lt"/>
+                <a:ea typeface="+mn-ea"/>
+                <a:cs typeface="+mn-cs"/>
+              </a:defRPr>
+            </a:lvl1pPr>
+            <a:lvl2pPr>
+              <a:defRPr>
+                <a:solidFill>
+                  <a:schemeClr val="lt1"/>
+                </a:solidFill>
+                <a:latin typeface="+mn-lt"/>
+                <a:ea typeface="+mn-ea"/>
+                <a:cs typeface="+mn-cs"/>
+              </a:defRPr>
+            </a:lvl2pPr>
+            <a:lvl3pPr>
+              <a:defRPr>
+                <a:solidFill>
+                  <a:schemeClr val="lt1"/>
+                </a:solidFill>
+                <a:latin typeface="+mn-lt"/>
+                <a:ea typeface="+mn-ea"/>
+                <a:cs typeface="+mn-cs"/>
+              </a:defRPr>
+            </a:lvl3pPr>
+            <a:lvl4pPr>
+              <a:defRPr>
+                <a:solidFill>
+                  <a:schemeClr val="lt1"/>
+                </a:solidFill>
+                <a:latin typeface="+mn-lt"/>
+                <a:ea typeface="+mn-ea"/>
+                <a:cs typeface="+mn-cs"/>
+              </a:defRPr>
+            </a:lvl4pPr>
+            <a:lvl5pPr>
+              <a:defRPr>
+                <a:solidFill>
+                  <a:schemeClr val="lt1"/>
+                </a:solidFill>
+                <a:latin typeface="+mn-lt"/>
+                <a:ea typeface="+mn-ea"/>
+                <a:cs typeface="+mn-cs"/>
+              </a:defRPr>
+            </a:lvl5pPr>
+            <a:lvl6pPr>
+              <a:defRPr>
+                <a:solidFill>
+                  <a:schemeClr val="lt1"/>
+                </a:solidFill>
+                <a:latin typeface="+mn-lt"/>
+                <a:ea typeface="+mn-ea"/>
+                <a:cs typeface="+mn-cs"/>
+              </a:defRPr>
+            </a:lvl6pPr>
+            <a:lvl7pPr>
+              <a:defRPr>
+                <a:solidFill>
+                  <a:schemeClr val="lt1"/>
+                </a:solidFill>
+                <a:latin typeface="+mn-lt"/>
+                <a:ea typeface="+mn-ea"/>
+                <a:cs typeface="+mn-cs"/>
+              </a:defRPr>
+            </a:lvl7pPr>
+            <a:lvl8pPr>
+              <a:defRPr>
+                <a:solidFill>
+                  <a:schemeClr val="lt1"/>
+                </a:solidFill>
+                <a:latin typeface="+mn-lt"/>
+                <a:ea typeface="+mn-ea"/>
+                <a:cs typeface="+mn-cs"/>
+              </a:defRPr>
+            </a:lvl8pPr>
+            <a:lvl9pPr>
+              <a:defRPr>
+                <a:solidFill>
+                  <a:schemeClr val="lt1"/>
+                </a:solidFill>
+                <a:latin typeface="+mn-lt"/>
+                <a:ea typeface="+mn-ea"/>
+                <a:cs typeface="+mn-cs"/>
+              </a:defRPr>
+            </a:lvl9pPr>
+          </a:lstStyle>
+          <a:p>
+            <a:r>
+              <a:rPr lang="en-US" dirty="0"/>
               <a:t>Responding to Tweets Using </a:t>
             </a:r>
             <a:r>
@@ -15134,7 +16793,7 @@
 </p:sld>
 </file>
 
-<file path=ppt/slides/slide38.xml><?xml version="1.0" encoding="utf-8"?>
+<file path=ppt/slides/slide41.xml><?xml version="1.0" encoding="utf-8"?>
 <p:sld xmlns:a="http://schemas.openxmlformats.org/drawingml/2006/main" xmlns:r="http://schemas.openxmlformats.org/officeDocument/2006/relationships" xmlns:p="http://schemas.openxmlformats.org/presentationml/2006/main">
   <p:cSld>
     <p:spTree>
@@ -15556,311 +17215,6 @@
     <p:extLst>
       <p:ext uri="{BB962C8B-B14F-4D97-AF65-F5344CB8AC3E}">
         <p14:creationId xmlns:p14="http://schemas.microsoft.com/office/powerpoint/2010/main" val="2759255345"/>
-      </p:ext>
-    </p:extLst>
-  </p:cSld>
-  <p:clrMapOvr>
-    <a:masterClrMapping/>
-  </p:clrMapOvr>
-</p:sld>
-</file>
-
-<file path=ppt/slides/slide4.xml><?xml version="1.0" encoding="utf-8"?>
-<p:sld xmlns:a="http://schemas.openxmlformats.org/drawingml/2006/main" xmlns:r="http://schemas.openxmlformats.org/officeDocument/2006/relationships" xmlns:p="http://schemas.openxmlformats.org/presentationml/2006/main">
-  <p:cSld>
-    <p:spTree>
-      <p:nvGrpSpPr>
-        <p:cNvPr id="1" name=""/>
-        <p:cNvGrpSpPr/>
-        <p:nvPr/>
-      </p:nvGrpSpPr>
-      <p:grpSpPr>
-        <a:xfrm>
-          <a:off x="0" y="0"/>
-          <a:ext cx="0" cy="0"/>
-          <a:chOff x="0" y="0"/>
-          <a:chExt cx="0" cy="0"/>
-        </a:xfrm>
-      </p:grpSpPr>
-      <p:sp>
-        <p:nvSpPr>
-          <p:cNvPr id="4" name="Title 1"/>
-          <p:cNvSpPr txBox="1">
-            <a:spLocks/>
-          </p:cNvSpPr>
-          <p:nvPr/>
-        </p:nvSpPr>
-        <p:spPr>
-          <a:xfrm>
-            <a:off x="0" y="1"/>
-            <a:ext cx="12192000" cy="721216"/>
-          </a:xfrm>
-          <a:prstGeom prst="rect">
-            <a:avLst/>
-          </a:prstGeom>
-        </p:spPr>
-        <p:style>
-          <a:lnRef idx="0">
-            <a:schemeClr val="accent1"/>
-          </a:lnRef>
-          <a:fillRef idx="3">
-            <a:schemeClr val="accent1"/>
-          </a:fillRef>
-          <a:effectRef idx="3">
-            <a:schemeClr val="accent1"/>
-          </a:effectRef>
-          <a:fontRef idx="minor">
-            <a:schemeClr val="lt1"/>
-          </a:fontRef>
-        </p:style>
-        <p:txBody>
-          <a:bodyPr vert="horz" lIns="91440" tIns="45720" rIns="91440" bIns="45720" rtlCol="0" anchor="ctr">
-            <a:normAutofit/>
-          </a:bodyPr>
-          <a:lstStyle>
-            <a:lvl1pPr algn="l" defTabSz="914400" rtl="0" eaLnBrk="1" latinLnBrk="0" hangingPunct="1">
-              <a:lnSpc>
-                <a:spcPct val="90000"/>
-              </a:lnSpc>
-              <a:spcBef>
-                <a:spcPct val="0"/>
-              </a:spcBef>
-              <a:buNone/>
-              <a:defRPr sz="4400" kern="1200">
-                <a:solidFill>
-                  <a:schemeClr val="lt1"/>
-                </a:solidFill>
-                <a:latin typeface="+mn-lt"/>
-                <a:ea typeface="+mn-ea"/>
-                <a:cs typeface="+mn-cs"/>
-              </a:defRPr>
-            </a:lvl1pPr>
-            <a:lvl2pPr>
-              <a:defRPr>
-                <a:solidFill>
-                  <a:schemeClr val="lt1"/>
-                </a:solidFill>
-                <a:latin typeface="+mn-lt"/>
-                <a:ea typeface="+mn-ea"/>
-                <a:cs typeface="+mn-cs"/>
-              </a:defRPr>
-            </a:lvl2pPr>
-            <a:lvl3pPr>
-              <a:defRPr>
-                <a:solidFill>
-                  <a:schemeClr val="lt1"/>
-                </a:solidFill>
-                <a:latin typeface="+mn-lt"/>
-                <a:ea typeface="+mn-ea"/>
-                <a:cs typeface="+mn-cs"/>
-              </a:defRPr>
-            </a:lvl3pPr>
-            <a:lvl4pPr>
-              <a:defRPr>
-                <a:solidFill>
-                  <a:schemeClr val="lt1"/>
-                </a:solidFill>
-                <a:latin typeface="+mn-lt"/>
-                <a:ea typeface="+mn-ea"/>
-                <a:cs typeface="+mn-cs"/>
-              </a:defRPr>
-            </a:lvl4pPr>
-            <a:lvl5pPr>
-              <a:defRPr>
-                <a:solidFill>
-                  <a:schemeClr val="lt1"/>
-                </a:solidFill>
-                <a:latin typeface="+mn-lt"/>
-                <a:ea typeface="+mn-ea"/>
-                <a:cs typeface="+mn-cs"/>
-              </a:defRPr>
-            </a:lvl5pPr>
-            <a:lvl6pPr>
-              <a:defRPr>
-                <a:solidFill>
-                  <a:schemeClr val="lt1"/>
-                </a:solidFill>
-                <a:latin typeface="+mn-lt"/>
-                <a:ea typeface="+mn-ea"/>
-                <a:cs typeface="+mn-cs"/>
-              </a:defRPr>
-            </a:lvl6pPr>
-            <a:lvl7pPr>
-              <a:defRPr>
-                <a:solidFill>
-                  <a:schemeClr val="lt1"/>
-                </a:solidFill>
-                <a:latin typeface="+mn-lt"/>
-                <a:ea typeface="+mn-ea"/>
-                <a:cs typeface="+mn-cs"/>
-              </a:defRPr>
-            </a:lvl7pPr>
-            <a:lvl8pPr>
-              <a:defRPr>
-                <a:solidFill>
-                  <a:schemeClr val="lt1"/>
-                </a:solidFill>
-                <a:latin typeface="+mn-lt"/>
-                <a:ea typeface="+mn-ea"/>
-                <a:cs typeface="+mn-cs"/>
-              </a:defRPr>
-            </a:lvl8pPr>
-            <a:lvl9pPr>
-              <a:defRPr>
-                <a:solidFill>
-                  <a:schemeClr val="lt1"/>
-                </a:solidFill>
-                <a:latin typeface="+mn-lt"/>
-                <a:ea typeface="+mn-ea"/>
-                <a:cs typeface="+mn-cs"/>
-              </a:defRPr>
-            </a:lvl9pPr>
-          </a:lstStyle>
-          <a:p>
-            <a:r>
-              <a:rPr lang="en-US" dirty="0"/>
-              <a:t>Displaying Sensor Readings on a Web Page </a:t>
-            </a:r>
-          </a:p>
-        </p:txBody>
-      </p:sp>
-      <p:sp>
-        <p:nvSpPr>
-          <p:cNvPr id="5" name="AutoShape 2" descr="http://raspberry.piaustralia.com.au/product-images/piwithbox.jpg"/>
-          <p:cNvSpPr>
-            <a:spLocks noChangeAspect="1" noChangeArrowheads="1"/>
-          </p:cNvSpPr>
-          <p:nvPr/>
-        </p:nvSpPr>
-        <p:spPr bwMode="auto">
-          <a:xfrm>
-            <a:off x="63500" y="-136525"/>
-            <a:ext cx="9772650" cy="6343650"/>
-          </a:xfrm>
-          <a:prstGeom prst="rect">
-            <a:avLst/>
-          </a:prstGeom>
-          <a:noFill/>
-          <a:extLst>
-            <a:ext uri="{909E8E84-426E-40DD-AFC4-6F175D3DCCD1}">
-              <a14:hiddenFill xmlns:a14="http://schemas.microsoft.com/office/drawing/2010/main">
-                <a:solidFill>
-                  <a:srgbClr val="FFFFFF"/>
-                </a:solidFill>
-              </a14:hiddenFill>
-            </a:ext>
-          </a:extLst>
-        </p:spPr>
-        <p:txBody>
-          <a:bodyPr vert="horz" wrap="square" lIns="91440" tIns="45720" rIns="91440" bIns="45720" numCol="1" anchor="t" anchorCtr="0" compatLnSpc="1">
-            <a:prstTxWarp prst="textNoShape">
-              <a:avLst/>
-            </a:prstTxWarp>
-          </a:bodyPr>
-          <a:lstStyle/>
-          <a:p>
-            <a:endParaRPr lang="en-US"/>
-          </a:p>
-        </p:txBody>
-      </p:sp>
-      <p:sp>
-        <p:nvSpPr>
-          <p:cNvPr id="7" name="TextBox 6"/>
-          <p:cNvSpPr txBox="1"/>
-          <p:nvPr/>
-        </p:nvSpPr>
-        <p:spPr>
-          <a:xfrm>
-            <a:off x="417443" y="777489"/>
-            <a:ext cx="11357113" cy="1631216"/>
-          </a:xfrm>
-          <a:prstGeom prst="rect">
-            <a:avLst/>
-          </a:prstGeom>
-          <a:noFill/>
-        </p:spPr>
-        <p:txBody>
-          <a:bodyPr wrap="square" rtlCol="0">
-            <a:spAutoFit/>
-          </a:bodyPr>
-          <a:lstStyle/>
-          <a:p>
-            <a:pPr marL="342900" indent="-342900">
-              <a:buFont typeface="Arial" panose="020B0604020202020204" pitchFamily="34" charset="0"/>
-              <a:buChar char="•"/>
-            </a:pPr>
-            <a:r>
-              <a:rPr lang="en-US" sz="2000" dirty="0"/>
-              <a:t>You want to display sensor readings from your Raspberry Pi on a web page that automatically updates.</a:t>
-            </a:r>
-          </a:p>
-          <a:p>
-            <a:pPr marL="342900" indent="-342900">
-              <a:buFont typeface="Arial" panose="020B0604020202020204" pitchFamily="34" charset="0"/>
-              <a:buChar char="•"/>
-            </a:pPr>
-            <a:endParaRPr lang="en-US" sz="2000" b="1" i="1" dirty="0">
-              <a:solidFill>
-                <a:srgbClr val="0070C0"/>
-              </a:solidFill>
-              <a:latin typeface="Consolas" panose="020B0609020204030204" pitchFamily="49" charset="0"/>
-              <a:cs typeface="Consolas" panose="020B0609020204030204" pitchFamily="49" charset="0"/>
-            </a:endParaRPr>
-          </a:p>
-          <a:p>
-            <a:pPr marL="342900" indent="-342900">
-              <a:buFont typeface="Arial" panose="020B0604020202020204" pitchFamily="34" charset="0"/>
-              <a:buChar char="•"/>
-            </a:pPr>
-            <a:r>
-              <a:rPr lang="en-US" sz="2000" dirty="0"/>
-              <a:t>Use the bottle web server and some fancy JavaScript to automatically update your display. </a:t>
-            </a:r>
-          </a:p>
-          <a:p>
-            <a:pPr marL="342900" indent="-342900">
-              <a:buFont typeface="Arial" panose="020B0604020202020204" pitchFamily="34" charset="0"/>
-              <a:buChar char="•"/>
-            </a:pPr>
-            <a:endParaRPr lang="en-US" sz="2000" dirty="0"/>
-          </a:p>
-          <a:p>
-            <a:pPr marL="342900" indent="-342900">
-              <a:buFont typeface="Arial" panose="020B0604020202020204" pitchFamily="34" charset="0"/>
-              <a:buChar char="•"/>
-            </a:pPr>
-            <a:endParaRPr lang="en-US" sz="2000" dirty="0"/>
-          </a:p>
-        </p:txBody>
-      </p:sp>
-      <p:pic>
-        <p:nvPicPr>
-          <p:cNvPr id="2" name="Picture 1"/>
-          <p:cNvPicPr>
-            <a:picLocks noChangeAspect="1"/>
-          </p:cNvPicPr>
-          <p:nvPr/>
-        </p:nvPicPr>
-        <p:blipFill>
-          <a:blip r:embed="rId2"/>
-          <a:stretch>
-            <a:fillRect/>
-          </a:stretch>
-        </p:blipFill>
-        <p:spPr>
-          <a:xfrm>
-            <a:off x="1446297" y="1870742"/>
-            <a:ext cx="9299404" cy="4874346"/>
-          </a:xfrm>
-          <a:prstGeom prst="rect">
-            <a:avLst/>
-          </a:prstGeom>
-        </p:spPr>
-      </p:pic>
-    </p:spTree>
-    <p:extLst>
-      <p:ext uri="{BB962C8B-B14F-4D97-AF65-F5344CB8AC3E}">
-        <p14:creationId xmlns:p14="http://schemas.microsoft.com/office/powerpoint/2010/main" val="2999380582"/>
       </p:ext>
     </p:extLst>
   </p:cSld>

--- a/session6/presentation/Internet Of Things.pptx
+++ b/session6/presentation/Internet Of Things.pptx
@@ -23,29 +23,26 @@
     <p:sldId id="407" r:id="rId17"/>
     <p:sldId id="408" r:id="rId18"/>
     <p:sldId id="409" r:id="rId19"/>
-    <p:sldId id="410" r:id="rId20"/>
-    <p:sldId id="419" r:id="rId21"/>
-    <p:sldId id="411" r:id="rId22"/>
-    <p:sldId id="412" r:id="rId23"/>
-    <p:sldId id="413" r:id="rId24"/>
-    <p:sldId id="414" r:id="rId25"/>
-    <p:sldId id="415" r:id="rId26"/>
-    <p:sldId id="416" r:id="rId27"/>
-    <p:sldId id="417" r:id="rId28"/>
-    <p:sldId id="418" r:id="rId29"/>
-    <p:sldId id="421" r:id="rId30"/>
-    <p:sldId id="422" r:id="rId31"/>
-    <p:sldId id="423" r:id="rId32"/>
-    <p:sldId id="424" r:id="rId33"/>
-    <p:sldId id="426" r:id="rId34"/>
-    <p:sldId id="425" r:id="rId35"/>
-    <p:sldId id="427" r:id="rId36"/>
-    <p:sldId id="428" r:id="rId37"/>
-    <p:sldId id="429" r:id="rId38"/>
-    <p:sldId id="430" r:id="rId39"/>
-    <p:sldId id="431" r:id="rId40"/>
-    <p:sldId id="432" r:id="rId41"/>
-    <p:sldId id="267" r:id="rId42"/>
+    <p:sldId id="411" r:id="rId20"/>
+    <p:sldId id="412" r:id="rId21"/>
+    <p:sldId id="413" r:id="rId22"/>
+    <p:sldId id="414" r:id="rId23"/>
+    <p:sldId id="415" r:id="rId24"/>
+    <p:sldId id="416" r:id="rId25"/>
+    <p:sldId id="417" r:id="rId26"/>
+    <p:sldId id="421" r:id="rId27"/>
+    <p:sldId id="422" r:id="rId28"/>
+    <p:sldId id="423" r:id="rId29"/>
+    <p:sldId id="424" r:id="rId30"/>
+    <p:sldId id="426" r:id="rId31"/>
+    <p:sldId id="425" r:id="rId32"/>
+    <p:sldId id="427" r:id="rId33"/>
+    <p:sldId id="428" r:id="rId34"/>
+    <p:sldId id="429" r:id="rId35"/>
+    <p:sldId id="430" r:id="rId36"/>
+    <p:sldId id="431" r:id="rId37"/>
+    <p:sldId id="432" r:id="rId38"/>
+    <p:sldId id="267" r:id="rId39"/>
   </p:sldIdLst>
   <p:sldSz cx="12192000" cy="6858000"/>
   <p:notesSz cx="6858000" cy="9144000"/>
@@ -285,7 +282,7 @@
           <a:p>
             <a:fld id="{1139FA4A-C808-4981-8BA9-64217A6CCEA7}" type="datetimeFigureOut">
               <a:rPr lang="en-US" smtClean="0"/>
-              <a:t>1/2/2018</a:t>
+              <a:t>1/3/2018</a:t>
             </a:fld>
             <a:endParaRPr lang="en-US"/>
           </a:p>
@@ -453,7 +450,7 @@
           <a:p>
             <a:fld id="{1139FA4A-C808-4981-8BA9-64217A6CCEA7}" type="datetimeFigureOut">
               <a:rPr lang="en-US" smtClean="0"/>
-              <a:t>1/2/2018</a:t>
+              <a:t>1/3/2018</a:t>
             </a:fld>
             <a:endParaRPr lang="en-US"/>
           </a:p>
@@ -631,7 +628,7 @@
           <a:p>
             <a:fld id="{1139FA4A-C808-4981-8BA9-64217A6CCEA7}" type="datetimeFigureOut">
               <a:rPr lang="en-US" smtClean="0"/>
-              <a:t>1/2/2018</a:t>
+              <a:t>1/3/2018</a:t>
             </a:fld>
             <a:endParaRPr lang="en-US"/>
           </a:p>
@@ -799,7 +796,7 @@
           <a:p>
             <a:fld id="{1139FA4A-C808-4981-8BA9-64217A6CCEA7}" type="datetimeFigureOut">
               <a:rPr lang="en-US" smtClean="0"/>
-              <a:t>1/2/2018</a:t>
+              <a:t>1/3/2018</a:t>
             </a:fld>
             <a:endParaRPr lang="en-US"/>
           </a:p>
@@ -1044,7 +1041,7 @@
           <a:p>
             <a:fld id="{1139FA4A-C808-4981-8BA9-64217A6CCEA7}" type="datetimeFigureOut">
               <a:rPr lang="en-US" smtClean="0"/>
-              <a:t>1/2/2018</a:t>
+              <a:t>1/3/2018</a:t>
             </a:fld>
             <a:endParaRPr lang="en-US"/>
           </a:p>
@@ -1273,7 +1270,7 @@
           <a:p>
             <a:fld id="{1139FA4A-C808-4981-8BA9-64217A6CCEA7}" type="datetimeFigureOut">
               <a:rPr lang="en-US" smtClean="0"/>
-              <a:t>1/2/2018</a:t>
+              <a:t>1/3/2018</a:t>
             </a:fld>
             <a:endParaRPr lang="en-US"/>
           </a:p>
@@ -1637,7 +1634,7 @@
           <a:p>
             <a:fld id="{1139FA4A-C808-4981-8BA9-64217A6CCEA7}" type="datetimeFigureOut">
               <a:rPr lang="en-US" smtClean="0"/>
-              <a:t>1/2/2018</a:t>
+              <a:t>1/3/2018</a:t>
             </a:fld>
             <a:endParaRPr lang="en-US"/>
           </a:p>
@@ -1754,7 +1751,7 @@
           <a:p>
             <a:fld id="{1139FA4A-C808-4981-8BA9-64217A6CCEA7}" type="datetimeFigureOut">
               <a:rPr lang="en-US" smtClean="0"/>
-              <a:t>1/2/2018</a:t>
+              <a:t>1/3/2018</a:t>
             </a:fld>
             <a:endParaRPr lang="en-US"/>
           </a:p>
@@ -1849,7 +1846,7 @@
           <a:p>
             <a:fld id="{1139FA4A-C808-4981-8BA9-64217A6CCEA7}" type="datetimeFigureOut">
               <a:rPr lang="en-US" smtClean="0"/>
-              <a:t>1/2/2018</a:t>
+              <a:t>1/3/2018</a:t>
             </a:fld>
             <a:endParaRPr lang="en-US"/>
           </a:p>
@@ -2124,7 +2121,7 @@
           <a:p>
             <a:fld id="{1139FA4A-C808-4981-8BA9-64217A6CCEA7}" type="datetimeFigureOut">
               <a:rPr lang="en-US" smtClean="0"/>
-              <a:t>1/2/2018</a:t>
+              <a:t>1/3/2018</a:t>
             </a:fld>
             <a:endParaRPr lang="en-US"/>
           </a:p>
@@ -2376,7 +2373,7 @@
           <a:p>
             <a:fld id="{1139FA4A-C808-4981-8BA9-64217A6CCEA7}" type="datetimeFigureOut">
               <a:rPr lang="en-US" smtClean="0"/>
-              <a:t>1/2/2018</a:t>
+              <a:t>1/3/2018</a:t>
             </a:fld>
             <a:endParaRPr lang="en-US"/>
           </a:p>
@@ -2587,7 +2584,7 @@
           <a:p>
             <a:fld id="{1139FA4A-C808-4981-8BA9-64217A6CCEA7}" type="datetimeFigureOut">
               <a:rPr lang="en-US" smtClean="0"/>
-              <a:t>1/2/2018</a:t>
+              <a:t>1/3/2018</a:t>
             </a:fld>
             <a:endParaRPr lang="en-US"/>
           </a:p>
@@ -3950,13 +3947,6 @@
               </a:rPr>
               <a:t>    time.sleep(1)</a:t>
             </a:r>
-            <a:endParaRPr lang="en-US" b="1" i="1" dirty="0">
-              <a:solidFill>
-                <a:srgbClr val="0070C0"/>
-              </a:solidFill>
-              <a:latin typeface="Consolas" panose="020B0609020204030204" pitchFamily="49" charset="0"/>
-              <a:cs typeface="Consolas" panose="020B0609020204030204" pitchFamily="49" charset="0"/>
-            </a:endParaRPr>
           </a:p>
         </p:txBody>
       </p:sp>
@@ -4485,17 +4475,7 @@
                 <a:latin typeface="Consolas" panose="020B0609020204030204" pitchFamily="49" charset="0"/>
                 <a:cs typeface="Consolas" panose="020B0609020204030204" pitchFamily="49" charset="0"/>
               </a:rPr>
-              <a:t>}</a:t>
-            </a:r>
-            <a:r>
-              <a:rPr lang="en-US" b="1" i="1" dirty="0">
-                <a:solidFill>
-                  <a:srgbClr val="0070C0"/>
-                </a:solidFill>
-                <a:latin typeface="Consolas" panose="020B0609020204030204" pitchFamily="49" charset="0"/>
-                <a:cs typeface="Consolas" panose="020B0609020204030204" pitchFamily="49" charset="0"/>
-              </a:rPr>
-              <a:t>	</a:t>
+              <a:t>}	</a:t>
             </a:r>
           </a:p>
         </p:txBody>
@@ -5008,13 +4988,6 @@
               </a:rPr>
               <a:t>&lt;/html&gt;</a:t>
             </a:r>
-            <a:endParaRPr lang="en-US" b="1" i="1" dirty="0">
-              <a:solidFill>
-                <a:srgbClr val="0070C0"/>
-              </a:solidFill>
-              <a:latin typeface="Consolas" panose="020B0609020204030204" pitchFamily="49" charset="0"/>
-              <a:cs typeface="Consolas" panose="020B0609020204030204" pitchFamily="49" charset="0"/>
-            </a:endParaRPr>
           </a:p>
         </p:txBody>
       </p:sp>
@@ -6557,7 +6530,7 @@
           <a:p>
             <a:r>
               <a:rPr lang="en-US" dirty="0"/>
-              <a:t>Tor </a:t>
+              <a:t>EmailIfttt.py Project</a:t>
             </a:r>
           </a:p>
         </p:txBody>
@@ -6601,51 +6574,419 @@
           </a:p>
         </p:txBody>
       </p:sp>
-      <p:pic>
-        <p:nvPicPr>
-          <p:cNvPr id="1026" name="Picture 2" descr="https://upload.wikimedia.org/wikipedia/commons/thumb/1/15/Tor-logo-2011-flat.svg/1200px-Tor-logo-2011-flat.svg.png"/>
-          <p:cNvPicPr>
-            <a:picLocks noChangeAspect="1" noChangeArrowheads="1"/>
-          </p:cNvPicPr>
+      <p:sp>
+        <p:nvSpPr>
+          <p:cNvPr id="7" name="TextBox 6"/>
+          <p:cNvSpPr txBox="1"/>
           <p:nvPr/>
-        </p:nvPicPr>
-        <p:blipFill>
-          <a:blip r:embed="rId2">
-            <a:extLst>
-              <a:ext uri="{28A0092B-C50C-407E-A947-70E740481C1C}">
-                <a14:useLocalDpi xmlns:a14="http://schemas.microsoft.com/office/drawing/2010/main" val="0"/>
-              </a:ext>
-            </a:extLst>
-          </a:blip>
-          <a:srcRect/>
-          <a:stretch>
-            <a:fillRect/>
-          </a:stretch>
-        </p:blipFill>
-        <p:spPr bwMode="auto">
+        </p:nvSpPr>
+        <p:spPr>
           <a:xfrm>
-            <a:off x="1483377" y="857743"/>
-            <a:ext cx="9225244" cy="5573854"/>
+            <a:off x="-1" y="745199"/>
+            <a:ext cx="12192001" cy="6247864"/>
           </a:xfrm>
           <a:prstGeom prst="rect">
             <a:avLst/>
           </a:prstGeom>
           <a:noFill/>
-          <a:extLst>
-            <a:ext uri="{909E8E84-426E-40DD-AFC4-6F175D3DCCD1}">
-              <a14:hiddenFill xmlns:a14="http://schemas.microsoft.com/office/drawing/2010/main">
-                <a:solidFill>
-                  <a:srgbClr val="FFFFFF"/>
-                </a:solidFill>
-              </a14:hiddenFill>
-            </a:ext>
-          </a:extLst>
         </p:spPr>
-      </p:pic>
+        <p:txBody>
+          <a:bodyPr wrap="square" rtlCol="0">
+            <a:spAutoFit/>
+          </a:bodyPr>
+          <a:lstStyle/>
+          <a:p>
+            <a:pPr lvl="1"/>
+            <a:r>
+              <a:rPr lang="en-US" sz="2000" dirty="0"/>
+              <a:t>The Python program to send the web request:</a:t>
+            </a:r>
+          </a:p>
+          <a:p>
+            <a:pPr lvl="1"/>
+            <a:endParaRPr lang="fa-IR" sz="2000" dirty="0"/>
+          </a:p>
+          <a:p>
+            <a:pPr lvl="1"/>
+            <a:r>
+              <a:rPr lang="en-US" sz="2000" b="1" i="1" dirty="0">
+                <a:solidFill>
+                  <a:srgbClr val="0070C0"/>
+                </a:solidFill>
+                <a:latin typeface="Consolas" panose="020B0609020204030204" pitchFamily="49" charset="0"/>
+                <a:cs typeface="Consolas" panose="020B0609020204030204" pitchFamily="49" charset="0"/>
+              </a:rPr>
+              <a:t>import time,os</a:t>
+            </a:r>
+          </a:p>
+          <a:p>
+            <a:pPr lvl="1"/>
+            <a:r>
+              <a:rPr lang="en-US" sz="2000" b="1" i="1" dirty="0">
+                <a:solidFill>
+                  <a:srgbClr val="0070C0"/>
+                </a:solidFill>
+                <a:latin typeface="Consolas" panose="020B0609020204030204" pitchFamily="49" charset="0"/>
+                <a:cs typeface="Consolas" panose="020B0609020204030204" pitchFamily="49" charset="0"/>
+              </a:rPr>
+              <a:t>import urllib2</a:t>
+            </a:r>
+          </a:p>
+          <a:p>
+            <a:pPr lvl="1"/>
+            <a:r>
+              <a:rPr lang="en-US" sz="2000" b="1" i="1" dirty="0">
+                <a:solidFill>
+                  <a:srgbClr val="0070C0"/>
+                </a:solidFill>
+                <a:latin typeface="Consolas" panose="020B0609020204030204" pitchFamily="49" charset="0"/>
+                <a:cs typeface="Consolas" panose="020B0609020204030204" pitchFamily="49" charset="0"/>
+              </a:rPr>
+              <a:t>import urllib</a:t>
+            </a:r>
+          </a:p>
+          <a:p>
+            <a:pPr lvl="1"/>
+            <a:endParaRPr lang="en-US" sz="2000" b="1" i="1" dirty="0">
+              <a:solidFill>
+                <a:srgbClr val="0070C0"/>
+              </a:solidFill>
+              <a:latin typeface="Consolas" panose="020B0609020204030204" pitchFamily="49" charset="0"/>
+              <a:cs typeface="Consolas" panose="020B0609020204030204" pitchFamily="49" charset="0"/>
+            </a:endParaRPr>
+          </a:p>
+          <a:p>
+            <a:pPr lvl="1"/>
+            <a:r>
+              <a:rPr lang="en-US" sz="2000" b="1" i="1" dirty="0">
+                <a:solidFill>
+                  <a:srgbClr val="0070C0"/>
+                </a:solidFill>
+                <a:latin typeface="Consolas" panose="020B0609020204030204" pitchFamily="49" charset="0"/>
+                <a:cs typeface="Consolas" panose="020B0609020204030204" pitchFamily="49" charset="0"/>
+              </a:rPr>
+              <a:t>MaxTemp = 37.0</a:t>
+            </a:r>
+          </a:p>
+          <a:p>
+            <a:pPr lvl="1"/>
+            <a:r>
+              <a:rPr lang="en-US" sz="2000" b="1" i="1" dirty="0">
+                <a:solidFill>
+                  <a:srgbClr val="0070C0"/>
+                </a:solidFill>
+                <a:latin typeface="Consolas" panose="020B0609020204030204" pitchFamily="49" charset="0"/>
+                <a:cs typeface="Consolas" panose="020B0609020204030204" pitchFamily="49" charset="0"/>
+              </a:rPr>
+              <a:t>EventName = 'cpu_hot'</a:t>
+            </a:r>
+          </a:p>
+          <a:p>
+            <a:pPr lvl="1"/>
+            <a:r>
+              <a:rPr lang="en-US" sz="2000" b="1" i="1" dirty="0">
+                <a:solidFill>
+                  <a:srgbClr val="0070C0"/>
+                </a:solidFill>
+                <a:latin typeface="Consolas" panose="020B0609020204030204" pitchFamily="49" charset="0"/>
+                <a:cs typeface="Consolas" panose="020B0609020204030204" pitchFamily="49" charset="0"/>
+              </a:rPr>
+              <a:t>BaseUrl = 'https://maker.ifttt.com/trigger/{}/with/key/{}'</a:t>
+            </a:r>
+          </a:p>
+          <a:p>
+            <a:pPr lvl="1"/>
+            <a:r>
+              <a:rPr lang="en-US" sz="2000" b="1" i="1" dirty="0">
+                <a:solidFill>
+                  <a:srgbClr val="0070C0"/>
+                </a:solidFill>
+                <a:latin typeface="Consolas" panose="020B0609020204030204" pitchFamily="49" charset="0"/>
+                <a:cs typeface="Consolas" panose="020B0609020204030204" pitchFamily="49" charset="0"/>
+              </a:rPr>
+              <a:t>Key = </a:t>
+            </a:r>
+            <a:r>
+              <a:rPr lang="en-US" sz="2000" b="1" i="1" dirty="0" smtClean="0">
+                <a:solidFill>
+                  <a:srgbClr val="0070C0"/>
+                </a:solidFill>
+                <a:latin typeface="Consolas" panose="020B0609020204030204" pitchFamily="49" charset="0"/>
+                <a:cs typeface="Consolas" panose="020B0609020204030204" pitchFamily="49" charset="0"/>
+              </a:rPr>
+              <a:t>'cxotxZpzCKtUnd3m7tkI4</a:t>
+            </a:r>
+            <a:r>
+              <a:rPr lang="en-US" sz="2000" b="1" i="1" dirty="0">
+                <a:solidFill>
+                  <a:srgbClr val="0070C0"/>
+                </a:solidFill>
+                <a:latin typeface="Consolas" panose="020B0609020204030204" pitchFamily="49" charset="0"/>
+                <a:cs typeface="Consolas" panose="020B0609020204030204" pitchFamily="49" charset="0"/>
+              </a:rPr>
+              <a:t>'</a:t>
+            </a:r>
+          </a:p>
+          <a:p>
+            <a:pPr lvl="1"/>
+            <a:endParaRPr lang="en-US" sz="2000" b="1" i="1" dirty="0">
+              <a:solidFill>
+                <a:srgbClr val="0070C0"/>
+              </a:solidFill>
+              <a:latin typeface="Consolas" panose="020B0609020204030204" pitchFamily="49" charset="0"/>
+              <a:cs typeface="Consolas" panose="020B0609020204030204" pitchFamily="49" charset="0"/>
+            </a:endParaRPr>
+          </a:p>
+          <a:p>
+            <a:pPr lvl="1"/>
+            <a:r>
+              <a:rPr lang="en-US" sz="2000" b="1" i="1" dirty="0">
+                <a:solidFill>
+                  <a:srgbClr val="0070C0"/>
+                </a:solidFill>
+                <a:latin typeface="Consolas" panose="020B0609020204030204" pitchFamily="49" charset="0"/>
+                <a:cs typeface="Consolas" panose="020B0609020204030204" pitchFamily="49" charset="0"/>
+              </a:rPr>
+              <a:t>def SendNotification(temp):</a:t>
+            </a:r>
+          </a:p>
+          <a:p>
+            <a:pPr lvl="1"/>
+            <a:r>
+              <a:rPr lang="en-US" sz="2000" b="1" i="1" dirty="0">
+                <a:solidFill>
+                  <a:srgbClr val="0070C0"/>
+                </a:solidFill>
+                <a:latin typeface="Consolas" panose="020B0609020204030204" pitchFamily="49" charset="0"/>
+                <a:cs typeface="Consolas" panose="020B0609020204030204" pitchFamily="49" charset="0"/>
+              </a:rPr>
+              <a:t>    completeUrl = BaseUrl.format(EventName, Key)</a:t>
+            </a:r>
+          </a:p>
+          <a:p>
+            <a:pPr lvl="1"/>
+            <a:r>
+              <a:rPr lang="en-US" sz="2000" b="1" i="1" dirty="0">
+                <a:solidFill>
+                  <a:srgbClr val="0070C0"/>
+                </a:solidFill>
+                <a:latin typeface="Consolas" panose="020B0609020204030204" pitchFamily="49" charset="0"/>
+                <a:cs typeface="Consolas" panose="020B0609020204030204" pitchFamily="49" charset="0"/>
+              </a:rPr>
+              <a:t>    jsonData = urllib.urlencode({"value1" : str(temp)})</a:t>
+            </a:r>
+          </a:p>
+          <a:p>
+            <a:pPr lvl="1"/>
+            <a:r>
+              <a:rPr lang="en-US" sz="2000" b="1" i="1" dirty="0">
+                <a:solidFill>
+                  <a:srgbClr val="0070C0"/>
+                </a:solidFill>
+                <a:latin typeface="Consolas" panose="020B0609020204030204" pitchFamily="49" charset="0"/>
+                <a:cs typeface="Consolas" panose="020B0609020204030204" pitchFamily="49" charset="0"/>
+              </a:rPr>
+              <a:t>    urllib2.urlopen(url=completeUrl, data=jsonData</a:t>
+            </a:r>
+            <a:r>
+              <a:rPr lang="en-US" sz="2000" b="1" i="1" dirty="0" smtClean="0">
+                <a:solidFill>
+                  <a:srgbClr val="0070C0"/>
+                </a:solidFill>
+                <a:latin typeface="Consolas" panose="020B0609020204030204" pitchFamily="49" charset="0"/>
+                <a:cs typeface="Consolas" panose="020B0609020204030204" pitchFamily="49" charset="0"/>
+              </a:rPr>
+              <a:t>)</a:t>
+            </a:r>
+          </a:p>
+          <a:p>
+            <a:pPr lvl="1"/>
+            <a:endParaRPr lang="en-US" sz="2000" b="1" i="1" dirty="0">
+              <a:solidFill>
+                <a:srgbClr val="0070C0"/>
+              </a:solidFill>
+              <a:latin typeface="Consolas" panose="020B0609020204030204" pitchFamily="49" charset="0"/>
+              <a:cs typeface="Consolas" panose="020B0609020204030204" pitchFamily="49" charset="0"/>
+            </a:endParaRPr>
+          </a:p>
+          <a:p>
+            <a:pPr lvl="1"/>
+            <a:r>
+              <a:rPr lang="en-US" sz="2000" b="1" i="1" dirty="0">
+                <a:solidFill>
+                  <a:srgbClr val="0070C0"/>
+                </a:solidFill>
+                <a:latin typeface="Consolas" panose="020B0609020204030204" pitchFamily="49" charset="0"/>
+                <a:cs typeface="Consolas" panose="020B0609020204030204" pitchFamily="49" charset="0"/>
+              </a:rPr>
+              <a:t>def </a:t>
+            </a:r>
+            <a:r>
+              <a:rPr lang="en-US" sz="2000" b="1" i="1" dirty="0" err="1">
+                <a:solidFill>
+                  <a:srgbClr val="0070C0"/>
+                </a:solidFill>
+                <a:latin typeface="Consolas" panose="020B0609020204030204" pitchFamily="49" charset="0"/>
+                <a:cs typeface="Consolas" panose="020B0609020204030204" pitchFamily="49" charset="0"/>
+              </a:rPr>
+              <a:t>CpuTemp</a:t>
+            </a:r>
+            <a:r>
+              <a:rPr lang="en-US" sz="2000" b="1" i="1" dirty="0">
+                <a:solidFill>
+                  <a:srgbClr val="0070C0"/>
+                </a:solidFill>
+                <a:latin typeface="Consolas" panose="020B0609020204030204" pitchFamily="49" charset="0"/>
+                <a:cs typeface="Consolas" panose="020B0609020204030204" pitchFamily="49" charset="0"/>
+              </a:rPr>
+              <a:t>():</a:t>
+            </a:r>
+          </a:p>
+          <a:p>
+            <a:pPr lvl="1"/>
+            <a:r>
+              <a:rPr lang="en-US" sz="2000" b="1" i="1" dirty="0">
+                <a:solidFill>
+                  <a:srgbClr val="0070C0"/>
+                </a:solidFill>
+                <a:latin typeface="Consolas" panose="020B0609020204030204" pitchFamily="49" charset="0"/>
+                <a:cs typeface="Consolas" panose="020B0609020204030204" pitchFamily="49" charset="0"/>
+              </a:rPr>
+              <a:t>    dev = </a:t>
+            </a:r>
+            <a:r>
+              <a:rPr lang="en-US" sz="2000" b="1" i="1" dirty="0" err="1">
+                <a:solidFill>
+                  <a:srgbClr val="0070C0"/>
+                </a:solidFill>
+                <a:latin typeface="Consolas" panose="020B0609020204030204" pitchFamily="49" charset="0"/>
+                <a:cs typeface="Consolas" panose="020B0609020204030204" pitchFamily="49" charset="0"/>
+              </a:rPr>
+              <a:t>os.popen</a:t>
+            </a:r>
+            <a:r>
+              <a:rPr lang="en-US" sz="2000" b="1" i="1" dirty="0">
+                <a:solidFill>
+                  <a:srgbClr val="0070C0"/>
+                </a:solidFill>
+                <a:latin typeface="Consolas" panose="020B0609020204030204" pitchFamily="49" charset="0"/>
+                <a:cs typeface="Consolas" panose="020B0609020204030204" pitchFamily="49" charset="0"/>
+              </a:rPr>
+              <a:t>('/opt/</a:t>
+            </a:r>
+            <a:r>
+              <a:rPr lang="en-US" sz="2000" b="1" i="1" dirty="0" err="1">
+                <a:solidFill>
+                  <a:srgbClr val="0070C0"/>
+                </a:solidFill>
+                <a:latin typeface="Consolas" panose="020B0609020204030204" pitchFamily="49" charset="0"/>
+                <a:cs typeface="Consolas" panose="020B0609020204030204" pitchFamily="49" charset="0"/>
+              </a:rPr>
+              <a:t>vc</a:t>
+            </a:r>
+            <a:r>
+              <a:rPr lang="en-US" sz="2000" b="1" i="1" dirty="0">
+                <a:solidFill>
+                  <a:srgbClr val="0070C0"/>
+                </a:solidFill>
+                <a:latin typeface="Consolas" panose="020B0609020204030204" pitchFamily="49" charset="0"/>
+                <a:cs typeface="Consolas" panose="020B0609020204030204" pitchFamily="49" charset="0"/>
+              </a:rPr>
+              <a:t>/bin/</a:t>
+            </a:r>
+            <a:r>
+              <a:rPr lang="en-US" sz="2000" b="1" i="1" dirty="0" err="1">
+                <a:solidFill>
+                  <a:srgbClr val="0070C0"/>
+                </a:solidFill>
+                <a:latin typeface="Consolas" panose="020B0609020204030204" pitchFamily="49" charset="0"/>
+                <a:cs typeface="Consolas" panose="020B0609020204030204" pitchFamily="49" charset="0"/>
+              </a:rPr>
+              <a:t>vcgencmd</a:t>
+            </a:r>
+            <a:r>
+              <a:rPr lang="en-US" sz="2000" b="1" i="1" dirty="0">
+                <a:solidFill>
+                  <a:srgbClr val="0070C0"/>
+                </a:solidFill>
+                <a:latin typeface="Consolas" panose="020B0609020204030204" pitchFamily="49" charset="0"/>
+                <a:cs typeface="Consolas" panose="020B0609020204030204" pitchFamily="49" charset="0"/>
+              </a:rPr>
+              <a:t> </a:t>
+            </a:r>
+            <a:r>
+              <a:rPr lang="en-US" sz="2000" b="1" i="1" dirty="0" err="1">
+                <a:solidFill>
+                  <a:srgbClr val="0070C0"/>
+                </a:solidFill>
+                <a:latin typeface="Consolas" panose="020B0609020204030204" pitchFamily="49" charset="0"/>
+                <a:cs typeface="Consolas" panose="020B0609020204030204" pitchFamily="49" charset="0"/>
+              </a:rPr>
+              <a:t>measure_temp</a:t>
+            </a:r>
+            <a:r>
+              <a:rPr lang="en-US" sz="2000" b="1" i="1" dirty="0">
+                <a:solidFill>
+                  <a:srgbClr val="0070C0"/>
+                </a:solidFill>
+                <a:latin typeface="Consolas" panose="020B0609020204030204" pitchFamily="49" charset="0"/>
+                <a:cs typeface="Consolas" panose="020B0609020204030204" pitchFamily="49" charset="0"/>
+              </a:rPr>
+              <a:t>')</a:t>
+            </a:r>
+          </a:p>
+          <a:p>
+            <a:pPr lvl="1"/>
+            <a:r>
+              <a:rPr lang="en-US" sz="2000" b="1" i="1" dirty="0">
+                <a:solidFill>
+                  <a:srgbClr val="0070C0"/>
+                </a:solidFill>
+                <a:latin typeface="Consolas" panose="020B0609020204030204" pitchFamily="49" charset="0"/>
+                <a:cs typeface="Consolas" panose="020B0609020204030204" pitchFamily="49" charset="0"/>
+              </a:rPr>
+              <a:t>    temp = </a:t>
+            </a:r>
+            <a:r>
+              <a:rPr lang="en-US" sz="2000" b="1" i="1" dirty="0" err="1">
+                <a:solidFill>
+                  <a:srgbClr val="0070C0"/>
+                </a:solidFill>
+                <a:latin typeface="Consolas" panose="020B0609020204030204" pitchFamily="49" charset="0"/>
+                <a:cs typeface="Consolas" panose="020B0609020204030204" pitchFamily="49" charset="0"/>
+              </a:rPr>
+              <a:t>dev.read</a:t>
+            </a:r>
+            <a:r>
+              <a:rPr lang="en-US" sz="2000" b="1" i="1" dirty="0">
+                <a:solidFill>
+                  <a:srgbClr val="0070C0"/>
+                </a:solidFill>
+                <a:latin typeface="Consolas" panose="020B0609020204030204" pitchFamily="49" charset="0"/>
+                <a:cs typeface="Consolas" panose="020B0609020204030204" pitchFamily="49" charset="0"/>
+              </a:rPr>
+              <a:t>()[5:-3]</a:t>
+            </a:r>
+          </a:p>
+          <a:p>
+            <a:pPr lvl="1"/>
+            <a:r>
+              <a:rPr lang="en-US" sz="2000" b="1" i="1" dirty="0">
+                <a:solidFill>
+                  <a:srgbClr val="0070C0"/>
+                </a:solidFill>
+                <a:latin typeface="Consolas" panose="020B0609020204030204" pitchFamily="49" charset="0"/>
+                <a:cs typeface="Consolas" panose="020B0609020204030204" pitchFamily="49" charset="0"/>
+              </a:rPr>
+              <a:t>    return float(temp)</a:t>
+            </a:r>
+          </a:p>
+        </p:txBody>
+      </p:sp>
     </p:spTree>
     <p:extLst>
       <p:ext uri="{BB962C8B-B14F-4D97-AF65-F5344CB8AC3E}">
-        <p14:creationId xmlns:p14="http://schemas.microsoft.com/office/powerpoint/2010/main" val="1048630372"/>
+        <p14:creationId xmlns:p14="http://schemas.microsoft.com/office/powerpoint/2010/main" val="4217753849"/>
       </p:ext>
     </p:extLst>
   </p:cSld>
@@ -7399,7 +7740,7 @@
           <a:p>
             <a:r>
               <a:rPr lang="en-US" dirty="0"/>
-              <a:t>Tor</a:t>
+              <a:t>EmailIfttt.py Project</a:t>
             </a:r>
           </a:p>
         </p:txBody>
@@ -7445,14 +7786,14 @@
       </p:sp>
       <p:sp>
         <p:nvSpPr>
-          <p:cNvPr id="6" name="TextBox 5"/>
+          <p:cNvPr id="7" name="TextBox 6"/>
           <p:cNvSpPr txBox="1"/>
           <p:nvPr/>
         </p:nvSpPr>
         <p:spPr>
           <a:xfrm>
-            <a:off x="63500" y="977211"/>
-            <a:ext cx="11357113" cy="4493538"/>
+            <a:off x="417443" y="745199"/>
+            <a:ext cx="11357113" cy="2554545"/>
           </a:xfrm>
           <a:prstGeom prst="rect">
             <a:avLst/>
@@ -7467,79 +7808,28 @@
           <a:p>
             <a:pPr lvl="1"/>
             <a:r>
-              <a:rPr lang="en-US" b="1" dirty="0"/>
-              <a:t>Tor</a:t>
-            </a:r>
-            <a:r>
-              <a:rPr lang="en-US" dirty="0"/>
-              <a:t> is </a:t>
-            </a:r>
-            <a:r>
-              <a:rPr lang="en-US" dirty="0">
-                <a:hlinkClick r:id="rId2" tooltip="Free software"/>
-              </a:rPr>
-              <a:t>free software</a:t>
-            </a:r>
-            <a:r>
-              <a:rPr lang="en-US" dirty="0"/>
-              <a:t> for enabling </a:t>
-            </a:r>
-            <a:r>
-              <a:rPr lang="en-US" dirty="0">
-                <a:hlinkClick r:id="rId3" tooltip="Internet anonymity"/>
-              </a:rPr>
-              <a:t>anonymous communication</a:t>
-            </a:r>
-            <a:r>
-              <a:rPr lang="en-US" dirty="0"/>
-              <a:t>. The name is derived from an acronym for the original software project name "The Onion Router".</a:t>
-            </a:r>
-            <a:r>
-              <a:rPr lang="en-US" baseline="30000" dirty="0"/>
-              <a:t> </a:t>
-            </a:r>
-            <a:r>
-              <a:rPr lang="en-US" dirty="0"/>
-              <a:t> Tor directs Internet traffic through a free, worldwide, volunteer network consisting of more than seven thousand relays to conceal a user's location and usage from anyone conducting </a:t>
-            </a:r>
-            <a:r>
-              <a:rPr lang="en-US" dirty="0">
-                <a:hlinkClick r:id="rId4" tooltip="Computer surveillance"/>
-              </a:rPr>
-              <a:t>network surveillance</a:t>
-            </a:r>
-            <a:r>
-              <a:rPr lang="en-US" dirty="0"/>
-              <a:t> or </a:t>
-            </a:r>
-            <a:r>
-              <a:rPr lang="en-US" dirty="0">
-                <a:hlinkClick r:id="rId5" tooltip="Traffic analysis"/>
-              </a:rPr>
-              <a:t>traffic analysis</a:t>
-            </a:r>
-            <a:r>
-              <a:rPr lang="en-US" dirty="0"/>
-              <a:t>. Using Tor makes it more difficult for Internet activity to be traced back to the user: this includes "visits to Web sites, online posts, instant messages, and other communication forms". Tor's use is intended to protect the personal privacy of users, as well as their freedom and ability to conduct confidential communication by keeping their Internet activities from being monitored.</a:t>
-            </a:r>
-          </a:p>
-          <a:p>
-            <a:pPr lvl="1"/>
-            <a:endParaRPr lang="en-US" sz="2000" dirty="0"/>
-          </a:p>
-          <a:p>
-            <a:pPr lvl="1"/>
-            <a:r>
-              <a:rPr lang="en-US" sz="2000" dirty="0"/>
-              <a:t>Install tor:</a:t>
-            </a:r>
-          </a:p>
-          <a:p>
-            <a:pPr lvl="1"/>
-            <a:endParaRPr lang="fa-IR" sz="2000" dirty="0"/>
-          </a:p>
-          <a:p>
-            <a:pPr lvl="1"/>
+              <a:rPr lang="en-US" sz="2000" b="1" i="1" dirty="0">
+                <a:solidFill>
+                  <a:srgbClr val="0070C0"/>
+                </a:solidFill>
+                <a:latin typeface="Consolas" panose="020B0609020204030204" pitchFamily="49" charset="0"/>
+                <a:cs typeface="Consolas" panose="020B0609020204030204" pitchFamily="49" charset="0"/>
+              </a:rPr>
+              <a:t>while True:</a:t>
+            </a:r>
+          </a:p>
+          <a:p>
+            <a:pPr lvl="1"/>
+            <a:r>
+              <a:rPr lang="en-US" sz="2000" b="1" i="1" dirty="0">
+                <a:solidFill>
+                  <a:srgbClr val="0070C0"/>
+                </a:solidFill>
+                <a:latin typeface="Consolas" panose="020B0609020204030204" pitchFamily="49" charset="0"/>
+                <a:cs typeface="Consolas" panose="020B0609020204030204" pitchFamily="49" charset="0"/>
+              </a:rPr>
+              <a:t>    temp = </a:t>
+            </a:r>
             <a:r>
               <a:rPr lang="en-US" sz="2000" b="1" i="1" dirty="0" err="1">
                 <a:solidFill>
@@ -7548,7 +7838,7 @@
                 <a:latin typeface="Consolas" panose="020B0609020204030204" pitchFamily="49" charset="0"/>
                 <a:cs typeface="Consolas" panose="020B0609020204030204" pitchFamily="49" charset="0"/>
               </a:rPr>
-              <a:t>sudo</a:t>
+              <a:t>CpuTemp</a:t>
             </a:r>
             <a:r>
               <a:rPr lang="en-US" sz="2000" b="1" i="1" dirty="0">
@@ -7558,21 +7848,34 @@
                 <a:latin typeface="Consolas" panose="020B0609020204030204" pitchFamily="49" charset="0"/>
                 <a:cs typeface="Consolas" panose="020B0609020204030204" pitchFamily="49" charset="0"/>
               </a:rPr>
-              <a:t> apt-get install update</a:t>
-            </a:r>
-          </a:p>
-          <a:p>
-            <a:pPr lvl="1"/>
-            <a:endParaRPr lang="en-US" sz="2000" b="1" i="1" dirty="0">
-              <a:solidFill>
-                <a:srgbClr val="0070C0"/>
-              </a:solidFill>
-              <a:latin typeface="Consolas" panose="020B0609020204030204" pitchFamily="49" charset="0"/>
-              <a:cs typeface="Consolas" panose="020B0609020204030204" pitchFamily="49" charset="0"/>
-            </a:endParaRPr>
-          </a:p>
-          <a:p>
-            <a:pPr lvl="1"/>
+              <a:t>()</a:t>
+            </a:r>
+          </a:p>
+          <a:p>
+            <a:pPr lvl="1"/>
+            <a:r>
+              <a:rPr lang="en-US" sz="2000" b="1" i="1" dirty="0">
+                <a:solidFill>
+                  <a:srgbClr val="0070C0"/>
+                </a:solidFill>
+                <a:latin typeface="Consolas" panose="020B0609020204030204" pitchFamily="49" charset="0"/>
+                <a:cs typeface="Consolas" panose="020B0609020204030204" pitchFamily="49" charset="0"/>
+              </a:rPr>
+              <a:t>    print("CPU Temp(c) : {}".format(temp))</a:t>
+            </a:r>
+          </a:p>
+          <a:p>
+            <a:pPr lvl="1"/>
+            <a:r>
+              <a:rPr lang="en-US" sz="2000" b="1" i="1" dirty="0">
+                <a:solidFill>
+                  <a:srgbClr val="0070C0"/>
+                </a:solidFill>
+                <a:latin typeface="Consolas" panose="020B0609020204030204" pitchFamily="49" charset="0"/>
+                <a:cs typeface="Consolas" panose="020B0609020204030204" pitchFamily="49" charset="0"/>
+              </a:rPr>
+              <a:t>    if temp &gt; </a:t>
+            </a:r>
             <a:r>
               <a:rPr lang="en-US" sz="2000" b="1" i="1" dirty="0" err="1">
                 <a:solidFill>
@@ -7581,7 +7884,7 @@
                 <a:latin typeface="Consolas" panose="020B0609020204030204" pitchFamily="49" charset="0"/>
                 <a:cs typeface="Consolas" panose="020B0609020204030204" pitchFamily="49" charset="0"/>
               </a:rPr>
-              <a:t>sudo</a:t>
+              <a:t>MaxTemp</a:t>
             </a:r>
             <a:r>
               <a:rPr lang="en-US" sz="2000" b="1" i="1" dirty="0">
@@ -7591,35 +7894,107 @@
                 <a:latin typeface="Consolas" panose="020B0609020204030204" pitchFamily="49" charset="0"/>
                 <a:cs typeface="Consolas" panose="020B0609020204030204" pitchFamily="49" charset="0"/>
               </a:rPr>
-              <a:t> apt-get install tor</a:t>
-            </a:r>
-          </a:p>
-          <a:p>
-            <a:pPr lvl="1"/>
-            <a:endParaRPr lang="en-US" sz="2000" b="1" i="1" dirty="0">
-              <a:solidFill>
-                <a:srgbClr val="0070C0"/>
-              </a:solidFill>
-              <a:latin typeface="Consolas" panose="020B0609020204030204" pitchFamily="49" charset="0"/>
-              <a:cs typeface="Consolas" panose="020B0609020204030204" pitchFamily="49" charset="0"/>
-            </a:endParaRPr>
-          </a:p>
-          <a:p>
-            <a:pPr lvl="1"/>
-            <a:endParaRPr lang="en-US" sz="2000" b="1" i="1" dirty="0">
-              <a:solidFill>
-                <a:srgbClr val="0070C0"/>
-              </a:solidFill>
-              <a:latin typeface="Consolas" panose="020B0609020204030204" pitchFamily="49" charset="0"/>
-              <a:cs typeface="Consolas" panose="020B0609020204030204" pitchFamily="49" charset="0"/>
-            </a:endParaRPr>
+              <a:t>:</a:t>
+            </a:r>
+          </a:p>
+          <a:p>
+            <a:pPr lvl="1"/>
+            <a:r>
+              <a:rPr lang="en-US" sz="2000" b="1" i="1" dirty="0">
+                <a:solidFill>
+                  <a:srgbClr val="0070C0"/>
+                </a:solidFill>
+                <a:latin typeface="Consolas" panose="020B0609020204030204" pitchFamily="49" charset="0"/>
+                <a:cs typeface="Consolas" panose="020B0609020204030204" pitchFamily="49" charset="0"/>
+              </a:rPr>
+              <a:t>        print("CPU TOO Hot!")</a:t>
+            </a:r>
+          </a:p>
+          <a:p>
+            <a:pPr lvl="1"/>
+            <a:r>
+              <a:rPr lang="en-US" sz="2000" b="1" i="1" dirty="0">
+                <a:solidFill>
+                  <a:srgbClr val="0070C0"/>
+                </a:solidFill>
+                <a:latin typeface="Consolas" panose="020B0609020204030204" pitchFamily="49" charset="0"/>
+                <a:cs typeface="Consolas" panose="020B0609020204030204" pitchFamily="49" charset="0"/>
+              </a:rPr>
+              <a:t>        </a:t>
+            </a:r>
+            <a:r>
+              <a:rPr lang="en-US" sz="2000" b="1" i="1" dirty="0" err="1">
+                <a:solidFill>
+                  <a:srgbClr val="0070C0"/>
+                </a:solidFill>
+                <a:latin typeface="Consolas" panose="020B0609020204030204" pitchFamily="49" charset="0"/>
+                <a:cs typeface="Consolas" panose="020B0609020204030204" pitchFamily="49" charset="0"/>
+              </a:rPr>
+              <a:t>SendNotification</a:t>
+            </a:r>
+            <a:r>
+              <a:rPr lang="en-US" sz="2000" b="1" i="1" dirty="0">
+                <a:solidFill>
+                  <a:srgbClr val="0070C0"/>
+                </a:solidFill>
+                <a:latin typeface="Consolas" panose="020B0609020204030204" pitchFamily="49" charset="0"/>
+                <a:cs typeface="Consolas" panose="020B0609020204030204" pitchFamily="49" charset="0"/>
+              </a:rPr>
+              <a:t>(temp)</a:t>
+            </a:r>
+          </a:p>
+          <a:p>
+            <a:pPr lvl="1"/>
+            <a:r>
+              <a:rPr lang="en-US" sz="2000" b="1" i="1" dirty="0">
+                <a:solidFill>
+                  <a:srgbClr val="0070C0"/>
+                </a:solidFill>
+                <a:latin typeface="Consolas" panose="020B0609020204030204" pitchFamily="49" charset="0"/>
+                <a:cs typeface="Consolas" panose="020B0609020204030204" pitchFamily="49" charset="0"/>
+              </a:rPr>
+              <a:t>        print("No more notification for : 5")</a:t>
+            </a:r>
+          </a:p>
+          <a:p>
+            <a:pPr lvl="1"/>
+            <a:r>
+              <a:rPr lang="en-US" sz="2000" b="1" i="1" dirty="0">
+                <a:solidFill>
+                  <a:srgbClr val="0070C0"/>
+                </a:solidFill>
+                <a:latin typeface="Consolas" panose="020B0609020204030204" pitchFamily="49" charset="0"/>
+                <a:cs typeface="Consolas" panose="020B0609020204030204" pitchFamily="49" charset="0"/>
+              </a:rPr>
+              <a:t>        </a:t>
+            </a:r>
+            <a:r>
+              <a:rPr lang="en-US" sz="2000" b="1" i="1" dirty="0" err="1">
+                <a:solidFill>
+                  <a:srgbClr val="0070C0"/>
+                </a:solidFill>
+                <a:latin typeface="Consolas" panose="020B0609020204030204" pitchFamily="49" charset="0"/>
+                <a:cs typeface="Consolas" panose="020B0609020204030204" pitchFamily="49" charset="0"/>
+              </a:rPr>
+              <a:t>time.sleep</a:t>
+            </a:r>
+            <a:r>
+              <a:rPr lang="en-US" sz="2000" b="1" i="1" dirty="0">
+                <a:solidFill>
+                  <a:srgbClr val="0070C0"/>
+                </a:solidFill>
+                <a:latin typeface="Consolas" panose="020B0609020204030204" pitchFamily="49" charset="0"/>
+                <a:cs typeface="Consolas" panose="020B0609020204030204" pitchFamily="49" charset="0"/>
+              </a:rPr>
+              <a:t>(5)</a:t>
+            </a:r>
           </a:p>
         </p:txBody>
       </p:sp>
     </p:spTree>
     <p:extLst>
       <p:ext uri="{BB962C8B-B14F-4D97-AF65-F5344CB8AC3E}">
-        <p14:creationId xmlns:p14="http://schemas.microsoft.com/office/powerpoint/2010/main" val="3539928351"/>
+        <p14:creationId xmlns:p14="http://schemas.microsoft.com/office/powerpoint/2010/main" val="3431775083"/>
       </p:ext>
     </p:extLst>
   </p:cSld>
@@ -7632,6 +8007,11 @@
 <file path=ppt/slides/slide21.xml><?xml version="1.0" encoding="utf-8"?>
 <p:sld xmlns:a="http://schemas.openxmlformats.org/drawingml/2006/main" xmlns:r="http://schemas.openxmlformats.org/officeDocument/2006/relationships" xmlns:p="http://schemas.openxmlformats.org/presentationml/2006/main">
   <p:cSld>
+    <p:bg>
+      <p:bgRef idx="1001">
+        <a:schemeClr val="bg1"/>
+      </p:bgRef>
+    </p:bg>
     <p:spTree>
       <p:nvGrpSpPr>
         <p:cNvPr id="1" name=""/>
@@ -7783,7 +8163,7 @@
           <a:p>
             <a:r>
               <a:rPr lang="en-US" dirty="0"/>
-              <a:t>EmailIfttt.py Project</a:t>
+              <a:t>Sending Email and Other Notifications with IFTTT </a:t>
             </a:r>
           </a:p>
         </p:txBody>
@@ -7835,8 +8215,8 @@
         </p:nvSpPr>
         <p:spPr>
           <a:xfrm>
-            <a:off x="-1" y="745199"/>
-            <a:ext cx="12192001" cy="6247864"/>
+            <a:off x="417443" y="745199"/>
+            <a:ext cx="11357113" cy="5016758"/>
           </a:xfrm>
           <a:prstGeom prst="rect">
             <a:avLst/>
@@ -7852,15 +8232,19 @@
             <a:pPr lvl="1"/>
             <a:r>
               <a:rPr lang="en-US" sz="2000" dirty="0"/>
-              <a:t>The Python program to send the web request:</a:t>
-            </a:r>
-          </a:p>
-          <a:p>
-            <a:pPr lvl="1"/>
-            <a:endParaRPr lang="fa-IR" sz="2000" dirty="0"/>
-          </a:p>
-          <a:p>
-            <a:pPr lvl="1"/>
+              <a:t>Before running the program, you will need to get an access key for the Maker Action channel by selecting Channels (at the top of the IFTTT web page), and then searching for Maker. Connect to the channel, and then you will see your key displayed near the bottom of the web page </a:t>
+            </a:r>
+          </a:p>
+          <a:p>
+            <a:pPr lvl="1"/>
+            <a:endParaRPr lang="en-US" sz="2000" dirty="0"/>
+          </a:p>
+          <a:p>
+            <a:pPr lvl="1"/>
+            <a:r>
+              <a:rPr lang="en-US" sz="2000" dirty="0"/>
+              <a:t>Paste the key into previous program on the line that starts </a:t>
+            </a:r>
             <a:r>
               <a:rPr lang="en-US" sz="2000" b="1" i="1" dirty="0">
                 <a:solidFill>
@@ -7869,18 +8253,15 @@
                 <a:latin typeface="Consolas" panose="020B0609020204030204" pitchFamily="49" charset="0"/>
                 <a:cs typeface="Consolas" panose="020B0609020204030204" pitchFamily="49" charset="0"/>
               </a:rPr>
-              <a:t>import </a:t>
-            </a:r>
-            <a:r>
-              <a:rPr lang="en-US" sz="2000" b="1" i="1" dirty="0" err="1">
-                <a:solidFill>
-                  <a:srgbClr val="0070C0"/>
-                </a:solidFill>
-                <a:latin typeface="Consolas" panose="020B0609020204030204" pitchFamily="49" charset="0"/>
-                <a:cs typeface="Consolas" panose="020B0609020204030204" pitchFamily="49" charset="0"/>
-              </a:rPr>
-              <a:t>time,os</a:t>
-            </a:r>
+              <a:t>KEY=</a:t>
+            </a:r>
+            <a:r>
+              <a:rPr lang="en-US" sz="2000" dirty="0"/>
+              <a:t> and then run the program using:</a:t>
+            </a:r>
+          </a:p>
+          <a:p>
+            <a:pPr lvl="1"/>
             <a:endParaRPr lang="en-US" sz="2000" b="1" i="1" dirty="0">
               <a:solidFill>
                 <a:srgbClr val="0070C0"/>
@@ -7891,6 +8272,39 @@
           </a:p>
           <a:p>
             <a:pPr lvl="1"/>
+            <a:r>
+              <a:rPr lang="en-US" sz="2000" b="1" i="1" dirty="0">
+                <a:solidFill>
+                  <a:srgbClr val="0070C0"/>
+                </a:solidFill>
+                <a:latin typeface="Consolas" panose="020B0609020204030204" pitchFamily="49" charset="0"/>
+                <a:cs typeface="Consolas" panose="020B0609020204030204" pitchFamily="49" charset="0"/>
+              </a:rPr>
+              <a:t>$ </a:t>
+            </a:r>
+            <a:r>
+              <a:rPr lang="en-US" sz="2000" b="1" i="1" dirty="0" err="1">
+                <a:solidFill>
+                  <a:srgbClr val="0070C0"/>
+                </a:solidFill>
+                <a:latin typeface="Consolas" panose="020B0609020204030204" pitchFamily="49" charset="0"/>
+                <a:cs typeface="Consolas" panose="020B0609020204030204" pitchFamily="49" charset="0"/>
+              </a:rPr>
+              <a:t>sudo</a:t>
+            </a:r>
+            <a:r>
+              <a:rPr lang="en-US" sz="2000" b="1" i="1" dirty="0">
+                <a:solidFill>
+                  <a:srgbClr val="0070C0"/>
+                </a:solidFill>
+                <a:latin typeface="Consolas" panose="020B0609020204030204" pitchFamily="49" charset="0"/>
+                <a:cs typeface="Consolas" panose="020B0609020204030204" pitchFamily="49" charset="0"/>
+              </a:rPr>
+              <a:t> python ifttt_cpu_temp.py</a:t>
+            </a:r>
+          </a:p>
+          <a:p>
+            <a:pPr lvl="1"/>
             <a:endParaRPr lang="en-US" sz="2000" b="1" i="1" dirty="0">
               <a:solidFill>
                 <a:srgbClr val="0070C0"/>
@@ -7902,6 +8316,10 @@
           <a:p>
             <a:pPr lvl="1"/>
             <a:r>
+              <a:rPr lang="en-US" sz="2000" dirty="0"/>
+              <a:t>Most of the action for this program takes place in the </a:t>
+            </a:r>
+            <a:r>
               <a:rPr lang="en-US" sz="2000" b="1" i="1" dirty="0" err="1">
                 <a:solidFill>
                   <a:srgbClr val="0070C0"/>
@@ -7909,7 +8327,11 @@
                 <a:latin typeface="Consolas" panose="020B0609020204030204" pitchFamily="49" charset="0"/>
                 <a:cs typeface="Consolas" panose="020B0609020204030204" pitchFamily="49" charset="0"/>
               </a:rPr>
-              <a:t>MaxTemp</a:t>
+              <a:t>send_notification</a:t>
+            </a:r>
+            <a:r>
+              <a:rPr lang="en-US" sz="2000" dirty="0"/>
+              <a:t> email. This first constructs a URL including the key and request parameter </a:t>
             </a:r>
             <a:r>
               <a:rPr lang="en-US" sz="2000" b="1" i="1" dirty="0">
@@ -7919,20 +8341,11 @@
                 <a:latin typeface="Consolas" panose="020B0609020204030204" pitchFamily="49" charset="0"/>
                 <a:cs typeface="Consolas" panose="020B0609020204030204" pitchFamily="49" charset="0"/>
               </a:rPr>
-              <a:t> = 37.0</a:t>
-            </a:r>
-          </a:p>
-          <a:p>
-            <a:pPr lvl="1"/>
-            <a:r>
-              <a:rPr lang="en-US" sz="2000" b="1" i="1" dirty="0" err="1">
-                <a:solidFill>
-                  <a:srgbClr val="0070C0"/>
-                </a:solidFill>
-                <a:latin typeface="Consolas" panose="020B0609020204030204" pitchFamily="49" charset="0"/>
-                <a:cs typeface="Consolas" panose="020B0609020204030204" pitchFamily="49" charset="0"/>
-              </a:rPr>
-              <a:t>EventName</a:t>
+              <a:t>value1</a:t>
+            </a:r>
+            <a:r>
+              <a:rPr lang="en-US" sz="2000" dirty="0"/>
+              <a:t> (containing the temperature) and then uses the Python </a:t>
             </a:r>
             <a:r>
               <a:rPr lang="en-US" sz="2000" b="1" i="1" dirty="0">
@@ -7942,17 +8355,22 @@
                 <a:latin typeface="Consolas" panose="020B0609020204030204" pitchFamily="49" charset="0"/>
                 <a:cs typeface="Consolas" panose="020B0609020204030204" pitchFamily="49" charset="0"/>
               </a:rPr>
-              <a:t> = '</a:t>
-            </a:r>
-            <a:r>
-              <a:rPr lang="en-US" sz="2000" b="1" i="1" dirty="0" err="1">
-                <a:solidFill>
-                  <a:srgbClr val="0070C0"/>
-                </a:solidFill>
-                <a:latin typeface="Consolas" panose="020B0609020204030204" pitchFamily="49" charset="0"/>
-                <a:cs typeface="Consolas" panose="020B0609020204030204" pitchFamily="49" charset="0"/>
-              </a:rPr>
-              <a:t>cpu_hot</a:t>
+              <a:t>urllib2</a:t>
+            </a:r>
+            <a:r>
+              <a:rPr lang="en-US" sz="2000" dirty="0"/>
+              <a:t> to send the web request to IFTTT. </a:t>
+            </a:r>
+          </a:p>
+          <a:p>
+            <a:pPr lvl="1"/>
+            <a:endParaRPr lang="en-US" sz="2000" dirty="0"/>
+          </a:p>
+          <a:p>
+            <a:pPr lvl="1"/>
+            <a:r>
+              <a:rPr lang="en-US" sz="2000" dirty="0"/>
+              <a:t>The main loop continually checks the temperature against the </a:t>
             </a:r>
             <a:r>
               <a:rPr lang="en-US" sz="2000" b="1" i="1" dirty="0">
@@ -7962,20 +8380,11 @@
                 <a:latin typeface="Consolas" panose="020B0609020204030204" pitchFamily="49" charset="0"/>
                 <a:cs typeface="Consolas" panose="020B0609020204030204" pitchFamily="49" charset="0"/>
               </a:rPr>
-              <a:t>'</a:t>
-            </a:r>
-          </a:p>
-          <a:p>
-            <a:pPr lvl="1"/>
-            <a:r>
-              <a:rPr lang="en-US" sz="2000" b="1" i="1" dirty="0" err="1">
-                <a:solidFill>
-                  <a:srgbClr val="0070C0"/>
-                </a:solidFill>
-                <a:latin typeface="Consolas" panose="020B0609020204030204" pitchFamily="49" charset="0"/>
-                <a:cs typeface="Consolas" panose="020B0609020204030204" pitchFamily="49" charset="0"/>
-              </a:rPr>
-              <a:t>BaseUrl</a:t>
+              <a:t>MAX_TEMP,</a:t>
+            </a:r>
+            <a:r>
+              <a:rPr lang="en-US" sz="2000" dirty="0"/>
+              <a:t> and if the CPU temperature exceeds </a:t>
             </a:r>
             <a:r>
               <a:rPr lang="en-US" sz="2000" b="1" i="1" dirty="0">
@@ -7985,11 +8394,12 @@
                 <a:latin typeface="Consolas" panose="020B0609020204030204" pitchFamily="49" charset="0"/>
                 <a:cs typeface="Consolas" panose="020B0609020204030204" pitchFamily="49" charset="0"/>
               </a:rPr>
-              <a:t> = 'https://maker.ifttt.com/trigger/{}/with/key/{}'</a:t>
-            </a:r>
-          </a:p>
-          <a:p>
-            <a:pPr lvl="1"/>
+              <a:t>MAX_TEMP</a:t>
+            </a:r>
+            <a:r>
+              <a:rPr lang="en-US" sz="2000" dirty="0"/>
+              <a:t>, the web request is sent and a long sleep is started as specified by </a:t>
+            </a:r>
             <a:r>
               <a:rPr lang="en-US" sz="2000" b="1" i="1" dirty="0">
                 <a:solidFill>
@@ -7998,7 +8408,11 @@
                 <a:latin typeface="Consolas" panose="020B0609020204030204" pitchFamily="49" charset="0"/>
                 <a:cs typeface="Consolas" panose="020B0609020204030204" pitchFamily="49" charset="0"/>
               </a:rPr>
-              <a:t>Key = 'cxotxZpzCKtUnd3m7tkIk4'</a:t>
+              <a:t>MIN_T_BETWEEN_WARNINGS</a:t>
+            </a:r>
+            <a:r>
+              <a:rPr lang="en-US" sz="2000" dirty="0"/>
+              <a:t> to prevent your inbox from being flooded with notifications.</a:t>
             </a:r>
           </a:p>
           <a:p>
@@ -8011,517 +8425,17 @@
               <a:cs typeface="Consolas" panose="020B0609020204030204" pitchFamily="49" charset="0"/>
             </a:endParaRPr>
           </a:p>
-          <a:p>
-            <a:pPr lvl="1"/>
-            <a:r>
-              <a:rPr lang="en-US" sz="2000" b="1" i="1" dirty="0">
-                <a:solidFill>
-                  <a:srgbClr val="0070C0"/>
-                </a:solidFill>
-                <a:latin typeface="Consolas" panose="020B0609020204030204" pitchFamily="49" charset="0"/>
-                <a:cs typeface="Consolas" panose="020B0609020204030204" pitchFamily="49" charset="0"/>
-              </a:rPr>
-              <a:t>def </a:t>
-            </a:r>
-            <a:r>
-              <a:rPr lang="en-US" sz="2000" b="1" i="1" dirty="0" err="1">
-                <a:solidFill>
-                  <a:srgbClr val="0070C0"/>
-                </a:solidFill>
-                <a:latin typeface="Consolas" panose="020B0609020204030204" pitchFamily="49" charset="0"/>
-                <a:cs typeface="Consolas" panose="020B0609020204030204" pitchFamily="49" charset="0"/>
-              </a:rPr>
-              <a:t>SendNotification</a:t>
-            </a:r>
-            <a:r>
-              <a:rPr lang="en-US" sz="2000" b="1" i="1" dirty="0">
-                <a:solidFill>
-                  <a:srgbClr val="0070C0"/>
-                </a:solidFill>
-                <a:latin typeface="Consolas" panose="020B0609020204030204" pitchFamily="49" charset="0"/>
-                <a:cs typeface="Consolas" panose="020B0609020204030204" pitchFamily="49" charset="0"/>
-              </a:rPr>
-              <a:t>(temp):</a:t>
-            </a:r>
-          </a:p>
-          <a:p>
-            <a:pPr lvl="1"/>
-            <a:r>
-              <a:rPr lang="en-US" sz="2000" b="1" i="1" dirty="0">
-                <a:solidFill>
-                  <a:srgbClr val="0070C0"/>
-                </a:solidFill>
-                <a:latin typeface="Consolas" panose="020B0609020204030204" pitchFamily="49" charset="0"/>
-                <a:cs typeface="Consolas" panose="020B0609020204030204" pitchFamily="49" charset="0"/>
-              </a:rPr>
-              <a:t>    </a:t>
-            </a:r>
-            <a:r>
-              <a:rPr lang="en-US" sz="2000" b="1" i="1" dirty="0" err="1">
-                <a:solidFill>
-                  <a:srgbClr val="0070C0"/>
-                </a:solidFill>
-                <a:latin typeface="Consolas" panose="020B0609020204030204" pitchFamily="49" charset="0"/>
-                <a:cs typeface="Consolas" panose="020B0609020204030204" pitchFamily="49" charset="0"/>
-              </a:rPr>
-              <a:t>json</a:t>
-            </a:r>
-            <a:r>
-              <a:rPr lang="en-US" sz="2000" b="1" i="1" dirty="0">
-                <a:solidFill>
-                  <a:srgbClr val="0070C0"/>
-                </a:solidFill>
-                <a:latin typeface="Consolas" panose="020B0609020204030204" pitchFamily="49" charset="0"/>
-                <a:cs typeface="Consolas" panose="020B0609020204030204" pitchFamily="49" charset="0"/>
-              </a:rPr>
-              <a:t> = "'" + '{"value1" : "' + </a:t>
-            </a:r>
-            <a:r>
-              <a:rPr lang="en-US" sz="2000" b="1" i="1" dirty="0" err="1">
-                <a:solidFill>
-                  <a:srgbClr val="0070C0"/>
-                </a:solidFill>
-                <a:latin typeface="Consolas" panose="020B0609020204030204" pitchFamily="49" charset="0"/>
-                <a:cs typeface="Consolas" panose="020B0609020204030204" pitchFamily="49" charset="0"/>
-              </a:rPr>
-              <a:t>str</a:t>
-            </a:r>
-            <a:r>
-              <a:rPr lang="en-US" sz="2000" b="1" i="1" dirty="0">
-                <a:solidFill>
-                  <a:srgbClr val="0070C0"/>
-                </a:solidFill>
-                <a:latin typeface="Consolas" panose="020B0609020204030204" pitchFamily="49" charset="0"/>
-                <a:cs typeface="Consolas" panose="020B0609020204030204" pitchFamily="49" charset="0"/>
-              </a:rPr>
-              <a:t>(temp) + '"}' + "'"</a:t>
-            </a:r>
-          </a:p>
-          <a:p>
-            <a:pPr lvl="1"/>
-            <a:r>
-              <a:rPr lang="en-US" sz="2000" b="1" i="1" dirty="0">
-                <a:solidFill>
-                  <a:srgbClr val="0070C0"/>
-                </a:solidFill>
-                <a:latin typeface="Consolas" panose="020B0609020204030204" pitchFamily="49" charset="0"/>
-                <a:cs typeface="Consolas" panose="020B0609020204030204" pitchFamily="49" charset="0"/>
-              </a:rPr>
-              <a:t>    </a:t>
-            </a:r>
-            <a:r>
-              <a:rPr lang="en-US" sz="2000" b="1" i="1" dirty="0" err="1">
-                <a:solidFill>
-                  <a:srgbClr val="0070C0"/>
-                </a:solidFill>
-                <a:latin typeface="Consolas" panose="020B0609020204030204" pitchFamily="49" charset="0"/>
-                <a:cs typeface="Consolas" panose="020B0609020204030204" pitchFamily="49" charset="0"/>
-              </a:rPr>
-              <a:t>completeUrl</a:t>
-            </a:r>
-            <a:r>
-              <a:rPr lang="en-US" sz="2000" b="1" i="1" dirty="0">
-                <a:solidFill>
-                  <a:srgbClr val="0070C0"/>
-                </a:solidFill>
-                <a:latin typeface="Consolas" panose="020B0609020204030204" pitchFamily="49" charset="0"/>
-                <a:cs typeface="Consolas" panose="020B0609020204030204" pitchFamily="49" charset="0"/>
-              </a:rPr>
-              <a:t> = </a:t>
-            </a:r>
-            <a:r>
-              <a:rPr lang="en-US" sz="2000" b="1" i="1" dirty="0" err="1">
-                <a:solidFill>
-                  <a:srgbClr val="0070C0"/>
-                </a:solidFill>
-                <a:latin typeface="Consolas" panose="020B0609020204030204" pitchFamily="49" charset="0"/>
-                <a:cs typeface="Consolas" panose="020B0609020204030204" pitchFamily="49" charset="0"/>
-              </a:rPr>
-              <a:t>BaseUrl.format</a:t>
-            </a:r>
-            <a:r>
-              <a:rPr lang="en-US" sz="2000" b="1" i="1" dirty="0">
-                <a:solidFill>
-                  <a:srgbClr val="0070C0"/>
-                </a:solidFill>
-                <a:latin typeface="Consolas" panose="020B0609020204030204" pitchFamily="49" charset="0"/>
-                <a:cs typeface="Consolas" panose="020B0609020204030204" pitchFamily="49" charset="0"/>
-              </a:rPr>
-              <a:t>(</a:t>
-            </a:r>
-            <a:r>
-              <a:rPr lang="en-US" sz="2000" b="1" i="1" dirty="0" err="1">
-                <a:solidFill>
-                  <a:srgbClr val="0070C0"/>
-                </a:solidFill>
-                <a:latin typeface="Consolas" panose="020B0609020204030204" pitchFamily="49" charset="0"/>
-                <a:cs typeface="Consolas" panose="020B0609020204030204" pitchFamily="49" charset="0"/>
-              </a:rPr>
-              <a:t>EventName</a:t>
-            </a:r>
-            <a:r>
-              <a:rPr lang="en-US" sz="2000" b="1" i="1" dirty="0">
-                <a:solidFill>
-                  <a:srgbClr val="0070C0"/>
-                </a:solidFill>
-                <a:latin typeface="Consolas" panose="020B0609020204030204" pitchFamily="49" charset="0"/>
-                <a:cs typeface="Consolas" panose="020B0609020204030204" pitchFamily="49" charset="0"/>
-              </a:rPr>
-              <a:t>, Key)</a:t>
-            </a:r>
-          </a:p>
-          <a:p>
-            <a:pPr lvl="1"/>
-            <a:r>
-              <a:rPr lang="en-US" sz="2000" b="1" i="1" dirty="0">
-                <a:solidFill>
-                  <a:srgbClr val="0070C0"/>
-                </a:solidFill>
-                <a:latin typeface="Consolas" panose="020B0609020204030204" pitchFamily="49" charset="0"/>
-                <a:cs typeface="Consolas" panose="020B0609020204030204" pitchFamily="49" charset="0"/>
-              </a:rPr>
-              <a:t>    </a:t>
-            </a:r>
-            <a:r>
-              <a:rPr lang="en-US" sz="2000" b="1" i="1" dirty="0" err="1">
-                <a:solidFill>
-                  <a:srgbClr val="0070C0"/>
-                </a:solidFill>
-                <a:latin typeface="Consolas" panose="020B0609020204030204" pitchFamily="49" charset="0"/>
-                <a:cs typeface="Consolas" panose="020B0609020204030204" pitchFamily="49" charset="0"/>
-              </a:rPr>
-              <a:t>cmd</a:t>
-            </a:r>
-            <a:r>
-              <a:rPr lang="en-US" sz="2000" b="1" i="1" dirty="0">
-                <a:solidFill>
-                  <a:srgbClr val="0070C0"/>
-                </a:solidFill>
-                <a:latin typeface="Consolas" panose="020B0609020204030204" pitchFamily="49" charset="0"/>
-                <a:cs typeface="Consolas" panose="020B0609020204030204" pitchFamily="49" charset="0"/>
-              </a:rPr>
-              <a:t> = 'curl --socks5-hostname localhost:9050 -H "Content-Type: 			 </a:t>
-            </a:r>
-          </a:p>
-          <a:p>
-            <a:pPr lvl="1"/>
-            <a:r>
-              <a:rPr lang="en-US" sz="2000" b="1" i="1" dirty="0">
-                <a:solidFill>
-                  <a:srgbClr val="0070C0"/>
-                </a:solidFill>
-                <a:latin typeface="Consolas" panose="020B0609020204030204" pitchFamily="49" charset="0"/>
-                <a:cs typeface="Consolas" panose="020B0609020204030204" pitchFamily="49" charset="0"/>
-              </a:rPr>
-              <a:t>           application/</a:t>
-            </a:r>
-            <a:r>
-              <a:rPr lang="en-US" sz="2000" b="1" i="1" dirty="0" err="1">
-                <a:solidFill>
-                  <a:srgbClr val="0070C0"/>
-                </a:solidFill>
-                <a:latin typeface="Consolas" panose="020B0609020204030204" pitchFamily="49" charset="0"/>
-                <a:cs typeface="Consolas" panose="020B0609020204030204" pitchFamily="49" charset="0"/>
-              </a:rPr>
-              <a:t>json</a:t>
-            </a:r>
-            <a:r>
-              <a:rPr lang="en-US" sz="2000" b="1" i="1" dirty="0">
-                <a:solidFill>
-                  <a:srgbClr val="0070C0"/>
-                </a:solidFill>
-                <a:latin typeface="Consolas" panose="020B0609020204030204" pitchFamily="49" charset="0"/>
-                <a:cs typeface="Consolas" panose="020B0609020204030204" pitchFamily="49" charset="0"/>
-              </a:rPr>
-              <a:t>" -X POST -d {} {}'.format(</a:t>
-            </a:r>
-            <a:r>
-              <a:rPr lang="en-US" sz="2000" b="1" i="1" dirty="0" err="1">
-                <a:solidFill>
-                  <a:srgbClr val="0070C0"/>
-                </a:solidFill>
-                <a:latin typeface="Consolas" panose="020B0609020204030204" pitchFamily="49" charset="0"/>
-                <a:cs typeface="Consolas" panose="020B0609020204030204" pitchFamily="49" charset="0"/>
-              </a:rPr>
-              <a:t>json</a:t>
-            </a:r>
-            <a:r>
-              <a:rPr lang="en-US" sz="2000" b="1" i="1" dirty="0">
-                <a:solidFill>
-                  <a:srgbClr val="0070C0"/>
-                </a:solidFill>
-                <a:latin typeface="Consolas" panose="020B0609020204030204" pitchFamily="49" charset="0"/>
-                <a:cs typeface="Consolas" panose="020B0609020204030204" pitchFamily="49" charset="0"/>
-              </a:rPr>
-              <a:t>, </a:t>
-            </a:r>
-            <a:r>
-              <a:rPr lang="en-US" sz="2000" b="1" i="1" dirty="0" err="1">
-                <a:solidFill>
-                  <a:srgbClr val="0070C0"/>
-                </a:solidFill>
-                <a:latin typeface="Consolas" panose="020B0609020204030204" pitchFamily="49" charset="0"/>
-                <a:cs typeface="Consolas" panose="020B0609020204030204" pitchFamily="49" charset="0"/>
-              </a:rPr>
-              <a:t>completeUrl</a:t>
-            </a:r>
-            <a:r>
-              <a:rPr lang="en-US" sz="2000" b="1" i="1" dirty="0">
-                <a:solidFill>
-                  <a:srgbClr val="0070C0"/>
-                </a:solidFill>
-                <a:latin typeface="Consolas" panose="020B0609020204030204" pitchFamily="49" charset="0"/>
-                <a:cs typeface="Consolas" panose="020B0609020204030204" pitchFamily="49" charset="0"/>
-              </a:rPr>
-              <a:t>)</a:t>
-            </a:r>
-          </a:p>
-          <a:p>
-            <a:pPr lvl="1"/>
-            <a:r>
-              <a:rPr lang="en-US" sz="2000" b="1" i="1" dirty="0">
-                <a:solidFill>
-                  <a:srgbClr val="0070C0"/>
-                </a:solidFill>
-                <a:latin typeface="Consolas" panose="020B0609020204030204" pitchFamily="49" charset="0"/>
-                <a:cs typeface="Consolas" panose="020B0609020204030204" pitchFamily="49" charset="0"/>
-              </a:rPr>
-              <a:t>    </a:t>
-            </a:r>
-            <a:r>
-              <a:rPr lang="en-US" sz="2000" b="1" i="1" dirty="0" err="1">
-                <a:solidFill>
-                  <a:srgbClr val="0070C0"/>
-                </a:solidFill>
-                <a:latin typeface="Consolas" panose="020B0609020204030204" pitchFamily="49" charset="0"/>
-                <a:cs typeface="Consolas" panose="020B0609020204030204" pitchFamily="49" charset="0"/>
-              </a:rPr>
-              <a:t>os.popen</a:t>
-            </a:r>
-            <a:r>
-              <a:rPr lang="en-US" sz="2000" b="1" i="1" dirty="0">
-                <a:solidFill>
-                  <a:srgbClr val="0070C0"/>
-                </a:solidFill>
-                <a:latin typeface="Consolas" panose="020B0609020204030204" pitchFamily="49" charset="0"/>
-                <a:cs typeface="Consolas" panose="020B0609020204030204" pitchFamily="49" charset="0"/>
-              </a:rPr>
-              <a:t>(</a:t>
-            </a:r>
-            <a:r>
-              <a:rPr lang="en-US" sz="2000" b="1" i="1" dirty="0" err="1">
-                <a:solidFill>
-                  <a:srgbClr val="0070C0"/>
-                </a:solidFill>
-                <a:latin typeface="Consolas" panose="020B0609020204030204" pitchFamily="49" charset="0"/>
-                <a:cs typeface="Consolas" panose="020B0609020204030204" pitchFamily="49" charset="0"/>
-              </a:rPr>
-              <a:t>cmd</a:t>
-            </a:r>
-            <a:r>
-              <a:rPr lang="en-US" sz="2000" b="1" i="1" dirty="0">
-                <a:solidFill>
-                  <a:srgbClr val="0070C0"/>
-                </a:solidFill>
-                <a:latin typeface="Consolas" panose="020B0609020204030204" pitchFamily="49" charset="0"/>
-                <a:cs typeface="Consolas" panose="020B0609020204030204" pitchFamily="49" charset="0"/>
-              </a:rPr>
-              <a:t>)</a:t>
-            </a:r>
-          </a:p>
-          <a:p>
-            <a:pPr lvl="1"/>
-            <a:endParaRPr lang="en-US" sz="2000" b="1" i="1" dirty="0">
-              <a:solidFill>
-                <a:srgbClr val="0070C0"/>
-              </a:solidFill>
-              <a:latin typeface="Consolas" panose="020B0609020204030204" pitchFamily="49" charset="0"/>
-              <a:cs typeface="Consolas" panose="020B0609020204030204" pitchFamily="49" charset="0"/>
-            </a:endParaRPr>
-          </a:p>
-          <a:p>
-            <a:pPr lvl="1"/>
-            <a:r>
-              <a:rPr lang="en-US" sz="2000" b="1" i="1" dirty="0">
-                <a:solidFill>
-                  <a:srgbClr val="0070C0"/>
-                </a:solidFill>
-                <a:latin typeface="Consolas" panose="020B0609020204030204" pitchFamily="49" charset="0"/>
-                <a:cs typeface="Consolas" panose="020B0609020204030204" pitchFamily="49" charset="0"/>
-              </a:rPr>
-              <a:t>def </a:t>
-            </a:r>
-            <a:r>
-              <a:rPr lang="en-US" sz="2000" b="1" i="1" dirty="0" err="1">
-                <a:solidFill>
-                  <a:srgbClr val="0070C0"/>
-                </a:solidFill>
-                <a:latin typeface="Consolas" panose="020B0609020204030204" pitchFamily="49" charset="0"/>
-                <a:cs typeface="Consolas" panose="020B0609020204030204" pitchFamily="49" charset="0"/>
-              </a:rPr>
-              <a:t>CpuTemp</a:t>
-            </a:r>
-            <a:r>
-              <a:rPr lang="en-US" sz="2000" b="1" i="1" dirty="0">
-                <a:solidFill>
-                  <a:srgbClr val="0070C0"/>
-                </a:solidFill>
-                <a:latin typeface="Consolas" panose="020B0609020204030204" pitchFamily="49" charset="0"/>
-                <a:cs typeface="Consolas" panose="020B0609020204030204" pitchFamily="49" charset="0"/>
-              </a:rPr>
-              <a:t>():</a:t>
-            </a:r>
-          </a:p>
-          <a:p>
-            <a:pPr lvl="1"/>
-            <a:r>
-              <a:rPr lang="en-US" sz="2000" b="1" i="1" dirty="0">
-                <a:solidFill>
-                  <a:srgbClr val="0070C0"/>
-                </a:solidFill>
-                <a:latin typeface="Consolas" panose="020B0609020204030204" pitchFamily="49" charset="0"/>
-                <a:cs typeface="Consolas" panose="020B0609020204030204" pitchFamily="49" charset="0"/>
-              </a:rPr>
-              <a:t>    dev = </a:t>
-            </a:r>
-            <a:r>
-              <a:rPr lang="en-US" sz="2000" b="1" i="1" dirty="0" err="1">
-                <a:solidFill>
-                  <a:srgbClr val="0070C0"/>
-                </a:solidFill>
-                <a:latin typeface="Consolas" panose="020B0609020204030204" pitchFamily="49" charset="0"/>
-                <a:cs typeface="Consolas" panose="020B0609020204030204" pitchFamily="49" charset="0"/>
-              </a:rPr>
-              <a:t>os.popen</a:t>
-            </a:r>
-            <a:r>
-              <a:rPr lang="en-US" sz="2000" b="1" i="1" dirty="0">
-                <a:solidFill>
-                  <a:srgbClr val="0070C0"/>
-                </a:solidFill>
-                <a:latin typeface="Consolas" panose="020B0609020204030204" pitchFamily="49" charset="0"/>
-                <a:cs typeface="Consolas" panose="020B0609020204030204" pitchFamily="49" charset="0"/>
-              </a:rPr>
-              <a:t>('/opt/</a:t>
-            </a:r>
-            <a:r>
-              <a:rPr lang="en-US" sz="2000" b="1" i="1" dirty="0" err="1">
-                <a:solidFill>
-                  <a:srgbClr val="0070C0"/>
-                </a:solidFill>
-                <a:latin typeface="Consolas" panose="020B0609020204030204" pitchFamily="49" charset="0"/>
-                <a:cs typeface="Consolas" panose="020B0609020204030204" pitchFamily="49" charset="0"/>
-              </a:rPr>
-              <a:t>vc</a:t>
-            </a:r>
-            <a:r>
-              <a:rPr lang="en-US" sz="2000" b="1" i="1" dirty="0">
-                <a:solidFill>
-                  <a:srgbClr val="0070C0"/>
-                </a:solidFill>
-                <a:latin typeface="Consolas" panose="020B0609020204030204" pitchFamily="49" charset="0"/>
-                <a:cs typeface="Consolas" panose="020B0609020204030204" pitchFamily="49" charset="0"/>
-              </a:rPr>
-              <a:t>/bin/</a:t>
-            </a:r>
-            <a:r>
-              <a:rPr lang="en-US" sz="2000" b="1" i="1" dirty="0" err="1">
-                <a:solidFill>
-                  <a:srgbClr val="0070C0"/>
-                </a:solidFill>
-                <a:latin typeface="Consolas" panose="020B0609020204030204" pitchFamily="49" charset="0"/>
-                <a:cs typeface="Consolas" panose="020B0609020204030204" pitchFamily="49" charset="0"/>
-              </a:rPr>
-              <a:t>vcgencmd</a:t>
-            </a:r>
-            <a:r>
-              <a:rPr lang="en-US" sz="2000" b="1" i="1" dirty="0">
-                <a:solidFill>
-                  <a:srgbClr val="0070C0"/>
-                </a:solidFill>
-                <a:latin typeface="Consolas" panose="020B0609020204030204" pitchFamily="49" charset="0"/>
-                <a:cs typeface="Consolas" panose="020B0609020204030204" pitchFamily="49" charset="0"/>
-              </a:rPr>
-              <a:t> </a:t>
-            </a:r>
-            <a:r>
-              <a:rPr lang="en-US" sz="2000" b="1" i="1" dirty="0" err="1">
-                <a:solidFill>
-                  <a:srgbClr val="0070C0"/>
-                </a:solidFill>
-                <a:latin typeface="Consolas" panose="020B0609020204030204" pitchFamily="49" charset="0"/>
-                <a:cs typeface="Consolas" panose="020B0609020204030204" pitchFamily="49" charset="0"/>
-              </a:rPr>
-              <a:t>measure_temp</a:t>
-            </a:r>
-            <a:r>
-              <a:rPr lang="en-US" sz="2000" b="1" i="1" dirty="0">
-                <a:solidFill>
-                  <a:srgbClr val="0070C0"/>
-                </a:solidFill>
-                <a:latin typeface="Consolas" panose="020B0609020204030204" pitchFamily="49" charset="0"/>
-                <a:cs typeface="Consolas" panose="020B0609020204030204" pitchFamily="49" charset="0"/>
-              </a:rPr>
-              <a:t>')</a:t>
-            </a:r>
-          </a:p>
-          <a:p>
-            <a:pPr lvl="1"/>
-            <a:r>
-              <a:rPr lang="en-US" sz="2000" b="1" i="1" dirty="0">
-                <a:solidFill>
-                  <a:srgbClr val="0070C0"/>
-                </a:solidFill>
-                <a:latin typeface="Consolas" panose="020B0609020204030204" pitchFamily="49" charset="0"/>
-                <a:cs typeface="Consolas" panose="020B0609020204030204" pitchFamily="49" charset="0"/>
-              </a:rPr>
-              <a:t>    temp = </a:t>
-            </a:r>
-            <a:r>
-              <a:rPr lang="en-US" sz="2000" b="1" i="1" dirty="0" err="1">
-                <a:solidFill>
-                  <a:srgbClr val="0070C0"/>
-                </a:solidFill>
-                <a:latin typeface="Consolas" panose="020B0609020204030204" pitchFamily="49" charset="0"/>
-                <a:cs typeface="Consolas" panose="020B0609020204030204" pitchFamily="49" charset="0"/>
-              </a:rPr>
-              <a:t>dev.read</a:t>
-            </a:r>
-            <a:r>
-              <a:rPr lang="en-US" sz="2000" b="1" i="1" dirty="0">
-                <a:solidFill>
-                  <a:srgbClr val="0070C0"/>
-                </a:solidFill>
-                <a:latin typeface="Consolas" panose="020B0609020204030204" pitchFamily="49" charset="0"/>
-                <a:cs typeface="Consolas" panose="020B0609020204030204" pitchFamily="49" charset="0"/>
-              </a:rPr>
-              <a:t>()[5:-3]</a:t>
-            </a:r>
-          </a:p>
-          <a:p>
-            <a:pPr lvl="1"/>
-            <a:r>
-              <a:rPr lang="en-US" sz="2000" b="1" i="1" dirty="0">
-                <a:solidFill>
-                  <a:srgbClr val="0070C0"/>
-                </a:solidFill>
-                <a:latin typeface="Consolas" panose="020B0609020204030204" pitchFamily="49" charset="0"/>
-                <a:cs typeface="Consolas" panose="020B0609020204030204" pitchFamily="49" charset="0"/>
-              </a:rPr>
-              <a:t>    return float(temp)</a:t>
-            </a:r>
-          </a:p>
         </p:txBody>
       </p:sp>
     </p:spTree>
     <p:extLst>
       <p:ext uri="{BB962C8B-B14F-4D97-AF65-F5344CB8AC3E}">
-        <p14:creationId xmlns:p14="http://schemas.microsoft.com/office/powerpoint/2010/main" val="4217753849"/>
+        <p14:creationId xmlns:p14="http://schemas.microsoft.com/office/powerpoint/2010/main" val="630465665"/>
       </p:ext>
     </p:extLst>
   </p:cSld>
   <p:clrMapOvr>
-    <a:masterClrMapping/>
+    <a:overrideClrMapping bg1="lt1" tx1="dk1" bg2="lt2" tx2="dk2" accent1="accent1" accent2="accent2" accent3="accent3" accent4="accent4" accent5="accent5" accent6="accent6" hlink="hlink" folHlink="folHlink"/>
   </p:clrMapOvr>
 </p:sld>
 </file>
@@ -8680,7 +8594,15 @@
           <a:p>
             <a:r>
               <a:rPr lang="en-US" dirty="0"/>
-              <a:t>EmailIfttt.py Project</a:t>
+              <a:t>Sending Sensor Data to </a:t>
+            </a:r>
+            <a:r>
+              <a:rPr lang="en-US" dirty="0" err="1"/>
+              <a:t>ThingSpeak</a:t>
+            </a:r>
+            <a:r>
+              <a:rPr lang="en-US" dirty="0"/>
+              <a:t> </a:t>
             </a:r>
           </a:p>
         </p:txBody>
@@ -8733,7 +8655,7 @@
         <p:spPr>
           <a:xfrm>
             <a:off x="417443" y="745199"/>
-            <a:ext cx="11357113" cy="2554545"/>
+            <a:ext cx="11357113" cy="1938992"/>
           </a:xfrm>
           <a:prstGeom prst="rect">
             <a:avLst/>
@@ -8748,193 +8670,81 @@
           <a:p>
             <a:pPr lvl="1"/>
             <a:r>
-              <a:rPr lang="en-US" sz="2000" b="1" i="1" dirty="0">
-                <a:solidFill>
-                  <a:srgbClr val="0070C0"/>
-                </a:solidFill>
-                <a:latin typeface="Consolas" panose="020B0609020204030204" pitchFamily="49" charset="0"/>
-                <a:cs typeface="Consolas" panose="020B0609020204030204" pitchFamily="49" charset="0"/>
-              </a:rPr>
-              <a:t>while True:</a:t>
-            </a:r>
-          </a:p>
-          <a:p>
-            <a:pPr lvl="1"/>
-            <a:r>
-              <a:rPr lang="en-US" sz="2000" b="1" i="1" dirty="0">
-                <a:solidFill>
-                  <a:srgbClr val="0070C0"/>
-                </a:solidFill>
-                <a:latin typeface="Consolas" panose="020B0609020204030204" pitchFamily="49" charset="0"/>
-                <a:cs typeface="Consolas" panose="020B0609020204030204" pitchFamily="49" charset="0"/>
-              </a:rPr>
-              <a:t>    temp = </a:t>
-            </a:r>
-            <a:r>
-              <a:rPr lang="en-US" sz="2000" b="1" i="1" dirty="0" err="1">
-                <a:solidFill>
-                  <a:srgbClr val="0070C0"/>
-                </a:solidFill>
-                <a:latin typeface="Consolas" panose="020B0609020204030204" pitchFamily="49" charset="0"/>
-                <a:cs typeface="Consolas" panose="020B0609020204030204" pitchFamily="49" charset="0"/>
-              </a:rPr>
-              <a:t>CpuTemp</a:t>
-            </a:r>
-            <a:r>
-              <a:rPr lang="en-US" sz="2000" b="1" i="1" dirty="0">
-                <a:solidFill>
-                  <a:srgbClr val="0070C0"/>
-                </a:solidFill>
-                <a:latin typeface="Consolas" panose="020B0609020204030204" pitchFamily="49" charset="0"/>
-                <a:cs typeface="Consolas" panose="020B0609020204030204" pitchFamily="49" charset="0"/>
-              </a:rPr>
-              <a:t>()</a:t>
-            </a:r>
-          </a:p>
-          <a:p>
-            <a:pPr lvl="1"/>
-            <a:r>
-              <a:rPr lang="en-US" sz="2000" b="1" i="1" dirty="0">
-                <a:solidFill>
-                  <a:srgbClr val="0070C0"/>
-                </a:solidFill>
-                <a:latin typeface="Consolas" panose="020B0609020204030204" pitchFamily="49" charset="0"/>
-                <a:cs typeface="Consolas" panose="020B0609020204030204" pitchFamily="49" charset="0"/>
-              </a:rPr>
-              <a:t>    print("CPU Temp(c) : {}".format(temp))</a:t>
-            </a:r>
-          </a:p>
-          <a:p>
-            <a:pPr lvl="1"/>
-            <a:r>
-              <a:rPr lang="en-US" sz="2000" b="1" i="1" dirty="0">
-                <a:solidFill>
-                  <a:srgbClr val="0070C0"/>
-                </a:solidFill>
-                <a:latin typeface="Consolas" panose="020B0609020204030204" pitchFamily="49" charset="0"/>
-                <a:cs typeface="Consolas" panose="020B0609020204030204" pitchFamily="49" charset="0"/>
-              </a:rPr>
-              <a:t>    if temp &gt; </a:t>
-            </a:r>
-            <a:r>
-              <a:rPr lang="en-US" sz="2000" b="1" i="1" dirty="0" err="1">
-                <a:solidFill>
-                  <a:srgbClr val="0070C0"/>
-                </a:solidFill>
-                <a:latin typeface="Consolas" panose="020B0609020204030204" pitchFamily="49" charset="0"/>
-                <a:cs typeface="Consolas" panose="020B0609020204030204" pitchFamily="49" charset="0"/>
-              </a:rPr>
-              <a:t>MaxTemp</a:t>
-            </a:r>
-            <a:r>
-              <a:rPr lang="en-US" sz="2000" b="1" i="1" dirty="0">
-                <a:solidFill>
-                  <a:srgbClr val="0070C0"/>
-                </a:solidFill>
-                <a:latin typeface="Consolas" panose="020B0609020204030204" pitchFamily="49" charset="0"/>
-                <a:cs typeface="Consolas" panose="020B0609020204030204" pitchFamily="49" charset="0"/>
-              </a:rPr>
-              <a:t>:</a:t>
-            </a:r>
-          </a:p>
-          <a:p>
-            <a:pPr lvl="1"/>
-            <a:r>
-              <a:rPr lang="en-US" sz="2000" b="1" i="1" dirty="0">
-                <a:solidFill>
-                  <a:srgbClr val="0070C0"/>
-                </a:solidFill>
-                <a:latin typeface="Consolas" panose="020B0609020204030204" pitchFamily="49" charset="0"/>
-                <a:cs typeface="Consolas" panose="020B0609020204030204" pitchFamily="49" charset="0"/>
-              </a:rPr>
-              <a:t>        print("CPU TOO Hot!")</a:t>
-            </a:r>
-          </a:p>
-          <a:p>
-            <a:pPr lvl="1"/>
-            <a:r>
-              <a:rPr lang="en-US" sz="2000" b="1" i="1" dirty="0">
-                <a:solidFill>
-                  <a:srgbClr val="0070C0"/>
-                </a:solidFill>
-                <a:latin typeface="Consolas" panose="020B0609020204030204" pitchFamily="49" charset="0"/>
-                <a:cs typeface="Consolas" panose="020B0609020204030204" pitchFamily="49" charset="0"/>
-              </a:rPr>
-              <a:t>        </a:t>
-            </a:r>
-            <a:r>
-              <a:rPr lang="en-US" sz="2000" b="1" i="1" dirty="0" err="1">
-                <a:solidFill>
-                  <a:srgbClr val="0070C0"/>
-                </a:solidFill>
-                <a:latin typeface="Consolas" panose="020B0609020204030204" pitchFamily="49" charset="0"/>
-                <a:cs typeface="Consolas" panose="020B0609020204030204" pitchFamily="49" charset="0"/>
-              </a:rPr>
-              <a:t>SendNotification</a:t>
-            </a:r>
-            <a:r>
-              <a:rPr lang="en-US" sz="2000" b="1" i="1" dirty="0">
-                <a:solidFill>
-                  <a:srgbClr val="0070C0"/>
-                </a:solidFill>
-                <a:latin typeface="Consolas" panose="020B0609020204030204" pitchFamily="49" charset="0"/>
-                <a:cs typeface="Consolas" panose="020B0609020204030204" pitchFamily="49" charset="0"/>
-              </a:rPr>
-              <a:t>(temp)</a:t>
-            </a:r>
-          </a:p>
-          <a:p>
-            <a:pPr lvl="1"/>
-            <a:r>
-              <a:rPr lang="en-US" sz="2000" b="1" i="1" dirty="0">
-                <a:solidFill>
-                  <a:srgbClr val="0070C0"/>
-                </a:solidFill>
-                <a:latin typeface="Consolas" panose="020B0609020204030204" pitchFamily="49" charset="0"/>
-                <a:cs typeface="Consolas" panose="020B0609020204030204" pitchFamily="49" charset="0"/>
-              </a:rPr>
-              <a:t>        print("No more notification for : 5")</a:t>
-            </a:r>
-          </a:p>
-          <a:p>
-            <a:pPr lvl="1"/>
-            <a:r>
-              <a:rPr lang="en-US" sz="2000" b="1" i="1" dirty="0">
-                <a:solidFill>
-                  <a:srgbClr val="0070C0"/>
-                </a:solidFill>
-                <a:latin typeface="Consolas" panose="020B0609020204030204" pitchFamily="49" charset="0"/>
-                <a:cs typeface="Consolas" panose="020B0609020204030204" pitchFamily="49" charset="0"/>
-              </a:rPr>
-              <a:t>        </a:t>
-            </a:r>
-            <a:r>
-              <a:rPr lang="en-US" sz="2000" b="1" i="1" dirty="0" err="1">
-                <a:solidFill>
-                  <a:srgbClr val="0070C0"/>
-                </a:solidFill>
-                <a:latin typeface="Consolas" panose="020B0609020204030204" pitchFamily="49" charset="0"/>
-                <a:cs typeface="Consolas" panose="020B0609020204030204" pitchFamily="49" charset="0"/>
-              </a:rPr>
-              <a:t>time.sleep</a:t>
-            </a:r>
-            <a:r>
-              <a:rPr lang="en-US" sz="2000" b="1" i="1" dirty="0">
-                <a:solidFill>
-                  <a:srgbClr val="0070C0"/>
-                </a:solidFill>
-                <a:latin typeface="Consolas" panose="020B0609020204030204" pitchFamily="49" charset="0"/>
-                <a:cs typeface="Consolas" panose="020B0609020204030204" pitchFamily="49" charset="0"/>
-              </a:rPr>
-              <a:t>(5)</a:t>
-            </a:r>
+              <a:rPr lang="en-US" sz="2000" dirty="0"/>
+              <a:t>You want to log sensor data to </a:t>
+            </a:r>
+            <a:r>
+              <a:rPr lang="en-US" sz="2000" dirty="0" err="1"/>
+              <a:t>ThingSpeak</a:t>
+            </a:r>
+            <a:r>
+              <a:rPr lang="en-US" sz="2000" dirty="0"/>
+              <a:t>. </a:t>
+            </a:r>
+          </a:p>
+          <a:p>
+            <a:pPr lvl="1"/>
+            <a:endParaRPr lang="en-US" sz="2000" b="1" i="1" dirty="0">
+              <a:solidFill>
+                <a:srgbClr val="0070C0"/>
+              </a:solidFill>
+              <a:latin typeface="Consolas" panose="020B0609020204030204" pitchFamily="49" charset="0"/>
+              <a:cs typeface="Consolas" panose="020B0609020204030204" pitchFamily="49" charset="0"/>
+            </a:endParaRPr>
+          </a:p>
+          <a:p>
+            <a:pPr lvl="1"/>
+            <a:r>
+              <a:rPr lang="en-US" sz="2000" dirty="0"/>
+              <a:t>Log into </a:t>
+            </a:r>
+            <a:r>
+              <a:rPr lang="en-US" sz="2000" dirty="0" err="1"/>
+              <a:t>ThingSpeak</a:t>
+            </a:r>
+            <a:r>
+              <a:rPr lang="en-US" sz="2000" dirty="0"/>
+              <a:t>, and from the Channels drop-down, select My Channels. Now create a new channel by completing the top of the form as shown in following Figure</a:t>
+            </a:r>
+          </a:p>
+          <a:p>
+            <a:pPr lvl="1"/>
+            <a:endParaRPr lang="en-US" sz="2000" dirty="0"/>
+          </a:p>
+          <a:p>
+            <a:pPr lvl="1"/>
+            <a:endParaRPr lang="en-US" sz="2000" dirty="0"/>
           </a:p>
         </p:txBody>
       </p:sp>
+      <p:pic>
+        <p:nvPicPr>
+          <p:cNvPr id="2" name="Picture 1"/>
+          <p:cNvPicPr>
+            <a:picLocks noChangeAspect="1"/>
+          </p:cNvPicPr>
+          <p:nvPr/>
+        </p:nvPicPr>
+        <p:blipFill>
+          <a:blip r:embed="rId2"/>
+          <a:stretch>
+            <a:fillRect/>
+          </a:stretch>
+        </p:blipFill>
+        <p:spPr>
+          <a:xfrm>
+            <a:off x="1170988" y="2131889"/>
+            <a:ext cx="9886218" cy="4605119"/>
+          </a:xfrm>
+          <a:prstGeom prst="rect">
+            <a:avLst/>
+          </a:prstGeom>
+        </p:spPr>
+      </p:pic>
     </p:spTree>
     <p:extLst>
       <p:ext uri="{BB962C8B-B14F-4D97-AF65-F5344CB8AC3E}">
-        <p14:creationId xmlns:p14="http://schemas.microsoft.com/office/powerpoint/2010/main" val="3431775083"/>
+        <p14:creationId xmlns:p14="http://schemas.microsoft.com/office/powerpoint/2010/main" val="2026775965"/>
       </p:ext>
     </p:extLst>
   </p:cSld>
@@ -8947,11 +8757,6 @@
 <file path=ppt/slides/slide23.xml><?xml version="1.0" encoding="utf-8"?>
 <p:sld xmlns:a="http://schemas.openxmlformats.org/drawingml/2006/main" xmlns:r="http://schemas.openxmlformats.org/officeDocument/2006/relationships" xmlns:p="http://schemas.openxmlformats.org/presentationml/2006/main">
   <p:cSld>
-    <p:bg>
-      <p:bgRef idx="1001">
-        <a:schemeClr val="bg1"/>
-      </p:bgRef>
-    </p:bg>
     <p:spTree>
       <p:nvGrpSpPr>
         <p:cNvPr id="1" name=""/>
@@ -9103,7 +8908,15 @@
           <a:p>
             <a:r>
               <a:rPr lang="en-US" dirty="0"/>
-              <a:t>Sending Email and Other Notifications with IFTTT </a:t>
+              <a:t>Sending Sensor Data to </a:t>
+            </a:r>
+            <a:r>
+              <a:rPr lang="en-US" dirty="0" err="1"/>
+              <a:t>ThingSpeak</a:t>
+            </a:r>
+            <a:r>
+              <a:rPr lang="en-US" dirty="0"/>
+              <a:t> </a:t>
             </a:r>
           </a:p>
         </p:txBody>
@@ -9156,7 +8969,7 @@
         <p:spPr>
           <a:xfrm>
             <a:off x="417443" y="745199"/>
-            <a:ext cx="11357113" cy="5016758"/>
+            <a:ext cx="11357113" cy="1015663"/>
           </a:xfrm>
           <a:prstGeom prst="rect">
             <a:avLst/>
@@ -9172,210 +8985,44 @@
             <a:pPr lvl="1"/>
             <a:r>
               <a:rPr lang="en-US" sz="2000" dirty="0"/>
-              <a:t>Before running the program, you will need to get an access key for the Maker Action channel by selecting Channels (at the top of the IFTTT web page), and then searching for Maker. Connect to the channel, and then you will see your key displayed near the bottom of the web page </a:t>
-            </a:r>
-          </a:p>
-          <a:p>
-            <a:pPr lvl="1"/>
-            <a:endParaRPr lang="en-US" sz="2000" dirty="0"/>
-          </a:p>
-          <a:p>
-            <a:pPr lvl="1"/>
-            <a:r>
-              <a:rPr lang="en-US" sz="2000" dirty="0"/>
-              <a:t>Paste the key into previous program on the line that starts </a:t>
-            </a:r>
-            <a:r>
-              <a:rPr lang="en-US" sz="2000" b="1" i="1" dirty="0">
-                <a:solidFill>
-                  <a:srgbClr val="0070C0"/>
-                </a:solidFill>
-                <a:latin typeface="Consolas" panose="020B0609020204030204" pitchFamily="49" charset="0"/>
-                <a:cs typeface="Consolas" panose="020B0609020204030204" pitchFamily="49" charset="0"/>
-              </a:rPr>
-              <a:t>KEY=</a:t>
-            </a:r>
-            <a:r>
-              <a:rPr lang="en-US" sz="2000" dirty="0"/>
-              <a:t> and then run the program using:</a:t>
-            </a:r>
-          </a:p>
-          <a:p>
-            <a:pPr lvl="1"/>
-            <a:endParaRPr lang="en-US" sz="2000" b="1" i="1" dirty="0">
-              <a:solidFill>
-                <a:srgbClr val="0070C0"/>
-              </a:solidFill>
-              <a:latin typeface="Consolas" panose="020B0609020204030204" pitchFamily="49" charset="0"/>
-              <a:cs typeface="Consolas" panose="020B0609020204030204" pitchFamily="49" charset="0"/>
-            </a:endParaRPr>
-          </a:p>
-          <a:p>
-            <a:pPr lvl="1"/>
-            <a:r>
-              <a:rPr lang="en-US" sz="2000" b="1" i="1" dirty="0">
-                <a:solidFill>
-                  <a:srgbClr val="0070C0"/>
-                </a:solidFill>
-                <a:latin typeface="Consolas" panose="020B0609020204030204" pitchFamily="49" charset="0"/>
-                <a:cs typeface="Consolas" panose="020B0609020204030204" pitchFamily="49" charset="0"/>
-              </a:rPr>
-              <a:t>$ </a:t>
-            </a:r>
-            <a:r>
-              <a:rPr lang="en-US" sz="2000" b="1" i="1" dirty="0" err="1">
-                <a:solidFill>
-                  <a:srgbClr val="0070C0"/>
-                </a:solidFill>
-                <a:latin typeface="Consolas" panose="020B0609020204030204" pitchFamily="49" charset="0"/>
-                <a:cs typeface="Consolas" panose="020B0609020204030204" pitchFamily="49" charset="0"/>
-              </a:rPr>
-              <a:t>sudo</a:t>
-            </a:r>
-            <a:r>
-              <a:rPr lang="en-US" sz="2000" b="1" i="1" dirty="0">
-                <a:solidFill>
-                  <a:srgbClr val="0070C0"/>
-                </a:solidFill>
-                <a:latin typeface="Consolas" panose="020B0609020204030204" pitchFamily="49" charset="0"/>
-                <a:cs typeface="Consolas" panose="020B0609020204030204" pitchFamily="49" charset="0"/>
-              </a:rPr>
-              <a:t> python ifttt_cpu_temp.py</a:t>
-            </a:r>
-          </a:p>
-          <a:p>
-            <a:pPr lvl="1"/>
-            <a:endParaRPr lang="en-US" sz="2000" b="1" i="1" dirty="0">
-              <a:solidFill>
-                <a:srgbClr val="0070C0"/>
-              </a:solidFill>
-              <a:latin typeface="Consolas" panose="020B0609020204030204" pitchFamily="49" charset="0"/>
-              <a:cs typeface="Consolas" panose="020B0609020204030204" pitchFamily="49" charset="0"/>
-            </a:endParaRPr>
-          </a:p>
-          <a:p>
-            <a:pPr lvl="1"/>
-            <a:r>
-              <a:rPr lang="en-US" sz="2000" dirty="0"/>
-              <a:t>Most of the action for this program takes place in the </a:t>
-            </a:r>
-            <a:r>
-              <a:rPr lang="en-US" sz="2000" b="1" i="1" dirty="0" err="1">
-                <a:solidFill>
-                  <a:srgbClr val="0070C0"/>
-                </a:solidFill>
-                <a:latin typeface="Consolas" panose="020B0609020204030204" pitchFamily="49" charset="0"/>
-                <a:cs typeface="Consolas" panose="020B0609020204030204" pitchFamily="49" charset="0"/>
-              </a:rPr>
-              <a:t>send_notification</a:t>
-            </a:r>
-            <a:r>
-              <a:rPr lang="en-US" sz="2000" dirty="0"/>
-              <a:t> email. This first constructs a URL including the key and request parameter </a:t>
-            </a:r>
-            <a:r>
-              <a:rPr lang="en-US" sz="2000" b="1" i="1" dirty="0">
-                <a:solidFill>
-                  <a:srgbClr val="0070C0"/>
-                </a:solidFill>
-                <a:latin typeface="Consolas" panose="020B0609020204030204" pitchFamily="49" charset="0"/>
-                <a:cs typeface="Consolas" panose="020B0609020204030204" pitchFamily="49" charset="0"/>
-              </a:rPr>
-              <a:t>value1</a:t>
-            </a:r>
-            <a:r>
-              <a:rPr lang="en-US" sz="2000" dirty="0"/>
-              <a:t> (containing the temperature) and then uses the Python </a:t>
-            </a:r>
-            <a:r>
-              <a:rPr lang="en-US" sz="2000" b="1" i="1" dirty="0">
-                <a:solidFill>
-                  <a:srgbClr val="0070C0"/>
-                </a:solidFill>
-                <a:latin typeface="Consolas" panose="020B0609020204030204" pitchFamily="49" charset="0"/>
-                <a:cs typeface="Consolas" panose="020B0609020204030204" pitchFamily="49" charset="0"/>
-              </a:rPr>
-              <a:t>urllib2</a:t>
-            </a:r>
-            <a:r>
-              <a:rPr lang="en-US" sz="2000" dirty="0"/>
-              <a:t> to send the web request to IFTTT. </a:t>
-            </a:r>
-          </a:p>
-          <a:p>
-            <a:pPr lvl="1"/>
-            <a:endParaRPr lang="en-US" sz="2000" dirty="0"/>
-          </a:p>
-          <a:p>
-            <a:pPr lvl="1"/>
-            <a:r>
-              <a:rPr lang="en-US" sz="2000" dirty="0"/>
-              <a:t>The main loop continually checks the temperature against the </a:t>
-            </a:r>
-            <a:r>
-              <a:rPr lang="en-US" sz="2000" b="1" i="1" dirty="0">
-                <a:solidFill>
-                  <a:srgbClr val="0070C0"/>
-                </a:solidFill>
-                <a:latin typeface="Consolas" panose="020B0609020204030204" pitchFamily="49" charset="0"/>
-                <a:cs typeface="Consolas" panose="020B0609020204030204" pitchFamily="49" charset="0"/>
-              </a:rPr>
-              <a:t>MAX_TEMP,</a:t>
-            </a:r>
-            <a:r>
-              <a:rPr lang="en-US" sz="2000" dirty="0"/>
-              <a:t> and if the CPU temperature exceeds </a:t>
-            </a:r>
-            <a:r>
-              <a:rPr lang="en-US" sz="2000" b="1" i="1" dirty="0">
-                <a:solidFill>
-                  <a:srgbClr val="0070C0"/>
-                </a:solidFill>
-                <a:latin typeface="Consolas" panose="020B0609020204030204" pitchFamily="49" charset="0"/>
-                <a:cs typeface="Consolas" panose="020B0609020204030204" pitchFamily="49" charset="0"/>
-              </a:rPr>
-              <a:t>MAX_TEMP</a:t>
-            </a:r>
-            <a:r>
-              <a:rPr lang="en-US" sz="2000" dirty="0"/>
-              <a:t>, the web request is sent and a long sleep is started as specified by </a:t>
-            </a:r>
-            <a:r>
-              <a:rPr lang="en-US" sz="2000" b="1" i="1" dirty="0">
-                <a:solidFill>
-                  <a:srgbClr val="0070C0"/>
-                </a:solidFill>
-                <a:latin typeface="Consolas" panose="020B0609020204030204" pitchFamily="49" charset="0"/>
-                <a:cs typeface="Consolas" panose="020B0609020204030204" pitchFamily="49" charset="0"/>
-              </a:rPr>
-              <a:t>MIN_T_BETWEEN_WARNINGS</a:t>
-            </a:r>
-            <a:r>
-              <a:rPr lang="en-US" sz="2000" dirty="0"/>
-              <a:t> to prevent your inbox from being flooded with notifications.</a:t>
-            </a:r>
-          </a:p>
-          <a:p>
-            <a:pPr lvl="1"/>
-            <a:endParaRPr lang="en-US" sz="2000" b="1" i="1" dirty="0">
-              <a:solidFill>
-                <a:srgbClr val="0070C0"/>
-              </a:solidFill>
-              <a:latin typeface="Consolas" panose="020B0609020204030204" pitchFamily="49" charset="0"/>
-              <a:cs typeface="Consolas" panose="020B0609020204030204" pitchFamily="49" charset="0"/>
-            </a:endParaRPr>
+              <a:t>The rest of the form can be left blank. When you have finished editing, click Save Channel at the bottom of the page. Click on the Data Import/Export tab to find a summary of the web requests that you can use, customized to the channel you just created </a:t>
+            </a:r>
           </a:p>
         </p:txBody>
       </p:sp>
+      <p:pic>
+        <p:nvPicPr>
+          <p:cNvPr id="3" name="Picture 2"/>
+          <p:cNvPicPr>
+            <a:picLocks noChangeAspect="1"/>
+          </p:cNvPicPr>
+          <p:nvPr/>
+        </p:nvPicPr>
+        <p:blipFill>
+          <a:blip r:embed="rId2"/>
+          <a:stretch>
+            <a:fillRect/>
+          </a:stretch>
+        </p:blipFill>
+        <p:spPr>
+          <a:xfrm>
+            <a:off x="2223829" y="1784844"/>
+            <a:ext cx="7744339" cy="5121112"/>
+          </a:xfrm>
+          <a:prstGeom prst="rect">
+            <a:avLst/>
+          </a:prstGeom>
+        </p:spPr>
+      </p:pic>
     </p:spTree>
     <p:extLst>
       <p:ext uri="{BB962C8B-B14F-4D97-AF65-F5344CB8AC3E}">
-        <p14:creationId xmlns:p14="http://schemas.microsoft.com/office/powerpoint/2010/main" val="630465665"/>
+        <p14:creationId xmlns:p14="http://schemas.microsoft.com/office/powerpoint/2010/main" val="1975480813"/>
       </p:ext>
     </p:extLst>
   </p:cSld>
   <p:clrMapOvr>
-    <a:overrideClrMapping bg1="lt1" tx1="dk1" bg2="lt2" tx2="dk2" accent1="accent1" accent2="accent2" accent3="accent3" accent4="accent4" accent5="accent5" accent6="accent6" hlink="hlink" folHlink="folHlink"/>
+    <a:masterClrMapping/>
   </p:clrMapOvr>
 </p:sld>
 </file>
@@ -9534,15 +9181,7 @@
           <a:p>
             <a:r>
               <a:rPr lang="en-US" dirty="0"/>
-              <a:t>Sending Sensor Data to </a:t>
-            </a:r>
-            <a:r>
-              <a:rPr lang="en-US" dirty="0" err="1"/>
-              <a:t>ThingSpeak</a:t>
-            </a:r>
-            <a:r>
-              <a:rPr lang="en-US" dirty="0"/>
-              <a:t> </a:t>
+              <a:t>ThingspeakData.py Project</a:t>
             </a:r>
           </a:p>
         </p:txBody>
@@ -9595,7 +9234,7 @@
         <p:spPr>
           <a:xfrm>
             <a:off x="417443" y="745199"/>
-            <a:ext cx="11357113" cy="1938992"/>
+            <a:ext cx="11357113" cy="5940088"/>
           </a:xfrm>
           <a:prstGeom prst="rect">
             <a:avLst/>
@@ -9611,15 +9250,64 @@
             <a:pPr lvl="1"/>
             <a:r>
               <a:rPr lang="en-US" sz="2000" dirty="0"/>
-              <a:t>You want to log sensor data to </a:t>
-            </a:r>
-            <a:r>
-              <a:rPr lang="en-US" sz="2000" dirty="0" err="1"/>
-              <a:t>ThingSpeak</a:t>
-            </a:r>
-            <a:r>
-              <a:rPr lang="en-US" sz="2000" dirty="0"/>
-              <a:t>. </a:t>
+              <a:t>To send data to the channel, a web request must be sent. The Python program:</a:t>
+            </a:r>
+          </a:p>
+          <a:p>
+            <a:pPr lvl="1"/>
+            <a:endParaRPr lang="en-US" sz="2000" dirty="0"/>
+          </a:p>
+          <a:p>
+            <a:pPr lvl="1"/>
+            <a:r>
+              <a:rPr lang="en-US" sz="2000" b="1" i="1" dirty="0">
+                <a:solidFill>
+                  <a:srgbClr val="0070C0"/>
+                </a:solidFill>
+                <a:latin typeface="Consolas" panose="020B0609020204030204" pitchFamily="49" charset="0"/>
+                <a:cs typeface="Consolas" panose="020B0609020204030204" pitchFamily="49" charset="0"/>
+              </a:rPr>
+              <a:t>import time, </a:t>
+            </a:r>
+            <a:r>
+              <a:rPr lang="en-US" sz="2000" b="1" i="1" dirty="0" err="1">
+                <a:solidFill>
+                  <a:srgbClr val="0070C0"/>
+                </a:solidFill>
+                <a:latin typeface="Consolas" panose="020B0609020204030204" pitchFamily="49" charset="0"/>
+                <a:cs typeface="Consolas" panose="020B0609020204030204" pitchFamily="49" charset="0"/>
+              </a:rPr>
+              <a:t>os</a:t>
+            </a:r>
+            <a:r>
+              <a:rPr lang="en-US" sz="2000" b="1" i="1" dirty="0">
+                <a:solidFill>
+                  <a:srgbClr val="0070C0"/>
+                </a:solidFill>
+                <a:latin typeface="Consolas" panose="020B0609020204030204" pitchFamily="49" charset="0"/>
+                <a:cs typeface="Consolas" panose="020B0609020204030204" pitchFamily="49" charset="0"/>
+              </a:rPr>
+              <a:t>, </a:t>
+            </a:r>
+            <a:r>
+              <a:rPr lang="en-US" sz="2000" b="1" i="1" dirty="0" err="1">
+                <a:solidFill>
+                  <a:srgbClr val="0070C0"/>
+                </a:solidFill>
+                <a:latin typeface="Consolas" panose="020B0609020204030204" pitchFamily="49" charset="0"/>
+                <a:cs typeface="Consolas" panose="020B0609020204030204" pitchFamily="49" charset="0"/>
+              </a:rPr>
+              <a:t>urllib</a:t>
+            </a:r>
+            <a:r>
+              <a:rPr lang="en-US" sz="2000" b="1" i="1" dirty="0">
+                <a:solidFill>
+                  <a:srgbClr val="0070C0"/>
+                </a:solidFill>
+                <a:latin typeface="Consolas" panose="020B0609020204030204" pitchFamily="49" charset="0"/>
+                <a:cs typeface="Consolas" panose="020B0609020204030204" pitchFamily="49" charset="0"/>
+              </a:rPr>
+              <a:t>, urllib2</a:t>
             </a:r>
           </a:p>
           <a:p>
@@ -9635,56 +9323,452 @@
           <a:p>
             <a:pPr lvl="1"/>
             <a:r>
-              <a:rPr lang="en-US" sz="2000" dirty="0"/>
-              <a:t>Log into </a:t>
-            </a:r>
-            <a:r>
-              <a:rPr lang="en-US" sz="2000" dirty="0" err="1"/>
-              <a:t>ThingSpeak</a:t>
-            </a:r>
-            <a:r>
-              <a:rPr lang="en-US" sz="2000" dirty="0"/>
-              <a:t>, and from the Channels drop-down, select My Channels. Now create a new channel by completing the top of the form as shown in following Figure</a:t>
-            </a:r>
-          </a:p>
-          <a:p>
-            <a:pPr lvl="1"/>
-            <a:endParaRPr lang="en-US" sz="2000" dirty="0"/>
-          </a:p>
-          <a:p>
-            <a:pPr lvl="1"/>
-            <a:endParaRPr lang="en-US" sz="2000" dirty="0"/>
+              <a:rPr lang="en-US" sz="2000" b="1" i="1" dirty="0">
+                <a:solidFill>
+                  <a:srgbClr val="0070C0"/>
+                </a:solidFill>
+                <a:latin typeface="Consolas" panose="020B0609020204030204" pitchFamily="49" charset="0"/>
+                <a:cs typeface="Consolas" panose="020B0609020204030204" pitchFamily="49" charset="0"/>
+              </a:rPr>
+              <a:t>DELAY = 15</a:t>
+            </a:r>
+          </a:p>
+          <a:p>
+            <a:pPr lvl="1"/>
+            <a:r>
+              <a:rPr lang="en-US" sz="2000" b="1" i="1" dirty="0">
+                <a:solidFill>
+                  <a:srgbClr val="0070C0"/>
+                </a:solidFill>
+                <a:latin typeface="Consolas" panose="020B0609020204030204" pitchFamily="49" charset="0"/>
+                <a:cs typeface="Consolas" panose="020B0609020204030204" pitchFamily="49" charset="0"/>
+              </a:rPr>
+              <a:t>BASEURL = 'https://api.thingspeak.com/</a:t>
+            </a:r>
+            <a:r>
+              <a:rPr lang="en-US" sz="2000" b="1" i="1" dirty="0" err="1">
+                <a:solidFill>
+                  <a:srgbClr val="0070C0"/>
+                </a:solidFill>
+                <a:latin typeface="Consolas" panose="020B0609020204030204" pitchFamily="49" charset="0"/>
+                <a:cs typeface="Consolas" panose="020B0609020204030204" pitchFamily="49" charset="0"/>
+              </a:rPr>
+              <a:t>update?api_key</a:t>
+            </a:r>
+            <a:r>
+              <a:rPr lang="en-US" sz="2000" b="1" i="1" dirty="0">
+                <a:solidFill>
+                  <a:srgbClr val="0070C0"/>
+                </a:solidFill>
+                <a:latin typeface="Consolas" panose="020B0609020204030204" pitchFamily="49" charset="0"/>
+                <a:cs typeface="Consolas" panose="020B0609020204030204" pitchFamily="49" charset="0"/>
+              </a:rPr>
+              <a:t>={}&amp;field1={}'</a:t>
+            </a:r>
+          </a:p>
+          <a:p>
+            <a:pPr lvl="1"/>
+            <a:r>
+              <a:rPr lang="en-US" sz="2000" b="1" i="1" dirty="0">
+                <a:solidFill>
+                  <a:srgbClr val="0070C0"/>
+                </a:solidFill>
+                <a:latin typeface="Consolas" panose="020B0609020204030204" pitchFamily="49" charset="0"/>
+                <a:cs typeface="Consolas" panose="020B0609020204030204" pitchFamily="49" charset="0"/>
+              </a:rPr>
+              <a:t>KEY = 'SNDA3NE8T2I3A5W1'</a:t>
+            </a:r>
+          </a:p>
+          <a:p>
+            <a:pPr lvl="1"/>
+            <a:endParaRPr lang="en-US" sz="2000" b="1" i="1" dirty="0">
+              <a:solidFill>
+                <a:srgbClr val="0070C0"/>
+              </a:solidFill>
+              <a:latin typeface="Consolas" panose="020B0609020204030204" pitchFamily="49" charset="0"/>
+              <a:cs typeface="Consolas" panose="020B0609020204030204" pitchFamily="49" charset="0"/>
+            </a:endParaRPr>
+          </a:p>
+          <a:p>
+            <a:pPr lvl="1"/>
+            <a:r>
+              <a:rPr lang="en-US" sz="2000" b="1" i="1" dirty="0">
+                <a:solidFill>
+                  <a:srgbClr val="0070C0"/>
+                </a:solidFill>
+                <a:latin typeface="Consolas" panose="020B0609020204030204" pitchFamily="49" charset="0"/>
+                <a:cs typeface="Consolas" panose="020B0609020204030204" pitchFamily="49" charset="0"/>
+              </a:rPr>
+              <a:t>def </a:t>
+            </a:r>
+            <a:r>
+              <a:rPr lang="en-US" sz="2000" b="1" i="1" dirty="0" err="1">
+                <a:solidFill>
+                  <a:srgbClr val="0070C0"/>
+                </a:solidFill>
+                <a:latin typeface="Consolas" panose="020B0609020204030204" pitchFamily="49" charset="0"/>
+                <a:cs typeface="Consolas" panose="020B0609020204030204" pitchFamily="49" charset="0"/>
+              </a:rPr>
+              <a:t>SendData</a:t>
+            </a:r>
+            <a:r>
+              <a:rPr lang="en-US" sz="2000" b="1" i="1" dirty="0">
+                <a:solidFill>
+                  <a:srgbClr val="0070C0"/>
+                </a:solidFill>
+                <a:latin typeface="Consolas" panose="020B0609020204030204" pitchFamily="49" charset="0"/>
+                <a:cs typeface="Consolas" panose="020B0609020204030204" pitchFamily="49" charset="0"/>
+              </a:rPr>
+              <a:t>(temp):</a:t>
+            </a:r>
+          </a:p>
+          <a:p>
+            <a:pPr lvl="1"/>
+            <a:r>
+              <a:rPr lang="en-US" sz="2000" b="1" i="1" dirty="0">
+                <a:solidFill>
+                  <a:srgbClr val="0070C0"/>
+                </a:solidFill>
+                <a:latin typeface="Consolas" panose="020B0609020204030204" pitchFamily="49" charset="0"/>
+                <a:cs typeface="Consolas" panose="020B0609020204030204" pitchFamily="49" charset="0"/>
+              </a:rPr>
+              <a:t>	</a:t>
+            </a:r>
+            <a:r>
+              <a:rPr lang="en-US" sz="2000" b="1" i="1" dirty="0" err="1">
+                <a:solidFill>
+                  <a:srgbClr val="0070C0"/>
+                </a:solidFill>
+                <a:latin typeface="Consolas" panose="020B0609020204030204" pitchFamily="49" charset="0"/>
+                <a:cs typeface="Consolas" panose="020B0609020204030204" pitchFamily="49" charset="0"/>
+              </a:rPr>
+              <a:t>completeUrl</a:t>
+            </a:r>
+            <a:r>
+              <a:rPr lang="en-US" sz="2000" b="1" i="1" dirty="0">
+                <a:solidFill>
+                  <a:srgbClr val="0070C0"/>
+                </a:solidFill>
+                <a:latin typeface="Consolas" panose="020B0609020204030204" pitchFamily="49" charset="0"/>
+                <a:cs typeface="Consolas" panose="020B0609020204030204" pitchFamily="49" charset="0"/>
+              </a:rPr>
+              <a:t> = </a:t>
+            </a:r>
+            <a:r>
+              <a:rPr lang="en-US" sz="2000" b="1" i="1" dirty="0" err="1">
+                <a:solidFill>
+                  <a:srgbClr val="0070C0"/>
+                </a:solidFill>
+                <a:latin typeface="Consolas" panose="020B0609020204030204" pitchFamily="49" charset="0"/>
+                <a:cs typeface="Consolas" panose="020B0609020204030204" pitchFamily="49" charset="0"/>
+              </a:rPr>
+              <a:t>BASEURL.format</a:t>
+            </a:r>
+            <a:r>
+              <a:rPr lang="en-US" sz="2000" b="1" i="1" dirty="0">
+                <a:solidFill>
+                  <a:srgbClr val="0070C0"/>
+                </a:solidFill>
+                <a:latin typeface="Consolas" panose="020B0609020204030204" pitchFamily="49" charset="0"/>
+                <a:cs typeface="Consolas" panose="020B0609020204030204" pitchFamily="49" charset="0"/>
+              </a:rPr>
+              <a:t>(KEY, temp)</a:t>
+            </a:r>
+          </a:p>
+          <a:p>
+            <a:pPr lvl="1"/>
+            <a:r>
+              <a:rPr lang="en-US" sz="2000" b="1" i="1" dirty="0">
+                <a:solidFill>
+                  <a:srgbClr val="0070C0"/>
+                </a:solidFill>
+                <a:latin typeface="Consolas" panose="020B0609020204030204" pitchFamily="49" charset="0"/>
+                <a:cs typeface="Consolas" panose="020B0609020204030204" pitchFamily="49" charset="0"/>
+              </a:rPr>
+              <a:t>    	response = urllib2.urlopen(</a:t>
+            </a:r>
+            <a:r>
+              <a:rPr lang="en-US" sz="2000" b="1" i="1" dirty="0" err="1">
+                <a:solidFill>
+                  <a:srgbClr val="0070C0"/>
+                </a:solidFill>
+                <a:latin typeface="Consolas" panose="020B0609020204030204" pitchFamily="49" charset="0"/>
+                <a:cs typeface="Consolas" panose="020B0609020204030204" pitchFamily="49" charset="0"/>
+              </a:rPr>
+              <a:t>url</a:t>
+            </a:r>
+            <a:r>
+              <a:rPr lang="en-US" sz="2000" b="1" i="1" dirty="0">
+                <a:solidFill>
+                  <a:srgbClr val="0070C0"/>
+                </a:solidFill>
+                <a:latin typeface="Consolas" panose="020B0609020204030204" pitchFamily="49" charset="0"/>
+                <a:cs typeface="Consolas" panose="020B0609020204030204" pitchFamily="49" charset="0"/>
+              </a:rPr>
+              <a:t>=</a:t>
+            </a:r>
+            <a:r>
+              <a:rPr lang="en-US" sz="2000" b="1" i="1" dirty="0" err="1">
+                <a:solidFill>
+                  <a:srgbClr val="0070C0"/>
+                </a:solidFill>
+                <a:latin typeface="Consolas" panose="020B0609020204030204" pitchFamily="49" charset="0"/>
+                <a:cs typeface="Consolas" panose="020B0609020204030204" pitchFamily="49" charset="0"/>
+              </a:rPr>
+              <a:t>completeUrl</a:t>
+            </a:r>
+            <a:r>
+              <a:rPr lang="en-US" sz="2000" b="1" i="1" dirty="0">
+                <a:solidFill>
+                  <a:srgbClr val="0070C0"/>
+                </a:solidFill>
+                <a:latin typeface="Consolas" panose="020B0609020204030204" pitchFamily="49" charset="0"/>
+                <a:cs typeface="Consolas" panose="020B0609020204030204" pitchFamily="49" charset="0"/>
+              </a:rPr>
+              <a:t>)</a:t>
+            </a:r>
+          </a:p>
+          <a:p>
+            <a:pPr lvl="1"/>
+            <a:r>
+              <a:rPr lang="en-US" sz="2000" b="1" i="1" dirty="0">
+                <a:solidFill>
+                  <a:srgbClr val="0070C0"/>
+                </a:solidFill>
+                <a:latin typeface="Consolas" panose="020B0609020204030204" pitchFamily="49" charset="0"/>
+                <a:cs typeface="Consolas" panose="020B0609020204030204" pitchFamily="49" charset="0"/>
+              </a:rPr>
+              <a:t>    	print(</a:t>
+            </a:r>
+            <a:r>
+              <a:rPr lang="en-US" sz="2000" b="1" i="1" dirty="0" err="1">
+                <a:solidFill>
+                  <a:srgbClr val="0070C0"/>
+                </a:solidFill>
+                <a:latin typeface="Consolas" panose="020B0609020204030204" pitchFamily="49" charset="0"/>
+                <a:cs typeface="Consolas" panose="020B0609020204030204" pitchFamily="49" charset="0"/>
+              </a:rPr>
+              <a:t>response.read</a:t>
+            </a:r>
+            <a:r>
+              <a:rPr lang="en-US" sz="2000" b="1" i="1" dirty="0">
+                <a:solidFill>
+                  <a:srgbClr val="0070C0"/>
+                </a:solidFill>
+                <a:latin typeface="Consolas" panose="020B0609020204030204" pitchFamily="49" charset="0"/>
+                <a:cs typeface="Consolas" panose="020B0609020204030204" pitchFamily="49" charset="0"/>
+              </a:rPr>
+              <a:t>())</a:t>
+            </a:r>
+          </a:p>
+          <a:p>
+            <a:pPr lvl="1"/>
+            <a:endParaRPr lang="en-US" sz="2000" b="1" i="1" dirty="0">
+              <a:solidFill>
+                <a:srgbClr val="0070C0"/>
+              </a:solidFill>
+              <a:latin typeface="Consolas" panose="020B0609020204030204" pitchFamily="49" charset="0"/>
+              <a:cs typeface="Consolas" panose="020B0609020204030204" pitchFamily="49" charset="0"/>
+            </a:endParaRPr>
+          </a:p>
+          <a:p>
+            <a:pPr lvl="1"/>
+            <a:r>
+              <a:rPr lang="en-US" sz="2000" b="1" i="1" dirty="0">
+                <a:solidFill>
+                  <a:srgbClr val="0070C0"/>
+                </a:solidFill>
+                <a:latin typeface="Consolas" panose="020B0609020204030204" pitchFamily="49" charset="0"/>
+                <a:cs typeface="Consolas" panose="020B0609020204030204" pitchFamily="49" charset="0"/>
+              </a:rPr>
+              <a:t>def </a:t>
+            </a:r>
+            <a:r>
+              <a:rPr lang="en-US" sz="2000" b="1" i="1" dirty="0" err="1">
+                <a:solidFill>
+                  <a:srgbClr val="0070C0"/>
+                </a:solidFill>
+                <a:latin typeface="Consolas" panose="020B0609020204030204" pitchFamily="49" charset="0"/>
+                <a:cs typeface="Consolas" panose="020B0609020204030204" pitchFamily="49" charset="0"/>
+              </a:rPr>
+              <a:t>CpuTemp</a:t>
+            </a:r>
+            <a:r>
+              <a:rPr lang="en-US" sz="2000" b="1" i="1" dirty="0">
+                <a:solidFill>
+                  <a:srgbClr val="0070C0"/>
+                </a:solidFill>
+                <a:latin typeface="Consolas" panose="020B0609020204030204" pitchFamily="49" charset="0"/>
+                <a:cs typeface="Consolas" panose="020B0609020204030204" pitchFamily="49" charset="0"/>
+              </a:rPr>
+              <a:t>():</a:t>
+            </a:r>
+          </a:p>
+          <a:p>
+            <a:pPr lvl="1"/>
+            <a:r>
+              <a:rPr lang="en-US" sz="2000" b="1" i="1" dirty="0">
+                <a:solidFill>
+                  <a:srgbClr val="0070C0"/>
+                </a:solidFill>
+                <a:latin typeface="Consolas" panose="020B0609020204030204" pitchFamily="49" charset="0"/>
+                <a:cs typeface="Consolas" panose="020B0609020204030204" pitchFamily="49" charset="0"/>
+              </a:rPr>
+              <a:t>    dev = </a:t>
+            </a:r>
+            <a:r>
+              <a:rPr lang="en-US" sz="2000" b="1" i="1" dirty="0" err="1">
+                <a:solidFill>
+                  <a:srgbClr val="0070C0"/>
+                </a:solidFill>
+                <a:latin typeface="Consolas" panose="020B0609020204030204" pitchFamily="49" charset="0"/>
+                <a:cs typeface="Consolas" panose="020B0609020204030204" pitchFamily="49" charset="0"/>
+              </a:rPr>
+              <a:t>os.popen</a:t>
+            </a:r>
+            <a:r>
+              <a:rPr lang="en-US" sz="2000" b="1" i="1" dirty="0">
+                <a:solidFill>
+                  <a:srgbClr val="0070C0"/>
+                </a:solidFill>
+                <a:latin typeface="Consolas" panose="020B0609020204030204" pitchFamily="49" charset="0"/>
+                <a:cs typeface="Consolas" panose="020B0609020204030204" pitchFamily="49" charset="0"/>
+              </a:rPr>
+              <a:t>('/opt/</a:t>
+            </a:r>
+            <a:r>
+              <a:rPr lang="en-US" sz="2000" b="1" i="1" dirty="0" err="1">
+                <a:solidFill>
+                  <a:srgbClr val="0070C0"/>
+                </a:solidFill>
+                <a:latin typeface="Consolas" panose="020B0609020204030204" pitchFamily="49" charset="0"/>
+                <a:cs typeface="Consolas" panose="020B0609020204030204" pitchFamily="49" charset="0"/>
+              </a:rPr>
+              <a:t>vc</a:t>
+            </a:r>
+            <a:r>
+              <a:rPr lang="en-US" sz="2000" b="1" i="1" dirty="0">
+                <a:solidFill>
+                  <a:srgbClr val="0070C0"/>
+                </a:solidFill>
+                <a:latin typeface="Consolas" panose="020B0609020204030204" pitchFamily="49" charset="0"/>
+                <a:cs typeface="Consolas" panose="020B0609020204030204" pitchFamily="49" charset="0"/>
+              </a:rPr>
+              <a:t>/bin/</a:t>
+            </a:r>
+            <a:r>
+              <a:rPr lang="en-US" sz="2000" b="1" i="1" dirty="0" err="1">
+                <a:solidFill>
+                  <a:srgbClr val="0070C0"/>
+                </a:solidFill>
+                <a:latin typeface="Consolas" panose="020B0609020204030204" pitchFamily="49" charset="0"/>
+                <a:cs typeface="Consolas" panose="020B0609020204030204" pitchFamily="49" charset="0"/>
+              </a:rPr>
+              <a:t>vcgencmd</a:t>
+            </a:r>
+            <a:r>
+              <a:rPr lang="en-US" sz="2000" b="1" i="1" dirty="0">
+                <a:solidFill>
+                  <a:srgbClr val="0070C0"/>
+                </a:solidFill>
+                <a:latin typeface="Consolas" panose="020B0609020204030204" pitchFamily="49" charset="0"/>
+                <a:cs typeface="Consolas" panose="020B0609020204030204" pitchFamily="49" charset="0"/>
+              </a:rPr>
+              <a:t> </a:t>
+            </a:r>
+            <a:r>
+              <a:rPr lang="en-US" sz="2000" b="1" i="1" dirty="0" err="1">
+                <a:solidFill>
+                  <a:srgbClr val="0070C0"/>
+                </a:solidFill>
+                <a:latin typeface="Consolas" panose="020B0609020204030204" pitchFamily="49" charset="0"/>
+                <a:cs typeface="Consolas" panose="020B0609020204030204" pitchFamily="49" charset="0"/>
+              </a:rPr>
+              <a:t>measure_temp</a:t>
+            </a:r>
+            <a:r>
+              <a:rPr lang="en-US" sz="2000" b="1" i="1" dirty="0">
+                <a:solidFill>
+                  <a:srgbClr val="0070C0"/>
+                </a:solidFill>
+                <a:latin typeface="Consolas" panose="020B0609020204030204" pitchFamily="49" charset="0"/>
+                <a:cs typeface="Consolas" panose="020B0609020204030204" pitchFamily="49" charset="0"/>
+              </a:rPr>
+              <a:t>')</a:t>
+            </a:r>
+          </a:p>
+          <a:p>
+            <a:pPr lvl="1"/>
+            <a:r>
+              <a:rPr lang="en-US" sz="2000" b="1" i="1" dirty="0">
+                <a:solidFill>
+                  <a:srgbClr val="0070C0"/>
+                </a:solidFill>
+                <a:latin typeface="Consolas" panose="020B0609020204030204" pitchFamily="49" charset="0"/>
+                <a:cs typeface="Consolas" panose="020B0609020204030204" pitchFamily="49" charset="0"/>
+              </a:rPr>
+              <a:t>    temperature = </a:t>
+            </a:r>
+            <a:r>
+              <a:rPr lang="en-US" sz="2000" b="1" i="1" dirty="0" err="1">
+                <a:solidFill>
+                  <a:srgbClr val="0070C0"/>
+                </a:solidFill>
+                <a:latin typeface="Consolas" panose="020B0609020204030204" pitchFamily="49" charset="0"/>
+                <a:cs typeface="Consolas" panose="020B0609020204030204" pitchFamily="49" charset="0"/>
+              </a:rPr>
+              <a:t>dev.read</a:t>
+            </a:r>
+            <a:r>
+              <a:rPr lang="en-US" sz="2000" b="1" i="1" dirty="0">
+                <a:solidFill>
+                  <a:srgbClr val="0070C0"/>
+                </a:solidFill>
+                <a:latin typeface="Consolas" panose="020B0609020204030204" pitchFamily="49" charset="0"/>
+                <a:cs typeface="Consolas" panose="020B0609020204030204" pitchFamily="49" charset="0"/>
+              </a:rPr>
+              <a:t>()[5:-3]</a:t>
+            </a:r>
+          </a:p>
+          <a:p>
+            <a:pPr lvl="1"/>
+            <a:r>
+              <a:rPr lang="en-US" sz="2000" b="1" i="1" dirty="0">
+                <a:solidFill>
+                  <a:srgbClr val="0070C0"/>
+                </a:solidFill>
+                <a:latin typeface="Consolas" panose="020B0609020204030204" pitchFamily="49" charset="0"/>
+                <a:cs typeface="Consolas" panose="020B0609020204030204" pitchFamily="49" charset="0"/>
+              </a:rPr>
+              <a:t>    return temperature</a:t>
+            </a:r>
+          </a:p>
+          <a:p>
+            <a:pPr lvl="1"/>
+            <a:endParaRPr lang="en-US" sz="2000" b="1" i="1" dirty="0">
+              <a:solidFill>
+                <a:srgbClr val="0070C0"/>
+              </a:solidFill>
+              <a:latin typeface="Consolas" panose="020B0609020204030204" pitchFamily="49" charset="0"/>
+              <a:cs typeface="Consolas" panose="020B0609020204030204" pitchFamily="49" charset="0"/>
+            </a:endParaRPr>
+          </a:p>
+          <a:p>
+            <a:pPr lvl="1"/>
+            <a:endParaRPr lang="en-US" sz="2000" b="1" i="1" dirty="0">
+              <a:solidFill>
+                <a:srgbClr val="0070C0"/>
+              </a:solidFill>
+              <a:latin typeface="Consolas" panose="020B0609020204030204" pitchFamily="49" charset="0"/>
+              <a:cs typeface="Consolas" panose="020B0609020204030204" pitchFamily="49" charset="0"/>
+            </a:endParaRPr>
           </a:p>
         </p:txBody>
       </p:sp>
-      <p:pic>
-        <p:nvPicPr>
-          <p:cNvPr id="2" name="Picture 1"/>
-          <p:cNvPicPr>
-            <a:picLocks noChangeAspect="1"/>
-          </p:cNvPicPr>
-          <p:nvPr/>
-        </p:nvPicPr>
-        <p:blipFill>
-          <a:blip r:embed="rId2"/>
-          <a:stretch>
-            <a:fillRect/>
-          </a:stretch>
-        </p:blipFill>
-        <p:spPr>
-          <a:xfrm>
-            <a:off x="1170988" y="2131889"/>
-            <a:ext cx="9886218" cy="4605119"/>
-          </a:xfrm>
-          <a:prstGeom prst="rect">
-            <a:avLst/>
-          </a:prstGeom>
-        </p:spPr>
-      </p:pic>
     </p:spTree>
     <p:extLst>
       <p:ext uri="{BB962C8B-B14F-4D97-AF65-F5344CB8AC3E}">
-        <p14:creationId xmlns:p14="http://schemas.microsoft.com/office/powerpoint/2010/main" val="2026775965"/>
+        <p14:creationId xmlns:p14="http://schemas.microsoft.com/office/powerpoint/2010/main" val="855376788"/>
       </p:ext>
     </p:extLst>
   </p:cSld>
@@ -9909,7 +9993,7 @@
         <p:spPr>
           <a:xfrm>
             <a:off x="417443" y="745199"/>
-            <a:ext cx="11357113" cy="1015663"/>
+            <a:ext cx="11357113" cy="2554545"/>
           </a:xfrm>
           <a:prstGeom prst="rect">
             <a:avLst/>
@@ -9923,16 +10007,169 @@
           <a:lstStyle/>
           <a:p>
             <a:pPr lvl="1"/>
+            <a:endParaRPr lang="en-US" sz="2000" b="1" i="1" dirty="0">
+              <a:solidFill>
+                <a:srgbClr val="0070C0"/>
+              </a:solidFill>
+              <a:latin typeface="Consolas" panose="020B0609020204030204" pitchFamily="49" charset="0"/>
+              <a:cs typeface="Consolas" panose="020B0609020204030204" pitchFamily="49" charset="0"/>
+            </a:endParaRPr>
+          </a:p>
+          <a:p>
+            <a:pPr lvl="1"/>
+            <a:r>
+              <a:rPr lang="en-US" sz="2000" b="1" i="1" dirty="0">
+                <a:solidFill>
+                  <a:srgbClr val="0070C0"/>
+                </a:solidFill>
+                <a:latin typeface="Consolas" panose="020B0609020204030204" pitchFamily="49" charset="0"/>
+                <a:cs typeface="Consolas" panose="020B0609020204030204" pitchFamily="49" charset="0"/>
+              </a:rPr>
+              <a:t>while True:</a:t>
+            </a:r>
+          </a:p>
+          <a:p>
+            <a:pPr lvl="1"/>
+            <a:r>
+              <a:rPr lang="en-US" sz="2000" b="1" i="1" dirty="0">
+                <a:solidFill>
+                  <a:srgbClr val="0070C0"/>
+                </a:solidFill>
+                <a:latin typeface="Consolas" panose="020B0609020204030204" pitchFamily="49" charset="0"/>
+                <a:cs typeface="Consolas" panose="020B0609020204030204" pitchFamily="49" charset="0"/>
+              </a:rPr>
+              <a:t>    temp = </a:t>
+            </a:r>
+            <a:r>
+              <a:rPr lang="en-US" sz="2000" b="1" i="1" dirty="0" err="1">
+                <a:solidFill>
+                  <a:srgbClr val="0070C0"/>
+                </a:solidFill>
+                <a:latin typeface="Consolas" panose="020B0609020204030204" pitchFamily="49" charset="0"/>
+                <a:cs typeface="Consolas" panose="020B0609020204030204" pitchFamily="49" charset="0"/>
+              </a:rPr>
+              <a:t>CpuTemp</a:t>
+            </a:r>
+            <a:r>
+              <a:rPr lang="en-US" sz="2000" b="1" i="1" dirty="0">
+                <a:solidFill>
+                  <a:srgbClr val="0070C0"/>
+                </a:solidFill>
+                <a:latin typeface="Consolas" panose="020B0609020204030204" pitchFamily="49" charset="0"/>
+                <a:cs typeface="Consolas" panose="020B0609020204030204" pitchFamily="49" charset="0"/>
+              </a:rPr>
+              <a:t>()</a:t>
+            </a:r>
+          </a:p>
+          <a:p>
+            <a:pPr lvl="1"/>
+            <a:r>
+              <a:rPr lang="en-US" sz="2000" b="1" i="1" dirty="0">
+                <a:solidFill>
+                  <a:srgbClr val="0070C0"/>
+                </a:solidFill>
+                <a:latin typeface="Consolas" panose="020B0609020204030204" pitchFamily="49" charset="0"/>
+                <a:cs typeface="Consolas" panose="020B0609020204030204" pitchFamily="49" charset="0"/>
+              </a:rPr>
+              <a:t>    print("CPU Temp (C): {}".format(temp))</a:t>
+            </a:r>
+          </a:p>
+          <a:p>
+            <a:pPr lvl="1"/>
+            <a:r>
+              <a:rPr lang="en-US" sz="2000" b="1" i="1" dirty="0">
+                <a:solidFill>
+                  <a:srgbClr val="0070C0"/>
+                </a:solidFill>
+                <a:latin typeface="Consolas" panose="020B0609020204030204" pitchFamily="49" charset="0"/>
+                <a:cs typeface="Consolas" panose="020B0609020204030204" pitchFamily="49" charset="0"/>
+              </a:rPr>
+              <a:t>    </a:t>
+            </a:r>
+            <a:r>
+              <a:rPr lang="en-US" sz="2000" b="1" i="1" dirty="0" err="1">
+                <a:solidFill>
+                  <a:srgbClr val="0070C0"/>
+                </a:solidFill>
+                <a:latin typeface="Consolas" panose="020B0609020204030204" pitchFamily="49" charset="0"/>
+                <a:cs typeface="Consolas" panose="020B0609020204030204" pitchFamily="49" charset="0"/>
+              </a:rPr>
+              <a:t>SendData</a:t>
+            </a:r>
+            <a:r>
+              <a:rPr lang="en-US" sz="2000" b="1" i="1" dirty="0">
+                <a:solidFill>
+                  <a:srgbClr val="0070C0"/>
+                </a:solidFill>
+                <a:latin typeface="Consolas" panose="020B0609020204030204" pitchFamily="49" charset="0"/>
+                <a:cs typeface="Consolas" panose="020B0609020204030204" pitchFamily="49" charset="0"/>
+              </a:rPr>
+              <a:t>(temp)</a:t>
+            </a:r>
+          </a:p>
+          <a:p>
+            <a:pPr lvl="1"/>
+            <a:r>
+              <a:rPr lang="en-US" sz="2000" b="1" i="1" dirty="0">
+                <a:solidFill>
+                  <a:srgbClr val="0070C0"/>
+                </a:solidFill>
+                <a:latin typeface="Consolas" panose="020B0609020204030204" pitchFamily="49" charset="0"/>
+                <a:cs typeface="Consolas" panose="020B0609020204030204" pitchFamily="49" charset="0"/>
+              </a:rPr>
+              <a:t>    </a:t>
+            </a:r>
+            <a:r>
+              <a:rPr lang="en-US" sz="2000" b="1" i="1" dirty="0" err="1">
+                <a:solidFill>
+                  <a:srgbClr val="0070C0"/>
+                </a:solidFill>
+                <a:latin typeface="Consolas" panose="020B0609020204030204" pitchFamily="49" charset="0"/>
+                <a:cs typeface="Consolas" panose="020B0609020204030204" pitchFamily="49" charset="0"/>
+              </a:rPr>
+              <a:t>time.sleep</a:t>
+            </a:r>
+            <a:r>
+              <a:rPr lang="en-US" sz="2000" b="1" i="1" dirty="0">
+                <a:solidFill>
+                  <a:srgbClr val="0070C0"/>
+                </a:solidFill>
+                <a:latin typeface="Consolas" panose="020B0609020204030204" pitchFamily="49" charset="0"/>
+                <a:cs typeface="Consolas" panose="020B0609020204030204" pitchFamily="49" charset="0"/>
+              </a:rPr>
+              <a:t>(DELAY)</a:t>
+            </a:r>
+          </a:p>
+          <a:p>
+            <a:pPr lvl="1"/>
+            <a:endParaRPr lang="en-US" sz="2000" b="1" i="1" dirty="0">
+              <a:solidFill>
+                <a:srgbClr val="0070C0"/>
+              </a:solidFill>
+              <a:latin typeface="Consolas" panose="020B0609020204030204" pitchFamily="49" charset="0"/>
+              <a:cs typeface="Consolas" panose="020B0609020204030204" pitchFamily="49" charset="0"/>
+            </a:endParaRPr>
+          </a:p>
+          <a:p>
+            <a:pPr lvl="1"/>
             <a:r>
               <a:rPr lang="en-US" sz="2000" dirty="0"/>
-              <a:t>The rest of the form can be left blank. When you have finished editing, click Save Channel at the bottom of the page. Click on the Data Import/Export tab to find a summary of the web requests that you can use, customized to the channel you just created </a:t>
+              <a:t>Run the program. On the </a:t>
+            </a:r>
+            <a:r>
+              <a:rPr lang="en-US" sz="2000" dirty="0" err="1"/>
+              <a:t>ThingSpeak</a:t>
+            </a:r>
+            <a:r>
+              <a:rPr lang="en-US" sz="2000" dirty="0"/>
+              <a:t> channel page on the Private View tab, you should see a graph like:</a:t>
             </a:r>
           </a:p>
         </p:txBody>
       </p:sp>
       <p:pic>
         <p:nvPicPr>
-          <p:cNvPr id="3" name="Picture 2"/>
+          <p:cNvPr id="2" name="Picture 1"/>
           <p:cNvPicPr>
             <a:picLocks noChangeAspect="1"/>
           </p:cNvPicPr>
@@ -9946,8 +10183,8 @@
         </p:blipFill>
         <p:spPr>
           <a:xfrm>
-            <a:off x="2223829" y="1784844"/>
-            <a:ext cx="7744339" cy="5121112"/>
+            <a:off x="3394418" y="3323726"/>
+            <a:ext cx="4764845" cy="3413021"/>
           </a:xfrm>
           <a:prstGeom prst="rect">
             <a:avLst/>
@@ -9957,7 +10194,7 @@
     </p:spTree>
     <p:extLst>
       <p:ext uri="{BB962C8B-B14F-4D97-AF65-F5344CB8AC3E}">
-        <p14:creationId xmlns:p14="http://schemas.microsoft.com/office/powerpoint/2010/main" val="1975480813"/>
+        <p14:creationId xmlns:p14="http://schemas.microsoft.com/office/powerpoint/2010/main" val="1556363800"/>
       </p:ext>
     </p:extLst>
   </p:cSld>
@@ -10121,7 +10358,15 @@
           <a:p>
             <a:r>
               <a:rPr lang="en-US" dirty="0"/>
-              <a:t>ThingspeakData.py Project</a:t>
+              <a:t>Sending Tweets Using </a:t>
+            </a:r>
+            <a:r>
+              <a:rPr lang="en-US" dirty="0" err="1"/>
+              <a:t>ThingSpeak</a:t>
+            </a:r>
+            <a:r>
+              <a:rPr lang="en-US" dirty="0"/>
+              <a:t> </a:t>
             </a:r>
           </a:p>
         </p:txBody>
@@ -10174,7 +10419,7 @@
         <p:spPr>
           <a:xfrm>
             <a:off x="417443" y="745199"/>
-            <a:ext cx="11357113" cy="5940088"/>
+            <a:ext cx="11357113" cy="3293209"/>
           </a:xfrm>
           <a:prstGeom prst="rect">
             <a:avLst/>
@@ -10190,7 +10435,7 @@
             <a:pPr lvl="1"/>
             <a:r>
               <a:rPr lang="en-US" sz="2000" dirty="0"/>
-              <a:t>To send data to the channel, a web request must be sent. The Python program:</a:t>
+              <a:t>You want to automatically send tweets from your Raspberry Pi; for example, to irritate people by telling them the temperature of your CPU.</a:t>
             </a:r>
           </a:p>
           <a:p>
@@ -10200,515 +10445,73 @@
           <a:p>
             <a:pPr lvl="1"/>
             <a:r>
-              <a:rPr lang="en-US" sz="2000" b="1" i="1" dirty="0">
-                <a:solidFill>
-                  <a:srgbClr val="0070C0"/>
-                </a:solidFill>
-                <a:latin typeface="Consolas" panose="020B0609020204030204" pitchFamily="49" charset="0"/>
-                <a:cs typeface="Consolas" panose="020B0609020204030204" pitchFamily="49" charset="0"/>
-              </a:rPr>
-              <a:t>import time, </a:t>
-            </a:r>
-            <a:r>
-              <a:rPr lang="en-US" sz="2000" b="1" i="1" dirty="0" err="1">
-                <a:solidFill>
-                  <a:srgbClr val="0070C0"/>
-                </a:solidFill>
-                <a:latin typeface="Consolas" panose="020B0609020204030204" pitchFamily="49" charset="0"/>
-                <a:cs typeface="Consolas" panose="020B0609020204030204" pitchFamily="49" charset="0"/>
-              </a:rPr>
-              <a:t>os</a:t>
-            </a:r>
-            <a:r>
-              <a:rPr lang="en-US" sz="2000" b="1" i="1" dirty="0">
-                <a:solidFill>
-                  <a:srgbClr val="0070C0"/>
-                </a:solidFill>
-                <a:latin typeface="Consolas" panose="020B0609020204030204" pitchFamily="49" charset="0"/>
-                <a:cs typeface="Consolas" panose="020B0609020204030204" pitchFamily="49" charset="0"/>
-              </a:rPr>
-              <a:t>, </a:t>
-            </a:r>
-            <a:r>
-              <a:rPr lang="en-US" sz="2000" b="1" i="1" dirty="0" err="1">
-                <a:solidFill>
-                  <a:srgbClr val="0070C0"/>
-                </a:solidFill>
-                <a:latin typeface="Consolas" panose="020B0609020204030204" pitchFamily="49" charset="0"/>
-                <a:cs typeface="Consolas" panose="020B0609020204030204" pitchFamily="49" charset="0"/>
-              </a:rPr>
-              <a:t>urllib</a:t>
-            </a:r>
-            <a:r>
-              <a:rPr lang="en-US" sz="2000" b="1" i="1" dirty="0">
-                <a:solidFill>
-                  <a:srgbClr val="0070C0"/>
-                </a:solidFill>
-                <a:latin typeface="Consolas" panose="020B0609020204030204" pitchFamily="49" charset="0"/>
-                <a:cs typeface="Consolas" panose="020B0609020204030204" pitchFamily="49" charset="0"/>
-              </a:rPr>
-              <a:t>, urllib2</a:t>
-            </a:r>
-          </a:p>
-          <a:p>
-            <a:pPr lvl="1"/>
-            <a:endParaRPr lang="en-US" sz="2000" b="1" i="1" dirty="0">
-              <a:solidFill>
-                <a:srgbClr val="0070C0"/>
-              </a:solidFill>
-              <a:latin typeface="Consolas" panose="020B0609020204030204" pitchFamily="49" charset="0"/>
-              <a:cs typeface="Consolas" panose="020B0609020204030204" pitchFamily="49" charset="0"/>
-            </a:endParaRPr>
-          </a:p>
-          <a:p>
-            <a:pPr lvl="1"/>
-            <a:r>
-              <a:rPr lang="en-US" sz="2000" b="1" i="1" dirty="0">
-                <a:solidFill>
-                  <a:srgbClr val="0070C0"/>
-                </a:solidFill>
-                <a:latin typeface="Consolas" panose="020B0609020204030204" pitchFamily="49" charset="0"/>
-                <a:cs typeface="Consolas" panose="020B0609020204030204" pitchFamily="49" charset="0"/>
-              </a:rPr>
-              <a:t>DELAY = 15</a:t>
-            </a:r>
-          </a:p>
-          <a:p>
-            <a:pPr lvl="1"/>
-            <a:r>
-              <a:rPr lang="en-US" sz="2000" b="1" i="1" dirty="0">
-                <a:solidFill>
-                  <a:srgbClr val="0070C0"/>
-                </a:solidFill>
-                <a:latin typeface="Consolas" panose="020B0609020204030204" pitchFamily="49" charset="0"/>
-                <a:cs typeface="Consolas" panose="020B0609020204030204" pitchFamily="49" charset="0"/>
-              </a:rPr>
-              <a:t>BASEURL = 'https://api.thingspeak.com/</a:t>
-            </a:r>
-            <a:r>
-              <a:rPr lang="en-US" sz="2000" b="1" i="1" dirty="0" err="1">
-                <a:solidFill>
-                  <a:srgbClr val="0070C0"/>
-                </a:solidFill>
-                <a:latin typeface="Consolas" panose="020B0609020204030204" pitchFamily="49" charset="0"/>
-                <a:cs typeface="Consolas" panose="020B0609020204030204" pitchFamily="49" charset="0"/>
-              </a:rPr>
-              <a:t>update?api_key</a:t>
-            </a:r>
-            <a:r>
-              <a:rPr lang="en-US" sz="2000" b="1" i="1" dirty="0">
-                <a:solidFill>
-                  <a:srgbClr val="0070C0"/>
-                </a:solidFill>
-                <a:latin typeface="Consolas" panose="020B0609020204030204" pitchFamily="49" charset="0"/>
-                <a:cs typeface="Consolas" panose="020B0609020204030204" pitchFamily="49" charset="0"/>
-              </a:rPr>
-              <a:t>={}&amp;field1={}'</a:t>
-            </a:r>
-          </a:p>
-          <a:p>
-            <a:pPr lvl="1"/>
-            <a:r>
-              <a:rPr lang="en-US" sz="2000" b="1" i="1" dirty="0">
-                <a:solidFill>
-                  <a:srgbClr val="0070C0"/>
-                </a:solidFill>
-                <a:latin typeface="Consolas" panose="020B0609020204030204" pitchFamily="49" charset="0"/>
-                <a:cs typeface="Consolas" panose="020B0609020204030204" pitchFamily="49" charset="0"/>
-              </a:rPr>
-              <a:t>KEY = 'SNDA3NE8T2I3A5W1'</a:t>
-            </a:r>
-          </a:p>
-          <a:p>
-            <a:pPr lvl="1"/>
-            <a:endParaRPr lang="en-US" sz="2000" b="1" i="1" dirty="0">
-              <a:solidFill>
-                <a:srgbClr val="0070C0"/>
-              </a:solidFill>
-              <a:latin typeface="Consolas" panose="020B0609020204030204" pitchFamily="49" charset="0"/>
-              <a:cs typeface="Consolas" panose="020B0609020204030204" pitchFamily="49" charset="0"/>
-            </a:endParaRPr>
-          </a:p>
-          <a:p>
-            <a:pPr lvl="1"/>
-            <a:r>
-              <a:rPr lang="en-US" sz="2000" b="1" i="1" dirty="0">
-                <a:solidFill>
-                  <a:srgbClr val="0070C0"/>
-                </a:solidFill>
-                <a:latin typeface="Consolas" panose="020B0609020204030204" pitchFamily="49" charset="0"/>
-                <a:cs typeface="Consolas" panose="020B0609020204030204" pitchFamily="49" charset="0"/>
-              </a:rPr>
-              <a:t>def </a:t>
-            </a:r>
-            <a:r>
-              <a:rPr lang="en-US" sz="2000" b="1" i="1" dirty="0" err="1">
-                <a:solidFill>
-                  <a:srgbClr val="0070C0"/>
-                </a:solidFill>
-                <a:latin typeface="Consolas" panose="020B0609020204030204" pitchFamily="49" charset="0"/>
-                <a:cs typeface="Consolas" panose="020B0609020204030204" pitchFamily="49" charset="0"/>
-              </a:rPr>
-              <a:t>SendData</a:t>
-            </a:r>
-            <a:r>
-              <a:rPr lang="en-US" sz="2000" b="1" i="1" dirty="0">
-                <a:solidFill>
-                  <a:srgbClr val="0070C0"/>
-                </a:solidFill>
-                <a:latin typeface="Consolas" panose="020B0609020204030204" pitchFamily="49" charset="0"/>
-                <a:cs typeface="Consolas" panose="020B0609020204030204" pitchFamily="49" charset="0"/>
-              </a:rPr>
-              <a:t>(temp):</a:t>
-            </a:r>
-          </a:p>
-          <a:p>
-            <a:pPr lvl="1"/>
-            <a:r>
-              <a:rPr lang="en-US" sz="2000" b="1" i="1" dirty="0">
-                <a:solidFill>
-                  <a:srgbClr val="0070C0"/>
-                </a:solidFill>
-                <a:latin typeface="Consolas" panose="020B0609020204030204" pitchFamily="49" charset="0"/>
-                <a:cs typeface="Consolas" panose="020B0609020204030204" pitchFamily="49" charset="0"/>
-              </a:rPr>
-              <a:t>	</a:t>
-            </a:r>
-            <a:r>
-              <a:rPr lang="en-US" sz="2000" b="1" i="1" dirty="0" err="1">
-                <a:solidFill>
-                  <a:srgbClr val="0070C0"/>
-                </a:solidFill>
-                <a:latin typeface="Consolas" panose="020B0609020204030204" pitchFamily="49" charset="0"/>
-                <a:cs typeface="Consolas" panose="020B0609020204030204" pitchFamily="49" charset="0"/>
-              </a:rPr>
-              <a:t>completeUrl</a:t>
-            </a:r>
-            <a:r>
-              <a:rPr lang="en-US" sz="2000" b="1" i="1" dirty="0">
-                <a:solidFill>
-                  <a:srgbClr val="0070C0"/>
-                </a:solidFill>
-                <a:latin typeface="Consolas" panose="020B0609020204030204" pitchFamily="49" charset="0"/>
-                <a:cs typeface="Consolas" panose="020B0609020204030204" pitchFamily="49" charset="0"/>
-              </a:rPr>
-              <a:t> = </a:t>
-            </a:r>
-            <a:r>
-              <a:rPr lang="en-US" sz="2000" b="1" i="1" dirty="0" err="1">
-                <a:solidFill>
-                  <a:srgbClr val="0070C0"/>
-                </a:solidFill>
-                <a:latin typeface="Consolas" panose="020B0609020204030204" pitchFamily="49" charset="0"/>
-                <a:cs typeface="Consolas" panose="020B0609020204030204" pitchFamily="49" charset="0"/>
-              </a:rPr>
-              <a:t>BASEURL.format</a:t>
-            </a:r>
-            <a:r>
-              <a:rPr lang="en-US" sz="2000" b="1" i="1" dirty="0">
-                <a:solidFill>
-                  <a:srgbClr val="0070C0"/>
-                </a:solidFill>
-                <a:latin typeface="Consolas" panose="020B0609020204030204" pitchFamily="49" charset="0"/>
-                <a:cs typeface="Consolas" panose="020B0609020204030204" pitchFamily="49" charset="0"/>
-              </a:rPr>
-              <a:t>(KEY, temp)</a:t>
-            </a:r>
-          </a:p>
-          <a:p>
-            <a:pPr lvl="1"/>
-            <a:r>
-              <a:rPr lang="en-US" sz="2000" b="1" i="1" dirty="0">
-                <a:solidFill>
-                  <a:srgbClr val="0070C0"/>
-                </a:solidFill>
-                <a:latin typeface="Consolas" panose="020B0609020204030204" pitchFamily="49" charset="0"/>
-                <a:cs typeface="Consolas" panose="020B0609020204030204" pitchFamily="49" charset="0"/>
-              </a:rPr>
-              <a:t>    	response = urllib2.urlopen(</a:t>
-            </a:r>
-            <a:r>
-              <a:rPr lang="en-US" sz="2000" b="1" i="1" dirty="0" err="1">
-                <a:solidFill>
-                  <a:srgbClr val="0070C0"/>
-                </a:solidFill>
-                <a:latin typeface="Consolas" panose="020B0609020204030204" pitchFamily="49" charset="0"/>
-                <a:cs typeface="Consolas" panose="020B0609020204030204" pitchFamily="49" charset="0"/>
-              </a:rPr>
-              <a:t>url</a:t>
-            </a:r>
-            <a:r>
-              <a:rPr lang="en-US" sz="2000" b="1" i="1" dirty="0">
-                <a:solidFill>
-                  <a:srgbClr val="0070C0"/>
-                </a:solidFill>
-                <a:latin typeface="Consolas" panose="020B0609020204030204" pitchFamily="49" charset="0"/>
-                <a:cs typeface="Consolas" panose="020B0609020204030204" pitchFamily="49" charset="0"/>
-              </a:rPr>
-              <a:t>=</a:t>
-            </a:r>
-            <a:r>
-              <a:rPr lang="en-US" sz="2000" b="1" i="1" dirty="0" err="1">
-                <a:solidFill>
-                  <a:srgbClr val="0070C0"/>
-                </a:solidFill>
-                <a:latin typeface="Consolas" panose="020B0609020204030204" pitchFamily="49" charset="0"/>
-                <a:cs typeface="Consolas" panose="020B0609020204030204" pitchFamily="49" charset="0"/>
-              </a:rPr>
-              <a:t>completeUrl</a:t>
-            </a:r>
-            <a:r>
-              <a:rPr lang="en-US" sz="2000" b="1" i="1" dirty="0">
-                <a:solidFill>
-                  <a:srgbClr val="0070C0"/>
-                </a:solidFill>
-                <a:latin typeface="Consolas" panose="020B0609020204030204" pitchFamily="49" charset="0"/>
-                <a:cs typeface="Consolas" panose="020B0609020204030204" pitchFamily="49" charset="0"/>
-              </a:rPr>
-              <a:t>)</a:t>
-            </a:r>
-          </a:p>
-          <a:p>
-            <a:pPr lvl="1"/>
-            <a:r>
-              <a:rPr lang="en-US" sz="2000" b="1" i="1" dirty="0">
-                <a:solidFill>
-                  <a:srgbClr val="0070C0"/>
-                </a:solidFill>
-                <a:latin typeface="Consolas" panose="020B0609020204030204" pitchFamily="49" charset="0"/>
-                <a:cs typeface="Consolas" panose="020B0609020204030204" pitchFamily="49" charset="0"/>
-              </a:rPr>
-              <a:t>    	print(</a:t>
-            </a:r>
-            <a:r>
-              <a:rPr lang="en-US" sz="2000" b="1" i="1" dirty="0" err="1">
-                <a:solidFill>
-                  <a:srgbClr val="0070C0"/>
-                </a:solidFill>
-                <a:latin typeface="Consolas" panose="020B0609020204030204" pitchFamily="49" charset="0"/>
-                <a:cs typeface="Consolas" panose="020B0609020204030204" pitchFamily="49" charset="0"/>
-              </a:rPr>
-              <a:t>response.read</a:t>
-            </a:r>
-            <a:r>
-              <a:rPr lang="en-US" sz="2000" b="1" i="1" dirty="0">
-                <a:solidFill>
-                  <a:srgbClr val="0070C0"/>
-                </a:solidFill>
-                <a:latin typeface="Consolas" panose="020B0609020204030204" pitchFamily="49" charset="0"/>
-                <a:cs typeface="Consolas" panose="020B0609020204030204" pitchFamily="49" charset="0"/>
-              </a:rPr>
-              <a:t>())</a:t>
-            </a:r>
-          </a:p>
-          <a:p>
-            <a:pPr lvl="1"/>
-            <a:endParaRPr lang="en-US" sz="2000" b="1" i="1" dirty="0">
-              <a:solidFill>
-                <a:srgbClr val="0070C0"/>
-              </a:solidFill>
-              <a:latin typeface="Consolas" panose="020B0609020204030204" pitchFamily="49" charset="0"/>
-              <a:cs typeface="Consolas" panose="020B0609020204030204" pitchFamily="49" charset="0"/>
-            </a:endParaRPr>
-          </a:p>
-          <a:p>
-            <a:pPr lvl="1"/>
-            <a:r>
-              <a:rPr lang="en-US" sz="2000" b="1" i="1" dirty="0">
-                <a:solidFill>
-                  <a:srgbClr val="0070C0"/>
-                </a:solidFill>
-                <a:latin typeface="Consolas" panose="020B0609020204030204" pitchFamily="49" charset="0"/>
-                <a:cs typeface="Consolas" panose="020B0609020204030204" pitchFamily="49" charset="0"/>
-              </a:rPr>
-              <a:t>def </a:t>
-            </a:r>
-            <a:r>
-              <a:rPr lang="en-US" sz="2000" b="1" i="1" dirty="0" err="1">
-                <a:solidFill>
-                  <a:srgbClr val="0070C0"/>
-                </a:solidFill>
-                <a:latin typeface="Consolas" panose="020B0609020204030204" pitchFamily="49" charset="0"/>
-                <a:cs typeface="Consolas" panose="020B0609020204030204" pitchFamily="49" charset="0"/>
-              </a:rPr>
-              <a:t>CpuTemp</a:t>
-            </a:r>
-            <a:r>
-              <a:rPr lang="en-US" sz="2000" b="1" i="1" dirty="0">
-                <a:solidFill>
-                  <a:srgbClr val="0070C0"/>
-                </a:solidFill>
-                <a:latin typeface="Consolas" panose="020B0609020204030204" pitchFamily="49" charset="0"/>
-                <a:cs typeface="Consolas" panose="020B0609020204030204" pitchFamily="49" charset="0"/>
-              </a:rPr>
-              <a:t>():</a:t>
-            </a:r>
-          </a:p>
-          <a:p>
-            <a:pPr lvl="1"/>
-            <a:r>
-              <a:rPr lang="en-US" sz="2000" b="1" i="1" dirty="0">
-                <a:solidFill>
-                  <a:srgbClr val="0070C0"/>
-                </a:solidFill>
-                <a:latin typeface="Consolas" panose="020B0609020204030204" pitchFamily="49" charset="0"/>
-                <a:cs typeface="Consolas" panose="020B0609020204030204" pitchFamily="49" charset="0"/>
-              </a:rPr>
-              <a:t>    dev = </a:t>
-            </a:r>
-            <a:r>
-              <a:rPr lang="en-US" sz="2000" b="1" i="1" dirty="0" err="1">
-                <a:solidFill>
-                  <a:srgbClr val="0070C0"/>
-                </a:solidFill>
-                <a:latin typeface="Consolas" panose="020B0609020204030204" pitchFamily="49" charset="0"/>
-                <a:cs typeface="Consolas" panose="020B0609020204030204" pitchFamily="49" charset="0"/>
-              </a:rPr>
-              <a:t>os.popen</a:t>
-            </a:r>
-            <a:r>
-              <a:rPr lang="en-US" sz="2000" b="1" i="1" dirty="0">
-                <a:solidFill>
-                  <a:srgbClr val="0070C0"/>
-                </a:solidFill>
-                <a:latin typeface="Consolas" panose="020B0609020204030204" pitchFamily="49" charset="0"/>
-                <a:cs typeface="Consolas" panose="020B0609020204030204" pitchFamily="49" charset="0"/>
-              </a:rPr>
-              <a:t>('/opt/</a:t>
-            </a:r>
-            <a:r>
-              <a:rPr lang="en-US" sz="2000" b="1" i="1" dirty="0" err="1">
-                <a:solidFill>
-                  <a:srgbClr val="0070C0"/>
-                </a:solidFill>
-                <a:latin typeface="Consolas" panose="020B0609020204030204" pitchFamily="49" charset="0"/>
-                <a:cs typeface="Consolas" panose="020B0609020204030204" pitchFamily="49" charset="0"/>
-              </a:rPr>
-              <a:t>vc</a:t>
-            </a:r>
-            <a:r>
-              <a:rPr lang="en-US" sz="2000" b="1" i="1" dirty="0">
-                <a:solidFill>
-                  <a:srgbClr val="0070C0"/>
-                </a:solidFill>
-                <a:latin typeface="Consolas" panose="020B0609020204030204" pitchFamily="49" charset="0"/>
-                <a:cs typeface="Consolas" panose="020B0609020204030204" pitchFamily="49" charset="0"/>
-              </a:rPr>
-              <a:t>/bin/</a:t>
-            </a:r>
-            <a:r>
-              <a:rPr lang="en-US" sz="2000" b="1" i="1" dirty="0" err="1">
-                <a:solidFill>
-                  <a:srgbClr val="0070C0"/>
-                </a:solidFill>
-                <a:latin typeface="Consolas" panose="020B0609020204030204" pitchFamily="49" charset="0"/>
-                <a:cs typeface="Consolas" panose="020B0609020204030204" pitchFamily="49" charset="0"/>
-              </a:rPr>
-              <a:t>vcgencmd</a:t>
-            </a:r>
-            <a:r>
-              <a:rPr lang="en-US" sz="2000" b="1" i="1" dirty="0">
-                <a:solidFill>
-                  <a:srgbClr val="0070C0"/>
-                </a:solidFill>
-                <a:latin typeface="Consolas" panose="020B0609020204030204" pitchFamily="49" charset="0"/>
-                <a:cs typeface="Consolas" panose="020B0609020204030204" pitchFamily="49" charset="0"/>
-              </a:rPr>
-              <a:t> </a:t>
-            </a:r>
-            <a:r>
-              <a:rPr lang="en-US" sz="2000" b="1" i="1" dirty="0" err="1">
-                <a:solidFill>
-                  <a:srgbClr val="0070C0"/>
-                </a:solidFill>
-                <a:latin typeface="Consolas" panose="020B0609020204030204" pitchFamily="49" charset="0"/>
-                <a:cs typeface="Consolas" panose="020B0609020204030204" pitchFamily="49" charset="0"/>
-              </a:rPr>
-              <a:t>measure_temp</a:t>
-            </a:r>
-            <a:r>
-              <a:rPr lang="en-US" sz="2000" b="1" i="1" dirty="0">
-                <a:solidFill>
-                  <a:srgbClr val="0070C0"/>
-                </a:solidFill>
-                <a:latin typeface="Consolas" panose="020B0609020204030204" pitchFamily="49" charset="0"/>
-                <a:cs typeface="Consolas" panose="020B0609020204030204" pitchFamily="49" charset="0"/>
-              </a:rPr>
-              <a:t>')</a:t>
-            </a:r>
-          </a:p>
-          <a:p>
-            <a:pPr lvl="1"/>
-            <a:r>
-              <a:rPr lang="en-US" sz="2000" b="1" i="1" dirty="0">
-                <a:solidFill>
-                  <a:srgbClr val="0070C0"/>
-                </a:solidFill>
-                <a:latin typeface="Consolas" panose="020B0609020204030204" pitchFamily="49" charset="0"/>
-                <a:cs typeface="Consolas" panose="020B0609020204030204" pitchFamily="49" charset="0"/>
-              </a:rPr>
-              <a:t>    temperature = </a:t>
-            </a:r>
-            <a:r>
-              <a:rPr lang="en-US" sz="2000" b="1" i="1" dirty="0" err="1">
-                <a:solidFill>
-                  <a:srgbClr val="0070C0"/>
-                </a:solidFill>
-                <a:latin typeface="Consolas" panose="020B0609020204030204" pitchFamily="49" charset="0"/>
-                <a:cs typeface="Consolas" panose="020B0609020204030204" pitchFamily="49" charset="0"/>
-              </a:rPr>
-              <a:t>dev.read</a:t>
-            </a:r>
-            <a:r>
-              <a:rPr lang="en-US" sz="2000" b="1" i="1" dirty="0">
-                <a:solidFill>
-                  <a:srgbClr val="0070C0"/>
-                </a:solidFill>
-                <a:latin typeface="Consolas" panose="020B0609020204030204" pitchFamily="49" charset="0"/>
-                <a:cs typeface="Consolas" panose="020B0609020204030204" pitchFamily="49" charset="0"/>
-              </a:rPr>
-              <a:t>()[5:-3]</a:t>
-            </a:r>
-          </a:p>
-          <a:p>
-            <a:pPr lvl="1"/>
-            <a:r>
-              <a:rPr lang="en-US" sz="2000" b="1" i="1" dirty="0">
-                <a:solidFill>
-                  <a:srgbClr val="0070C0"/>
-                </a:solidFill>
-                <a:latin typeface="Consolas" panose="020B0609020204030204" pitchFamily="49" charset="0"/>
-                <a:cs typeface="Consolas" panose="020B0609020204030204" pitchFamily="49" charset="0"/>
-              </a:rPr>
-              <a:t>    return temperature</a:t>
-            </a:r>
-          </a:p>
-          <a:p>
-            <a:pPr lvl="1"/>
-            <a:endParaRPr lang="en-US" sz="2000" b="1" i="1" dirty="0">
-              <a:solidFill>
-                <a:srgbClr val="0070C0"/>
-              </a:solidFill>
-              <a:latin typeface="Consolas" panose="020B0609020204030204" pitchFamily="49" charset="0"/>
-              <a:cs typeface="Consolas" panose="020B0609020204030204" pitchFamily="49" charset="0"/>
-            </a:endParaRPr>
-          </a:p>
-          <a:p>
-            <a:pPr lvl="1"/>
-            <a:endParaRPr lang="en-US" sz="2000" b="1" i="1" dirty="0">
-              <a:solidFill>
-                <a:srgbClr val="0070C0"/>
-              </a:solidFill>
-              <a:latin typeface="Consolas" panose="020B0609020204030204" pitchFamily="49" charset="0"/>
-              <a:cs typeface="Consolas" panose="020B0609020204030204" pitchFamily="49" charset="0"/>
-            </a:endParaRPr>
+              <a:rPr lang="en-US" sz="2000" dirty="0"/>
+              <a:t>You could just use </a:t>
+            </a:r>
+            <a:r>
+              <a:rPr lang="en-US" sz="2400" b="1" dirty="0"/>
+              <a:t>IFTTT </a:t>
+            </a:r>
+            <a:r>
+              <a:rPr lang="en-US" sz="2000" dirty="0"/>
+              <a:t>and change the Action Channel to be Twitter. However, the </a:t>
+            </a:r>
+            <a:r>
+              <a:rPr lang="en-US" sz="2000" dirty="0" err="1"/>
+              <a:t>ThingSpeak</a:t>
+            </a:r>
+            <a:r>
+              <a:rPr lang="en-US" sz="2000" dirty="0"/>
+              <a:t> service is an alternative way of doing this. </a:t>
+            </a:r>
+          </a:p>
+          <a:p>
+            <a:pPr lvl="1"/>
+            <a:endParaRPr lang="en-US" sz="2000" dirty="0"/>
+          </a:p>
+          <a:p>
+            <a:pPr lvl="1"/>
+            <a:r>
+              <a:rPr lang="en-US" sz="2000" dirty="0"/>
+              <a:t>Start by visiting </a:t>
+            </a:r>
+            <a:r>
+              <a:rPr lang="en-US" sz="2400" b="1" dirty="0">
+                <a:solidFill>
+                  <a:schemeClr val="accent1">
+                    <a:lumMod val="75000"/>
+                  </a:schemeClr>
+                </a:solidFill>
+              </a:rPr>
+              <a:t>https://thingspeak.com </a:t>
+            </a:r>
+            <a:r>
+              <a:rPr lang="en-US" sz="2000" dirty="0"/>
+              <a:t>and signing up. Then select the </a:t>
+            </a:r>
+            <a:r>
+              <a:rPr lang="en-US" sz="2000" dirty="0" err="1"/>
+              <a:t>ThingTweet</a:t>
+            </a:r>
+            <a:r>
+              <a:rPr lang="en-US" sz="2000" dirty="0"/>
+              <a:t> action (Following figure). You will be prompted to log in to Twitter.</a:t>
+            </a:r>
+          </a:p>
+          <a:p>
+            <a:pPr lvl="1"/>
+            <a:endParaRPr lang="en-US" sz="2000" dirty="0"/>
+          </a:p>
+          <a:p>
+            <a:pPr lvl="1"/>
+            <a:endParaRPr lang="en-US" sz="2000" dirty="0"/>
           </a:p>
         </p:txBody>
       </p:sp>
     </p:spTree>
     <p:extLst>
       <p:ext uri="{BB962C8B-B14F-4D97-AF65-F5344CB8AC3E}">
-        <p14:creationId xmlns:p14="http://schemas.microsoft.com/office/powerpoint/2010/main" val="855376788"/>
+        <p14:creationId xmlns:p14="http://schemas.microsoft.com/office/powerpoint/2010/main" val="3177764302"/>
       </p:ext>
     </p:extLst>
   </p:cSld>
@@ -10872,7 +10675,7 @@
           <a:p>
             <a:r>
               <a:rPr lang="en-US" dirty="0"/>
-              <a:t>Sending Sensor Data to </a:t>
+              <a:t>Sending Tweets Using </a:t>
             </a:r>
             <a:r>
               <a:rPr lang="en-US" dirty="0" err="1"/>
@@ -10924,192 +10727,15 @@
           </a:p>
         </p:txBody>
       </p:sp>
-      <p:sp>
-        <p:nvSpPr>
-          <p:cNvPr id="7" name="TextBox 6"/>
-          <p:cNvSpPr txBox="1"/>
-          <p:nvPr/>
-        </p:nvSpPr>
-        <p:spPr>
-          <a:xfrm>
-            <a:off x="417443" y="745199"/>
-            <a:ext cx="11357113" cy="2554545"/>
-          </a:xfrm>
-          <a:prstGeom prst="rect">
-            <a:avLst/>
-          </a:prstGeom>
-          <a:noFill/>
-        </p:spPr>
-        <p:txBody>
-          <a:bodyPr wrap="square" rtlCol="0">
-            <a:spAutoFit/>
-          </a:bodyPr>
-          <a:lstStyle/>
-          <a:p>
-            <a:pPr lvl="1"/>
-            <a:endParaRPr lang="en-US" sz="2000" b="1" i="1" dirty="0">
-              <a:solidFill>
-                <a:srgbClr val="0070C0"/>
-              </a:solidFill>
-              <a:latin typeface="Consolas" panose="020B0609020204030204" pitchFamily="49" charset="0"/>
-              <a:cs typeface="Consolas" panose="020B0609020204030204" pitchFamily="49" charset="0"/>
-            </a:endParaRPr>
-          </a:p>
-          <a:p>
-            <a:pPr lvl="1"/>
-            <a:r>
-              <a:rPr lang="en-US" sz="2000" b="1" i="1" dirty="0">
-                <a:solidFill>
-                  <a:srgbClr val="0070C0"/>
-                </a:solidFill>
-                <a:latin typeface="Consolas" panose="020B0609020204030204" pitchFamily="49" charset="0"/>
-                <a:cs typeface="Consolas" panose="020B0609020204030204" pitchFamily="49" charset="0"/>
-              </a:rPr>
-              <a:t>while True:</a:t>
-            </a:r>
-          </a:p>
-          <a:p>
-            <a:pPr lvl="1"/>
-            <a:r>
-              <a:rPr lang="en-US" sz="2000" b="1" i="1" dirty="0">
-                <a:solidFill>
-                  <a:srgbClr val="0070C0"/>
-                </a:solidFill>
-                <a:latin typeface="Consolas" panose="020B0609020204030204" pitchFamily="49" charset="0"/>
-                <a:cs typeface="Consolas" panose="020B0609020204030204" pitchFamily="49" charset="0"/>
-              </a:rPr>
-              <a:t>    temp = </a:t>
-            </a:r>
-            <a:r>
-              <a:rPr lang="en-US" sz="2000" b="1" i="1" dirty="0" err="1">
-                <a:solidFill>
-                  <a:srgbClr val="0070C0"/>
-                </a:solidFill>
-                <a:latin typeface="Consolas" panose="020B0609020204030204" pitchFamily="49" charset="0"/>
-                <a:cs typeface="Consolas" panose="020B0609020204030204" pitchFamily="49" charset="0"/>
-              </a:rPr>
-              <a:t>CpuTemp</a:t>
-            </a:r>
-            <a:r>
-              <a:rPr lang="en-US" sz="2000" b="1" i="1" dirty="0">
-                <a:solidFill>
-                  <a:srgbClr val="0070C0"/>
-                </a:solidFill>
-                <a:latin typeface="Consolas" panose="020B0609020204030204" pitchFamily="49" charset="0"/>
-                <a:cs typeface="Consolas" panose="020B0609020204030204" pitchFamily="49" charset="0"/>
-              </a:rPr>
-              <a:t>()</a:t>
-            </a:r>
-          </a:p>
-          <a:p>
-            <a:pPr lvl="1"/>
-            <a:r>
-              <a:rPr lang="en-US" sz="2000" b="1" i="1" dirty="0">
-                <a:solidFill>
-                  <a:srgbClr val="0070C0"/>
-                </a:solidFill>
-                <a:latin typeface="Consolas" panose="020B0609020204030204" pitchFamily="49" charset="0"/>
-                <a:cs typeface="Consolas" panose="020B0609020204030204" pitchFamily="49" charset="0"/>
-              </a:rPr>
-              <a:t>    print("CPU Temp (C): {}".format(temp))</a:t>
-            </a:r>
-          </a:p>
-          <a:p>
-            <a:pPr lvl="1"/>
-            <a:r>
-              <a:rPr lang="en-US" sz="2000" b="1" i="1" dirty="0">
-                <a:solidFill>
-                  <a:srgbClr val="0070C0"/>
-                </a:solidFill>
-                <a:latin typeface="Consolas" panose="020B0609020204030204" pitchFamily="49" charset="0"/>
-                <a:cs typeface="Consolas" panose="020B0609020204030204" pitchFamily="49" charset="0"/>
-              </a:rPr>
-              <a:t>    </a:t>
-            </a:r>
-            <a:r>
-              <a:rPr lang="en-US" sz="2000" b="1" i="1" dirty="0" err="1">
-                <a:solidFill>
-                  <a:srgbClr val="0070C0"/>
-                </a:solidFill>
-                <a:latin typeface="Consolas" panose="020B0609020204030204" pitchFamily="49" charset="0"/>
-                <a:cs typeface="Consolas" panose="020B0609020204030204" pitchFamily="49" charset="0"/>
-              </a:rPr>
-              <a:t>SendData</a:t>
-            </a:r>
-            <a:r>
-              <a:rPr lang="en-US" sz="2000" b="1" i="1" dirty="0">
-                <a:solidFill>
-                  <a:srgbClr val="0070C0"/>
-                </a:solidFill>
-                <a:latin typeface="Consolas" panose="020B0609020204030204" pitchFamily="49" charset="0"/>
-                <a:cs typeface="Consolas" panose="020B0609020204030204" pitchFamily="49" charset="0"/>
-              </a:rPr>
-              <a:t>(temp)</a:t>
-            </a:r>
-          </a:p>
-          <a:p>
-            <a:pPr lvl="1"/>
-            <a:r>
-              <a:rPr lang="en-US" sz="2000" b="1" i="1" dirty="0">
-                <a:solidFill>
-                  <a:srgbClr val="0070C0"/>
-                </a:solidFill>
-                <a:latin typeface="Consolas" panose="020B0609020204030204" pitchFamily="49" charset="0"/>
-                <a:cs typeface="Consolas" panose="020B0609020204030204" pitchFamily="49" charset="0"/>
-              </a:rPr>
-              <a:t>    </a:t>
-            </a:r>
-            <a:r>
-              <a:rPr lang="en-US" sz="2000" b="1" i="1" dirty="0" err="1">
-                <a:solidFill>
-                  <a:srgbClr val="0070C0"/>
-                </a:solidFill>
-                <a:latin typeface="Consolas" panose="020B0609020204030204" pitchFamily="49" charset="0"/>
-                <a:cs typeface="Consolas" panose="020B0609020204030204" pitchFamily="49" charset="0"/>
-              </a:rPr>
-              <a:t>time.sleep</a:t>
-            </a:r>
-            <a:r>
-              <a:rPr lang="en-US" sz="2000" b="1" i="1" dirty="0">
-                <a:solidFill>
-                  <a:srgbClr val="0070C0"/>
-                </a:solidFill>
-                <a:latin typeface="Consolas" panose="020B0609020204030204" pitchFamily="49" charset="0"/>
-                <a:cs typeface="Consolas" panose="020B0609020204030204" pitchFamily="49" charset="0"/>
-              </a:rPr>
-              <a:t>(DELAY)</a:t>
-            </a:r>
-          </a:p>
-          <a:p>
-            <a:pPr lvl="1"/>
-            <a:endParaRPr lang="en-US" sz="2000" b="1" i="1" dirty="0">
-              <a:solidFill>
-                <a:srgbClr val="0070C0"/>
-              </a:solidFill>
-              <a:latin typeface="Consolas" panose="020B0609020204030204" pitchFamily="49" charset="0"/>
-              <a:cs typeface="Consolas" panose="020B0609020204030204" pitchFamily="49" charset="0"/>
-            </a:endParaRPr>
-          </a:p>
-          <a:p>
-            <a:pPr lvl="1"/>
-            <a:r>
-              <a:rPr lang="en-US" sz="2000" dirty="0"/>
-              <a:t>Run the program. On the </a:t>
-            </a:r>
-            <a:r>
-              <a:rPr lang="en-US" sz="2000" dirty="0" err="1"/>
-              <a:t>ThingSpeak</a:t>
-            </a:r>
-            <a:r>
-              <a:rPr lang="en-US" sz="2000" dirty="0"/>
-              <a:t> channel page on the Private View tab, you should see a graph like:</a:t>
-            </a:r>
-          </a:p>
-        </p:txBody>
-      </p:sp>
       <p:pic>
         <p:nvPicPr>
-          <p:cNvPr id="2" name="Picture 1"/>
+          <p:cNvPr id="2" name="Picture 1">
+            <a:extLst>
+              <a:ext uri="{FF2B5EF4-FFF2-40B4-BE49-F238E27FC236}">
+                <a16:creationId xmlns:a16="http://schemas.microsoft.com/office/drawing/2014/main" id="{362278BA-8274-44F9-B0AF-5BFD2FE028D1}"/>
+              </a:ext>
+            </a:extLst>
+          </p:cNvPr>
           <p:cNvPicPr>
             <a:picLocks noChangeAspect="1"/>
           </p:cNvPicPr>
@@ -11123,8 +10749,8 @@
         </p:blipFill>
         <p:spPr>
           <a:xfrm>
-            <a:off x="3394418" y="3323726"/>
-            <a:ext cx="4764845" cy="3413021"/>
+            <a:off x="233362" y="1637969"/>
+            <a:ext cx="11725275" cy="4400550"/>
           </a:xfrm>
           <a:prstGeom prst="rect">
             <a:avLst/>
@@ -11134,7 +10760,7 @@
     </p:spTree>
     <p:extLst>
       <p:ext uri="{BB962C8B-B14F-4D97-AF65-F5344CB8AC3E}">
-        <p14:creationId xmlns:p14="http://schemas.microsoft.com/office/powerpoint/2010/main" val="1556363800"/>
+        <p14:creationId xmlns:p14="http://schemas.microsoft.com/office/powerpoint/2010/main" val="705724565"/>
       </p:ext>
     </p:extLst>
   </p:cSld>
@@ -11298,7 +10924,7 @@
           <a:p>
             <a:r>
               <a:rPr lang="en-US" dirty="0"/>
-              <a:t>Sending Email and Other Notifications with IFTTT </a:t>
+              <a:t>SendTweet.py project </a:t>
             </a:r>
           </a:p>
         </p:txBody>
@@ -11351,7 +10977,7 @@
         <p:spPr>
           <a:xfrm>
             <a:off x="417443" y="745199"/>
-            <a:ext cx="11357113" cy="2862322"/>
+            <a:ext cx="11357113" cy="4093428"/>
           </a:xfrm>
           <a:prstGeom prst="rect">
             <a:avLst/>
@@ -11366,22 +10992,49 @@
           <a:p>
             <a:pPr lvl="1"/>
             <a:r>
-              <a:rPr lang="en-US" sz="2000" dirty="0"/>
-              <a:t>The variable </a:t>
-            </a:r>
-            <a:r>
               <a:rPr lang="en-US" sz="2000" b="1" i="1" dirty="0">
                 <a:solidFill>
                   <a:srgbClr val="0070C0"/>
                 </a:solidFill>
                 <a:latin typeface="Consolas" panose="020B0609020204030204" pitchFamily="49" charset="0"/>
-                <a:cs typeface="Consolas" panose="020B0609020204030204" pitchFamily="49" charset="0"/>
-              </a:rPr>
-              <a:t>PERIOD</a:t>
-            </a:r>
-            <a:r>
-              <a:rPr lang="en-US" sz="2000" dirty="0"/>
-              <a:t> is used to determine the time interval between each sending of the temperature. This period is in seconds. </a:t>
+              </a:rPr>
+              <a:t>import time, </a:t>
+            </a:r>
+            <a:r>
+              <a:rPr lang="en-US" sz="2000" b="1" i="1" dirty="0" err="1">
+                <a:solidFill>
+                  <a:srgbClr val="0070C0"/>
+                </a:solidFill>
+                <a:latin typeface="Consolas" panose="020B0609020204030204" pitchFamily="49" charset="0"/>
+              </a:rPr>
+              <a:t>os</a:t>
+            </a:r>
+            <a:r>
+              <a:rPr lang="en-US" sz="2000" b="1" i="1" dirty="0">
+                <a:solidFill>
+                  <a:srgbClr val="0070C0"/>
+                </a:solidFill>
+                <a:latin typeface="Consolas" panose="020B0609020204030204" pitchFamily="49" charset="0"/>
+              </a:rPr>
+              <a:t>, </a:t>
+            </a:r>
+            <a:r>
+              <a:rPr lang="en-US" sz="2000" b="1" i="1" dirty="0" err="1">
+                <a:solidFill>
+                  <a:srgbClr val="0070C0"/>
+                </a:solidFill>
+                <a:latin typeface="Consolas" panose="020B0609020204030204" pitchFamily="49" charset="0"/>
+              </a:rPr>
+              <a:t>urllib</a:t>
+            </a:r>
+            <a:r>
+              <a:rPr lang="en-US" sz="2000" b="1" i="1" dirty="0">
+                <a:solidFill>
+                  <a:srgbClr val="0070C0"/>
+                </a:solidFill>
+                <a:latin typeface="Consolas" panose="020B0609020204030204" pitchFamily="49" charset="0"/>
+              </a:rPr>
+              <a:t>, urllib2</a:t>
             </a:r>
           </a:p>
           <a:p>
@@ -11391,14 +11044,42 @@
                 <a:srgbClr val="0070C0"/>
               </a:solidFill>
               <a:latin typeface="Consolas" panose="020B0609020204030204" pitchFamily="49" charset="0"/>
-              <a:cs typeface="Consolas" panose="020B0609020204030204" pitchFamily="49" charset="0"/>
             </a:endParaRPr>
           </a:p>
           <a:p>
             <a:pPr lvl="1"/>
             <a:r>
-              <a:rPr lang="en-US" sz="2000" dirty="0"/>
-              <a:t>The </a:t>
+              <a:rPr lang="en-US" sz="2000" b="1" i="1" dirty="0">
+                <a:solidFill>
+                  <a:srgbClr val="0070C0"/>
+                </a:solidFill>
+                <a:latin typeface="Consolas" panose="020B0609020204030204" pitchFamily="49" charset="0"/>
+              </a:rPr>
+              <a:t>MAX_TEMP = 37.0 </a:t>
+            </a:r>
+          </a:p>
+          <a:p>
+            <a:pPr lvl="1"/>
+            <a:r>
+              <a:rPr lang="en-US" sz="2000" b="1" i="1" dirty="0">
+                <a:solidFill>
+                  <a:srgbClr val="0070C0"/>
+                </a:solidFill>
+                <a:latin typeface="Consolas" panose="020B0609020204030204" pitchFamily="49" charset="0"/>
+              </a:rPr>
+              <a:t>MIN_T_BETWEEN_WARNINGS = 60 # Minutes</a:t>
+            </a:r>
+          </a:p>
+          <a:p>
+            <a:pPr lvl="1"/>
+            <a:r>
+              <a:rPr lang="en-US" sz="2000" b="1" i="1" dirty="0">
+                <a:solidFill>
+                  <a:srgbClr val="0070C0"/>
+                </a:solidFill>
+                <a:latin typeface="Consolas" panose="020B0609020204030204" pitchFamily="49" charset="0"/>
+              </a:rPr>
+              <a:t>BASE_URL = 'https://api.thingspeak.com/apps/</a:t>
             </a:r>
             <a:r>
               <a:rPr lang="en-US" sz="2000" b="1" i="1" dirty="0" err="1">
@@ -11406,13 +11087,8 @@
                   <a:srgbClr val="0070C0"/>
                 </a:solidFill>
                 <a:latin typeface="Consolas" panose="020B0609020204030204" pitchFamily="49" charset="0"/>
-                <a:cs typeface="Consolas" panose="020B0609020204030204" pitchFamily="49" charset="0"/>
-              </a:rPr>
-              <a:t>send_data</a:t>
-            </a:r>
-            <a:r>
-              <a:rPr lang="en-US" sz="2000" dirty="0"/>
-              <a:t> function constructs the web request, supplying the temperature in a parameter called </a:t>
+              </a:rPr>
+              <a:t>thingtweet</a:t>
             </a:r>
             <a:r>
               <a:rPr lang="en-US" sz="2000" b="1" i="1" dirty="0">
@@ -11420,24 +11096,179 @@
                   <a:srgbClr val="0070C0"/>
                 </a:solidFill>
                 <a:latin typeface="Consolas" panose="020B0609020204030204" pitchFamily="49" charset="0"/>
-                <a:cs typeface="Consolas" panose="020B0609020204030204" pitchFamily="49" charset="0"/>
-              </a:rPr>
-              <a:t>field1</a:t>
-            </a:r>
-            <a:r>
-              <a:rPr lang="en-US" sz="2000" dirty="0"/>
-              <a:t>.</a:t>
-            </a:r>
-          </a:p>
-          <a:p>
-            <a:pPr lvl="1"/>
-            <a:endParaRPr lang="en-US" sz="2000" dirty="0"/>
-          </a:p>
-          <a:p>
-            <a:pPr lvl="1"/>
-            <a:r>
-              <a:rPr lang="en-US" sz="2000" dirty="0"/>
-              <a:t>If your data might be of public interest—say, accurate environmental readings—then you might want to make the channel public so that anyone can make use of it. This probably isn’t the case for your Pi’s CPU temperature. </a:t>
+              </a:rPr>
+              <a:t>/1/statuses/update/' KEY = '68LZC4LBMXLO6YDY’</a:t>
+            </a:r>
+          </a:p>
+          <a:p>
+            <a:pPr lvl="1"/>
+            <a:endParaRPr lang="en-US" sz="2000" b="1" i="1" dirty="0">
+              <a:solidFill>
+                <a:srgbClr val="0070C0"/>
+              </a:solidFill>
+              <a:latin typeface="Consolas" panose="020B0609020204030204" pitchFamily="49" charset="0"/>
+            </a:endParaRPr>
+          </a:p>
+          <a:p>
+            <a:pPr lvl="1"/>
+            <a:r>
+              <a:rPr lang="en-US" sz="2000" b="1" i="1" dirty="0">
+                <a:solidFill>
+                  <a:srgbClr val="0070C0"/>
+                </a:solidFill>
+                <a:latin typeface="Consolas" panose="020B0609020204030204" pitchFamily="49" charset="0"/>
+              </a:rPr>
+              <a:t>def </a:t>
+            </a:r>
+            <a:r>
+              <a:rPr lang="en-US" sz="2000" b="1" i="1" dirty="0" err="1">
+                <a:solidFill>
+                  <a:srgbClr val="0070C0"/>
+                </a:solidFill>
+                <a:latin typeface="Consolas" panose="020B0609020204030204" pitchFamily="49" charset="0"/>
+              </a:rPr>
+              <a:t>send_notification</a:t>
+            </a:r>
+            <a:r>
+              <a:rPr lang="en-US" sz="2000" b="1" i="1" dirty="0">
+                <a:solidFill>
+                  <a:srgbClr val="0070C0"/>
+                </a:solidFill>
+                <a:latin typeface="Consolas" panose="020B0609020204030204" pitchFamily="49" charset="0"/>
+              </a:rPr>
+              <a:t>(temp):    </a:t>
+            </a:r>
+          </a:p>
+          <a:p>
+            <a:pPr lvl="1"/>
+            <a:r>
+              <a:rPr lang="en-US" sz="2000" b="1" i="1" dirty="0">
+                <a:solidFill>
+                  <a:srgbClr val="0070C0"/>
+                </a:solidFill>
+                <a:latin typeface="Consolas" panose="020B0609020204030204" pitchFamily="49" charset="0"/>
+              </a:rPr>
+              <a:t>	status = 'Raspberry Pi getting hot. </a:t>
+            </a:r>
+          </a:p>
+          <a:p>
+            <a:pPr lvl="1"/>
+            <a:r>
+              <a:rPr lang="en-US" sz="2000" b="1" i="1" dirty="0">
+                <a:solidFill>
+                  <a:srgbClr val="0070C0"/>
+                </a:solidFill>
+                <a:latin typeface="Consolas" panose="020B0609020204030204" pitchFamily="49" charset="0"/>
+              </a:rPr>
+              <a:t>	CPU temp=' + temp    </a:t>
+            </a:r>
+          </a:p>
+          <a:p>
+            <a:pPr lvl="1"/>
+            <a:r>
+              <a:rPr lang="en-US" sz="2000" b="1" i="1" dirty="0">
+                <a:solidFill>
+                  <a:srgbClr val="0070C0"/>
+                </a:solidFill>
+                <a:latin typeface="Consolas" panose="020B0609020204030204" pitchFamily="49" charset="0"/>
+              </a:rPr>
+              <a:t>	data = </a:t>
+            </a:r>
+            <a:r>
+              <a:rPr lang="en-US" sz="2000" b="1" i="1" dirty="0" err="1">
+                <a:solidFill>
+                  <a:srgbClr val="0070C0"/>
+                </a:solidFill>
+                <a:latin typeface="Consolas" panose="020B0609020204030204" pitchFamily="49" charset="0"/>
+              </a:rPr>
+              <a:t>urllib.urlencode</a:t>
+            </a:r>
+            <a:r>
+              <a:rPr lang="en-US" sz="2000" b="1" i="1" dirty="0">
+                <a:solidFill>
+                  <a:srgbClr val="0070C0"/>
+                </a:solidFill>
+                <a:latin typeface="Consolas" panose="020B0609020204030204" pitchFamily="49" charset="0"/>
+              </a:rPr>
+              <a:t>({'</a:t>
+            </a:r>
+            <a:r>
+              <a:rPr lang="en-US" sz="2000" b="1" i="1" dirty="0" err="1">
+                <a:solidFill>
+                  <a:srgbClr val="0070C0"/>
+                </a:solidFill>
+                <a:latin typeface="Consolas" panose="020B0609020204030204" pitchFamily="49" charset="0"/>
+              </a:rPr>
+              <a:t>api_key</a:t>
+            </a:r>
+            <a:r>
+              <a:rPr lang="en-US" sz="2000" b="1" i="1" dirty="0">
+                <a:solidFill>
+                  <a:srgbClr val="0070C0"/>
+                </a:solidFill>
+                <a:latin typeface="Consolas" panose="020B0609020204030204" pitchFamily="49" charset="0"/>
+              </a:rPr>
+              <a:t>' : KEY, 'status': status})    </a:t>
+            </a:r>
+          </a:p>
+          <a:p>
+            <a:pPr lvl="1"/>
+            <a:r>
+              <a:rPr lang="en-US" sz="2000" b="1" i="1" dirty="0">
+                <a:solidFill>
+                  <a:srgbClr val="0070C0"/>
+                </a:solidFill>
+                <a:latin typeface="Consolas" panose="020B0609020204030204" pitchFamily="49" charset="0"/>
+              </a:rPr>
+              <a:t>	response = urllib2.urlopen(</a:t>
+            </a:r>
+            <a:r>
+              <a:rPr lang="en-US" sz="2000" b="1" i="1" dirty="0" err="1">
+                <a:solidFill>
+                  <a:srgbClr val="0070C0"/>
+                </a:solidFill>
+                <a:latin typeface="Consolas" panose="020B0609020204030204" pitchFamily="49" charset="0"/>
+              </a:rPr>
+              <a:t>url</a:t>
+            </a:r>
+            <a:r>
+              <a:rPr lang="en-US" sz="2000" b="1" i="1" dirty="0">
+                <a:solidFill>
+                  <a:srgbClr val="0070C0"/>
+                </a:solidFill>
+                <a:latin typeface="Consolas" panose="020B0609020204030204" pitchFamily="49" charset="0"/>
+              </a:rPr>
+              <a:t>=BASE_URL, data=data)    </a:t>
+            </a:r>
+          </a:p>
+          <a:p>
+            <a:pPr lvl="1"/>
+            <a:r>
+              <a:rPr lang="en-US" sz="2000" b="1" i="1" dirty="0">
+                <a:solidFill>
+                  <a:srgbClr val="0070C0"/>
+                </a:solidFill>
+                <a:latin typeface="Consolas" panose="020B0609020204030204" pitchFamily="49" charset="0"/>
+              </a:rPr>
+              <a:t>	print(</a:t>
+            </a:r>
+            <a:r>
+              <a:rPr lang="en-US" sz="2000" b="1" i="1" dirty="0" err="1">
+                <a:solidFill>
+                  <a:srgbClr val="0070C0"/>
+                </a:solidFill>
+                <a:latin typeface="Consolas" panose="020B0609020204030204" pitchFamily="49" charset="0"/>
+              </a:rPr>
+              <a:t>response.read</a:t>
+            </a:r>
+            <a:r>
+              <a:rPr lang="en-US" sz="2000" b="1" i="1" dirty="0">
+                <a:solidFill>
+                  <a:srgbClr val="0070C0"/>
+                </a:solidFill>
+                <a:latin typeface="Consolas" panose="020B0609020204030204" pitchFamily="49" charset="0"/>
+              </a:rPr>
+              <a:t>())</a:t>
             </a:r>
           </a:p>
         </p:txBody>
@@ -11445,7 +11276,7 @@
     </p:spTree>
     <p:extLst>
       <p:ext uri="{BB962C8B-B14F-4D97-AF65-F5344CB8AC3E}">
-        <p14:creationId xmlns:p14="http://schemas.microsoft.com/office/powerpoint/2010/main" val="3876869903"/>
+        <p14:creationId xmlns:p14="http://schemas.microsoft.com/office/powerpoint/2010/main" val="1438346809"/>
       </p:ext>
     </p:extLst>
   </p:cSld>
@@ -11609,15 +11440,7 @@
           <a:p>
             <a:r>
               <a:rPr lang="en-US" dirty="0"/>
-              <a:t>Sending Tweets Using </a:t>
-            </a:r>
-            <a:r>
-              <a:rPr lang="en-US" dirty="0" err="1"/>
-              <a:t>ThingSpeak</a:t>
-            </a:r>
-            <a:r>
-              <a:rPr lang="en-US" dirty="0"/>
-              <a:t> </a:t>
+              <a:t>SendTweet.py project </a:t>
             </a:r>
           </a:p>
         </p:txBody>
@@ -11669,8 +11492,8 @@
         </p:nvSpPr>
         <p:spPr>
           <a:xfrm>
-            <a:off x="417443" y="745199"/>
-            <a:ext cx="11357113" cy="3293209"/>
+            <a:off x="-457200" y="745199"/>
+            <a:ext cx="12649200" cy="3785652"/>
           </a:xfrm>
           <a:prstGeom prst="rect">
             <a:avLst/>
@@ -11684,85 +11507,259 @@
           <a:lstStyle/>
           <a:p>
             <a:pPr lvl="1"/>
-            <a:r>
-              <a:rPr lang="en-US" sz="2000" dirty="0"/>
-              <a:t>You want to automatically send tweets from your Raspberry Pi; for example, to irritate people by telling them the temperature of your CPU.</a:t>
-            </a:r>
-          </a:p>
-          <a:p>
-            <a:pPr lvl="1"/>
-            <a:endParaRPr lang="en-US" sz="2000" dirty="0"/>
-          </a:p>
-          <a:p>
-            <a:pPr lvl="1"/>
-            <a:r>
-              <a:rPr lang="en-US" sz="2000" dirty="0"/>
-              <a:t>You could just use </a:t>
-            </a:r>
-            <a:r>
-              <a:rPr lang="en-US" sz="2400" b="1" dirty="0"/>
-              <a:t>IFTTT </a:t>
-            </a:r>
-            <a:r>
-              <a:rPr lang="en-US" sz="2000" dirty="0"/>
-              <a:t>and change the Action Channel to be Twitter. However, the </a:t>
-            </a:r>
-            <a:r>
-              <a:rPr lang="en-US" sz="2000" dirty="0" err="1"/>
-              <a:t>ThingSpeak</a:t>
-            </a:r>
-            <a:r>
-              <a:rPr lang="en-US" sz="2000" dirty="0"/>
-              <a:t> service is an alternative way of doing this. </a:t>
-            </a:r>
-          </a:p>
-          <a:p>
-            <a:pPr lvl="1"/>
-            <a:endParaRPr lang="en-US" sz="2000" dirty="0"/>
-          </a:p>
-          <a:p>
-            <a:pPr lvl="1"/>
-            <a:r>
-              <a:rPr lang="en-US" sz="2000" dirty="0"/>
-              <a:t>Start by visiting </a:t>
-            </a:r>
-            <a:r>
-              <a:rPr lang="en-US" sz="2400" b="1" dirty="0">
-                <a:solidFill>
-                  <a:schemeClr val="accent1">
-                    <a:lumMod val="75000"/>
-                  </a:schemeClr>
-                </a:solidFill>
-              </a:rPr>
-              <a:t>https://thingspeak.com </a:t>
-            </a:r>
-            <a:r>
-              <a:rPr lang="en-US" sz="2000" dirty="0"/>
-              <a:t>and signing up. Then select the </a:t>
-            </a:r>
-            <a:r>
-              <a:rPr lang="en-US" sz="2000" dirty="0" err="1"/>
-              <a:t>ThingTweet</a:t>
-            </a:r>
-            <a:r>
-              <a:rPr lang="en-US" sz="2000" dirty="0"/>
-              <a:t> action (Following figure). You will be prompted to log in to Twitter.</a:t>
-            </a:r>
-          </a:p>
-          <a:p>
-            <a:pPr lvl="1"/>
-            <a:endParaRPr lang="en-US" sz="2000" dirty="0"/>
-          </a:p>
-          <a:p>
-            <a:pPr lvl="1"/>
-            <a:endParaRPr lang="en-US" sz="2000" dirty="0"/>
+            <a:endParaRPr lang="en-US" sz="2000" b="1" i="1" dirty="0">
+              <a:solidFill>
+                <a:srgbClr val="0070C0"/>
+              </a:solidFill>
+              <a:latin typeface="Consolas" panose="020B0609020204030204" pitchFamily="49" charset="0"/>
+            </a:endParaRPr>
+          </a:p>
+          <a:p>
+            <a:pPr lvl="1"/>
+            <a:r>
+              <a:rPr lang="en-US" sz="2000" b="1" i="1" dirty="0">
+                <a:solidFill>
+                  <a:srgbClr val="0070C0"/>
+                </a:solidFill>
+                <a:latin typeface="Consolas" panose="020B0609020204030204" pitchFamily="49" charset="0"/>
+              </a:rPr>
+              <a:t>while True:    </a:t>
+            </a:r>
+          </a:p>
+          <a:p>
+            <a:pPr lvl="1"/>
+            <a:r>
+              <a:rPr lang="en-US" sz="2000" b="1" i="1" dirty="0">
+                <a:solidFill>
+                  <a:srgbClr val="0070C0"/>
+                </a:solidFill>
+                <a:latin typeface="Consolas" panose="020B0609020204030204" pitchFamily="49" charset="0"/>
+              </a:rPr>
+              <a:t>	temp = </a:t>
+            </a:r>
+            <a:r>
+              <a:rPr lang="en-US" sz="2000" b="1" i="1" dirty="0" err="1">
+                <a:solidFill>
+                  <a:srgbClr val="0070C0"/>
+                </a:solidFill>
+                <a:latin typeface="Consolas" panose="020B0609020204030204" pitchFamily="49" charset="0"/>
+              </a:rPr>
+              <a:t>cpu_temp</a:t>
+            </a:r>
+            <a:r>
+              <a:rPr lang="en-US" sz="2000" b="1" i="1" dirty="0">
+                <a:solidFill>
+                  <a:srgbClr val="0070C0"/>
+                </a:solidFill>
+                <a:latin typeface="Consolas" panose="020B0609020204030204" pitchFamily="49" charset="0"/>
+              </a:rPr>
+              <a:t>()    </a:t>
+            </a:r>
+          </a:p>
+          <a:p>
+            <a:pPr lvl="1"/>
+            <a:r>
+              <a:rPr lang="en-US" sz="2000" b="1" i="1" dirty="0">
+                <a:solidFill>
+                  <a:srgbClr val="0070C0"/>
+                </a:solidFill>
+                <a:latin typeface="Consolas" panose="020B0609020204030204" pitchFamily="49" charset="0"/>
+              </a:rPr>
+              <a:t>	print("CPU Temp (C): " + </a:t>
+            </a:r>
+            <a:r>
+              <a:rPr lang="en-US" sz="2000" b="1" i="1" dirty="0" err="1">
+                <a:solidFill>
+                  <a:srgbClr val="0070C0"/>
+                </a:solidFill>
+                <a:latin typeface="Consolas" panose="020B0609020204030204" pitchFamily="49" charset="0"/>
+              </a:rPr>
+              <a:t>str</a:t>
+            </a:r>
+            <a:r>
+              <a:rPr lang="en-US" sz="2000" b="1" i="1" dirty="0">
+                <a:solidFill>
+                  <a:srgbClr val="0070C0"/>
+                </a:solidFill>
+                <a:latin typeface="Consolas" panose="020B0609020204030204" pitchFamily="49" charset="0"/>
+              </a:rPr>
+              <a:t>(temp))    </a:t>
+            </a:r>
+          </a:p>
+          <a:p>
+            <a:pPr lvl="1"/>
+            <a:r>
+              <a:rPr lang="en-US" sz="2000" b="1" i="1" dirty="0">
+                <a:solidFill>
+                  <a:srgbClr val="0070C0"/>
+                </a:solidFill>
+                <a:latin typeface="Consolas" panose="020B0609020204030204" pitchFamily="49" charset="0"/>
+              </a:rPr>
+              <a:t>	</a:t>
+            </a:r>
+          </a:p>
+          <a:p>
+            <a:pPr lvl="1"/>
+            <a:r>
+              <a:rPr lang="en-US" sz="2000" b="1" i="1" dirty="0">
+                <a:solidFill>
+                  <a:srgbClr val="0070C0"/>
+                </a:solidFill>
+                <a:latin typeface="Consolas" panose="020B0609020204030204" pitchFamily="49" charset="0"/>
+              </a:rPr>
+              <a:t>	if temp &gt; MAX_TEMP:        </a:t>
+            </a:r>
+          </a:p>
+          <a:p>
+            <a:pPr lvl="1"/>
+            <a:r>
+              <a:rPr lang="en-US" sz="2000" b="1" i="1" dirty="0">
+                <a:solidFill>
+                  <a:srgbClr val="0070C0"/>
+                </a:solidFill>
+                <a:latin typeface="Consolas" panose="020B0609020204030204" pitchFamily="49" charset="0"/>
+              </a:rPr>
+              <a:t>		print("CPU TOO HOT!")        </a:t>
+            </a:r>
+          </a:p>
+          <a:p>
+            <a:pPr lvl="1"/>
+            <a:r>
+              <a:rPr lang="en-US" sz="2000" b="1" i="1" dirty="0">
+                <a:solidFill>
+                  <a:srgbClr val="0070C0"/>
+                </a:solidFill>
+                <a:latin typeface="Consolas" panose="020B0609020204030204" pitchFamily="49" charset="0"/>
+              </a:rPr>
+              <a:t>		</a:t>
+            </a:r>
+            <a:r>
+              <a:rPr lang="en-US" sz="2000" b="1" i="1" dirty="0" err="1">
+                <a:solidFill>
+                  <a:srgbClr val="0070C0"/>
+                </a:solidFill>
+                <a:latin typeface="Consolas" panose="020B0609020204030204" pitchFamily="49" charset="0"/>
+              </a:rPr>
+              <a:t>send_notification</a:t>
+            </a:r>
+            <a:r>
+              <a:rPr lang="en-US" sz="2000" b="1" i="1" dirty="0">
+                <a:solidFill>
+                  <a:srgbClr val="0070C0"/>
+                </a:solidFill>
+                <a:latin typeface="Consolas" panose="020B0609020204030204" pitchFamily="49" charset="0"/>
+              </a:rPr>
+              <a:t>(temp)        </a:t>
+            </a:r>
+          </a:p>
+          <a:p>
+            <a:pPr lvl="1"/>
+            <a:r>
+              <a:rPr lang="en-US" sz="2000" b="1" i="1" dirty="0">
+                <a:solidFill>
+                  <a:srgbClr val="0070C0"/>
+                </a:solidFill>
+                <a:latin typeface="Consolas" panose="020B0609020204030204" pitchFamily="49" charset="0"/>
+              </a:rPr>
+              <a:t>		print("No more notifications for: " + </a:t>
+            </a:r>
+            <a:r>
+              <a:rPr lang="en-US" sz="2000" b="1" i="1" dirty="0" err="1">
+                <a:solidFill>
+                  <a:srgbClr val="0070C0"/>
+                </a:solidFill>
+                <a:latin typeface="Consolas" panose="020B0609020204030204" pitchFamily="49" charset="0"/>
+              </a:rPr>
+              <a:t>str</a:t>
+            </a:r>
+            <a:r>
+              <a:rPr lang="en-US" sz="2000" b="1" i="1" dirty="0">
+                <a:solidFill>
+                  <a:srgbClr val="0070C0"/>
+                </a:solidFill>
+                <a:latin typeface="Consolas" panose="020B0609020204030204" pitchFamily="49" charset="0"/>
+              </a:rPr>
+              <a:t>(MIN_T_BETWEEN_WARNINGS) + " mins")     </a:t>
+            </a:r>
+          </a:p>
+          <a:p>
+            <a:pPr lvl="1"/>
+            <a:r>
+              <a:rPr lang="en-US" sz="2000" b="1" i="1" dirty="0">
+                <a:solidFill>
+                  <a:srgbClr val="0070C0"/>
+                </a:solidFill>
+                <a:latin typeface="Consolas" panose="020B0609020204030204" pitchFamily="49" charset="0"/>
+              </a:rPr>
+              <a:t>		</a:t>
+            </a:r>
+            <a:r>
+              <a:rPr lang="en-US" sz="2000" b="1" i="1" dirty="0" err="1">
+                <a:solidFill>
+                  <a:srgbClr val="0070C0"/>
+                </a:solidFill>
+                <a:latin typeface="Consolas" panose="020B0609020204030204" pitchFamily="49" charset="0"/>
+              </a:rPr>
+              <a:t>time.sleep</a:t>
+            </a:r>
+            <a:r>
+              <a:rPr lang="en-US" sz="2000" b="1" i="1" dirty="0">
+                <a:solidFill>
+                  <a:srgbClr val="0070C0"/>
+                </a:solidFill>
+                <a:latin typeface="Consolas" panose="020B0609020204030204" pitchFamily="49" charset="0"/>
+              </a:rPr>
+              <a:t>(MIN_T_BETWEEN_WARNINGS * 60)    </a:t>
+            </a:r>
+          </a:p>
+          <a:p>
+            <a:pPr lvl="1"/>
+            <a:r>
+              <a:rPr lang="en-US" sz="2000" b="1" i="1" dirty="0">
+                <a:solidFill>
+                  <a:srgbClr val="0070C0"/>
+                </a:solidFill>
+                <a:latin typeface="Consolas" panose="020B0609020204030204" pitchFamily="49" charset="0"/>
+              </a:rPr>
+              <a:t>	</a:t>
+            </a:r>
+          </a:p>
+          <a:p>
+            <a:pPr lvl="1"/>
+            <a:r>
+              <a:rPr lang="en-US" sz="2000" b="1" i="1" dirty="0">
+                <a:solidFill>
+                  <a:srgbClr val="0070C0"/>
+                </a:solidFill>
+                <a:latin typeface="Consolas" panose="020B0609020204030204" pitchFamily="49" charset="0"/>
+              </a:rPr>
+              <a:t>	</a:t>
+            </a:r>
+            <a:r>
+              <a:rPr lang="en-US" sz="2000" b="1" i="1" dirty="0" err="1">
+                <a:solidFill>
+                  <a:srgbClr val="0070C0"/>
+                </a:solidFill>
+                <a:latin typeface="Consolas" panose="020B0609020204030204" pitchFamily="49" charset="0"/>
+              </a:rPr>
+              <a:t>time.sleep</a:t>
+            </a:r>
+            <a:r>
+              <a:rPr lang="en-US" sz="2000" b="1" i="1" dirty="0">
+                <a:solidFill>
+                  <a:srgbClr val="0070C0"/>
+                </a:solidFill>
+                <a:latin typeface="Consolas" panose="020B0609020204030204" pitchFamily="49" charset="0"/>
+              </a:rPr>
+              <a:t>(1)</a:t>
+            </a:r>
           </a:p>
         </p:txBody>
       </p:sp>
     </p:spTree>
     <p:extLst>
       <p:ext uri="{BB962C8B-B14F-4D97-AF65-F5344CB8AC3E}">
-        <p14:creationId xmlns:p14="http://schemas.microsoft.com/office/powerpoint/2010/main" val="3177764302"/>
+        <p14:creationId xmlns:p14="http://schemas.microsoft.com/office/powerpoint/2010/main" val="673597566"/>
       </p:ext>
     </p:extLst>
   </p:cSld>
@@ -12534,40 +12531,146 @@
           </a:p>
         </p:txBody>
       </p:sp>
-      <p:pic>
-        <p:nvPicPr>
-          <p:cNvPr id="2" name="Picture 1">
-            <a:extLst>
-              <a:ext uri="{FF2B5EF4-FFF2-40B4-BE49-F238E27FC236}">
-                <a16:creationId xmlns:a16="http://schemas.microsoft.com/office/drawing/2014/main" id="{362278BA-8274-44F9-B0AF-5BFD2FE028D1}"/>
-              </a:ext>
-            </a:extLst>
-          </p:cNvPr>
-          <p:cNvPicPr>
-            <a:picLocks noChangeAspect="1"/>
-          </p:cNvPicPr>
+      <p:sp>
+        <p:nvSpPr>
+          <p:cNvPr id="7" name="TextBox 6"/>
+          <p:cNvSpPr txBox="1"/>
           <p:nvPr/>
-        </p:nvPicPr>
-        <p:blipFill>
-          <a:blip r:embed="rId2"/>
-          <a:stretch>
-            <a:fillRect/>
-          </a:stretch>
-        </p:blipFill>
+        </p:nvSpPr>
         <p:spPr>
           <a:xfrm>
-            <a:off x="233362" y="1637969"/>
-            <a:ext cx="11725275" cy="4400550"/>
+            <a:off x="0" y="745199"/>
+            <a:ext cx="12191999" cy="3046988"/>
           </a:xfrm>
           <a:prstGeom prst="rect">
             <a:avLst/>
           </a:prstGeom>
+          <a:noFill/>
         </p:spPr>
-      </p:pic>
+        <p:txBody>
+          <a:bodyPr wrap="square" rtlCol="0">
+            <a:spAutoFit/>
+          </a:bodyPr>
+          <a:lstStyle/>
+          <a:p>
+            <a:pPr lvl="1"/>
+            <a:r>
+              <a:rPr lang="en-US" sz="2000" dirty="0"/>
+              <a:t>For full documentation of the </a:t>
+            </a:r>
+            <a:r>
+              <a:rPr lang="en-US" sz="2000" dirty="0" err="1"/>
+              <a:t>ThingSpeak</a:t>
+            </a:r>
+            <a:r>
+              <a:rPr lang="en-US" sz="2000" dirty="0"/>
+              <a:t> service, see </a:t>
+            </a:r>
+            <a:r>
+              <a:rPr lang="en-US" sz="2400" b="1" dirty="0">
+                <a:solidFill>
+                  <a:schemeClr val="accent1">
+                    <a:lumMod val="75000"/>
+                  </a:schemeClr>
+                </a:solidFill>
+              </a:rPr>
+              <a:t>https://uk.mathworks.com/help/ </a:t>
+            </a:r>
+            <a:r>
+              <a:rPr lang="en-US" sz="2400" b="1" dirty="0" err="1">
+                <a:solidFill>
+                  <a:schemeClr val="accent1">
+                    <a:lumMod val="75000"/>
+                  </a:schemeClr>
+                </a:solidFill>
+              </a:rPr>
+              <a:t>thingspeak</a:t>
+            </a:r>
+            <a:r>
+              <a:rPr lang="en-US" sz="2400" b="1" dirty="0">
+                <a:solidFill>
+                  <a:schemeClr val="accent1">
+                    <a:lumMod val="75000"/>
+                  </a:schemeClr>
+                </a:solidFill>
+              </a:rPr>
+              <a:t>/.</a:t>
+            </a:r>
+          </a:p>
+          <a:p>
+            <a:pPr lvl="1"/>
+            <a:endParaRPr lang="en-US" sz="2000" dirty="0"/>
+          </a:p>
+          <a:p>
+            <a:pPr lvl="1"/>
+            <a:r>
+              <a:rPr lang="en-US" sz="2000" dirty="0"/>
+              <a:t>You could just use </a:t>
+            </a:r>
+            <a:r>
+              <a:rPr lang="en-US" sz="2400" b="1" dirty="0"/>
+              <a:t>IFTTT </a:t>
+            </a:r>
+            <a:r>
+              <a:rPr lang="en-US" sz="2000" dirty="0"/>
+              <a:t>and change the Action Channel to be Twitter. However, the </a:t>
+            </a:r>
+            <a:r>
+              <a:rPr lang="en-US" sz="2000" dirty="0" err="1"/>
+              <a:t>ThingSpeak</a:t>
+            </a:r>
+            <a:r>
+              <a:rPr lang="en-US" sz="2000" dirty="0"/>
+              <a:t> service is an alternative way of doing this. </a:t>
+            </a:r>
+          </a:p>
+          <a:p>
+            <a:pPr lvl="1"/>
+            <a:endParaRPr lang="en-US" sz="2000" dirty="0"/>
+          </a:p>
+          <a:p>
+            <a:pPr lvl="1"/>
+            <a:r>
+              <a:rPr lang="en-US" sz="2000" dirty="0"/>
+              <a:t>Start by visiting </a:t>
+            </a:r>
+            <a:r>
+              <a:rPr lang="en-US" sz="2400" b="1" dirty="0">
+                <a:solidFill>
+                  <a:schemeClr val="accent1">
+                    <a:lumMod val="75000"/>
+                  </a:schemeClr>
+                </a:solidFill>
+              </a:rPr>
+              <a:t>https://thingspeak.com </a:t>
+            </a:r>
+            <a:r>
+              <a:rPr lang="en-US" sz="2000" dirty="0"/>
+              <a:t>and signing up. Then select the </a:t>
+            </a:r>
+            <a:r>
+              <a:rPr lang="en-US" sz="2000" dirty="0" err="1"/>
+              <a:t>ThingTweet</a:t>
+            </a:r>
+            <a:r>
+              <a:rPr lang="en-US" sz="2000" dirty="0"/>
+              <a:t> action (Following figure). You will be prompted to log in to Twitter.</a:t>
+            </a:r>
+          </a:p>
+          <a:p>
+            <a:pPr lvl="1"/>
+            <a:endParaRPr lang="en-US" sz="2000" dirty="0"/>
+          </a:p>
+          <a:p>
+            <a:pPr lvl="1"/>
+            <a:endParaRPr lang="en-US" sz="2000" dirty="0"/>
+          </a:p>
+        </p:txBody>
+      </p:sp>
     </p:spTree>
     <p:extLst>
       <p:ext uri="{BB962C8B-B14F-4D97-AF65-F5344CB8AC3E}">
-        <p14:creationId xmlns:p14="http://schemas.microsoft.com/office/powerpoint/2010/main" val="705724565"/>
+        <p14:creationId xmlns:p14="http://schemas.microsoft.com/office/powerpoint/2010/main" val="2883567732"/>
       </p:ext>
     </p:extLst>
   </p:cSld>
@@ -12731,7 +12834,15 @@
           <a:p>
             <a:r>
               <a:rPr lang="en-US" dirty="0"/>
-              <a:t>SendTweet.py project </a:t>
+              <a:t>Responding to Tweets Using </a:t>
+            </a:r>
+            <a:r>
+              <a:rPr lang="en-US" dirty="0" err="1"/>
+              <a:t>Dweet</a:t>
+            </a:r>
+            <a:r>
+              <a:rPr lang="en-US" dirty="0"/>
+              <a:t> and IFTTT</a:t>
             </a:r>
           </a:p>
         </p:txBody>
@@ -12777,14 +12888,20 @@
       </p:sp>
       <p:sp>
         <p:nvSpPr>
-          <p:cNvPr id="7" name="TextBox 6"/>
+          <p:cNvPr id="6" name="TextBox 5">
+            <a:extLst>
+              <a:ext uri="{FF2B5EF4-FFF2-40B4-BE49-F238E27FC236}">
+                <a16:creationId xmlns:a16="http://schemas.microsoft.com/office/drawing/2014/main" id="{D1953563-F34A-4247-A4E2-C376FD1A1AA5}"/>
+              </a:ext>
+            </a:extLst>
+          </p:cNvPr>
           <p:cNvSpPr txBox="1"/>
           <p:nvPr/>
         </p:nvSpPr>
         <p:spPr>
           <a:xfrm>
             <a:off x="417443" y="745199"/>
-            <a:ext cx="11357113" cy="4093428"/>
+            <a:ext cx="11357113" cy="3477875"/>
           </a:xfrm>
           <a:prstGeom prst="rect">
             <a:avLst/>
@@ -12799,291 +12916,54 @@
           <a:p>
             <a:pPr lvl="1"/>
             <a:r>
-              <a:rPr lang="en-US" sz="2000" b="1" i="1" dirty="0">
-                <a:solidFill>
-                  <a:srgbClr val="0070C0"/>
-                </a:solidFill>
-                <a:latin typeface="Consolas" panose="020B0609020204030204" pitchFamily="49" charset="0"/>
-              </a:rPr>
-              <a:t>import time, </a:t>
-            </a:r>
-            <a:r>
-              <a:rPr lang="en-US" sz="2000" b="1" i="1" dirty="0" err="1">
-                <a:solidFill>
-                  <a:srgbClr val="0070C0"/>
-                </a:solidFill>
-                <a:latin typeface="Consolas" panose="020B0609020204030204" pitchFamily="49" charset="0"/>
-              </a:rPr>
-              <a:t>os</a:t>
-            </a:r>
-            <a:r>
-              <a:rPr lang="en-US" sz="2000" b="1" i="1" dirty="0">
-                <a:solidFill>
-                  <a:srgbClr val="0070C0"/>
-                </a:solidFill>
-                <a:latin typeface="Consolas" panose="020B0609020204030204" pitchFamily="49" charset="0"/>
-              </a:rPr>
-              <a:t>, </a:t>
-            </a:r>
-            <a:r>
-              <a:rPr lang="en-US" sz="2000" b="1" i="1" dirty="0" err="1">
-                <a:solidFill>
-                  <a:srgbClr val="0070C0"/>
-                </a:solidFill>
-                <a:latin typeface="Consolas" panose="020B0609020204030204" pitchFamily="49" charset="0"/>
-              </a:rPr>
-              <a:t>urllib</a:t>
-            </a:r>
-            <a:r>
-              <a:rPr lang="en-US" sz="2000" b="1" i="1" dirty="0">
-                <a:solidFill>
-                  <a:srgbClr val="0070C0"/>
-                </a:solidFill>
-                <a:latin typeface="Consolas" panose="020B0609020204030204" pitchFamily="49" charset="0"/>
-              </a:rPr>
-              <a:t>, urllib2</a:t>
-            </a:r>
-          </a:p>
-          <a:p>
-            <a:pPr lvl="1"/>
-            <a:endParaRPr lang="en-US" sz="2000" b="1" i="1" dirty="0">
-              <a:solidFill>
-                <a:srgbClr val="0070C0"/>
-              </a:solidFill>
-              <a:latin typeface="Consolas" panose="020B0609020204030204" pitchFamily="49" charset="0"/>
-            </a:endParaRPr>
-          </a:p>
-          <a:p>
-            <a:pPr lvl="1"/>
-            <a:r>
-              <a:rPr lang="en-US" sz="2000" b="1" i="1" dirty="0">
-                <a:solidFill>
-                  <a:srgbClr val="0070C0"/>
-                </a:solidFill>
-                <a:latin typeface="Consolas" panose="020B0609020204030204" pitchFamily="49" charset="0"/>
-              </a:rPr>
-              <a:t>MAX_TEMP = 37.0 </a:t>
-            </a:r>
-          </a:p>
-          <a:p>
-            <a:pPr lvl="1"/>
-            <a:r>
-              <a:rPr lang="en-US" sz="2000" b="1" i="1" dirty="0">
-                <a:solidFill>
-                  <a:srgbClr val="0070C0"/>
-                </a:solidFill>
-                <a:latin typeface="Consolas" panose="020B0609020204030204" pitchFamily="49" charset="0"/>
-              </a:rPr>
-              <a:t>MIN_T_BETWEEN_WARNINGS = 60 # Minutes</a:t>
-            </a:r>
-          </a:p>
-          <a:p>
-            <a:pPr lvl="1"/>
-            <a:r>
-              <a:rPr lang="en-US" sz="2000" b="1" i="1" dirty="0">
-                <a:solidFill>
-                  <a:srgbClr val="0070C0"/>
-                </a:solidFill>
-                <a:latin typeface="Consolas" panose="020B0609020204030204" pitchFamily="49" charset="0"/>
-              </a:rPr>
-              <a:t>BASE_URL = 'https://api.thingspeak.com/apps/</a:t>
-            </a:r>
-            <a:r>
-              <a:rPr lang="en-US" sz="2000" b="1" i="1" dirty="0" err="1">
-                <a:solidFill>
-                  <a:srgbClr val="0070C0"/>
-                </a:solidFill>
-                <a:latin typeface="Consolas" panose="020B0609020204030204" pitchFamily="49" charset="0"/>
-              </a:rPr>
-              <a:t>thingtweet</a:t>
-            </a:r>
-            <a:r>
-              <a:rPr lang="en-US" sz="2000" b="1" i="1" dirty="0">
-                <a:solidFill>
-                  <a:srgbClr val="0070C0"/>
-                </a:solidFill>
-                <a:latin typeface="Consolas" panose="020B0609020204030204" pitchFamily="49" charset="0"/>
-              </a:rPr>
-              <a:t>/1/statuses/update/' KEY = '68LZC4LBMXLO6YDY’</a:t>
-            </a:r>
-          </a:p>
-          <a:p>
-            <a:pPr lvl="1"/>
-            <a:endParaRPr lang="en-US" sz="2000" b="1" i="1" dirty="0">
-              <a:solidFill>
-                <a:srgbClr val="0070C0"/>
-              </a:solidFill>
-              <a:latin typeface="Consolas" panose="020B0609020204030204" pitchFamily="49" charset="0"/>
-            </a:endParaRPr>
-          </a:p>
-          <a:p>
-            <a:pPr lvl="1"/>
-            <a:r>
-              <a:rPr lang="en-US" sz="2000" b="1" i="1" dirty="0">
-                <a:solidFill>
-                  <a:srgbClr val="0070C0"/>
-                </a:solidFill>
-                <a:latin typeface="Consolas" panose="020B0609020204030204" pitchFamily="49" charset="0"/>
-              </a:rPr>
-              <a:t>def </a:t>
-            </a:r>
-            <a:r>
-              <a:rPr lang="en-US" sz="2000" b="1" i="1" dirty="0" err="1">
-                <a:solidFill>
-                  <a:srgbClr val="0070C0"/>
-                </a:solidFill>
-                <a:latin typeface="Consolas" panose="020B0609020204030204" pitchFamily="49" charset="0"/>
-              </a:rPr>
-              <a:t>send_notification</a:t>
-            </a:r>
-            <a:r>
-              <a:rPr lang="en-US" sz="2000" b="1" i="1" dirty="0">
-                <a:solidFill>
-                  <a:srgbClr val="0070C0"/>
-                </a:solidFill>
-                <a:latin typeface="Consolas" panose="020B0609020204030204" pitchFamily="49" charset="0"/>
-              </a:rPr>
-              <a:t>(temp):    </a:t>
-            </a:r>
-          </a:p>
-          <a:p>
-            <a:pPr lvl="1"/>
-            <a:r>
-              <a:rPr lang="en-US" sz="2000" b="1" i="1" dirty="0">
-                <a:solidFill>
-                  <a:srgbClr val="0070C0"/>
-                </a:solidFill>
-                <a:latin typeface="Consolas" panose="020B0609020204030204" pitchFamily="49" charset="0"/>
-              </a:rPr>
-              <a:t>	status = 'Raspberry Pi getting hot. </a:t>
-            </a:r>
-          </a:p>
-          <a:p>
-            <a:pPr lvl="1"/>
-            <a:r>
-              <a:rPr lang="en-US" sz="2000" b="1" i="1" dirty="0">
-                <a:solidFill>
-                  <a:srgbClr val="0070C0"/>
-                </a:solidFill>
-                <a:latin typeface="Consolas" panose="020B0609020204030204" pitchFamily="49" charset="0"/>
-              </a:rPr>
-              <a:t>	CPU temp=' + temp    </a:t>
-            </a:r>
-          </a:p>
-          <a:p>
-            <a:pPr lvl="1"/>
-            <a:r>
-              <a:rPr lang="en-US" sz="2000" b="1" i="1" dirty="0">
-                <a:solidFill>
-                  <a:srgbClr val="0070C0"/>
-                </a:solidFill>
-                <a:latin typeface="Consolas" panose="020B0609020204030204" pitchFamily="49" charset="0"/>
-              </a:rPr>
-              <a:t>	data = </a:t>
-            </a:r>
-            <a:r>
-              <a:rPr lang="en-US" sz="2000" b="1" i="1" dirty="0" err="1">
-                <a:solidFill>
-                  <a:srgbClr val="0070C0"/>
-                </a:solidFill>
-                <a:latin typeface="Consolas" panose="020B0609020204030204" pitchFamily="49" charset="0"/>
-              </a:rPr>
-              <a:t>urllib.urlencode</a:t>
-            </a:r>
-            <a:r>
-              <a:rPr lang="en-US" sz="2000" b="1" i="1" dirty="0">
-                <a:solidFill>
-                  <a:srgbClr val="0070C0"/>
-                </a:solidFill>
-                <a:latin typeface="Consolas" panose="020B0609020204030204" pitchFamily="49" charset="0"/>
-              </a:rPr>
-              <a:t>({'</a:t>
-            </a:r>
-            <a:r>
-              <a:rPr lang="en-US" sz="2000" b="1" i="1" dirty="0" err="1">
-                <a:solidFill>
-                  <a:srgbClr val="0070C0"/>
-                </a:solidFill>
-                <a:latin typeface="Consolas" panose="020B0609020204030204" pitchFamily="49" charset="0"/>
-              </a:rPr>
-              <a:t>api_key</a:t>
-            </a:r>
-            <a:r>
-              <a:rPr lang="en-US" sz="2000" b="1" i="1" dirty="0">
-                <a:solidFill>
-                  <a:srgbClr val="0070C0"/>
-                </a:solidFill>
-                <a:latin typeface="Consolas" panose="020B0609020204030204" pitchFamily="49" charset="0"/>
-              </a:rPr>
-              <a:t>' : KEY, 'status': status})    </a:t>
-            </a:r>
-          </a:p>
-          <a:p>
-            <a:pPr lvl="1"/>
-            <a:r>
-              <a:rPr lang="en-US" sz="2000" b="1" i="1" dirty="0">
-                <a:solidFill>
-                  <a:srgbClr val="0070C0"/>
-                </a:solidFill>
-                <a:latin typeface="Consolas" panose="020B0609020204030204" pitchFamily="49" charset="0"/>
-              </a:rPr>
-              <a:t>	response = urllib2.urlopen(</a:t>
-            </a:r>
-            <a:r>
-              <a:rPr lang="en-US" sz="2000" b="1" i="1" dirty="0" err="1">
-                <a:solidFill>
-                  <a:srgbClr val="0070C0"/>
-                </a:solidFill>
-                <a:latin typeface="Consolas" panose="020B0609020204030204" pitchFamily="49" charset="0"/>
-              </a:rPr>
-              <a:t>url</a:t>
-            </a:r>
-            <a:r>
-              <a:rPr lang="en-US" sz="2000" b="1" i="1" dirty="0">
-                <a:solidFill>
-                  <a:srgbClr val="0070C0"/>
-                </a:solidFill>
-                <a:latin typeface="Consolas" panose="020B0609020204030204" pitchFamily="49" charset="0"/>
-              </a:rPr>
-              <a:t>=BASE_URL, data=data)    </a:t>
-            </a:r>
-          </a:p>
-          <a:p>
-            <a:pPr lvl="1"/>
-            <a:r>
-              <a:rPr lang="en-US" sz="2000" b="1" i="1" dirty="0">
-                <a:solidFill>
-                  <a:srgbClr val="0070C0"/>
-                </a:solidFill>
-                <a:latin typeface="Consolas" panose="020B0609020204030204" pitchFamily="49" charset="0"/>
-              </a:rPr>
-              <a:t>	print(</a:t>
-            </a:r>
-            <a:r>
-              <a:rPr lang="en-US" sz="2000" b="1" i="1" dirty="0" err="1">
-                <a:solidFill>
-                  <a:srgbClr val="0070C0"/>
-                </a:solidFill>
-                <a:latin typeface="Consolas" panose="020B0609020204030204" pitchFamily="49" charset="0"/>
-              </a:rPr>
-              <a:t>response.read</a:t>
-            </a:r>
-            <a:r>
-              <a:rPr lang="en-US" sz="2000" b="1" i="1" dirty="0">
-                <a:solidFill>
-                  <a:srgbClr val="0070C0"/>
-                </a:solidFill>
-                <a:latin typeface="Consolas" panose="020B0609020204030204" pitchFamily="49" charset="0"/>
-              </a:rPr>
-              <a:t>())</a:t>
-            </a:r>
+              <a:rPr lang="en-US" sz="2000" dirty="0"/>
+              <a:t>You want your Raspberry Pi to perform some action in response to a certain hashtag or mention in a tweet.</a:t>
+            </a:r>
+          </a:p>
+          <a:p>
+            <a:pPr lvl="1"/>
+            <a:endParaRPr lang="en-US" sz="2000" dirty="0"/>
+          </a:p>
+          <a:p>
+            <a:pPr lvl="1"/>
+            <a:r>
+              <a:rPr lang="en-US" sz="2000" dirty="0"/>
+              <a:t>An efficient mechanism for monitoring tweets that does not rely on polling is to use IFTTT to spot tweets of interest and then send a web request to a service called </a:t>
+            </a:r>
+            <a:r>
+              <a:rPr lang="en-US" sz="2000" dirty="0" err="1"/>
+              <a:t>Dweet</a:t>
+            </a:r>
+            <a:r>
+              <a:rPr lang="en-US" sz="2000" dirty="0"/>
+              <a:t> that can push notifications to a Python program running on your Raspberry Pi (Following figure). </a:t>
+            </a:r>
+          </a:p>
+          <a:p>
+            <a:pPr lvl="1"/>
+            <a:endParaRPr lang="en-US" sz="2000" dirty="0"/>
+          </a:p>
+          <a:p>
+            <a:pPr lvl="1"/>
+            <a:r>
+              <a:rPr lang="en-US" sz="2000" dirty="0"/>
+              <a:t>For example, you could flash an LED for 10 seconds every time there is a mention of your username on Twitter by using a Raspberry Squid or an LED attached to a breadboard.</a:t>
+            </a:r>
+          </a:p>
+          <a:p>
+            <a:pPr lvl="1"/>
+            <a:endParaRPr lang="en-US" sz="2000" dirty="0"/>
+          </a:p>
+          <a:p>
+            <a:pPr lvl="1"/>
+            <a:endParaRPr lang="en-US" sz="2000" dirty="0"/>
           </a:p>
         </p:txBody>
       </p:sp>
     </p:spTree>
     <p:extLst>
       <p:ext uri="{BB962C8B-B14F-4D97-AF65-F5344CB8AC3E}">
-        <p14:creationId xmlns:p14="http://schemas.microsoft.com/office/powerpoint/2010/main" val="1438346809"/>
+        <p14:creationId xmlns:p14="http://schemas.microsoft.com/office/powerpoint/2010/main" val="564792624"/>
       </p:ext>
     </p:extLst>
   </p:cSld>
@@ -13247,7 +13127,15 @@
           <a:p>
             <a:r>
               <a:rPr lang="en-US" dirty="0"/>
-              <a:t>SendTweet.py project </a:t>
+              <a:t>Responding to Tweets Using </a:t>
+            </a:r>
+            <a:r>
+              <a:rPr lang="en-US" dirty="0" err="1"/>
+              <a:t>Dweet</a:t>
+            </a:r>
+            <a:r>
+              <a:rPr lang="en-US" dirty="0"/>
+              <a:t> and IFTTT</a:t>
             </a:r>
           </a:p>
         </p:txBody>
@@ -13291,282 +13179,40 @@
           </a:p>
         </p:txBody>
       </p:sp>
-      <p:sp>
-        <p:nvSpPr>
-          <p:cNvPr id="7" name="TextBox 6"/>
-          <p:cNvSpPr txBox="1"/>
+      <p:pic>
+        <p:nvPicPr>
+          <p:cNvPr id="3" name="Picture 2">
+            <a:extLst>
+              <a:ext uri="{FF2B5EF4-FFF2-40B4-BE49-F238E27FC236}">
+                <a16:creationId xmlns:a16="http://schemas.microsoft.com/office/drawing/2014/main" id="{F242D012-7610-4C1C-A85C-72295DDDAC90}"/>
+              </a:ext>
+            </a:extLst>
+          </p:cNvPr>
+          <p:cNvPicPr>
+            <a:picLocks noChangeAspect="1"/>
+          </p:cNvPicPr>
           <p:nvPr/>
-        </p:nvSpPr>
+        </p:nvPicPr>
+        <p:blipFill>
+          <a:blip r:embed="rId2"/>
+          <a:stretch>
+            <a:fillRect/>
+          </a:stretch>
+        </p:blipFill>
         <p:spPr>
           <a:xfrm>
-            <a:off x="-457200" y="745199"/>
-            <a:ext cx="12649200" cy="3785652"/>
+            <a:off x="2767012" y="1004887"/>
+            <a:ext cx="6657975" cy="5457825"/>
           </a:xfrm>
           <a:prstGeom prst="rect">
             <a:avLst/>
           </a:prstGeom>
-          <a:noFill/>
         </p:spPr>
-        <p:txBody>
-          <a:bodyPr wrap="square" rtlCol="0">
-            <a:spAutoFit/>
-          </a:bodyPr>
-          <a:lstStyle/>
-          <a:p>
-            <a:pPr lvl="1"/>
-            <a:endParaRPr lang="en-US" sz="2000" b="1" i="1" dirty="0">
-              <a:solidFill>
-                <a:srgbClr val="0070C0"/>
-              </a:solidFill>
-              <a:latin typeface="Consolas" panose="020B0609020204030204" pitchFamily="49" charset="0"/>
-            </a:endParaRPr>
-          </a:p>
-          <a:p>
-            <a:pPr lvl="1"/>
-            <a:r>
-              <a:rPr lang="en-US" sz="2000" b="1" i="1" dirty="0">
-                <a:solidFill>
-                  <a:srgbClr val="0070C0"/>
-                </a:solidFill>
-                <a:latin typeface="Consolas" panose="020B0609020204030204" pitchFamily="49" charset="0"/>
-              </a:rPr>
-              <a:t>while True:    </a:t>
-            </a:r>
-          </a:p>
-          <a:p>
-            <a:pPr lvl="1"/>
-            <a:r>
-              <a:rPr lang="en-US" sz="2000" b="1" i="1" dirty="0">
-                <a:solidFill>
-                  <a:srgbClr val="0070C0"/>
-                </a:solidFill>
-                <a:latin typeface="Consolas" panose="020B0609020204030204" pitchFamily="49" charset="0"/>
-              </a:rPr>
-              <a:t>	temp = </a:t>
-            </a:r>
-            <a:r>
-              <a:rPr lang="en-US" sz="2000" b="1" i="1" dirty="0" err="1">
-                <a:solidFill>
-                  <a:srgbClr val="0070C0"/>
-                </a:solidFill>
-                <a:latin typeface="Consolas" panose="020B0609020204030204" pitchFamily="49" charset="0"/>
-              </a:rPr>
-              <a:t>cpu_temp</a:t>
-            </a:r>
-            <a:r>
-              <a:rPr lang="en-US" sz="2000" b="1" i="1" dirty="0">
-                <a:solidFill>
-                  <a:srgbClr val="0070C0"/>
-                </a:solidFill>
-                <a:latin typeface="Consolas" panose="020B0609020204030204" pitchFamily="49" charset="0"/>
-              </a:rPr>
-              <a:t>()    </a:t>
-            </a:r>
-          </a:p>
-          <a:p>
-            <a:pPr lvl="1"/>
-            <a:r>
-              <a:rPr lang="en-US" sz="2000" b="1" i="1" dirty="0">
-                <a:solidFill>
-                  <a:srgbClr val="0070C0"/>
-                </a:solidFill>
-                <a:latin typeface="Consolas" panose="020B0609020204030204" pitchFamily="49" charset="0"/>
-              </a:rPr>
-              <a:t>	print("CPU Temp (C): " + </a:t>
-            </a:r>
-            <a:r>
-              <a:rPr lang="en-US" sz="2000" b="1" i="1" dirty="0" err="1">
-                <a:solidFill>
-                  <a:srgbClr val="0070C0"/>
-                </a:solidFill>
-                <a:latin typeface="Consolas" panose="020B0609020204030204" pitchFamily="49" charset="0"/>
-              </a:rPr>
-              <a:t>str</a:t>
-            </a:r>
-            <a:r>
-              <a:rPr lang="en-US" sz="2000" b="1" i="1" dirty="0">
-                <a:solidFill>
-                  <a:srgbClr val="0070C0"/>
-                </a:solidFill>
-                <a:latin typeface="Consolas" panose="020B0609020204030204" pitchFamily="49" charset="0"/>
-              </a:rPr>
-              <a:t>(temp))    </a:t>
-            </a:r>
-          </a:p>
-          <a:p>
-            <a:pPr lvl="1"/>
-            <a:r>
-              <a:rPr lang="en-US" sz="2000" b="1" i="1" dirty="0">
-                <a:solidFill>
-                  <a:srgbClr val="0070C0"/>
-                </a:solidFill>
-                <a:latin typeface="Consolas" panose="020B0609020204030204" pitchFamily="49" charset="0"/>
-              </a:rPr>
-              <a:t>	</a:t>
-            </a:r>
-          </a:p>
-          <a:p>
-            <a:pPr lvl="1"/>
-            <a:r>
-              <a:rPr lang="en-US" sz="2000" b="1" i="1" dirty="0">
-                <a:solidFill>
-                  <a:srgbClr val="0070C0"/>
-                </a:solidFill>
-                <a:latin typeface="Consolas" panose="020B0609020204030204" pitchFamily="49" charset="0"/>
-              </a:rPr>
-              <a:t>	if temp &gt; MAX_TEMP:        </a:t>
-            </a:r>
-          </a:p>
-          <a:p>
-            <a:pPr lvl="1"/>
-            <a:r>
-              <a:rPr lang="en-US" sz="2000" b="1" i="1" dirty="0">
-                <a:solidFill>
-                  <a:srgbClr val="0070C0"/>
-                </a:solidFill>
-                <a:latin typeface="Consolas" panose="020B0609020204030204" pitchFamily="49" charset="0"/>
-              </a:rPr>
-              <a:t>		print("CPU TOO HOT!")        </a:t>
-            </a:r>
-          </a:p>
-          <a:p>
-            <a:pPr lvl="1"/>
-            <a:r>
-              <a:rPr lang="en-US" sz="2000" b="1" i="1" dirty="0">
-                <a:solidFill>
-                  <a:srgbClr val="0070C0"/>
-                </a:solidFill>
-                <a:latin typeface="Consolas" panose="020B0609020204030204" pitchFamily="49" charset="0"/>
-              </a:rPr>
-              <a:t>		</a:t>
-            </a:r>
-            <a:r>
-              <a:rPr lang="en-US" sz="2000" b="1" i="1" dirty="0" err="1">
-                <a:solidFill>
-                  <a:srgbClr val="0070C0"/>
-                </a:solidFill>
-                <a:latin typeface="Consolas" panose="020B0609020204030204" pitchFamily="49" charset="0"/>
-              </a:rPr>
-              <a:t>send_notification</a:t>
-            </a:r>
-            <a:r>
-              <a:rPr lang="en-US" sz="2000" b="1" i="1" dirty="0">
-                <a:solidFill>
-                  <a:srgbClr val="0070C0"/>
-                </a:solidFill>
-                <a:latin typeface="Consolas" panose="020B0609020204030204" pitchFamily="49" charset="0"/>
-              </a:rPr>
-              <a:t>(temp)        </a:t>
-            </a:r>
-          </a:p>
-          <a:p>
-            <a:pPr lvl="1"/>
-            <a:r>
-              <a:rPr lang="en-US" sz="2000" b="1" i="1" dirty="0">
-                <a:solidFill>
-                  <a:srgbClr val="0070C0"/>
-                </a:solidFill>
-                <a:latin typeface="Consolas" panose="020B0609020204030204" pitchFamily="49" charset="0"/>
-              </a:rPr>
-              <a:t>		print("No more notifications for: " + </a:t>
-            </a:r>
-            <a:r>
-              <a:rPr lang="en-US" sz="2000" b="1" i="1" dirty="0" err="1">
-                <a:solidFill>
-                  <a:srgbClr val="0070C0"/>
-                </a:solidFill>
-                <a:latin typeface="Consolas" panose="020B0609020204030204" pitchFamily="49" charset="0"/>
-              </a:rPr>
-              <a:t>str</a:t>
-            </a:r>
-            <a:r>
-              <a:rPr lang="en-US" sz="2000" b="1" i="1" dirty="0">
-                <a:solidFill>
-                  <a:srgbClr val="0070C0"/>
-                </a:solidFill>
-                <a:latin typeface="Consolas" panose="020B0609020204030204" pitchFamily="49" charset="0"/>
-              </a:rPr>
-              <a:t>(MIN_T_BETWEEN_WARNINGS) + " mins")     </a:t>
-            </a:r>
-          </a:p>
-          <a:p>
-            <a:pPr lvl="1"/>
-            <a:r>
-              <a:rPr lang="en-US" sz="2000" b="1" i="1" dirty="0">
-                <a:solidFill>
-                  <a:srgbClr val="0070C0"/>
-                </a:solidFill>
-                <a:latin typeface="Consolas" panose="020B0609020204030204" pitchFamily="49" charset="0"/>
-              </a:rPr>
-              <a:t>		</a:t>
-            </a:r>
-            <a:r>
-              <a:rPr lang="en-US" sz="2000" b="1" i="1" dirty="0" err="1">
-                <a:solidFill>
-                  <a:srgbClr val="0070C0"/>
-                </a:solidFill>
-                <a:latin typeface="Consolas" panose="020B0609020204030204" pitchFamily="49" charset="0"/>
-              </a:rPr>
-              <a:t>time.sleep</a:t>
-            </a:r>
-            <a:r>
-              <a:rPr lang="en-US" sz="2000" b="1" i="1" dirty="0">
-                <a:solidFill>
-                  <a:srgbClr val="0070C0"/>
-                </a:solidFill>
-                <a:latin typeface="Consolas" panose="020B0609020204030204" pitchFamily="49" charset="0"/>
-              </a:rPr>
-              <a:t>(MIN_T_BETWEEN_WARNINGS * 60)    </a:t>
-            </a:r>
-          </a:p>
-          <a:p>
-            <a:pPr lvl="1"/>
-            <a:r>
-              <a:rPr lang="en-US" sz="2000" b="1" i="1" dirty="0">
-                <a:solidFill>
-                  <a:srgbClr val="0070C0"/>
-                </a:solidFill>
-                <a:latin typeface="Consolas" panose="020B0609020204030204" pitchFamily="49" charset="0"/>
-              </a:rPr>
-              <a:t>	</a:t>
-            </a:r>
-          </a:p>
-          <a:p>
-            <a:pPr lvl="1"/>
-            <a:r>
-              <a:rPr lang="en-US" sz="2000" b="1" i="1" dirty="0">
-                <a:solidFill>
-                  <a:srgbClr val="0070C0"/>
-                </a:solidFill>
-                <a:latin typeface="Consolas" panose="020B0609020204030204" pitchFamily="49" charset="0"/>
-              </a:rPr>
-              <a:t>	</a:t>
-            </a:r>
-            <a:r>
-              <a:rPr lang="en-US" sz="2000" b="1" i="1" dirty="0" err="1">
-                <a:solidFill>
-                  <a:srgbClr val="0070C0"/>
-                </a:solidFill>
-                <a:latin typeface="Consolas" panose="020B0609020204030204" pitchFamily="49" charset="0"/>
-              </a:rPr>
-              <a:t>time.sleep</a:t>
-            </a:r>
-            <a:r>
-              <a:rPr lang="en-US" sz="2000" b="1" i="1" dirty="0">
-                <a:solidFill>
-                  <a:srgbClr val="0070C0"/>
-                </a:solidFill>
-                <a:latin typeface="Consolas" panose="020B0609020204030204" pitchFamily="49" charset="0"/>
-              </a:rPr>
-              <a:t>(1)</a:t>
-            </a:r>
-          </a:p>
-        </p:txBody>
-      </p:sp>
+      </p:pic>
     </p:spTree>
     <p:extLst>
       <p:ext uri="{BB962C8B-B14F-4D97-AF65-F5344CB8AC3E}">
-        <p14:creationId xmlns:p14="http://schemas.microsoft.com/office/powerpoint/2010/main" val="673597566"/>
+        <p14:creationId xmlns:p14="http://schemas.microsoft.com/office/powerpoint/2010/main" val="2400171534"/>
       </p:ext>
     </p:extLst>
   </p:cSld>
@@ -13730,903 +13376,6 @@
           <a:p>
             <a:r>
               <a:rPr lang="en-US" dirty="0"/>
-              <a:t>Sending Tweets Using </a:t>
-            </a:r>
-            <a:r>
-              <a:rPr lang="en-US" dirty="0" err="1"/>
-              <a:t>ThingSpeak</a:t>
-            </a:r>
-            <a:r>
-              <a:rPr lang="en-US" dirty="0"/>
-              <a:t> </a:t>
-            </a:r>
-          </a:p>
-        </p:txBody>
-      </p:sp>
-      <p:sp>
-        <p:nvSpPr>
-          <p:cNvPr id="5" name="AutoShape 2" descr="http://raspberry.piaustralia.com.au/product-images/piwithbox.jpg"/>
-          <p:cNvSpPr>
-            <a:spLocks noChangeAspect="1" noChangeArrowheads="1"/>
-          </p:cNvSpPr>
-          <p:nvPr/>
-        </p:nvSpPr>
-        <p:spPr bwMode="auto">
-          <a:xfrm>
-            <a:off x="63500" y="-136525"/>
-            <a:ext cx="9772650" cy="6343650"/>
-          </a:xfrm>
-          <a:prstGeom prst="rect">
-            <a:avLst/>
-          </a:prstGeom>
-          <a:noFill/>
-          <a:extLst>
-            <a:ext uri="{909E8E84-426E-40DD-AFC4-6F175D3DCCD1}">
-              <a14:hiddenFill xmlns:a14="http://schemas.microsoft.com/office/drawing/2010/main">
-                <a:solidFill>
-                  <a:srgbClr val="FFFFFF"/>
-                </a:solidFill>
-              </a14:hiddenFill>
-            </a:ext>
-          </a:extLst>
-        </p:spPr>
-        <p:txBody>
-          <a:bodyPr vert="horz" wrap="square" lIns="91440" tIns="45720" rIns="91440" bIns="45720" numCol="1" anchor="t" anchorCtr="0" compatLnSpc="1">
-            <a:prstTxWarp prst="textNoShape">
-              <a:avLst/>
-            </a:prstTxWarp>
-          </a:bodyPr>
-          <a:lstStyle/>
-          <a:p>
-            <a:endParaRPr lang="en-US"/>
-          </a:p>
-        </p:txBody>
-      </p:sp>
-      <p:sp>
-        <p:nvSpPr>
-          <p:cNvPr id="7" name="TextBox 6"/>
-          <p:cNvSpPr txBox="1"/>
-          <p:nvPr/>
-        </p:nvSpPr>
-        <p:spPr>
-          <a:xfrm>
-            <a:off x="0" y="745199"/>
-            <a:ext cx="12191999" cy="3046988"/>
-          </a:xfrm>
-          <a:prstGeom prst="rect">
-            <a:avLst/>
-          </a:prstGeom>
-          <a:noFill/>
-        </p:spPr>
-        <p:txBody>
-          <a:bodyPr wrap="square" rtlCol="0">
-            <a:spAutoFit/>
-          </a:bodyPr>
-          <a:lstStyle/>
-          <a:p>
-            <a:pPr lvl="1"/>
-            <a:r>
-              <a:rPr lang="en-US" sz="2000" dirty="0"/>
-              <a:t>For full documentation of the </a:t>
-            </a:r>
-            <a:r>
-              <a:rPr lang="en-US" sz="2000" dirty="0" err="1"/>
-              <a:t>ThingSpeak</a:t>
-            </a:r>
-            <a:r>
-              <a:rPr lang="en-US" sz="2000" dirty="0"/>
-              <a:t> service, see </a:t>
-            </a:r>
-            <a:r>
-              <a:rPr lang="en-US" sz="2400" b="1" dirty="0">
-                <a:solidFill>
-                  <a:schemeClr val="accent1">
-                    <a:lumMod val="75000"/>
-                  </a:schemeClr>
-                </a:solidFill>
-              </a:rPr>
-              <a:t>https://uk.mathworks.com/help/ </a:t>
-            </a:r>
-            <a:r>
-              <a:rPr lang="en-US" sz="2400" b="1" dirty="0" err="1">
-                <a:solidFill>
-                  <a:schemeClr val="accent1">
-                    <a:lumMod val="75000"/>
-                  </a:schemeClr>
-                </a:solidFill>
-              </a:rPr>
-              <a:t>thingspeak</a:t>
-            </a:r>
-            <a:r>
-              <a:rPr lang="en-US" sz="2400" b="1" dirty="0">
-                <a:solidFill>
-                  <a:schemeClr val="accent1">
-                    <a:lumMod val="75000"/>
-                  </a:schemeClr>
-                </a:solidFill>
-              </a:rPr>
-              <a:t>/.</a:t>
-            </a:r>
-          </a:p>
-          <a:p>
-            <a:pPr lvl="1"/>
-            <a:endParaRPr lang="en-US" sz="2000" dirty="0"/>
-          </a:p>
-          <a:p>
-            <a:pPr lvl="1"/>
-            <a:r>
-              <a:rPr lang="en-US" sz="2000" dirty="0"/>
-              <a:t>You could just use </a:t>
-            </a:r>
-            <a:r>
-              <a:rPr lang="en-US" sz="2400" b="1" dirty="0"/>
-              <a:t>IFTTT </a:t>
-            </a:r>
-            <a:r>
-              <a:rPr lang="en-US" sz="2000" dirty="0"/>
-              <a:t>and change the Action Channel to be Twitter. However, the </a:t>
-            </a:r>
-            <a:r>
-              <a:rPr lang="en-US" sz="2000" dirty="0" err="1"/>
-              <a:t>ThingSpeak</a:t>
-            </a:r>
-            <a:r>
-              <a:rPr lang="en-US" sz="2000" dirty="0"/>
-              <a:t> service is an alternative way of doing this. </a:t>
-            </a:r>
-          </a:p>
-          <a:p>
-            <a:pPr lvl="1"/>
-            <a:endParaRPr lang="en-US" sz="2000" dirty="0"/>
-          </a:p>
-          <a:p>
-            <a:pPr lvl="1"/>
-            <a:r>
-              <a:rPr lang="en-US" sz="2000" dirty="0"/>
-              <a:t>Start by visiting </a:t>
-            </a:r>
-            <a:r>
-              <a:rPr lang="en-US" sz="2400" b="1" dirty="0">
-                <a:solidFill>
-                  <a:schemeClr val="accent1">
-                    <a:lumMod val="75000"/>
-                  </a:schemeClr>
-                </a:solidFill>
-              </a:rPr>
-              <a:t>https://thingspeak.com </a:t>
-            </a:r>
-            <a:r>
-              <a:rPr lang="en-US" sz="2000" dirty="0"/>
-              <a:t>and signing up. Then select the </a:t>
-            </a:r>
-            <a:r>
-              <a:rPr lang="en-US" sz="2000" dirty="0" err="1"/>
-              <a:t>ThingTweet</a:t>
-            </a:r>
-            <a:r>
-              <a:rPr lang="en-US" sz="2000" dirty="0"/>
-              <a:t> action (Following figure). You will be prompted to log in to Twitter.</a:t>
-            </a:r>
-          </a:p>
-          <a:p>
-            <a:pPr lvl="1"/>
-            <a:endParaRPr lang="en-US" sz="2000" dirty="0"/>
-          </a:p>
-          <a:p>
-            <a:pPr lvl="1"/>
-            <a:endParaRPr lang="en-US" sz="2000" dirty="0"/>
-          </a:p>
-        </p:txBody>
-      </p:sp>
-    </p:spTree>
-    <p:extLst>
-      <p:ext uri="{BB962C8B-B14F-4D97-AF65-F5344CB8AC3E}">
-        <p14:creationId xmlns:p14="http://schemas.microsoft.com/office/powerpoint/2010/main" val="2883567732"/>
-      </p:ext>
-    </p:extLst>
-  </p:cSld>
-  <p:clrMapOvr>
-    <a:masterClrMapping/>
-  </p:clrMapOvr>
-</p:sld>
-</file>
-
-<file path=ppt/slides/slide34.xml><?xml version="1.0" encoding="utf-8"?>
-<p:sld xmlns:a="http://schemas.openxmlformats.org/drawingml/2006/main" xmlns:r="http://schemas.openxmlformats.org/officeDocument/2006/relationships" xmlns:p="http://schemas.openxmlformats.org/presentationml/2006/main">
-  <p:cSld>
-    <p:spTree>
-      <p:nvGrpSpPr>
-        <p:cNvPr id="1" name=""/>
-        <p:cNvGrpSpPr/>
-        <p:nvPr/>
-      </p:nvGrpSpPr>
-      <p:grpSpPr>
-        <a:xfrm>
-          <a:off x="0" y="0"/>
-          <a:ext cx="0" cy="0"/>
-          <a:chOff x="0" y="0"/>
-          <a:chExt cx="0" cy="0"/>
-        </a:xfrm>
-      </p:grpSpPr>
-      <p:sp>
-        <p:nvSpPr>
-          <p:cNvPr id="4" name="Title 1"/>
-          <p:cNvSpPr txBox="1">
-            <a:spLocks/>
-          </p:cNvSpPr>
-          <p:nvPr/>
-        </p:nvSpPr>
-        <p:spPr>
-          <a:xfrm>
-            <a:off x="0" y="1"/>
-            <a:ext cx="12192000" cy="721216"/>
-          </a:xfrm>
-          <a:prstGeom prst="rect">
-            <a:avLst/>
-          </a:prstGeom>
-        </p:spPr>
-        <p:style>
-          <a:lnRef idx="0">
-            <a:schemeClr val="accent1"/>
-          </a:lnRef>
-          <a:fillRef idx="3">
-            <a:schemeClr val="accent1"/>
-          </a:fillRef>
-          <a:effectRef idx="3">
-            <a:schemeClr val="accent1"/>
-          </a:effectRef>
-          <a:fontRef idx="minor">
-            <a:schemeClr val="lt1"/>
-          </a:fontRef>
-        </p:style>
-        <p:txBody>
-          <a:bodyPr vert="horz" lIns="91440" tIns="45720" rIns="91440" bIns="45720" rtlCol="0" anchor="ctr">
-            <a:normAutofit/>
-          </a:bodyPr>
-          <a:lstStyle>
-            <a:lvl1pPr algn="l" defTabSz="914400" rtl="0" eaLnBrk="1" latinLnBrk="0" hangingPunct="1">
-              <a:lnSpc>
-                <a:spcPct val="90000"/>
-              </a:lnSpc>
-              <a:spcBef>
-                <a:spcPct val="0"/>
-              </a:spcBef>
-              <a:buNone/>
-              <a:defRPr sz="4400" kern="1200">
-                <a:solidFill>
-                  <a:schemeClr val="lt1"/>
-                </a:solidFill>
-                <a:latin typeface="+mn-lt"/>
-                <a:ea typeface="+mn-ea"/>
-                <a:cs typeface="+mn-cs"/>
-              </a:defRPr>
-            </a:lvl1pPr>
-            <a:lvl2pPr>
-              <a:defRPr>
-                <a:solidFill>
-                  <a:schemeClr val="lt1"/>
-                </a:solidFill>
-                <a:latin typeface="+mn-lt"/>
-                <a:ea typeface="+mn-ea"/>
-                <a:cs typeface="+mn-cs"/>
-              </a:defRPr>
-            </a:lvl2pPr>
-            <a:lvl3pPr>
-              <a:defRPr>
-                <a:solidFill>
-                  <a:schemeClr val="lt1"/>
-                </a:solidFill>
-                <a:latin typeface="+mn-lt"/>
-                <a:ea typeface="+mn-ea"/>
-                <a:cs typeface="+mn-cs"/>
-              </a:defRPr>
-            </a:lvl3pPr>
-            <a:lvl4pPr>
-              <a:defRPr>
-                <a:solidFill>
-                  <a:schemeClr val="lt1"/>
-                </a:solidFill>
-                <a:latin typeface="+mn-lt"/>
-                <a:ea typeface="+mn-ea"/>
-                <a:cs typeface="+mn-cs"/>
-              </a:defRPr>
-            </a:lvl4pPr>
-            <a:lvl5pPr>
-              <a:defRPr>
-                <a:solidFill>
-                  <a:schemeClr val="lt1"/>
-                </a:solidFill>
-                <a:latin typeface="+mn-lt"/>
-                <a:ea typeface="+mn-ea"/>
-                <a:cs typeface="+mn-cs"/>
-              </a:defRPr>
-            </a:lvl5pPr>
-            <a:lvl6pPr>
-              <a:defRPr>
-                <a:solidFill>
-                  <a:schemeClr val="lt1"/>
-                </a:solidFill>
-                <a:latin typeface="+mn-lt"/>
-                <a:ea typeface="+mn-ea"/>
-                <a:cs typeface="+mn-cs"/>
-              </a:defRPr>
-            </a:lvl6pPr>
-            <a:lvl7pPr>
-              <a:defRPr>
-                <a:solidFill>
-                  <a:schemeClr val="lt1"/>
-                </a:solidFill>
-                <a:latin typeface="+mn-lt"/>
-                <a:ea typeface="+mn-ea"/>
-                <a:cs typeface="+mn-cs"/>
-              </a:defRPr>
-            </a:lvl7pPr>
-            <a:lvl8pPr>
-              <a:defRPr>
-                <a:solidFill>
-                  <a:schemeClr val="lt1"/>
-                </a:solidFill>
-                <a:latin typeface="+mn-lt"/>
-                <a:ea typeface="+mn-ea"/>
-                <a:cs typeface="+mn-cs"/>
-              </a:defRPr>
-            </a:lvl8pPr>
-            <a:lvl9pPr>
-              <a:defRPr>
-                <a:solidFill>
-                  <a:schemeClr val="lt1"/>
-                </a:solidFill>
-                <a:latin typeface="+mn-lt"/>
-                <a:ea typeface="+mn-ea"/>
-                <a:cs typeface="+mn-cs"/>
-              </a:defRPr>
-            </a:lvl9pPr>
-          </a:lstStyle>
-          <a:p>
-            <a:r>
-              <a:rPr lang="en-US" dirty="0"/>
-              <a:t>Responding to Tweets Using </a:t>
-            </a:r>
-            <a:r>
-              <a:rPr lang="en-US" dirty="0" err="1"/>
-              <a:t>Dweet</a:t>
-            </a:r>
-            <a:r>
-              <a:rPr lang="en-US" dirty="0"/>
-              <a:t> and IFTTT</a:t>
-            </a:r>
-          </a:p>
-        </p:txBody>
-      </p:sp>
-      <p:sp>
-        <p:nvSpPr>
-          <p:cNvPr id="5" name="AutoShape 2" descr="http://raspberry.piaustralia.com.au/product-images/piwithbox.jpg"/>
-          <p:cNvSpPr>
-            <a:spLocks noChangeAspect="1" noChangeArrowheads="1"/>
-          </p:cNvSpPr>
-          <p:nvPr/>
-        </p:nvSpPr>
-        <p:spPr bwMode="auto">
-          <a:xfrm>
-            <a:off x="63500" y="-136525"/>
-            <a:ext cx="9772650" cy="6343650"/>
-          </a:xfrm>
-          <a:prstGeom prst="rect">
-            <a:avLst/>
-          </a:prstGeom>
-          <a:noFill/>
-          <a:extLst>
-            <a:ext uri="{909E8E84-426E-40DD-AFC4-6F175D3DCCD1}">
-              <a14:hiddenFill xmlns:a14="http://schemas.microsoft.com/office/drawing/2010/main">
-                <a:solidFill>
-                  <a:srgbClr val="FFFFFF"/>
-                </a:solidFill>
-              </a14:hiddenFill>
-            </a:ext>
-          </a:extLst>
-        </p:spPr>
-        <p:txBody>
-          <a:bodyPr vert="horz" wrap="square" lIns="91440" tIns="45720" rIns="91440" bIns="45720" numCol="1" anchor="t" anchorCtr="0" compatLnSpc="1">
-            <a:prstTxWarp prst="textNoShape">
-              <a:avLst/>
-            </a:prstTxWarp>
-          </a:bodyPr>
-          <a:lstStyle/>
-          <a:p>
-            <a:endParaRPr lang="en-US"/>
-          </a:p>
-        </p:txBody>
-      </p:sp>
-      <p:sp>
-        <p:nvSpPr>
-          <p:cNvPr id="6" name="TextBox 5">
-            <a:extLst>
-              <a:ext uri="{FF2B5EF4-FFF2-40B4-BE49-F238E27FC236}">
-                <a16:creationId xmlns:a16="http://schemas.microsoft.com/office/drawing/2014/main" id="{D1953563-F34A-4247-A4E2-C376FD1A1AA5}"/>
-              </a:ext>
-            </a:extLst>
-          </p:cNvPr>
-          <p:cNvSpPr txBox="1"/>
-          <p:nvPr/>
-        </p:nvSpPr>
-        <p:spPr>
-          <a:xfrm>
-            <a:off x="417443" y="745199"/>
-            <a:ext cx="11357113" cy="3477875"/>
-          </a:xfrm>
-          <a:prstGeom prst="rect">
-            <a:avLst/>
-          </a:prstGeom>
-          <a:noFill/>
-        </p:spPr>
-        <p:txBody>
-          <a:bodyPr wrap="square" rtlCol="0">
-            <a:spAutoFit/>
-          </a:bodyPr>
-          <a:lstStyle/>
-          <a:p>
-            <a:pPr lvl="1"/>
-            <a:r>
-              <a:rPr lang="en-US" sz="2000" dirty="0"/>
-              <a:t>You want your Raspberry Pi to perform some action in response to a certain hashtag or mention in a tweet.</a:t>
-            </a:r>
-          </a:p>
-          <a:p>
-            <a:pPr lvl="1"/>
-            <a:endParaRPr lang="en-US" sz="2000" dirty="0"/>
-          </a:p>
-          <a:p>
-            <a:pPr lvl="1"/>
-            <a:r>
-              <a:rPr lang="en-US" sz="2000" dirty="0"/>
-              <a:t>An efficient mechanism for monitoring tweets that does not rely on polling is to use IFTTT to spot tweets of interest and then send a web request to a service called </a:t>
-            </a:r>
-            <a:r>
-              <a:rPr lang="en-US" sz="2000" dirty="0" err="1"/>
-              <a:t>Dweet</a:t>
-            </a:r>
-            <a:r>
-              <a:rPr lang="en-US" sz="2000" dirty="0"/>
-              <a:t> that can push notifications to a Python program running on your Raspberry Pi (Following figure). </a:t>
-            </a:r>
-          </a:p>
-          <a:p>
-            <a:pPr lvl="1"/>
-            <a:endParaRPr lang="en-US" sz="2000" dirty="0"/>
-          </a:p>
-          <a:p>
-            <a:pPr lvl="1"/>
-            <a:r>
-              <a:rPr lang="en-US" sz="2000" dirty="0"/>
-              <a:t>For example, you could flash an LED for 10 seconds every time there is a mention of your username on Twitter by using a Raspberry Squid or an LED attached to a breadboard.</a:t>
-            </a:r>
-          </a:p>
-          <a:p>
-            <a:pPr lvl="1"/>
-            <a:endParaRPr lang="en-US" sz="2000" dirty="0"/>
-          </a:p>
-          <a:p>
-            <a:pPr lvl="1"/>
-            <a:endParaRPr lang="en-US" sz="2000" dirty="0"/>
-          </a:p>
-        </p:txBody>
-      </p:sp>
-    </p:spTree>
-    <p:extLst>
-      <p:ext uri="{BB962C8B-B14F-4D97-AF65-F5344CB8AC3E}">
-        <p14:creationId xmlns:p14="http://schemas.microsoft.com/office/powerpoint/2010/main" val="564792624"/>
-      </p:ext>
-    </p:extLst>
-  </p:cSld>
-  <p:clrMapOvr>
-    <a:masterClrMapping/>
-  </p:clrMapOvr>
-</p:sld>
-</file>
-
-<file path=ppt/slides/slide35.xml><?xml version="1.0" encoding="utf-8"?>
-<p:sld xmlns:a="http://schemas.openxmlformats.org/drawingml/2006/main" xmlns:r="http://schemas.openxmlformats.org/officeDocument/2006/relationships" xmlns:p="http://schemas.openxmlformats.org/presentationml/2006/main">
-  <p:cSld>
-    <p:spTree>
-      <p:nvGrpSpPr>
-        <p:cNvPr id="1" name=""/>
-        <p:cNvGrpSpPr/>
-        <p:nvPr/>
-      </p:nvGrpSpPr>
-      <p:grpSpPr>
-        <a:xfrm>
-          <a:off x="0" y="0"/>
-          <a:ext cx="0" cy="0"/>
-          <a:chOff x="0" y="0"/>
-          <a:chExt cx="0" cy="0"/>
-        </a:xfrm>
-      </p:grpSpPr>
-      <p:sp>
-        <p:nvSpPr>
-          <p:cNvPr id="4" name="Title 1"/>
-          <p:cNvSpPr txBox="1">
-            <a:spLocks/>
-          </p:cNvSpPr>
-          <p:nvPr/>
-        </p:nvSpPr>
-        <p:spPr>
-          <a:xfrm>
-            <a:off x="0" y="1"/>
-            <a:ext cx="12192000" cy="721216"/>
-          </a:xfrm>
-          <a:prstGeom prst="rect">
-            <a:avLst/>
-          </a:prstGeom>
-        </p:spPr>
-        <p:style>
-          <a:lnRef idx="0">
-            <a:schemeClr val="accent1"/>
-          </a:lnRef>
-          <a:fillRef idx="3">
-            <a:schemeClr val="accent1"/>
-          </a:fillRef>
-          <a:effectRef idx="3">
-            <a:schemeClr val="accent1"/>
-          </a:effectRef>
-          <a:fontRef idx="minor">
-            <a:schemeClr val="lt1"/>
-          </a:fontRef>
-        </p:style>
-        <p:txBody>
-          <a:bodyPr vert="horz" lIns="91440" tIns="45720" rIns="91440" bIns="45720" rtlCol="0" anchor="ctr">
-            <a:normAutofit/>
-          </a:bodyPr>
-          <a:lstStyle>
-            <a:lvl1pPr algn="l" defTabSz="914400" rtl="0" eaLnBrk="1" latinLnBrk="0" hangingPunct="1">
-              <a:lnSpc>
-                <a:spcPct val="90000"/>
-              </a:lnSpc>
-              <a:spcBef>
-                <a:spcPct val="0"/>
-              </a:spcBef>
-              <a:buNone/>
-              <a:defRPr sz="4400" kern="1200">
-                <a:solidFill>
-                  <a:schemeClr val="lt1"/>
-                </a:solidFill>
-                <a:latin typeface="+mn-lt"/>
-                <a:ea typeface="+mn-ea"/>
-                <a:cs typeface="+mn-cs"/>
-              </a:defRPr>
-            </a:lvl1pPr>
-            <a:lvl2pPr>
-              <a:defRPr>
-                <a:solidFill>
-                  <a:schemeClr val="lt1"/>
-                </a:solidFill>
-                <a:latin typeface="+mn-lt"/>
-                <a:ea typeface="+mn-ea"/>
-                <a:cs typeface="+mn-cs"/>
-              </a:defRPr>
-            </a:lvl2pPr>
-            <a:lvl3pPr>
-              <a:defRPr>
-                <a:solidFill>
-                  <a:schemeClr val="lt1"/>
-                </a:solidFill>
-                <a:latin typeface="+mn-lt"/>
-                <a:ea typeface="+mn-ea"/>
-                <a:cs typeface="+mn-cs"/>
-              </a:defRPr>
-            </a:lvl3pPr>
-            <a:lvl4pPr>
-              <a:defRPr>
-                <a:solidFill>
-                  <a:schemeClr val="lt1"/>
-                </a:solidFill>
-                <a:latin typeface="+mn-lt"/>
-                <a:ea typeface="+mn-ea"/>
-                <a:cs typeface="+mn-cs"/>
-              </a:defRPr>
-            </a:lvl4pPr>
-            <a:lvl5pPr>
-              <a:defRPr>
-                <a:solidFill>
-                  <a:schemeClr val="lt1"/>
-                </a:solidFill>
-                <a:latin typeface="+mn-lt"/>
-                <a:ea typeface="+mn-ea"/>
-                <a:cs typeface="+mn-cs"/>
-              </a:defRPr>
-            </a:lvl5pPr>
-            <a:lvl6pPr>
-              <a:defRPr>
-                <a:solidFill>
-                  <a:schemeClr val="lt1"/>
-                </a:solidFill>
-                <a:latin typeface="+mn-lt"/>
-                <a:ea typeface="+mn-ea"/>
-                <a:cs typeface="+mn-cs"/>
-              </a:defRPr>
-            </a:lvl6pPr>
-            <a:lvl7pPr>
-              <a:defRPr>
-                <a:solidFill>
-                  <a:schemeClr val="lt1"/>
-                </a:solidFill>
-                <a:latin typeface="+mn-lt"/>
-                <a:ea typeface="+mn-ea"/>
-                <a:cs typeface="+mn-cs"/>
-              </a:defRPr>
-            </a:lvl7pPr>
-            <a:lvl8pPr>
-              <a:defRPr>
-                <a:solidFill>
-                  <a:schemeClr val="lt1"/>
-                </a:solidFill>
-                <a:latin typeface="+mn-lt"/>
-                <a:ea typeface="+mn-ea"/>
-                <a:cs typeface="+mn-cs"/>
-              </a:defRPr>
-            </a:lvl8pPr>
-            <a:lvl9pPr>
-              <a:defRPr>
-                <a:solidFill>
-                  <a:schemeClr val="lt1"/>
-                </a:solidFill>
-                <a:latin typeface="+mn-lt"/>
-                <a:ea typeface="+mn-ea"/>
-                <a:cs typeface="+mn-cs"/>
-              </a:defRPr>
-            </a:lvl9pPr>
-          </a:lstStyle>
-          <a:p>
-            <a:r>
-              <a:rPr lang="en-US" dirty="0"/>
-              <a:t>Responding to Tweets Using </a:t>
-            </a:r>
-            <a:r>
-              <a:rPr lang="en-US" dirty="0" err="1"/>
-              <a:t>Dweet</a:t>
-            </a:r>
-            <a:r>
-              <a:rPr lang="en-US" dirty="0"/>
-              <a:t> and IFTTT</a:t>
-            </a:r>
-          </a:p>
-        </p:txBody>
-      </p:sp>
-      <p:sp>
-        <p:nvSpPr>
-          <p:cNvPr id="5" name="AutoShape 2" descr="http://raspberry.piaustralia.com.au/product-images/piwithbox.jpg"/>
-          <p:cNvSpPr>
-            <a:spLocks noChangeAspect="1" noChangeArrowheads="1"/>
-          </p:cNvSpPr>
-          <p:nvPr/>
-        </p:nvSpPr>
-        <p:spPr bwMode="auto">
-          <a:xfrm>
-            <a:off x="63500" y="-136525"/>
-            <a:ext cx="9772650" cy="6343650"/>
-          </a:xfrm>
-          <a:prstGeom prst="rect">
-            <a:avLst/>
-          </a:prstGeom>
-          <a:noFill/>
-          <a:extLst>
-            <a:ext uri="{909E8E84-426E-40DD-AFC4-6F175D3DCCD1}">
-              <a14:hiddenFill xmlns:a14="http://schemas.microsoft.com/office/drawing/2010/main">
-                <a:solidFill>
-                  <a:srgbClr val="FFFFFF"/>
-                </a:solidFill>
-              </a14:hiddenFill>
-            </a:ext>
-          </a:extLst>
-        </p:spPr>
-        <p:txBody>
-          <a:bodyPr vert="horz" wrap="square" lIns="91440" tIns="45720" rIns="91440" bIns="45720" numCol="1" anchor="t" anchorCtr="0" compatLnSpc="1">
-            <a:prstTxWarp prst="textNoShape">
-              <a:avLst/>
-            </a:prstTxWarp>
-          </a:bodyPr>
-          <a:lstStyle/>
-          <a:p>
-            <a:endParaRPr lang="en-US"/>
-          </a:p>
-        </p:txBody>
-      </p:sp>
-      <p:pic>
-        <p:nvPicPr>
-          <p:cNvPr id="3" name="Picture 2">
-            <a:extLst>
-              <a:ext uri="{FF2B5EF4-FFF2-40B4-BE49-F238E27FC236}">
-                <a16:creationId xmlns:a16="http://schemas.microsoft.com/office/drawing/2014/main" id="{F242D012-7610-4C1C-A85C-72295DDDAC90}"/>
-              </a:ext>
-            </a:extLst>
-          </p:cNvPr>
-          <p:cNvPicPr>
-            <a:picLocks noChangeAspect="1"/>
-          </p:cNvPicPr>
-          <p:nvPr/>
-        </p:nvPicPr>
-        <p:blipFill>
-          <a:blip r:embed="rId2"/>
-          <a:stretch>
-            <a:fillRect/>
-          </a:stretch>
-        </p:blipFill>
-        <p:spPr>
-          <a:xfrm>
-            <a:off x="2767012" y="1004887"/>
-            <a:ext cx="6657975" cy="5457825"/>
-          </a:xfrm>
-          <a:prstGeom prst="rect">
-            <a:avLst/>
-          </a:prstGeom>
-        </p:spPr>
-      </p:pic>
-    </p:spTree>
-    <p:extLst>
-      <p:ext uri="{BB962C8B-B14F-4D97-AF65-F5344CB8AC3E}">
-        <p14:creationId xmlns:p14="http://schemas.microsoft.com/office/powerpoint/2010/main" val="2400171534"/>
-      </p:ext>
-    </p:extLst>
-  </p:cSld>
-  <p:clrMapOvr>
-    <a:masterClrMapping/>
-  </p:clrMapOvr>
-</p:sld>
-</file>
-
-<file path=ppt/slides/slide36.xml><?xml version="1.0" encoding="utf-8"?>
-<p:sld xmlns:a="http://schemas.openxmlformats.org/drawingml/2006/main" xmlns:r="http://schemas.openxmlformats.org/officeDocument/2006/relationships" xmlns:p="http://schemas.openxmlformats.org/presentationml/2006/main">
-  <p:cSld>
-    <p:spTree>
-      <p:nvGrpSpPr>
-        <p:cNvPr id="1" name=""/>
-        <p:cNvGrpSpPr/>
-        <p:nvPr/>
-      </p:nvGrpSpPr>
-      <p:grpSpPr>
-        <a:xfrm>
-          <a:off x="0" y="0"/>
-          <a:ext cx="0" cy="0"/>
-          <a:chOff x="0" y="0"/>
-          <a:chExt cx="0" cy="0"/>
-        </a:xfrm>
-      </p:grpSpPr>
-      <p:sp>
-        <p:nvSpPr>
-          <p:cNvPr id="4" name="Title 1"/>
-          <p:cNvSpPr txBox="1">
-            <a:spLocks/>
-          </p:cNvSpPr>
-          <p:nvPr/>
-        </p:nvSpPr>
-        <p:spPr>
-          <a:xfrm>
-            <a:off x="0" y="1"/>
-            <a:ext cx="12192000" cy="721216"/>
-          </a:xfrm>
-          <a:prstGeom prst="rect">
-            <a:avLst/>
-          </a:prstGeom>
-        </p:spPr>
-        <p:style>
-          <a:lnRef idx="0">
-            <a:schemeClr val="accent1"/>
-          </a:lnRef>
-          <a:fillRef idx="3">
-            <a:schemeClr val="accent1"/>
-          </a:fillRef>
-          <a:effectRef idx="3">
-            <a:schemeClr val="accent1"/>
-          </a:effectRef>
-          <a:fontRef idx="minor">
-            <a:schemeClr val="lt1"/>
-          </a:fontRef>
-        </p:style>
-        <p:txBody>
-          <a:bodyPr vert="horz" lIns="91440" tIns="45720" rIns="91440" bIns="45720" rtlCol="0" anchor="ctr">
-            <a:normAutofit/>
-          </a:bodyPr>
-          <a:lstStyle>
-            <a:lvl1pPr algn="l" defTabSz="914400" rtl="0" eaLnBrk="1" latinLnBrk="0" hangingPunct="1">
-              <a:lnSpc>
-                <a:spcPct val="90000"/>
-              </a:lnSpc>
-              <a:spcBef>
-                <a:spcPct val="0"/>
-              </a:spcBef>
-              <a:buNone/>
-              <a:defRPr sz="4400" kern="1200">
-                <a:solidFill>
-                  <a:schemeClr val="lt1"/>
-                </a:solidFill>
-                <a:latin typeface="+mn-lt"/>
-                <a:ea typeface="+mn-ea"/>
-                <a:cs typeface="+mn-cs"/>
-              </a:defRPr>
-            </a:lvl1pPr>
-            <a:lvl2pPr>
-              <a:defRPr>
-                <a:solidFill>
-                  <a:schemeClr val="lt1"/>
-                </a:solidFill>
-                <a:latin typeface="+mn-lt"/>
-                <a:ea typeface="+mn-ea"/>
-                <a:cs typeface="+mn-cs"/>
-              </a:defRPr>
-            </a:lvl2pPr>
-            <a:lvl3pPr>
-              <a:defRPr>
-                <a:solidFill>
-                  <a:schemeClr val="lt1"/>
-                </a:solidFill>
-                <a:latin typeface="+mn-lt"/>
-                <a:ea typeface="+mn-ea"/>
-                <a:cs typeface="+mn-cs"/>
-              </a:defRPr>
-            </a:lvl3pPr>
-            <a:lvl4pPr>
-              <a:defRPr>
-                <a:solidFill>
-                  <a:schemeClr val="lt1"/>
-                </a:solidFill>
-                <a:latin typeface="+mn-lt"/>
-                <a:ea typeface="+mn-ea"/>
-                <a:cs typeface="+mn-cs"/>
-              </a:defRPr>
-            </a:lvl4pPr>
-            <a:lvl5pPr>
-              <a:defRPr>
-                <a:solidFill>
-                  <a:schemeClr val="lt1"/>
-                </a:solidFill>
-                <a:latin typeface="+mn-lt"/>
-                <a:ea typeface="+mn-ea"/>
-                <a:cs typeface="+mn-cs"/>
-              </a:defRPr>
-            </a:lvl5pPr>
-            <a:lvl6pPr>
-              <a:defRPr>
-                <a:solidFill>
-                  <a:schemeClr val="lt1"/>
-                </a:solidFill>
-                <a:latin typeface="+mn-lt"/>
-                <a:ea typeface="+mn-ea"/>
-                <a:cs typeface="+mn-cs"/>
-              </a:defRPr>
-            </a:lvl6pPr>
-            <a:lvl7pPr>
-              <a:defRPr>
-                <a:solidFill>
-                  <a:schemeClr val="lt1"/>
-                </a:solidFill>
-                <a:latin typeface="+mn-lt"/>
-                <a:ea typeface="+mn-ea"/>
-                <a:cs typeface="+mn-cs"/>
-              </a:defRPr>
-            </a:lvl7pPr>
-            <a:lvl8pPr>
-              <a:defRPr>
-                <a:solidFill>
-                  <a:schemeClr val="lt1"/>
-                </a:solidFill>
-                <a:latin typeface="+mn-lt"/>
-                <a:ea typeface="+mn-ea"/>
-                <a:cs typeface="+mn-cs"/>
-              </a:defRPr>
-            </a:lvl8pPr>
-            <a:lvl9pPr>
-              <a:defRPr>
-                <a:solidFill>
-                  <a:schemeClr val="lt1"/>
-                </a:solidFill>
-                <a:latin typeface="+mn-lt"/>
-                <a:ea typeface="+mn-ea"/>
-                <a:cs typeface="+mn-cs"/>
-              </a:defRPr>
-            </a:lvl9pPr>
-          </a:lstStyle>
-          <a:p>
-            <a:r>
-              <a:rPr lang="en-US" dirty="0"/>
               <a:t>Responding to Tweets Using </a:t>
             </a:r>
             <a:r>
@@ -14833,7 +13582,7 @@
 </p:sld>
 </file>
 
-<file path=ppt/slides/slide37.xml><?xml version="1.0" encoding="utf-8"?>
+<file path=ppt/slides/slide34.xml><?xml version="1.0" encoding="utf-8"?>
 <p:sld xmlns:a="http://schemas.openxmlformats.org/drawingml/2006/main" xmlns:r="http://schemas.openxmlformats.org/officeDocument/2006/relationships" xmlns:p="http://schemas.openxmlformats.org/presentationml/2006/main">
   <p:cSld>
     <p:spTree>
@@ -15081,7 +13830,7 @@
 </p:sld>
 </file>
 
-<file path=ppt/slides/slide38.xml><?xml version="1.0" encoding="utf-8"?>
+<file path=ppt/slides/slide35.xml><?xml version="1.0" encoding="utf-8"?>
 <p:sld xmlns:a="http://schemas.openxmlformats.org/drawingml/2006/main" xmlns:r="http://schemas.openxmlformats.org/officeDocument/2006/relationships" xmlns:p="http://schemas.openxmlformats.org/presentationml/2006/main">
   <p:cSld>
     <p:spTree>
@@ -15496,7 +14245,7 @@
 </p:sld>
 </file>
 
-<file path=ppt/slides/slide39.xml><?xml version="1.0" encoding="utf-8"?>
+<file path=ppt/slides/slide36.xml><?xml version="1.0" encoding="utf-8"?>
 <p:sld xmlns:a="http://schemas.openxmlformats.org/drawingml/2006/main" xmlns:r="http://schemas.openxmlformats.org/officeDocument/2006/relationships" xmlns:p="http://schemas.openxmlformats.org/presentationml/2006/main">
   <p:cSld>
     <p:spTree>
@@ -16147,7 +14896,7 @@
 </p:sld>
 </file>
 
-<file path=ppt/slides/slide4.xml><?xml version="1.0" encoding="utf-8"?>
+<file path=ppt/slides/slide37.xml><?xml version="1.0" encoding="utf-8"?>
 <p:sld xmlns:a="http://schemas.openxmlformats.org/drawingml/2006/main" xmlns:r="http://schemas.openxmlformats.org/officeDocument/2006/relationships" xmlns:p="http://schemas.openxmlformats.org/presentationml/2006/main">
   <p:cSld>
     <p:spTree>
@@ -16301,311 +15050,6 @@
           <a:p>
             <a:r>
               <a:rPr lang="en-US" dirty="0"/>
-              <a:t>Displaying Sensor Readings on a Web Page </a:t>
-            </a:r>
-          </a:p>
-        </p:txBody>
-      </p:sp>
-      <p:sp>
-        <p:nvSpPr>
-          <p:cNvPr id="5" name="AutoShape 2" descr="http://raspberry.piaustralia.com.au/product-images/piwithbox.jpg"/>
-          <p:cNvSpPr>
-            <a:spLocks noChangeAspect="1" noChangeArrowheads="1"/>
-          </p:cNvSpPr>
-          <p:nvPr/>
-        </p:nvSpPr>
-        <p:spPr bwMode="auto">
-          <a:xfrm>
-            <a:off x="63500" y="-136525"/>
-            <a:ext cx="9772650" cy="6343650"/>
-          </a:xfrm>
-          <a:prstGeom prst="rect">
-            <a:avLst/>
-          </a:prstGeom>
-          <a:noFill/>
-          <a:extLst>
-            <a:ext uri="{909E8E84-426E-40DD-AFC4-6F175D3DCCD1}">
-              <a14:hiddenFill xmlns:a14="http://schemas.microsoft.com/office/drawing/2010/main">
-                <a:solidFill>
-                  <a:srgbClr val="FFFFFF"/>
-                </a:solidFill>
-              </a14:hiddenFill>
-            </a:ext>
-          </a:extLst>
-        </p:spPr>
-        <p:txBody>
-          <a:bodyPr vert="horz" wrap="square" lIns="91440" tIns="45720" rIns="91440" bIns="45720" numCol="1" anchor="t" anchorCtr="0" compatLnSpc="1">
-            <a:prstTxWarp prst="textNoShape">
-              <a:avLst/>
-            </a:prstTxWarp>
-          </a:bodyPr>
-          <a:lstStyle/>
-          <a:p>
-            <a:endParaRPr lang="en-US"/>
-          </a:p>
-        </p:txBody>
-      </p:sp>
-      <p:sp>
-        <p:nvSpPr>
-          <p:cNvPr id="7" name="TextBox 6"/>
-          <p:cNvSpPr txBox="1"/>
-          <p:nvPr/>
-        </p:nvSpPr>
-        <p:spPr>
-          <a:xfrm>
-            <a:off x="417443" y="777489"/>
-            <a:ext cx="11357113" cy="1631216"/>
-          </a:xfrm>
-          <a:prstGeom prst="rect">
-            <a:avLst/>
-          </a:prstGeom>
-          <a:noFill/>
-        </p:spPr>
-        <p:txBody>
-          <a:bodyPr wrap="square" rtlCol="0">
-            <a:spAutoFit/>
-          </a:bodyPr>
-          <a:lstStyle/>
-          <a:p>
-            <a:pPr marL="342900" indent="-342900">
-              <a:buFont typeface="Arial" panose="020B0604020202020204" pitchFamily="34" charset="0"/>
-              <a:buChar char="•"/>
-            </a:pPr>
-            <a:r>
-              <a:rPr lang="en-US" sz="2000" dirty="0"/>
-              <a:t>You want to display sensor readings from your Raspberry Pi on a web page that automatically updates.</a:t>
-            </a:r>
-          </a:p>
-          <a:p>
-            <a:pPr marL="342900" indent="-342900">
-              <a:buFont typeface="Arial" panose="020B0604020202020204" pitchFamily="34" charset="0"/>
-              <a:buChar char="•"/>
-            </a:pPr>
-            <a:endParaRPr lang="en-US" sz="2000" b="1" i="1" dirty="0">
-              <a:solidFill>
-                <a:srgbClr val="0070C0"/>
-              </a:solidFill>
-              <a:latin typeface="Consolas" panose="020B0609020204030204" pitchFamily="49" charset="0"/>
-              <a:cs typeface="Consolas" panose="020B0609020204030204" pitchFamily="49" charset="0"/>
-            </a:endParaRPr>
-          </a:p>
-          <a:p>
-            <a:pPr marL="342900" indent="-342900">
-              <a:buFont typeface="Arial" panose="020B0604020202020204" pitchFamily="34" charset="0"/>
-              <a:buChar char="•"/>
-            </a:pPr>
-            <a:r>
-              <a:rPr lang="en-US" sz="2000" dirty="0"/>
-              <a:t>Use the bottle web server and some fancy JavaScript to automatically update your display. </a:t>
-            </a:r>
-          </a:p>
-          <a:p>
-            <a:pPr marL="342900" indent="-342900">
-              <a:buFont typeface="Arial" panose="020B0604020202020204" pitchFamily="34" charset="0"/>
-              <a:buChar char="•"/>
-            </a:pPr>
-            <a:endParaRPr lang="en-US" sz="2000" dirty="0"/>
-          </a:p>
-          <a:p>
-            <a:pPr marL="342900" indent="-342900">
-              <a:buFont typeface="Arial" panose="020B0604020202020204" pitchFamily="34" charset="0"/>
-              <a:buChar char="•"/>
-            </a:pPr>
-            <a:endParaRPr lang="en-US" sz="2000" dirty="0"/>
-          </a:p>
-        </p:txBody>
-      </p:sp>
-      <p:pic>
-        <p:nvPicPr>
-          <p:cNvPr id="2" name="Picture 1"/>
-          <p:cNvPicPr>
-            <a:picLocks noChangeAspect="1"/>
-          </p:cNvPicPr>
-          <p:nvPr/>
-        </p:nvPicPr>
-        <p:blipFill>
-          <a:blip r:embed="rId2"/>
-          <a:stretch>
-            <a:fillRect/>
-          </a:stretch>
-        </p:blipFill>
-        <p:spPr>
-          <a:xfrm>
-            <a:off x="1446297" y="1870742"/>
-            <a:ext cx="9299404" cy="4874346"/>
-          </a:xfrm>
-          <a:prstGeom prst="rect">
-            <a:avLst/>
-          </a:prstGeom>
-        </p:spPr>
-      </p:pic>
-    </p:spTree>
-    <p:extLst>
-      <p:ext uri="{BB962C8B-B14F-4D97-AF65-F5344CB8AC3E}">
-        <p14:creationId xmlns:p14="http://schemas.microsoft.com/office/powerpoint/2010/main" val="2999380582"/>
-      </p:ext>
-    </p:extLst>
-  </p:cSld>
-  <p:clrMapOvr>
-    <a:masterClrMapping/>
-  </p:clrMapOvr>
-</p:sld>
-</file>
-
-<file path=ppt/slides/slide40.xml><?xml version="1.0" encoding="utf-8"?>
-<p:sld xmlns:a="http://schemas.openxmlformats.org/drawingml/2006/main" xmlns:r="http://schemas.openxmlformats.org/officeDocument/2006/relationships" xmlns:p="http://schemas.openxmlformats.org/presentationml/2006/main">
-  <p:cSld>
-    <p:spTree>
-      <p:nvGrpSpPr>
-        <p:cNvPr id="1" name=""/>
-        <p:cNvGrpSpPr/>
-        <p:nvPr/>
-      </p:nvGrpSpPr>
-      <p:grpSpPr>
-        <a:xfrm>
-          <a:off x="0" y="0"/>
-          <a:ext cx="0" cy="0"/>
-          <a:chOff x="0" y="0"/>
-          <a:chExt cx="0" cy="0"/>
-        </a:xfrm>
-      </p:grpSpPr>
-      <p:sp>
-        <p:nvSpPr>
-          <p:cNvPr id="4" name="Title 1"/>
-          <p:cNvSpPr txBox="1">
-            <a:spLocks/>
-          </p:cNvSpPr>
-          <p:nvPr/>
-        </p:nvSpPr>
-        <p:spPr>
-          <a:xfrm>
-            <a:off x="0" y="1"/>
-            <a:ext cx="12192000" cy="721216"/>
-          </a:xfrm>
-          <a:prstGeom prst="rect">
-            <a:avLst/>
-          </a:prstGeom>
-        </p:spPr>
-        <p:style>
-          <a:lnRef idx="0">
-            <a:schemeClr val="accent1"/>
-          </a:lnRef>
-          <a:fillRef idx="3">
-            <a:schemeClr val="accent1"/>
-          </a:fillRef>
-          <a:effectRef idx="3">
-            <a:schemeClr val="accent1"/>
-          </a:effectRef>
-          <a:fontRef idx="minor">
-            <a:schemeClr val="lt1"/>
-          </a:fontRef>
-        </p:style>
-        <p:txBody>
-          <a:bodyPr vert="horz" lIns="91440" tIns="45720" rIns="91440" bIns="45720" rtlCol="0" anchor="ctr">
-            <a:normAutofit/>
-          </a:bodyPr>
-          <a:lstStyle>
-            <a:lvl1pPr algn="l" defTabSz="914400" rtl="0" eaLnBrk="1" latinLnBrk="0" hangingPunct="1">
-              <a:lnSpc>
-                <a:spcPct val="90000"/>
-              </a:lnSpc>
-              <a:spcBef>
-                <a:spcPct val="0"/>
-              </a:spcBef>
-              <a:buNone/>
-              <a:defRPr sz="4400" kern="1200">
-                <a:solidFill>
-                  <a:schemeClr val="lt1"/>
-                </a:solidFill>
-                <a:latin typeface="+mn-lt"/>
-                <a:ea typeface="+mn-ea"/>
-                <a:cs typeface="+mn-cs"/>
-              </a:defRPr>
-            </a:lvl1pPr>
-            <a:lvl2pPr>
-              <a:defRPr>
-                <a:solidFill>
-                  <a:schemeClr val="lt1"/>
-                </a:solidFill>
-                <a:latin typeface="+mn-lt"/>
-                <a:ea typeface="+mn-ea"/>
-                <a:cs typeface="+mn-cs"/>
-              </a:defRPr>
-            </a:lvl2pPr>
-            <a:lvl3pPr>
-              <a:defRPr>
-                <a:solidFill>
-                  <a:schemeClr val="lt1"/>
-                </a:solidFill>
-                <a:latin typeface="+mn-lt"/>
-                <a:ea typeface="+mn-ea"/>
-                <a:cs typeface="+mn-cs"/>
-              </a:defRPr>
-            </a:lvl3pPr>
-            <a:lvl4pPr>
-              <a:defRPr>
-                <a:solidFill>
-                  <a:schemeClr val="lt1"/>
-                </a:solidFill>
-                <a:latin typeface="+mn-lt"/>
-                <a:ea typeface="+mn-ea"/>
-                <a:cs typeface="+mn-cs"/>
-              </a:defRPr>
-            </a:lvl4pPr>
-            <a:lvl5pPr>
-              <a:defRPr>
-                <a:solidFill>
-                  <a:schemeClr val="lt1"/>
-                </a:solidFill>
-                <a:latin typeface="+mn-lt"/>
-                <a:ea typeface="+mn-ea"/>
-                <a:cs typeface="+mn-cs"/>
-              </a:defRPr>
-            </a:lvl5pPr>
-            <a:lvl6pPr>
-              <a:defRPr>
-                <a:solidFill>
-                  <a:schemeClr val="lt1"/>
-                </a:solidFill>
-                <a:latin typeface="+mn-lt"/>
-                <a:ea typeface="+mn-ea"/>
-                <a:cs typeface="+mn-cs"/>
-              </a:defRPr>
-            </a:lvl6pPr>
-            <a:lvl7pPr>
-              <a:defRPr>
-                <a:solidFill>
-                  <a:schemeClr val="lt1"/>
-                </a:solidFill>
-                <a:latin typeface="+mn-lt"/>
-                <a:ea typeface="+mn-ea"/>
-                <a:cs typeface="+mn-cs"/>
-              </a:defRPr>
-            </a:lvl7pPr>
-            <a:lvl8pPr>
-              <a:defRPr>
-                <a:solidFill>
-                  <a:schemeClr val="lt1"/>
-                </a:solidFill>
-                <a:latin typeface="+mn-lt"/>
-                <a:ea typeface="+mn-ea"/>
-                <a:cs typeface="+mn-cs"/>
-              </a:defRPr>
-            </a:lvl8pPr>
-            <a:lvl9pPr>
-              <a:defRPr>
-                <a:solidFill>
-                  <a:schemeClr val="lt1"/>
-                </a:solidFill>
-                <a:latin typeface="+mn-lt"/>
-                <a:ea typeface="+mn-ea"/>
-                <a:cs typeface="+mn-cs"/>
-              </a:defRPr>
-            </a:lvl9pPr>
-          </a:lstStyle>
-          <a:p>
-            <a:r>
-              <a:rPr lang="en-US" dirty="0"/>
               <a:t>Responding to Tweets Using </a:t>
             </a:r>
             <a:r>
@@ -16793,7 +15237,7 @@
 </p:sld>
 </file>
 
-<file path=ppt/slides/slide41.xml><?xml version="1.0" encoding="utf-8"?>
+<file path=ppt/slides/slide38.xml><?xml version="1.0" encoding="utf-8"?>
 <p:sld xmlns:a="http://schemas.openxmlformats.org/drawingml/2006/main" xmlns:r="http://schemas.openxmlformats.org/officeDocument/2006/relationships" xmlns:p="http://schemas.openxmlformats.org/presentationml/2006/main">
   <p:cSld>
     <p:spTree>
@@ -17215,6 +15659,311 @@
     <p:extLst>
       <p:ext uri="{BB962C8B-B14F-4D97-AF65-F5344CB8AC3E}">
         <p14:creationId xmlns:p14="http://schemas.microsoft.com/office/powerpoint/2010/main" val="2759255345"/>
+      </p:ext>
+    </p:extLst>
+  </p:cSld>
+  <p:clrMapOvr>
+    <a:masterClrMapping/>
+  </p:clrMapOvr>
+</p:sld>
+</file>
+
+<file path=ppt/slides/slide4.xml><?xml version="1.0" encoding="utf-8"?>
+<p:sld xmlns:a="http://schemas.openxmlformats.org/drawingml/2006/main" xmlns:r="http://schemas.openxmlformats.org/officeDocument/2006/relationships" xmlns:p="http://schemas.openxmlformats.org/presentationml/2006/main">
+  <p:cSld>
+    <p:spTree>
+      <p:nvGrpSpPr>
+        <p:cNvPr id="1" name=""/>
+        <p:cNvGrpSpPr/>
+        <p:nvPr/>
+      </p:nvGrpSpPr>
+      <p:grpSpPr>
+        <a:xfrm>
+          <a:off x="0" y="0"/>
+          <a:ext cx="0" cy="0"/>
+          <a:chOff x="0" y="0"/>
+          <a:chExt cx="0" cy="0"/>
+        </a:xfrm>
+      </p:grpSpPr>
+      <p:sp>
+        <p:nvSpPr>
+          <p:cNvPr id="4" name="Title 1"/>
+          <p:cNvSpPr txBox="1">
+            <a:spLocks/>
+          </p:cNvSpPr>
+          <p:nvPr/>
+        </p:nvSpPr>
+        <p:spPr>
+          <a:xfrm>
+            <a:off x="0" y="1"/>
+            <a:ext cx="12192000" cy="721216"/>
+          </a:xfrm>
+          <a:prstGeom prst="rect">
+            <a:avLst/>
+          </a:prstGeom>
+        </p:spPr>
+        <p:style>
+          <a:lnRef idx="0">
+            <a:schemeClr val="accent1"/>
+          </a:lnRef>
+          <a:fillRef idx="3">
+            <a:schemeClr val="accent1"/>
+          </a:fillRef>
+          <a:effectRef idx="3">
+            <a:schemeClr val="accent1"/>
+          </a:effectRef>
+          <a:fontRef idx="minor">
+            <a:schemeClr val="lt1"/>
+          </a:fontRef>
+        </p:style>
+        <p:txBody>
+          <a:bodyPr vert="horz" lIns="91440" tIns="45720" rIns="91440" bIns="45720" rtlCol="0" anchor="ctr">
+            <a:normAutofit/>
+          </a:bodyPr>
+          <a:lstStyle>
+            <a:lvl1pPr algn="l" defTabSz="914400" rtl="0" eaLnBrk="1" latinLnBrk="0" hangingPunct="1">
+              <a:lnSpc>
+                <a:spcPct val="90000"/>
+              </a:lnSpc>
+              <a:spcBef>
+                <a:spcPct val="0"/>
+              </a:spcBef>
+              <a:buNone/>
+              <a:defRPr sz="4400" kern="1200">
+                <a:solidFill>
+                  <a:schemeClr val="lt1"/>
+                </a:solidFill>
+                <a:latin typeface="+mn-lt"/>
+                <a:ea typeface="+mn-ea"/>
+                <a:cs typeface="+mn-cs"/>
+              </a:defRPr>
+            </a:lvl1pPr>
+            <a:lvl2pPr>
+              <a:defRPr>
+                <a:solidFill>
+                  <a:schemeClr val="lt1"/>
+                </a:solidFill>
+                <a:latin typeface="+mn-lt"/>
+                <a:ea typeface="+mn-ea"/>
+                <a:cs typeface="+mn-cs"/>
+              </a:defRPr>
+            </a:lvl2pPr>
+            <a:lvl3pPr>
+              <a:defRPr>
+                <a:solidFill>
+                  <a:schemeClr val="lt1"/>
+                </a:solidFill>
+                <a:latin typeface="+mn-lt"/>
+                <a:ea typeface="+mn-ea"/>
+                <a:cs typeface="+mn-cs"/>
+              </a:defRPr>
+            </a:lvl3pPr>
+            <a:lvl4pPr>
+              <a:defRPr>
+                <a:solidFill>
+                  <a:schemeClr val="lt1"/>
+                </a:solidFill>
+                <a:latin typeface="+mn-lt"/>
+                <a:ea typeface="+mn-ea"/>
+                <a:cs typeface="+mn-cs"/>
+              </a:defRPr>
+            </a:lvl4pPr>
+            <a:lvl5pPr>
+              <a:defRPr>
+                <a:solidFill>
+                  <a:schemeClr val="lt1"/>
+                </a:solidFill>
+                <a:latin typeface="+mn-lt"/>
+                <a:ea typeface="+mn-ea"/>
+                <a:cs typeface="+mn-cs"/>
+              </a:defRPr>
+            </a:lvl5pPr>
+            <a:lvl6pPr>
+              <a:defRPr>
+                <a:solidFill>
+                  <a:schemeClr val="lt1"/>
+                </a:solidFill>
+                <a:latin typeface="+mn-lt"/>
+                <a:ea typeface="+mn-ea"/>
+                <a:cs typeface="+mn-cs"/>
+              </a:defRPr>
+            </a:lvl6pPr>
+            <a:lvl7pPr>
+              <a:defRPr>
+                <a:solidFill>
+                  <a:schemeClr val="lt1"/>
+                </a:solidFill>
+                <a:latin typeface="+mn-lt"/>
+                <a:ea typeface="+mn-ea"/>
+                <a:cs typeface="+mn-cs"/>
+              </a:defRPr>
+            </a:lvl7pPr>
+            <a:lvl8pPr>
+              <a:defRPr>
+                <a:solidFill>
+                  <a:schemeClr val="lt1"/>
+                </a:solidFill>
+                <a:latin typeface="+mn-lt"/>
+                <a:ea typeface="+mn-ea"/>
+                <a:cs typeface="+mn-cs"/>
+              </a:defRPr>
+            </a:lvl8pPr>
+            <a:lvl9pPr>
+              <a:defRPr>
+                <a:solidFill>
+                  <a:schemeClr val="lt1"/>
+                </a:solidFill>
+                <a:latin typeface="+mn-lt"/>
+                <a:ea typeface="+mn-ea"/>
+                <a:cs typeface="+mn-cs"/>
+              </a:defRPr>
+            </a:lvl9pPr>
+          </a:lstStyle>
+          <a:p>
+            <a:r>
+              <a:rPr lang="en-US" dirty="0"/>
+              <a:t>Displaying Sensor Readings on a Web Page </a:t>
+            </a:r>
+          </a:p>
+        </p:txBody>
+      </p:sp>
+      <p:sp>
+        <p:nvSpPr>
+          <p:cNvPr id="5" name="AutoShape 2" descr="http://raspberry.piaustralia.com.au/product-images/piwithbox.jpg"/>
+          <p:cNvSpPr>
+            <a:spLocks noChangeAspect="1" noChangeArrowheads="1"/>
+          </p:cNvSpPr>
+          <p:nvPr/>
+        </p:nvSpPr>
+        <p:spPr bwMode="auto">
+          <a:xfrm>
+            <a:off x="63500" y="-136525"/>
+            <a:ext cx="9772650" cy="6343650"/>
+          </a:xfrm>
+          <a:prstGeom prst="rect">
+            <a:avLst/>
+          </a:prstGeom>
+          <a:noFill/>
+          <a:extLst>
+            <a:ext uri="{909E8E84-426E-40DD-AFC4-6F175D3DCCD1}">
+              <a14:hiddenFill xmlns:a14="http://schemas.microsoft.com/office/drawing/2010/main">
+                <a:solidFill>
+                  <a:srgbClr val="FFFFFF"/>
+                </a:solidFill>
+              </a14:hiddenFill>
+            </a:ext>
+          </a:extLst>
+        </p:spPr>
+        <p:txBody>
+          <a:bodyPr vert="horz" wrap="square" lIns="91440" tIns="45720" rIns="91440" bIns="45720" numCol="1" anchor="t" anchorCtr="0" compatLnSpc="1">
+            <a:prstTxWarp prst="textNoShape">
+              <a:avLst/>
+            </a:prstTxWarp>
+          </a:bodyPr>
+          <a:lstStyle/>
+          <a:p>
+            <a:endParaRPr lang="en-US"/>
+          </a:p>
+        </p:txBody>
+      </p:sp>
+      <p:sp>
+        <p:nvSpPr>
+          <p:cNvPr id="7" name="TextBox 6"/>
+          <p:cNvSpPr txBox="1"/>
+          <p:nvPr/>
+        </p:nvSpPr>
+        <p:spPr>
+          <a:xfrm>
+            <a:off x="417443" y="777489"/>
+            <a:ext cx="11357113" cy="1631216"/>
+          </a:xfrm>
+          <a:prstGeom prst="rect">
+            <a:avLst/>
+          </a:prstGeom>
+          <a:noFill/>
+        </p:spPr>
+        <p:txBody>
+          <a:bodyPr wrap="square" rtlCol="0">
+            <a:spAutoFit/>
+          </a:bodyPr>
+          <a:lstStyle/>
+          <a:p>
+            <a:pPr marL="342900" indent="-342900">
+              <a:buFont typeface="Arial" panose="020B0604020202020204" pitchFamily="34" charset="0"/>
+              <a:buChar char="•"/>
+            </a:pPr>
+            <a:r>
+              <a:rPr lang="en-US" sz="2000" dirty="0"/>
+              <a:t>You want to display sensor readings from your Raspberry Pi on a web page that automatically updates.</a:t>
+            </a:r>
+          </a:p>
+          <a:p>
+            <a:pPr marL="342900" indent="-342900">
+              <a:buFont typeface="Arial" panose="020B0604020202020204" pitchFamily="34" charset="0"/>
+              <a:buChar char="•"/>
+            </a:pPr>
+            <a:endParaRPr lang="en-US" sz="2000" b="1" i="1" dirty="0">
+              <a:solidFill>
+                <a:srgbClr val="0070C0"/>
+              </a:solidFill>
+              <a:latin typeface="Consolas" panose="020B0609020204030204" pitchFamily="49" charset="0"/>
+              <a:cs typeface="Consolas" panose="020B0609020204030204" pitchFamily="49" charset="0"/>
+            </a:endParaRPr>
+          </a:p>
+          <a:p>
+            <a:pPr marL="342900" indent="-342900">
+              <a:buFont typeface="Arial" panose="020B0604020202020204" pitchFamily="34" charset="0"/>
+              <a:buChar char="•"/>
+            </a:pPr>
+            <a:r>
+              <a:rPr lang="en-US" sz="2000" dirty="0"/>
+              <a:t>Use the bottle web server and some fancy JavaScript to automatically update your display. </a:t>
+            </a:r>
+          </a:p>
+          <a:p>
+            <a:pPr marL="342900" indent="-342900">
+              <a:buFont typeface="Arial" panose="020B0604020202020204" pitchFamily="34" charset="0"/>
+              <a:buChar char="•"/>
+            </a:pPr>
+            <a:endParaRPr lang="en-US" sz="2000" dirty="0"/>
+          </a:p>
+          <a:p>
+            <a:pPr marL="342900" indent="-342900">
+              <a:buFont typeface="Arial" panose="020B0604020202020204" pitchFamily="34" charset="0"/>
+              <a:buChar char="•"/>
+            </a:pPr>
+            <a:endParaRPr lang="en-US" sz="2000" dirty="0"/>
+          </a:p>
+        </p:txBody>
+      </p:sp>
+      <p:pic>
+        <p:nvPicPr>
+          <p:cNvPr id="2" name="Picture 1"/>
+          <p:cNvPicPr>
+            <a:picLocks noChangeAspect="1"/>
+          </p:cNvPicPr>
+          <p:nvPr/>
+        </p:nvPicPr>
+        <p:blipFill>
+          <a:blip r:embed="rId2"/>
+          <a:stretch>
+            <a:fillRect/>
+          </a:stretch>
+        </p:blipFill>
+        <p:spPr>
+          <a:xfrm>
+            <a:off x="1446297" y="1870742"/>
+            <a:ext cx="9299404" cy="4874346"/>
+          </a:xfrm>
+          <a:prstGeom prst="rect">
+            <a:avLst/>
+          </a:prstGeom>
+        </p:spPr>
+      </p:pic>
+    </p:spTree>
+    <p:extLst>
+      <p:ext uri="{BB962C8B-B14F-4D97-AF65-F5344CB8AC3E}">
+        <p14:creationId xmlns:p14="http://schemas.microsoft.com/office/powerpoint/2010/main" val="2999380582"/>
       </p:ext>
     </p:extLst>
   </p:cSld>

--- a/session6/presentation/Internet Of Things.pptx
+++ b/session6/presentation/Internet Of Things.pptx
@@ -282,7 +282,7 @@
           <a:p>
             <a:fld id="{1139FA4A-C808-4981-8BA9-64217A6CCEA7}" type="datetimeFigureOut">
               <a:rPr lang="en-US" smtClean="0"/>
-              <a:t>1/3/2018</a:t>
+              <a:t>2/2/2018</a:t>
             </a:fld>
             <a:endParaRPr lang="en-US"/>
           </a:p>
@@ -450,7 +450,7 @@
           <a:p>
             <a:fld id="{1139FA4A-C808-4981-8BA9-64217A6CCEA7}" type="datetimeFigureOut">
               <a:rPr lang="en-US" smtClean="0"/>
-              <a:t>1/3/2018</a:t>
+              <a:t>2/2/2018</a:t>
             </a:fld>
             <a:endParaRPr lang="en-US"/>
           </a:p>
@@ -628,7 +628,7 @@
           <a:p>
             <a:fld id="{1139FA4A-C808-4981-8BA9-64217A6CCEA7}" type="datetimeFigureOut">
               <a:rPr lang="en-US" smtClean="0"/>
-              <a:t>1/3/2018</a:t>
+              <a:t>2/2/2018</a:t>
             </a:fld>
             <a:endParaRPr lang="en-US"/>
           </a:p>
@@ -796,7 +796,7 @@
           <a:p>
             <a:fld id="{1139FA4A-C808-4981-8BA9-64217A6CCEA7}" type="datetimeFigureOut">
               <a:rPr lang="en-US" smtClean="0"/>
-              <a:t>1/3/2018</a:t>
+              <a:t>2/2/2018</a:t>
             </a:fld>
             <a:endParaRPr lang="en-US"/>
           </a:p>
@@ -1041,7 +1041,7 @@
           <a:p>
             <a:fld id="{1139FA4A-C808-4981-8BA9-64217A6CCEA7}" type="datetimeFigureOut">
               <a:rPr lang="en-US" smtClean="0"/>
-              <a:t>1/3/2018</a:t>
+              <a:t>2/2/2018</a:t>
             </a:fld>
             <a:endParaRPr lang="en-US"/>
           </a:p>
@@ -1270,7 +1270,7 @@
           <a:p>
             <a:fld id="{1139FA4A-C808-4981-8BA9-64217A6CCEA7}" type="datetimeFigureOut">
               <a:rPr lang="en-US" smtClean="0"/>
-              <a:t>1/3/2018</a:t>
+              <a:t>2/2/2018</a:t>
             </a:fld>
             <a:endParaRPr lang="en-US"/>
           </a:p>
@@ -1634,7 +1634,7 @@
           <a:p>
             <a:fld id="{1139FA4A-C808-4981-8BA9-64217A6CCEA7}" type="datetimeFigureOut">
               <a:rPr lang="en-US" smtClean="0"/>
-              <a:t>1/3/2018</a:t>
+              <a:t>2/2/2018</a:t>
             </a:fld>
             <a:endParaRPr lang="en-US"/>
           </a:p>
@@ -1751,7 +1751,7 @@
           <a:p>
             <a:fld id="{1139FA4A-C808-4981-8BA9-64217A6CCEA7}" type="datetimeFigureOut">
               <a:rPr lang="en-US" smtClean="0"/>
-              <a:t>1/3/2018</a:t>
+              <a:t>2/2/2018</a:t>
             </a:fld>
             <a:endParaRPr lang="en-US"/>
           </a:p>
@@ -1846,7 +1846,7 @@
           <a:p>
             <a:fld id="{1139FA4A-C808-4981-8BA9-64217A6CCEA7}" type="datetimeFigureOut">
               <a:rPr lang="en-US" smtClean="0"/>
-              <a:t>1/3/2018</a:t>
+              <a:t>2/2/2018</a:t>
             </a:fld>
             <a:endParaRPr lang="en-US"/>
           </a:p>
@@ -2121,7 +2121,7 @@
           <a:p>
             <a:fld id="{1139FA4A-C808-4981-8BA9-64217A6CCEA7}" type="datetimeFigureOut">
               <a:rPr lang="en-US" smtClean="0"/>
-              <a:t>1/3/2018</a:t>
+              <a:t>2/2/2018</a:t>
             </a:fld>
             <a:endParaRPr lang="en-US"/>
           </a:p>
@@ -2373,7 +2373,7 @@
           <a:p>
             <a:fld id="{1139FA4A-C808-4981-8BA9-64217A6CCEA7}" type="datetimeFigureOut">
               <a:rPr lang="en-US" smtClean="0"/>
-              <a:t>1/3/2018</a:t>
+              <a:t>2/2/2018</a:t>
             </a:fld>
             <a:endParaRPr lang="en-US"/>
           </a:p>
@@ -2584,7 +2584,7 @@
           <a:p>
             <a:fld id="{1139FA4A-C808-4981-8BA9-64217A6CCEA7}" type="datetimeFigureOut">
               <a:rPr lang="en-US" smtClean="0"/>
-              <a:t>1/3/2018</a:t>
+              <a:t>2/2/2018</a:t>
             </a:fld>
             <a:endParaRPr lang="en-US"/>
           </a:p>
@@ -4735,7 +4735,37 @@
                 <a:latin typeface="Consolas" panose="020B0609020204030204" pitchFamily="49" charset="0"/>
                 <a:cs typeface="Consolas" panose="020B0609020204030204" pitchFamily="49" charset="0"/>
               </a:rPr>
-              <a:t>   	$.get('https://dweet.io/get/dweets/for/RpiCourseDweet', callback);</a:t>
+              <a:t>   	$.get('https</a:t>
+            </a:r>
+            <a:r>
+              <a:rPr lang="en-US" b="1" i="1">
+                <a:solidFill>
+                  <a:srgbClr val="0070C0"/>
+                </a:solidFill>
+                <a:latin typeface="Consolas" panose="020B0609020204030204" pitchFamily="49" charset="0"/>
+                <a:cs typeface="Consolas" panose="020B0609020204030204" pitchFamily="49" charset="0"/>
+              </a:rPr>
+              <a:t>://</a:t>
+            </a:r>
+            <a:r>
+              <a:rPr lang="en-US" b="1" i="1" smtClean="0">
+                <a:solidFill>
+                  <a:srgbClr val="0070C0"/>
+                </a:solidFill>
+                <a:latin typeface="Consolas" panose="020B0609020204030204" pitchFamily="49" charset="0"/>
+                <a:cs typeface="Consolas" panose="020B0609020204030204" pitchFamily="49" charset="0"/>
+              </a:rPr>
+              <a:t>dweet.io/get/latest/dweet/for/RpiCourseDweet</a:t>
+            </a:r>
+            <a:r>
+              <a:rPr lang="en-US" b="1" i="1" dirty="0">
+                <a:solidFill>
+                  <a:srgbClr val="0070C0"/>
+                </a:solidFill>
+                <a:latin typeface="Consolas" panose="020B0609020204030204" pitchFamily="49" charset="0"/>
+                <a:cs typeface="Consolas" panose="020B0609020204030204" pitchFamily="49" charset="0"/>
+              </a:rPr>
+              <a:t>', callback);</a:t>
             </a:r>
           </a:p>
           <a:p>

--- a/session6/presentation/Internet Of Things.pptx
+++ b/session6/presentation/Internet Of Things.pptx
@@ -27,22 +27,23 @@
     <p:sldId id="412" r:id="rId21"/>
     <p:sldId id="413" r:id="rId22"/>
     <p:sldId id="414" r:id="rId23"/>
-    <p:sldId id="415" r:id="rId24"/>
-    <p:sldId id="416" r:id="rId25"/>
-    <p:sldId id="417" r:id="rId26"/>
-    <p:sldId id="421" r:id="rId27"/>
-    <p:sldId id="422" r:id="rId28"/>
-    <p:sldId id="423" r:id="rId29"/>
-    <p:sldId id="424" r:id="rId30"/>
-    <p:sldId id="426" r:id="rId31"/>
-    <p:sldId id="425" r:id="rId32"/>
-    <p:sldId id="427" r:id="rId33"/>
-    <p:sldId id="428" r:id="rId34"/>
-    <p:sldId id="429" r:id="rId35"/>
-    <p:sldId id="430" r:id="rId36"/>
-    <p:sldId id="431" r:id="rId37"/>
-    <p:sldId id="432" r:id="rId38"/>
-    <p:sldId id="267" r:id="rId39"/>
+    <p:sldId id="438" r:id="rId24"/>
+    <p:sldId id="415" r:id="rId25"/>
+    <p:sldId id="416" r:id="rId26"/>
+    <p:sldId id="417" r:id="rId27"/>
+    <p:sldId id="421" r:id="rId28"/>
+    <p:sldId id="422" r:id="rId29"/>
+    <p:sldId id="423" r:id="rId30"/>
+    <p:sldId id="424" r:id="rId31"/>
+    <p:sldId id="426" r:id="rId32"/>
+    <p:sldId id="425" r:id="rId33"/>
+    <p:sldId id="427" r:id="rId34"/>
+    <p:sldId id="428" r:id="rId35"/>
+    <p:sldId id="429" r:id="rId36"/>
+    <p:sldId id="430" r:id="rId37"/>
+    <p:sldId id="431" r:id="rId38"/>
+    <p:sldId id="432" r:id="rId39"/>
+    <p:sldId id="267" r:id="rId40"/>
   </p:sldIdLst>
   <p:sldSz cx="12192000" cy="6858000"/>
   <p:notesSz cx="6858000" cy="9144000"/>
@@ -282,7 +283,7 @@
           <a:p>
             <a:fld id="{1139FA4A-C808-4981-8BA9-64217A6CCEA7}" type="datetimeFigureOut">
               <a:rPr lang="en-US" smtClean="0"/>
-              <a:t>2/2/2018</a:t>
+              <a:t>3/7/2018</a:t>
             </a:fld>
             <a:endParaRPr lang="en-US"/>
           </a:p>
@@ -450,7 +451,7 @@
           <a:p>
             <a:fld id="{1139FA4A-C808-4981-8BA9-64217A6CCEA7}" type="datetimeFigureOut">
               <a:rPr lang="en-US" smtClean="0"/>
-              <a:t>2/2/2018</a:t>
+              <a:t>3/7/2018</a:t>
             </a:fld>
             <a:endParaRPr lang="en-US"/>
           </a:p>
@@ -628,7 +629,7 @@
           <a:p>
             <a:fld id="{1139FA4A-C808-4981-8BA9-64217A6CCEA7}" type="datetimeFigureOut">
               <a:rPr lang="en-US" smtClean="0"/>
-              <a:t>2/2/2018</a:t>
+              <a:t>3/7/2018</a:t>
             </a:fld>
             <a:endParaRPr lang="en-US"/>
           </a:p>
@@ -796,7 +797,7 @@
           <a:p>
             <a:fld id="{1139FA4A-C808-4981-8BA9-64217A6CCEA7}" type="datetimeFigureOut">
               <a:rPr lang="en-US" smtClean="0"/>
-              <a:t>2/2/2018</a:t>
+              <a:t>3/7/2018</a:t>
             </a:fld>
             <a:endParaRPr lang="en-US"/>
           </a:p>
@@ -1041,7 +1042,7 @@
           <a:p>
             <a:fld id="{1139FA4A-C808-4981-8BA9-64217A6CCEA7}" type="datetimeFigureOut">
               <a:rPr lang="en-US" smtClean="0"/>
-              <a:t>2/2/2018</a:t>
+              <a:t>3/7/2018</a:t>
             </a:fld>
             <a:endParaRPr lang="en-US"/>
           </a:p>
@@ -1270,7 +1271,7 @@
           <a:p>
             <a:fld id="{1139FA4A-C808-4981-8BA9-64217A6CCEA7}" type="datetimeFigureOut">
               <a:rPr lang="en-US" smtClean="0"/>
-              <a:t>2/2/2018</a:t>
+              <a:t>3/7/2018</a:t>
             </a:fld>
             <a:endParaRPr lang="en-US"/>
           </a:p>
@@ -1634,7 +1635,7 @@
           <a:p>
             <a:fld id="{1139FA4A-C808-4981-8BA9-64217A6CCEA7}" type="datetimeFigureOut">
               <a:rPr lang="en-US" smtClean="0"/>
-              <a:t>2/2/2018</a:t>
+              <a:t>3/7/2018</a:t>
             </a:fld>
             <a:endParaRPr lang="en-US"/>
           </a:p>
@@ -1751,7 +1752,7 @@
           <a:p>
             <a:fld id="{1139FA4A-C808-4981-8BA9-64217A6CCEA7}" type="datetimeFigureOut">
               <a:rPr lang="en-US" smtClean="0"/>
-              <a:t>2/2/2018</a:t>
+              <a:t>3/7/2018</a:t>
             </a:fld>
             <a:endParaRPr lang="en-US"/>
           </a:p>
@@ -1846,7 +1847,7 @@
           <a:p>
             <a:fld id="{1139FA4A-C808-4981-8BA9-64217A6CCEA7}" type="datetimeFigureOut">
               <a:rPr lang="en-US" smtClean="0"/>
-              <a:t>2/2/2018</a:t>
+              <a:t>3/7/2018</a:t>
             </a:fld>
             <a:endParaRPr lang="en-US"/>
           </a:p>
@@ -2121,7 +2122,7 @@
           <a:p>
             <a:fld id="{1139FA4A-C808-4981-8BA9-64217A6CCEA7}" type="datetimeFigureOut">
               <a:rPr lang="en-US" smtClean="0"/>
-              <a:t>2/2/2018</a:t>
+              <a:t>3/7/2018</a:t>
             </a:fld>
             <a:endParaRPr lang="en-US"/>
           </a:p>
@@ -2373,7 +2374,7 @@
           <a:p>
             <a:fld id="{1139FA4A-C808-4981-8BA9-64217A6CCEA7}" type="datetimeFigureOut">
               <a:rPr lang="en-US" smtClean="0"/>
-              <a:t>2/2/2018</a:t>
+              <a:t>3/7/2018</a:t>
             </a:fld>
             <a:endParaRPr lang="en-US"/>
           </a:p>
@@ -2584,7 +2585,7 @@
           <a:p>
             <a:fld id="{1139FA4A-C808-4981-8BA9-64217A6CCEA7}" type="datetimeFigureOut">
               <a:rPr lang="en-US" smtClean="0"/>
-              <a:t>2/2/2018</a:t>
+              <a:t>3/7/2018</a:t>
             </a:fld>
             <a:endParaRPr lang="en-US"/>
           </a:p>
@@ -8676,80 +8677,9 @@
           </a:p>
         </p:txBody>
       </p:sp>
-      <p:sp>
-        <p:nvSpPr>
-          <p:cNvPr id="7" name="TextBox 6"/>
-          <p:cNvSpPr txBox="1"/>
-          <p:nvPr/>
-        </p:nvSpPr>
-        <p:spPr>
-          <a:xfrm>
-            <a:off x="417443" y="745199"/>
-            <a:ext cx="11357113" cy="1938992"/>
-          </a:xfrm>
-          <a:prstGeom prst="rect">
-            <a:avLst/>
-          </a:prstGeom>
-          <a:noFill/>
-        </p:spPr>
-        <p:txBody>
-          <a:bodyPr wrap="square" rtlCol="0">
-            <a:spAutoFit/>
-          </a:bodyPr>
-          <a:lstStyle/>
-          <a:p>
-            <a:pPr lvl="1"/>
-            <a:r>
-              <a:rPr lang="en-US" sz="2000" dirty="0"/>
-              <a:t>You want to log sensor data to </a:t>
-            </a:r>
-            <a:r>
-              <a:rPr lang="en-US" sz="2000" dirty="0" err="1"/>
-              <a:t>ThingSpeak</a:t>
-            </a:r>
-            <a:r>
-              <a:rPr lang="en-US" sz="2000" dirty="0"/>
-              <a:t>. </a:t>
-            </a:r>
-          </a:p>
-          <a:p>
-            <a:pPr lvl="1"/>
-            <a:endParaRPr lang="en-US" sz="2000" b="1" i="1" dirty="0">
-              <a:solidFill>
-                <a:srgbClr val="0070C0"/>
-              </a:solidFill>
-              <a:latin typeface="Consolas" panose="020B0609020204030204" pitchFamily="49" charset="0"/>
-              <a:cs typeface="Consolas" panose="020B0609020204030204" pitchFamily="49" charset="0"/>
-            </a:endParaRPr>
-          </a:p>
-          <a:p>
-            <a:pPr lvl="1"/>
-            <a:r>
-              <a:rPr lang="en-US" sz="2000" dirty="0"/>
-              <a:t>Log into </a:t>
-            </a:r>
-            <a:r>
-              <a:rPr lang="en-US" sz="2000" dirty="0" err="1"/>
-              <a:t>ThingSpeak</a:t>
-            </a:r>
-            <a:r>
-              <a:rPr lang="en-US" sz="2000" dirty="0"/>
-              <a:t>, and from the Channels drop-down, select My Channels. Now create a new channel by completing the top of the form as shown in following Figure</a:t>
-            </a:r>
-          </a:p>
-          <a:p>
-            <a:pPr lvl="1"/>
-            <a:endParaRPr lang="en-US" sz="2000" dirty="0"/>
-          </a:p>
-          <a:p>
-            <a:pPr lvl="1"/>
-            <a:endParaRPr lang="en-US" sz="2000" dirty="0"/>
-          </a:p>
-        </p:txBody>
-      </p:sp>
       <p:pic>
         <p:nvPicPr>
-          <p:cNvPr id="2" name="Picture 1"/>
+          <p:cNvPr id="9" name="Picture 8"/>
           <p:cNvPicPr>
             <a:picLocks noChangeAspect="1"/>
           </p:cNvPicPr>
@@ -8763,8 +8693,8 @@
         </p:blipFill>
         <p:spPr>
           <a:xfrm>
-            <a:off x="1170988" y="2131889"/>
-            <a:ext cx="9886218" cy="4605119"/>
+            <a:off x="1788535" y="1260432"/>
+            <a:ext cx="8622350" cy="4600040"/>
           </a:xfrm>
           <a:prstGeom prst="rect">
             <a:avLst/>
@@ -8999,7 +8929,7 @@
         <p:spPr>
           <a:xfrm>
             <a:off x="417443" y="745199"/>
-            <a:ext cx="11357113" cy="1015663"/>
+            <a:ext cx="11357113" cy="1938992"/>
           </a:xfrm>
           <a:prstGeom prst="rect">
             <a:avLst/>
@@ -9015,14 +8945,55 @@
             <a:pPr lvl="1"/>
             <a:r>
               <a:rPr lang="en-US" sz="2000" dirty="0"/>
-              <a:t>The rest of the form can be left blank. When you have finished editing, click Save Channel at the bottom of the page. Click on the Data Import/Export tab to find a summary of the web requests that you can use, customized to the channel you just created </a:t>
-            </a:r>
+              <a:t>You want to log sensor data to </a:t>
+            </a:r>
+            <a:r>
+              <a:rPr lang="en-US" sz="2000" dirty="0" err="1"/>
+              <a:t>ThingSpeak</a:t>
+            </a:r>
+            <a:r>
+              <a:rPr lang="en-US" sz="2000" dirty="0"/>
+              <a:t>. </a:t>
+            </a:r>
+          </a:p>
+          <a:p>
+            <a:pPr lvl="1"/>
+            <a:endParaRPr lang="en-US" sz="2000" b="1" i="1" dirty="0">
+              <a:solidFill>
+                <a:srgbClr val="0070C0"/>
+              </a:solidFill>
+              <a:latin typeface="Consolas" panose="020B0609020204030204" pitchFamily="49" charset="0"/>
+              <a:cs typeface="Consolas" panose="020B0609020204030204" pitchFamily="49" charset="0"/>
+            </a:endParaRPr>
+          </a:p>
+          <a:p>
+            <a:pPr lvl="1"/>
+            <a:r>
+              <a:rPr lang="en-US" sz="2000" dirty="0"/>
+              <a:t>Log into </a:t>
+            </a:r>
+            <a:r>
+              <a:rPr lang="en-US" sz="2000" dirty="0" err="1"/>
+              <a:t>ThingSpeak</a:t>
+            </a:r>
+            <a:r>
+              <a:rPr lang="en-US" sz="2000" dirty="0"/>
+              <a:t>, and from the Channels drop-down, select My Channels. Now create a new channel by completing the top of the form as shown in following Figure</a:t>
+            </a:r>
+          </a:p>
+          <a:p>
+            <a:pPr lvl="1"/>
+            <a:endParaRPr lang="en-US" sz="2000" dirty="0"/>
+          </a:p>
+          <a:p>
+            <a:pPr lvl="1"/>
+            <a:endParaRPr lang="en-US" sz="2000" dirty="0"/>
           </a:p>
         </p:txBody>
       </p:sp>
       <p:pic>
         <p:nvPicPr>
-          <p:cNvPr id="3" name="Picture 2"/>
+          <p:cNvPr id="2" name="Picture 1"/>
           <p:cNvPicPr>
             <a:picLocks noChangeAspect="1"/>
           </p:cNvPicPr>
@@ -9036,8 +9007,8 @@
         </p:blipFill>
         <p:spPr>
           <a:xfrm>
-            <a:off x="2223829" y="1784844"/>
-            <a:ext cx="7744339" cy="5121112"/>
+            <a:off x="1170988" y="2131889"/>
+            <a:ext cx="9886218" cy="4605119"/>
           </a:xfrm>
           <a:prstGeom prst="rect">
             <a:avLst/>
@@ -9047,7 +9018,7 @@
     </p:spTree>
     <p:extLst>
       <p:ext uri="{BB962C8B-B14F-4D97-AF65-F5344CB8AC3E}">
-        <p14:creationId xmlns:p14="http://schemas.microsoft.com/office/powerpoint/2010/main" val="1975480813"/>
+        <p14:creationId xmlns:p14="http://schemas.microsoft.com/office/powerpoint/2010/main" val="124123200"/>
       </p:ext>
     </p:extLst>
   </p:cSld>
@@ -9211,7 +9182,15 @@
           <a:p>
             <a:r>
               <a:rPr lang="en-US" dirty="0"/>
-              <a:t>ThingspeakData.py Project</a:t>
+              <a:t>Sending Sensor Data to </a:t>
+            </a:r>
+            <a:r>
+              <a:rPr lang="en-US" dirty="0" err="1"/>
+              <a:t>ThingSpeak</a:t>
+            </a:r>
+            <a:r>
+              <a:rPr lang="en-US" dirty="0"/>
+              <a:t> </a:t>
             </a:r>
           </a:p>
         </p:txBody>
@@ -9264,7 +9243,7 @@
         <p:spPr>
           <a:xfrm>
             <a:off x="417443" y="745199"/>
-            <a:ext cx="11357113" cy="5940088"/>
+            <a:ext cx="11357113" cy="1015663"/>
           </a:xfrm>
           <a:prstGeom prst="rect">
             <a:avLst/>
@@ -9280,525 +9259,39 @@
             <a:pPr lvl="1"/>
             <a:r>
               <a:rPr lang="en-US" sz="2000" dirty="0"/>
-              <a:t>To send data to the channel, a web request must be sent. The Python program:</a:t>
-            </a:r>
-          </a:p>
-          <a:p>
-            <a:pPr lvl="1"/>
-            <a:endParaRPr lang="en-US" sz="2000" dirty="0"/>
-          </a:p>
-          <a:p>
-            <a:pPr lvl="1"/>
-            <a:r>
-              <a:rPr lang="en-US" sz="2000" b="1" i="1" dirty="0">
-                <a:solidFill>
-                  <a:srgbClr val="0070C0"/>
-                </a:solidFill>
-                <a:latin typeface="Consolas" panose="020B0609020204030204" pitchFamily="49" charset="0"/>
-                <a:cs typeface="Consolas" panose="020B0609020204030204" pitchFamily="49" charset="0"/>
-              </a:rPr>
-              <a:t>import time, </a:t>
-            </a:r>
-            <a:r>
-              <a:rPr lang="en-US" sz="2000" b="1" i="1" dirty="0" err="1">
-                <a:solidFill>
-                  <a:srgbClr val="0070C0"/>
-                </a:solidFill>
-                <a:latin typeface="Consolas" panose="020B0609020204030204" pitchFamily="49" charset="0"/>
-                <a:cs typeface="Consolas" panose="020B0609020204030204" pitchFamily="49" charset="0"/>
-              </a:rPr>
-              <a:t>os</a:t>
-            </a:r>
-            <a:r>
-              <a:rPr lang="en-US" sz="2000" b="1" i="1" dirty="0">
-                <a:solidFill>
-                  <a:srgbClr val="0070C0"/>
-                </a:solidFill>
-                <a:latin typeface="Consolas" panose="020B0609020204030204" pitchFamily="49" charset="0"/>
-                <a:cs typeface="Consolas" panose="020B0609020204030204" pitchFamily="49" charset="0"/>
-              </a:rPr>
-              <a:t>, </a:t>
-            </a:r>
-            <a:r>
-              <a:rPr lang="en-US" sz="2000" b="1" i="1" dirty="0" err="1">
-                <a:solidFill>
-                  <a:srgbClr val="0070C0"/>
-                </a:solidFill>
-                <a:latin typeface="Consolas" panose="020B0609020204030204" pitchFamily="49" charset="0"/>
-                <a:cs typeface="Consolas" panose="020B0609020204030204" pitchFamily="49" charset="0"/>
-              </a:rPr>
-              <a:t>urllib</a:t>
-            </a:r>
-            <a:r>
-              <a:rPr lang="en-US" sz="2000" b="1" i="1" dirty="0">
-                <a:solidFill>
-                  <a:srgbClr val="0070C0"/>
-                </a:solidFill>
-                <a:latin typeface="Consolas" panose="020B0609020204030204" pitchFamily="49" charset="0"/>
-                <a:cs typeface="Consolas" panose="020B0609020204030204" pitchFamily="49" charset="0"/>
-              </a:rPr>
-              <a:t>, urllib2</a:t>
-            </a:r>
-          </a:p>
-          <a:p>
-            <a:pPr lvl="1"/>
-            <a:endParaRPr lang="en-US" sz="2000" b="1" i="1" dirty="0">
-              <a:solidFill>
-                <a:srgbClr val="0070C0"/>
-              </a:solidFill>
-              <a:latin typeface="Consolas" panose="020B0609020204030204" pitchFamily="49" charset="0"/>
-              <a:cs typeface="Consolas" panose="020B0609020204030204" pitchFamily="49" charset="0"/>
-            </a:endParaRPr>
-          </a:p>
-          <a:p>
-            <a:pPr lvl="1"/>
-            <a:r>
-              <a:rPr lang="en-US" sz="2000" b="1" i="1" dirty="0">
-                <a:solidFill>
-                  <a:srgbClr val="0070C0"/>
-                </a:solidFill>
-                <a:latin typeface="Consolas" panose="020B0609020204030204" pitchFamily="49" charset="0"/>
-                <a:cs typeface="Consolas" panose="020B0609020204030204" pitchFamily="49" charset="0"/>
-              </a:rPr>
-              <a:t>DELAY = 15</a:t>
-            </a:r>
-          </a:p>
-          <a:p>
-            <a:pPr lvl="1"/>
-            <a:r>
-              <a:rPr lang="en-US" sz="2000" b="1" i="1" dirty="0">
-                <a:solidFill>
-                  <a:srgbClr val="0070C0"/>
-                </a:solidFill>
-                <a:latin typeface="Consolas" panose="020B0609020204030204" pitchFamily="49" charset="0"/>
-                <a:cs typeface="Consolas" panose="020B0609020204030204" pitchFamily="49" charset="0"/>
-              </a:rPr>
-              <a:t>BASEURL = 'https://api.thingspeak.com/</a:t>
-            </a:r>
-            <a:r>
-              <a:rPr lang="en-US" sz="2000" b="1" i="1" dirty="0" err="1">
-                <a:solidFill>
-                  <a:srgbClr val="0070C0"/>
-                </a:solidFill>
-                <a:latin typeface="Consolas" panose="020B0609020204030204" pitchFamily="49" charset="0"/>
-                <a:cs typeface="Consolas" panose="020B0609020204030204" pitchFamily="49" charset="0"/>
-              </a:rPr>
-              <a:t>update?api_key</a:t>
-            </a:r>
-            <a:r>
-              <a:rPr lang="en-US" sz="2000" b="1" i="1" dirty="0">
-                <a:solidFill>
-                  <a:srgbClr val="0070C0"/>
-                </a:solidFill>
-                <a:latin typeface="Consolas" panose="020B0609020204030204" pitchFamily="49" charset="0"/>
-                <a:cs typeface="Consolas" panose="020B0609020204030204" pitchFamily="49" charset="0"/>
-              </a:rPr>
-              <a:t>={}&amp;field1={}'</a:t>
-            </a:r>
-          </a:p>
-          <a:p>
-            <a:pPr lvl="1"/>
-            <a:r>
-              <a:rPr lang="en-US" sz="2000" b="1" i="1" dirty="0">
-                <a:solidFill>
-                  <a:srgbClr val="0070C0"/>
-                </a:solidFill>
-                <a:latin typeface="Consolas" panose="020B0609020204030204" pitchFamily="49" charset="0"/>
-                <a:cs typeface="Consolas" panose="020B0609020204030204" pitchFamily="49" charset="0"/>
-              </a:rPr>
-              <a:t>KEY = 'SNDA3NE8T2I3A5W1'</a:t>
-            </a:r>
-          </a:p>
-          <a:p>
-            <a:pPr lvl="1"/>
-            <a:endParaRPr lang="en-US" sz="2000" b="1" i="1" dirty="0">
-              <a:solidFill>
-                <a:srgbClr val="0070C0"/>
-              </a:solidFill>
-              <a:latin typeface="Consolas" panose="020B0609020204030204" pitchFamily="49" charset="0"/>
-              <a:cs typeface="Consolas" panose="020B0609020204030204" pitchFamily="49" charset="0"/>
-            </a:endParaRPr>
-          </a:p>
-          <a:p>
-            <a:pPr lvl="1"/>
-            <a:r>
-              <a:rPr lang="en-US" sz="2000" b="1" i="1" dirty="0">
-                <a:solidFill>
-                  <a:srgbClr val="0070C0"/>
-                </a:solidFill>
-                <a:latin typeface="Consolas" panose="020B0609020204030204" pitchFamily="49" charset="0"/>
-                <a:cs typeface="Consolas" panose="020B0609020204030204" pitchFamily="49" charset="0"/>
-              </a:rPr>
-              <a:t>def </a:t>
-            </a:r>
-            <a:r>
-              <a:rPr lang="en-US" sz="2000" b="1" i="1" dirty="0" err="1">
-                <a:solidFill>
-                  <a:srgbClr val="0070C0"/>
-                </a:solidFill>
-                <a:latin typeface="Consolas" panose="020B0609020204030204" pitchFamily="49" charset="0"/>
-                <a:cs typeface="Consolas" panose="020B0609020204030204" pitchFamily="49" charset="0"/>
-              </a:rPr>
-              <a:t>SendData</a:t>
-            </a:r>
-            <a:r>
-              <a:rPr lang="en-US" sz="2000" b="1" i="1" dirty="0">
-                <a:solidFill>
-                  <a:srgbClr val="0070C0"/>
-                </a:solidFill>
-                <a:latin typeface="Consolas" panose="020B0609020204030204" pitchFamily="49" charset="0"/>
-                <a:cs typeface="Consolas" panose="020B0609020204030204" pitchFamily="49" charset="0"/>
-              </a:rPr>
-              <a:t>(temp):</a:t>
-            </a:r>
-          </a:p>
-          <a:p>
-            <a:pPr lvl="1"/>
-            <a:r>
-              <a:rPr lang="en-US" sz="2000" b="1" i="1" dirty="0">
-                <a:solidFill>
-                  <a:srgbClr val="0070C0"/>
-                </a:solidFill>
-                <a:latin typeface="Consolas" panose="020B0609020204030204" pitchFamily="49" charset="0"/>
-                <a:cs typeface="Consolas" panose="020B0609020204030204" pitchFamily="49" charset="0"/>
-              </a:rPr>
-              <a:t>	</a:t>
-            </a:r>
-            <a:r>
-              <a:rPr lang="en-US" sz="2000" b="1" i="1" dirty="0" err="1">
-                <a:solidFill>
-                  <a:srgbClr val="0070C0"/>
-                </a:solidFill>
-                <a:latin typeface="Consolas" panose="020B0609020204030204" pitchFamily="49" charset="0"/>
-                <a:cs typeface="Consolas" panose="020B0609020204030204" pitchFamily="49" charset="0"/>
-              </a:rPr>
-              <a:t>completeUrl</a:t>
-            </a:r>
-            <a:r>
-              <a:rPr lang="en-US" sz="2000" b="1" i="1" dirty="0">
-                <a:solidFill>
-                  <a:srgbClr val="0070C0"/>
-                </a:solidFill>
-                <a:latin typeface="Consolas" panose="020B0609020204030204" pitchFamily="49" charset="0"/>
-                <a:cs typeface="Consolas" panose="020B0609020204030204" pitchFamily="49" charset="0"/>
-              </a:rPr>
-              <a:t> = </a:t>
-            </a:r>
-            <a:r>
-              <a:rPr lang="en-US" sz="2000" b="1" i="1" dirty="0" err="1">
-                <a:solidFill>
-                  <a:srgbClr val="0070C0"/>
-                </a:solidFill>
-                <a:latin typeface="Consolas" panose="020B0609020204030204" pitchFamily="49" charset="0"/>
-                <a:cs typeface="Consolas" panose="020B0609020204030204" pitchFamily="49" charset="0"/>
-              </a:rPr>
-              <a:t>BASEURL.format</a:t>
-            </a:r>
-            <a:r>
-              <a:rPr lang="en-US" sz="2000" b="1" i="1" dirty="0">
-                <a:solidFill>
-                  <a:srgbClr val="0070C0"/>
-                </a:solidFill>
-                <a:latin typeface="Consolas" panose="020B0609020204030204" pitchFamily="49" charset="0"/>
-                <a:cs typeface="Consolas" panose="020B0609020204030204" pitchFamily="49" charset="0"/>
-              </a:rPr>
-              <a:t>(KEY, temp)</a:t>
-            </a:r>
-          </a:p>
-          <a:p>
-            <a:pPr lvl="1"/>
-            <a:r>
-              <a:rPr lang="en-US" sz="2000" b="1" i="1" dirty="0">
-                <a:solidFill>
-                  <a:srgbClr val="0070C0"/>
-                </a:solidFill>
-                <a:latin typeface="Consolas" panose="020B0609020204030204" pitchFamily="49" charset="0"/>
-                <a:cs typeface="Consolas" panose="020B0609020204030204" pitchFamily="49" charset="0"/>
-              </a:rPr>
-              <a:t>    	response = urllib2.urlopen(</a:t>
-            </a:r>
-            <a:r>
-              <a:rPr lang="en-US" sz="2000" b="1" i="1" dirty="0" err="1">
-                <a:solidFill>
-                  <a:srgbClr val="0070C0"/>
-                </a:solidFill>
-                <a:latin typeface="Consolas" panose="020B0609020204030204" pitchFamily="49" charset="0"/>
-                <a:cs typeface="Consolas" panose="020B0609020204030204" pitchFamily="49" charset="0"/>
-              </a:rPr>
-              <a:t>url</a:t>
-            </a:r>
-            <a:r>
-              <a:rPr lang="en-US" sz="2000" b="1" i="1" dirty="0">
-                <a:solidFill>
-                  <a:srgbClr val="0070C0"/>
-                </a:solidFill>
-                <a:latin typeface="Consolas" panose="020B0609020204030204" pitchFamily="49" charset="0"/>
-                <a:cs typeface="Consolas" panose="020B0609020204030204" pitchFamily="49" charset="0"/>
-              </a:rPr>
-              <a:t>=</a:t>
-            </a:r>
-            <a:r>
-              <a:rPr lang="en-US" sz="2000" b="1" i="1" dirty="0" err="1">
-                <a:solidFill>
-                  <a:srgbClr val="0070C0"/>
-                </a:solidFill>
-                <a:latin typeface="Consolas" panose="020B0609020204030204" pitchFamily="49" charset="0"/>
-                <a:cs typeface="Consolas" panose="020B0609020204030204" pitchFamily="49" charset="0"/>
-              </a:rPr>
-              <a:t>completeUrl</a:t>
-            </a:r>
-            <a:r>
-              <a:rPr lang="en-US" sz="2000" b="1" i="1" dirty="0">
-                <a:solidFill>
-                  <a:srgbClr val="0070C0"/>
-                </a:solidFill>
-                <a:latin typeface="Consolas" panose="020B0609020204030204" pitchFamily="49" charset="0"/>
-                <a:cs typeface="Consolas" panose="020B0609020204030204" pitchFamily="49" charset="0"/>
-              </a:rPr>
-              <a:t>)</a:t>
-            </a:r>
-          </a:p>
-          <a:p>
-            <a:pPr lvl="1"/>
-            <a:r>
-              <a:rPr lang="en-US" sz="2000" b="1" i="1" dirty="0">
-                <a:solidFill>
-                  <a:srgbClr val="0070C0"/>
-                </a:solidFill>
-                <a:latin typeface="Consolas" panose="020B0609020204030204" pitchFamily="49" charset="0"/>
-                <a:cs typeface="Consolas" panose="020B0609020204030204" pitchFamily="49" charset="0"/>
-              </a:rPr>
-              <a:t>    	print(</a:t>
-            </a:r>
-            <a:r>
-              <a:rPr lang="en-US" sz="2000" b="1" i="1" dirty="0" err="1">
-                <a:solidFill>
-                  <a:srgbClr val="0070C0"/>
-                </a:solidFill>
-                <a:latin typeface="Consolas" panose="020B0609020204030204" pitchFamily="49" charset="0"/>
-                <a:cs typeface="Consolas" panose="020B0609020204030204" pitchFamily="49" charset="0"/>
-              </a:rPr>
-              <a:t>response.read</a:t>
-            </a:r>
-            <a:r>
-              <a:rPr lang="en-US" sz="2000" b="1" i="1" dirty="0">
-                <a:solidFill>
-                  <a:srgbClr val="0070C0"/>
-                </a:solidFill>
-                <a:latin typeface="Consolas" panose="020B0609020204030204" pitchFamily="49" charset="0"/>
-                <a:cs typeface="Consolas" panose="020B0609020204030204" pitchFamily="49" charset="0"/>
-              </a:rPr>
-              <a:t>())</a:t>
-            </a:r>
-          </a:p>
-          <a:p>
-            <a:pPr lvl="1"/>
-            <a:endParaRPr lang="en-US" sz="2000" b="1" i="1" dirty="0">
-              <a:solidFill>
-                <a:srgbClr val="0070C0"/>
-              </a:solidFill>
-              <a:latin typeface="Consolas" panose="020B0609020204030204" pitchFamily="49" charset="0"/>
-              <a:cs typeface="Consolas" panose="020B0609020204030204" pitchFamily="49" charset="0"/>
-            </a:endParaRPr>
-          </a:p>
-          <a:p>
-            <a:pPr lvl="1"/>
-            <a:r>
-              <a:rPr lang="en-US" sz="2000" b="1" i="1" dirty="0">
-                <a:solidFill>
-                  <a:srgbClr val="0070C0"/>
-                </a:solidFill>
-                <a:latin typeface="Consolas" panose="020B0609020204030204" pitchFamily="49" charset="0"/>
-                <a:cs typeface="Consolas" panose="020B0609020204030204" pitchFamily="49" charset="0"/>
-              </a:rPr>
-              <a:t>def </a:t>
-            </a:r>
-            <a:r>
-              <a:rPr lang="en-US" sz="2000" b="1" i="1" dirty="0" err="1">
-                <a:solidFill>
-                  <a:srgbClr val="0070C0"/>
-                </a:solidFill>
-                <a:latin typeface="Consolas" panose="020B0609020204030204" pitchFamily="49" charset="0"/>
-                <a:cs typeface="Consolas" panose="020B0609020204030204" pitchFamily="49" charset="0"/>
-              </a:rPr>
-              <a:t>CpuTemp</a:t>
-            </a:r>
-            <a:r>
-              <a:rPr lang="en-US" sz="2000" b="1" i="1" dirty="0">
-                <a:solidFill>
-                  <a:srgbClr val="0070C0"/>
-                </a:solidFill>
-                <a:latin typeface="Consolas" panose="020B0609020204030204" pitchFamily="49" charset="0"/>
-                <a:cs typeface="Consolas" panose="020B0609020204030204" pitchFamily="49" charset="0"/>
-              </a:rPr>
-              <a:t>():</a:t>
-            </a:r>
-          </a:p>
-          <a:p>
-            <a:pPr lvl="1"/>
-            <a:r>
-              <a:rPr lang="en-US" sz="2000" b="1" i="1" dirty="0">
-                <a:solidFill>
-                  <a:srgbClr val="0070C0"/>
-                </a:solidFill>
-                <a:latin typeface="Consolas" panose="020B0609020204030204" pitchFamily="49" charset="0"/>
-                <a:cs typeface="Consolas" panose="020B0609020204030204" pitchFamily="49" charset="0"/>
-              </a:rPr>
-              <a:t>    dev = </a:t>
-            </a:r>
-            <a:r>
-              <a:rPr lang="en-US" sz="2000" b="1" i="1" dirty="0" err="1">
-                <a:solidFill>
-                  <a:srgbClr val="0070C0"/>
-                </a:solidFill>
-                <a:latin typeface="Consolas" panose="020B0609020204030204" pitchFamily="49" charset="0"/>
-                <a:cs typeface="Consolas" panose="020B0609020204030204" pitchFamily="49" charset="0"/>
-              </a:rPr>
-              <a:t>os.popen</a:t>
-            </a:r>
-            <a:r>
-              <a:rPr lang="en-US" sz="2000" b="1" i="1" dirty="0">
-                <a:solidFill>
-                  <a:srgbClr val="0070C0"/>
-                </a:solidFill>
-                <a:latin typeface="Consolas" panose="020B0609020204030204" pitchFamily="49" charset="0"/>
-                <a:cs typeface="Consolas" panose="020B0609020204030204" pitchFamily="49" charset="0"/>
-              </a:rPr>
-              <a:t>('/opt/</a:t>
-            </a:r>
-            <a:r>
-              <a:rPr lang="en-US" sz="2000" b="1" i="1" dirty="0" err="1">
-                <a:solidFill>
-                  <a:srgbClr val="0070C0"/>
-                </a:solidFill>
-                <a:latin typeface="Consolas" panose="020B0609020204030204" pitchFamily="49" charset="0"/>
-                <a:cs typeface="Consolas" panose="020B0609020204030204" pitchFamily="49" charset="0"/>
-              </a:rPr>
-              <a:t>vc</a:t>
-            </a:r>
-            <a:r>
-              <a:rPr lang="en-US" sz="2000" b="1" i="1" dirty="0">
-                <a:solidFill>
-                  <a:srgbClr val="0070C0"/>
-                </a:solidFill>
-                <a:latin typeface="Consolas" panose="020B0609020204030204" pitchFamily="49" charset="0"/>
-                <a:cs typeface="Consolas" panose="020B0609020204030204" pitchFamily="49" charset="0"/>
-              </a:rPr>
-              <a:t>/bin/</a:t>
-            </a:r>
-            <a:r>
-              <a:rPr lang="en-US" sz="2000" b="1" i="1" dirty="0" err="1">
-                <a:solidFill>
-                  <a:srgbClr val="0070C0"/>
-                </a:solidFill>
-                <a:latin typeface="Consolas" panose="020B0609020204030204" pitchFamily="49" charset="0"/>
-                <a:cs typeface="Consolas" panose="020B0609020204030204" pitchFamily="49" charset="0"/>
-              </a:rPr>
-              <a:t>vcgencmd</a:t>
-            </a:r>
-            <a:r>
-              <a:rPr lang="en-US" sz="2000" b="1" i="1" dirty="0">
-                <a:solidFill>
-                  <a:srgbClr val="0070C0"/>
-                </a:solidFill>
-                <a:latin typeface="Consolas" panose="020B0609020204030204" pitchFamily="49" charset="0"/>
-                <a:cs typeface="Consolas" panose="020B0609020204030204" pitchFamily="49" charset="0"/>
-              </a:rPr>
-              <a:t> </a:t>
-            </a:r>
-            <a:r>
-              <a:rPr lang="en-US" sz="2000" b="1" i="1" dirty="0" err="1">
-                <a:solidFill>
-                  <a:srgbClr val="0070C0"/>
-                </a:solidFill>
-                <a:latin typeface="Consolas" panose="020B0609020204030204" pitchFamily="49" charset="0"/>
-                <a:cs typeface="Consolas" panose="020B0609020204030204" pitchFamily="49" charset="0"/>
-              </a:rPr>
-              <a:t>measure_temp</a:t>
-            </a:r>
-            <a:r>
-              <a:rPr lang="en-US" sz="2000" b="1" i="1" dirty="0">
-                <a:solidFill>
-                  <a:srgbClr val="0070C0"/>
-                </a:solidFill>
-                <a:latin typeface="Consolas" panose="020B0609020204030204" pitchFamily="49" charset="0"/>
-                <a:cs typeface="Consolas" panose="020B0609020204030204" pitchFamily="49" charset="0"/>
-              </a:rPr>
-              <a:t>')</a:t>
-            </a:r>
-          </a:p>
-          <a:p>
-            <a:pPr lvl="1"/>
-            <a:r>
-              <a:rPr lang="en-US" sz="2000" b="1" i="1" dirty="0">
-                <a:solidFill>
-                  <a:srgbClr val="0070C0"/>
-                </a:solidFill>
-                <a:latin typeface="Consolas" panose="020B0609020204030204" pitchFamily="49" charset="0"/>
-                <a:cs typeface="Consolas" panose="020B0609020204030204" pitchFamily="49" charset="0"/>
-              </a:rPr>
-              <a:t>    temperature = </a:t>
-            </a:r>
-            <a:r>
-              <a:rPr lang="en-US" sz="2000" b="1" i="1" dirty="0" err="1">
-                <a:solidFill>
-                  <a:srgbClr val="0070C0"/>
-                </a:solidFill>
-                <a:latin typeface="Consolas" panose="020B0609020204030204" pitchFamily="49" charset="0"/>
-                <a:cs typeface="Consolas" panose="020B0609020204030204" pitchFamily="49" charset="0"/>
-              </a:rPr>
-              <a:t>dev.read</a:t>
-            </a:r>
-            <a:r>
-              <a:rPr lang="en-US" sz="2000" b="1" i="1" dirty="0">
-                <a:solidFill>
-                  <a:srgbClr val="0070C0"/>
-                </a:solidFill>
-                <a:latin typeface="Consolas" panose="020B0609020204030204" pitchFamily="49" charset="0"/>
-                <a:cs typeface="Consolas" panose="020B0609020204030204" pitchFamily="49" charset="0"/>
-              </a:rPr>
-              <a:t>()[5:-3]</a:t>
-            </a:r>
-          </a:p>
-          <a:p>
-            <a:pPr lvl="1"/>
-            <a:r>
-              <a:rPr lang="en-US" sz="2000" b="1" i="1" dirty="0">
-                <a:solidFill>
-                  <a:srgbClr val="0070C0"/>
-                </a:solidFill>
-                <a:latin typeface="Consolas" panose="020B0609020204030204" pitchFamily="49" charset="0"/>
-                <a:cs typeface="Consolas" panose="020B0609020204030204" pitchFamily="49" charset="0"/>
-              </a:rPr>
-              <a:t>    return temperature</a:t>
-            </a:r>
-          </a:p>
-          <a:p>
-            <a:pPr lvl="1"/>
-            <a:endParaRPr lang="en-US" sz="2000" b="1" i="1" dirty="0">
-              <a:solidFill>
-                <a:srgbClr val="0070C0"/>
-              </a:solidFill>
-              <a:latin typeface="Consolas" panose="020B0609020204030204" pitchFamily="49" charset="0"/>
-              <a:cs typeface="Consolas" panose="020B0609020204030204" pitchFamily="49" charset="0"/>
-            </a:endParaRPr>
-          </a:p>
-          <a:p>
-            <a:pPr lvl="1"/>
-            <a:endParaRPr lang="en-US" sz="2000" b="1" i="1" dirty="0">
-              <a:solidFill>
-                <a:srgbClr val="0070C0"/>
-              </a:solidFill>
-              <a:latin typeface="Consolas" panose="020B0609020204030204" pitchFamily="49" charset="0"/>
-              <a:cs typeface="Consolas" panose="020B0609020204030204" pitchFamily="49" charset="0"/>
-            </a:endParaRPr>
+              <a:t>The rest of the form can be left blank. When you have finished editing, click Save Channel at the bottom of the page. Click on the Data Import/Export tab to find a summary of the web requests that you can use, customized to the channel you just created </a:t>
+            </a:r>
           </a:p>
         </p:txBody>
       </p:sp>
+      <p:pic>
+        <p:nvPicPr>
+          <p:cNvPr id="3" name="Picture 2"/>
+          <p:cNvPicPr>
+            <a:picLocks noChangeAspect="1"/>
+          </p:cNvPicPr>
+          <p:nvPr/>
+        </p:nvPicPr>
+        <p:blipFill>
+          <a:blip r:embed="rId2"/>
+          <a:stretch>
+            <a:fillRect/>
+          </a:stretch>
+        </p:blipFill>
+        <p:spPr>
+          <a:xfrm>
+            <a:off x="2223829" y="1784844"/>
+            <a:ext cx="7744339" cy="5121112"/>
+          </a:xfrm>
+          <a:prstGeom prst="rect">
+            <a:avLst/>
+          </a:prstGeom>
+        </p:spPr>
+      </p:pic>
     </p:spTree>
     <p:extLst>
       <p:ext uri="{BB962C8B-B14F-4D97-AF65-F5344CB8AC3E}">
-        <p14:creationId xmlns:p14="http://schemas.microsoft.com/office/powerpoint/2010/main" val="855376788"/>
+        <p14:creationId xmlns:p14="http://schemas.microsoft.com/office/powerpoint/2010/main" val="1975480813"/>
       </p:ext>
     </p:extLst>
   </p:cSld>
@@ -9962,15 +9455,7 @@
           <a:p>
             <a:r>
               <a:rPr lang="en-US" dirty="0"/>
-              <a:t>Sending Sensor Data to </a:t>
-            </a:r>
-            <a:r>
-              <a:rPr lang="en-US" dirty="0" err="1"/>
-              <a:t>ThingSpeak</a:t>
-            </a:r>
-            <a:r>
-              <a:rPr lang="en-US" dirty="0"/>
-              <a:t> </a:t>
+              <a:t>ThingspeakData.py Project</a:t>
             </a:r>
           </a:p>
         </p:txBody>
@@ -10023,7 +9508,7 @@
         <p:spPr>
           <a:xfrm>
             <a:off x="417443" y="745199"/>
-            <a:ext cx="11357113" cy="2554545"/>
+            <a:ext cx="11357113" cy="5940088"/>
           </a:xfrm>
           <a:prstGeom prst="rect">
             <a:avLst/>
@@ -10037,6 +9522,70 @@
           <a:lstStyle/>
           <a:p>
             <a:pPr lvl="1"/>
+            <a:r>
+              <a:rPr lang="en-US" sz="2000" dirty="0"/>
+              <a:t>To send data to the channel, a web request must be sent. The Python program:</a:t>
+            </a:r>
+          </a:p>
+          <a:p>
+            <a:pPr lvl="1"/>
+            <a:endParaRPr lang="en-US" sz="2000" dirty="0"/>
+          </a:p>
+          <a:p>
+            <a:pPr lvl="1"/>
+            <a:r>
+              <a:rPr lang="en-US" sz="2000" b="1" i="1" dirty="0">
+                <a:solidFill>
+                  <a:srgbClr val="0070C0"/>
+                </a:solidFill>
+                <a:latin typeface="Consolas" panose="020B0609020204030204" pitchFamily="49" charset="0"/>
+                <a:cs typeface="Consolas" panose="020B0609020204030204" pitchFamily="49" charset="0"/>
+              </a:rPr>
+              <a:t>import time, </a:t>
+            </a:r>
+            <a:r>
+              <a:rPr lang="en-US" sz="2000" b="1" i="1" dirty="0" err="1">
+                <a:solidFill>
+                  <a:srgbClr val="0070C0"/>
+                </a:solidFill>
+                <a:latin typeface="Consolas" panose="020B0609020204030204" pitchFamily="49" charset="0"/>
+                <a:cs typeface="Consolas" panose="020B0609020204030204" pitchFamily="49" charset="0"/>
+              </a:rPr>
+              <a:t>os</a:t>
+            </a:r>
+            <a:r>
+              <a:rPr lang="en-US" sz="2000" b="1" i="1" dirty="0">
+                <a:solidFill>
+                  <a:srgbClr val="0070C0"/>
+                </a:solidFill>
+                <a:latin typeface="Consolas" panose="020B0609020204030204" pitchFamily="49" charset="0"/>
+                <a:cs typeface="Consolas" panose="020B0609020204030204" pitchFamily="49" charset="0"/>
+              </a:rPr>
+              <a:t>, </a:t>
+            </a:r>
+            <a:r>
+              <a:rPr lang="en-US" sz="2000" b="1" i="1" dirty="0" err="1">
+                <a:solidFill>
+                  <a:srgbClr val="0070C0"/>
+                </a:solidFill>
+                <a:latin typeface="Consolas" panose="020B0609020204030204" pitchFamily="49" charset="0"/>
+                <a:cs typeface="Consolas" panose="020B0609020204030204" pitchFamily="49" charset="0"/>
+              </a:rPr>
+              <a:t>urllib</a:t>
+            </a:r>
+            <a:r>
+              <a:rPr lang="en-US" sz="2000" b="1" i="1" dirty="0">
+                <a:solidFill>
+                  <a:srgbClr val="0070C0"/>
+                </a:solidFill>
+                <a:latin typeface="Consolas" panose="020B0609020204030204" pitchFamily="49" charset="0"/>
+                <a:cs typeface="Consolas" panose="020B0609020204030204" pitchFamily="49" charset="0"/>
+              </a:rPr>
+              <a:t>, urllib2</a:t>
+            </a:r>
+          </a:p>
+          <a:p>
+            <a:pPr lvl="1"/>
             <a:endParaRPr lang="en-US" sz="2000" b="1" i="1" dirty="0">
               <a:solidFill>
                 <a:srgbClr val="0070C0"/>
@@ -10055,7 +9604,7 @@
                 <a:latin typeface="Consolas" panose="020B0609020204030204" pitchFamily="49" charset="0"/>
                 <a:cs typeface="Consolas" panose="020B0609020204030204" pitchFamily="49" charset="0"/>
               </a:rPr>
-              <a:t>while True:</a:t>
+              <a:t>DELAY = 15</a:t>
             </a:r>
           </a:p>
           <a:p>
@@ -10068,7 +9617,7 @@
                 <a:latin typeface="Consolas" panose="020B0609020204030204" pitchFamily="49" charset="0"/>
                 <a:cs typeface="Consolas" panose="020B0609020204030204" pitchFamily="49" charset="0"/>
               </a:rPr>
-              <a:t>    temp = </a:t>
+              <a:t>BASEURL = 'https://api.thingspeak.com/</a:t>
             </a:r>
             <a:r>
               <a:rPr lang="en-US" sz="2000" b="1" i="1" dirty="0" err="1">
@@ -10078,7 +9627,7 @@
                 <a:latin typeface="Consolas" panose="020B0609020204030204" pitchFamily="49" charset="0"/>
                 <a:cs typeface="Consolas" panose="020B0609020204030204" pitchFamily="49" charset="0"/>
               </a:rPr>
-              <a:t>CpuTemp</a:t>
+              <a:t>update?api_key</a:t>
             </a:r>
             <a:r>
               <a:rPr lang="en-US" sz="2000" b="1" i="1" dirty="0">
@@ -10088,7 +9637,7 @@
                 <a:latin typeface="Consolas" panose="020B0609020204030204" pitchFamily="49" charset="0"/>
                 <a:cs typeface="Consolas" panose="020B0609020204030204" pitchFamily="49" charset="0"/>
               </a:rPr>
-              <a:t>()</a:t>
+              <a:t>={}&amp;field1={}'</a:t>
             </a:r>
           </a:p>
           <a:p>
@@ -10101,73 +9650,7 @@
                 <a:latin typeface="Consolas" panose="020B0609020204030204" pitchFamily="49" charset="0"/>
                 <a:cs typeface="Consolas" panose="020B0609020204030204" pitchFamily="49" charset="0"/>
               </a:rPr>
-              <a:t>    print("CPU Temp (C): {}".format(temp))</a:t>
-            </a:r>
-          </a:p>
-          <a:p>
-            <a:pPr lvl="1"/>
-            <a:r>
-              <a:rPr lang="en-US" sz="2000" b="1" i="1" dirty="0">
-                <a:solidFill>
-                  <a:srgbClr val="0070C0"/>
-                </a:solidFill>
-                <a:latin typeface="Consolas" panose="020B0609020204030204" pitchFamily="49" charset="0"/>
-                <a:cs typeface="Consolas" panose="020B0609020204030204" pitchFamily="49" charset="0"/>
-              </a:rPr>
-              <a:t>    </a:t>
-            </a:r>
-            <a:r>
-              <a:rPr lang="en-US" sz="2000" b="1" i="1" dirty="0" err="1">
-                <a:solidFill>
-                  <a:srgbClr val="0070C0"/>
-                </a:solidFill>
-                <a:latin typeface="Consolas" panose="020B0609020204030204" pitchFamily="49" charset="0"/>
-                <a:cs typeface="Consolas" panose="020B0609020204030204" pitchFamily="49" charset="0"/>
-              </a:rPr>
-              <a:t>SendData</a:t>
-            </a:r>
-            <a:r>
-              <a:rPr lang="en-US" sz="2000" b="1" i="1" dirty="0">
-                <a:solidFill>
-                  <a:srgbClr val="0070C0"/>
-                </a:solidFill>
-                <a:latin typeface="Consolas" panose="020B0609020204030204" pitchFamily="49" charset="0"/>
-                <a:cs typeface="Consolas" panose="020B0609020204030204" pitchFamily="49" charset="0"/>
-              </a:rPr>
-              <a:t>(temp)</a:t>
-            </a:r>
-          </a:p>
-          <a:p>
-            <a:pPr lvl="1"/>
-            <a:r>
-              <a:rPr lang="en-US" sz="2000" b="1" i="1" dirty="0">
-                <a:solidFill>
-                  <a:srgbClr val="0070C0"/>
-                </a:solidFill>
-                <a:latin typeface="Consolas" panose="020B0609020204030204" pitchFamily="49" charset="0"/>
-                <a:cs typeface="Consolas" panose="020B0609020204030204" pitchFamily="49" charset="0"/>
-              </a:rPr>
-              <a:t>    </a:t>
-            </a:r>
-            <a:r>
-              <a:rPr lang="en-US" sz="2000" b="1" i="1" dirty="0" err="1">
-                <a:solidFill>
-                  <a:srgbClr val="0070C0"/>
-                </a:solidFill>
-                <a:latin typeface="Consolas" panose="020B0609020204030204" pitchFamily="49" charset="0"/>
-                <a:cs typeface="Consolas" panose="020B0609020204030204" pitchFamily="49" charset="0"/>
-              </a:rPr>
-              <a:t>time.sleep</a:t>
-            </a:r>
-            <a:r>
-              <a:rPr lang="en-US" sz="2000" b="1" i="1" dirty="0">
-                <a:solidFill>
-                  <a:srgbClr val="0070C0"/>
-                </a:solidFill>
-                <a:latin typeface="Consolas" panose="020B0609020204030204" pitchFamily="49" charset="0"/>
-                <a:cs typeface="Consolas" panose="020B0609020204030204" pitchFamily="49" charset="0"/>
-              </a:rPr>
-              <a:t>(DELAY)</a:t>
+              <a:t>KEY = 'SNDA3NE8T2I3A5W1'</a:t>
             </a:r>
           </a:p>
           <a:p>
@@ -10183,48 +9666,383 @@
           <a:p>
             <a:pPr lvl="1"/>
             <a:r>
-              <a:rPr lang="en-US" sz="2000" dirty="0"/>
-              <a:t>Run the program. On the </a:t>
-            </a:r>
-            <a:r>
-              <a:rPr lang="en-US" sz="2000" dirty="0" err="1"/>
-              <a:t>ThingSpeak</a:t>
-            </a:r>
-            <a:r>
-              <a:rPr lang="en-US" sz="2000" dirty="0"/>
-              <a:t> channel page on the Private View tab, you should see a graph like:</a:t>
-            </a:r>
+              <a:rPr lang="en-US" sz="2000" b="1" i="1" dirty="0">
+                <a:solidFill>
+                  <a:srgbClr val="0070C0"/>
+                </a:solidFill>
+                <a:latin typeface="Consolas" panose="020B0609020204030204" pitchFamily="49" charset="0"/>
+                <a:cs typeface="Consolas" panose="020B0609020204030204" pitchFamily="49" charset="0"/>
+              </a:rPr>
+              <a:t>def </a:t>
+            </a:r>
+            <a:r>
+              <a:rPr lang="en-US" sz="2000" b="1" i="1" dirty="0" err="1">
+                <a:solidFill>
+                  <a:srgbClr val="0070C0"/>
+                </a:solidFill>
+                <a:latin typeface="Consolas" panose="020B0609020204030204" pitchFamily="49" charset="0"/>
+                <a:cs typeface="Consolas" panose="020B0609020204030204" pitchFamily="49" charset="0"/>
+              </a:rPr>
+              <a:t>SendData</a:t>
+            </a:r>
+            <a:r>
+              <a:rPr lang="en-US" sz="2000" b="1" i="1" dirty="0">
+                <a:solidFill>
+                  <a:srgbClr val="0070C0"/>
+                </a:solidFill>
+                <a:latin typeface="Consolas" panose="020B0609020204030204" pitchFamily="49" charset="0"/>
+                <a:cs typeface="Consolas" panose="020B0609020204030204" pitchFamily="49" charset="0"/>
+              </a:rPr>
+              <a:t>(temp):</a:t>
+            </a:r>
+          </a:p>
+          <a:p>
+            <a:pPr lvl="1"/>
+            <a:r>
+              <a:rPr lang="en-US" sz="2000" b="1" i="1" dirty="0">
+                <a:solidFill>
+                  <a:srgbClr val="0070C0"/>
+                </a:solidFill>
+                <a:latin typeface="Consolas" panose="020B0609020204030204" pitchFamily="49" charset="0"/>
+                <a:cs typeface="Consolas" panose="020B0609020204030204" pitchFamily="49" charset="0"/>
+              </a:rPr>
+              <a:t>	</a:t>
+            </a:r>
+            <a:r>
+              <a:rPr lang="en-US" sz="2000" b="1" i="1" dirty="0" err="1">
+                <a:solidFill>
+                  <a:srgbClr val="0070C0"/>
+                </a:solidFill>
+                <a:latin typeface="Consolas" panose="020B0609020204030204" pitchFamily="49" charset="0"/>
+                <a:cs typeface="Consolas" panose="020B0609020204030204" pitchFamily="49" charset="0"/>
+              </a:rPr>
+              <a:t>completeUrl</a:t>
+            </a:r>
+            <a:r>
+              <a:rPr lang="en-US" sz="2000" b="1" i="1" dirty="0">
+                <a:solidFill>
+                  <a:srgbClr val="0070C0"/>
+                </a:solidFill>
+                <a:latin typeface="Consolas" panose="020B0609020204030204" pitchFamily="49" charset="0"/>
+                <a:cs typeface="Consolas" panose="020B0609020204030204" pitchFamily="49" charset="0"/>
+              </a:rPr>
+              <a:t> = </a:t>
+            </a:r>
+            <a:r>
+              <a:rPr lang="en-US" sz="2000" b="1" i="1" dirty="0" err="1">
+                <a:solidFill>
+                  <a:srgbClr val="0070C0"/>
+                </a:solidFill>
+                <a:latin typeface="Consolas" panose="020B0609020204030204" pitchFamily="49" charset="0"/>
+                <a:cs typeface="Consolas" panose="020B0609020204030204" pitchFamily="49" charset="0"/>
+              </a:rPr>
+              <a:t>BASEURL.format</a:t>
+            </a:r>
+            <a:r>
+              <a:rPr lang="en-US" sz="2000" b="1" i="1" dirty="0">
+                <a:solidFill>
+                  <a:srgbClr val="0070C0"/>
+                </a:solidFill>
+                <a:latin typeface="Consolas" panose="020B0609020204030204" pitchFamily="49" charset="0"/>
+                <a:cs typeface="Consolas" panose="020B0609020204030204" pitchFamily="49" charset="0"/>
+              </a:rPr>
+              <a:t>(KEY, temp)</a:t>
+            </a:r>
+          </a:p>
+          <a:p>
+            <a:pPr lvl="1"/>
+            <a:r>
+              <a:rPr lang="en-US" sz="2000" b="1" i="1" dirty="0">
+                <a:solidFill>
+                  <a:srgbClr val="0070C0"/>
+                </a:solidFill>
+                <a:latin typeface="Consolas" panose="020B0609020204030204" pitchFamily="49" charset="0"/>
+                <a:cs typeface="Consolas" panose="020B0609020204030204" pitchFamily="49" charset="0"/>
+              </a:rPr>
+              <a:t>    	response = urllib2.urlopen(</a:t>
+            </a:r>
+            <a:r>
+              <a:rPr lang="en-US" sz="2000" b="1" i="1" dirty="0" err="1">
+                <a:solidFill>
+                  <a:srgbClr val="0070C0"/>
+                </a:solidFill>
+                <a:latin typeface="Consolas" panose="020B0609020204030204" pitchFamily="49" charset="0"/>
+                <a:cs typeface="Consolas" panose="020B0609020204030204" pitchFamily="49" charset="0"/>
+              </a:rPr>
+              <a:t>url</a:t>
+            </a:r>
+            <a:r>
+              <a:rPr lang="en-US" sz="2000" b="1" i="1" dirty="0">
+                <a:solidFill>
+                  <a:srgbClr val="0070C0"/>
+                </a:solidFill>
+                <a:latin typeface="Consolas" panose="020B0609020204030204" pitchFamily="49" charset="0"/>
+                <a:cs typeface="Consolas" panose="020B0609020204030204" pitchFamily="49" charset="0"/>
+              </a:rPr>
+              <a:t>=</a:t>
+            </a:r>
+            <a:r>
+              <a:rPr lang="en-US" sz="2000" b="1" i="1" dirty="0" err="1">
+                <a:solidFill>
+                  <a:srgbClr val="0070C0"/>
+                </a:solidFill>
+                <a:latin typeface="Consolas" panose="020B0609020204030204" pitchFamily="49" charset="0"/>
+                <a:cs typeface="Consolas" panose="020B0609020204030204" pitchFamily="49" charset="0"/>
+              </a:rPr>
+              <a:t>completeUrl</a:t>
+            </a:r>
+            <a:r>
+              <a:rPr lang="en-US" sz="2000" b="1" i="1" dirty="0">
+                <a:solidFill>
+                  <a:srgbClr val="0070C0"/>
+                </a:solidFill>
+                <a:latin typeface="Consolas" panose="020B0609020204030204" pitchFamily="49" charset="0"/>
+                <a:cs typeface="Consolas" panose="020B0609020204030204" pitchFamily="49" charset="0"/>
+              </a:rPr>
+              <a:t>)</a:t>
+            </a:r>
+          </a:p>
+          <a:p>
+            <a:pPr lvl="1"/>
+            <a:r>
+              <a:rPr lang="en-US" sz="2000" b="1" i="1" dirty="0">
+                <a:solidFill>
+                  <a:srgbClr val="0070C0"/>
+                </a:solidFill>
+                <a:latin typeface="Consolas" panose="020B0609020204030204" pitchFamily="49" charset="0"/>
+                <a:cs typeface="Consolas" panose="020B0609020204030204" pitchFamily="49" charset="0"/>
+              </a:rPr>
+              <a:t>    	print(</a:t>
+            </a:r>
+            <a:r>
+              <a:rPr lang="en-US" sz="2000" b="1" i="1" dirty="0" err="1">
+                <a:solidFill>
+                  <a:srgbClr val="0070C0"/>
+                </a:solidFill>
+                <a:latin typeface="Consolas" panose="020B0609020204030204" pitchFamily="49" charset="0"/>
+                <a:cs typeface="Consolas" panose="020B0609020204030204" pitchFamily="49" charset="0"/>
+              </a:rPr>
+              <a:t>response.read</a:t>
+            </a:r>
+            <a:r>
+              <a:rPr lang="en-US" sz="2000" b="1" i="1" dirty="0">
+                <a:solidFill>
+                  <a:srgbClr val="0070C0"/>
+                </a:solidFill>
+                <a:latin typeface="Consolas" panose="020B0609020204030204" pitchFamily="49" charset="0"/>
+                <a:cs typeface="Consolas" panose="020B0609020204030204" pitchFamily="49" charset="0"/>
+              </a:rPr>
+              <a:t>())</a:t>
+            </a:r>
+          </a:p>
+          <a:p>
+            <a:pPr lvl="1"/>
+            <a:endParaRPr lang="en-US" sz="2000" b="1" i="1" dirty="0">
+              <a:solidFill>
+                <a:srgbClr val="0070C0"/>
+              </a:solidFill>
+              <a:latin typeface="Consolas" panose="020B0609020204030204" pitchFamily="49" charset="0"/>
+              <a:cs typeface="Consolas" panose="020B0609020204030204" pitchFamily="49" charset="0"/>
+            </a:endParaRPr>
+          </a:p>
+          <a:p>
+            <a:pPr lvl="1"/>
+            <a:r>
+              <a:rPr lang="en-US" sz="2000" b="1" i="1" dirty="0">
+                <a:solidFill>
+                  <a:srgbClr val="0070C0"/>
+                </a:solidFill>
+                <a:latin typeface="Consolas" panose="020B0609020204030204" pitchFamily="49" charset="0"/>
+                <a:cs typeface="Consolas" panose="020B0609020204030204" pitchFamily="49" charset="0"/>
+              </a:rPr>
+              <a:t>def </a:t>
+            </a:r>
+            <a:r>
+              <a:rPr lang="en-US" sz="2000" b="1" i="1" dirty="0" err="1">
+                <a:solidFill>
+                  <a:srgbClr val="0070C0"/>
+                </a:solidFill>
+                <a:latin typeface="Consolas" panose="020B0609020204030204" pitchFamily="49" charset="0"/>
+                <a:cs typeface="Consolas" panose="020B0609020204030204" pitchFamily="49" charset="0"/>
+              </a:rPr>
+              <a:t>CpuTemp</a:t>
+            </a:r>
+            <a:r>
+              <a:rPr lang="en-US" sz="2000" b="1" i="1" dirty="0">
+                <a:solidFill>
+                  <a:srgbClr val="0070C0"/>
+                </a:solidFill>
+                <a:latin typeface="Consolas" panose="020B0609020204030204" pitchFamily="49" charset="0"/>
+                <a:cs typeface="Consolas" panose="020B0609020204030204" pitchFamily="49" charset="0"/>
+              </a:rPr>
+              <a:t>():</a:t>
+            </a:r>
+          </a:p>
+          <a:p>
+            <a:pPr lvl="1"/>
+            <a:r>
+              <a:rPr lang="en-US" sz="2000" b="1" i="1" dirty="0">
+                <a:solidFill>
+                  <a:srgbClr val="0070C0"/>
+                </a:solidFill>
+                <a:latin typeface="Consolas" panose="020B0609020204030204" pitchFamily="49" charset="0"/>
+                <a:cs typeface="Consolas" panose="020B0609020204030204" pitchFamily="49" charset="0"/>
+              </a:rPr>
+              <a:t>    dev = </a:t>
+            </a:r>
+            <a:r>
+              <a:rPr lang="en-US" sz="2000" b="1" i="1" dirty="0" err="1">
+                <a:solidFill>
+                  <a:srgbClr val="0070C0"/>
+                </a:solidFill>
+                <a:latin typeface="Consolas" panose="020B0609020204030204" pitchFamily="49" charset="0"/>
+                <a:cs typeface="Consolas" panose="020B0609020204030204" pitchFamily="49" charset="0"/>
+              </a:rPr>
+              <a:t>os.popen</a:t>
+            </a:r>
+            <a:r>
+              <a:rPr lang="en-US" sz="2000" b="1" i="1" dirty="0">
+                <a:solidFill>
+                  <a:srgbClr val="0070C0"/>
+                </a:solidFill>
+                <a:latin typeface="Consolas" panose="020B0609020204030204" pitchFamily="49" charset="0"/>
+                <a:cs typeface="Consolas" panose="020B0609020204030204" pitchFamily="49" charset="0"/>
+              </a:rPr>
+              <a:t>('/opt/</a:t>
+            </a:r>
+            <a:r>
+              <a:rPr lang="en-US" sz="2000" b="1" i="1" dirty="0" err="1">
+                <a:solidFill>
+                  <a:srgbClr val="0070C0"/>
+                </a:solidFill>
+                <a:latin typeface="Consolas" panose="020B0609020204030204" pitchFamily="49" charset="0"/>
+                <a:cs typeface="Consolas" panose="020B0609020204030204" pitchFamily="49" charset="0"/>
+              </a:rPr>
+              <a:t>vc</a:t>
+            </a:r>
+            <a:r>
+              <a:rPr lang="en-US" sz="2000" b="1" i="1" dirty="0">
+                <a:solidFill>
+                  <a:srgbClr val="0070C0"/>
+                </a:solidFill>
+                <a:latin typeface="Consolas" panose="020B0609020204030204" pitchFamily="49" charset="0"/>
+                <a:cs typeface="Consolas" panose="020B0609020204030204" pitchFamily="49" charset="0"/>
+              </a:rPr>
+              <a:t>/bin/</a:t>
+            </a:r>
+            <a:r>
+              <a:rPr lang="en-US" sz="2000" b="1" i="1" dirty="0" err="1">
+                <a:solidFill>
+                  <a:srgbClr val="0070C0"/>
+                </a:solidFill>
+                <a:latin typeface="Consolas" panose="020B0609020204030204" pitchFamily="49" charset="0"/>
+                <a:cs typeface="Consolas" panose="020B0609020204030204" pitchFamily="49" charset="0"/>
+              </a:rPr>
+              <a:t>vcgencmd</a:t>
+            </a:r>
+            <a:r>
+              <a:rPr lang="en-US" sz="2000" b="1" i="1" dirty="0">
+                <a:solidFill>
+                  <a:srgbClr val="0070C0"/>
+                </a:solidFill>
+                <a:latin typeface="Consolas" panose="020B0609020204030204" pitchFamily="49" charset="0"/>
+                <a:cs typeface="Consolas" panose="020B0609020204030204" pitchFamily="49" charset="0"/>
+              </a:rPr>
+              <a:t> </a:t>
+            </a:r>
+            <a:r>
+              <a:rPr lang="en-US" sz="2000" b="1" i="1" dirty="0" err="1">
+                <a:solidFill>
+                  <a:srgbClr val="0070C0"/>
+                </a:solidFill>
+                <a:latin typeface="Consolas" panose="020B0609020204030204" pitchFamily="49" charset="0"/>
+                <a:cs typeface="Consolas" panose="020B0609020204030204" pitchFamily="49" charset="0"/>
+              </a:rPr>
+              <a:t>measure_temp</a:t>
+            </a:r>
+            <a:r>
+              <a:rPr lang="en-US" sz="2000" b="1" i="1" dirty="0">
+                <a:solidFill>
+                  <a:srgbClr val="0070C0"/>
+                </a:solidFill>
+                <a:latin typeface="Consolas" panose="020B0609020204030204" pitchFamily="49" charset="0"/>
+                <a:cs typeface="Consolas" panose="020B0609020204030204" pitchFamily="49" charset="0"/>
+              </a:rPr>
+              <a:t>')</a:t>
+            </a:r>
+          </a:p>
+          <a:p>
+            <a:pPr lvl="1"/>
+            <a:r>
+              <a:rPr lang="en-US" sz="2000" b="1" i="1" dirty="0">
+                <a:solidFill>
+                  <a:srgbClr val="0070C0"/>
+                </a:solidFill>
+                <a:latin typeface="Consolas" panose="020B0609020204030204" pitchFamily="49" charset="0"/>
+                <a:cs typeface="Consolas" panose="020B0609020204030204" pitchFamily="49" charset="0"/>
+              </a:rPr>
+              <a:t>    temperature = </a:t>
+            </a:r>
+            <a:r>
+              <a:rPr lang="en-US" sz="2000" b="1" i="1" dirty="0" err="1">
+                <a:solidFill>
+                  <a:srgbClr val="0070C0"/>
+                </a:solidFill>
+                <a:latin typeface="Consolas" panose="020B0609020204030204" pitchFamily="49" charset="0"/>
+                <a:cs typeface="Consolas" panose="020B0609020204030204" pitchFamily="49" charset="0"/>
+              </a:rPr>
+              <a:t>dev.read</a:t>
+            </a:r>
+            <a:r>
+              <a:rPr lang="en-US" sz="2000" b="1" i="1" dirty="0">
+                <a:solidFill>
+                  <a:srgbClr val="0070C0"/>
+                </a:solidFill>
+                <a:latin typeface="Consolas" panose="020B0609020204030204" pitchFamily="49" charset="0"/>
+                <a:cs typeface="Consolas" panose="020B0609020204030204" pitchFamily="49" charset="0"/>
+              </a:rPr>
+              <a:t>()[5:-3]</a:t>
+            </a:r>
+          </a:p>
+          <a:p>
+            <a:pPr lvl="1"/>
+            <a:r>
+              <a:rPr lang="en-US" sz="2000" b="1" i="1" dirty="0">
+                <a:solidFill>
+                  <a:srgbClr val="0070C0"/>
+                </a:solidFill>
+                <a:latin typeface="Consolas" panose="020B0609020204030204" pitchFamily="49" charset="0"/>
+                <a:cs typeface="Consolas" panose="020B0609020204030204" pitchFamily="49" charset="0"/>
+              </a:rPr>
+              <a:t>    return temperature</a:t>
+            </a:r>
+          </a:p>
+          <a:p>
+            <a:pPr lvl="1"/>
+            <a:endParaRPr lang="en-US" sz="2000" b="1" i="1" dirty="0">
+              <a:solidFill>
+                <a:srgbClr val="0070C0"/>
+              </a:solidFill>
+              <a:latin typeface="Consolas" panose="020B0609020204030204" pitchFamily="49" charset="0"/>
+              <a:cs typeface="Consolas" panose="020B0609020204030204" pitchFamily="49" charset="0"/>
+            </a:endParaRPr>
+          </a:p>
+          <a:p>
+            <a:pPr lvl="1"/>
+            <a:endParaRPr lang="en-US" sz="2000" b="1" i="1" dirty="0">
+              <a:solidFill>
+                <a:srgbClr val="0070C0"/>
+              </a:solidFill>
+              <a:latin typeface="Consolas" panose="020B0609020204030204" pitchFamily="49" charset="0"/>
+              <a:cs typeface="Consolas" panose="020B0609020204030204" pitchFamily="49" charset="0"/>
+            </a:endParaRPr>
           </a:p>
         </p:txBody>
       </p:sp>
-      <p:pic>
-        <p:nvPicPr>
-          <p:cNvPr id="2" name="Picture 1"/>
-          <p:cNvPicPr>
-            <a:picLocks noChangeAspect="1"/>
-          </p:cNvPicPr>
-          <p:nvPr/>
-        </p:nvPicPr>
-        <p:blipFill>
-          <a:blip r:embed="rId2"/>
-          <a:stretch>
-            <a:fillRect/>
-          </a:stretch>
-        </p:blipFill>
-        <p:spPr>
-          <a:xfrm>
-            <a:off x="3394418" y="3323726"/>
-            <a:ext cx="4764845" cy="3413021"/>
-          </a:xfrm>
-          <a:prstGeom prst="rect">
-            <a:avLst/>
-          </a:prstGeom>
-        </p:spPr>
-      </p:pic>
     </p:spTree>
     <p:extLst>
       <p:ext uri="{BB962C8B-B14F-4D97-AF65-F5344CB8AC3E}">
-        <p14:creationId xmlns:p14="http://schemas.microsoft.com/office/powerpoint/2010/main" val="1556363800"/>
+        <p14:creationId xmlns:p14="http://schemas.microsoft.com/office/powerpoint/2010/main" val="855376788"/>
       </p:ext>
     </p:extLst>
   </p:cSld>
@@ -10388,7 +10206,7 @@
           <a:p>
             <a:r>
               <a:rPr lang="en-US" dirty="0"/>
-              <a:t>Sending Tweets Using </a:t>
+              <a:t>Sending Sensor Data to </a:t>
             </a:r>
             <a:r>
               <a:rPr lang="en-US" dirty="0" err="1"/>
@@ -10449,7 +10267,7 @@
         <p:spPr>
           <a:xfrm>
             <a:off x="417443" y="745199"/>
-            <a:ext cx="11357113" cy="3293209"/>
+            <a:ext cx="11357113" cy="2554545"/>
           </a:xfrm>
           <a:prstGeom prst="rect">
             <a:avLst/>
@@ -10463,28 +10281,154 @@
           <a:lstStyle/>
           <a:p>
             <a:pPr lvl="1"/>
+            <a:endParaRPr lang="en-US" sz="2000" b="1" i="1" dirty="0">
+              <a:solidFill>
+                <a:srgbClr val="0070C0"/>
+              </a:solidFill>
+              <a:latin typeface="Consolas" panose="020B0609020204030204" pitchFamily="49" charset="0"/>
+              <a:cs typeface="Consolas" panose="020B0609020204030204" pitchFamily="49" charset="0"/>
+            </a:endParaRPr>
+          </a:p>
+          <a:p>
+            <a:pPr lvl="1"/>
+            <a:r>
+              <a:rPr lang="en-US" sz="2000" b="1" i="1" dirty="0">
+                <a:solidFill>
+                  <a:srgbClr val="0070C0"/>
+                </a:solidFill>
+                <a:latin typeface="Consolas" panose="020B0609020204030204" pitchFamily="49" charset="0"/>
+                <a:cs typeface="Consolas" panose="020B0609020204030204" pitchFamily="49" charset="0"/>
+              </a:rPr>
+              <a:t>while True:</a:t>
+            </a:r>
+          </a:p>
+          <a:p>
+            <a:pPr lvl="1"/>
+            <a:r>
+              <a:rPr lang="en-US" sz="2000" b="1" i="1" dirty="0">
+                <a:solidFill>
+                  <a:srgbClr val="0070C0"/>
+                </a:solidFill>
+                <a:latin typeface="Consolas" panose="020B0609020204030204" pitchFamily="49" charset="0"/>
+                <a:cs typeface="Consolas" panose="020B0609020204030204" pitchFamily="49" charset="0"/>
+              </a:rPr>
+              <a:t>    temp = </a:t>
+            </a:r>
+            <a:r>
+              <a:rPr lang="en-US" sz="2000" b="1" i="1" dirty="0" err="1">
+                <a:solidFill>
+                  <a:srgbClr val="0070C0"/>
+                </a:solidFill>
+                <a:latin typeface="Consolas" panose="020B0609020204030204" pitchFamily="49" charset="0"/>
+                <a:cs typeface="Consolas" panose="020B0609020204030204" pitchFamily="49" charset="0"/>
+              </a:rPr>
+              <a:t>CpuTemp</a:t>
+            </a:r>
+            <a:r>
+              <a:rPr lang="en-US" sz="2000" b="1" i="1" dirty="0">
+                <a:solidFill>
+                  <a:srgbClr val="0070C0"/>
+                </a:solidFill>
+                <a:latin typeface="Consolas" panose="020B0609020204030204" pitchFamily="49" charset="0"/>
+                <a:cs typeface="Consolas" panose="020B0609020204030204" pitchFamily="49" charset="0"/>
+              </a:rPr>
+              <a:t>()</a:t>
+            </a:r>
+          </a:p>
+          <a:p>
+            <a:pPr lvl="1"/>
+            <a:r>
+              <a:rPr lang="en-US" sz="2000" b="1" i="1" dirty="0">
+                <a:solidFill>
+                  <a:srgbClr val="0070C0"/>
+                </a:solidFill>
+                <a:latin typeface="Consolas" panose="020B0609020204030204" pitchFamily="49" charset="0"/>
+                <a:cs typeface="Consolas" panose="020B0609020204030204" pitchFamily="49" charset="0"/>
+              </a:rPr>
+              <a:t>    print("CPU Temp (C): {}".format(temp))</a:t>
+            </a:r>
+          </a:p>
+          <a:p>
+            <a:pPr lvl="1"/>
+            <a:r>
+              <a:rPr lang="en-US" sz="2000" b="1" i="1" dirty="0">
+                <a:solidFill>
+                  <a:srgbClr val="0070C0"/>
+                </a:solidFill>
+                <a:latin typeface="Consolas" panose="020B0609020204030204" pitchFamily="49" charset="0"/>
+                <a:cs typeface="Consolas" panose="020B0609020204030204" pitchFamily="49" charset="0"/>
+              </a:rPr>
+              <a:t>    </a:t>
+            </a:r>
+            <a:r>
+              <a:rPr lang="en-US" sz="2000" b="1" i="1" dirty="0" err="1">
+                <a:solidFill>
+                  <a:srgbClr val="0070C0"/>
+                </a:solidFill>
+                <a:latin typeface="Consolas" panose="020B0609020204030204" pitchFamily="49" charset="0"/>
+                <a:cs typeface="Consolas" panose="020B0609020204030204" pitchFamily="49" charset="0"/>
+              </a:rPr>
+              <a:t>SendData</a:t>
+            </a:r>
+            <a:r>
+              <a:rPr lang="en-US" sz="2000" b="1" i="1" dirty="0">
+                <a:solidFill>
+                  <a:srgbClr val="0070C0"/>
+                </a:solidFill>
+                <a:latin typeface="Consolas" panose="020B0609020204030204" pitchFamily="49" charset="0"/>
+                <a:cs typeface="Consolas" panose="020B0609020204030204" pitchFamily="49" charset="0"/>
+              </a:rPr>
+              <a:t>(temp)</a:t>
+            </a:r>
+          </a:p>
+          <a:p>
+            <a:pPr lvl="1"/>
+            <a:r>
+              <a:rPr lang="en-US" sz="2000" b="1" i="1" dirty="0">
+                <a:solidFill>
+                  <a:srgbClr val="0070C0"/>
+                </a:solidFill>
+                <a:latin typeface="Consolas" panose="020B0609020204030204" pitchFamily="49" charset="0"/>
+                <a:cs typeface="Consolas" panose="020B0609020204030204" pitchFamily="49" charset="0"/>
+              </a:rPr>
+              <a:t>    </a:t>
+            </a:r>
+            <a:r>
+              <a:rPr lang="en-US" sz="2000" b="1" i="1" dirty="0" err="1">
+                <a:solidFill>
+                  <a:srgbClr val="0070C0"/>
+                </a:solidFill>
+                <a:latin typeface="Consolas" panose="020B0609020204030204" pitchFamily="49" charset="0"/>
+                <a:cs typeface="Consolas" panose="020B0609020204030204" pitchFamily="49" charset="0"/>
+              </a:rPr>
+              <a:t>time.sleep</a:t>
+            </a:r>
+            <a:r>
+              <a:rPr lang="en-US" sz="2000" b="1" i="1" dirty="0">
+                <a:solidFill>
+                  <a:srgbClr val="0070C0"/>
+                </a:solidFill>
+                <a:latin typeface="Consolas" panose="020B0609020204030204" pitchFamily="49" charset="0"/>
+                <a:cs typeface="Consolas" panose="020B0609020204030204" pitchFamily="49" charset="0"/>
+              </a:rPr>
+              <a:t>(DELAY)</a:t>
+            </a:r>
+          </a:p>
+          <a:p>
+            <a:pPr lvl="1"/>
+            <a:endParaRPr lang="en-US" sz="2000" b="1" i="1" dirty="0">
+              <a:solidFill>
+                <a:srgbClr val="0070C0"/>
+              </a:solidFill>
+              <a:latin typeface="Consolas" panose="020B0609020204030204" pitchFamily="49" charset="0"/>
+              <a:cs typeface="Consolas" panose="020B0609020204030204" pitchFamily="49" charset="0"/>
+            </a:endParaRPr>
+          </a:p>
+          <a:p>
+            <a:pPr lvl="1"/>
             <a:r>
               <a:rPr lang="en-US" sz="2000" dirty="0"/>
-              <a:t>You want to automatically send tweets from your Raspberry Pi; for example, to irritate people by telling them the temperature of your CPU.</a:t>
-            </a:r>
-          </a:p>
-          <a:p>
-            <a:pPr lvl="1"/>
-            <a:endParaRPr lang="en-US" sz="2000" dirty="0"/>
-          </a:p>
-          <a:p>
-            <a:pPr lvl="1"/>
-            <a:r>
-              <a:rPr lang="en-US" sz="2000" dirty="0"/>
-              <a:t>You could just use </a:t>
-            </a:r>
-            <a:r>
-              <a:rPr lang="en-US" sz="2400" b="1" dirty="0"/>
-              <a:t>IFTTT </a:t>
-            </a:r>
-            <a:r>
-              <a:rPr lang="en-US" sz="2000" dirty="0"/>
-              <a:t>and change the Action Channel to be Twitter. However, the </a:t>
+              <a:t>Run the program. On the </a:t>
             </a:r>
             <a:r>
               <a:rPr lang="en-US" sz="2000" dirty="0" err="1"/>
@@ -10492,56 +10436,39 @@
             </a:r>
             <a:r>
               <a:rPr lang="en-US" sz="2000" dirty="0"/>
-              <a:t> service is an alternative way of doing this. </a:t>
-            </a:r>
-          </a:p>
-          <a:p>
-            <a:pPr lvl="1"/>
-            <a:endParaRPr lang="en-US" sz="2000" dirty="0"/>
-          </a:p>
-          <a:p>
-            <a:pPr lvl="1"/>
-            <a:r>
-              <a:rPr lang="en-US" sz="2000" dirty="0"/>
-              <a:t>Start by visiting </a:t>
-            </a:r>
-            <a:r>
-              <a:rPr lang="en-US" sz="2400" b="1" dirty="0">
-                <a:solidFill>
-                  <a:schemeClr val="accent1">
-                    <a:lumMod val="75000"/>
-                  </a:schemeClr>
-                </a:solidFill>
-              </a:rPr>
-              <a:t>https://thingspeak.com </a:t>
-            </a:r>
-            <a:r>
-              <a:rPr lang="en-US" sz="2000" dirty="0"/>
-              <a:t>and signing up. Then select the </a:t>
-            </a:r>
-            <a:r>
-              <a:rPr lang="en-US" sz="2000" dirty="0" err="1"/>
-              <a:t>ThingTweet</a:t>
-            </a:r>
-            <a:r>
-              <a:rPr lang="en-US" sz="2000" dirty="0"/>
-              <a:t> action (Following figure). You will be prompted to log in to Twitter.</a:t>
-            </a:r>
-          </a:p>
-          <a:p>
-            <a:pPr lvl="1"/>
-            <a:endParaRPr lang="en-US" sz="2000" dirty="0"/>
-          </a:p>
-          <a:p>
-            <a:pPr lvl="1"/>
-            <a:endParaRPr lang="en-US" sz="2000" dirty="0"/>
+              <a:t> channel page on the Private View tab, you should see a graph like:</a:t>
+            </a:r>
           </a:p>
         </p:txBody>
       </p:sp>
+      <p:pic>
+        <p:nvPicPr>
+          <p:cNvPr id="2" name="Picture 1"/>
+          <p:cNvPicPr>
+            <a:picLocks noChangeAspect="1"/>
+          </p:cNvPicPr>
+          <p:nvPr/>
+        </p:nvPicPr>
+        <p:blipFill>
+          <a:blip r:embed="rId2"/>
+          <a:stretch>
+            <a:fillRect/>
+          </a:stretch>
+        </p:blipFill>
+        <p:spPr>
+          <a:xfrm>
+            <a:off x="3394418" y="3323726"/>
+            <a:ext cx="4764845" cy="3413021"/>
+          </a:xfrm>
+          <a:prstGeom prst="rect">
+            <a:avLst/>
+          </a:prstGeom>
+        </p:spPr>
+      </p:pic>
     </p:spTree>
     <p:extLst>
       <p:ext uri="{BB962C8B-B14F-4D97-AF65-F5344CB8AC3E}">
-        <p14:creationId xmlns:p14="http://schemas.microsoft.com/office/powerpoint/2010/main" val="3177764302"/>
+        <p14:creationId xmlns:p14="http://schemas.microsoft.com/office/powerpoint/2010/main" val="1556363800"/>
       </p:ext>
     </p:extLst>
   </p:cSld>
@@ -10757,40 +10684,108 @@
           </a:p>
         </p:txBody>
       </p:sp>
-      <p:pic>
-        <p:nvPicPr>
-          <p:cNvPr id="2" name="Picture 1">
-            <a:extLst>
-              <a:ext uri="{FF2B5EF4-FFF2-40B4-BE49-F238E27FC236}">
-                <a16:creationId xmlns:a16="http://schemas.microsoft.com/office/drawing/2014/main" id="{362278BA-8274-44F9-B0AF-5BFD2FE028D1}"/>
-              </a:ext>
-            </a:extLst>
-          </p:cNvPr>
-          <p:cNvPicPr>
-            <a:picLocks noChangeAspect="1"/>
-          </p:cNvPicPr>
+      <p:sp>
+        <p:nvSpPr>
+          <p:cNvPr id="7" name="TextBox 6"/>
+          <p:cNvSpPr txBox="1"/>
           <p:nvPr/>
-        </p:nvPicPr>
-        <p:blipFill>
-          <a:blip r:embed="rId2"/>
-          <a:stretch>
-            <a:fillRect/>
-          </a:stretch>
-        </p:blipFill>
+        </p:nvSpPr>
         <p:spPr>
           <a:xfrm>
-            <a:off x="233362" y="1637969"/>
-            <a:ext cx="11725275" cy="4400550"/>
+            <a:off x="417443" y="745199"/>
+            <a:ext cx="11357113" cy="3293209"/>
           </a:xfrm>
           <a:prstGeom prst="rect">
             <a:avLst/>
           </a:prstGeom>
+          <a:noFill/>
         </p:spPr>
-      </p:pic>
+        <p:txBody>
+          <a:bodyPr wrap="square" rtlCol="0">
+            <a:spAutoFit/>
+          </a:bodyPr>
+          <a:lstStyle/>
+          <a:p>
+            <a:pPr lvl="1"/>
+            <a:r>
+              <a:rPr lang="en-US" sz="2000" dirty="0"/>
+              <a:t>You want to automatically send tweets from your Raspberry Pi; for example, to irritate people by telling them the temperature of your CPU.</a:t>
+            </a:r>
+          </a:p>
+          <a:p>
+            <a:pPr lvl="1"/>
+            <a:endParaRPr lang="en-US" sz="2000" dirty="0"/>
+          </a:p>
+          <a:p>
+            <a:pPr lvl="1"/>
+            <a:r>
+              <a:rPr lang="en-US" sz="2000" dirty="0"/>
+              <a:t>You could just use </a:t>
+            </a:r>
+            <a:r>
+              <a:rPr lang="en-US" sz="2400" b="1" dirty="0"/>
+              <a:t>IFTTT </a:t>
+            </a:r>
+            <a:r>
+              <a:rPr lang="en-US" sz="2000" dirty="0"/>
+              <a:t>and change the Action Channel to be Twitter. However, the </a:t>
+            </a:r>
+            <a:r>
+              <a:rPr lang="en-US" sz="2000" dirty="0" err="1"/>
+              <a:t>ThingSpeak</a:t>
+            </a:r>
+            <a:r>
+              <a:rPr lang="en-US" sz="2000" dirty="0"/>
+              <a:t> service is an alternative way of doing this. </a:t>
+            </a:r>
+          </a:p>
+          <a:p>
+            <a:pPr lvl="1"/>
+            <a:endParaRPr lang="en-US" sz="2000" dirty="0"/>
+          </a:p>
+          <a:p>
+            <a:pPr lvl="1"/>
+            <a:r>
+              <a:rPr lang="en-US" sz="2000" dirty="0"/>
+              <a:t>Start by visiting </a:t>
+            </a:r>
+            <a:r>
+              <a:rPr lang="en-US" sz="2400" b="1" dirty="0">
+                <a:solidFill>
+                  <a:schemeClr val="accent1">
+                    <a:lumMod val="75000"/>
+                  </a:schemeClr>
+                </a:solidFill>
+              </a:rPr>
+              <a:t>https://thingspeak.com </a:t>
+            </a:r>
+            <a:r>
+              <a:rPr lang="en-US" sz="2000" dirty="0"/>
+              <a:t>and signing up. Then select the </a:t>
+            </a:r>
+            <a:r>
+              <a:rPr lang="en-US" sz="2000" dirty="0" err="1"/>
+              <a:t>ThingTweet</a:t>
+            </a:r>
+            <a:r>
+              <a:rPr lang="en-US" sz="2000" dirty="0"/>
+              <a:t> action (Following figure). You will be prompted to log in to Twitter.</a:t>
+            </a:r>
+          </a:p>
+          <a:p>
+            <a:pPr lvl="1"/>
+            <a:endParaRPr lang="en-US" sz="2000" dirty="0"/>
+          </a:p>
+          <a:p>
+            <a:pPr lvl="1"/>
+            <a:endParaRPr lang="en-US" sz="2000" dirty="0"/>
+          </a:p>
+        </p:txBody>
+      </p:sp>
     </p:spTree>
     <p:extLst>
       <p:ext uri="{BB962C8B-B14F-4D97-AF65-F5344CB8AC3E}">
-        <p14:creationId xmlns:p14="http://schemas.microsoft.com/office/powerpoint/2010/main" val="705724565"/>
+        <p14:creationId xmlns:p14="http://schemas.microsoft.com/office/powerpoint/2010/main" val="3177764302"/>
       </p:ext>
     </p:extLst>
   </p:cSld>
@@ -10954,7 +10949,15 @@
           <a:p>
             <a:r>
               <a:rPr lang="en-US" dirty="0"/>
-              <a:t>SendTweet.py project </a:t>
+              <a:t>Sending Tweets Using </a:t>
+            </a:r>
+            <a:r>
+              <a:rPr lang="en-US" dirty="0" err="1"/>
+              <a:t>ThingSpeak</a:t>
+            </a:r>
+            <a:r>
+              <a:rPr lang="en-US" dirty="0"/>
+              <a:t> </a:t>
             </a:r>
           </a:p>
         </p:txBody>
@@ -10998,315 +11001,40 @@
           </a:p>
         </p:txBody>
       </p:sp>
-      <p:sp>
-        <p:nvSpPr>
-          <p:cNvPr id="7" name="TextBox 6"/>
-          <p:cNvSpPr txBox="1"/>
+      <p:pic>
+        <p:nvPicPr>
+          <p:cNvPr id="2" name="Picture 1">
+            <a:extLst>
+              <a:ext uri="{FF2B5EF4-FFF2-40B4-BE49-F238E27FC236}">
+                <a16:creationId xmlns:a16="http://schemas.microsoft.com/office/drawing/2014/main" id="{362278BA-8274-44F9-B0AF-5BFD2FE028D1}"/>
+              </a:ext>
+            </a:extLst>
+          </p:cNvPr>
+          <p:cNvPicPr>
+            <a:picLocks noChangeAspect="1"/>
+          </p:cNvPicPr>
           <p:nvPr/>
-        </p:nvSpPr>
+        </p:nvPicPr>
+        <p:blipFill>
+          <a:blip r:embed="rId2"/>
+          <a:stretch>
+            <a:fillRect/>
+          </a:stretch>
+        </p:blipFill>
         <p:spPr>
           <a:xfrm>
-            <a:off x="417443" y="745199"/>
-            <a:ext cx="11357113" cy="4093428"/>
+            <a:off x="233362" y="1637969"/>
+            <a:ext cx="11725275" cy="4400550"/>
           </a:xfrm>
           <a:prstGeom prst="rect">
             <a:avLst/>
           </a:prstGeom>
-          <a:noFill/>
         </p:spPr>
-        <p:txBody>
-          <a:bodyPr wrap="square" rtlCol="0">
-            <a:spAutoFit/>
-          </a:bodyPr>
-          <a:lstStyle/>
-          <a:p>
-            <a:pPr lvl="1"/>
-            <a:r>
-              <a:rPr lang="en-US" sz="2000" b="1" i="1" dirty="0">
-                <a:solidFill>
-                  <a:srgbClr val="0070C0"/>
-                </a:solidFill>
-                <a:latin typeface="Consolas" panose="020B0609020204030204" pitchFamily="49" charset="0"/>
-              </a:rPr>
-              <a:t>import time, </a:t>
-            </a:r>
-            <a:r>
-              <a:rPr lang="en-US" sz="2000" b="1" i="1" dirty="0" err="1">
-                <a:solidFill>
-                  <a:srgbClr val="0070C0"/>
-                </a:solidFill>
-                <a:latin typeface="Consolas" panose="020B0609020204030204" pitchFamily="49" charset="0"/>
-              </a:rPr>
-              <a:t>os</a:t>
-            </a:r>
-            <a:r>
-              <a:rPr lang="en-US" sz="2000" b="1" i="1" dirty="0">
-                <a:solidFill>
-                  <a:srgbClr val="0070C0"/>
-                </a:solidFill>
-                <a:latin typeface="Consolas" panose="020B0609020204030204" pitchFamily="49" charset="0"/>
-              </a:rPr>
-              <a:t>, </a:t>
-            </a:r>
-            <a:r>
-              <a:rPr lang="en-US" sz="2000" b="1" i="1" dirty="0" err="1">
-                <a:solidFill>
-                  <a:srgbClr val="0070C0"/>
-                </a:solidFill>
-                <a:latin typeface="Consolas" panose="020B0609020204030204" pitchFamily="49" charset="0"/>
-              </a:rPr>
-              <a:t>urllib</a:t>
-            </a:r>
-            <a:r>
-              <a:rPr lang="en-US" sz="2000" b="1" i="1" dirty="0">
-                <a:solidFill>
-                  <a:srgbClr val="0070C0"/>
-                </a:solidFill>
-                <a:latin typeface="Consolas" panose="020B0609020204030204" pitchFamily="49" charset="0"/>
-              </a:rPr>
-              <a:t>, urllib2</a:t>
-            </a:r>
-          </a:p>
-          <a:p>
-            <a:pPr lvl="1"/>
-            <a:endParaRPr lang="en-US" sz="2000" b="1" i="1" dirty="0">
-              <a:solidFill>
-                <a:srgbClr val="0070C0"/>
-              </a:solidFill>
-              <a:latin typeface="Consolas" panose="020B0609020204030204" pitchFamily="49" charset="0"/>
-            </a:endParaRPr>
-          </a:p>
-          <a:p>
-            <a:pPr lvl="1"/>
-            <a:r>
-              <a:rPr lang="en-US" sz="2000" b="1" i="1" dirty="0">
-                <a:solidFill>
-                  <a:srgbClr val="0070C0"/>
-                </a:solidFill>
-                <a:latin typeface="Consolas" panose="020B0609020204030204" pitchFamily="49" charset="0"/>
-              </a:rPr>
-              <a:t>MAX_TEMP = 37.0 </a:t>
-            </a:r>
-          </a:p>
-          <a:p>
-            <a:pPr lvl="1"/>
-            <a:r>
-              <a:rPr lang="en-US" sz="2000" b="1" i="1" dirty="0">
-                <a:solidFill>
-                  <a:srgbClr val="0070C0"/>
-                </a:solidFill>
-                <a:latin typeface="Consolas" panose="020B0609020204030204" pitchFamily="49" charset="0"/>
-              </a:rPr>
-              <a:t>MIN_T_BETWEEN_WARNINGS = 60 # Minutes</a:t>
-            </a:r>
-          </a:p>
-          <a:p>
-            <a:pPr lvl="1"/>
-            <a:r>
-              <a:rPr lang="en-US" sz="2000" b="1" i="1" dirty="0">
-                <a:solidFill>
-                  <a:srgbClr val="0070C0"/>
-                </a:solidFill>
-                <a:latin typeface="Consolas" panose="020B0609020204030204" pitchFamily="49" charset="0"/>
-              </a:rPr>
-              <a:t>BASE_URL = 'https://api.thingspeak.com/apps/</a:t>
-            </a:r>
-            <a:r>
-              <a:rPr lang="en-US" sz="2000" b="1" i="1" dirty="0" err="1">
-                <a:solidFill>
-                  <a:srgbClr val="0070C0"/>
-                </a:solidFill>
-                <a:latin typeface="Consolas" panose="020B0609020204030204" pitchFamily="49" charset="0"/>
-              </a:rPr>
-              <a:t>thingtweet</a:t>
-            </a:r>
-            <a:r>
-              <a:rPr lang="en-US" sz="2000" b="1" i="1" dirty="0">
-                <a:solidFill>
-                  <a:srgbClr val="0070C0"/>
-                </a:solidFill>
-                <a:latin typeface="Consolas" panose="020B0609020204030204" pitchFamily="49" charset="0"/>
-              </a:rPr>
-              <a:t>/1/statuses/update/' KEY = '68LZC4LBMXLO6YDY’</a:t>
-            </a:r>
-          </a:p>
-          <a:p>
-            <a:pPr lvl="1"/>
-            <a:endParaRPr lang="en-US" sz="2000" b="1" i="1" dirty="0">
-              <a:solidFill>
-                <a:srgbClr val="0070C0"/>
-              </a:solidFill>
-              <a:latin typeface="Consolas" panose="020B0609020204030204" pitchFamily="49" charset="0"/>
-            </a:endParaRPr>
-          </a:p>
-          <a:p>
-            <a:pPr lvl="1"/>
-            <a:r>
-              <a:rPr lang="en-US" sz="2000" b="1" i="1" dirty="0">
-                <a:solidFill>
-                  <a:srgbClr val="0070C0"/>
-                </a:solidFill>
-                <a:latin typeface="Consolas" panose="020B0609020204030204" pitchFamily="49" charset="0"/>
-              </a:rPr>
-              <a:t>def </a:t>
-            </a:r>
-            <a:r>
-              <a:rPr lang="en-US" sz="2000" b="1" i="1" dirty="0" err="1">
-                <a:solidFill>
-                  <a:srgbClr val="0070C0"/>
-                </a:solidFill>
-                <a:latin typeface="Consolas" panose="020B0609020204030204" pitchFamily="49" charset="0"/>
-              </a:rPr>
-              <a:t>send_notification</a:t>
-            </a:r>
-            <a:r>
-              <a:rPr lang="en-US" sz="2000" b="1" i="1" dirty="0">
-                <a:solidFill>
-                  <a:srgbClr val="0070C0"/>
-                </a:solidFill>
-                <a:latin typeface="Consolas" panose="020B0609020204030204" pitchFamily="49" charset="0"/>
-              </a:rPr>
-              <a:t>(temp):    </a:t>
-            </a:r>
-          </a:p>
-          <a:p>
-            <a:pPr lvl="1"/>
-            <a:r>
-              <a:rPr lang="en-US" sz="2000" b="1" i="1" dirty="0">
-                <a:solidFill>
-                  <a:srgbClr val="0070C0"/>
-                </a:solidFill>
-                <a:latin typeface="Consolas" panose="020B0609020204030204" pitchFamily="49" charset="0"/>
-              </a:rPr>
-              <a:t>	status = 'Raspberry Pi getting hot. </a:t>
-            </a:r>
-          </a:p>
-          <a:p>
-            <a:pPr lvl="1"/>
-            <a:r>
-              <a:rPr lang="en-US" sz="2000" b="1" i="1" dirty="0">
-                <a:solidFill>
-                  <a:srgbClr val="0070C0"/>
-                </a:solidFill>
-                <a:latin typeface="Consolas" panose="020B0609020204030204" pitchFamily="49" charset="0"/>
-              </a:rPr>
-              <a:t>	CPU temp=' + temp    </a:t>
-            </a:r>
-          </a:p>
-          <a:p>
-            <a:pPr lvl="1"/>
-            <a:r>
-              <a:rPr lang="en-US" sz="2000" b="1" i="1" dirty="0">
-                <a:solidFill>
-                  <a:srgbClr val="0070C0"/>
-                </a:solidFill>
-                <a:latin typeface="Consolas" panose="020B0609020204030204" pitchFamily="49" charset="0"/>
-              </a:rPr>
-              <a:t>	data = </a:t>
-            </a:r>
-            <a:r>
-              <a:rPr lang="en-US" sz="2000" b="1" i="1" dirty="0" err="1">
-                <a:solidFill>
-                  <a:srgbClr val="0070C0"/>
-                </a:solidFill>
-                <a:latin typeface="Consolas" panose="020B0609020204030204" pitchFamily="49" charset="0"/>
-              </a:rPr>
-              <a:t>urllib.urlencode</a:t>
-            </a:r>
-            <a:r>
-              <a:rPr lang="en-US" sz="2000" b="1" i="1" dirty="0">
-                <a:solidFill>
-                  <a:srgbClr val="0070C0"/>
-                </a:solidFill>
-                <a:latin typeface="Consolas" panose="020B0609020204030204" pitchFamily="49" charset="0"/>
-              </a:rPr>
-              <a:t>({'</a:t>
-            </a:r>
-            <a:r>
-              <a:rPr lang="en-US" sz="2000" b="1" i="1" dirty="0" err="1">
-                <a:solidFill>
-                  <a:srgbClr val="0070C0"/>
-                </a:solidFill>
-                <a:latin typeface="Consolas" panose="020B0609020204030204" pitchFamily="49" charset="0"/>
-              </a:rPr>
-              <a:t>api_key</a:t>
-            </a:r>
-            <a:r>
-              <a:rPr lang="en-US" sz="2000" b="1" i="1" dirty="0">
-                <a:solidFill>
-                  <a:srgbClr val="0070C0"/>
-                </a:solidFill>
-                <a:latin typeface="Consolas" panose="020B0609020204030204" pitchFamily="49" charset="0"/>
-              </a:rPr>
-              <a:t>' : KEY, 'status': status})    </a:t>
-            </a:r>
-          </a:p>
-          <a:p>
-            <a:pPr lvl="1"/>
-            <a:r>
-              <a:rPr lang="en-US" sz="2000" b="1" i="1" dirty="0">
-                <a:solidFill>
-                  <a:srgbClr val="0070C0"/>
-                </a:solidFill>
-                <a:latin typeface="Consolas" panose="020B0609020204030204" pitchFamily="49" charset="0"/>
-              </a:rPr>
-              <a:t>	response = urllib2.urlopen(</a:t>
-            </a:r>
-            <a:r>
-              <a:rPr lang="en-US" sz="2000" b="1" i="1" dirty="0" err="1">
-                <a:solidFill>
-                  <a:srgbClr val="0070C0"/>
-                </a:solidFill>
-                <a:latin typeface="Consolas" panose="020B0609020204030204" pitchFamily="49" charset="0"/>
-              </a:rPr>
-              <a:t>url</a:t>
-            </a:r>
-            <a:r>
-              <a:rPr lang="en-US" sz="2000" b="1" i="1" dirty="0">
-                <a:solidFill>
-                  <a:srgbClr val="0070C0"/>
-                </a:solidFill>
-                <a:latin typeface="Consolas" panose="020B0609020204030204" pitchFamily="49" charset="0"/>
-              </a:rPr>
-              <a:t>=BASE_URL, data=data)    </a:t>
-            </a:r>
-          </a:p>
-          <a:p>
-            <a:pPr lvl="1"/>
-            <a:r>
-              <a:rPr lang="en-US" sz="2000" b="1" i="1" dirty="0">
-                <a:solidFill>
-                  <a:srgbClr val="0070C0"/>
-                </a:solidFill>
-                <a:latin typeface="Consolas" panose="020B0609020204030204" pitchFamily="49" charset="0"/>
-              </a:rPr>
-              <a:t>	print(</a:t>
-            </a:r>
-            <a:r>
-              <a:rPr lang="en-US" sz="2000" b="1" i="1" dirty="0" err="1">
-                <a:solidFill>
-                  <a:srgbClr val="0070C0"/>
-                </a:solidFill>
-                <a:latin typeface="Consolas" panose="020B0609020204030204" pitchFamily="49" charset="0"/>
-              </a:rPr>
-              <a:t>response.read</a:t>
-            </a:r>
-            <a:r>
-              <a:rPr lang="en-US" sz="2000" b="1" i="1" dirty="0">
-                <a:solidFill>
-                  <a:srgbClr val="0070C0"/>
-                </a:solidFill>
-                <a:latin typeface="Consolas" panose="020B0609020204030204" pitchFamily="49" charset="0"/>
-              </a:rPr>
-              <a:t>())</a:t>
-            </a:r>
-          </a:p>
-        </p:txBody>
-      </p:sp>
+      </p:pic>
     </p:spTree>
     <p:extLst>
       <p:ext uri="{BB962C8B-B14F-4D97-AF65-F5344CB8AC3E}">
-        <p14:creationId xmlns:p14="http://schemas.microsoft.com/office/powerpoint/2010/main" val="1438346809"/>
+        <p14:creationId xmlns:p14="http://schemas.microsoft.com/office/powerpoint/2010/main" val="705724565"/>
       </p:ext>
     </p:extLst>
   </p:cSld>
@@ -11522,8 +11250,8 @@
         </p:nvSpPr>
         <p:spPr>
           <a:xfrm>
-            <a:off x="-457200" y="745199"/>
-            <a:ext cx="12649200" cy="3785652"/>
+            <a:off x="417443" y="745199"/>
+            <a:ext cx="11357113" cy="4093428"/>
           </a:xfrm>
           <a:prstGeom prst="rect">
             <a:avLst/>
@@ -11537,6 +11265,54 @@
           <a:lstStyle/>
           <a:p>
             <a:pPr lvl="1"/>
+            <a:r>
+              <a:rPr lang="en-US" sz="2000" b="1" i="1" dirty="0">
+                <a:solidFill>
+                  <a:srgbClr val="0070C0"/>
+                </a:solidFill>
+                <a:latin typeface="Consolas" panose="020B0609020204030204" pitchFamily="49" charset="0"/>
+              </a:rPr>
+              <a:t>import time, </a:t>
+            </a:r>
+            <a:r>
+              <a:rPr lang="en-US" sz="2000" b="1" i="1" dirty="0" err="1">
+                <a:solidFill>
+                  <a:srgbClr val="0070C0"/>
+                </a:solidFill>
+                <a:latin typeface="Consolas" panose="020B0609020204030204" pitchFamily="49" charset="0"/>
+              </a:rPr>
+              <a:t>os</a:t>
+            </a:r>
+            <a:r>
+              <a:rPr lang="en-US" sz="2000" b="1" i="1" dirty="0">
+                <a:solidFill>
+                  <a:srgbClr val="0070C0"/>
+                </a:solidFill>
+                <a:latin typeface="Consolas" panose="020B0609020204030204" pitchFamily="49" charset="0"/>
+              </a:rPr>
+              <a:t>, </a:t>
+            </a:r>
+            <a:r>
+              <a:rPr lang="en-US" sz="2000" b="1" i="1" dirty="0" err="1">
+                <a:solidFill>
+                  <a:srgbClr val="0070C0"/>
+                </a:solidFill>
+                <a:latin typeface="Consolas" panose="020B0609020204030204" pitchFamily="49" charset="0"/>
+              </a:rPr>
+              <a:t>urllib</a:t>
+            </a:r>
+            <a:r>
+              <a:rPr lang="en-US" sz="2000" b="1" i="1" dirty="0">
+                <a:solidFill>
+                  <a:srgbClr val="0070C0"/>
+                </a:solidFill>
+                <a:latin typeface="Consolas" panose="020B0609020204030204" pitchFamily="49" charset="0"/>
+              </a:rPr>
+              <a:t>, urllib2</a:t>
+            </a:r>
+          </a:p>
+          <a:p>
+            <a:pPr lvl="1"/>
             <a:endParaRPr lang="en-US" sz="2000" b="1" i="1" dirty="0">
               <a:solidFill>
                 <a:srgbClr val="0070C0"/>
@@ -11553,7 +11329,7 @@
                 </a:solidFill>
                 <a:latin typeface="Consolas" panose="020B0609020204030204" pitchFamily="49" charset="0"/>
               </a:rPr>
-              <a:t>while True:    </a:t>
+              <a:t>MAX_TEMP = 37.0 </a:t>
             </a:r>
           </a:p>
           <a:p>
@@ -11565,7 +11341,19 @@
                 </a:solidFill>
                 <a:latin typeface="Consolas" panose="020B0609020204030204" pitchFamily="49" charset="0"/>
               </a:rPr>
-              <a:t>	temp = </a:t>
+              <a:t>MIN_T_BETWEEN_WARNINGS = 60 # Minutes</a:t>
+            </a:r>
+          </a:p>
+          <a:p>
+            <a:pPr lvl="1"/>
+            <a:r>
+              <a:rPr lang="en-US" sz="2000" b="1" i="1" dirty="0">
+                <a:solidFill>
+                  <a:srgbClr val="0070C0"/>
+                </a:solidFill>
+                <a:latin typeface="Consolas" panose="020B0609020204030204" pitchFamily="49" charset="0"/>
+              </a:rPr>
+              <a:t>BASE_URL = 'https://api.thingspeak.com/apps/</a:t>
             </a:r>
             <a:r>
               <a:rPr lang="en-US" sz="2000" b="1" i="1" dirty="0" err="1">
@@ -11574,7 +11362,7 @@
                 </a:solidFill>
                 <a:latin typeface="Consolas" panose="020B0609020204030204" pitchFamily="49" charset="0"/>
               </a:rPr>
-              <a:t>cpu_temp</a:t>
+              <a:t>thingtweet</a:t>
             </a:r>
             <a:r>
               <a:rPr lang="en-US" sz="2000" b="1" i="1" dirty="0">
@@ -11583,8 +11371,17 @@
                 </a:solidFill>
                 <a:latin typeface="Consolas" panose="020B0609020204030204" pitchFamily="49" charset="0"/>
               </a:rPr>
-              <a:t>()    </a:t>
-            </a:r>
+              <a:t>/1/statuses/update/' KEY = '68LZC4LBMXLO6YDY’</a:t>
+            </a:r>
+          </a:p>
+          <a:p>
+            <a:pPr lvl="1"/>
+            <a:endParaRPr lang="en-US" sz="2000" b="1" i="1" dirty="0">
+              <a:solidFill>
+                <a:srgbClr val="0070C0"/>
+              </a:solidFill>
+              <a:latin typeface="Consolas" panose="020B0609020204030204" pitchFamily="49" charset="0"/>
+            </a:endParaRPr>
           </a:p>
           <a:p>
             <a:pPr lvl="1"/>
@@ -11595,7 +11392,7 @@
                 </a:solidFill>
                 <a:latin typeface="Consolas" panose="020B0609020204030204" pitchFamily="49" charset="0"/>
               </a:rPr>
-              <a:t>	print("CPU Temp (C): " + </a:t>
+              <a:t>def </a:t>
             </a:r>
             <a:r>
               <a:rPr lang="en-US" sz="2000" b="1" i="1" dirty="0" err="1">
@@ -11604,7 +11401,7 @@
                 </a:solidFill>
                 <a:latin typeface="Consolas" panose="020B0609020204030204" pitchFamily="49" charset="0"/>
               </a:rPr>
-              <a:t>str</a:t>
+              <a:t>send_notification</a:t>
             </a:r>
             <a:r>
               <a:rPr lang="en-US" sz="2000" b="1" i="1" dirty="0">
@@ -11613,7 +11410,7 @@
                 </a:solidFill>
                 <a:latin typeface="Consolas" panose="020B0609020204030204" pitchFamily="49" charset="0"/>
               </a:rPr>
-              <a:t>(temp))    </a:t>
+              <a:t>(temp):    </a:t>
             </a:r>
           </a:p>
           <a:p>
@@ -11625,7 +11422,7 @@
                 </a:solidFill>
                 <a:latin typeface="Consolas" panose="020B0609020204030204" pitchFamily="49" charset="0"/>
               </a:rPr>
-              <a:t>	</a:t>
+              <a:t>	status = 'Raspberry Pi getting hot. </a:t>
             </a:r>
           </a:p>
           <a:p>
@@ -11637,7 +11434,7 @@
                 </a:solidFill>
                 <a:latin typeface="Consolas" panose="020B0609020204030204" pitchFamily="49" charset="0"/>
               </a:rPr>
-              <a:t>	if temp &gt; MAX_TEMP:        </a:t>
+              <a:t>	CPU temp=' + temp    </a:t>
             </a:r>
           </a:p>
           <a:p>
@@ -11649,11 +11446,17 @@
                 </a:solidFill>
                 <a:latin typeface="Consolas" panose="020B0609020204030204" pitchFamily="49" charset="0"/>
               </a:rPr>
-              <a:t>		print("CPU TOO HOT!")        </a:t>
-            </a:r>
-          </a:p>
-          <a:p>
-            <a:pPr lvl="1"/>
+              <a:t>	data = </a:t>
+            </a:r>
+            <a:r>
+              <a:rPr lang="en-US" sz="2000" b="1" i="1" dirty="0" err="1">
+                <a:solidFill>
+                  <a:srgbClr val="0070C0"/>
+                </a:solidFill>
+                <a:latin typeface="Consolas" panose="020B0609020204030204" pitchFamily="49" charset="0"/>
+              </a:rPr>
+              <a:t>urllib.urlencode</a:t>
+            </a:r>
             <a:r>
               <a:rPr lang="en-US" sz="2000" b="1" i="1" dirty="0">
                 <a:solidFill>
@@ -11661,7 +11464,7 @@
                 </a:solidFill>
                 <a:latin typeface="Consolas" panose="020B0609020204030204" pitchFamily="49" charset="0"/>
               </a:rPr>
-              <a:t>		</a:t>
+              <a:t>({'</a:t>
             </a:r>
             <a:r>
               <a:rPr lang="en-US" sz="2000" b="1" i="1" dirty="0" err="1">
@@ -11670,7 +11473,7 @@
                 </a:solidFill>
                 <a:latin typeface="Consolas" panose="020B0609020204030204" pitchFamily="49" charset="0"/>
               </a:rPr>
-              <a:t>send_notification</a:t>
+              <a:t>api_key</a:t>
             </a:r>
             <a:r>
               <a:rPr lang="en-US" sz="2000" b="1" i="1" dirty="0">
@@ -11679,7 +11482,7 @@
                 </a:solidFill>
                 <a:latin typeface="Consolas" panose="020B0609020204030204" pitchFamily="49" charset="0"/>
               </a:rPr>
-              <a:t>(temp)        </a:t>
+              <a:t>' : KEY, 'status': status})    </a:t>
             </a:r>
           </a:p>
           <a:p>
@@ -11691,7 +11494,7 @@
                 </a:solidFill>
                 <a:latin typeface="Consolas" panose="020B0609020204030204" pitchFamily="49" charset="0"/>
               </a:rPr>
-              <a:t>		print("No more notifications for: " + </a:t>
+              <a:t>	response = urllib2.urlopen(</a:t>
             </a:r>
             <a:r>
               <a:rPr lang="en-US" sz="2000" b="1" i="1" dirty="0" err="1">
@@ -11700,7 +11503,7 @@
                 </a:solidFill>
                 <a:latin typeface="Consolas" panose="020B0609020204030204" pitchFamily="49" charset="0"/>
               </a:rPr>
-              <a:t>str</a:t>
+              <a:t>url</a:t>
             </a:r>
             <a:r>
               <a:rPr lang="en-US" sz="2000" b="1" i="1" dirty="0">
@@ -11709,7 +11512,7 @@
                 </a:solidFill>
                 <a:latin typeface="Consolas" panose="020B0609020204030204" pitchFamily="49" charset="0"/>
               </a:rPr>
-              <a:t>(MIN_T_BETWEEN_WARNINGS) + " mins")     </a:t>
+              <a:t>=BASE_URL, data=data)    </a:t>
             </a:r>
           </a:p>
           <a:p>
@@ -11721,7 +11524,7 @@
                 </a:solidFill>
                 <a:latin typeface="Consolas" panose="020B0609020204030204" pitchFamily="49" charset="0"/>
               </a:rPr>
-              <a:t>		</a:t>
+              <a:t>	print(</a:t>
             </a:r>
             <a:r>
               <a:rPr lang="en-US" sz="2000" b="1" i="1" dirty="0" err="1">
@@ -11730,7 +11533,7 @@
                 </a:solidFill>
                 <a:latin typeface="Consolas" panose="020B0609020204030204" pitchFamily="49" charset="0"/>
               </a:rPr>
-              <a:t>time.sleep</a:t>
+              <a:t>response.read</a:t>
             </a:r>
             <a:r>
               <a:rPr lang="en-US" sz="2000" b="1" i="1" dirty="0">
@@ -11739,49 +11542,7 @@
                 </a:solidFill>
                 <a:latin typeface="Consolas" panose="020B0609020204030204" pitchFamily="49" charset="0"/>
               </a:rPr>
-              <a:t>(MIN_T_BETWEEN_WARNINGS * 60)    </a:t>
-            </a:r>
-          </a:p>
-          <a:p>
-            <a:pPr lvl="1"/>
-            <a:r>
-              <a:rPr lang="en-US" sz="2000" b="1" i="1" dirty="0">
-                <a:solidFill>
-                  <a:srgbClr val="0070C0"/>
-                </a:solidFill>
-                <a:latin typeface="Consolas" panose="020B0609020204030204" pitchFamily="49" charset="0"/>
-              </a:rPr>
-              <a:t>	</a:t>
-            </a:r>
-          </a:p>
-          <a:p>
-            <a:pPr lvl="1"/>
-            <a:r>
-              <a:rPr lang="en-US" sz="2000" b="1" i="1" dirty="0">
-                <a:solidFill>
-                  <a:srgbClr val="0070C0"/>
-                </a:solidFill>
-                <a:latin typeface="Consolas" panose="020B0609020204030204" pitchFamily="49" charset="0"/>
-              </a:rPr>
-              <a:t>	</a:t>
-            </a:r>
-            <a:r>
-              <a:rPr lang="en-US" sz="2000" b="1" i="1" dirty="0" err="1">
-                <a:solidFill>
-                  <a:srgbClr val="0070C0"/>
-                </a:solidFill>
-                <a:latin typeface="Consolas" panose="020B0609020204030204" pitchFamily="49" charset="0"/>
-              </a:rPr>
-              <a:t>time.sleep</a:t>
-            </a:r>
-            <a:r>
-              <a:rPr lang="en-US" sz="2000" b="1" i="1" dirty="0">
-                <a:solidFill>
-                  <a:srgbClr val="0070C0"/>
-                </a:solidFill>
-                <a:latin typeface="Consolas" panose="020B0609020204030204" pitchFamily="49" charset="0"/>
-              </a:rPr>
-              <a:t>(1)</a:t>
+              <a:t>())</a:t>
             </a:r>
           </a:p>
         </p:txBody>
@@ -11789,7 +11550,7 @@
     </p:spTree>
     <p:extLst>
       <p:ext uri="{BB962C8B-B14F-4D97-AF65-F5344CB8AC3E}">
-        <p14:creationId xmlns:p14="http://schemas.microsoft.com/office/powerpoint/2010/main" val="673597566"/>
+        <p14:creationId xmlns:p14="http://schemas.microsoft.com/office/powerpoint/2010/main" val="1438346809"/>
       </p:ext>
     </p:extLst>
   </p:cSld>
@@ -12509,15 +12270,7 @@
           <a:p>
             <a:r>
               <a:rPr lang="en-US" dirty="0"/>
-              <a:t>Sending Tweets Using </a:t>
-            </a:r>
-            <a:r>
-              <a:rPr lang="en-US" dirty="0" err="1"/>
-              <a:t>ThingSpeak</a:t>
-            </a:r>
-            <a:r>
-              <a:rPr lang="en-US" dirty="0"/>
-              <a:t> </a:t>
+              <a:t>SendTweet.py project </a:t>
             </a:r>
           </a:p>
         </p:txBody>
@@ -12569,8 +12322,8 @@
         </p:nvSpPr>
         <p:spPr>
           <a:xfrm>
-            <a:off x="0" y="745199"/>
-            <a:ext cx="12191999" cy="3046988"/>
+            <a:off x="-457200" y="745199"/>
+            <a:ext cx="12649200" cy="3785652"/>
           </a:xfrm>
           <a:prstGeom prst="rect">
             <a:avLst/>
@@ -12584,123 +12337,259 @@
           <a:lstStyle/>
           <a:p>
             <a:pPr lvl="1"/>
-            <a:r>
-              <a:rPr lang="en-US" sz="2000" dirty="0"/>
-              <a:t>For full documentation of the </a:t>
-            </a:r>
-            <a:r>
-              <a:rPr lang="en-US" sz="2000" dirty="0" err="1"/>
-              <a:t>ThingSpeak</a:t>
-            </a:r>
-            <a:r>
-              <a:rPr lang="en-US" sz="2000" dirty="0"/>
-              <a:t> service, see </a:t>
-            </a:r>
-            <a:r>
-              <a:rPr lang="en-US" sz="2400" b="1" dirty="0">
-                <a:solidFill>
-                  <a:schemeClr val="accent1">
-                    <a:lumMod val="75000"/>
-                  </a:schemeClr>
-                </a:solidFill>
-              </a:rPr>
-              <a:t>https://uk.mathworks.com/help/ </a:t>
-            </a:r>
-            <a:r>
-              <a:rPr lang="en-US" sz="2400" b="1" dirty="0" err="1">
-                <a:solidFill>
-                  <a:schemeClr val="accent1">
-                    <a:lumMod val="75000"/>
-                  </a:schemeClr>
-                </a:solidFill>
-              </a:rPr>
-              <a:t>thingspeak</a:t>
-            </a:r>
-            <a:r>
-              <a:rPr lang="en-US" sz="2400" b="1" dirty="0">
-                <a:solidFill>
-                  <a:schemeClr val="accent1">
-                    <a:lumMod val="75000"/>
-                  </a:schemeClr>
-                </a:solidFill>
-              </a:rPr>
-              <a:t>/.</a:t>
-            </a:r>
-          </a:p>
-          <a:p>
-            <a:pPr lvl="1"/>
-            <a:endParaRPr lang="en-US" sz="2000" dirty="0"/>
-          </a:p>
-          <a:p>
-            <a:pPr lvl="1"/>
-            <a:r>
-              <a:rPr lang="en-US" sz="2000" dirty="0"/>
-              <a:t>You could just use </a:t>
-            </a:r>
-            <a:r>
-              <a:rPr lang="en-US" sz="2400" b="1" dirty="0"/>
-              <a:t>IFTTT </a:t>
-            </a:r>
-            <a:r>
-              <a:rPr lang="en-US" sz="2000" dirty="0"/>
-              <a:t>and change the Action Channel to be Twitter. However, the </a:t>
-            </a:r>
-            <a:r>
-              <a:rPr lang="en-US" sz="2000" dirty="0" err="1"/>
-              <a:t>ThingSpeak</a:t>
-            </a:r>
-            <a:r>
-              <a:rPr lang="en-US" sz="2000" dirty="0"/>
-              <a:t> service is an alternative way of doing this. </a:t>
-            </a:r>
-          </a:p>
-          <a:p>
-            <a:pPr lvl="1"/>
-            <a:endParaRPr lang="en-US" sz="2000" dirty="0"/>
-          </a:p>
-          <a:p>
-            <a:pPr lvl="1"/>
-            <a:r>
-              <a:rPr lang="en-US" sz="2000" dirty="0"/>
-              <a:t>Start by visiting </a:t>
-            </a:r>
-            <a:r>
-              <a:rPr lang="en-US" sz="2400" b="1" dirty="0">
-                <a:solidFill>
-                  <a:schemeClr val="accent1">
-                    <a:lumMod val="75000"/>
-                  </a:schemeClr>
-                </a:solidFill>
-              </a:rPr>
-              <a:t>https://thingspeak.com </a:t>
-            </a:r>
-            <a:r>
-              <a:rPr lang="en-US" sz="2000" dirty="0"/>
-              <a:t>and signing up. Then select the </a:t>
-            </a:r>
-            <a:r>
-              <a:rPr lang="en-US" sz="2000" dirty="0" err="1"/>
-              <a:t>ThingTweet</a:t>
-            </a:r>
-            <a:r>
-              <a:rPr lang="en-US" sz="2000" dirty="0"/>
-              <a:t> action (Following figure). You will be prompted to log in to Twitter.</a:t>
-            </a:r>
-          </a:p>
-          <a:p>
-            <a:pPr lvl="1"/>
-            <a:endParaRPr lang="en-US" sz="2000" dirty="0"/>
-          </a:p>
-          <a:p>
-            <a:pPr lvl="1"/>
-            <a:endParaRPr lang="en-US" sz="2000" dirty="0"/>
+            <a:endParaRPr lang="en-US" sz="2000" b="1" i="1" dirty="0">
+              <a:solidFill>
+                <a:srgbClr val="0070C0"/>
+              </a:solidFill>
+              <a:latin typeface="Consolas" panose="020B0609020204030204" pitchFamily="49" charset="0"/>
+            </a:endParaRPr>
+          </a:p>
+          <a:p>
+            <a:pPr lvl="1"/>
+            <a:r>
+              <a:rPr lang="en-US" sz="2000" b="1" i="1" dirty="0">
+                <a:solidFill>
+                  <a:srgbClr val="0070C0"/>
+                </a:solidFill>
+                <a:latin typeface="Consolas" panose="020B0609020204030204" pitchFamily="49" charset="0"/>
+              </a:rPr>
+              <a:t>while True:    </a:t>
+            </a:r>
+          </a:p>
+          <a:p>
+            <a:pPr lvl="1"/>
+            <a:r>
+              <a:rPr lang="en-US" sz="2000" b="1" i="1" dirty="0">
+                <a:solidFill>
+                  <a:srgbClr val="0070C0"/>
+                </a:solidFill>
+                <a:latin typeface="Consolas" panose="020B0609020204030204" pitchFamily="49" charset="0"/>
+              </a:rPr>
+              <a:t>	temp = </a:t>
+            </a:r>
+            <a:r>
+              <a:rPr lang="en-US" sz="2000" b="1" i="1" dirty="0" err="1">
+                <a:solidFill>
+                  <a:srgbClr val="0070C0"/>
+                </a:solidFill>
+                <a:latin typeface="Consolas" panose="020B0609020204030204" pitchFamily="49" charset="0"/>
+              </a:rPr>
+              <a:t>cpu_temp</a:t>
+            </a:r>
+            <a:r>
+              <a:rPr lang="en-US" sz="2000" b="1" i="1" dirty="0">
+                <a:solidFill>
+                  <a:srgbClr val="0070C0"/>
+                </a:solidFill>
+                <a:latin typeface="Consolas" panose="020B0609020204030204" pitchFamily="49" charset="0"/>
+              </a:rPr>
+              <a:t>()    </a:t>
+            </a:r>
+          </a:p>
+          <a:p>
+            <a:pPr lvl="1"/>
+            <a:r>
+              <a:rPr lang="en-US" sz="2000" b="1" i="1" dirty="0">
+                <a:solidFill>
+                  <a:srgbClr val="0070C0"/>
+                </a:solidFill>
+                <a:latin typeface="Consolas" panose="020B0609020204030204" pitchFamily="49" charset="0"/>
+              </a:rPr>
+              <a:t>	print("CPU Temp (C): " + </a:t>
+            </a:r>
+            <a:r>
+              <a:rPr lang="en-US" sz="2000" b="1" i="1" dirty="0" err="1">
+                <a:solidFill>
+                  <a:srgbClr val="0070C0"/>
+                </a:solidFill>
+                <a:latin typeface="Consolas" panose="020B0609020204030204" pitchFamily="49" charset="0"/>
+              </a:rPr>
+              <a:t>str</a:t>
+            </a:r>
+            <a:r>
+              <a:rPr lang="en-US" sz="2000" b="1" i="1" dirty="0">
+                <a:solidFill>
+                  <a:srgbClr val="0070C0"/>
+                </a:solidFill>
+                <a:latin typeface="Consolas" panose="020B0609020204030204" pitchFamily="49" charset="0"/>
+              </a:rPr>
+              <a:t>(temp))    </a:t>
+            </a:r>
+          </a:p>
+          <a:p>
+            <a:pPr lvl="1"/>
+            <a:r>
+              <a:rPr lang="en-US" sz="2000" b="1" i="1" dirty="0">
+                <a:solidFill>
+                  <a:srgbClr val="0070C0"/>
+                </a:solidFill>
+                <a:latin typeface="Consolas" panose="020B0609020204030204" pitchFamily="49" charset="0"/>
+              </a:rPr>
+              <a:t>	</a:t>
+            </a:r>
+          </a:p>
+          <a:p>
+            <a:pPr lvl="1"/>
+            <a:r>
+              <a:rPr lang="en-US" sz="2000" b="1" i="1" dirty="0">
+                <a:solidFill>
+                  <a:srgbClr val="0070C0"/>
+                </a:solidFill>
+                <a:latin typeface="Consolas" panose="020B0609020204030204" pitchFamily="49" charset="0"/>
+              </a:rPr>
+              <a:t>	if temp &gt; MAX_TEMP:        </a:t>
+            </a:r>
+          </a:p>
+          <a:p>
+            <a:pPr lvl="1"/>
+            <a:r>
+              <a:rPr lang="en-US" sz="2000" b="1" i="1" dirty="0">
+                <a:solidFill>
+                  <a:srgbClr val="0070C0"/>
+                </a:solidFill>
+                <a:latin typeface="Consolas" panose="020B0609020204030204" pitchFamily="49" charset="0"/>
+              </a:rPr>
+              <a:t>		print("CPU TOO HOT!")        </a:t>
+            </a:r>
+          </a:p>
+          <a:p>
+            <a:pPr lvl="1"/>
+            <a:r>
+              <a:rPr lang="en-US" sz="2000" b="1" i="1" dirty="0">
+                <a:solidFill>
+                  <a:srgbClr val="0070C0"/>
+                </a:solidFill>
+                <a:latin typeface="Consolas" panose="020B0609020204030204" pitchFamily="49" charset="0"/>
+              </a:rPr>
+              <a:t>		</a:t>
+            </a:r>
+            <a:r>
+              <a:rPr lang="en-US" sz="2000" b="1" i="1" dirty="0" err="1">
+                <a:solidFill>
+                  <a:srgbClr val="0070C0"/>
+                </a:solidFill>
+                <a:latin typeface="Consolas" panose="020B0609020204030204" pitchFamily="49" charset="0"/>
+              </a:rPr>
+              <a:t>send_notification</a:t>
+            </a:r>
+            <a:r>
+              <a:rPr lang="en-US" sz="2000" b="1" i="1" dirty="0">
+                <a:solidFill>
+                  <a:srgbClr val="0070C0"/>
+                </a:solidFill>
+                <a:latin typeface="Consolas" panose="020B0609020204030204" pitchFamily="49" charset="0"/>
+              </a:rPr>
+              <a:t>(temp)        </a:t>
+            </a:r>
+          </a:p>
+          <a:p>
+            <a:pPr lvl="1"/>
+            <a:r>
+              <a:rPr lang="en-US" sz="2000" b="1" i="1" dirty="0">
+                <a:solidFill>
+                  <a:srgbClr val="0070C0"/>
+                </a:solidFill>
+                <a:latin typeface="Consolas" panose="020B0609020204030204" pitchFamily="49" charset="0"/>
+              </a:rPr>
+              <a:t>		print("No more notifications for: " + </a:t>
+            </a:r>
+            <a:r>
+              <a:rPr lang="en-US" sz="2000" b="1" i="1" dirty="0" err="1">
+                <a:solidFill>
+                  <a:srgbClr val="0070C0"/>
+                </a:solidFill>
+                <a:latin typeface="Consolas" panose="020B0609020204030204" pitchFamily="49" charset="0"/>
+              </a:rPr>
+              <a:t>str</a:t>
+            </a:r>
+            <a:r>
+              <a:rPr lang="en-US" sz="2000" b="1" i="1" dirty="0">
+                <a:solidFill>
+                  <a:srgbClr val="0070C0"/>
+                </a:solidFill>
+                <a:latin typeface="Consolas" panose="020B0609020204030204" pitchFamily="49" charset="0"/>
+              </a:rPr>
+              <a:t>(MIN_T_BETWEEN_WARNINGS) + " mins")     </a:t>
+            </a:r>
+          </a:p>
+          <a:p>
+            <a:pPr lvl="1"/>
+            <a:r>
+              <a:rPr lang="en-US" sz="2000" b="1" i="1" dirty="0">
+                <a:solidFill>
+                  <a:srgbClr val="0070C0"/>
+                </a:solidFill>
+                <a:latin typeface="Consolas" panose="020B0609020204030204" pitchFamily="49" charset="0"/>
+              </a:rPr>
+              <a:t>		</a:t>
+            </a:r>
+            <a:r>
+              <a:rPr lang="en-US" sz="2000" b="1" i="1" dirty="0" err="1">
+                <a:solidFill>
+                  <a:srgbClr val="0070C0"/>
+                </a:solidFill>
+                <a:latin typeface="Consolas" panose="020B0609020204030204" pitchFamily="49" charset="0"/>
+              </a:rPr>
+              <a:t>time.sleep</a:t>
+            </a:r>
+            <a:r>
+              <a:rPr lang="en-US" sz="2000" b="1" i="1" dirty="0">
+                <a:solidFill>
+                  <a:srgbClr val="0070C0"/>
+                </a:solidFill>
+                <a:latin typeface="Consolas" panose="020B0609020204030204" pitchFamily="49" charset="0"/>
+              </a:rPr>
+              <a:t>(MIN_T_BETWEEN_WARNINGS * 60)    </a:t>
+            </a:r>
+          </a:p>
+          <a:p>
+            <a:pPr lvl="1"/>
+            <a:r>
+              <a:rPr lang="en-US" sz="2000" b="1" i="1" dirty="0">
+                <a:solidFill>
+                  <a:srgbClr val="0070C0"/>
+                </a:solidFill>
+                <a:latin typeface="Consolas" panose="020B0609020204030204" pitchFamily="49" charset="0"/>
+              </a:rPr>
+              <a:t>	</a:t>
+            </a:r>
+          </a:p>
+          <a:p>
+            <a:pPr lvl="1"/>
+            <a:r>
+              <a:rPr lang="en-US" sz="2000" b="1" i="1" dirty="0">
+                <a:solidFill>
+                  <a:srgbClr val="0070C0"/>
+                </a:solidFill>
+                <a:latin typeface="Consolas" panose="020B0609020204030204" pitchFamily="49" charset="0"/>
+              </a:rPr>
+              <a:t>	</a:t>
+            </a:r>
+            <a:r>
+              <a:rPr lang="en-US" sz="2000" b="1" i="1" dirty="0" err="1">
+                <a:solidFill>
+                  <a:srgbClr val="0070C0"/>
+                </a:solidFill>
+                <a:latin typeface="Consolas" panose="020B0609020204030204" pitchFamily="49" charset="0"/>
+              </a:rPr>
+              <a:t>time.sleep</a:t>
+            </a:r>
+            <a:r>
+              <a:rPr lang="en-US" sz="2000" b="1" i="1" dirty="0">
+                <a:solidFill>
+                  <a:srgbClr val="0070C0"/>
+                </a:solidFill>
+                <a:latin typeface="Consolas" panose="020B0609020204030204" pitchFamily="49" charset="0"/>
+              </a:rPr>
+              <a:t>(1)</a:t>
+            </a:r>
           </a:p>
         </p:txBody>
       </p:sp>
     </p:spTree>
     <p:extLst>
       <p:ext uri="{BB962C8B-B14F-4D97-AF65-F5344CB8AC3E}">
-        <p14:creationId xmlns:p14="http://schemas.microsoft.com/office/powerpoint/2010/main" val="2883567732"/>
+        <p14:creationId xmlns:p14="http://schemas.microsoft.com/office/powerpoint/2010/main" val="673597566"/>
       </p:ext>
     </p:extLst>
   </p:cSld>
@@ -12864,15 +12753,15 @@
           <a:p>
             <a:r>
               <a:rPr lang="en-US" dirty="0"/>
-              <a:t>Responding to Tweets Using </a:t>
+              <a:t>Sending Tweets Using </a:t>
             </a:r>
             <a:r>
               <a:rPr lang="en-US" dirty="0" err="1"/>
-              <a:t>Dweet</a:t>
+              <a:t>ThingSpeak</a:t>
             </a:r>
             <a:r>
               <a:rPr lang="en-US" dirty="0"/>
-              <a:t> and IFTTT</a:t>
+              <a:t> </a:t>
             </a:r>
           </a:p>
         </p:txBody>
@@ -12918,20 +12807,14 @@
       </p:sp>
       <p:sp>
         <p:nvSpPr>
-          <p:cNvPr id="6" name="TextBox 5">
-            <a:extLst>
-              <a:ext uri="{FF2B5EF4-FFF2-40B4-BE49-F238E27FC236}">
-                <a16:creationId xmlns:a16="http://schemas.microsoft.com/office/drawing/2014/main" id="{D1953563-F34A-4247-A4E2-C376FD1A1AA5}"/>
-              </a:ext>
-            </a:extLst>
-          </p:cNvPr>
+          <p:cNvPr id="7" name="TextBox 6"/>
           <p:cNvSpPr txBox="1"/>
           <p:nvPr/>
         </p:nvSpPr>
         <p:spPr>
           <a:xfrm>
-            <a:off x="417443" y="745199"/>
-            <a:ext cx="11357113" cy="3477875"/>
+            <a:off x="0" y="745199"/>
+            <a:ext cx="12191999" cy="3046988"/>
           </a:xfrm>
           <a:prstGeom prst="rect">
             <a:avLst/>
@@ -12947,7 +12830,45 @@
             <a:pPr lvl="1"/>
             <a:r>
               <a:rPr lang="en-US" sz="2000" dirty="0"/>
-              <a:t>You want your Raspberry Pi to perform some action in response to a certain hashtag or mention in a tweet.</a:t>
+              <a:t>For full documentation of the </a:t>
+            </a:r>
+            <a:r>
+              <a:rPr lang="en-US" sz="2000" dirty="0" err="1"/>
+              <a:t>ThingSpeak</a:t>
+            </a:r>
+            <a:r>
+              <a:rPr lang="en-US" sz="2000" dirty="0"/>
+              <a:t> service, see </a:t>
+            </a:r>
+            <a:r>
+              <a:rPr lang="en-US" sz="2400" b="1" dirty="0">
+                <a:solidFill>
+                  <a:schemeClr val="accent1">
+                    <a:lumMod val="75000"/>
+                  </a:schemeClr>
+                </a:solidFill>
+              </a:rPr>
+              <a:t>https://uk.mathworks.com/help/ </a:t>
+            </a:r>
+            <a:r>
+              <a:rPr lang="en-US" sz="2400" b="1" dirty="0" err="1">
+                <a:solidFill>
+                  <a:schemeClr val="accent1">
+                    <a:lumMod val="75000"/>
+                  </a:schemeClr>
+                </a:solidFill>
+              </a:rPr>
+              <a:t>thingspeak</a:t>
+            </a:r>
+            <a:r>
+              <a:rPr lang="en-US" sz="2400" b="1" dirty="0">
+                <a:solidFill>
+                  <a:schemeClr val="accent1">
+                    <a:lumMod val="75000"/>
+                  </a:schemeClr>
+                </a:solidFill>
+              </a:rPr>
+              <a:t>/.</a:t>
             </a:r>
           </a:p>
           <a:p>
@@ -12958,15 +12879,23 @@
             <a:pPr lvl="1"/>
             <a:r>
               <a:rPr lang="en-US" sz="2000" dirty="0"/>
-              <a:t>An efficient mechanism for monitoring tweets that does not rely on polling is to use IFTTT to spot tweets of interest and then send a web request to a service called </a:t>
+              <a:t>You could just use </a:t>
+            </a:r>
+            <a:r>
+              <a:rPr lang="en-US" sz="2400" b="1" dirty="0"/>
+              <a:t>IFTTT </a:t>
+            </a:r>
+            <a:r>
+              <a:rPr lang="en-US" sz="2000" dirty="0"/>
+              <a:t>and change the Action Channel to be Twitter. However, the </a:t>
             </a:r>
             <a:r>
               <a:rPr lang="en-US" sz="2000" dirty="0" err="1"/>
-              <a:t>Dweet</a:t>
+              <a:t>ThingSpeak</a:t>
             </a:r>
             <a:r>
               <a:rPr lang="en-US" sz="2000" dirty="0"/>
-              <a:t> that can push notifications to a Python program running on your Raspberry Pi (Following figure). </a:t>
+              <a:t> service is an alternative way of doing this. </a:t>
             </a:r>
           </a:p>
           <a:p>
@@ -12977,7 +12906,29 @@
             <a:pPr lvl="1"/>
             <a:r>
               <a:rPr lang="en-US" sz="2000" dirty="0"/>
-              <a:t>For example, you could flash an LED for 10 seconds every time there is a mention of your username on Twitter by using a Raspberry Squid or an LED attached to a breadboard.</a:t>
+              <a:t>Start by visiting </a:t>
+            </a:r>
+            <a:r>
+              <a:rPr lang="en-US" sz="2400" b="1" dirty="0">
+                <a:solidFill>
+                  <a:schemeClr val="accent1">
+                    <a:lumMod val="75000"/>
+                  </a:schemeClr>
+                </a:solidFill>
+              </a:rPr>
+              <a:t>https://thingspeak.com </a:t>
+            </a:r>
+            <a:r>
+              <a:rPr lang="en-US" sz="2000" dirty="0"/>
+              <a:t>and signing up. Then select the </a:t>
+            </a:r>
+            <a:r>
+              <a:rPr lang="en-US" sz="2000" dirty="0" err="1"/>
+              <a:t>ThingTweet</a:t>
+            </a:r>
+            <a:r>
+              <a:rPr lang="en-US" sz="2000" dirty="0"/>
+              <a:t> action (Following figure). You will be prompted to log in to Twitter.</a:t>
             </a:r>
           </a:p>
           <a:p>
@@ -12993,7 +12944,7 @@
     </p:spTree>
     <p:extLst>
       <p:ext uri="{BB962C8B-B14F-4D97-AF65-F5344CB8AC3E}">
-        <p14:creationId xmlns:p14="http://schemas.microsoft.com/office/powerpoint/2010/main" val="564792624"/>
+        <p14:creationId xmlns:p14="http://schemas.microsoft.com/office/powerpoint/2010/main" val="2883567732"/>
       </p:ext>
     </p:extLst>
   </p:cSld>
@@ -13209,40 +13160,84 @@
           </a:p>
         </p:txBody>
       </p:sp>
-      <p:pic>
-        <p:nvPicPr>
-          <p:cNvPr id="3" name="Picture 2">
+      <p:sp>
+        <p:nvSpPr>
+          <p:cNvPr id="6" name="TextBox 5">
             <a:extLst>
               <a:ext uri="{FF2B5EF4-FFF2-40B4-BE49-F238E27FC236}">
-                <a16:creationId xmlns:a16="http://schemas.microsoft.com/office/drawing/2014/main" id="{F242D012-7610-4C1C-A85C-72295DDDAC90}"/>
+                <a16:creationId xmlns:a16="http://schemas.microsoft.com/office/drawing/2014/main" id="{D1953563-F34A-4247-A4E2-C376FD1A1AA5}"/>
               </a:ext>
             </a:extLst>
           </p:cNvPr>
-          <p:cNvPicPr>
-            <a:picLocks noChangeAspect="1"/>
-          </p:cNvPicPr>
+          <p:cNvSpPr txBox="1"/>
           <p:nvPr/>
-        </p:nvPicPr>
-        <p:blipFill>
-          <a:blip r:embed="rId2"/>
-          <a:stretch>
-            <a:fillRect/>
-          </a:stretch>
-        </p:blipFill>
+        </p:nvSpPr>
         <p:spPr>
           <a:xfrm>
-            <a:off x="2767012" y="1004887"/>
-            <a:ext cx="6657975" cy="5457825"/>
+            <a:off x="417443" y="745199"/>
+            <a:ext cx="11357113" cy="3477875"/>
           </a:xfrm>
           <a:prstGeom prst="rect">
             <a:avLst/>
           </a:prstGeom>
+          <a:noFill/>
         </p:spPr>
-      </p:pic>
+        <p:txBody>
+          <a:bodyPr wrap="square" rtlCol="0">
+            <a:spAutoFit/>
+          </a:bodyPr>
+          <a:lstStyle/>
+          <a:p>
+            <a:pPr lvl="1"/>
+            <a:r>
+              <a:rPr lang="en-US" sz="2000" dirty="0"/>
+              <a:t>You want your Raspberry Pi to perform some action in response to a certain hashtag or mention in a tweet.</a:t>
+            </a:r>
+          </a:p>
+          <a:p>
+            <a:pPr lvl="1"/>
+            <a:endParaRPr lang="en-US" sz="2000" dirty="0"/>
+          </a:p>
+          <a:p>
+            <a:pPr lvl="1"/>
+            <a:r>
+              <a:rPr lang="en-US" sz="2000" dirty="0"/>
+              <a:t>An efficient mechanism for monitoring tweets that does not rely on polling is to use IFTTT to spot tweets of interest and then send a web request to a service called </a:t>
+            </a:r>
+            <a:r>
+              <a:rPr lang="en-US" sz="2000" dirty="0" err="1"/>
+              <a:t>Dweet</a:t>
+            </a:r>
+            <a:r>
+              <a:rPr lang="en-US" sz="2000" dirty="0"/>
+              <a:t> that can push notifications to a Python program running on your Raspberry Pi (Following figure). </a:t>
+            </a:r>
+          </a:p>
+          <a:p>
+            <a:pPr lvl="1"/>
+            <a:endParaRPr lang="en-US" sz="2000" dirty="0"/>
+          </a:p>
+          <a:p>
+            <a:pPr lvl="1"/>
+            <a:r>
+              <a:rPr lang="en-US" sz="2000" dirty="0"/>
+              <a:t>For example, you could flash an LED for 10 seconds every time there is a mention of your username on Twitter by using a Raspberry Squid or an LED attached to a breadboard.</a:t>
+            </a:r>
+          </a:p>
+          <a:p>
+            <a:pPr lvl="1"/>
+            <a:endParaRPr lang="en-US" sz="2000" dirty="0"/>
+          </a:p>
+          <a:p>
+            <a:pPr lvl="1"/>
+            <a:endParaRPr lang="en-US" sz="2000" dirty="0"/>
+          </a:p>
+        </p:txBody>
+      </p:sp>
     </p:spTree>
     <p:extLst>
       <p:ext uri="{BB962C8B-B14F-4D97-AF65-F5344CB8AC3E}">
-        <p14:creationId xmlns:p14="http://schemas.microsoft.com/office/powerpoint/2010/main" val="2400171534"/>
+        <p14:creationId xmlns:p14="http://schemas.microsoft.com/office/powerpoint/2010/main" val="564792624"/>
       </p:ext>
     </p:extLst>
   </p:cSld>
@@ -13458,6 +13453,255 @@
           </a:p>
         </p:txBody>
       </p:sp>
+      <p:pic>
+        <p:nvPicPr>
+          <p:cNvPr id="3" name="Picture 2">
+            <a:extLst>
+              <a:ext uri="{FF2B5EF4-FFF2-40B4-BE49-F238E27FC236}">
+                <a16:creationId xmlns:a16="http://schemas.microsoft.com/office/drawing/2014/main" id="{F242D012-7610-4C1C-A85C-72295DDDAC90}"/>
+              </a:ext>
+            </a:extLst>
+          </p:cNvPr>
+          <p:cNvPicPr>
+            <a:picLocks noChangeAspect="1"/>
+          </p:cNvPicPr>
+          <p:nvPr/>
+        </p:nvPicPr>
+        <p:blipFill>
+          <a:blip r:embed="rId2"/>
+          <a:stretch>
+            <a:fillRect/>
+          </a:stretch>
+        </p:blipFill>
+        <p:spPr>
+          <a:xfrm>
+            <a:off x="2767012" y="1004887"/>
+            <a:ext cx="6657975" cy="5457825"/>
+          </a:xfrm>
+          <a:prstGeom prst="rect">
+            <a:avLst/>
+          </a:prstGeom>
+        </p:spPr>
+      </p:pic>
+    </p:spTree>
+    <p:extLst>
+      <p:ext uri="{BB962C8B-B14F-4D97-AF65-F5344CB8AC3E}">
+        <p14:creationId xmlns:p14="http://schemas.microsoft.com/office/powerpoint/2010/main" val="2400171534"/>
+      </p:ext>
+    </p:extLst>
+  </p:cSld>
+  <p:clrMapOvr>
+    <a:masterClrMapping/>
+  </p:clrMapOvr>
+</p:sld>
+</file>
+
+<file path=ppt/slides/slide34.xml><?xml version="1.0" encoding="utf-8"?>
+<p:sld xmlns:a="http://schemas.openxmlformats.org/drawingml/2006/main" xmlns:r="http://schemas.openxmlformats.org/officeDocument/2006/relationships" xmlns:p="http://schemas.openxmlformats.org/presentationml/2006/main">
+  <p:cSld>
+    <p:spTree>
+      <p:nvGrpSpPr>
+        <p:cNvPr id="1" name=""/>
+        <p:cNvGrpSpPr/>
+        <p:nvPr/>
+      </p:nvGrpSpPr>
+      <p:grpSpPr>
+        <a:xfrm>
+          <a:off x="0" y="0"/>
+          <a:ext cx="0" cy="0"/>
+          <a:chOff x="0" y="0"/>
+          <a:chExt cx="0" cy="0"/>
+        </a:xfrm>
+      </p:grpSpPr>
+      <p:sp>
+        <p:nvSpPr>
+          <p:cNvPr id="4" name="Title 1"/>
+          <p:cNvSpPr txBox="1">
+            <a:spLocks/>
+          </p:cNvSpPr>
+          <p:nvPr/>
+        </p:nvSpPr>
+        <p:spPr>
+          <a:xfrm>
+            <a:off x="0" y="1"/>
+            <a:ext cx="12192000" cy="721216"/>
+          </a:xfrm>
+          <a:prstGeom prst="rect">
+            <a:avLst/>
+          </a:prstGeom>
+        </p:spPr>
+        <p:style>
+          <a:lnRef idx="0">
+            <a:schemeClr val="accent1"/>
+          </a:lnRef>
+          <a:fillRef idx="3">
+            <a:schemeClr val="accent1"/>
+          </a:fillRef>
+          <a:effectRef idx="3">
+            <a:schemeClr val="accent1"/>
+          </a:effectRef>
+          <a:fontRef idx="minor">
+            <a:schemeClr val="lt1"/>
+          </a:fontRef>
+        </p:style>
+        <p:txBody>
+          <a:bodyPr vert="horz" lIns="91440" tIns="45720" rIns="91440" bIns="45720" rtlCol="0" anchor="ctr">
+            <a:normAutofit/>
+          </a:bodyPr>
+          <a:lstStyle>
+            <a:lvl1pPr algn="l" defTabSz="914400" rtl="0" eaLnBrk="1" latinLnBrk="0" hangingPunct="1">
+              <a:lnSpc>
+                <a:spcPct val="90000"/>
+              </a:lnSpc>
+              <a:spcBef>
+                <a:spcPct val="0"/>
+              </a:spcBef>
+              <a:buNone/>
+              <a:defRPr sz="4400" kern="1200">
+                <a:solidFill>
+                  <a:schemeClr val="lt1"/>
+                </a:solidFill>
+                <a:latin typeface="+mn-lt"/>
+                <a:ea typeface="+mn-ea"/>
+                <a:cs typeface="+mn-cs"/>
+              </a:defRPr>
+            </a:lvl1pPr>
+            <a:lvl2pPr>
+              <a:defRPr>
+                <a:solidFill>
+                  <a:schemeClr val="lt1"/>
+                </a:solidFill>
+                <a:latin typeface="+mn-lt"/>
+                <a:ea typeface="+mn-ea"/>
+                <a:cs typeface="+mn-cs"/>
+              </a:defRPr>
+            </a:lvl2pPr>
+            <a:lvl3pPr>
+              <a:defRPr>
+                <a:solidFill>
+                  <a:schemeClr val="lt1"/>
+                </a:solidFill>
+                <a:latin typeface="+mn-lt"/>
+                <a:ea typeface="+mn-ea"/>
+                <a:cs typeface="+mn-cs"/>
+              </a:defRPr>
+            </a:lvl3pPr>
+            <a:lvl4pPr>
+              <a:defRPr>
+                <a:solidFill>
+                  <a:schemeClr val="lt1"/>
+                </a:solidFill>
+                <a:latin typeface="+mn-lt"/>
+                <a:ea typeface="+mn-ea"/>
+                <a:cs typeface="+mn-cs"/>
+              </a:defRPr>
+            </a:lvl4pPr>
+            <a:lvl5pPr>
+              <a:defRPr>
+                <a:solidFill>
+                  <a:schemeClr val="lt1"/>
+                </a:solidFill>
+                <a:latin typeface="+mn-lt"/>
+                <a:ea typeface="+mn-ea"/>
+                <a:cs typeface="+mn-cs"/>
+              </a:defRPr>
+            </a:lvl5pPr>
+            <a:lvl6pPr>
+              <a:defRPr>
+                <a:solidFill>
+                  <a:schemeClr val="lt1"/>
+                </a:solidFill>
+                <a:latin typeface="+mn-lt"/>
+                <a:ea typeface="+mn-ea"/>
+                <a:cs typeface="+mn-cs"/>
+              </a:defRPr>
+            </a:lvl6pPr>
+            <a:lvl7pPr>
+              <a:defRPr>
+                <a:solidFill>
+                  <a:schemeClr val="lt1"/>
+                </a:solidFill>
+                <a:latin typeface="+mn-lt"/>
+                <a:ea typeface="+mn-ea"/>
+                <a:cs typeface="+mn-cs"/>
+              </a:defRPr>
+            </a:lvl7pPr>
+            <a:lvl8pPr>
+              <a:defRPr>
+                <a:solidFill>
+                  <a:schemeClr val="lt1"/>
+                </a:solidFill>
+                <a:latin typeface="+mn-lt"/>
+                <a:ea typeface="+mn-ea"/>
+                <a:cs typeface="+mn-cs"/>
+              </a:defRPr>
+            </a:lvl8pPr>
+            <a:lvl9pPr>
+              <a:defRPr>
+                <a:solidFill>
+                  <a:schemeClr val="lt1"/>
+                </a:solidFill>
+                <a:latin typeface="+mn-lt"/>
+                <a:ea typeface="+mn-ea"/>
+                <a:cs typeface="+mn-cs"/>
+              </a:defRPr>
+            </a:lvl9pPr>
+          </a:lstStyle>
+          <a:p>
+            <a:r>
+              <a:rPr lang="en-US" dirty="0"/>
+              <a:t>Responding to Tweets Using </a:t>
+            </a:r>
+            <a:r>
+              <a:rPr lang="en-US" dirty="0" err="1"/>
+              <a:t>Dweet</a:t>
+            </a:r>
+            <a:r>
+              <a:rPr lang="en-US" dirty="0"/>
+              <a:t> and IFTTT</a:t>
+            </a:r>
+          </a:p>
+        </p:txBody>
+      </p:sp>
+      <p:sp>
+        <p:nvSpPr>
+          <p:cNvPr id="5" name="AutoShape 2" descr="http://raspberry.piaustralia.com.au/product-images/piwithbox.jpg"/>
+          <p:cNvSpPr>
+            <a:spLocks noChangeAspect="1" noChangeArrowheads="1"/>
+          </p:cNvSpPr>
+          <p:nvPr/>
+        </p:nvSpPr>
+        <p:spPr bwMode="auto">
+          <a:xfrm>
+            <a:off x="63500" y="-136525"/>
+            <a:ext cx="9772650" cy="6343650"/>
+          </a:xfrm>
+          <a:prstGeom prst="rect">
+            <a:avLst/>
+          </a:prstGeom>
+          <a:noFill/>
+          <a:extLst>
+            <a:ext uri="{909E8E84-426E-40DD-AFC4-6F175D3DCCD1}">
+              <a14:hiddenFill xmlns:a14="http://schemas.microsoft.com/office/drawing/2010/main">
+                <a:solidFill>
+                  <a:srgbClr val="FFFFFF"/>
+                </a:solidFill>
+              </a14:hiddenFill>
+            </a:ext>
+          </a:extLst>
+        </p:spPr>
+        <p:txBody>
+          <a:bodyPr vert="horz" wrap="square" lIns="91440" tIns="45720" rIns="91440" bIns="45720" numCol="1" anchor="t" anchorCtr="0" compatLnSpc="1">
+            <a:prstTxWarp prst="textNoShape">
+              <a:avLst/>
+            </a:prstTxWarp>
+          </a:bodyPr>
+          <a:lstStyle/>
+          <a:p>
+            <a:endParaRPr lang="en-US"/>
+          </a:p>
+        </p:txBody>
+      </p:sp>
       <p:sp>
         <p:nvSpPr>
           <p:cNvPr id="6" name="TextBox 5">
@@ -13612,7 +13856,7 @@
 </p:sld>
 </file>
 
-<file path=ppt/slides/slide34.xml><?xml version="1.0" encoding="utf-8"?>
+<file path=ppt/slides/slide35.xml><?xml version="1.0" encoding="utf-8"?>
 <p:sld xmlns:a="http://schemas.openxmlformats.org/drawingml/2006/main" xmlns:r="http://schemas.openxmlformats.org/officeDocument/2006/relationships" xmlns:p="http://schemas.openxmlformats.org/presentationml/2006/main">
   <p:cSld>
     <p:spTree>
@@ -13860,421 +14104,6 @@
 </p:sld>
 </file>
 
-<file path=ppt/slides/slide35.xml><?xml version="1.0" encoding="utf-8"?>
-<p:sld xmlns:a="http://schemas.openxmlformats.org/drawingml/2006/main" xmlns:r="http://schemas.openxmlformats.org/officeDocument/2006/relationships" xmlns:p="http://schemas.openxmlformats.org/presentationml/2006/main">
-  <p:cSld>
-    <p:spTree>
-      <p:nvGrpSpPr>
-        <p:cNvPr id="1" name=""/>
-        <p:cNvGrpSpPr/>
-        <p:nvPr/>
-      </p:nvGrpSpPr>
-      <p:grpSpPr>
-        <a:xfrm>
-          <a:off x="0" y="0"/>
-          <a:ext cx="0" cy="0"/>
-          <a:chOff x="0" y="0"/>
-          <a:chExt cx="0" cy="0"/>
-        </a:xfrm>
-      </p:grpSpPr>
-      <p:sp>
-        <p:nvSpPr>
-          <p:cNvPr id="4" name="Title 1"/>
-          <p:cNvSpPr txBox="1">
-            <a:spLocks/>
-          </p:cNvSpPr>
-          <p:nvPr/>
-        </p:nvSpPr>
-        <p:spPr>
-          <a:xfrm>
-            <a:off x="0" y="1"/>
-            <a:ext cx="12192000" cy="721216"/>
-          </a:xfrm>
-          <a:prstGeom prst="rect">
-            <a:avLst/>
-          </a:prstGeom>
-        </p:spPr>
-        <p:style>
-          <a:lnRef idx="0">
-            <a:schemeClr val="accent1"/>
-          </a:lnRef>
-          <a:fillRef idx="3">
-            <a:schemeClr val="accent1"/>
-          </a:fillRef>
-          <a:effectRef idx="3">
-            <a:schemeClr val="accent1"/>
-          </a:effectRef>
-          <a:fontRef idx="minor">
-            <a:schemeClr val="lt1"/>
-          </a:fontRef>
-        </p:style>
-        <p:txBody>
-          <a:bodyPr vert="horz" lIns="91440" tIns="45720" rIns="91440" bIns="45720" rtlCol="0" anchor="ctr">
-            <a:normAutofit/>
-          </a:bodyPr>
-          <a:lstStyle>
-            <a:lvl1pPr algn="l" defTabSz="914400" rtl="0" eaLnBrk="1" latinLnBrk="0" hangingPunct="1">
-              <a:lnSpc>
-                <a:spcPct val="90000"/>
-              </a:lnSpc>
-              <a:spcBef>
-                <a:spcPct val="0"/>
-              </a:spcBef>
-              <a:buNone/>
-              <a:defRPr sz="4400" kern="1200">
-                <a:solidFill>
-                  <a:schemeClr val="lt1"/>
-                </a:solidFill>
-                <a:latin typeface="+mn-lt"/>
-                <a:ea typeface="+mn-ea"/>
-                <a:cs typeface="+mn-cs"/>
-              </a:defRPr>
-            </a:lvl1pPr>
-            <a:lvl2pPr>
-              <a:defRPr>
-                <a:solidFill>
-                  <a:schemeClr val="lt1"/>
-                </a:solidFill>
-                <a:latin typeface="+mn-lt"/>
-                <a:ea typeface="+mn-ea"/>
-                <a:cs typeface="+mn-cs"/>
-              </a:defRPr>
-            </a:lvl2pPr>
-            <a:lvl3pPr>
-              <a:defRPr>
-                <a:solidFill>
-                  <a:schemeClr val="lt1"/>
-                </a:solidFill>
-                <a:latin typeface="+mn-lt"/>
-                <a:ea typeface="+mn-ea"/>
-                <a:cs typeface="+mn-cs"/>
-              </a:defRPr>
-            </a:lvl3pPr>
-            <a:lvl4pPr>
-              <a:defRPr>
-                <a:solidFill>
-                  <a:schemeClr val="lt1"/>
-                </a:solidFill>
-                <a:latin typeface="+mn-lt"/>
-                <a:ea typeface="+mn-ea"/>
-                <a:cs typeface="+mn-cs"/>
-              </a:defRPr>
-            </a:lvl4pPr>
-            <a:lvl5pPr>
-              <a:defRPr>
-                <a:solidFill>
-                  <a:schemeClr val="lt1"/>
-                </a:solidFill>
-                <a:latin typeface="+mn-lt"/>
-                <a:ea typeface="+mn-ea"/>
-                <a:cs typeface="+mn-cs"/>
-              </a:defRPr>
-            </a:lvl5pPr>
-            <a:lvl6pPr>
-              <a:defRPr>
-                <a:solidFill>
-                  <a:schemeClr val="lt1"/>
-                </a:solidFill>
-                <a:latin typeface="+mn-lt"/>
-                <a:ea typeface="+mn-ea"/>
-                <a:cs typeface="+mn-cs"/>
-              </a:defRPr>
-            </a:lvl6pPr>
-            <a:lvl7pPr>
-              <a:defRPr>
-                <a:solidFill>
-                  <a:schemeClr val="lt1"/>
-                </a:solidFill>
-                <a:latin typeface="+mn-lt"/>
-                <a:ea typeface="+mn-ea"/>
-                <a:cs typeface="+mn-cs"/>
-              </a:defRPr>
-            </a:lvl7pPr>
-            <a:lvl8pPr>
-              <a:defRPr>
-                <a:solidFill>
-                  <a:schemeClr val="lt1"/>
-                </a:solidFill>
-                <a:latin typeface="+mn-lt"/>
-                <a:ea typeface="+mn-ea"/>
-                <a:cs typeface="+mn-cs"/>
-              </a:defRPr>
-            </a:lvl8pPr>
-            <a:lvl9pPr>
-              <a:defRPr>
-                <a:solidFill>
-                  <a:schemeClr val="lt1"/>
-                </a:solidFill>
-                <a:latin typeface="+mn-lt"/>
-                <a:ea typeface="+mn-ea"/>
-                <a:cs typeface="+mn-cs"/>
-              </a:defRPr>
-            </a:lvl9pPr>
-          </a:lstStyle>
-          <a:p>
-            <a:r>
-              <a:rPr lang="en-US" dirty="0"/>
-              <a:t>Responding to Tweets Using </a:t>
-            </a:r>
-            <a:r>
-              <a:rPr lang="en-US" dirty="0" err="1"/>
-              <a:t>Dweet</a:t>
-            </a:r>
-            <a:r>
-              <a:rPr lang="en-US" dirty="0"/>
-              <a:t> and IFTTT</a:t>
-            </a:r>
-          </a:p>
-        </p:txBody>
-      </p:sp>
-      <p:sp>
-        <p:nvSpPr>
-          <p:cNvPr id="5" name="AutoShape 2" descr="http://raspberry.piaustralia.com.au/product-images/piwithbox.jpg"/>
-          <p:cNvSpPr>
-            <a:spLocks noChangeAspect="1" noChangeArrowheads="1"/>
-          </p:cNvSpPr>
-          <p:nvPr/>
-        </p:nvSpPr>
-        <p:spPr bwMode="auto">
-          <a:xfrm>
-            <a:off x="63500" y="-136525"/>
-            <a:ext cx="9772650" cy="6343650"/>
-          </a:xfrm>
-          <a:prstGeom prst="rect">
-            <a:avLst/>
-          </a:prstGeom>
-          <a:noFill/>
-          <a:extLst>
-            <a:ext uri="{909E8E84-426E-40DD-AFC4-6F175D3DCCD1}">
-              <a14:hiddenFill xmlns:a14="http://schemas.microsoft.com/office/drawing/2010/main">
-                <a:solidFill>
-                  <a:srgbClr val="FFFFFF"/>
-                </a:solidFill>
-              </a14:hiddenFill>
-            </a:ext>
-          </a:extLst>
-        </p:spPr>
-        <p:txBody>
-          <a:bodyPr vert="horz" wrap="square" lIns="91440" tIns="45720" rIns="91440" bIns="45720" numCol="1" anchor="t" anchorCtr="0" compatLnSpc="1">
-            <a:prstTxWarp prst="textNoShape">
-              <a:avLst/>
-            </a:prstTxWarp>
-          </a:bodyPr>
-          <a:lstStyle/>
-          <a:p>
-            <a:endParaRPr lang="en-US"/>
-          </a:p>
-        </p:txBody>
-      </p:sp>
-      <p:sp>
-        <p:nvSpPr>
-          <p:cNvPr id="6" name="TextBox 5">
-            <a:extLst>
-              <a:ext uri="{FF2B5EF4-FFF2-40B4-BE49-F238E27FC236}">
-                <a16:creationId xmlns:a16="http://schemas.microsoft.com/office/drawing/2014/main" id="{D1953563-F34A-4247-A4E2-C376FD1A1AA5}"/>
-              </a:ext>
-            </a:extLst>
-          </p:cNvPr>
-          <p:cNvSpPr txBox="1"/>
-          <p:nvPr/>
-        </p:nvSpPr>
-        <p:spPr>
-          <a:xfrm>
-            <a:off x="417443" y="857743"/>
-            <a:ext cx="11357113" cy="4708981"/>
-          </a:xfrm>
-          <a:prstGeom prst="rect">
-            <a:avLst/>
-          </a:prstGeom>
-          <a:noFill/>
-        </p:spPr>
-        <p:txBody>
-          <a:bodyPr wrap="square" rtlCol="0">
-            <a:spAutoFit/>
-          </a:bodyPr>
-          <a:lstStyle/>
-          <a:p>
-            <a:pPr lvl="1"/>
-            <a:r>
-              <a:rPr lang="en-US" sz="2000" dirty="0" err="1"/>
-              <a:t>Dweet</a:t>
-            </a:r>
-            <a:r>
-              <a:rPr lang="en-US" sz="2000" dirty="0"/>
-              <a:t> does not require an account or any login details to make use of it; you can just have one thing (</a:t>
-            </a:r>
-            <a:r>
-              <a:rPr lang="en-US" sz="2000" b="1" dirty="0">
-                <a:solidFill>
-                  <a:schemeClr val="accent1">
-                    <a:lumMod val="75000"/>
-                  </a:schemeClr>
-                </a:solidFill>
-              </a:rPr>
-              <a:t>IFTTT</a:t>
-            </a:r>
-            <a:r>
-              <a:rPr lang="en-US" sz="2000" dirty="0"/>
-              <a:t> in this case) send a message to it and have another thing (your Raspberry Pi Python program) wait for notifications from it that something you are interested in has happened. In this case, the token that links the two is </a:t>
-            </a:r>
-            <a:r>
-              <a:rPr lang="en-US" sz="2000" b="1" dirty="0" err="1"/>
-              <a:t>tweet_about_me</a:t>
-            </a:r>
-            <a:r>
-              <a:rPr lang="en-US" sz="2000" dirty="0"/>
-              <a:t>. This is not very unique, and if several people are trying out this example from the book at the same time, then they will get each other’s messages. To avoid this, use a more unique token (say, by adding a random string of letters and numbers to the message).</a:t>
-            </a:r>
-          </a:p>
-          <a:p>
-            <a:pPr lvl="1"/>
-            <a:endParaRPr lang="en-US" sz="2000" dirty="0"/>
-          </a:p>
-          <a:p>
-            <a:pPr lvl="1"/>
-            <a:r>
-              <a:rPr lang="en-US" sz="2000" dirty="0"/>
-              <a:t>To access </a:t>
-            </a:r>
-            <a:r>
-              <a:rPr lang="en-US" sz="2000" b="1" dirty="0" err="1">
-                <a:solidFill>
-                  <a:schemeClr val="accent1">
-                    <a:lumMod val="75000"/>
-                  </a:schemeClr>
-                </a:solidFill>
-              </a:rPr>
-              <a:t>Dweet</a:t>
-            </a:r>
-            <a:r>
-              <a:rPr lang="en-US" sz="2000" dirty="0"/>
-              <a:t> from your Python program, the </a:t>
-            </a:r>
-            <a:r>
-              <a:rPr lang="en-US" sz="2000" b="1" dirty="0" err="1">
-                <a:solidFill>
-                  <a:schemeClr val="accent1">
-                    <a:lumMod val="75000"/>
-                  </a:schemeClr>
-                </a:solidFill>
-              </a:rPr>
-              <a:t>dweepy</a:t>
-            </a:r>
-            <a:r>
-              <a:rPr lang="en-US" sz="2000" b="1" dirty="0">
-                <a:solidFill>
-                  <a:schemeClr val="accent1">
-                    <a:lumMod val="75000"/>
-                  </a:schemeClr>
-                </a:solidFill>
-              </a:rPr>
-              <a:t> library </a:t>
-            </a:r>
-            <a:r>
-              <a:rPr lang="en-US" sz="2000" dirty="0"/>
-              <a:t>needs to be installed, using the following commands:</a:t>
-            </a:r>
-          </a:p>
-          <a:p>
-            <a:pPr lvl="1"/>
-            <a:endParaRPr lang="en-US" sz="2000" dirty="0"/>
-          </a:p>
-          <a:p>
-            <a:pPr lvl="1"/>
-            <a:r>
-              <a:rPr lang="en-US" sz="2000" b="1" i="1" dirty="0">
-                <a:solidFill>
-                  <a:srgbClr val="0070C0"/>
-                </a:solidFill>
-                <a:latin typeface="Consolas" panose="020B0609020204030204" pitchFamily="49" charset="0"/>
-              </a:rPr>
-              <a:t>git clone git://github.com/paddycarey/dweepy.git </a:t>
-            </a:r>
-          </a:p>
-          <a:p>
-            <a:pPr lvl="1"/>
-            <a:endParaRPr lang="en-US" sz="2000" b="1" i="1" dirty="0">
-              <a:solidFill>
-                <a:srgbClr val="0070C0"/>
-              </a:solidFill>
-              <a:latin typeface="Consolas" panose="020B0609020204030204" pitchFamily="49" charset="0"/>
-            </a:endParaRPr>
-          </a:p>
-          <a:p>
-            <a:pPr lvl="1"/>
-            <a:r>
-              <a:rPr lang="en-US" sz="2000" b="1" i="1" dirty="0">
-                <a:solidFill>
-                  <a:srgbClr val="0070C0"/>
-                </a:solidFill>
-                <a:latin typeface="Consolas" panose="020B0609020204030204" pitchFamily="49" charset="0"/>
-              </a:rPr>
-              <a:t>cd </a:t>
-            </a:r>
-            <a:r>
-              <a:rPr lang="en-US" sz="2000" b="1" i="1" dirty="0" err="1">
-                <a:solidFill>
-                  <a:srgbClr val="0070C0"/>
-                </a:solidFill>
-                <a:latin typeface="Consolas" panose="020B0609020204030204" pitchFamily="49" charset="0"/>
-              </a:rPr>
-              <a:t>dweepy</a:t>
-            </a:r>
-            <a:r>
-              <a:rPr lang="en-US" sz="2000" b="1" i="1" dirty="0">
-                <a:solidFill>
-                  <a:srgbClr val="0070C0"/>
-                </a:solidFill>
-                <a:latin typeface="Consolas" panose="020B0609020204030204" pitchFamily="49" charset="0"/>
-              </a:rPr>
-              <a:t> </a:t>
-            </a:r>
-          </a:p>
-          <a:p>
-            <a:pPr lvl="1"/>
-            <a:endParaRPr lang="en-US" sz="2000" b="1" i="1" dirty="0">
-              <a:solidFill>
-                <a:srgbClr val="0070C0"/>
-              </a:solidFill>
-              <a:latin typeface="Consolas" panose="020B0609020204030204" pitchFamily="49" charset="0"/>
-            </a:endParaRPr>
-          </a:p>
-          <a:p>
-            <a:pPr lvl="1"/>
-            <a:r>
-              <a:rPr lang="en-US" sz="2000" b="1" i="1" dirty="0" err="1">
-                <a:solidFill>
-                  <a:srgbClr val="0070C0"/>
-                </a:solidFill>
-                <a:latin typeface="Consolas" panose="020B0609020204030204" pitchFamily="49" charset="0"/>
-              </a:rPr>
-              <a:t>sudo</a:t>
-            </a:r>
-            <a:r>
-              <a:rPr lang="en-US" sz="2000" b="1" i="1" dirty="0">
-                <a:solidFill>
-                  <a:srgbClr val="0070C0"/>
-                </a:solidFill>
-                <a:latin typeface="Consolas" panose="020B0609020204030204" pitchFamily="49" charset="0"/>
-              </a:rPr>
-              <a:t> python setup.py install</a:t>
-            </a:r>
-          </a:p>
-        </p:txBody>
-      </p:sp>
-    </p:spTree>
-    <p:extLst>
-      <p:ext uri="{BB962C8B-B14F-4D97-AF65-F5344CB8AC3E}">
-        <p14:creationId xmlns:p14="http://schemas.microsoft.com/office/powerpoint/2010/main" val="3557949053"/>
-      </p:ext>
-    </p:extLst>
-  </p:cSld>
-  <p:clrMapOvr>
-    <a:masterClrMapping/>
-  </p:clrMapOvr>
-</p:sld>
-</file>
-
 <file path=ppt/slides/slide36.xml><?xml version="1.0" encoding="utf-8"?>
 <p:sld xmlns:a="http://schemas.openxmlformats.org/drawingml/2006/main" xmlns:r="http://schemas.openxmlformats.org/officeDocument/2006/relationships" xmlns:p="http://schemas.openxmlformats.org/presentationml/2006/main">
   <p:cSld>
@@ -14429,7 +14258,15 @@
           <a:p>
             <a:r>
               <a:rPr lang="en-US" dirty="0"/>
-              <a:t>TwitterTrigger.py Project</a:t>
+              <a:t>Responding to Tweets Using </a:t>
+            </a:r>
+            <a:r>
+              <a:rPr lang="en-US" dirty="0" err="1"/>
+              <a:t>Dweet</a:t>
+            </a:r>
+            <a:r>
+              <a:rPr lang="en-US" dirty="0"/>
+              <a:t> and IFTTT</a:t>
             </a:r>
           </a:p>
         </p:txBody>
@@ -14487,8 +14324,8 @@
         </p:nvSpPr>
         <p:spPr>
           <a:xfrm>
-            <a:off x="417443" y="721217"/>
-            <a:ext cx="11357113" cy="6247864"/>
+            <a:off x="417443" y="857743"/>
+            <a:ext cx="11357113" cy="4708981"/>
           </a:xfrm>
           <a:prstGeom prst="rect">
             <a:avLst/>
@@ -14503,73 +14340,99 @@
           <a:p>
             <a:pPr lvl="1"/>
             <a:r>
+              <a:rPr lang="en-US" sz="2000" dirty="0" err="1"/>
+              <a:t>Dweet</a:t>
+            </a:r>
+            <a:r>
+              <a:rPr lang="en-US" sz="2000" dirty="0"/>
+              <a:t> does not require an account or any login details to make use of it; you can just have one thing (</a:t>
+            </a:r>
+            <a:r>
+              <a:rPr lang="en-US" sz="2000" b="1" dirty="0">
+                <a:solidFill>
+                  <a:schemeClr val="accent1">
+                    <a:lumMod val="75000"/>
+                  </a:schemeClr>
+                </a:solidFill>
+              </a:rPr>
+              <a:t>IFTTT</a:t>
+            </a:r>
+            <a:r>
+              <a:rPr lang="en-US" sz="2000" dirty="0"/>
+              <a:t> in this case) send a message to it and have another thing (your Raspberry Pi Python program) wait for notifications from it that something you are interested in has happened. In this case, the token that links the two is </a:t>
+            </a:r>
+            <a:r>
+              <a:rPr lang="en-US" sz="2000" b="1" dirty="0" err="1"/>
+              <a:t>tweet_about_me</a:t>
+            </a:r>
+            <a:r>
+              <a:rPr lang="en-US" sz="2000" dirty="0"/>
+              <a:t>. This is not very unique, and if several people are trying out this example from the book at the same time, then they will get each other’s messages. To avoid this, use a more unique token (say, by adding a random string of letters and numbers to the message).</a:t>
+            </a:r>
+          </a:p>
+          <a:p>
+            <a:pPr lvl="1"/>
+            <a:endParaRPr lang="en-US" sz="2000" dirty="0"/>
+          </a:p>
+          <a:p>
+            <a:pPr lvl="1"/>
+            <a:r>
+              <a:rPr lang="en-US" sz="2000" dirty="0"/>
+              <a:t>To access </a:t>
+            </a:r>
+            <a:r>
+              <a:rPr lang="en-US" sz="2000" b="1" dirty="0" err="1">
+                <a:solidFill>
+                  <a:schemeClr val="accent1">
+                    <a:lumMod val="75000"/>
+                  </a:schemeClr>
+                </a:solidFill>
+              </a:rPr>
+              <a:t>Dweet</a:t>
+            </a:r>
+            <a:r>
+              <a:rPr lang="en-US" sz="2000" dirty="0"/>
+              <a:t> from your Python program, the </a:t>
+            </a:r>
+            <a:r>
+              <a:rPr lang="en-US" sz="2000" b="1" dirty="0" err="1">
+                <a:solidFill>
+                  <a:schemeClr val="accent1">
+                    <a:lumMod val="75000"/>
+                  </a:schemeClr>
+                </a:solidFill>
+              </a:rPr>
+              <a:t>dweepy</a:t>
+            </a:r>
+            <a:r>
+              <a:rPr lang="en-US" sz="2000" b="1" dirty="0">
+                <a:solidFill>
+                  <a:schemeClr val="accent1">
+                    <a:lumMod val="75000"/>
+                  </a:schemeClr>
+                </a:solidFill>
+              </a:rPr>
+              <a:t> library </a:t>
+            </a:r>
+            <a:r>
+              <a:rPr lang="en-US" sz="2000" dirty="0"/>
+              <a:t>needs to be installed, using the following commands:</a:t>
+            </a:r>
+          </a:p>
+          <a:p>
+            <a:pPr lvl="1"/>
+            <a:endParaRPr lang="en-US" sz="2000" dirty="0"/>
+          </a:p>
+          <a:p>
+            <a:pPr lvl="1"/>
+            <a:r>
               <a:rPr lang="en-US" sz="2000" b="1" i="1" dirty="0">
                 <a:solidFill>
                   <a:srgbClr val="0070C0"/>
                 </a:solidFill>
                 <a:latin typeface="Consolas" panose="020B0609020204030204" pitchFamily="49" charset="0"/>
               </a:rPr>
-              <a:t>import time </a:t>
-            </a:r>
-          </a:p>
-          <a:p>
-            <a:pPr lvl="1"/>
-            <a:r>
-              <a:rPr lang="en-US" sz="2000" b="1" i="1" dirty="0">
-                <a:solidFill>
-                  <a:srgbClr val="0070C0"/>
-                </a:solidFill>
-                <a:latin typeface="Consolas" panose="020B0609020204030204" pitchFamily="49" charset="0"/>
-              </a:rPr>
-              <a:t>import </a:t>
-            </a:r>
-            <a:r>
-              <a:rPr lang="en-US" sz="2000" b="1" i="1" dirty="0" err="1">
-                <a:solidFill>
-                  <a:srgbClr val="0070C0"/>
-                </a:solidFill>
-                <a:latin typeface="Consolas" panose="020B0609020204030204" pitchFamily="49" charset="0"/>
-              </a:rPr>
-              <a:t>dweepy</a:t>
-            </a:r>
-            <a:r>
-              <a:rPr lang="en-US" sz="2000" b="1" i="1" dirty="0">
-                <a:solidFill>
-                  <a:srgbClr val="0070C0"/>
-                </a:solidFill>
-                <a:latin typeface="Consolas" panose="020B0609020204030204" pitchFamily="49" charset="0"/>
-              </a:rPr>
-              <a:t> </a:t>
-            </a:r>
-          </a:p>
-          <a:p>
-            <a:pPr lvl="1"/>
-            <a:r>
-              <a:rPr lang="en-US" sz="2000" b="1" i="1" dirty="0">
-                <a:solidFill>
-                  <a:srgbClr val="0070C0"/>
-                </a:solidFill>
-                <a:latin typeface="Consolas" panose="020B0609020204030204" pitchFamily="49" charset="0"/>
-              </a:rPr>
-              <a:t>import </a:t>
-            </a:r>
-            <a:r>
-              <a:rPr lang="en-US" sz="2000" b="1" i="1" dirty="0" err="1">
-                <a:solidFill>
-                  <a:srgbClr val="0070C0"/>
-                </a:solidFill>
-                <a:latin typeface="Consolas" panose="020B0609020204030204" pitchFamily="49" charset="0"/>
-              </a:rPr>
-              <a:t>RPi.GPIO</a:t>
-            </a:r>
-            <a:r>
-              <a:rPr lang="en-US" sz="2000" b="1" i="1" dirty="0">
-                <a:solidFill>
-                  <a:srgbClr val="0070C0"/>
-                </a:solidFill>
-                <a:latin typeface="Consolas" panose="020B0609020204030204" pitchFamily="49" charset="0"/>
-              </a:rPr>
-              <a:t> as GPIO</a:t>
+              <a:t>git clone git://github.com/paddycarey/dweepy.git </a:t>
             </a:r>
           </a:p>
           <a:p>
@@ -14590,7 +14453,7 @@
                 </a:solidFill>
                 <a:latin typeface="Consolas" panose="020B0609020204030204" pitchFamily="49" charset="0"/>
               </a:rPr>
-              <a:t>KEY = '</a:t>
+              <a:t>cd </a:t>
             </a:r>
             <a:r>
               <a:rPr lang="en-US" sz="2000" b="1" i="1" dirty="0" err="1">
@@ -14599,7 +14462,7 @@
                 </a:solidFill>
                 <a:latin typeface="Consolas" panose="020B0609020204030204" pitchFamily="49" charset="0"/>
               </a:rPr>
-              <a:t>tweet_about_me</a:t>
+              <a:t>dweepy</a:t>
             </a:r>
             <a:r>
               <a:rPr lang="en-US" sz="2000" b="1" i="1" dirty="0">
@@ -14608,31 +14471,7 @@
                 </a:solidFill>
                 <a:latin typeface="Consolas" panose="020B0609020204030204" pitchFamily="49" charset="0"/>
               </a:rPr>
-              <a:t>’ </a:t>
-            </a:r>
-          </a:p>
-          <a:p>
-            <a:pPr lvl="1"/>
-            <a:r>
-              <a:rPr lang="en-US" sz="2000" b="1" i="1" dirty="0">
-                <a:solidFill>
-                  <a:srgbClr val="0070C0"/>
-                </a:solidFill>
-                <a:latin typeface="Consolas" panose="020B0609020204030204" pitchFamily="49" charset="0"/>
-              </a:rPr>
-              <a:t>OUTPUT_PIN = 18 </a:t>
-            </a:r>
-          </a:p>
-          <a:p>
-            <a:pPr lvl="1"/>
-            <a:r>
-              <a:rPr lang="en-US" sz="2000" b="1" i="1" dirty="0">
-                <a:solidFill>
-                  <a:srgbClr val="0070C0"/>
-                </a:solidFill>
-                <a:latin typeface="Consolas" panose="020B0609020204030204" pitchFamily="49" charset="0"/>
-              </a:rPr>
-              <a:t>OUTPUT_DURATION = 10</a:t>
+              <a:t> </a:t>
             </a:r>
           </a:p>
           <a:p>
@@ -14653,7 +14492,7 @@
                 </a:solidFill>
                 <a:latin typeface="Consolas" panose="020B0609020204030204" pitchFamily="49" charset="0"/>
               </a:rPr>
-              <a:t>GPIO.setmode</a:t>
+              <a:t>sudo</a:t>
             </a:r>
             <a:r>
               <a:rPr lang="en-US" sz="2000" b="1" i="1" dirty="0">
@@ -14662,253 +14501,7 @@
                 </a:solidFill>
                 <a:latin typeface="Consolas" panose="020B0609020204030204" pitchFamily="49" charset="0"/>
               </a:rPr>
-              <a:t>(GPIO.BCM) </a:t>
-            </a:r>
-          </a:p>
-          <a:p>
-            <a:pPr lvl="1"/>
-            <a:r>
-              <a:rPr lang="en-US" sz="2000" b="1" i="1" dirty="0" err="1">
-                <a:solidFill>
-                  <a:srgbClr val="0070C0"/>
-                </a:solidFill>
-                <a:latin typeface="Consolas" panose="020B0609020204030204" pitchFamily="49" charset="0"/>
-              </a:rPr>
-              <a:t>GPIO.setup</a:t>
-            </a:r>
-            <a:r>
-              <a:rPr lang="en-US" sz="2000" b="1" i="1" dirty="0">
-                <a:solidFill>
-                  <a:srgbClr val="0070C0"/>
-                </a:solidFill>
-                <a:latin typeface="Consolas" panose="020B0609020204030204" pitchFamily="49" charset="0"/>
-              </a:rPr>
-              <a:t>(OUTPUT_PIN, GPIO.OUT)</a:t>
-            </a:r>
-          </a:p>
-          <a:p>
-            <a:pPr lvl="1"/>
-            <a:endParaRPr lang="en-US" sz="2000" b="1" i="1" dirty="0">
-              <a:solidFill>
-                <a:srgbClr val="0070C0"/>
-              </a:solidFill>
-              <a:latin typeface="Consolas" panose="020B0609020204030204" pitchFamily="49" charset="0"/>
-            </a:endParaRPr>
-          </a:p>
-          <a:p>
-            <a:pPr lvl="1"/>
-            <a:r>
-              <a:rPr lang="en-US" sz="2000" b="1" i="1" dirty="0">
-                <a:solidFill>
-                  <a:srgbClr val="0070C0"/>
-                </a:solidFill>
-                <a:latin typeface="Consolas" panose="020B0609020204030204" pitchFamily="49" charset="0"/>
-              </a:rPr>
-              <a:t>while True:    </a:t>
-            </a:r>
-          </a:p>
-          <a:p>
-            <a:pPr lvl="1"/>
-            <a:r>
-              <a:rPr lang="en-US" sz="2000" b="1" i="1" dirty="0">
-                <a:solidFill>
-                  <a:srgbClr val="0070C0"/>
-                </a:solidFill>
-                <a:latin typeface="Consolas" panose="020B0609020204030204" pitchFamily="49" charset="0"/>
-              </a:rPr>
-              <a:t>	try:        </a:t>
-            </a:r>
-          </a:p>
-          <a:p>
-            <a:pPr lvl="1"/>
-            <a:r>
-              <a:rPr lang="en-US" sz="2000" b="1" i="1" dirty="0">
-                <a:solidFill>
-                  <a:srgbClr val="0070C0"/>
-                </a:solidFill>
-                <a:latin typeface="Consolas" panose="020B0609020204030204" pitchFamily="49" charset="0"/>
-              </a:rPr>
-              <a:t>		for </a:t>
-            </a:r>
-            <a:r>
-              <a:rPr lang="en-US" sz="2000" b="1" i="1" dirty="0" err="1">
-                <a:solidFill>
-                  <a:srgbClr val="0070C0"/>
-                </a:solidFill>
-                <a:latin typeface="Consolas" panose="020B0609020204030204" pitchFamily="49" charset="0"/>
-              </a:rPr>
-              <a:t>dweet</a:t>
-            </a:r>
-            <a:r>
-              <a:rPr lang="en-US" sz="2000" b="1" i="1" dirty="0">
-                <a:solidFill>
-                  <a:srgbClr val="0070C0"/>
-                </a:solidFill>
-                <a:latin typeface="Consolas" panose="020B0609020204030204" pitchFamily="49" charset="0"/>
-              </a:rPr>
-              <a:t> in </a:t>
-            </a:r>
-            <a:r>
-              <a:rPr lang="en-US" sz="2000" b="1" i="1" dirty="0" err="1">
-                <a:solidFill>
-                  <a:srgbClr val="0070C0"/>
-                </a:solidFill>
-                <a:latin typeface="Consolas" panose="020B0609020204030204" pitchFamily="49" charset="0"/>
-              </a:rPr>
-              <a:t>dweepy.listen_for_dweets_from</a:t>
-            </a:r>
-            <a:r>
-              <a:rPr lang="en-US" sz="2000" b="1" i="1" dirty="0">
-                <a:solidFill>
-                  <a:srgbClr val="0070C0"/>
-                </a:solidFill>
-                <a:latin typeface="Consolas" panose="020B0609020204030204" pitchFamily="49" charset="0"/>
-              </a:rPr>
-              <a:t>(KEY):        </a:t>
-            </a:r>
-          </a:p>
-          <a:p>
-            <a:pPr lvl="1"/>
-            <a:r>
-              <a:rPr lang="en-US" sz="2000" b="1" i="1" dirty="0">
-                <a:solidFill>
-                  <a:srgbClr val="0070C0"/>
-                </a:solidFill>
-                <a:latin typeface="Consolas" panose="020B0609020204030204" pitchFamily="49" charset="0"/>
-              </a:rPr>
-              <a:t>			print('Tweet: ' + </a:t>
-            </a:r>
-            <a:r>
-              <a:rPr lang="en-US" sz="2000" b="1" i="1" dirty="0" err="1">
-                <a:solidFill>
-                  <a:srgbClr val="0070C0"/>
-                </a:solidFill>
-                <a:latin typeface="Consolas" panose="020B0609020204030204" pitchFamily="49" charset="0"/>
-              </a:rPr>
-              <a:t>dweet</a:t>
-            </a:r>
-            <a:r>
-              <a:rPr lang="en-US" sz="2000" b="1" i="1" dirty="0">
-                <a:solidFill>
-                  <a:srgbClr val="0070C0"/>
-                </a:solidFill>
-                <a:latin typeface="Consolas" panose="020B0609020204030204" pitchFamily="49" charset="0"/>
-              </a:rPr>
-              <a:t>['content']['text'])           </a:t>
-            </a:r>
-          </a:p>
-          <a:p>
-            <a:pPr lvl="1"/>
-            <a:r>
-              <a:rPr lang="en-US" sz="2000" b="1" i="1" dirty="0">
-                <a:solidFill>
-                  <a:srgbClr val="0070C0"/>
-                </a:solidFill>
-                <a:latin typeface="Consolas" panose="020B0609020204030204" pitchFamily="49" charset="0"/>
-              </a:rPr>
-              <a:t>			</a:t>
-            </a:r>
-            <a:r>
-              <a:rPr lang="en-US" sz="2000" b="1" i="1" dirty="0" err="1">
-                <a:solidFill>
-                  <a:srgbClr val="0070C0"/>
-                </a:solidFill>
-                <a:latin typeface="Consolas" panose="020B0609020204030204" pitchFamily="49" charset="0"/>
-              </a:rPr>
-              <a:t>GPIO.output</a:t>
-            </a:r>
-            <a:r>
-              <a:rPr lang="en-US" sz="2000" b="1" i="1" dirty="0">
-                <a:solidFill>
-                  <a:srgbClr val="0070C0"/>
-                </a:solidFill>
-                <a:latin typeface="Consolas" panose="020B0609020204030204" pitchFamily="49" charset="0"/>
-              </a:rPr>
-              <a:t>(OUTPUT_PIN, True)            </a:t>
-            </a:r>
-          </a:p>
-          <a:p>
-            <a:pPr lvl="1"/>
-            <a:r>
-              <a:rPr lang="en-US" sz="2000" b="1" i="1" dirty="0">
-                <a:solidFill>
-                  <a:srgbClr val="0070C0"/>
-                </a:solidFill>
-                <a:latin typeface="Consolas" panose="020B0609020204030204" pitchFamily="49" charset="0"/>
-              </a:rPr>
-              <a:t>			</a:t>
-            </a:r>
-            <a:r>
-              <a:rPr lang="en-US" sz="2000" b="1" i="1" dirty="0" err="1">
-                <a:solidFill>
-                  <a:srgbClr val="0070C0"/>
-                </a:solidFill>
-                <a:latin typeface="Consolas" panose="020B0609020204030204" pitchFamily="49" charset="0"/>
-              </a:rPr>
-              <a:t>time.sleep</a:t>
-            </a:r>
-            <a:r>
-              <a:rPr lang="en-US" sz="2000" b="1" i="1" dirty="0">
-                <a:solidFill>
-                  <a:srgbClr val="0070C0"/>
-                </a:solidFill>
-                <a:latin typeface="Consolas" panose="020B0609020204030204" pitchFamily="49" charset="0"/>
-              </a:rPr>
-              <a:t>(OUTPUT_DURATION)            </a:t>
-            </a:r>
-          </a:p>
-          <a:p>
-            <a:pPr lvl="1"/>
-            <a:r>
-              <a:rPr lang="en-US" sz="2000" b="1" i="1" dirty="0">
-                <a:solidFill>
-                  <a:srgbClr val="0070C0"/>
-                </a:solidFill>
-                <a:latin typeface="Consolas" panose="020B0609020204030204" pitchFamily="49" charset="0"/>
-              </a:rPr>
-              <a:t>			</a:t>
-            </a:r>
-            <a:r>
-              <a:rPr lang="en-US" sz="2000" b="1" i="1" dirty="0" err="1">
-                <a:solidFill>
-                  <a:srgbClr val="0070C0"/>
-                </a:solidFill>
-                <a:latin typeface="Consolas" panose="020B0609020204030204" pitchFamily="49" charset="0"/>
-              </a:rPr>
-              <a:t>GPIO.output</a:t>
-            </a:r>
-            <a:r>
-              <a:rPr lang="en-US" sz="2000" b="1" i="1" dirty="0">
-                <a:solidFill>
-                  <a:srgbClr val="0070C0"/>
-                </a:solidFill>
-                <a:latin typeface="Consolas" panose="020B0609020204030204" pitchFamily="49" charset="0"/>
-              </a:rPr>
-              <a:t>(OUTPUT_PIN, False)    </a:t>
-            </a:r>
-          </a:p>
-          <a:p>
-            <a:pPr lvl="1"/>
-            <a:r>
-              <a:rPr lang="en-US" sz="2000" b="1" i="1" dirty="0">
-                <a:solidFill>
-                  <a:srgbClr val="0070C0"/>
-                </a:solidFill>
-                <a:latin typeface="Consolas" panose="020B0609020204030204" pitchFamily="49" charset="0"/>
-              </a:rPr>
-              <a:t>	except Exception:        </a:t>
-            </a:r>
-          </a:p>
-          <a:p>
-            <a:pPr lvl="1"/>
-            <a:r>
-              <a:rPr lang="en-US" sz="2000" b="1" i="1" dirty="0">
-                <a:solidFill>
-                  <a:srgbClr val="0070C0"/>
-                </a:solidFill>
-                <a:latin typeface="Consolas" panose="020B0609020204030204" pitchFamily="49" charset="0"/>
-              </a:rPr>
-              <a:t>		pass</a:t>
+              <a:t> python setup.py install</a:t>
             </a:r>
           </a:p>
         </p:txBody>
@@ -14916,7 +14509,7 @@
     </p:spTree>
     <p:extLst>
       <p:ext uri="{BB962C8B-B14F-4D97-AF65-F5344CB8AC3E}">
-        <p14:creationId xmlns:p14="http://schemas.microsoft.com/office/powerpoint/2010/main" val="3024061482"/>
+        <p14:creationId xmlns:p14="http://schemas.microsoft.com/office/powerpoint/2010/main" val="3557949053"/>
       </p:ext>
     </p:extLst>
   </p:cSld>
@@ -15080,6 +14673,657 @@
           <a:p>
             <a:r>
               <a:rPr lang="en-US" dirty="0"/>
+              <a:t>TwitterTrigger.py Project</a:t>
+            </a:r>
+          </a:p>
+        </p:txBody>
+      </p:sp>
+      <p:sp>
+        <p:nvSpPr>
+          <p:cNvPr id="5" name="AutoShape 2" descr="http://raspberry.piaustralia.com.au/product-images/piwithbox.jpg"/>
+          <p:cNvSpPr>
+            <a:spLocks noChangeAspect="1" noChangeArrowheads="1"/>
+          </p:cNvSpPr>
+          <p:nvPr/>
+        </p:nvSpPr>
+        <p:spPr bwMode="auto">
+          <a:xfrm>
+            <a:off x="63500" y="-136525"/>
+            <a:ext cx="9772650" cy="6343650"/>
+          </a:xfrm>
+          <a:prstGeom prst="rect">
+            <a:avLst/>
+          </a:prstGeom>
+          <a:noFill/>
+          <a:extLst>
+            <a:ext uri="{909E8E84-426E-40DD-AFC4-6F175D3DCCD1}">
+              <a14:hiddenFill xmlns:a14="http://schemas.microsoft.com/office/drawing/2010/main">
+                <a:solidFill>
+                  <a:srgbClr val="FFFFFF"/>
+                </a:solidFill>
+              </a14:hiddenFill>
+            </a:ext>
+          </a:extLst>
+        </p:spPr>
+        <p:txBody>
+          <a:bodyPr vert="horz" wrap="square" lIns="91440" tIns="45720" rIns="91440" bIns="45720" numCol="1" anchor="t" anchorCtr="0" compatLnSpc="1">
+            <a:prstTxWarp prst="textNoShape">
+              <a:avLst/>
+            </a:prstTxWarp>
+          </a:bodyPr>
+          <a:lstStyle/>
+          <a:p>
+            <a:endParaRPr lang="en-US"/>
+          </a:p>
+        </p:txBody>
+      </p:sp>
+      <p:sp>
+        <p:nvSpPr>
+          <p:cNvPr id="6" name="TextBox 5">
+            <a:extLst>
+              <a:ext uri="{FF2B5EF4-FFF2-40B4-BE49-F238E27FC236}">
+                <a16:creationId xmlns:a16="http://schemas.microsoft.com/office/drawing/2014/main" id="{D1953563-F34A-4247-A4E2-C376FD1A1AA5}"/>
+              </a:ext>
+            </a:extLst>
+          </p:cNvPr>
+          <p:cNvSpPr txBox="1"/>
+          <p:nvPr/>
+        </p:nvSpPr>
+        <p:spPr>
+          <a:xfrm>
+            <a:off x="417443" y="721217"/>
+            <a:ext cx="11357113" cy="6247864"/>
+          </a:xfrm>
+          <a:prstGeom prst="rect">
+            <a:avLst/>
+          </a:prstGeom>
+          <a:noFill/>
+        </p:spPr>
+        <p:txBody>
+          <a:bodyPr wrap="square" rtlCol="0">
+            <a:spAutoFit/>
+          </a:bodyPr>
+          <a:lstStyle/>
+          <a:p>
+            <a:pPr lvl="1"/>
+            <a:r>
+              <a:rPr lang="en-US" sz="2000" b="1" i="1" dirty="0">
+                <a:solidFill>
+                  <a:srgbClr val="0070C0"/>
+                </a:solidFill>
+                <a:latin typeface="Consolas" panose="020B0609020204030204" pitchFamily="49" charset="0"/>
+              </a:rPr>
+              <a:t>import time </a:t>
+            </a:r>
+          </a:p>
+          <a:p>
+            <a:pPr lvl="1"/>
+            <a:r>
+              <a:rPr lang="en-US" sz="2000" b="1" i="1" dirty="0">
+                <a:solidFill>
+                  <a:srgbClr val="0070C0"/>
+                </a:solidFill>
+                <a:latin typeface="Consolas" panose="020B0609020204030204" pitchFamily="49" charset="0"/>
+              </a:rPr>
+              <a:t>import </a:t>
+            </a:r>
+            <a:r>
+              <a:rPr lang="en-US" sz="2000" b="1" i="1" dirty="0" err="1">
+                <a:solidFill>
+                  <a:srgbClr val="0070C0"/>
+                </a:solidFill>
+                <a:latin typeface="Consolas" panose="020B0609020204030204" pitchFamily="49" charset="0"/>
+              </a:rPr>
+              <a:t>dweepy</a:t>
+            </a:r>
+            <a:r>
+              <a:rPr lang="en-US" sz="2000" b="1" i="1" dirty="0">
+                <a:solidFill>
+                  <a:srgbClr val="0070C0"/>
+                </a:solidFill>
+                <a:latin typeface="Consolas" panose="020B0609020204030204" pitchFamily="49" charset="0"/>
+              </a:rPr>
+              <a:t> </a:t>
+            </a:r>
+          </a:p>
+          <a:p>
+            <a:pPr lvl="1"/>
+            <a:r>
+              <a:rPr lang="en-US" sz="2000" b="1" i="1" dirty="0">
+                <a:solidFill>
+                  <a:srgbClr val="0070C0"/>
+                </a:solidFill>
+                <a:latin typeface="Consolas" panose="020B0609020204030204" pitchFamily="49" charset="0"/>
+              </a:rPr>
+              <a:t>import </a:t>
+            </a:r>
+            <a:r>
+              <a:rPr lang="en-US" sz="2000" b="1" i="1" dirty="0" err="1">
+                <a:solidFill>
+                  <a:srgbClr val="0070C0"/>
+                </a:solidFill>
+                <a:latin typeface="Consolas" panose="020B0609020204030204" pitchFamily="49" charset="0"/>
+              </a:rPr>
+              <a:t>RPi.GPIO</a:t>
+            </a:r>
+            <a:r>
+              <a:rPr lang="en-US" sz="2000" b="1" i="1" dirty="0">
+                <a:solidFill>
+                  <a:srgbClr val="0070C0"/>
+                </a:solidFill>
+                <a:latin typeface="Consolas" panose="020B0609020204030204" pitchFamily="49" charset="0"/>
+              </a:rPr>
+              <a:t> as GPIO</a:t>
+            </a:r>
+          </a:p>
+          <a:p>
+            <a:pPr lvl="1"/>
+            <a:endParaRPr lang="en-US" sz="2000" b="1" i="1" dirty="0">
+              <a:solidFill>
+                <a:srgbClr val="0070C0"/>
+              </a:solidFill>
+              <a:latin typeface="Consolas" panose="020B0609020204030204" pitchFamily="49" charset="0"/>
+            </a:endParaRPr>
+          </a:p>
+          <a:p>
+            <a:pPr lvl="1"/>
+            <a:r>
+              <a:rPr lang="en-US" sz="2000" b="1" i="1" dirty="0">
+                <a:solidFill>
+                  <a:srgbClr val="0070C0"/>
+                </a:solidFill>
+                <a:latin typeface="Consolas" panose="020B0609020204030204" pitchFamily="49" charset="0"/>
+              </a:rPr>
+              <a:t>KEY = '</a:t>
+            </a:r>
+            <a:r>
+              <a:rPr lang="en-US" sz="2000" b="1" i="1" dirty="0" err="1">
+                <a:solidFill>
+                  <a:srgbClr val="0070C0"/>
+                </a:solidFill>
+                <a:latin typeface="Consolas" panose="020B0609020204030204" pitchFamily="49" charset="0"/>
+              </a:rPr>
+              <a:t>tweet_about_me</a:t>
+            </a:r>
+            <a:r>
+              <a:rPr lang="en-US" sz="2000" b="1" i="1" dirty="0">
+                <a:solidFill>
+                  <a:srgbClr val="0070C0"/>
+                </a:solidFill>
+                <a:latin typeface="Consolas" panose="020B0609020204030204" pitchFamily="49" charset="0"/>
+              </a:rPr>
+              <a:t>’ </a:t>
+            </a:r>
+          </a:p>
+          <a:p>
+            <a:pPr lvl="1"/>
+            <a:r>
+              <a:rPr lang="en-US" sz="2000" b="1" i="1" dirty="0">
+                <a:solidFill>
+                  <a:srgbClr val="0070C0"/>
+                </a:solidFill>
+                <a:latin typeface="Consolas" panose="020B0609020204030204" pitchFamily="49" charset="0"/>
+              </a:rPr>
+              <a:t>OUTPUT_PIN = 18 </a:t>
+            </a:r>
+          </a:p>
+          <a:p>
+            <a:pPr lvl="1"/>
+            <a:r>
+              <a:rPr lang="en-US" sz="2000" b="1" i="1" dirty="0">
+                <a:solidFill>
+                  <a:srgbClr val="0070C0"/>
+                </a:solidFill>
+                <a:latin typeface="Consolas" panose="020B0609020204030204" pitchFamily="49" charset="0"/>
+              </a:rPr>
+              <a:t>OUTPUT_DURATION = 10</a:t>
+            </a:r>
+          </a:p>
+          <a:p>
+            <a:pPr lvl="1"/>
+            <a:endParaRPr lang="en-US" sz="2000" b="1" i="1" dirty="0">
+              <a:solidFill>
+                <a:srgbClr val="0070C0"/>
+              </a:solidFill>
+              <a:latin typeface="Consolas" panose="020B0609020204030204" pitchFamily="49" charset="0"/>
+            </a:endParaRPr>
+          </a:p>
+          <a:p>
+            <a:pPr lvl="1"/>
+            <a:r>
+              <a:rPr lang="en-US" sz="2000" b="1" i="1" dirty="0" err="1">
+                <a:solidFill>
+                  <a:srgbClr val="0070C0"/>
+                </a:solidFill>
+                <a:latin typeface="Consolas" panose="020B0609020204030204" pitchFamily="49" charset="0"/>
+              </a:rPr>
+              <a:t>GPIO.setmode</a:t>
+            </a:r>
+            <a:r>
+              <a:rPr lang="en-US" sz="2000" b="1" i="1" dirty="0">
+                <a:solidFill>
+                  <a:srgbClr val="0070C0"/>
+                </a:solidFill>
+                <a:latin typeface="Consolas" panose="020B0609020204030204" pitchFamily="49" charset="0"/>
+              </a:rPr>
+              <a:t>(GPIO.BCM) </a:t>
+            </a:r>
+          </a:p>
+          <a:p>
+            <a:pPr lvl="1"/>
+            <a:r>
+              <a:rPr lang="en-US" sz="2000" b="1" i="1" dirty="0" err="1">
+                <a:solidFill>
+                  <a:srgbClr val="0070C0"/>
+                </a:solidFill>
+                <a:latin typeface="Consolas" panose="020B0609020204030204" pitchFamily="49" charset="0"/>
+              </a:rPr>
+              <a:t>GPIO.setup</a:t>
+            </a:r>
+            <a:r>
+              <a:rPr lang="en-US" sz="2000" b="1" i="1" dirty="0">
+                <a:solidFill>
+                  <a:srgbClr val="0070C0"/>
+                </a:solidFill>
+                <a:latin typeface="Consolas" panose="020B0609020204030204" pitchFamily="49" charset="0"/>
+              </a:rPr>
+              <a:t>(OUTPUT_PIN, GPIO.OUT)</a:t>
+            </a:r>
+          </a:p>
+          <a:p>
+            <a:pPr lvl="1"/>
+            <a:endParaRPr lang="en-US" sz="2000" b="1" i="1" dirty="0">
+              <a:solidFill>
+                <a:srgbClr val="0070C0"/>
+              </a:solidFill>
+              <a:latin typeface="Consolas" panose="020B0609020204030204" pitchFamily="49" charset="0"/>
+            </a:endParaRPr>
+          </a:p>
+          <a:p>
+            <a:pPr lvl="1"/>
+            <a:r>
+              <a:rPr lang="en-US" sz="2000" b="1" i="1" dirty="0">
+                <a:solidFill>
+                  <a:srgbClr val="0070C0"/>
+                </a:solidFill>
+                <a:latin typeface="Consolas" panose="020B0609020204030204" pitchFamily="49" charset="0"/>
+              </a:rPr>
+              <a:t>while True:    </a:t>
+            </a:r>
+          </a:p>
+          <a:p>
+            <a:pPr lvl="1"/>
+            <a:r>
+              <a:rPr lang="en-US" sz="2000" b="1" i="1" dirty="0">
+                <a:solidFill>
+                  <a:srgbClr val="0070C0"/>
+                </a:solidFill>
+                <a:latin typeface="Consolas" panose="020B0609020204030204" pitchFamily="49" charset="0"/>
+              </a:rPr>
+              <a:t>	try:        </a:t>
+            </a:r>
+          </a:p>
+          <a:p>
+            <a:pPr lvl="1"/>
+            <a:r>
+              <a:rPr lang="en-US" sz="2000" b="1" i="1" dirty="0">
+                <a:solidFill>
+                  <a:srgbClr val="0070C0"/>
+                </a:solidFill>
+                <a:latin typeface="Consolas" panose="020B0609020204030204" pitchFamily="49" charset="0"/>
+              </a:rPr>
+              <a:t>		for </a:t>
+            </a:r>
+            <a:r>
+              <a:rPr lang="en-US" sz="2000" b="1" i="1" dirty="0" err="1">
+                <a:solidFill>
+                  <a:srgbClr val="0070C0"/>
+                </a:solidFill>
+                <a:latin typeface="Consolas" panose="020B0609020204030204" pitchFamily="49" charset="0"/>
+              </a:rPr>
+              <a:t>dweet</a:t>
+            </a:r>
+            <a:r>
+              <a:rPr lang="en-US" sz="2000" b="1" i="1" dirty="0">
+                <a:solidFill>
+                  <a:srgbClr val="0070C0"/>
+                </a:solidFill>
+                <a:latin typeface="Consolas" panose="020B0609020204030204" pitchFamily="49" charset="0"/>
+              </a:rPr>
+              <a:t> in </a:t>
+            </a:r>
+            <a:r>
+              <a:rPr lang="en-US" sz="2000" b="1" i="1" dirty="0" err="1">
+                <a:solidFill>
+                  <a:srgbClr val="0070C0"/>
+                </a:solidFill>
+                <a:latin typeface="Consolas" panose="020B0609020204030204" pitchFamily="49" charset="0"/>
+              </a:rPr>
+              <a:t>dweepy.listen_for_dweets_from</a:t>
+            </a:r>
+            <a:r>
+              <a:rPr lang="en-US" sz="2000" b="1" i="1" dirty="0">
+                <a:solidFill>
+                  <a:srgbClr val="0070C0"/>
+                </a:solidFill>
+                <a:latin typeface="Consolas" panose="020B0609020204030204" pitchFamily="49" charset="0"/>
+              </a:rPr>
+              <a:t>(KEY):        </a:t>
+            </a:r>
+          </a:p>
+          <a:p>
+            <a:pPr lvl="1"/>
+            <a:r>
+              <a:rPr lang="en-US" sz="2000" b="1" i="1" dirty="0">
+                <a:solidFill>
+                  <a:srgbClr val="0070C0"/>
+                </a:solidFill>
+                <a:latin typeface="Consolas" panose="020B0609020204030204" pitchFamily="49" charset="0"/>
+              </a:rPr>
+              <a:t>			print('Tweet: ' + </a:t>
+            </a:r>
+            <a:r>
+              <a:rPr lang="en-US" sz="2000" b="1" i="1" dirty="0" err="1">
+                <a:solidFill>
+                  <a:srgbClr val="0070C0"/>
+                </a:solidFill>
+                <a:latin typeface="Consolas" panose="020B0609020204030204" pitchFamily="49" charset="0"/>
+              </a:rPr>
+              <a:t>dweet</a:t>
+            </a:r>
+            <a:r>
+              <a:rPr lang="en-US" sz="2000" b="1" i="1" dirty="0">
+                <a:solidFill>
+                  <a:srgbClr val="0070C0"/>
+                </a:solidFill>
+                <a:latin typeface="Consolas" panose="020B0609020204030204" pitchFamily="49" charset="0"/>
+              </a:rPr>
+              <a:t>['content']['text'])           </a:t>
+            </a:r>
+          </a:p>
+          <a:p>
+            <a:pPr lvl="1"/>
+            <a:r>
+              <a:rPr lang="en-US" sz="2000" b="1" i="1" dirty="0">
+                <a:solidFill>
+                  <a:srgbClr val="0070C0"/>
+                </a:solidFill>
+                <a:latin typeface="Consolas" panose="020B0609020204030204" pitchFamily="49" charset="0"/>
+              </a:rPr>
+              <a:t>			</a:t>
+            </a:r>
+            <a:r>
+              <a:rPr lang="en-US" sz="2000" b="1" i="1" dirty="0" err="1">
+                <a:solidFill>
+                  <a:srgbClr val="0070C0"/>
+                </a:solidFill>
+                <a:latin typeface="Consolas" panose="020B0609020204030204" pitchFamily="49" charset="0"/>
+              </a:rPr>
+              <a:t>GPIO.output</a:t>
+            </a:r>
+            <a:r>
+              <a:rPr lang="en-US" sz="2000" b="1" i="1" dirty="0">
+                <a:solidFill>
+                  <a:srgbClr val="0070C0"/>
+                </a:solidFill>
+                <a:latin typeface="Consolas" panose="020B0609020204030204" pitchFamily="49" charset="0"/>
+              </a:rPr>
+              <a:t>(OUTPUT_PIN, True)            </a:t>
+            </a:r>
+          </a:p>
+          <a:p>
+            <a:pPr lvl="1"/>
+            <a:r>
+              <a:rPr lang="en-US" sz="2000" b="1" i="1" dirty="0">
+                <a:solidFill>
+                  <a:srgbClr val="0070C0"/>
+                </a:solidFill>
+                <a:latin typeface="Consolas" panose="020B0609020204030204" pitchFamily="49" charset="0"/>
+              </a:rPr>
+              <a:t>			</a:t>
+            </a:r>
+            <a:r>
+              <a:rPr lang="en-US" sz="2000" b="1" i="1" dirty="0" err="1">
+                <a:solidFill>
+                  <a:srgbClr val="0070C0"/>
+                </a:solidFill>
+                <a:latin typeface="Consolas" panose="020B0609020204030204" pitchFamily="49" charset="0"/>
+              </a:rPr>
+              <a:t>time.sleep</a:t>
+            </a:r>
+            <a:r>
+              <a:rPr lang="en-US" sz="2000" b="1" i="1" dirty="0">
+                <a:solidFill>
+                  <a:srgbClr val="0070C0"/>
+                </a:solidFill>
+                <a:latin typeface="Consolas" panose="020B0609020204030204" pitchFamily="49" charset="0"/>
+              </a:rPr>
+              <a:t>(OUTPUT_DURATION)            </a:t>
+            </a:r>
+          </a:p>
+          <a:p>
+            <a:pPr lvl="1"/>
+            <a:r>
+              <a:rPr lang="en-US" sz="2000" b="1" i="1" dirty="0">
+                <a:solidFill>
+                  <a:srgbClr val="0070C0"/>
+                </a:solidFill>
+                <a:latin typeface="Consolas" panose="020B0609020204030204" pitchFamily="49" charset="0"/>
+              </a:rPr>
+              <a:t>			</a:t>
+            </a:r>
+            <a:r>
+              <a:rPr lang="en-US" sz="2000" b="1" i="1" dirty="0" err="1">
+                <a:solidFill>
+                  <a:srgbClr val="0070C0"/>
+                </a:solidFill>
+                <a:latin typeface="Consolas" panose="020B0609020204030204" pitchFamily="49" charset="0"/>
+              </a:rPr>
+              <a:t>GPIO.output</a:t>
+            </a:r>
+            <a:r>
+              <a:rPr lang="en-US" sz="2000" b="1" i="1" dirty="0">
+                <a:solidFill>
+                  <a:srgbClr val="0070C0"/>
+                </a:solidFill>
+                <a:latin typeface="Consolas" panose="020B0609020204030204" pitchFamily="49" charset="0"/>
+              </a:rPr>
+              <a:t>(OUTPUT_PIN, False)    </a:t>
+            </a:r>
+          </a:p>
+          <a:p>
+            <a:pPr lvl="1"/>
+            <a:r>
+              <a:rPr lang="en-US" sz="2000" b="1" i="1" dirty="0">
+                <a:solidFill>
+                  <a:srgbClr val="0070C0"/>
+                </a:solidFill>
+                <a:latin typeface="Consolas" panose="020B0609020204030204" pitchFamily="49" charset="0"/>
+              </a:rPr>
+              <a:t>	except Exception:        </a:t>
+            </a:r>
+          </a:p>
+          <a:p>
+            <a:pPr lvl="1"/>
+            <a:r>
+              <a:rPr lang="en-US" sz="2000" b="1" i="1" dirty="0">
+                <a:solidFill>
+                  <a:srgbClr val="0070C0"/>
+                </a:solidFill>
+                <a:latin typeface="Consolas" panose="020B0609020204030204" pitchFamily="49" charset="0"/>
+              </a:rPr>
+              <a:t>		pass</a:t>
+            </a:r>
+          </a:p>
+        </p:txBody>
+      </p:sp>
+    </p:spTree>
+    <p:extLst>
+      <p:ext uri="{BB962C8B-B14F-4D97-AF65-F5344CB8AC3E}">
+        <p14:creationId xmlns:p14="http://schemas.microsoft.com/office/powerpoint/2010/main" val="3024061482"/>
+      </p:ext>
+    </p:extLst>
+  </p:cSld>
+  <p:clrMapOvr>
+    <a:masterClrMapping/>
+  </p:clrMapOvr>
+</p:sld>
+</file>
+
+<file path=ppt/slides/slide38.xml><?xml version="1.0" encoding="utf-8"?>
+<p:sld xmlns:a="http://schemas.openxmlformats.org/drawingml/2006/main" xmlns:r="http://schemas.openxmlformats.org/officeDocument/2006/relationships" xmlns:p="http://schemas.openxmlformats.org/presentationml/2006/main">
+  <p:cSld>
+    <p:spTree>
+      <p:nvGrpSpPr>
+        <p:cNvPr id="1" name=""/>
+        <p:cNvGrpSpPr/>
+        <p:nvPr/>
+      </p:nvGrpSpPr>
+      <p:grpSpPr>
+        <a:xfrm>
+          <a:off x="0" y="0"/>
+          <a:ext cx="0" cy="0"/>
+          <a:chOff x="0" y="0"/>
+          <a:chExt cx="0" cy="0"/>
+        </a:xfrm>
+      </p:grpSpPr>
+      <p:sp>
+        <p:nvSpPr>
+          <p:cNvPr id="4" name="Title 1"/>
+          <p:cNvSpPr txBox="1">
+            <a:spLocks/>
+          </p:cNvSpPr>
+          <p:nvPr/>
+        </p:nvSpPr>
+        <p:spPr>
+          <a:xfrm>
+            <a:off x="0" y="1"/>
+            <a:ext cx="12192000" cy="721216"/>
+          </a:xfrm>
+          <a:prstGeom prst="rect">
+            <a:avLst/>
+          </a:prstGeom>
+        </p:spPr>
+        <p:style>
+          <a:lnRef idx="0">
+            <a:schemeClr val="accent1"/>
+          </a:lnRef>
+          <a:fillRef idx="3">
+            <a:schemeClr val="accent1"/>
+          </a:fillRef>
+          <a:effectRef idx="3">
+            <a:schemeClr val="accent1"/>
+          </a:effectRef>
+          <a:fontRef idx="minor">
+            <a:schemeClr val="lt1"/>
+          </a:fontRef>
+        </p:style>
+        <p:txBody>
+          <a:bodyPr vert="horz" lIns="91440" tIns="45720" rIns="91440" bIns="45720" rtlCol="0" anchor="ctr">
+            <a:normAutofit/>
+          </a:bodyPr>
+          <a:lstStyle>
+            <a:lvl1pPr algn="l" defTabSz="914400" rtl="0" eaLnBrk="1" latinLnBrk="0" hangingPunct="1">
+              <a:lnSpc>
+                <a:spcPct val="90000"/>
+              </a:lnSpc>
+              <a:spcBef>
+                <a:spcPct val="0"/>
+              </a:spcBef>
+              <a:buNone/>
+              <a:defRPr sz="4400" kern="1200">
+                <a:solidFill>
+                  <a:schemeClr val="lt1"/>
+                </a:solidFill>
+                <a:latin typeface="+mn-lt"/>
+                <a:ea typeface="+mn-ea"/>
+                <a:cs typeface="+mn-cs"/>
+              </a:defRPr>
+            </a:lvl1pPr>
+            <a:lvl2pPr>
+              <a:defRPr>
+                <a:solidFill>
+                  <a:schemeClr val="lt1"/>
+                </a:solidFill>
+                <a:latin typeface="+mn-lt"/>
+                <a:ea typeface="+mn-ea"/>
+                <a:cs typeface="+mn-cs"/>
+              </a:defRPr>
+            </a:lvl2pPr>
+            <a:lvl3pPr>
+              <a:defRPr>
+                <a:solidFill>
+                  <a:schemeClr val="lt1"/>
+                </a:solidFill>
+                <a:latin typeface="+mn-lt"/>
+                <a:ea typeface="+mn-ea"/>
+                <a:cs typeface="+mn-cs"/>
+              </a:defRPr>
+            </a:lvl3pPr>
+            <a:lvl4pPr>
+              <a:defRPr>
+                <a:solidFill>
+                  <a:schemeClr val="lt1"/>
+                </a:solidFill>
+                <a:latin typeface="+mn-lt"/>
+                <a:ea typeface="+mn-ea"/>
+                <a:cs typeface="+mn-cs"/>
+              </a:defRPr>
+            </a:lvl4pPr>
+            <a:lvl5pPr>
+              <a:defRPr>
+                <a:solidFill>
+                  <a:schemeClr val="lt1"/>
+                </a:solidFill>
+                <a:latin typeface="+mn-lt"/>
+                <a:ea typeface="+mn-ea"/>
+                <a:cs typeface="+mn-cs"/>
+              </a:defRPr>
+            </a:lvl5pPr>
+            <a:lvl6pPr>
+              <a:defRPr>
+                <a:solidFill>
+                  <a:schemeClr val="lt1"/>
+                </a:solidFill>
+                <a:latin typeface="+mn-lt"/>
+                <a:ea typeface="+mn-ea"/>
+                <a:cs typeface="+mn-cs"/>
+              </a:defRPr>
+            </a:lvl6pPr>
+            <a:lvl7pPr>
+              <a:defRPr>
+                <a:solidFill>
+                  <a:schemeClr val="lt1"/>
+                </a:solidFill>
+                <a:latin typeface="+mn-lt"/>
+                <a:ea typeface="+mn-ea"/>
+                <a:cs typeface="+mn-cs"/>
+              </a:defRPr>
+            </a:lvl7pPr>
+            <a:lvl8pPr>
+              <a:defRPr>
+                <a:solidFill>
+                  <a:schemeClr val="lt1"/>
+                </a:solidFill>
+                <a:latin typeface="+mn-lt"/>
+                <a:ea typeface="+mn-ea"/>
+                <a:cs typeface="+mn-cs"/>
+              </a:defRPr>
+            </a:lvl8pPr>
+            <a:lvl9pPr>
+              <a:defRPr>
+                <a:solidFill>
+                  <a:schemeClr val="lt1"/>
+                </a:solidFill>
+                <a:latin typeface="+mn-lt"/>
+                <a:ea typeface="+mn-ea"/>
+                <a:cs typeface="+mn-cs"/>
+              </a:defRPr>
+            </a:lvl9pPr>
+          </a:lstStyle>
+          <a:p>
+            <a:r>
+              <a:rPr lang="en-US" dirty="0"/>
               <a:t>Responding to Tweets Using </a:t>
             </a:r>
             <a:r>
@@ -15267,7 +15511,7 @@
 </p:sld>
 </file>
 
-<file path=ppt/slides/slide38.xml><?xml version="1.0" encoding="utf-8"?>
+<file path=ppt/slides/slide39.xml><?xml version="1.0" encoding="utf-8"?>
 <p:sld xmlns:a="http://schemas.openxmlformats.org/drawingml/2006/main" xmlns:r="http://schemas.openxmlformats.org/officeDocument/2006/relationships" xmlns:p="http://schemas.openxmlformats.org/presentationml/2006/main">
   <p:cSld>
     <p:spTree>

--- a/session6/presentation/Internet Of Things.pptx
+++ b/session6/presentation/Internet Of Things.pptx
@@ -283,7 +283,7 @@
           <a:p>
             <a:fld id="{1139FA4A-C808-4981-8BA9-64217A6CCEA7}" type="datetimeFigureOut">
               <a:rPr lang="en-US" smtClean="0"/>
-              <a:t>3/7/2018</a:t>
+              <a:t>3/8/2018</a:t>
             </a:fld>
             <a:endParaRPr lang="en-US"/>
           </a:p>
@@ -451,7 +451,7 @@
           <a:p>
             <a:fld id="{1139FA4A-C808-4981-8BA9-64217A6CCEA7}" type="datetimeFigureOut">
               <a:rPr lang="en-US" smtClean="0"/>
-              <a:t>3/7/2018</a:t>
+              <a:t>3/8/2018</a:t>
             </a:fld>
             <a:endParaRPr lang="en-US"/>
           </a:p>
@@ -629,7 +629,7 @@
           <a:p>
             <a:fld id="{1139FA4A-C808-4981-8BA9-64217A6CCEA7}" type="datetimeFigureOut">
               <a:rPr lang="en-US" smtClean="0"/>
-              <a:t>3/7/2018</a:t>
+              <a:t>3/8/2018</a:t>
             </a:fld>
             <a:endParaRPr lang="en-US"/>
           </a:p>
@@ -797,7 +797,7 @@
           <a:p>
             <a:fld id="{1139FA4A-C808-4981-8BA9-64217A6CCEA7}" type="datetimeFigureOut">
               <a:rPr lang="en-US" smtClean="0"/>
-              <a:t>3/7/2018</a:t>
+              <a:t>3/8/2018</a:t>
             </a:fld>
             <a:endParaRPr lang="en-US"/>
           </a:p>
@@ -1042,7 +1042,7 @@
           <a:p>
             <a:fld id="{1139FA4A-C808-4981-8BA9-64217A6CCEA7}" type="datetimeFigureOut">
               <a:rPr lang="en-US" smtClean="0"/>
-              <a:t>3/7/2018</a:t>
+              <a:t>3/8/2018</a:t>
             </a:fld>
             <a:endParaRPr lang="en-US"/>
           </a:p>
@@ -1271,7 +1271,7 @@
           <a:p>
             <a:fld id="{1139FA4A-C808-4981-8BA9-64217A6CCEA7}" type="datetimeFigureOut">
               <a:rPr lang="en-US" smtClean="0"/>
-              <a:t>3/7/2018</a:t>
+              <a:t>3/8/2018</a:t>
             </a:fld>
             <a:endParaRPr lang="en-US"/>
           </a:p>
@@ -1635,7 +1635,7 @@
           <a:p>
             <a:fld id="{1139FA4A-C808-4981-8BA9-64217A6CCEA7}" type="datetimeFigureOut">
               <a:rPr lang="en-US" smtClean="0"/>
-              <a:t>3/7/2018</a:t>
+              <a:t>3/8/2018</a:t>
             </a:fld>
             <a:endParaRPr lang="en-US"/>
           </a:p>
@@ -1752,7 +1752,7 @@
           <a:p>
             <a:fld id="{1139FA4A-C808-4981-8BA9-64217A6CCEA7}" type="datetimeFigureOut">
               <a:rPr lang="en-US" smtClean="0"/>
-              <a:t>3/7/2018</a:t>
+              <a:t>3/8/2018</a:t>
             </a:fld>
             <a:endParaRPr lang="en-US"/>
           </a:p>
@@ -1847,7 +1847,7 @@
           <a:p>
             <a:fld id="{1139FA4A-C808-4981-8BA9-64217A6CCEA7}" type="datetimeFigureOut">
               <a:rPr lang="en-US" smtClean="0"/>
-              <a:t>3/7/2018</a:t>
+              <a:t>3/8/2018</a:t>
             </a:fld>
             <a:endParaRPr lang="en-US"/>
           </a:p>
@@ -2122,7 +2122,7 @@
           <a:p>
             <a:fld id="{1139FA4A-C808-4981-8BA9-64217A6CCEA7}" type="datetimeFigureOut">
               <a:rPr lang="en-US" smtClean="0"/>
-              <a:t>3/7/2018</a:t>
+              <a:t>3/8/2018</a:t>
             </a:fld>
             <a:endParaRPr lang="en-US"/>
           </a:p>
@@ -2374,7 +2374,7 @@
           <a:p>
             <a:fld id="{1139FA4A-C808-4981-8BA9-64217A6CCEA7}" type="datetimeFigureOut">
               <a:rPr lang="en-US" smtClean="0"/>
-              <a:t>3/7/2018</a:t>
+              <a:t>3/8/2018</a:t>
             </a:fld>
             <a:endParaRPr lang="en-US"/>
           </a:p>
@@ -2585,7 +2585,7 @@
           <a:p>
             <a:fld id="{1139FA4A-C808-4981-8BA9-64217A6CCEA7}" type="datetimeFigureOut">
               <a:rPr lang="en-US" smtClean="0"/>
-              <a:t>3/7/2018</a:t>
+              <a:t>3/8/2018</a:t>
             </a:fld>
             <a:endParaRPr lang="en-US"/>
           </a:p>
@@ -3167,6 +3167,13 @@
   <p:clrMapOvr>
     <a:masterClrMapping/>
   </p:clrMapOvr>
+  <p:timing>
+    <p:tnLst>
+      <p:par>
+        <p:cTn id="1" dur="indefinite" restart="never" nodeType="tmRoot"/>
+      </p:par>
+    </p:tnLst>
+  </p:timing>
 </p:sld>
 </file>
 
@@ -3570,6 +3577,13 @@
   <p:clrMapOvr>
     <a:masterClrMapping/>
   </p:clrMapOvr>
+  <p:timing>
+    <p:tnLst>
+      <p:par>
+        <p:cTn id="1" dur="indefinite" restart="never" nodeType="tmRoot"/>
+      </p:par>
+    </p:tnLst>
+  </p:timing>
 </p:sld>
 </file>
 
@@ -4000,6 +4014,13 @@
   <p:clrMapOvr>
     <a:masterClrMapping/>
   </p:clrMapOvr>
+  <p:timing>
+    <p:tnLst>
+      <p:par>
+        <p:cTn id="1" dur="indefinite" restart="never" nodeType="tmRoot"/>
+      </p:par>
+    </p:tnLst>
+  </p:timing>
 </p:sld>
 </file>
 
@@ -4530,6 +4551,13 @@
   <p:clrMapOvr>
     <a:masterClrMapping/>
   </p:clrMapOvr>
+  <p:timing>
+    <p:tnLst>
+      <p:par>
+        <p:cTn id="1" dur="indefinite" restart="never" nodeType="tmRoot"/>
+      </p:par>
+    </p:tnLst>
+  </p:timing>
 </p:sld>
 </file>
 
@@ -5071,6 +5099,13 @@
   <p:clrMapOvr>
     <a:masterClrMapping/>
   </p:clrMapOvr>
+  <p:timing>
+    <p:tnLst>
+      <p:par>
+        <p:cTn id="1" dur="indefinite" restart="never" nodeType="tmRoot"/>
+      </p:par>
+    </p:tnLst>
+  </p:timing>
 </p:sld>
 </file>
 
@@ -5306,6 +5341,13 @@
   <p:clrMapOvr>
     <a:masterClrMapping/>
   </p:clrMapOvr>
+  <p:timing>
+    <p:tnLst>
+      <p:par>
+        <p:cTn id="1" dur="indefinite" restart="never" nodeType="tmRoot"/>
+      </p:par>
+    </p:tnLst>
+  </p:timing>
 </p:sld>
 </file>
 
@@ -5642,6 +5684,13 @@
   <p:clrMapOvr>
     <a:masterClrMapping/>
   </p:clrMapOvr>
+  <p:timing>
+    <p:tnLst>
+      <p:par>
+        <p:cTn id="1" dur="indefinite" restart="never" nodeType="tmRoot"/>
+      </p:par>
+    </p:tnLst>
+  </p:timing>
 </p:sld>
 </file>
 
@@ -5877,6 +5926,13 @@
   <p:clrMapOvr>
     <a:masterClrMapping/>
   </p:clrMapOvr>
+  <p:timing>
+    <p:tnLst>
+      <p:par>
+        <p:cTn id="1" dur="indefinite" restart="never" nodeType="tmRoot"/>
+      </p:par>
+    </p:tnLst>
+  </p:timing>
 </p:sld>
 </file>
 
@@ -6169,6 +6225,13 @@
   <p:clrMapOvr>
     <a:masterClrMapping/>
   </p:clrMapOvr>
+  <p:timing>
+    <p:tnLst>
+      <p:par>
+        <p:cTn id="1" dur="indefinite" restart="never" nodeType="tmRoot"/>
+      </p:par>
+    </p:tnLst>
+  </p:timing>
 </p:sld>
 </file>
 
@@ -6404,6 +6467,13 @@
   <p:clrMapOvr>
     <a:masterClrMapping/>
   </p:clrMapOvr>
+  <p:timing>
+    <p:tnLst>
+      <p:par>
+        <p:cTn id="1" dur="indefinite" restart="never" nodeType="tmRoot"/>
+      </p:par>
+    </p:tnLst>
+  </p:timing>
 </p:sld>
 </file>
 
@@ -7024,6 +7094,13 @@
   <p:clrMapOvr>
     <a:masterClrMapping/>
   </p:clrMapOvr>
+  <p:timing>
+    <p:tnLst>
+      <p:par>
+        <p:cTn id="1" dur="indefinite" restart="never" nodeType="tmRoot"/>
+      </p:par>
+    </p:tnLst>
+  </p:timing>
 </p:sld>
 </file>
 
@@ -7614,6 +7691,13 @@
   <p:clrMapOvr>
     <a:masterClrMapping/>
   </p:clrMapOvr>
+  <p:timing>
+    <p:tnLst>
+      <p:par>
+        <p:cTn id="1" dur="indefinite" restart="never" nodeType="tmRoot"/>
+      </p:par>
+    </p:tnLst>
+  </p:timing>
 </p:sld>
 </file>
 
@@ -8032,6 +8116,13 @@
   <p:clrMapOvr>
     <a:masterClrMapping/>
   </p:clrMapOvr>
+  <p:timing>
+    <p:tnLst>
+      <p:par>
+        <p:cTn id="1" dur="indefinite" restart="never" nodeType="tmRoot"/>
+      </p:par>
+    </p:tnLst>
+  </p:timing>
 </p:sld>
 </file>
 
@@ -8468,6 +8559,13 @@
   <p:clrMapOvr>
     <a:overrideClrMapping bg1="lt1" tx1="dk1" bg2="lt2" tx2="dk2" accent1="accent1" accent2="accent2" accent3="accent3" accent4="accent4" accent5="accent5" accent6="accent6" hlink="hlink" folHlink="folHlink"/>
   </p:clrMapOvr>
+  <p:timing>
+    <p:tnLst>
+      <p:par>
+        <p:cTn id="1" dur="indefinite" restart="never" nodeType="tmRoot"/>
+      </p:par>
+    </p:tnLst>
+  </p:timing>
 </p:sld>
 </file>
 
@@ -8711,6 +8809,13 @@
   <p:clrMapOvr>
     <a:masterClrMapping/>
   </p:clrMapOvr>
+  <p:timing>
+    <p:tnLst>
+      <p:par>
+        <p:cTn id="1" dur="indefinite" restart="never" nodeType="tmRoot"/>
+      </p:par>
+    </p:tnLst>
+  </p:timing>
 </p:sld>
 </file>
 
@@ -9025,6 +9130,13 @@
   <p:clrMapOvr>
     <a:masterClrMapping/>
   </p:clrMapOvr>
+  <p:timing>
+    <p:tnLst>
+      <p:par>
+        <p:cTn id="1" dur="indefinite" restart="never" nodeType="tmRoot"/>
+      </p:par>
+    </p:tnLst>
+  </p:timing>
 </p:sld>
 </file>
 
@@ -9298,6 +9410,13 @@
   <p:clrMapOvr>
     <a:masterClrMapping/>
   </p:clrMapOvr>
+  <p:timing>
+    <p:tnLst>
+      <p:par>
+        <p:cTn id="1" dur="indefinite" restart="never" nodeType="tmRoot"/>
+      </p:par>
+    </p:tnLst>
+  </p:timing>
 </p:sld>
 </file>
 
@@ -9759,17 +9878,17 @@
                 <a:latin typeface="Consolas" panose="020B0609020204030204" pitchFamily="49" charset="0"/>
                 <a:cs typeface="Consolas" panose="020B0609020204030204" pitchFamily="49" charset="0"/>
               </a:rPr>
-              <a:t>    	response = urllib2.urlopen(</a:t>
-            </a:r>
-            <a:r>
-              <a:rPr lang="en-US" sz="2000" b="1" i="1" dirty="0" err="1">
-                <a:solidFill>
-                  <a:srgbClr val="0070C0"/>
-                </a:solidFill>
-                <a:latin typeface="Consolas" panose="020B0609020204030204" pitchFamily="49" charset="0"/>
-                <a:cs typeface="Consolas" panose="020B0609020204030204" pitchFamily="49" charset="0"/>
-              </a:rPr>
-              <a:t>url</a:t>
+              <a:t>    </a:t>
+            </a:r>
+            <a:r>
+              <a:rPr lang="en-US" sz="2000" b="1" i="1" dirty="0" smtClean="0">
+                <a:solidFill>
+                  <a:srgbClr val="0070C0"/>
+                </a:solidFill>
+                <a:latin typeface="Consolas" panose="020B0609020204030204" pitchFamily="49" charset="0"/>
+                <a:cs typeface="Consolas" panose="020B0609020204030204" pitchFamily="49" charset="0"/>
+              </a:rPr>
+              <a:t>response </a:t>
             </a:r>
             <a:r>
               <a:rPr lang="en-US" sz="2000" b="1" i="1" dirty="0">
@@ -9779,50 +9898,30 @@
                 <a:latin typeface="Consolas" panose="020B0609020204030204" pitchFamily="49" charset="0"/>
                 <a:cs typeface="Consolas" panose="020B0609020204030204" pitchFamily="49" charset="0"/>
               </a:rPr>
-              <a:t>=</a:t>
-            </a:r>
-            <a:r>
-              <a:rPr lang="en-US" sz="2000" b="1" i="1" dirty="0" err="1">
-                <a:solidFill>
-                  <a:srgbClr val="0070C0"/>
-                </a:solidFill>
-                <a:latin typeface="Consolas" panose="020B0609020204030204" pitchFamily="49" charset="0"/>
-                <a:cs typeface="Consolas" panose="020B0609020204030204" pitchFamily="49" charset="0"/>
-              </a:rPr>
-              <a:t>completeUrl</a:t>
-            </a:r>
-            <a:r>
-              <a:rPr lang="en-US" sz="2000" b="1" i="1" dirty="0">
-                <a:solidFill>
-                  <a:srgbClr val="0070C0"/>
-                </a:solidFill>
-                <a:latin typeface="Consolas" panose="020B0609020204030204" pitchFamily="49" charset="0"/>
-                <a:cs typeface="Consolas" panose="020B0609020204030204" pitchFamily="49" charset="0"/>
-              </a:rPr>
-              <a:t>)</a:t>
-            </a:r>
-          </a:p>
-          <a:p>
-            <a:pPr lvl="1"/>
-            <a:r>
-              <a:rPr lang="en-US" sz="2000" b="1" i="1" dirty="0">
-                <a:solidFill>
-                  <a:srgbClr val="0070C0"/>
-                </a:solidFill>
-                <a:latin typeface="Consolas" panose="020B0609020204030204" pitchFamily="49" charset="0"/>
-                <a:cs typeface="Consolas" panose="020B0609020204030204" pitchFamily="49" charset="0"/>
-              </a:rPr>
-              <a:t>    	print(</a:t>
-            </a:r>
-            <a:r>
-              <a:rPr lang="en-US" sz="2000" b="1" i="1" dirty="0" err="1">
-                <a:solidFill>
-                  <a:srgbClr val="0070C0"/>
-                </a:solidFill>
-                <a:latin typeface="Consolas" panose="020B0609020204030204" pitchFamily="49" charset="0"/>
-                <a:cs typeface="Consolas" panose="020B0609020204030204" pitchFamily="49" charset="0"/>
-              </a:rPr>
-              <a:t>response.read</a:t>
+              <a:t>= urllib2.urlopen(url=completeUrl)</a:t>
+            </a:r>
+          </a:p>
+          <a:p>
+            <a:pPr lvl="1"/>
+            <a:r>
+              <a:rPr lang="en-US" sz="2000" b="1" i="1">
+                <a:solidFill>
+                  <a:srgbClr val="0070C0"/>
+                </a:solidFill>
+                <a:latin typeface="Consolas" panose="020B0609020204030204" pitchFamily="49" charset="0"/>
+                <a:cs typeface="Consolas" panose="020B0609020204030204" pitchFamily="49" charset="0"/>
+              </a:rPr>
+              <a:t>    </a:t>
+            </a:r>
+            <a:r>
+              <a:rPr lang="en-US" sz="2000" b="1" i="1" smtClean="0">
+                <a:solidFill>
+                  <a:srgbClr val="0070C0"/>
+                </a:solidFill>
+                <a:latin typeface="Consolas" panose="020B0609020204030204" pitchFamily="49" charset="0"/>
+                <a:cs typeface="Consolas" panose="020B0609020204030204" pitchFamily="49" charset="0"/>
+              </a:rPr>
+              <a:t>print(response.read</a:t>
             </a:r>
             <a:r>
               <a:rPr lang="en-US" sz="2000" b="1" i="1" dirty="0">
@@ -10049,6 +10148,13 @@
   <p:clrMapOvr>
     <a:masterClrMapping/>
   </p:clrMapOvr>
+  <p:timing>
+    <p:tnLst>
+      <p:par>
+        <p:cTn id="1" dur="indefinite" restart="never" nodeType="tmRoot"/>
+      </p:par>
+    </p:tnLst>
+  </p:timing>
 </p:sld>
 </file>
 
@@ -10475,6 +10581,13 @@
   <p:clrMapOvr>
     <a:masterClrMapping/>
   </p:clrMapOvr>
+  <p:timing>
+    <p:tnLst>
+      <p:par>
+        <p:cTn id="1" dur="indefinite" restart="never" nodeType="tmRoot"/>
+      </p:par>
+    </p:tnLst>
+  </p:timing>
 </p:sld>
 </file>
 
@@ -10792,6 +10905,13 @@
   <p:clrMapOvr>
     <a:masterClrMapping/>
   </p:clrMapOvr>
+  <p:timing>
+    <p:tnLst>
+      <p:par>
+        <p:cTn id="1" dur="indefinite" restart="never" nodeType="tmRoot"/>
+      </p:par>
+    </p:tnLst>
+  </p:timing>
 </p:sld>
 </file>
 
@@ -11041,6 +11161,13 @@
   <p:clrMapOvr>
     <a:masterClrMapping/>
   </p:clrMapOvr>
+  <p:timing>
+    <p:tnLst>
+      <p:par>
+        <p:cTn id="1" dur="indefinite" restart="never" nodeType="tmRoot"/>
+      </p:par>
+    </p:tnLst>
+  </p:timing>
 </p:sld>
 </file>
 
@@ -12113,6 +12240,13 @@
   <p:clrMapOvr>
     <a:masterClrMapping/>
   </p:clrMapOvr>
+  <p:timing>
+    <p:tnLst>
+      <p:par>
+        <p:cTn id="1" dur="indefinite" restart="never" nodeType="tmRoot"/>
+      </p:par>
+    </p:tnLst>
+  </p:timing>
 </p:sld>
 </file>
 
@@ -16244,6 +16378,13 @@
   <p:clrMapOvr>
     <a:masterClrMapping/>
   </p:clrMapOvr>
+  <p:timing>
+    <p:tnLst>
+      <p:par>
+        <p:cTn id="1" dur="indefinite" restart="never" nodeType="tmRoot"/>
+      </p:par>
+    </p:tnLst>
+  </p:timing>
 </p:sld>
 </file>
 
@@ -16680,6 +16821,13 @@
   <p:clrMapOvr>
     <a:masterClrMapping/>
   </p:clrMapOvr>
+  <p:timing>
+    <p:tnLst>
+      <p:par>
+        <p:cTn id="1" dur="indefinite" restart="never" nodeType="tmRoot"/>
+      </p:par>
+    </p:tnLst>
+  </p:timing>
 </p:sld>
 </file>
 
@@ -17364,6 +17512,13 @@
   <p:clrMapOvr>
     <a:masterClrMapping/>
   </p:clrMapOvr>
+  <p:timing>
+    <p:tnLst>
+      <p:par>
+        <p:cTn id="1" dur="indefinite" restart="never" nodeType="tmRoot"/>
+      </p:par>
+    </p:tnLst>
+  </p:timing>
 </p:sld>
 </file>
 
@@ -17846,6 +18001,13 @@
   <p:clrMapOvr>
     <a:masterClrMapping/>
   </p:clrMapOvr>
+  <p:timing>
+    <p:tnLst>
+      <p:par>
+        <p:cTn id="1" dur="indefinite" restart="never" nodeType="tmRoot"/>
+      </p:par>
+    </p:tnLst>
+  </p:timing>
 </p:sld>
 </file>
 
@@ -18602,6 +18764,13 @@
   <p:clrMapOvr>
     <a:masterClrMapping/>
   </p:clrMapOvr>
+  <p:timing>
+    <p:tnLst>
+      <p:par>
+        <p:cTn id="1" dur="indefinite" restart="never" nodeType="tmRoot"/>
+      </p:par>
+    </p:tnLst>
+  </p:timing>
 </p:sld>
 </file>
 
@@ -19173,6 +19342,13 @@
   <p:clrMapOvr>
     <a:masterClrMapping/>
   </p:clrMapOvr>
+  <p:timing>
+    <p:tnLst>
+      <p:par>
+        <p:cTn id="1" dur="indefinite" restart="never" nodeType="tmRoot"/>
+      </p:par>
+    </p:tnLst>
+  </p:timing>
 </p:sld>
 </file>
 
